--- a/catkin_ws/diagrams.pptx
+++ b/catkin_ws/diagrams.pptx
@@ -4,12 +4,17 @@
   <p:sldMasterIdLst>
     <p:sldMasterId id="2147483648" r:id="rId1"/>
   </p:sldMasterIdLst>
+  <p:notesMasterIdLst>
+    <p:notesMasterId r:id="rId6"/>
+  </p:notesMasterIdLst>
   <p:sldIdLst>
     <p:sldId id="256" r:id="rId2"/>
     <p:sldId id="257" r:id="rId3"/>
+    <p:sldId id="258" r:id="rId4"/>
+    <p:sldId id="259" r:id="rId5"/>
   </p:sldIdLst>
   <p:sldSz cx="12192000" cy="6858000"/>
-  <p:notesSz cx="6858000" cy="9144000"/>
+  <p:notesSz cx="6797675" cy="9926638"/>
   <p:defaultTextStyle>
     <a:defPPr>
       <a:defRPr lang="en-US"/>
@@ -105,7 +110,362 @@
       </a:defRPr>
     </a:lvl9pPr>
   </p:defaultTextStyle>
+  <p:extLst>
+    <p:ext uri="{EFAFB233-063F-42B5-8137-9DF3F51BA10A}">
+      <p15:sldGuideLst xmlns:p15="http://schemas.microsoft.com/office/powerpoint/2012/main"/>
+    </p:ext>
+  </p:extLst>
 </p:presentation>
+</file>
+
+<file path=ppt/notesMasters/notesMaster1.xml><?xml version="1.0" encoding="utf-8"?>
+<p:notesMaster xmlns:a="http://schemas.openxmlformats.org/drawingml/2006/main" xmlns:r="http://schemas.openxmlformats.org/officeDocument/2006/relationships" xmlns:p="http://schemas.openxmlformats.org/presentationml/2006/main">
+  <p:cSld>
+    <p:bg>
+      <p:bgRef idx="1001">
+        <a:schemeClr val="bg1"/>
+      </p:bgRef>
+    </p:bg>
+    <p:spTree>
+      <p:nvGrpSpPr>
+        <p:cNvPr id="1" name=""/>
+        <p:cNvGrpSpPr/>
+        <p:nvPr/>
+      </p:nvGrpSpPr>
+      <p:grpSpPr>
+        <a:xfrm>
+          <a:off x="0" y="0"/>
+          <a:ext cx="0" cy="0"/>
+          <a:chOff x="0" y="0"/>
+          <a:chExt cx="0" cy="0"/>
+        </a:xfrm>
+      </p:grpSpPr>
+      <p:sp>
+        <p:nvSpPr>
+          <p:cNvPr id="2" name="Header Placeholder 1"/>
+          <p:cNvSpPr>
+            <a:spLocks noGrp="1"/>
+          </p:cNvSpPr>
+          <p:nvPr>
+            <p:ph type="hdr" sz="quarter"/>
+          </p:nvPr>
+        </p:nvSpPr>
+        <p:spPr>
+          <a:xfrm>
+            <a:off x="0" y="0"/>
+            <a:ext cx="2945659" cy="498056"/>
+          </a:xfrm>
+          <a:prstGeom prst="rect">
+            <a:avLst/>
+          </a:prstGeom>
+        </p:spPr>
+        <p:txBody>
+          <a:bodyPr vert="horz" lIns="91440" tIns="45720" rIns="91440" bIns="45720" rtlCol="0"/>
+          <a:lstStyle>
+            <a:lvl1pPr algn="l">
+              <a:defRPr sz="1200"/>
+            </a:lvl1pPr>
+          </a:lstStyle>
+          <a:p>
+            <a:endParaRPr lang="en-GB"/>
+          </a:p>
+        </p:txBody>
+      </p:sp>
+      <p:sp>
+        <p:nvSpPr>
+          <p:cNvPr id="3" name="Date Placeholder 2"/>
+          <p:cNvSpPr>
+            <a:spLocks noGrp="1"/>
+          </p:cNvSpPr>
+          <p:nvPr>
+            <p:ph type="dt" idx="1"/>
+          </p:nvPr>
+        </p:nvSpPr>
+        <p:spPr>
+          <a:xfrm>
+            <a:off x="3850443" y="0"/>
+            <a:ext cx="2945659" cy="498056"/>
+          </a:xfrm>
+          <a:prstGeom prst="rect">
+            <a:avLst/>
+          </a:prstGeom>
+        </p:spPr>
+        <p:txBody>
+          <a:bodyPr vert="horz" lIns="91440" tIns="45720" rIns="91440" bIns="45720" rtlCol="0"/>
+          <a:lstStyle>
+            <a:lvl1pPr algn="r">
+              <a:defRPr sz="1200"/>
+            </a:lvl1pPr>
+          </a:lstStyle>
+          <a:p>
+            <a:fld id="{29E52F65-0780-45DC-A6B0-5D271DABE297}" type="datetimeFigureOut">
+              <a:rPr lang="en-GB" smtClean="0"/>
+              <a:t>14/12/2018</a:t>
+            </a:fld>
+            <a:endParaRPr lang="en-GB"/>
+          </a:p>
+        </p:txBody>
+      </p:sp>
+      <p:sp>
+        <p:nvSpPr>
+          <p:cNvPr id="4" name="Slide Image Placeholder 3"/>
+          <p:cNvSpPr>
+            <a:spLocks noGrp="1" noRot="1" noChangeAspect="1"/>
+          </p:cNvSpPr>
+          <p:nvPr>
+            <p:ph type="sldImg" idx="2"/>
+          </p:nvPr>
+        </p:nvSpPr>
+        <p:spPr>
+          <a:xfrm>
+            <a:off x="422275" y="1241425"/>
+            <a:ext cx="5953125" cy="3349625"/>
+          </a:xfrm>
+          <a:prstGeom prst="rect">
+            <a:avLst/>
+          </a:prstGeom>
+          <a:noFill/>
+          <a:ln w="12700">
+            <a:solidFill>
+              <a:prstClr val="black"/>
+            </a:solidFill>
+          </a:ln>
+        </p:spPr>
+        <p:txBody>
+          <a:bodyPr vert="horz" lIns="91440" tIns="45720" rIns="91440" bIns="45720" rtlCol="0" anchor="ctr"/>
+          <a:lstStyle/>
+          <a:p>
+            <a:endParaRPr lang="en-GB"/>
+          </a:p>
+        </p:txBody>
+      </p:sp>
+      <p:sp>
+        <p:nvSpPr>
+          <p:cNvPr id="5" name="Notes Placeholder 4"/>
+          <p:cNvSpPr>
+            <a:spLocks noGrp="1"/>
+          </p:cNvSpPr>
+          <p:nvPr>
+            <p:ph type="body" sz="quarter" idx="3"/>
+          </p:nvPr>
+        </p:nvSpPr>
+        <p:spPr>
+          <a:xfrm>
+            <a:off x="679768" y="4777194"/>
+            <a:ext cx="5438140" cy="3908614"/>
+          </a:xfrm>
+          <a:prstGeom prst="rect">
+            <a:avLst/>
+          </a:prstGeom>
+        </p:spPr>
+        <p:txBody>
+          <a:bodyPr vert="horz" lIns="91440" tIns="45720" rIns="91440" bIns="45720" rtlCol="0"/>
+          <a:lstStyle/>
+          <a:p>
+            <a:pPr lvl="0"/>
+            <a:r>
+              <a:rPr lang="en-US"/>
+              <a:t>Edit Master text styles</a:t>
+            </a:r>
+          </a:p>
+          <a:p>
+            <a:pPr lvl="1"/>
+            <a:r>
+              <a:rPr lang="en-US"/>
+              <a:t>Second level</a:t>
+            </a:r>
+          </a:p>
+          <a:p>
+            <a:pPr lvl="2"/>
+            <a:r>
+              <a:rPr lang="en-US"/>
+              <a:t>Third level</a:t>
+            </a:r>
+          </a:p>
+          <a:p>
+            <a:pPr lvl="3"/>
+            <a:r>
+              <a:rPr lang="en-US"/>
+              <a:t>Fourth level</a:t>
+            </a:r>
+          </a:p>
+          <a:p>
+            <a:pPr lvl="4"/>
+            <a:r>
+              <a:rPr lang="en-US"/>
+              <a:t>Fifth level</a:t>
+            </a:r>
+            <a:endParaRPr lang="en-GB"/>
+          </a:p>
+        </p:txBody>
+      </p:sp>
+      <p:sp>
+        <p:nvSpPr>
+          <p:cNvPr id="6" name="Footer Placeholder 5"/>
+          <p:cNvSpPr>
+            <a:spLocks noGrp="1"/>
+          </p:cNvSpPr>
+          <p:nvPr>
+            <p:ph type="ftr" sz="quarter" idx="4"/>
+          </p:nvPr>
+        </p:nvSpPr>
+        <p:spPr>
+          <a:xfrm>
+            <a:off x="0" y="9428584"/>
+            <a:ext cx="2945659" cy="498055"/>
+          </a:xfrm>
+          <a:prstGeom prst="rect">
+            <a:avLst/>
+          </a:prstGeom>
+        </p:spPr>
+        <p:txBody>
+          <a:bodyPr vert="horz" lIns="91440" tIns="45720" rIns="91440" bIns="45720" rtlCol="0" anchor="b"/>
+          <a:lstStyle>
+            <a:lvl1pPr algn="l">
+              <a:defRPr sz="1200"/>
+            </a:lvl1pPr>
+          </a:lstStyle>
+          <a:p>
+            <a:endParaRPr lang="en-GB"/>
+          </a:p>
+        </p:txBody>
+      </p:sp>
+      <p:sp>
+        <p:nvSpPr>
+          <p:cNvPr id="7" name="Slide Number Placeholder 6"/>
+          <p:cNvSpPr>
+            <a:spLocks noGrp="1"/>
+          </p:cNvSpPr>
+          <p:nvPr>
+            <p:ph type="sldNum" sz="quarter" idx="5"/>
+          </p:nvPr>
+        </p:nvSpPr>
+        <p:spPr>
+          <a:xfrm>
+            <a:off x="3850443" y="9428584"/>
+            <a:ext cx="2945659" cy="498055"/>
+          </a:xfrm>
+          <a:prstGeom prst="rect">
+            <a:avLst/>
+          </a:prstGeom>
+        </p:spPr>
+        <p:txBody>
+          <a:bodyPr vert="horz" lIns="91440" tIns="45720" rIns="91440" bIns="45720" rtlCol="0" anchor="b"/>
+          <a:lstStyle>
+            <a:lvl1pPr algn="r">
+              <a:defRPr sz="1200"/>
+            </a:lvl1pPr>
+          </a:lstStyle>
+          <a:p>
+            <a:fld id="{4A8C1447-9DF5-4ED8-98D6-A9F5D996F2E2}" type="slidenum">
+              <a:rPr lang="en-GB" smtClean="0"/>
+              <a:t>‹#›</a:t>
+            </a:fld>
+            <a:endParaRPr lang="en-GB"/>
+          </a:p>
+        </p:txBody>
+      </p:sp>
+    </p:spTree>
+    <p:extLst>
+      <p:ext uri="{BB962C8B-B14F-4D97-AF65-F5344CB8AC3E}">
+        <p14:creationId xmlns:p14="http://schemas.microsoft.com/office/powerpoint/2010/main" val="1764879083"/>
+      </p:ext>
+    </p:extLst>
+  </p:cSld>
+  <p:clrMap bg1="lt1" tx1="dk1" bg2="lt2" tx2="dk2" accent1="accent1" accent2="accent2" accent3="accent3" accent4="accent4" accent5="accent5" accent6="accent6" hlink="hlink" folHlink="folHlink"/>
+  <p:notesStyle>
+    <a:lvl1pPr marL="0" algn="l" defTabSz="914400" rtl="0" eaLnBrk="1" latinLnBrk="0" hangingPunct="1">
+      <a:defRPr sz="1200" kern="1200">
+        <a:solidFill>
+          <a:schemeClr val="tx1"/>
+        </a:solidFill>
+        <a:latin typeface="+mn-lt"/>
+        <a:ea typeface="+mn-ea"/>
+        <a:cs typeface="+mn-cs"/>
+      </a:defRPr>
+    </a:lvl1pPr>
+    <a:lvl2pPr marL="457200" algn="l" defTabSz="914400" rtl="0" eaLnBrk="1" latinLnBrk="0" hangingPunct="1">
+      <a:defRPr sz="1200" kern="1200">
+        <a:solidFill>
+          <a:schemeClr val="tx1"/>
+        </a:solidFill>
+        <a:latin typeface="+mn-lt"/>
+        <a:ea typeface="+mn-ea"/>
+        <a:cs typeface="+mn-cs"/>
+      </a:defRPr>
+    </a:lvl2pPr>
+    <a:lvl3pPr marL="914400" algn="l" defTabSz="914400" rtl="0" eaLnBrk="1" latinLnBrk="0" hangingPunct="1">
+      <a:defRPr sz="1200" kern="1200">
+        <a:solidFill>
+          <a:schemeClr val="tx1"/>
+        </a:solidFill>
+        <a:latin typeface="+mn-lt"/>
+        <a:ea typeface="+mn-ea"/>
+        <a:cs typeface="+mn-cs"/>
+      </a:defRPr>
+    </a:lvl3pPr>
+    <a:lvl4pPr marL="1371600" algn="l" defTabSz="914400" rtl="0" eaLnBrk="1" latinLnBrk="0" hangingPunct="1">
+      <a:defRPr sz="1200" kern="1200">
+        <a:solidFill>
+          <a:schemeClr val="tx1"/>
+        </a:solidFill>
+        <a:latin typeface="+mn-lt"/>
+        <a:ea typeface="+mn-ea"/>
+        <a:cs typeface="+mn-cs"/>
+      </a:defRPr>
+    </a:lvl4pPr>
+    <a:lvl5pPr marL="1828800" algn="l" defTabSz="914400" rtl="0" eaLnBrk="1" latinLnBrk="0" hangingPunct="1">
+      <a:defRPr sz="1200" kern="1200">
+        <a:solidFill>
+          <a:schemeClr val="tx1"/>
+        </a:solidFill>
+        <a:latin typeface="+mn-lt"/>
+        <a:ea typeface="+mn-ea"/>
+        <a:cs typeface="+mn-cs"/>
+      </a:defRPr>
+    </a:lvl5pPr>
+    <a:lvl6pPr marL="2286000" algn="l" defTabSz="914400" rtl="0" eaLnBrk="1" latinLnBrk="0" hangingPunct="1">
+      <a:defRPr sz="1200" kern="1200">
+        <a:solidFill>
+          <a:schemeClr val="tx1"/>
+        </a:solidFill>
+        <a:latin typeface="+mn-lt"/>
+        <a:ea typeface="+mn-ea"/>
+        <a:cs typeface="+mn-cs"/>
+      </a:defRPr>
+    </a:lvl6pPr>
+    <a:lvl7pPr marL="2743200" algn="l" defTabSz="914400" rtl="0" eaLnBrk="1" latinLnBrk="0" hangingPunct="1">
+      <a:defRPr sz="1200" kern="1200">
+        <a:solidFill>
+          <a:schemeClr val="tx1"/>
+        </a:solidFill>
+        <a:latin typeface="+mn-lt"/>
+        <a:ea typeface="+mn-ea"/>
+        <a:cs typeface="+mn-cs"/>
+      </a:defRPr>
+    </a:lvl7pPr>
+    <a:lvl8pPr marL="3200400" algn="l" defTabSz="914400" rtl="0" eaLnBrk="1" latinLnBrk="0" hangingPunct="1">
+      <a:defRPr sz="1200" kern="1200">
+        <a:solidFill>
+          <a:schemeClr val="tx1"/>
+        </a:solidFill>
+        <a:latin typeface="+mn-lt"/>
+        <a:ea typeface="+mn-ea"/>
+        <a:cs typeface="+mn-cs"/>
+      </a:defRPr>
+    </a:lvl8pPr>
+    <a:lvl9pPr marL="3657600" algn="l" defTabSz="914400" rtl="0" eaLnBrk="1" latinLnBrk="0" hangingPunct="1">
+      <a:defRPr sz="1200" kern="1200">
+        <a:solidFill>
+          <a:schemeClr val="tx1"/>
+        </a:solidFill>
+        <a:latin typeface="+mn-lt"/>
+        <a:ea typeface="+mn-ea"/>
+        <a:cs typeface="+mn-cs"/>
+      </a:defRPr>
+    </a:lvl9pPr>
+  </p:notesStyle>
+</p:notesMaster>
 </file>
 
 <file path=ppt/slideLayouts/slideLayout1.xml><?xml version="1.0" encoding="utf-8"?>
@@ -255,7 +615,7 @@
           <a:p>
             <a:fld id="{50BABC5D-73AD-A341-9003-8412548A7140}" type="datetimeFigureOut">
               <a:rPr lang="en-US" smtClean="0"/>
-              <a:t>12/13/18</a:t>
+              <a:t>12/14/2018</a:t>
             </a:fld>
             <a:endParaRPr lang="en-US"/>
           </a:p>
@@ -453,7 +813,7 @@
           <a:p>
             <a:fld id="{50BABC5D-73AD-A341-9003-8412548A7140}" type="datetimeFigureOut">
               <a:rPr lang="en-US" smtClean="0"/>
-              <a:t>12/13/18</a:t>
+              <a:t>12/14/2018</a:t>
             </a:fld>
             <a:endParaRPr lang="en-US"/>
           </a:p>
@@ -661,7 +1021,7 @@
           <a:p>
             <a:fld id="{50BABC5D-73AD-A341-9003-8412548A7140}" type="datetimeFigureOut">
               <a:rPr lang="en-US" smtClean="0"/>
-              <a:t>12/13/18</a:t>
+              <a:t>12/14/2018</a:t>
             </a:fld>
             <a:endParaRPr lang="en-US"/>
           </a:p>
@@ -859,7 +1219,7 @@
           <a:p>
             <a:fld id="{50BABC5D-73AD-A341-9003-8412548A7140}" type="datetimeFigureOut">
               <a:rPr lang="en-US" smtClean="0"/>
-              <a:t>12/13/18</a:t>
+              <a:t>12/14/2018</a:t>
             </a:fld>
             <a:endParaRPr lang="en-US"/>
           </a:p>
@@ -1134,7 +1494,7 @@
           <a:p>
             <a:fld id="{50BABC5D-73AD-A341-9003-8412548A7140}" type="datetimeFigureOut">
               <a:rPr lang="en-US" smtClean="0"/>
-              <a:t>12/13/18</a:t>
+              <a:t>12/14/2018</a:t>
             </a:fld>
             <a:endParaRPr lang="en-US"/>
           </a:p>
@@ -1399,7 +1759,7 @@
           <a:p>
             <a:fld id="{50BABC5D-73AD-A341-9003-8412548A7140}" type="datetimeFigureOut">
               <a:rPr lang="en-US" smtClean="0"/>
-              <a:t>12/13/18</a:t>
+              <a:t>12/14/2018</a:t>
             </a:fld>
             <a:endParaRPr lang="en-US"/>
           </a:p>
@@ -1811,7 +2171,7 @@
           <a:p>
             <a:fld id="{50BABC5D-73AD-A341-9003-8412548A7140}" type="datetimeFigureOut">
               <a:rPr lang="en-US" smtClean="0"/>
-              <a:t>12/13/18</a:t>
+              <a:t>12/14/2018</a:t>
             </a:fld>
             <a:endParaRPr lang="en-US"/>
           </a:p>
@@ -1952,7 +2312,7 @@
           <a:p>
             <a:fld id="{50BABC5D-73AD-A341-9003-8412548A7140}" type="datetimeFigureOut">
               <a:rPr lang="en-US" smtClean="0"/>
-              <a:t>12/13/18</a:t>
+              <a:t>12/14/2018</a:t>
             </a:fld>
             <a:endParaRPr lang="en-US"/>
           </a:p>
@@ -2065,7 +2425,7 @@
           <a:p>
             <a:fld id="{50BABC5D-73AD-A341-9003-8412548A7140}" type="datetimeFigureOut">
               <a:rPr lang="en-US" smtClean="0"/>
-              <a:t>12/13/18</a:t>
+              <a:t>12/14/2018</a:t>
             </a:fld>
             <a:endParaRPr lang="en-US"/>
           </a:p>
@@ -2376,7 +2736,7 @@
           <a:p>
             <a:fld id="{50BABC5D-73AD-A341-9003-8412548A7140}" type="datetimeFigureOut">
               <a:rPr lang="en-US" smtClean="0"/>
-              <a:t>12/13/18</a:t>
+              <a:t>12/14/2018</a:t>
             </a:fld>
             <a:endParaRPr lang="en-US"/>
           </a:p>
@@ -2664,7 +3024,7 @@
           <a:p>
             <a:fld id="{50BABC5D-73AD-A341-9003-8412548A7140}" type="datetimeFigureOut">
               <a:rPr lang="en-US" smtClean="0"/>
-              <a:t>12/13/18</a:t>
+              <a:t>12/14/2018</a:t>
             </a:fld>
             <a:endParaRPr lang="en-US"/>
           </a:p>
@@ -2905,7 +3265,7 @@
           <a:p>
             <a:fld id="{50BABC5D-73AD-A341-9003-8412548A7140}" type="datetimeFigureOut">
               <a:rPr lang="en-US" smtClean="0"/>
-              <a:t>12/13/18</a:t>
+              <a:t>12/14/2018</a:t>
             </a:fld>
             <a:endParaRPr lang="en-US"/>
           </a:p>
@@ -4605,8 +4965,8 @@
         </p:nvCxnSpPr>
         <p:spPr>
           <a:xfrm>
-            <a:off x="4469407" y="1354002"/>
-            <a:ext cx="744757" cy="410569"/>
+            <a:off x="4758787" y="1410011"/>
+            <a:ext cx="455377" cy="354560"/>
           </a:xfrm>
           <a:prstGeom prst="line">
             <a:avLst/>
@@ -4789,9 +5149,9 @@
           <p:nvPr/>
         </p:nvCxnSpPr>
         <p:spPr>
-          <a:xfrm flipH="1" flipV="1">
-            <a:off x="4467156" y="1356025"/>
-            <a:ext cx="4503" cy="862009"/>
+          <a:xfrm flipV="1">
+            <a:off x="4471660" y="1410011"/>
+            <a:ext cx="284751" cy="808024"/>
           </a:xfrm>
           <a:prstGeom prst="line">
             <a:avLst/>
@@ -4917,7 +5277,7 @@
         </p:nvSpPr>
         <p:spPr>
           <a:xfrm>
-            <a:off x="4473709" y="1913485"/>
+            <a:off x="6586861" y="2501328"/>
             <a:ext cx="335492" cy="283634"/>
           </a:xfrm>
           <a:custGeom>
@@ -5051,7 +5411,7 @@
         </p:nvSpPr>
         <p:spPr>
           <a:xfrm>
-            <a:off x="4641818" y="1802168"/>
+            <a:off x="6754970" y="2390011"/>
             <a:ext cx="154845" cy="138499"/>
           </a:xfrm>
           <a:prstGeom prst="rect">
@@ -5455,8 +5815,8 @@
           <a:lstStyle/>
           <a:p>
             <a:r>
-              <a:rPr lang="en-US" sz="900" dirty="0" err="1"/>
-              <a:t>wc</a:t>
+              <a:rPr lang="en-US" sz="900" dirty="0"/>
+              <a:t>WC</a:t>
             </a:r>
             <a:endParaRPr lang="en-US" sz="900" baseline="-25000" dirty="0"/>
           </a:p>
@@ -5476,7 +5836,7 @@
         </p:nvSpPr>
         <p:spPr>
           <a:xfrm>
-            <a:off x="4273000" y="1156031"/>
+            <a:off x="4564806" y="1214432"/>
             <a:ext cx="391886" cy="391886"/>
           </a:xfrm>
           <a:prstGeom prst="ellipse">
@@ -5528,7 +5888,7 @@
         </p:nvSpPr>
         <p:spPr>
           <a:xfrm>
-            <a:off x="5063453" y="1651238"/>
+            <a:off x="8348191" y="4341172"/>
             <a:ext cx="227976" cy="227976"/>
           </a:xfrm>
           <a:prstGeom prst="ellipse">
@@ -5798,8 +6158,8 @@
         </p:nvCxnSpPr>
         <p:spPr>
           <a:xfrm>
-            <a:off x="4466333" y="1340593"/>
-            <a:ext cx="1455766" cy="564144"/>
+            <a:off x="4760749" y="1410011"/>
+            <a:ext cx="1161350" cy="494726"/>
           </a:xfrm>
           <a:prstGeom prst="line">
             <a:avLst/>
@@ -5967,7 +6327,7 @@
         </p:nvCxnSpPr>
         <p:spPr>
           <a:xfrm>
-            <a:off x="4466333" y="840993"/>
+            <a:off x="4482176" y="881969"/>
             <a:ext cx="0" cy="1426599"/>
           </a:xfrm>
           <a:prstGeom prst="line">
@@ -6303,7 +6663,7 @@
         </p:nvSpPr>
         <p:spPr>
           <a:xfrm>
-            <a:off x="4817347" y="1341633"/>
+            <a:off x="7078032" y="979792"/>
             <a:ext cx="139301" cy="213981"/>
           </a:xfrm>
           <a:custGeom>
@@ -6457,7 +6817,7 @@
         </p:nvSpPr>
         <p:spPr>
           <a:xfrm>
-            <a:off x="5023271" y="1379373"/>
+            <a:off x="7283956" y="1017532"/>
             <a:ext cx="154845" cy="138499"/>
           </a:xfrm>
           <a:prstGeom prst="rect">
@@ -6653,8 +7013,8 @@
           </a:p>
         </p:txBody>
       </p:sp>
-      <mc:AlternateContent xmlns:mc="http://schemas.openxmlformats.org/markup-compatibility/2006">
-        <mc:Choice xmlns:a14="http://schemas.microsoft.com/office/drawing/2010/main" Requires="a14">
+      <mc:AlternateContent xmlns:mc="http://schemas.openxmlformats.org/markup-compatibility/2006" xmlns:a14="http://schemas.microsoft.com/office/drawing/2010/main">
+        <mc:Choice Requires="a14">
           <p:sp>
             <p:nvSpPr>
               <p:cNvPr id="120" name="TextBox 119">
@@ -6683,6 +7043,7 @@
               </a:bodyPr>
               <a:lstStyle/>
               <a:p>
+                <a:pPr/>
                 <a14:m>
                   <m:oMathPara xmlns:m="http://schemas.openxmlformats.org/officeDocument/2006/math">
                     <m:oMathParaPr>
@@ -6813,7 +7174,7 @@
             </p:txBody>
           </p:sp>
         </mc:Choice>
-        <mc:Fallback>
+        <mc:Fallback xmlns="">
           <p:sp>
             <p:nvSpPr>
               <p:cNvPr id="120" name="TextBox 119">
@@ -6858,10 +7219,8290 @@
           </p:sp>
         </mc:Fallback>
       </mc:AlternateContent>
+      <p:sp>
+        <p:nvSpPr>
+          <p:cNvPr id="47" name="Rectangle 46">
+            <a:extLst>
+              <a:ext uri="{FF2B5EF4-FFF2-40B4-BE49-F238E27FC236}">
+                <a16:creationId xmlns:a16="http://schemas.microsoft.com/office/drawing/2014/main" id="{11AE80C8-C136-440B-A448-F4FA1C272C74}"/>
+              </a:ext>
+            </a:extLst>
+          </p:cNvPr>
+          <p:cNvSpPr/>
+          <p:nvPr/>
+        </p:nvSpPr>
+        <p:spPr>
+          <a:xfrm rot="1071252">
+            <a:off x="5133956" y="1750763"/>
+            <a:ext cx="309350" cy="186402"/>
+          </a:xfrm>
+          <a:prstGeom prst="rect">
+            <a:avLst/>
+          </a:prstGeom>
+          <a:ln>
+            <a:solidFill>
+              <a:schemeClr val="tx1"/>
+            </a:solidFill>
+          </a:ln>
+        </p:spPr>
+        <p:style>
+          <a:lnRef idx="2">
+            <a:schemeClr val="accent1"/>
+          </a:lnRef>
+          <a:fillRef idx="1">
+            <a:schemeClr val="lt1"/>
+          </a:fillRef>
+          <a:effectRef idx="0">
+            <a:schemeClr val="accent1"/>
+          </a:effectRef>
+          <a:fontRef idx="minor">
+            <a:schemeClr val="dk1"/>
+          </a:fontRef>
+        </p:style>
+        <p:txBody>
+          <a:bodyPr rtlCol="0" anchor="ctr"/>
+          <a:lstStyle/>
+          <a:p>
+            <a:pPr algn="ctr"/>
+            <a:r>
+              <a:rPr lang="en-US" dirty="0"/>
+              <a:t>4</a:t>
+            </a:r>
+          </a:p>
+        </p:txBody>
+      </p:sp>
+      <p:sp>
+        <p:nvSpPr>
+          <p:cNvPr id="51" name="TextBox 50">
+            <a:extLst>
+              <a:ext uri="{FF2B5EF4-FFF2-40B4-BE49-F238E27FC236}">
+                <a16:creationId xmlns:a16="http://schemas.microsoft.com/office/drawing/2014/main" id="{8422374B-9F06-466B-A685-AC6681BE05FC}"/>
+              </a:ext>
+            </a:extLst>
+          </p:cNvPr>
+          <p:cNvSpPr txBox="1"/>
+          <p:nvPr/>
+        </p:nvSpPr>
+        <p:spPr>
+          <a:xfrm>
+            <a:off x="5371745" y="2179022"/>
+            <a:ext cx="104775" cy="138499"/>
+          </a:xfrm>
+          <a:prstGeom prst="rect">
+            <a:avLst/>
+          </a:prstGeom>
+          <a:noFill/>
+          <a:ln>
+            <a:noFill/>
+          </a:ln>
+        </p:spPr>
+        <p:txBody>
+          <a:bodyPr wrap="square" lIns="0" tIns="0" rIns="0" bIns="0" rtlCol="0">
+            <a:spAutoFit/>
+          </a:bodyPr>
+          <a:lstStyle/>
+          <a:p>
+            <a:r>
+              <a:rPr lang="en-US" sz="900" dirty="0"/>
+              <a:t>A</a:t>
+            </a:r>
+            <a:endParaRPr lang="en-US" sz="900" baseline="-25000" dirty="0"/>
+          </a:p>
+        </p:txBody>
+      </p:sp>
+      <p:sp>
+        <p:nvSpPr>
+          <p:cNvPr id="52" name="TextBox 51">
+            <a:extLst>
+              <a:ext uri="{FF2B5EF4-FFF2-40B4-BE49-F238E27FC236}">
+                <a16:creationId xmlns:a16="http://schemas.microsoft.com/office/drawing/2014/main" id="{0F2AEBBD-8244-4077-8F2C-9DEDDF82D758}"/>
+              </a:ext>
+            </a:extLst>
+          </p:cNvPr>
+          <p:cNvSpPr txBox="1"/>
+          <p:nvPr/>
+        </p:nvSpPr>
+        <p:spPr>
+          <a:xfrm>
+            <a:off x="5945840" y="2032853"/>
+            <a:ext cx="104775" cy="138499"/>
+          </a:xfrm>
+          <a:prstGeom prst="rect">
+            <a:avLst/>
+          </a:prstGeom>
+          <a:noFill/>
+          <a:ln>
+            <a:noFill/>
+          </a:ln>
+        </p:spPr>
+        <p:txBody>
+          <a:bodyPr wrap="square" lIns="0" tIns="0" rIns="0" bIns="0" rtlCol="0">
+            <a:spAutoFit/>
+          </a:bodyPr>
+          <a:lstStyle/>
+          <a:p>
+            <a:r>
+              <a:rPr lang="en-US" sz="900" dirty="0"/>
+              <a:t>B</a:t>
+            </a:r>
+            <a:endParaRPr lang="en-US" sz="900" baseline="-25000" dirty="0"/>
+          </a:p>
+        </p:txBody>
+      </p:sp>
+      <p:sp>
+        <p:nvSpPr>
+          <p:cNvPr id="53" name="TextBox 52">
+            <a:extLst>
+              <a:ext uri="{FF2B5EF4-FFF2-40B4-BE49-F238E27FC236}">
+                <a16:creationId xmlns:a16="http://schemas.microsoft.com/office/drawing/2014/main" id="{011C3AD7-6E9E-411C-B494-43B00B5B59BD}"/>
+              </a:ext>
+            </a:extLst>
+          </p:cNvPr>
+          <p:cNvSpPr txBox="1"/>
+          <p:nvPr/>
+        </p:nvSpPr>
+        <p:spPr>
+          <a:xfrm>
+            <a:off x="5296481" y="2010359"/>
+            <a:ext cx="104775" cy="138499"/>
+          </a:xfrm>
+          <a:prstGeom prst="rect">
+            <a:avLst/>
+          </a:prstGeom>
+          <a:noFill/>
+          <a:ln>
+            <a:noFill/>
+          </a:ln>
+        </p:spPr>
+        <p:txBody>
+          <a:bodyPr wrap="square" lIns="0" tIns="0" rIns="0" bIns="0" rtlCol="0">
+            <a:spAutoFit/>
+          </a:bodyPr>
+          <a:lstStyle/>
+          <a:p>
+            <a:r>
+              <a:rPr lang="en-US" sz="900" dirty="0"/>
+              <a:t>C</a:t>
+            </a:r>
+            <a:endParaRPr lang="en-US" sz="900" baseline="-25000" dirty="0"/>
+          </a:p>
+        </p:txBody>
+      </p:sp>
+      <p:sp>
+        <p:nvSpPr>
+          <p:cNvPr id="54" name="TextBox 53">
+            <a:extLst>
+              <a:ext uri="{FF2B5EF4-FFF2-40B4-BE49-F238E27FC236}">
+                <a16:creationId xmlns:a16="http://schemas.microsoft.com/office/drawing/2014/main" id="{7BE43A39-62AF-4B3E-BAB6-DD0C2BC0A635}"/>
+              </a:ext>
+            </a:extLst>
+          </p:cNvPr>
+          <p:cNvSpPr txBox="1"/>
+          <p:nvPr/>
+        </p:nvSpPr>
+        <p:spPr>
+          <a:xfrm>
+            <a:off x="4632979" y="1730883"/>
+            <a:ext cx="104775" cy="138499"/>
+          </a:xfrm>
+          <a:prstGeom prst="rect">
+            <a:avLst/>
+          </a:prstGeom>
+          <a:noFill/>
+          <a:ln>
+            <a:noFill/>
+          </a:ln>
+        </p:spPr>
+        <p:txBody>
+          <a:bodyPr wrap="square" lIns="0" tIns="0" rIns="0" bIns="0" rtlCol="0">
+            <a:spAutoFit/>
+          </a:bodyPr>
+          <a:lstStyle/>
+          <a:p>
+            <a:r>
+              <a:rPr lang="en-US" sz="900" dirty="0"/>
+              <a:t>D</a:t>
+            </a:r>
+            <a:endParaRPr lang="en-US" sz="900" baseline="-25000" dirty="0"/>
+          </a:p>
+        </p:txBody>
+      </p:sp>
+      <p:sp>
+        <p:nvSpPr>
+          <p:cNvPr id="55" name="TextBox 54">
+            <a:extLst>
+              <a:ext uri="{FF2B5EF4-FFF2-40B4-BE49-F238E27FC236}">
+                <a16:creationId xmlns:a16="http://schemas.microsoft.com/office/drawing/2014/main" id="{A534853F-249F-4867-9F51-0D01DE7308E7}"/>
+              </a:ext>
+            </a:extLst>
+          </p:cNvPr>
+          <p:cNvSpPr txBox="1"/>
+          <p:nvPr/>
+        </p:nvSpPr>
+        <p:spPr>
+          <a:xfrm>
+            <a:off x="5513558" y="1802719"/>
+            <a:ext cx="104775" cy="138499"/>
+          </a:xfrm>
+          <a:prstGeom prst="rect">
+            <a:avLst/>
+          </a:prstGeom>
+          <a:noFill/>
+          <a:ln>
+            <a:noFill/>
+          </a:ln>
+        </p:spPr>
+        <p:txBody>
+          <a:bodyPr wrap="square" lIns="0" tIns="0" rIns="0" bIns="0" rtlCol="0">
+            <a:spAutoFit/>
+          </a:bodyPr>
+          <a:lstStyle/>
+          <a:p>
+            <a:r>
+              <a:rPr lang="en-US" sz="900" dirty="0"/>
+              <a:t>E</a:t>
+            </a:r>
+            <a:endParaRPr lang="en-US" sz="900" baseline="-25000" dirty="0"/>
+          </a:p>
+        </p:txBody>
+      </p:sp>
+      <p:sp>
+        <p:nvSpPr>
+          <p:cNvPr id="56" name="TextBox 55">
+            <a:extLst>
+              <a:ext uri="{FF2B5EF4-FFF2-40B4-BE49-F238E27FC236}">
+                <a16:creationId xmlns:a16="http://schemas.microsoft.com/office/drawing/2014/main" id="{18B7CB37-393C-4319-B5B9-87EB45A4D1B6}"/>
+              </a:ext>
+            </a:extLst>
+          </p:cNvPr>
+          <p:cNvSpPr txBox="1"/>
+          <p:nvPr/>
+        </p:nvSpPr>
+        <p:spPr>
+          <a:xfrm>
+            <a:off x="5348308" y="1538510"/>
+            <a:ext cx="104775" cy="138499"/>
+          </a:xfrm>
+          <a:prstGeom prst="rect">
+            <a:avLst/>
+          </a:prstGeom>
+          <a:noFill/>
+          <a:ln>
+            <a:noFill/>
+          </a:ln>
+        </p:spPr>
+        <p:txBody>
+          <a:bodyPr wrap="square" lIns="0" tIns="0" rIns="0" bIns="0" rtlCol="0">
+            <a:spAutoFit/>
+          </a:bodyPr>
+          <a:lstStyle/>
+          <a:p>
+            <a:r>
+              <a:rPr lang="en-US" sz="900" dirty="0"/>
+              <a:t>F</a:t>
+            </a:r>
+            <a:endParaRPr lang="en-US" sz="900" baseline="-25000" dirty="0"/>
+          </a:p>
+        </p:txBody>
+      </p:sp>
+      <p:sp>
+        <p:nvSpPr>
+          <p:cNvPr id="33" name="Rectangle 32">
+            <a:extLst>
+              <a:ext uri="{FF2B5EF4-FFF2-40B4-BE49-F238E27FC236}">
+                <a16:creationId xmlns:a16="http://schemas.microsoft.com/office/drawing/2014/main" id="{6BC6F8DF-FD1E-461C-8F60-8E9B4FBD683B}"/>
+              </a:ext>
+            </a:extLst>
+          </p:cNvPr>
+          <p:cNvSpPr/>
+          <p:nvPr/>
+        </p:nvSpPr>
+        <p:spPr>
+          <a:xfrm>
+            <a:off x="1975269" y="812940"/>
+            <a:ext cx="1662364" cy="830997"/>
+          </a:xfrm>
+          <a:prstGeom prst="rect">
+            <a:avLst/>
+          </a:prstGeom>
+        </p:spPr>
+        <p:txBody>
+          <a:bodyPr wrap="square">
+            <a:spAutoFit/>
+          </a:bodyPr>
+          <a:lstStyle/>
+          <a:p>
+            <a:r>
+              <a:rPr lang="en-GB" sz="600" dirty="0"/>
+              <a:t>1. Calculate C from A and B</a:t>
+            </a:r>
+          </a:p>
+          <a:p>
+            <a:r>
+              <a:rPr lang="en-GB" sz="600" dirty="0"/>
+              <a:t>2. Calculate CA from ABC</a:t>
+            </a:r>
+          </a:p>
+          <a:p>
+            <a:r>
+              <a:rPr lang="en-GB" sz="600" dirty="0"/>
+              <a:t>3. Calculate F from L3 and L4 (E)</a:t>
+            </a:r>
+          </a:p>
+          <a:p>
+            <a:r>
+              <a:rPr lang="en-GB" sz="600" dirty="0"/>
+              <a:t>4. calculate angle DC from lengths DFC</a:t>
+            </a:r>
+          </a:p>
+          <a:p>
+            <a:r>
+              <a:rPr lang="en-GB" sz="600" dirty="0"/>
+              <a:t>5. Calculate theta2 from sum angle DC+CA</a:t>
+            </a:r>
+          </a:p>
+          <a:p>
+            <a:r>
+              <a:rPr lang="en-GB" sz="600" dirty="0"/>
+              <a:t>6. Calculate angle FL3 from triangle FEL3</a:t>
+            </a:r>
+          </a:p>
+          <a:p>
+            <a:r>
+              <a:rPr lang="en-GB" sz="600" dirty="0"/>
+              <a:t>7. calculate angle DF from triangle DFC</a:t>
+            </a:r>
+          </a:p>
+          <a:p>
+            <a:r>
+              <a:rPr lang="en-GB" sz="600" dirty="0"/>
+              <a:t>8. subtract </a:t>
+            </a:r>
+            <a:r>
+              <a:rPr lang="en-GB" sz="600" dirty="0" err="1"/>
+              <a:t>abgle</a:t>
+            </a:r>
+            <a:r>
+              <a:rPr lang="en-GB" sz="600" dirty="0"/>
+              <a:t> FL3 from angle DF</a:t>
+            </a:r>
+          </a:p>
+        </p:txBody>
+      </p:sp>
     </p:spTree>
     <p:extLst>
       <p:ext uri="{BB962C8B-B14F-4D97-AF65-F5344CB8AC3E}">
         <p14:creationId xmlns:p14="http://schemas.microsoft.com/office/powerpoint/2010/main" val="2341965533"/>
+      </p:ext>
+    </p:extLst>
+  </p:cSld>
+  <p:clrMapOvr>
+    <a:masterClrMapping/>
+  </p:clrMapOvr>
+</p:sld>
+</file>
+
+<file path=ppt/slides/slide3.xml><?xml version="1.0" encoding="utf-8"?>
+<p:sld xmlns:a="http://schemas.openxmlformats.org/drawingml/2006/main" xmlns:r="http://schemas.openxmlformats.org/officeDocument/2006/relationships" xmlns:p="http://schemas.openxmlformats.org/presentationml/2006/main">
+  <p:cSld>
+    <p:spTree>
+      <p:nvGrpSpPr>
+        <p:cNvPr id="1" name=""/>
+        <p:cNvGrpSpPr/>
+        <p:nvPr/>
+      </p:nvGrpSpPr>
+      <p:grpSpPr>
+        <a:xfrm>
+          <a:off x="0" y="0"/>
+          <a:ext cx="0" cy="0"/>
+          <a:chOff x="0" y="0"/>
+          <a:chExt cx="0" cy="0"/>
+        </a:xfrm>
+      </p:grpSpPr>
+      <p:cxnSp>
+        <p:nvCxnSpPr>
+          <p:cNvPr id="32" name="Straight Connector 31">
+            <a:extLst>
+              <a:ext uri="{FF2B5EF4-FFF2-40B4-BE49-F238E27FC236}">
+                <a16:creationId xmlns:a16="http://schemas.microsoft.com/office/drawing/2014/main" id="{7C2C114F-7785-0948-B27D-9D0BC946A8A5}"/>
+              </a:ext>
+            </a:extLst>
+          </p:cNvPr>
+          <p:cNvCxnSpPr>
+            <a:cxnSpLocks/>
+          </p:cNvCxnSpPr>
+          <p:nvPr/>
+        </p:nvCxnSpPr>
+        <p:spPr>
+          <a:xfrm>
+            <a:off x="5214164" y="1771270"/>
+            <a:ext cx="707935" cy="138667"/>
+          </a:xfrm>
+          <a:prstGeom prst="line">
+            <a:avLst/>
+          </a:prstGeom>
+          <a:ln>
+            <a:solidFill>
+              <a:schemeClr val="tx1"/>
+            </a:solidFill>
+          </a:ln>
+        </p:spPr>
+        <p:style>
+          <a:lnRef idx="1">
+            <a:schemeClr val="accent1"/>
+          </a:lnRef>
+          <a:fillRef idx="0">
+            <a:schemeClr val="accent1"/>
+          </a:fillRef>
+          <a:effectRef idx="0">
+            <a:schemeClr val="accent1"/>
+          </a:effectRef>
+          <a:fontRef idx="minor">
+            <a:schemeClr val="tx1"/>
+          </a:fontRef>
+        </p:style>
+      </p:cxnSp>
+      <p:cxnSp>
+        <p:nvCxnSpPr>
+          <p:cNvPr id="3" name="Straight Connector 2">
+            <a:extLst>
+              <a:ext uri="{FF2B5EF4-FFF2-40B4-BE49-F238E27FC236}">
+                <a16:creationId xmlns:a16="http://schemas.microsoft.com/office/drawing/2014/main" id="{EC9D61CD-A4C1-FD43-8261-AE78C5097005}"/>
+              </a:ext>
+            </a:extLst>
+          </p:cNvPr>
+          <p:cNvCxnSpPr>
+            <a:cxnSpLocks/>
+          </p:cNvCxnSpPr>
+          <p:nvPr/>
+        </p:nvCxnSpPr>
+        <p:spPr>
+          <a:xfrm>
+            <a:off x="4758787" y="1410011"/>
+            <a:ext cx="455377" cy="354560"/>
+          </a:xfrm>
+          <a:prstGeom prst="line">
+            <a:avLst/>
+          </a:prstGeom>
+          <a:ln>
+            <a:solidFill>
+              <a:schemeClr val="tx1"/>
+            </a:solidFill>
+          </a:ln>
+        </p:spPr>
+        <p:style>
+          <a:lnRef idx="1">
+            <a:schemeClr val="accent1"/>
+          </a:lnRef>
+          <a:fillRef idx="0">
+            <a:schemeClr val="accent1"/>
+          </a:fillRef>
+          <a:effectRef idx="0">
+            <a:schemeClr val="accent1"/>
+          </a:effectRef>
+          <a:fontRef idx="minor">
+            <a:schemeClr val="tx1"/>
+          </a:fontRef>
+        </p:style>
+      </p:cxnSp>
+      <p:sp>
+        <p:nvSpPr>
+          <p:cNvPr id="4" name="Rectangle 3">
+            <a:extLst>
+              <a:ext uri="{FF2B5EF4-FFF2-40B4-BE49-F238E27FC236}">
+                <a16:creationId xmlns:a16="http://schemas.microsoft.com/office/drawing/2014/main" id="{DC37C897-54C4-CB4A-9414-52F44AE62D55}"/>
+              </a:ext>
+            </a:extLst>
+          </p:cNvPr>
+          <p:cNvSpPr/>
+          <p:nvPr/>
+        </p:nvSpPr>
+        <p:spPr>
+          <a:xfrm>
+            <a:off x="3767781" y="2531759"/>
+            <a:ext cx="391886" cy="230837"/>
+          </a:xfrm>
+          <a:prstGeom prst="rect">
+            <a:avLst/>
+          </a:prstGeom>
+          <a:ln>
+            <a:solidFill>
+              <a:schemeClr val="tx1"/>
+            </a:solidFill>
+          </a:ln>
+        </p:spPr>
+        <p:style>
+          <a:lnRef idx="2">
+            <a:schemeClr val="accent1"/>
+          </a:lnRef>
+          <a:fillRef idx="1">
+            <a:schemeClr val="lt1"/>
+          </a:fillRef>
+          <a:effectRef idx="0">
+            <a:schemeClr val="accent1"/>
+          </a:effectRef>
+          <a:fontRef idx="minor">
+            <a:schemeClr val="dk1"/>
+          </a:fontRef>
+        </p:style>
+        <p:txBody>
+          <a:bodyPr rtlCol="0" anchor="ctr"/>
+          <a:lstStyle/>
+          <a:p>
+            <a:pPr algn="ctr"/>
+            <a:r>
+              <a:rPr lang="en-US" dirty="0"/>
+              <a:t>1</a:t>
+            </a:r>
+          </a:p>
+        </p:txBody>
+      </p:sp>
+      <p:sp>
+        <p:nvSpPr>
+          <p:cNvPr id="6" name="Oval 5">
+            <a:extLst>
+              <a:ext uri="{FF2B5EF4-FFF2-40B4-BE49-F238E27FC236}">
+                <a16:creationId xmlns:a16="http://schemas.microsoft.com/office/drawing/2014/main" id="{3265532C-D0AB-9B45-A482-23D7D466C94D}"/>
+              </a:ext>
+            </a:extLst>
+          </p:cNvPr>
+          <p:cNvSpPr/>
+          <p:nvPr/>
+        </p:nvSpPr>
+        <p:spPr>
+          <a:xfrm>
+            <a:off x="5833458" y="1815589"/>
+            <a:ext cx="177282" cy="166986"/>
+          </a:xfrm>
+          <a:prstGeom prst="ellipse">
+            <a:avLst/>
+          </a:prstGeom>
+          <a:ln>
+            <a:solidFill>
+              <a:schemeClr val="tx1"/>
+            </a:solidFill>
+          </a:ln>
+        </p:spPr>
+        <p:style>
+          <a:lnRef idx="2">
+            <a:schemeClr val="accent1"/>
+          </a:lnRef>
+          <a:fillRef idx="1">
+            <a:schemeClr val="lt1"/>
+          </a:fillRef>
+          <a:effectRef idx="0">
+            <a:schemeClr val="accent1"/>
+          </a:effectRef>
+          <a:fontRef idx="minor">
+            <a:schemeClr val="dk1"/>
+          </a:fontRef>
+        </p:style>
+        <p:txBody>
+          <a:bodyPr rtlCol="0" anchor="ctr"/>
+          <a:lstStyle/>
+          <a:p>
+            <a:pPr algn="ctr"/>
+            <a:endParaRPr lang="en-US"/>
+          </a:p>
+        </p:txBody>
+      </p:sp>
+      <p:cxnSp>
+        <p:nvCxnSpPr>
+          <p:cNvPr id="8" name="Straight Connector 7">
+            <a:extLst>
+              <a:ext uri="{FF2B5EF4-FFF2-40B4-BE49-F238E27FC236}">
+                <a16:creationId xmlns:a16="http://schemas.microsoft.com/office/drawing/2014/main" id="{2A96B7C4-18F6-9F4D-BA89-DAB44FE820CB}"/>
+              </a:ext>
+            </a:extLst>
+          </p:cNvPr>
+          <p:cNvCxnSpPr>
+            <a:cxnSpLocks/>
+          </p:cNvCxnSpPr>
+          <p:nvPr/>
+        </p:nvCxnSpPr>
+        <p:spPr>
+          <a:xfrm>
+            <a:off x="3966849" y="840993"/>
+            <a:ext cx="0" cy="1494827"/>
+          </a:xfrm>
+          <a:prstGeom prst="line">
+            <a:avLst/>
+          </a:prstGeom>
+          <a:ln>
+            <a:prstDash val="sysDot"/>
+          </a:ln>
+        </p:spPr>
+        <p:style>
+          <a:lnRef idx="1">
+            <a:schemeClr val="accent4"/>
+          </a:lnRef>
+          <a:fillRef idx="0">
+            <a:schemeClr val="accent4"/>
+          </a:fillRef>
+          <a:effectRef idx="0">
+            <a:schemeClr val="accent4"/>
+          </a:effectRef>
+          <a:fontRef idx="minor">
+            <a:schemeClr val="tx1"/>
+          </a:fontRef>
+        </p:style>
+      </p:cxnSp>
+      <p:cxnSp>
+        <p:nvCxnSpPr>
+          <p:cNvPr id="13" name="Straight Connector 12">
+            <a:extLst>
+              <a:ext uri="{FF2B5EF4-FFF2-40B4-BE49-F238E27FC236}">
+                <a16:creationId xmlns:a16="http://schemas.microsoft.com/office/drawing/2014/main" id="{3087EC4D-5856-E747-A262-3559894F30F5}"/>
+              </a:ext>
+            </a:extLst>
+          </p:cNvPr>
+          <p:cNvCxnSpPr>
+            <a:cxnSpLocks/>
+          </p:cNvCxnSpPr>
+          <p:nvPr/>
+        </p:nvCxnSpPr>
+        <p:spPr>
+          <a:xfrm flipV="1">
+            <a:off x="4471660" y="1410011"/>
+            <a:ext cx="284751" cy="808024"/>
+          </a:xfrm>
+          <a:prstGeom prst="line">
+            <a:avLst/>
+          </a:prstGeom>
+          <a:ln>
+            <a:solidFill>
+              <a:schemeClr val="tx1"/>
+            </a:solidFill>
+          </a:ln>
+        </p:spPr>
+        <p:style>
+          <a:lnRef idx="1">
+            <a:schemeClr val="accent1"/>
+          </a:lnRef>
+          <a:fillRef idx="0">
+            <a:schemeClr val="accent1"/>
+          </a:fillRef>
+          <a:effectRef idx="0">
+            <a:schemeClr val="accent1"/>
+          </a:effectRef>
+          <a:fontRef idx="minor">
+            <a:schemeClr val="tx1"/>
+          </a:fontRef>
+        </p:style>
+      </p:cxnSp>
+      <p:cxnSp>
+        <p:nvCxnSpPr>
+          <p:cNvPr id="14" name="Straight Connector 13">
+            <a:extLst>
+              <a:ext uri="{FF2B5EF4-FFF2-40B4-BE49-F238E27FC236}">
+                <a16:creationId xmlns:a16="http://schemas.microsoft.com/office/drawing/2014/main" id="{96152974-1F70-194E-8C73-C228E03DFB12}"/>
+              </a:ext>
+            </a:extLst>
+          </p:cNvPr>
+          <p:cNvCxnSpPr>
+            <a:cxnSpLocks/>
+          </p:cNvCxnSpPr>
+          <p:nvPr/>
+        </p:nvCxnSpPr>
+        <p:spPr>
+          <a:xfrm>
+            <a:off x="3956178" y="2216559"/>
+            <a:ext cx="519111" cy="1"/>
+          </a:xfrm>
+          <a:prstGeom prst="line">
+            <a:avLst/>
+          </a:prstGeom>
+          <a:ln>
+            <a:solidFill>
+              <a:schemeClr val="tx1"/>
+            </a:solidFill>
+          </a:ln>
+        </p:spPr>
+        <p:style>
+          <a:lnRef idx="1">
+            <a:schemeClr val="accent1"/>
+          </a:lnRef>
+          <a:fillRef idx="0">
+            <a:schemeClr val="accent1"/>
+          </a:fillRef>
+          <a:effectRef idx="0">
+            <a:schemeClr val="accent1"/>
+          </a:effectRef>
+          <a:fontRef idx="minor">
+            <a:schemeClr val="tx1"/>
+          </a:fontRef>
+        </p:style>
+      </p:cxnSp>
+      <p:cxnSp>
+        <p:nvCxnSpPr>
+          <p:cNvPr id="15" name="Straight Connector 14">
+            <a:extLst>
+              <a:ext uri="{FF2B5EF4-FFF2-40B4-BE49-F238E27FC236}">
+                <a16:creationId xmlns:a16="http://schemas.microsoft.com/office/drawing/2014/main" id="{D8400B72-4D17-2C43-8193-587AC6B70394}"/>
+              </a:ext>
+            </a:extLst>
+          </p:cNvPr>
+          <p:cNvCxnSpPr>
+            <a:cxnSpLocks/>
+          </p:cNvCxnSpPr>
+          <p:nvPr/>
+        </p:nvCxnSpPr>
+        <p:spPr>
+          <a:xfrm flipV="1">
+            <a:off x="3963724" y="2217138"/>
+            <a:ext cx="0" cy="433247"/>
+          </a:xfrm>
+          <a:prstGeom prst="line">
+            <a:avLst/>
+          </a:prstGeom>
+          <a:ln>
+            <a:solidFill>
+              <a:schemeClr val="tx1"/>
+            </a:solidFill>
+          </a:ln>
+        </p:spPr>
+        <p:style>
+          <a:lnRef idx="1">
+            <a:schemeClr val="accent1"/>
+          </a:lnRef>
+          <a:fillRef idx="0">
+            <a:schemeClr val="accent1"/>
+          </a:fillRef>
+          <a:effectRef idx="0">
+            <a:schemeClr val="accent1"/>
+          </a:effectRef>
+          <a:fontRef idx="minor">
+            <a:schemeClr val="tx1"/>
+          </a:fontRef>
+        </p:style>
+      </p:cxnSp>
+      <p:sp>
+        <p:nvSpPr>
+          <p:cNvPr id="16" name="Freeform 15">
+            <a:extLst>
+              <a:ext uri="{FF2B5EF4-FFF2-40B4-BE49-F238E27FC236}">
+                <a16:creationId xmlns:a16="http://schemas.microsoft.com/office/drawing/2014/main" id="{CA3F3335-F0B6-2344-9BC9-3547C33CCF12}"/>
+              </a:ext>
+            </a:extLst>
+          </p:cNvPr>
+          <p:cNvSpPr/>
+          <p:nvPr/>
+        </p:nvSpPr>
+        <p:spPr>
+          <a:xfrm>
+            <a:off x="6586861" y="2501328"/>
+            <a:ext cx="335492" cy="283634"/>
+          </a:xfrm>
+          <a:custGeom>
+            <a:avLst/>
+            <a:gdLst>
+              <a:gd name="connsiteX0" fmla="*/ 0 w 147545"/>
+              <a:gd name="connsiteY0" fmla="*/ 0 h 212781"/>
+              <a:gd name="connsiteX1" fmla="*/ 146050 w 147545"/>
+              <a:gd name="connsiteY1" fmla="*/ 200025 h 212781"/>
+              <a:gd name="connsiteX2" fmla="*/ 79375 w 147545"/>
+              <a:gd name="connsiteY2" fmla="*/ 203200 h 212781"/>
+              <a:gd name="connsiteX0" fmla="*/ 0 w 153794"/>
+              <a:gd name="connsiteY0" fmla="*/ 0 h 203200"/>
+              <a:gd name="connsiteX1" fmla="*/ 152400 w 153794"/>
+              <a:gd name="connsiteY1" fmla="*/ 66675 h 203200"/>
+              <a:gd name="connsiteX2" fmla="*/ 79375 w 153794"/>
+              <a:gd name="connsiteY2" fmla="*/ 203200 h 203200"/>
+              <a:gd name="connsiteX0" fmla="*/ 0 w 79375"/>
+              <a:gd name="connsiteY0" fmla="*/ 0 h 203200"/>
+              <a:gd name="connsiteX1" fmla="*/ 79375 w 79375"/>
+              <a:gd name="connsiteY1" fmla="*/ 203200 h 203200"/>
+              <a:gd name="connsiteX0" fmla="*/ 0 w 142919"/>
+              <a:gd name="connsiteY0" fmla="*/ 0 h 203200"/>
+              <a:gd name="connsiteX1" fmla="*/ 79375 w 142919"/>
+              <a:gd name="connsiteY1" fmla="*/ 203200 h 203200"/>
+              <a:gd name="connsiteX0" fmla="*/ 0 w 186211"/>
+              <a:gd name="connsiteY0" fmla="*/ 0 h 203200"/>
+              <a:gd name="connsiteX1" fmla="*/ 79375 w 186211"/>
+              <a:gd name="connsiteY1" fmla="*/ 203200 h 203200"/>
+              <a:gd name="connsiteX0" fmla="*/ 0 w 125812"/>
+              <a:gd name="connsiteY0" fmla="*/ 0 h 203200"/>
+              <a:gd name="connsiteX1" fmla="*/ 79375 w 125812"/>
+              <a:gd name="connsiteY1" fmla="*/ 203200 h 203200"/>
+              <a:gd name="connsiteX0" fmla="*/ 0 w 122234"/>
+              <a:gd name="connsiteY0" fmla="*/ 1233 h 204433"/>
+              <a:gd name="connsiteX1" fmla="*/ 79375 w 122234"/>
+              <a:gd name="connsiteY1" fmla="*/ 204433 h 204433"/>
+              <a:gd name="connsiteX0" fmla="*/ 0 w 148382"/>
+              <a:gd name="connsiteY0" fmla="*/ 1233 h 204433"/>
+              <a:gd name="connsiteX1" fmla="*/ 111125 w 148382"/>
+              <a:gd name="connsiteY1" fmla="*/ 204433 h 204433"/>
+              <a:gd name="connsiteX0" fmla="*/ 0 w 354546"/>
+              <a:gd name="connsiteY0" fmla="*/ 772 h 284406"/>
+              <a:gd name="connsiteX1" fmla="*/ 335492 w 354546"/>
+              <a:gd name="connsiteY1" fmla="*/ 284406 h 284406"/>
+              <a:gd name="connsiteX0" fmla="*/ 0 w 335731"/>
+              <a:gd name="connsiteY0" fmla="*/ 1961 h 285595"/>
+              <a:gd name="connsiteX1" fmla="*/ 335492 w 335731"/>
+              <a:gd name="connsiteY1" fmla="*/ 285595 h 285595"/>
+              <a:gd name="connsiteX0" fmla="*/ 0 w 336219"/>
+              <a:gd name="connsiteY0" fmla="*/ 60 h 283694"/>
+              <a:gd name="connsiteX1" fmla="*/ 335492 w 336219"/>
+              <a:gd name="connsiteY1" fmla="*/ 283694 h 283694"/>
+              <a:gd name="connsiteX0" fmla="*/ 0 w 335839"/>
+              <a:gd name="connsiteY0" fmla="*/ 0 h 283634"/>
+              <a:gd name="connsiteX1" fmla="*/ 335492 w 335839"/>
+              <a:gd name="connsiteY1" fmla="*/ 283634 h 283634"/>
+              <a:gd name="connsiteX0" fmla="*/ 0 w 335492"/>
+              <a:gd name="connsiteY0" fmla="*/ 0 h 283634"/>
+              <a:gd name="connsiteX1" fmla="*/ 335492 w 335492"/>
+              <a:gd name="connsiteY1" fmla="*/ 283634 h 283634"/>
+            </a:gdLst>
+            <a:ahLst/>
+            <a:cxnLst>
+              <a:cxn ang="0">
+                <a:pos x="connsiteX0" y="connsiteY0"/>
+              </a:cxn>
+              <a:cxn ang="0">
+                <a:pos x="connsiteX1" y="connsiteY1"/>
+              </a:cxn>
+            </a:cxnLst>
+            <a:rect l="l" t="t" r="r" b="b"/>
+            <a:pathLst>
+              <a:path w="335492" h="283634">
+                <a:moveTo>
+                  <a:pt x="0" y="0"/>
+                </a:moveTo>
+                <a:cubicBezTo>
+                  <a:pt x="156634" y="2116"/>
+                  <a:pt x="319617" y="115359"/>
+                  <a:pt x="335492" y="283634"/>
+                </a:cubicBezTo>
+              </a:path>
+            </a:pathLst>
+          </a:custGeom>
+          <a:noFill/>
+          <a:ln>
+            <a:solidFill>
+              <a:schemeClr val="tx1"/>
+            </a:solidFill>
+            <a:headEnd type="triangle" w="med" len="med"/>
+            <a:tailEnd type="none" w="med" len="med"/>
+          </a:ln>
+        </p:spPr>
+        <p:style>
+          <a:lnRef idx="2">
+            <a:schemeClr val="accent1">
+              <a:shade val="50000"/>
+            </a:schemeClr>
+          </a:lnRef>
+          <a:fillRef idx="1">
+            <a:schemeClr val="accent1"/>
+          </a:fillRef>
+          <a:effectRef idx="0">
+            <a:schemeClr val="accent1"/>
+          </a:effectRef>
+          <a:fontRef idx="minor">
+            <a:schemeClr val="lt1"/>
+          </a:fontRef>
+        </p:style>
+        <p:txBody>
+          <a:bodyPr rtlCol="0" anchor="ctr"/>
+          <a:lstStyle/>
+          <a:p>
+            <a:pPr algn="ctr"/>
+            <a:endParaRPr lang="en-US"/>
+          </a:p>
+        </p:txBody>
+      </p:sp>
+      <p:sp>
+        <p:nvSpPr>
+          <p:cNvPr id="17" name="TextBox 16">
+            <a:extLst>
+              <a:ext uri="{FF2B5EF4-FFF2-40B4-BE49-F238E27FC236}">
+                <a16:creationId xmlns:a16="http://schemas.microsoft.com/office/drawing/2014/main" id="{A5574B50-B113-6F48-945D-2C6FDBE30BF0}"/>
+              </a:ext>
+            </a:extLst>
+          </p:cNvPr>
+          <p:cNvSpPr txBox="1"/>
+          <p:nvPr/>
+        </p:nvSpPr>
+        <p:spPr>
+          <a:xfrm>
+            <a:off x="6754970" y="2390011"/>
+            <a:ext cx="154845" cy="138499"/>
+          </a:xfrm>
+          <a:prstGeom prst="rect">
+            <a:avLst/>
+          </a:prstGeom>
+          <a:noFill/>
+          <a:ln>
+            <a:noFill/>
+          </a:ln>
+        </p:spPr>
+        <p:txBody>
+          <a:bodyPr wrap="square" lIns="0" tIns="0" rIns="0" bIns="0" rtlCol="0">
+            <a:spAutoFit/>
+          </a:bodyPr>
+          <a:lstStyle/>
+          <a:p>
+            <a:r>
+              <a:rPr lang="en-US" sz="900" dirty="0"/>
+              <a:t>θ</a:t>
+            </a:r>
+            <a:r>
+              <a:rPr lang="en-US" sz="900" baseline="-25000" dirty="0"/>
+              <a:t>2</a:t>
+            </a:r>
+          </a:p>
+        </p:txBody>
+      </p:sp>
+      <p:cxnSp>
+        <p:nvCxnSpPr>
+          <p:cNvPr id="18" name="Straight Connector 17">
+            <a:extLst>
+              <a:ext uri="{FF2B5EF4-FFF2-40B4-BE49-F238E27FC236}">
+                <a16:creationId xmlns:a16="http://schemas.microsoft.com/office/drawing/2014/main" id="{458E8048-E553-CB49-9AA6-CF7D38C86999}"/>
+              </a:ext>
+            </a:extLst>
+          </p:cNvPr>
+          <p:cNvCxnSpPr>
+            <a:cxnSpLocks/>
+          </p:cNvCxnSpPr>
+          <p:nvPr/>
+        </p:nvCxnSpPr>
+        <p:spPr>
+          <a:xfrm flipV="1">
+            <a:off x="3964416" y="2335820"/>
+            <a:ext cx="0" cy="452099"/>
+          </a:xfrm>
+          <a:prstGeom prst="line">
+            <a:avLst/>
+          </a:prstGeom>
+          <a:ln>
+            <a:solidFill>
+              <a:srgbClr val="0070C0"/>
+            </a:solidFill>
+            <a:headEnd type="none" w="med" len="med"/>
+            <a:tailEnd type="triangle" w="med" len="med"/>
+          </a:ln>
+        </p:spPr>
+        <p:style>
+          <a:lnRef idx="1">
+            <a:schemeClr val="accent1"/>
+          </a:lnRef>
+          <a:fillRef idx="0">
+            <a:schemeClr val="accent1"/>
+          </a:fillRef>
+          <a:effectRef idx="0">
+            <a:schemeClr val="accent1"/>
+          </a:effectRef>
+          <a:fontRef idx="minor">
+            <a:schemeClr val="tx1"/>
+          </a:fontRef>
+        </p:style>
+      </p:cxnSp>
+      <p:sp>
+        <p:nvSpPr>
+          <p:cNvPr id="19" name="TextBox 18">
+            <a:extLst>
+              <a:ext uri="{FF2B5EF4-FFF2-40B4-BE49-F238E27FC236}">
+                <a16:creationId xmlns:a16="http://schemas.microsoft.com/office/drawing/2014/main" id="{ED2F0E2A-0F2F-B44B-BC4C-843759B096FD}"/>
+              </a:ext>
+            </a:extLst>
+          </p:cNvPr>
+          <p:cNvSpPr txBox="1"/>
+          <p:nvPr/>
+        </p:nvSpPr>
+        <p:spPr>
+          <a:xfrm>
+            <a:off x="7438801" y="2394572"/>
+            <a:ext cx="104775" cy="138499"/>
+          </a:xfrm>
+          <a:prstGeom prst="rect">
+            <a:avLst/>
+          </a:prstGeom>
+          <a:noFill/>
+          <a:ln>
+            <a:noFill/>
+          </a:ln>
+        </p:spPr>
+        <p:txBody>
+          <a:bodyPr wrap="square" lIns="0" tIns="0" rIns="0" bIns="0" rtlCol="0">
+            <a:spAutoFit/>
+          </a:bodyPr>
+          <a:lstStyle/>
+          <a:p>
+            <a:r>
+              <a:rPr lang="en-US" sz="900" dirty="0"/>
+              <a:t>y</a:t>
+            </a:r>
+            <a:r>
+              <a:rPr lang="en-US" sz="900" baseline="-25000" dirty="0"/>
+              <a:t>1</a:t>
+            </a:r>
+          </a:p>
+        </p:txBody>
+      </p:sp>
+      <p:cxnSp>
+        <p:nvCxnSpPr>
+          <p:cNvPr id="20" name="Straight Connector 19">
+            <a:extLst>
+              <a:ext uri="{FF2B5EF4-FFF2-40B4-BE49-F238E27FC236}">
+                <a16:creationId xmlns:a16="http://schemas.microsoft.com/office/drawing/2014/main" id="{A9594CC4-69F9-E440-BF29-75CFC90629E7}"/>
+              </a:ext>
+            </a:extLst>
+          </p:cNvPr>
+          <p:cNvCxnSpPr>
+            <a:cxnSpLocks/>
+          </p:cNvCxnSpPr>
+          <p:nvPr/>
+        </p:nvCxnSpPr>
+        <p:spPr>
+          <a:xfrm>
+            <a:off x="7263336" y="2796661"/>
+            <a:ext cx="643467" cy="0"/>
+          </a:xfrm>
+          <a:prstGeom prst="line">
+            <a:avLst/>
+          </a:prstGeom>
+          <a:ln>
+            <a:solidFill>
+              <a:srgbClr val="FF0000"/>
+            </a:solidFill>
+            <a:headEnd type="none" w="med" len="med"/>
+            <a:tailEnd type="triangle" w="med" len="med"/>
+          </a:ln>
+        </p:spPr>
+        <p:style>
+          <a:lnRef idx="1">
+            <a:schemeClr val="accent1"/>
+          </a:lnRef>
+          <a:fillRef idx="0">
+            <a:schemeClr val="accent1"/>
+          </a:fillRef>
+          <a:effectRef idx="0">
+            <a:schemeClr val="accent1"/>
+          </a:effectRef>
+          <a:fontRef idx="minor">
+            <a:schemeClr val="tx1"/>
+          </a:fontRef>
+        </p:style>
+      </p:cxnSp>
+      <p:sp>
+        <p:nvSpPr>
+          <p:cNvPr id="21" name="TextBox 20">
+            <a:extLst>
+              <a:ext uri="{FF2B5EF4-FFF2-40B4-BE49-F238E27FC236}">
+                <a16:creationId xmlns:a16="http://schemas.microsoft.com/office/drawing/2014/main" id="{B5A1D5C5-1F96-C741-B8B6-F861DD3FDAFA}"/>
+              </a:ext>
+            </a:extLst>
+          </p:cNvPr>
+          <p:cNvSpPr txBox="1"/>
+          <p:nvPr/>
+        </p:nvSpPr>
+        <p:spPr>
+          <a:xfrm>
+            <a:off x="4004822" y="2367937"/>
+            <a:ext cx="154845" cy="138499"/>
+          </a:xfrm>
+          <a:prstGeom prst="rect">
+            <a:avLst/>
+          </a:prstGeom>
+          <a:noFill/>
+          <a:ln>
+            <a:noFill/>
+          </a:ln>
+        </p:spPr>
+        <p:txBody>
+          <a:bodyPr wrap="square" lIns="0" tIns="0" rIns="0" bIns="0" rtlCol="0">
+            <a:spAutoFit/>
+          </a:bodyPr>
+          <a:lstStyle/>
+          <a:p>
+            <a:r>
+              <a:rPr lang="en-US" sz="900" dirty="0"/>
+              <a:t>z</a:t>
+            </a:r>
+            <a:r>
+              <a:rPr lang="en-US" sz="900" baseline="-25000" dirty="0"/>
+              <a:t>1</a:t>
+            </a:r>
+          </a:p>
+        </p:txBody>
+      </p:sp>
+      <p:sp>
+        <p:nvSpPr>
+          <p:cNvPr id="22" name="TextBox 21">
+            <a:extLst>
+              <a:ext uri="{FF2B5EF4-FFF2-40B4-BE49-F238E27FC236}">
+                <a16:creationId xmlns:a16="http://schemas.microsoft.com/office/drawing/2014/main" id="{51E89F48-525B-3342-8273-0E2513EBB03A}"/>
+              </a:ext>
+            </a:extLst>
+          </p:cNvPr>
+          <p:cNvSpPr txBox="1"/>
+          <p:nvPr/>
+        </p:nvSpPr>
+        <p:spPr>
+          <a:xfrm>
+            <a:off x="7625104" y="2459615"/>
+            <a:ext cx="229050" cy="138499"/>
+          </a:xfrm>
+          <a:prstGeom prst="rect">
+            <a:avLst/>
+          </a:prstGeom>
+          <a:noFill/>
+          <a:ln>
+            <a:noFill/>
+          </a:ln>
+        </p:spPr>
+        <p:txBody>
+          <a:bodyPr wrap="square" lIns="0" tIns="0" rIns="0" bIns="0" rtlCol="0">
+            <a:spAutoFit/>
+          </a:bodyPr>
+          <a:lstStyle/>
+          <a:p>
+            <a:r>
+              <a:rPr lang="en-US" sz="900" dirty="0" err="1"/>
+              <a:t>wc</a:t>
+            </a:r>
+            <a:r>
+              <a:rPr lang="en-US" sz="900" baseline="-25000" dirty="0" err="1"/>
+              <a:t>x</a:t>
+            </a:r>
+            <a:endParaRPr lang="en-US" sz="900" baseline="-25000" dirty="0"/>
+          </a:p>
+        </p:txBody>
+      </p:sp>
+      <p:sp>
+        <p:nvSpPr>
+          <p:cNvPr id="23" name="TextBox 22">
+            <a:extLst>
+              <a:ext uri="{FF2B5EF4-FFF2-40B4-BE49-F238E27FC236}">
+                <a16:creationId xmlns:a16="http://schemas.microsoft.com/office/drawing/2014/main" id="{5E34942D-5921-204B-966B-6B9A461117AE}"/>
+              </a:ext>
+            </a:extLst>
+          </p:cNvPr>
+          <p:cNvSpPr txBox="1"/>
+          <p:nvPr/>
+        </p:nvSpPr>
+        <p:spPr>
+          <a:xfrm>
+            <a:off x="6745088" y="1702021"/>
+            <a:ext cx="229050" cy="138499"/>
+          </a:xfrm>
+          <a:prstGeom prst="rect">
+            <a:avLst/>
+          </a:prstGeom>
+          <a:noFill/>
+          <a:ln>
+            <a:noFill/>
+          </a:ln>
+        </p:spPr>
+        <p:txBody>
+          <a:bodyPr wrap="square" lIns="0" tIns="0" rIns="0" bIns="0" rtlCol="0">
+            <a:spAutoFit/>
+          </a:bodyPr>
+          <a:lstStyle/>
+          <a:p>
+            <a:r>
+              <a:rPr lang="en-US" sz="900" dirty="0" err="1"/>
+              <a:t>wc</a:t>
+            </a:r>
+            <a:r>
+              <a:rPr lang="en-US" sz="900" baseline="-25000" dirty="0" err="1"/>
+              <a:t>y</a:t>
+            </a:r>
+            <a:endParaRPr lang="en-US" sz="900" baseline="-25000" dirty="0"/>
+          </a:p>
+        </p:txBody>
+      </p:sp>
+      <p:sp>
+        <p:nvSpPr>
+          <p:cNvPr id="24" name="TextBox 23">
+            <a:extLst>
+              <a:ext uri="{FF2B5EF4-FFF2-40B4-BE49-F238E27FC236}">
+                <a16:creationId xmlns:a16="http://schemas.microsoft.com/office/drawing/2014/main" id="{DBC75440-E4AD-8645-B249-66A5D3787ED3}"/>
+              </a:ext>
+            </a:extLst>
+          </p:cNvPr>
+          <p:cNvSpPr txBox="1"/>
+          <p:nvPr/>
+        </p:nvSpPr>
+        <p:spPr>
+          <a:xfrm>
+            <a:off x="6403666" y="1864926"/>
+            <a:ext cx="172067" cy="138499"/>
+          </a:xfrm>
+          <a:prstGeom prst="rect">
+            <a:avLst/>
+          </a:prstGeom>
+          <a:noFill/>
+          <a:ln>
+            <a:noFill/>
+          </a:ln>
+        </p:spPr>
+        <p:txBody>
+          <a:bodyPr wrap="square" lIns="0" tIns="0" rIns="0" bIns="0" rtlCol="0">
+            <a:spAutoFit/>
+          </a:bodyPr>
+          <a:lstStyle/>
+          <a:p>
+            <a:r>
+              <a:rPr lang="en-US" sz="900" dirty="0"/>
+              <a:t>a</a:t>
+            </a:r>
+            <a:r>
+              <a:rPr lang="en-US" sz="900" baseline="-25000" dirty="0"/>
+              <a:t>2</a:t>
+            </a:r>
+          </a:p>
+        </p:txBody>
+      </p:sp>
+      <p:sp>
+        <p:nvSpPr>
+          <p:cNvPr id="25" name="TextBox 24">
+            <a:extLst>
+              <a:ext uri="{FF2B5EF4-FFF2-40B4-BE49-F238E27FC236}">
+                <a16:creationId xmlns:a16="http://schemas.microsoft.com/office/drawing/2014/main" id="{63C081D7-4F0F-6443-8E2B-F1AAEAA7BEED}"/>
+              </a:ext>
+            </a:extLst>
+          </p:cNvPr>
+          <p:cNvSpPr txBox="1"/>
+          <p:nvPr/>
+        </p:nvSpPr>
+        <p:spPr>
+          <a:xfrm>
+            <a:off x="3341796" y="2390366"/>
+            <a:ext cx="164353" cy="138499"/>
+          </a:xfrm>
+          <a:prstGeom prst="rect">
+            <a:avLst/>
+          </a:prstGeom>
+          <a:noFill/>
+          <a:ln>
+            <a:noFill/>
+          </a:ln>
+        </p:spPr>
+        <p:txBody>
+          <a:bodyPr wrap="square" lIns="0" tIns="0" rIns="0" bIns="0" rtlCol="0">
+            <a:spAutoFit/>
+          </a:bodyPr>
+          <a:lstStyle/>
+          <a:p>
+            <a:r>
+              <a:rPr lang="en-US" sz="900" dirty="0"/>
+              <a:t>d</a:t>
+            </a:r>
+            <a:r>
+              <a:rPr lang="en-US" sz="900" baseline="-25000" dirty="0"/>
+              <a:t>1</a:t>
+            </a:r>
+          </a:p>
+        </p:txBody>
+      </p:sp>
+      <p:sp>
+        <p:nvSpPr>
+          <p:cNvPr id="27" name="TextBox 26">
+            <a:extLst>
+              <a:ext uri="{FF2B5EF4-FFF2-40B4-BE49-F238E27FC236}">
+                <a16:creationId xmlns:a16="http://schemas.microsoft.com/office/drawing/2014/main" id="{742DB2D2-FF77-8849-A1B3-4DADBC2447E0}"/>
+              </a:ext>
+            </a:extLst>
+          </p:cNvPr>
+          <p:cNvSpPr txBox="1"/>
+          <p:nvPr/>
+        </p:nvSpPr>
+        <p:spPr>
+          <a:xfrm>
+            <a:off x="6040261" y="1817618"/>
+            <a:ext cx="229050" cy="138499"/>
+          </a:xfrm>
+          <a:prstGeom prst="rect">
+            <a:avLst/>
+          </a:prstGeom>
+          <a:noFill/>
+          <a:ln>
+            <a:noFill/>
+          </a:ln>
+        </p:spPr>
+        <p:txBody>
+          <a:bodyPr wrap="square" lIns="0" tIns="0" rIns="0" bIns="0" rtlCol="0">
+            <a:spAutoFit/>
+          </a:bodyPr>
+          <a:lstStyle/>
+          <a:p>
+            <a:r>
+              <a:rPr lang="en-US" sz="900" dirty="0"/>
+              <a:t>WC</a:t>
+            </a:r>
+            <a:endParaRPr lang="en-US" sz="900" baseline="-25000" dirty="0"/>
+          </a:p>
+        </p:txBody>
+      </p:sp>
+      <p:sp>
+        <p:nvSpPr>
+          <p:cNvPr id="28" name="Oval 27">
+            <a:extLst>
+              <a:ext uri="{FF2B5EF4-FFF2-40B4-BE49-F238E27FC236}">
+                <a16:creationId xmlns:a16="http://schemas.microsoft.com/office/drawing/2014/main" id="{F605B447-54B6-134C-8003-F8BB6CCBEAE1}"/>
+              </a:ext>
+            </a:extLst>
+          </p:cNvPr>
+          <p:cNvSpPr/>
+          <p:nvPr/>
+        </p:nvSpPr>
+        <p:spPr>
+          <a:xfrm>
+            <a:off x="4564806" y="1214432"/>
+            <a:ext cx="391886" cy="391886"/>
+          </a:xfrm>
+          <a:prstGeom prst="ellipse">
+            <a:avLst/>
+          </a:prstGeom>
+          <a:ln>
+            <a:solidFill>
+              <a:schemeClr val="tx1"/>
+            </a:solidFill>
+          </a:ln>
+        </p:spPr>
+        <p:style>
+          <a:lnRef idx="2">
+            <a:schemeClr val="accent1"/>
+          </a:lnRef>
+          <a:fillRef idx="1">
+            <a:schemeClr val="lt1"/>
+          </a:fillRef>
+          <a:effectRef idx="0">
+            <a:schemeClr val="accent1"/>
+          </a:effectRef>
+          <a:fontRef idx="minor">
+            <a:schemeClr val="dk1"/>
+          </a:fontRef>
+        </p:style>
+        <p:txBody>
+          <a:bodyPr rtlCol="0" anchor="ctr"/>
+          <a:lstStyle/>
+          <a:p>
+            <a:pPr algn="ctr"/>
+            <a:r>
+              <a:rPr lang="en-US" dirty="0"/>
+              <a:t>3</a:t>
+            </a:r>
+          </a:p>
+        </p:txBody>
+      </p:sp>
+      <p:sp>
+        <p:nvSpPr>
+          <p:cNvPr id="29" name="Oval 28">
+            <a:extLst>
+              <a:ext uri="{FF2B5EF4-FFF2-40B4-BE49-F238E27FC236}">
+                <a16:creationId xmlns:a16="http://schemas.microsoft.com/office/drawing/2014/main" id="{14BBA4C1-2A93-FA48-89DB-600E6D4FCB5B}"/>
+              </a:ext>
+            </a:extLst>
+          </p:cNvPr>
+          <p:cNvSpPr/>
+          <p:nvPr/>
+        </p:nvSpPr>
+        <p:spPr>
+          <a:xfrm>
+            <a:off x="8348191" y="4341172"/>
+            <a:ext cx="227976" cy="227976"/>
+          </a:xfrm>
+          <a:prstGeom prst="ellipse">
+            <a:avLst/>
+          </a:prstGeom>
+          <a:ln>
+            <a:solidFill>
+              <a:schemeClr val="tx1"/>
+            </a:solidFill>
+          </a:ln>
+        </p:spPr>
+        <p:style>
+          <a:lnRef idx="2">
+            <a:schemeClr val="accent1"/>
+          </a:lnRef>
+          <a:fillRef idx="1">
+            <a:schemeClr val="lt1"/>
+          </a:fillRef>
+          <a:effectRef idx="0">
+            <a:schemeClr val="accent1"/>
+          </a:effectRef>
+          <a:fontRef idx="minor">
+            <a:schemeClr val="dk1"/>
+          </a:fontRef>
+        </p:style>
+        <p:txBody>
+          <a:bodyPr rtlCol="0" anchor="ctr"/>
+          <a:lstStyle/>
+          <a:p>
+            <a:pPr algn="ctr"/>
+            <a:r>
+              <a:rPr lang="en-US" dirty="0"/>
+              <a:t>4</a:t>
+            </a:r>
+          </a:p>
+        </p:txBody>
+      </p:sp>
+      <p:sp>
+        <p:nvSpPr>
+          <p:cNvPr id="2" name="Oval 1">
+            <a:extLst>
+              <a:ext uri="{FF2B5EF4-FFF2-40B4-BE49-F238E27FC236}">
+                <a16:creationId xmlns:a16="http://schemas.microsoft.com/office/drawing/2014/main" id="{DD0E6DD4-0DC4-1448-B86C-4ACF3A4BF32A}"/>
+              </a:ext>
+            </a:extLst>
+          </p:cNvPr>
+          <p:cNvSpPr/>
+          <p:nvPr/>
+        </p:nvSpPr>
+        <p:spPr>
+          <a:xfrm>
+            <a:off x="4273000" y="2011584"/>
+            <a:ext cx="391886" cy="391886"/>
+          </a:xfrm>
+          <a:prstGeom prst="ellipse">
+            <a:avLst/>
+          </a:prstGeom>
+          <a:ln>
+            <a:solidFill>
+              <a:schemeClr val="tx1"/>
+            </a:solidFill>
+          </a:ln>
+        </p:spPr>
+        <p:style>
+          <a:lnRef idx="2">
+            <a:schemeClr val="accent1"/>
+          </a:lnRef>
+          <a:fillRef idx="1">
+            <a:schemeClr val="lt1"/>
+          </a:fillRef>
+          <a:effectRef idx="0">
+            <a:schemeClr val="accent1"/>
+          </a:effectRef>
+          <a:fontRef idx="minor">
+            <a:schemeClr val="dk1"/>
+          </a:fontRef>
+        </p:style>
+        <p:txBody>
+          <a:bodyPr rtlCol="0" anchor="ctr"/>
+          <a:lstStyle/>
+          <a:p>
+            <a:pPr algn="ctr"/>
+            <a:r>
+              <a:rPr lang="en-US" dirty="0"/>
+              <a:t>2</a:t>
+            </a:r>
+          </a:p>
+        </p:txBody>
+      </p:sp>
+      <p:cxnSp>
+        <p:nvCxnSpPr>
+          <p:cNvPr id="7" name="Straight Connector 6">
+            <a:extLst>
+              <a:ext uri="{FF2B5EF4-FFF2-40B4-BE49-F238E27FC236}">
+                <a16:creationId xmlns:a16="http://schemas.microsoft.com/office/drawing/2014/main" id="{95DCCCA5-AE8A-8444-ACC4-675D3DECAE96}"/>
+              </a:ext>
+            </a:extLst>
+          </p:cNvPr>
+          <p:cNvCxnSpPr>
+            <a:cxnSpLocks/>
+          </p:cNvCxnSpPr>
+          <p:nvPr/>
+        </p:nvCxnSpPr>
+        <p:spPr>
+          <a:xfrm flipV="1">
+            <a:off x="4472481" y="1916318"/>
+            <a:ext cx="1449618" cy="291209"/>
+          </a:xfrm>
+          <a:prstGeom prst="line">
+            <a:avLst/>
+          </a:prstGeom>
+          <a:ln>
+            <a:prstDash val="sysDot"/>
+          </a:ln>
+        </p:spPr>
+        <p:style>
+          <a:lnRef idx="1">
+            <a:schemeClr val="accent4"/>
+          </a:lnRef>
+          <a:fillRef idx="0">
+            <a:schemeClr val="accent4"/>
+          </a:fillRef>
+          <a:effectRef idx="0">
+            <a:schemeClr val="accent4"/>
+          </a:effectRef>
+          <a:fontRef idx="minor">
+            <a:schemeClr val="tx1"/>
+          </a:fontRef>
+        </p:style>
+      </p:cxnSp>
+      <p:cxnSp>
+        <p:nvCxnSpPr>
+          <p:cNvPr id="9" name="Straight Connector 8">
+            <a:extLst>
+              <a:ext uri="{FF2B5EF4-FFF2-40B4-BE49-F238E27FC236}">
+                <a16:creationId xmlns:a16="http://schemas.microsoft.com/office/drawing/2014/main" id="{19F40CE3-9439-5C49-B99D-84D768B03184}"/>
+              </a:ext>
+            </a:extLst>
+          </p:cNvPr>
+          <p:cNvCxnSpPr>
+            <a:cxnSpLocks/>
+          </p:cNvCxnSpPr>
+          <p:nvPr/>
+        </p:nvCxnSpPr>
+        <p:spPr>
+          <a:xfrm>
+            <a:off x="3894667" y="1410011"/>
+            <a:ext cx="2624666" cy="0"/>
+          </a:xfrm>
+          <a:prstGeom prst="line">
+            <a:avLst/>
+          </a:prstGeom>
+          <a:ln>
+            <a:prstDash val="sysDot"/>
+          </a:ln>
+        </p:spPr>
+        <p:style>
+          <a:lnRef idx="1">
+            <a:schemeClr val="accent4"/>
+          </a:lnRef>
+          <a:fillRef idx="0">
+            <a:schemeClr val="accent4"/>
+          </a:fillRef>
+          <a:effectRef idx="0">
+            <a:schemeClr val="accent4"/>
+          </a:effectRef>
+          <a:fontRef idx="minor">
+            <a:schemeClr val="tx1"/>
+          </a:fontRef>
+        </p:style>
+      </p:cxnSp>
+      <p:cxnSp>
+        <p:nvCxnSpPr>
+          <p:cNvPr id="10" name="Straight Connector 9">
+            <a:extLst>
+              <a:ext uri="{FF2B5EF4-FFF2-40B4-BE49-F238E27FC236}">
+                <a16:creationId xmlns:a16="http://schemas.microsoft.com/office/drawing/2014/main" id="{69C54D5C-2B83-6447-AF10-9F2FE40F4A56}"/>
+              </a:ext>
+            </a:extLst>
+          </p:cNvPr>
+          <p:cNvCxnSpPr>
+            <a:cxnSpLocks/>
+          </p:cNvCxnSpPr>
+          <p:nvPr/>
+        </p:nvCxnSpPr>
+        <p:spPr>
+          <a:xfrm>
+            <a:off x="3369733" y="2210690"/>
+            <a:ext cx="3119967" cy="0"/>
+          </a:xfrm>
+          <a:prstGeom prst="line">
+            <a:avLst/>
+          </a:prstGeom>
+          <a:ln>
+            <a:prstDash val="sysDot"/>
+          </a:ln>
+        </p:spPr>
+        <p:style>
+          <a:lnRef idx="1">
+            <a:schemeClr val="accent4"/>
+          </a:lnRef>
+          <a:fillRef idx="0">
+            <a:schemeClr val="accent4"/>
+          </a:fillRef>
+          <a:effectRef idx="0">
+            <a:schemeClr val="accent4"/>
+          </a:effectRef>
+          <a:fontRef idx="minor">
+            <a:schemeClr val="tx1"/>
+          </a:fontRef>
+        </p:style>
+      </p:cxnSp>
+      <p:cxnSp>
+        <p:nvCxnSpPr>
+          <p:cNvPr id="11" name="Straight Connector 10">
+            <a:extLst>
+              <a:ext uri="{FF2B5EF4-FFF2-40B4-BE49-F238E27FC236}">
+                <a16:creationId xmlns:a16="http://schemas.microsoft.com/office/drawing/2014/main" id="{BB15EC97-22F3-F845-BB61-0D7DF466D702}"/>
+              </a:ext>
+            </a:extLst>
+          </p:cNvPr>
+          <p:cNvCxnSpPr>
+            <a:cxnSpLocks/>
+          </p:cNvCxnSpPr>
+          <p:nvPr/>
+        </p:nvCxnSpPr>
+        <p:spPr>
+          <a:xfrm>
+            <a:off x="5934273" y="948267"/>
+            <a:ext cx="0" cy="1269767"/>
+          </a:xfrm>
+          <a:prstGeom prst="line">
+            <a:avLst/>
+          </a:prstGeom>
+          <a:ln>
+            <a:prstDash val="sysDot"/>
+          </a:ln>
+        </p:spPr>
+        <p:style>
+          <a:lnRef idx="1">
+            <a:schemeClr val="accent4"/>
+          </a:lnRef>
+          <a:fillRef idx="0">
+            <a:schemeClr val="accent4"/>
+          </a:fillRef>
+          <a:effectRef idx="0">
+            <a:schemeClr val="accent4"/>
+          </a:effectRef>
+          <a:fontRef idx="minor">
+            <a:schemeClr val="tx1"/>
+          </a:fontRef>
+        </p:style>
+      </p:cxnSp>
+      <p:cxnSp>
+        <p:nvCxnSpPr>
+          <p:cNvPr id="12" name="Straight Connector 11">
+            <a:extLst>
+              <a:ext uri="{FF2B5EF4-FFF2-40B4-BE49-F238E27FC236}">
+                <a16:creationId xmlns:a16="http://schemas.microsoft.com/office/drawing/2014/main" id="{9897E682-6751-C143-AD1F-C456E68F1625}"/>
+              </a:ext>
+            </a:extLst>
+          </p:cNvPr>
+          <p:cNvCxnSpPr>
+            <a:cxnSpLocks/>
+          </p:cNvCxnSpPr>
+          <p:nvPr/>
+        </p:nvCxnSpPr>
+        <p:spPr>
+          <a:xfrm>
+            <a:off x="4760749" y="1410011"/>
+            <a:ext cx="1161350" cy="494726"/>
+          </a:xfrm>
+          <a:prstGeom prst="line">
+            <a:avLst/>
+          </a:prstGeom>
+          <a:ln>
+            <a:prstDash val="sysDot"/>
+          </a:ln>
+        </p:spPr>
+        <p:style>
+          <a:lnRef idx="1">
+            <a:schemeClr val="accent4"/>
+          </a:lnRef>
+          <a:fillRef idx="0">
+            <a:schemeClr val="accent4"/>
+          </a:fillRef>
+          <a:effectRef idx="0">
+            <a:schemeClr val="accent4"/>
+          </a:effectRef>
+          <a:fontRef idx="minor">
+            <a:schemeClr val="tx1"/>
+          </a:fontRef>
+        </p:style>
+      </p:cxnSp>
+      <p:cxnSp>
+        <p:nvCxnSpPr>
+          <p:cNvPr id="58" name="Straight Connector 57">
+            <a:extLst>
+              <a:ext uri="{FF2B5EF4-FFF2-40B4-BE49-F238E27FC236}">
+                <a16:creationId xmlns:a16="http://schemas.microsoft.com/office/drawing/2014/main" id="{23A588F6-4470-2349-A13D-5B0B0CC94BE1}"/>
+              </a:ext>
+            </a:extLst>
+          </p:cNvPr>
+          <p:cNvCxnSpPr>
+            <a:cxnSpLocks/>
+            <a:stCxn id="4" idx="2"/>
+          </p:cNvCxnSpPr>
+          <p:nvPr/>
+        </p:nvCxnSpPr>
+        <p:spPr>
+          <a:xfrm flipH="1" flipV="1">
+            <a:off x="3321208" y="2759872"/>
+            <a:ext cx="642516" cy="2724"/>
+          </a:xfrm>
+          <a:prstGeom prst="line">
+            <a:avLst/>
+          </a:prstGeom>
+          <a:ln>
+            <a:prstDash val="sysDot"/>
+          </a:ln>
+        </p:spPr>
+        <p:style>
+          <a:lnRef idx="1">
+            <a:schemeClr val="accent4"/>
+          </a:lnRef>
+          <a:fillRef idx="0">
+            <a:schemeClr val="accent4"/>
+          </a:fillRef>
+          <a:effectRef idx="0">
+            <a:schemeClr val="accent4"/>
+          </a:effectRef>
+          <a:fontRef idx="minor">
+            <a:schemeClr val="tx1"/>
+          </a:fontRef>
+        </p:style>
+      </p:cxnSp>
+      <p:cxnSp>
+        <p:nvCxnSpPr>
+          <p:cNvPr id="62" name="Straight Connector 61">
+            <a:extLst>
+              <a:ext uri="{FF2B5EF4-FFF2-40B4-BE49-F238E27FC236}">
+                <a16:creationId xmlns:a16="http://schemas.microsoft.com/office/drawing/2014/main" id="{F0D8B5F2-2ACA-0D46-8DC7-156C5FA9C22A}"/>
+              </a:ext>
+            </a:extLst>
+          </p:cNvPr>
+          <p:cNvCxnSpPr>
+            <a:cxnSpLocks/>
+          </p:cNvCxnSpPr>
+          <p:nvPr/>
+        </p:nvCxnSpPr>
+        <p:spPr>
+          <a:xfrm flipV="1">
+            <a:off x="3475472" y="2141924"/>
+            <a:ext cx="0" cy="645995"/>
+          </a:xfrm>
+          <a:prstGeom prst="line">
+            <a:avLst/>
+          </a:prstGeom>
+          <a:ln>
+            <a:solidFill>
+              <a:schemeClr val="tx1"/>
+            </a:solidFill>
+          </a:ln>
+        </p:spPr>
+        <p:style>
+          <a:lnRef idx="1">
+            <a:schemeClr val="accent1"/>
+          </a:lnRef>
+          <a:fillRef idx="0">
+            <a:schemeClr val="accent1"/>
+          </a:fillRef>
+          <a:effectRef idx="0">
+            <a:schemeClr val="accent1"/>
+          </a:effectRef>
+          <a:fontRef idx="minor">
+            <a:schemeClr val="tx1"/>
+          </a:fontRef>
+        </p:style>
+      </p:cxnSp>
+      <p:cxnSp>
+        <p:nvCxnSpPr>
+          <p:cNvPr id="65" name="Straight Connector 64">
+            <a:extLst>
+              <a:ext uri="{FF2B5EF4-FFF2-40B4-BE49-F238E27FC236}">
+                <a16:creationId xmlns:a16="http://schemas.microsoft.com/office/drawing/2014/main" id="{EB5A8975-9F0F-DE45-8877-01FDAA33FCC4}"/>
+              </a:ext>
+            </a:extLst>
+          </p:cNvPr>
+          <p:cNvCxnSpPr>
+            <a:cxnSpLocks/>
+          </p:cNvCxnSpPr>
+          <p:nvPr/>
+        </p:nvCxnSpPr>
+        <p:spPr>
+          <a:xfrm flipV="1">
+            <a:off x="6376237" y="1278467"/>
+            <a:ext cx="0" cy="990194"/>
+          </a:xfrm>
+          <a:prstGeom prst="line">
+            <a:avLst/>
+          </a:prstGeom>
+          <a:ln>
+            <a:solidFill>
+              <a:schemeClr val="tx1"/>
+            </a:solidFill>
+          </a:ln>
+        </p:spPr>
+        <p:style>
+          <a:lnRef idx="1">
+            <a:schemeClr val="accent1"/>
+          </a:lnRef>
+          <a:fillRef idx="0">
+            <a:schemeClr val="accent1"/>
+          </a:fillRef>
+          <a:effectRef idx="0">
+            <a:schemeClr val="accent1"/>
+          </a:effectRef>
+          <a:fontRef idx="minor">
+            <a:schemeClr val="tx1"/>
+          </a:fontRef>
+        </p:style>
+      </p:cxnSp>
+      <p:cxnSp>
+        <p:nvCxnSpPr>
+          <p:cNvPr id="69" name="Straight Connector 68">
+            <a:extLst>
+              <a:ext uri="{FF2B5EF4-FFF2-40B4-BE49-F238E27FC236}">
+                <a16:creationId xmlns:a16="http://schemas.microsoft.com/office/drawing/2014/main" id="{4B06659B-8252-C549-9EF6-AD45B12CBFFD}"/>
+              </a:ext>
+            </a:extLst>
+          </p:cNvPr>
+          <p:cNvCxnSpPr>
+            <a:cxnSpLocks/>
+          </p:cNvCxnSpPr>
+          <p:nvPr/>
+        </p:nvCxnSpPr>
+        <p:spPr>
+          <a:xfrm>
+            <a:off x="4482176" y="881969"/>
+            <a:ext cx="0" cy="1426599"/>
+          </a:xfrm>
+          <a:prstGeom prst="line">
+            <a:avLst/>
+          </a:prstGeom>
+          <a:ln>
+            <a:prstDash val="sysDot"/>
+          </a:ln>
+        </p:spPr>
+        <p:style>
+          <a:lnRef idx="1">
+            <a:schemeClr val="accent4"/>
+          </a:lnRef>
+          <a:fillRef idx="0">
+            <a:schemeClr val="accent4"/>
+          </a:fillRef>
+          <a:effectRef idx="0">
+            <a:schemeClr val="accent4"/>
+          </a:effectRef>
+          <a:fontRef idx="minor">
+            <a:schemeClr val="tx1"/>
+          </a:fontRef>
+        </p:style>
+      </p:cxnSp>
+      <p:cxnSp>
+        <p:nvCxnSpPr>
+          <p:cNvPr id="72" name="Straight Connector 71">
+            <a:extLst>
+              <a:ext uri="{FF2B5EF4-FFF2-40B4-BE49-F238E27FC236}">
+                <a16:creationId xmlns:a16="http://schemas.microsoft.com/office/drawing/2014/main" id="{A9F23B00-68C9-8544-ADE6-8CF68432E0EA}"/>
+              </a:ext>
+            </a:extLst>
+          </p:cNvPr>
+          <p:cNvCxnSpPr>
+            <a:cxnSpLocks/>
+          </p:cNvCxnSpPr>
+          <p:nvPr/>
+        </p:nvCxnSpPr>
+        <p:spPr>
+          <a:xfrm>
+            <a:off x="3894667" y="937002"/>
+            <a:ext cx="639233" cy="0"/>
+          </a:xfrm>
+          <a:prstGeom prst="line">
+            <a:avLst/>
+          </a:prstGeom>
+          <a:ln>
+            <a:solidFill>
+              <a:schemeClr val="tx1"/>
+            </a:solidFill>
+          </a:ln>
+        </p:spPr>
+        <p:style>
+          <a:lnRef idx="1">
+            <a:schemeClr val="accent1"/>
+          </a:lnRef>
+          <a:fillRef idx="0">
+            <a:schemeClr val="accent1"/>
+          </a:fillRef>
+          <a:effectRef idx="0">
+            <a:schemeClr val="accent1"/>
+          </a:effectRef>
+          <a:fontRef idx="minor">
+            <a:schemeClr val="tx1"/>
+          </a:fontRef>
+        </p:style>
+      </p:cxnSp>
+      <p:sp>
+        <p:nvSpPr>
+          <p:cNvPr id="77" name="TextBox 76">
+            <a:extLst>
+              <a:ext uri="{FF2B5EF4-FFF2-40B4-BE49-F238E27FC236}">
+                <a16:creationId xmlns:a16="http://schemas.microsoft.com/office/drawing/2014/main" id="{1CB98E0C-9D31-584A-B8B0-98FBC6D92F2C}"/>
+              </a:ext>
+            </a:extLst>
+          </p:cNvPr>
+          <p:cNvSpPr txBox="1"/>
+          <p:nvPr/>
+        </p:nvSpPr>
+        <p:spPr>
+          <a:xfrm>
+            <a:off x="4155991" y="795569"/>
+            <a:ext cx="172067" cy="138499"/>
+          </a:xfrm>
+          <a:prstGeom prst="rect">
+            <a:avLst/>
+          </a:prstGeom>
+          <a:noFill/>
+          <a:ln>
+            <a:noFill/>
+          </a:ln>
+        </p:spPr>
+        <p:txBody>
+          <a:bodyPr wrap="square" lIns="0" tIns="0" rIns="0" bIns="0" rtlCol="0">
+            <a:spAutoFit/>
+          </a:bodyPr>
+          <a:lstStyle/>
+          <a:p>
+            <a:r>
+              <a:rPr lang="en-US" sz="900" dirty="0"/>
+              <a:t>a</a:t>
+            </a:r>
+            <a:r>
+              <a:rPr lang="en-US" sz="900" baseline="-25000" dirty="0"/>
+              <a:t>1</a:t>
+            </a:r>
+          </a:p>
+        </p:txBody>
+      </p:sp>
+      <p:cxnSp>
+        <p:nvCxnSpPr>
+          <p:cNvPr id="80" name="Straight Connector 79">
+            <a:extLst>
+              <a:ext uri="{FF2B5EF4-FFF2-40B4-BE49-F238E27FC236}">
+                <a16:creationId xmlns:a16="http://schemas.microsoft.com/office/drawing/2014/main" id="{A452A629-83E0-4444-B3CC-3C4D61754E45}"/>
+              </a:ext>
+            </a:extLst>
+          </p:cNvPr>
+          <p:cNvCxnSpPr>
+            <a:cxnSpLocks/>
+          </p:cNvCxnSpPr>
+          <p:nvPr/>
+        </p:nvCxnSpPr>
+        <p:spPr>
+          <a:xfrm>
+            <a:off x="4393011" y="881969"/>
+            <a:ext cx="1598214" cy="0"/>
+          </a:xfrm>
+          <a:prstGeom prst="line">
+            <a:avLst/>
+          </a:prstGeom>
+          <a:ln>
+            <a:solidFill>
+              <a:schemeClr val="tx1"/>
+            </a:solidFill>
+          </a:ln>
+        </p:spPr>
+        <p:style>
+          <a:lnRef idx="1">
+            <a:schemeClr val="accent1"/>
+          </a:lnRef>
+          <a:fillRef idx="0">
+            <a:schemeClr val="accent1"/>
+          </a:fillRef>
+          <a:effectRef idx="0">
+            <a:schemeClr val="accent1"/>
+          </a:effectRef>
+          <a:fontRef idx="minor">
+            <a:schemeClr val="tx1"/>
+          </a:fontRef>
+        </p:style>
+      </p:cxnSp>
+      <p:sp>
+        <p:nvSpPr>
+          <p:cNvPr id="82" name="TextBox 81">
+            <a:extLst>
+              <a:ext uri="{FF2B5EF4-FFF2-40B4-BE49-F238E27FC236}">
+                <a16:creationId xmlns:a16="http://schemas.microsoft.com/office/drawing/2014/main" id="{879DB5E6-1D89-FF4E-9324-C5DA5A965784}"/>
+              </a:ext>
+            </a:extLst>
+          </p:cNvPr>
+          <p:cNvSpPr txBox="1"/>
+          <p:nvPr/>
+        </p:nvSpPr>
+        <p:spPr>
+          <a:xfrm>
+            <a:off x="5218548" y="719662"/>
+            <a:ext cx="172067" cy="138499"/>
+          </a:xfrm>
+          <a:prstGeom prst="rect">
+            <a:avLst/>
+          </a:prstGeom>
+          <a:noFill/>
+          <a:ln>
+            <a:noFill/>
+          </a:ln>
+        </p:spPr>
+        <p:txBody>
+          <a:bodyPr wrap="square" lIns="0" tIns="0" rIns="0" bIns="0" rtlCol="0">
+            <a:spAutoFit/>
+          </a:bodyPr>
+          <a:lstStyle/>
+          <a:p>
+            <a:r>
+              <a:rPr lang="en-US" sz="900" dirty="0"/>
+              <a:t>d</a:t>
+            </a:r>
+            <a:r>
+              <a:rPr lang="en-US" sz="900" baseline="-25000" dirty="0"/>
+              <a:t>4</a:t>
+            </a:r>
+          </a:p>
+        </p:txBody>
+      </p:sp>
+      <p:sp>
+        <p:nvSpPr>
+          <p:cNvPr id="92" name="TextBox 91">
+            <a:extLst>
+              <a:ext uri="{FF2B5EF4-FFF2-40B4-BE49-F238E27FC236}">
+                <a16:creationId xmlns:a16="http://schemas.microsoft.com/office/drawing/2014/main" id="{A518C755-6FA3-F94A-BD8F-EFD96C0CC7AD}"/>
+              </a:ext>
+            </a:extLst>
+          </p:cNvPr>
+          <p:cNvSpPr txBox="1"/>
+          <p:nvPr/>
+        </p:nvSpPr>
+        <p:spPr>
+          <a:xfrm>
+            <a:off x="8482550" y="1429082"/>
+            <a:ext cx="172067" cy="138499"/>
+          </a:xfrm>
+          <a:prstGeom prst="rect">
+            <a:avLst/>
+          </a:prstGeom>
+          <a:noFill/>
+          <a:ln>
+            <a:noFill/>
+          </a:ln>
+        </p:spPr>
+        <p:txBody>
+          <a:bodyPr wrap="square" lIns="0" tIns="0" rIns="0" bIns="0" rtlCol="0">
+            <a:spAutoFit/>
+          </a:bodyPr>
+          <a:lstStyle/>
+          <a:p>
+            <a:r>
+              <a:rPr lang="en-US" sz="900" dirty="0"/>
+              <a:t>a</a:t>
+            </a:r>
+            <a:r>
+              <a:rPr lang="en-US" sz="900" baseline="-25000" dirty="0"/>
+              <a:t>3</a:t>
+            </a:r>
+          </a:p>
+        </p:txBody>
+      </p:sp>
+      <p:cxnSp>
+        <p:nvCxnSpPr>
+          <p:cNvPr id="93" name="Straight Connector 92">
+            <a:extLst>
+              <a:ext uri="{FF2B5EF4-FFF2-40B4-BE49-F238E27FC236}">
+                <a16:creationId xmlns:a16="http://schemas.microsoft.com/office/drawing/2014/main" id="{5EF72578-4EF4-BB4E-A6F2-A09555ABE86F}"/>
+              </a:ext>
+            </a:extLst>
+          </p:cNvPr>
+          <p:cNvCxnSpPr>
+            <a:cxnSpLocks/>
+          </p:cNvCxnSpPr>
+          <p:nvPr/>
+        </p:nvCxnSpPr>
+        <p:spPr>
+          <a:xfrm>
+            <a:off x="8433166" y="1214432"/>
+            <a:ext cx="0" cy="539151"/>
+          </a:xfrm>
+          <a:prstGeom prst="line">
+            <a:avLst/>
+          </a:prstGeom>
+          <a:ln>
+            <a:solidFill>
+              <a:schemeClr val="tx1"/>
+            </a:solidFill>
+          </a:ln>
+        </p:spPr>
+        <p:style>
+          <a:lnRef idx="1">
+            <a:schemeClr val="accent1"/>
+          </a:lnRef>
+          <a:fillRef idx="0">
+            <a:schemeClr val="accent1"/>
+          </a:fillRef>
+          <a:effectRef idx="0">
+            <a:schemeClr val="accent1"/>
+          </a:effectRef>
+          <a:fontRef idx="minor">
+            <a:schemeClr val="tx1"/>
+          </a:fontRef>
+        </p:style>
+      </p:cxnSp>
+      <p:sp>
+        <p:nvSpPr>
+          <p:cNvPr id="101" name="Freeform 100">
+            <a:extLst>
+              <a:ext uri="{FF2B5EF4-FFF2-40B4-BE49-F238E27FC236}">
+                <a16:creationId xmlns:a16="http://schemas.microsoft.com/office/drawing/2014/main" id="{6266E420-F222-6046-861C-2383539BBEDE}"/>
+              </a:ext>
+            </a:extLst>
+          </p:cNvPr>
+          <p:cNvSpPr/>
+          <p:nvPr/>
+        </p:nvSpPr>
+        <p:spPr>
+          <a:xfrm>
+            <a:off x="7078032" y="979792"/>
+            <a:ext cx="139301" cy="213981"/>
+          </a:xfrm>
+          <a:custGeom>
+            <a:avLst/>
+            <a:gdLst>
+              <a:gd name="connsiteX0" fmla="*/ 0 w 147545"/>
+              <a:gd name="connsiteY0" fmla="*/ 0 h 212781"/>
+              <a:gd name="connsiteX1" fmla="*/ 146050 w 147545"/>
+              <a:gd name="connsiteY1" fmla="*/ 200025 h 212781"/>
+              <a:gd name="connsiteX2" fmla="*/ 79375 w 147545"/>
+              <a:gd name="connsiteY2" fmla="*/ 203200 h 212781"/>
+              <a:gd name="connsiteX0" fmla="*/ 0 w 153794"/>
+              <a:gd name="connsiteY0" fmla="*/ 0 h 203200"/>
+              <a:gd name="connsiteX1" fmla="*/ 152400 w 153794"/>
+              <a:gd name="connsiteY1" fmla="*/ 66675 h 203200"/>
+              <a:gd name="connsiteX2" fmla="*/ 79375 w 153794"/>
+              <a:gd name="connsiteY2" fmla="*/ 203200 h 203200"/>
+              <a:gd name="connsiteX0" fmla="*/ 0 w 79375"/>
+              <a:gd name="connsiteY0" fmla="*/ 0 h 203200"/>
+              <a:gd name="connsiteX1" fmla="*/ 79375 w 79375"/>
+              <a:gd name="connsiteY1" fmla="*/ 203200 h 203200"/>
+              <a:gd name="connsiteX0" fmla="*/ 0 w 142919"/>
+              <a:gd name="connsiteY0" fmla="*/ 0 h 203200"/>
+              <a:gd name="connsiteX1" fmla="*/ 79375 w 142919"/>
+              <a:gd name="connsiteY1" fmla="*/ 203200 h 203200"/>
+              <a:gd name="connsiteX0" fmla="*/ 0 w 186211"/>
+              <a:gd name="connsiteY0" fmla="*/ 0 h 203200"/>
+              <a:gd name="connsiteX1" fmla="*/ 79375 w 186211"/>
+              <a:gd name="connsiteY1" fmla="*/ 203200 h 203200"/>
+              <a:gd name="connsiteX0" fmla="*/ 0 w 125812"/>
+              <a:gd name="connsiteY0" fmla="*/ 0 h 203200"/>
+              <a:gd name="connsiteX1" fmla="*/ 79375 w 125812"/>
+              <a:gd name="connsiteY1" fmla="*/ 203200 h 203200"/>
+              <a:gd name="connsiteX0" fmla="*/ 0 w 122234"/>
+              <a:gd name="connsiteY0" fmla="*/ 1233 h 204433"/>
+              <a:gd name="connsiteX1" fmla="*/ 79375 w 122234"/>
+              <a:gd name="connsiteY1" fmla="*/ 204433 h 204433"/>
+              <a:gd name="connsiteX0" fmla="*/ 0 w 148382"/>
+              <a:gd name="connsiteY0" fmla="*/ 1233 h 204433"/>
+              <a:gd name="connsiteX1" fmla="*/ 111125 w 148382"/>
+              <a:gd name="connsiteY1" fmla="*/ 204433 h 204433"/>
+              <a:gd name="connsiteX0" fmla="*/ 0 w 354546"/>
+              <a:gd name="connsiteY0" fmla="*/ 772 h 284406"/>
+              <a:gd name="connsiteX1" fmla="*/ 335492 w 354546"/>
+              <a:gd name="connsiteY1" fmla="*/ 284406 h 284406"/>
+              <a:gd name="connsiteX0" fmla="*/ 0 w 335731"/>
+              <a:gd name="connsiteY0" fmla="*/ 1961 h 285595"/>
+              <a:gd name="connsiteX1" fmla="*/ 335492 w 335731"/>
+              <a:gd name="connsiteY1" fmla="*/ 285595 h 285595"/>
+              <a:gd name="connsiteX0" fmla="*/ 0 w 336219"/>
+              <a:gd name="connsiteY0" fmla="*/ 60 h 283694"/>
+              <a:gd name="connsiteX1" fmla="*/ 335492 w 336219"/>
+              <a:gd name="connsiteY1" fmla="*/ 283694 h 283694"/>
+              <a:gd name="connsiteX0" fmla="*/ 0 w 335839"/>
+              <a:gd name="connsiteY0" fmla="*/ 0 h 283634"/>
+              <a:gd name="connsiteX1" fmla="*/ 335492 w 335839"/>
+              <a:gd name="connsiteY1" fmla="*/ 283634 h 283634"/>
+              <a:gd name="connsiteX0" fmla="*/ 0 w 335492"/>
+              <a:gd name="connsiteY0" fmla="*/ 0 h 283634"/>
+              <a:gd name="connsiteX1" fmla="*/ 335492 w 335492"/>
+              <a:gd name="connsiteY1" fmla="*/ 283634 h 283634"/>
+              <a:gd name="connsiteX0" fmla="*/ 0 w 128059"/>
+              <a:gd name="connsiteY0" fmla="*/ 0 h 503767"/>
+              <a:gd name="connsiteX1" fmla="*/ 128059 w 128059"/>
+              <a:gd name="connsiteY1" fmla="*/ 503767 h 503767"/>
+              <a:gd name="connsiteX0" fmla="*/ 67435 w 120865"/>
+              <a:gd name="connsiteY0" fmla="*/ 0 h 211667"/>
+              <a:gd name="connsiteX1" fmla="*/ 761 w 120865"/>
+              <a:gd name="connsiteY1" fmla="*/ 211667 h 211667"/>
+              <a:gd name="connsiteX0" fmla="*/ 66674 w 140917"/>
+              <a:gd name="connsiteY0" fmla="*/ 0 h 211667"/>
+              <a:gd name="connsiteX1" fmla="*/ 0 w 140917"/>
+              <a:gd name="connsiteY1" fmla="*/ 211667 h 211667"/>
+              <a:gd name="connsiteX0" fmla="*/ 66674 w 129636"/>
+              <a:gd name="connsiteY0" fmla="*/ 0 h 211667"/>
+              <a:gd name="connsiteX1" fmla="*/ 0 w 129636"/>
+              <a:gd name="connsiteY1" fmla="*/ 211667 h 211667"/>
+              <a:gd name="connsiteX0" fmla="*/ 66674 w 139301"/>
+              <a:gd name="connsiteY0" fmla="*/ 0 h 213981"/>
+              <a:gd name="connsiteX1" fmla="*/ 0 w 139301"/>
+              <a:gd name="connsiteY1" fmla="*/ 211667 h 213981"/>
+            </a:gdLst>
+            <a:ahLst/>
+            <a:cxnLst>
+              <a:cxn ang="0">
+                <a:pos x="connsiteX0" y="connsiteY0"/>
+              </a:cxn>
+              <a:cxn ang="0">
+                <a:pos x="connsiteX1" y="connsiteY1"/>
+              </a:cxn>
+            </a:cxnLst>
+            <a:rect l="l" t="t" r="r" b="b"/>
+            <a:pathLst>
+              <a:path w="139301" h="213981">
+                <a:moveTo>
+                  <a:pt x="66674" y="0"/>
+                </a:moveTo>
+                <a:cubicBezTo>
+                  <a:pt x="197908" y="91016"/>
+                  <a:pt x="136525" y="233892"/>
+                  <a:pt x="0" y="211667"/>
+                </a:cubicBezTo>
+              </a:path>
+            </a:pathLst>
+          </a:custGeom>
+          <a:noFill/>
+          <a:ln>
+            <a:solidFill>
+              <a:schemeClr val="tx1"/>
+            </a:solidFill>
+            <a:headEnd type="triangle" w="med" len="med"/>
+            <a:tailEnd type="none" w="med" len="med"/>
+          </a:ln>
+        </p:spPr>
+        <p:style>
+          <a:lnRef idx="2">
+            <a:schemeClr val="accent1">
+              <a:shade val="50000"/>
+            </a:schemeClr>
+          </a:lnRef>
+          <a:fillRef idx="1">
+            <a:schemeClr val="accent1"/>
+          </a:fillRef>
+          <a:effectRef idx="0">
+            <a:schemeClr val="accent1"/>
+          </a:effectRef>
+          <a:fontRef idx="minor">
+            <a:schemeClr val="lt1"/>
+          </a:fontRef>
+        </p:style>
+        <p:txBody>
+          <a:bodyPr rtlCol="0" anchor="ctr"/>
+          <a:lstStyle/>
+          <a:p>
+            <a:pPr algn="ctr"/>
+            <a:endParaRPr lang="en-US"/>
+          </a:p>
+        </p:txBody>
+      </p:sp>
+      <p:sp>
+        <p:nvSpPr>
+          <p:cNvPr id="102" name="TextBox 101">
+            <a:extLst>
+              <a:ext uri="{FF2B5EF4-FFF2-40B4-BE49-F238E27FC236}">
+                <a16:creationId xmlns:a16="http://schemas.microsoft.com/office/drawing/2014/main" id="{97DDF2A7-6AAE-964E-82C7-F144F3C33C12}"/>
+              </a:ext>
+            </a:extLst>
+          </p:cNvPr>
+          <p:cNvSpPr txBox="1"/>
+          <p:nvPr/>
+        </p:nvSpPr>
+        <p:spPr>
+          <a:xfrm>
+            <a:off x="7283956" y="1017532"/>
+            <a:ext cx="154845" cy="138499"/>
+          </a:xfrm>
+          <a:prstGeom prst="rect">
+            <a:avLst/>
+          </a:prstGeom>
+          <a:noFill/>
+          <a:ln>
+            <a:noFill/>
+          </a:ln>
+        </p:spPr>
+        <p:txBody>
+          <a:bodyPr wrap="square" lIns="0" tIns="0" rIns="0" bIns="0" rtlCol="0">
+            <a:spAutoFit/>
+          </a:bodyPr>
+          <a:lstStyle/>
+          <a:p>
+            <a:r>
+              <a:rPr lang="en-US" sz="900" dirty="0"/>
+              <a:t>θ</a:t>
+            </a:r>
+            <a:r>
+              <a:rPr lang="en-US" sz="900" baseline="-25000" dirty="0"/>
+              <a:t>3</a:t>
+            </a:r>
+          </a:p>
+        </p:txBody>
+      </p:sp>
+      <p:cxnSp>
+        <p:nvCxnSpPr>
+          <p:cNvPr id="107" name="Straight Connector 106">
+            <a:extLst>
+              <a:ext uri="{FF2B5EF4-FFF2-40B4-BE49-F238E27FC236}">
+                <a16:creationId xmlns:a16="http://schemas.microsoft.com/office/drawing/2014/main" id="{2781CF86-0842-7F44-BDBC-859B3E4F66ED}"/>
+              </a:ext>
+            </a:extLst>
+          </p:cNvPr>
+          <p:cNvCxnSpPr>
+            <a:cxnSpLocks/>
+          </p:cNvCxnSpPr>
+          <p:nvPr/>
+        </p:nvCxnSpPr>
+        <p:spPr>
+          <a:xfrm flipV="1">
+            <a:off x="5211775" y="1554884"/>
+            <a:ext cx="150660" cy="250106"/>
+          </a:xfrm>
+          <a:prstGeom prst="line">
+            <a:avLst/>
+          </a:prstGeom>
+          <a:ln>
+            <a:prstDash val="sysDot"/>
+          </a:ln>
+        </p:spPr>
+        <p:style>
+          <a:lnRef idx="1">
+            <a:schemeClr val="accent4"/>
+          </a:lnRef>
+          <a:fillRef idx="0">
+            <a:schemeClr val="accent4"/>
+          </a:fillRef>
+          <a:effectRef idx="0">
+            <a:schemeClr val="accent4"/>
+          </a:effectRef>
+          <a:fontRef idx="minor">
+            <a:schemeClr val="tx1"/>
+          </a:fontRef>
+        </p:style>
+      </p:cxnSp>
+      <p:cxnSp>
+        <p:nvCxnSpPr>
+          <p:cNvPr id="115" name="Straight Connector 114">
+            <a:extLst>
+              <a:ext uri="{FF2B5EF4-FFF2-40B4-BE49-F238E27FC236}">
+                <a16:creationId xmlns:a16="http://schemas.microsoft.com/office/drawing/2014/main" id="{7502F26B-A5CE-F340-BAFE-B5CD98DE3968}"/>
+              </a:ext>
+            </a:extLst>
+          </p:cNvPr>
+          <p:cNvCxnSpPr>
+            <a:cxnSpLocks/>
+          </p:cNvCxnSpPr>
+          <p:nvPr/>
+        </p:nvCxnSpPr>
+        <p:spPr>
+          <a:xfrm>
+            <a:off x="4393011" y="1114802"/>
+            <a:ext cx="898418" cy="0"/>
+          </a:xfrm>
+          <a:prstGeom prst="line">
+            <a:avLst/>
+          </a:prstGeom>
+          <a:ln>
+            <a:solidFill>
+              <a:schemeClr val="tx1"/>
+            </a:solidFill>
+          </a:ln>
+        </p:spPr>
+        <p:style>
+          <a:lnRef idx="1">
+            <a:schemeClr val="accent1"/>
+          </a:lnRef>
+          <a:fillRef idx="0">
+            <a:schemeClr val="accent1"/>
+          </a:fillRef>
+          <a:effectRef idx="0">
+            <a:schemeClr val="accent1"/>
+          </a:effectRef>
+          <a:fontRef idx="minor">
+            <a:schemeClr val="tx1"/>
+          </a:fontRef>
+        </p:style>
+      </p:cxnSp>
+      <p:sp>
+        <p:nvSpPr>
+          <p:cNvPr id="117" name="TextBox 116">
+            <a:extLst>
+              <a:ext uri="{FF2B5EF4-FFF2-40B4-BE49-F238E27FC236}">
+                <a16:creationId xmlns:a16="http://schemas.microsoft.com/office/drawing/2014/main" id="{A66F783A-4053-5B4D-9DE3-9EC8CF08FF1F}"/>
+              </a:ext>
+            </a:extLst>
+          </p:cNvPr>
+          <p:cNvSpPr txBox="1"/>
+          <p:nvPr/>
+        </p:nvSpPr>
+        <p:spPr>
+          <a:xfrm>
+            <a:off x="4909020" y="1597270"/>
+            <a:ext cx="172067" cy="138499"/>
+          </a:xfrm>
+          <a:prstGeom prst="rect">
+            <a:avLst/>
+          </a:prstGeom>
+          <a:noFill/>
+          <a:ln>
+            <a:noFill/>
+          </a:ln>
+        </p:spPr>
+        <p:txBody>
+          <a:bodyPr wrap="square" lIns="0" tIns="0" rIns="0" bIns="0" rtlCol="0">
+            <a:spAutoFit/>
+          </a:bodyPr>
+          <a:lstStyle/>
+          <a:p>
+            <a:r>
+              <a:rPr lang="en-US" sz="900" dirty="0"/>
+              <a:t>L</a:t>
+            </a:r>
+            <a:r>
+              <a:rPr lang="en-US" sz="900" baseline="-25000" dirty="0"/>
+              <a:t>3</a:t>
+            </a:r>
+          </a:p>
+        </p:txBody>
+      </p:sp>
+      <p:sp>
+        <p:nvSpPr>
+          <p:cNvPr id="118" name="TextBox 117">
+            <a:extLst>
+              <a:ext uri="{FF2B5EF4-FFF2-40B4-BE49-F238E27FC236}">
+                <a16:creationId xmlns:a16="http://schemas.microsoft.com/office/drawing/2014/main" id="{77142181-CF9C-5A4A-B055-E03D7C91F5E7}"/>
+              </a:ext>
+            </a:extLst>
+          </p:cNvPr>
+          <p:cNvSpPr txBox="1"/>
+          <p:nvPr/>
+        </p:nvSpPr>
+        <p:spPr>
+          <a:xfrm>
+            <a:off x="4739211" y="976303"/>
+            <a:ext cx="284058" cy="138499"/>
+          </a:xfrm>
+          <a:prstGeom prst="rect">
+            <a:avLst/>
+          </a:prstGeom>
+          <a:noFill/>
+          <a:ln>
+            <a:noFill/>
+          </a:ln>
+        </p:spPr>
+        <p:txBody>
+          <a:bodyPr wrap="square" lIns="0" tIns="0" rIns="0" bIns="0" rtlCol="0">
+            <a:spAutoFit/>
+          </a:bodyPr>
+          <a:lstStyle/>
+          <a:p>
+            <a:r>
+              <a:rPr lang="en-US" sz="900" dirty="0"/>
+              <a:t>LX</a:t>
+            </a:r>
+            <a:r>
+              <a:rPr lang="en-US" sz="900" baseline="-25000" dirty="0"/>
+              <a:t>34</a:t>
+            </a:r>
+          </a:p>
+        </p:txBody>
+      </p:sp>
+      <mc:AlternateContent xmlns:mc="http://schemas.openxmlformats.org/markup-compatibility/2006" xmlns:a14="http://schemas.microsoft.com/office/drawing/2010/main">
+        <mc:Choice Requires="a14">
+          <p:sp>
+            <p:nvSpPr>
+              <p:cNvPr id="120" name="TextBox 119">
+                <a:extLst>
+                  <a:ext uri="{FF2B5EF4-FFF2-40B4-BE49-F238E27FC236}">
+                    <a16:creationId xmlns:a16="http://schemas.microsoft.com/office/drawing/2014/main" id="{34351D28-9807-A94B-9227-A22A3FE84567}"/>
+                  </a:ext>
+                </a:extLst>
+              </p:cNvPr>
+              <p:cNvSpPr txBox="1"/>
+              <p:nvPr/>
+            </p:nvSpPr>
+            <p:spPr>
+              <a:xfrm>
+                <a:off x="6204170" y="224366"/>
+                <a:ext cx="1809526" cy="405496"/>
+              </a:xfrm>
+              <a:prstGeom prst="rect">
+                <a:avLst/>
+              </a:prstGeom>
+              <a:noFill/>
+            </p:spPr>
+            <p:txBody>
+              <a:bodyPr wrap="square" rtlCol="0">
+                <a:spAutoFit/>
+              </a:bodyPr>
+              <a:lstStyle/>
+              <a:p>
+                <a:pPr/>
+                <a14:m>
+                  <m:oMathPara xmlns:m="http://schemas.openxmlformats.org/officeDocument/2006/math">
+                    <m:oMathParaPr>
+                      <m:jc m:val="centerGroup"/>
+                    </m:oMathParaPr>
+                    <m:oMath xmlns:m="http://schemas.openxmlformats.org/officeDocument/2006/math">
+                      <m:sSub>
+                        <m:sSubPr>
+                          <m:ctrlPr>
+                            <a:rPr lang="pt" sz="1000" i="1" smtClean="0">
+                              <a:latin typeface="Cambria Math" panose="02040503050406030204" pitchFamily="18" charset="0"/>
+                            </a:rPr>
+                          </m:ctrlPr>
+                        </m:sSubPr>
+                        <m:e>
+                          <m:r>
+                            <a:rPr lang="en-GB" sz="1000" b="0" i="1" smtClean="0">
+                              <a:latin typeface="Cambria Math" panose="02040503050406030204" pitchFamily="18" charset="0"/>
+                            </a:rPr>
+                            <m:t>𝐿𝑋</m:t>
+                          </m:r>
+                        </m:e>
+                        <m:sub>
+                          <m:r>
+                            <a:rPr lang="en-GB" sz="1000" b="0" i="1" smtClean="0">
+                              <a:latin typeface="Cambria Math" panose="02040503050406030204" pitchFamily="18" charset="0"/>
+                            </a:rPr>
+                            <m:t>34</m:t>
+                          </m:r>
+                        </m:sub>
+                      </m:sSub>
+                      <m:r>
+                        <a:rPr lang="pt" sz="1000" i="1" smtClean="0">
+                          <a:latin typeface="Cambria Math" panose="02040503050406030204" pitchFamily="18" charset="0"/>
+                        </a:rPr>
+                        <m:t>=</m:t>
+                      </m:r>
+                      <m:rad>
+                        <m:radPr>
+                          <m:degHide m:val="on"/>
+                          <m:ctrlPr>
+                            <a:rPr lang="pt" sz="1000" i="1" smtClean="0">
+                              <a:latin typeface="Cambria Math" panose="02040503050406030204" pitchFamily="18" charset="0"/>
+                            </a:rPr>
+                          </m:ctrlPr>
+                        </m:radPr>
+                        <m:deg/>
+                        <m:e>
+                          <m:sSubSup>
+                            <m:sSubSupPr>
+                              <m:ctrlPr>
+                                <a:rPr lang="pt" sz="1000" i="1" smtClean="0">
+                                  <a:latin typeface="Cambria Math" panose="02040503050406030204" pitchFamily="18" charset="0"/>
+                                </a:rPr>
+                              </m:ctrlPr>
+                            </m:sSubSupPr>
+                            <m:e>
+                              <m:r>
+                                <a:rPr lang="en-GB" sz="1000" b="0" i="1" smtClean="0">
+                                  <a:latin typeface="Cambria Math" panose="02040503050406030204" pitchFamily="18" charset="0"/>
+                                </a:rPr>
+                                <m:t>𝐿</m:t>
+                              </m:r>
+                            </m:e>
+                            <m:sub>
+                              <m:r>
+                                <a:rPr lang="en-GB" sz="1000" b="0" i="1" smtClean="0">
+                                  <a:latin typeface="Cambria Math" panose="02040503050406030204" pitchFamily="18" charset="0"/>
+                                </a:rPr>
+                                <m:t>3</m:t>
+                              </m:r>
+                            </m:sub>
+                            <m:sup>
+                              <m:r>
+                                <a:rPr lang="en-GB" sz="1000" b="0" i="1" smtClean="0">
+                                  <a:latin typeface="Cambria Math" panose="02040503050406030204" pitchFamily="18" charset="0"/>
+                                </a:rPr>
+                                <m:t>2</m:t>
+                              </m:r>
+                            </m:sup>
+                          </m:sSubSup>
+                          <m:r>
+                            <a:rPr lang="en-GB" sz="1000" b="0" i="1" smtClean="0">
+                              <a:latin typeface="Cambria Math" panose="02040503050406030204" pitchFamily="18" charset="0"/>
+                            </a:rPr>
+                            <m:t>−</m:t>
+                          </m:r>
+                          <m:sSubSup>
+                            <m:sSubSupPr>
+                              <m:ctrlPr>
+                                <a:rPr lang="en-GB" sz="1000" b="0" i="1" smtClean="0">
+                                  <a:latin typeface="Cambria Math" panose="02040503050406030204" pitchFamily="18" charset="0"/>
+                                </a:rPr>
+                              </m:ctrlPr>
+                            </m:sSubSupPr>
+                            <m:e>
+                              <m:r>
+                                <a:rPr lang="en-GB" sz="1000" b="0" i="1" smtClean="0">
+                                  <a:latin typeface="Cambria Math" panose="02040503050406030204" pitchFamily="18" charset="0"/>
+                                </a:rPr>
+                                <m:t>𝑎</m:t>
+                              </m:r>
+                            </m:e>
+                            <m:sub>
+                              <m:r>
+                                <a:rPr lang="en-GB" sz="1000" b="0" i="1" smtClean="0">
+                                  <a:latin typeface="Cambria Math" panose="02040503050406030204" pitchFamily="18" charset="0"/>
+                                </a:rPr>
+                                <m:t>3</m:t>
+                              </m:r>
+                            </m:sub>
+                            <m:sup>
+                              <m:r>
+                                <a:rPr lang="en-GB" sz="1000" b="0" i="1" smtClean="0">
+                                  <a:latin typeface="Cambria Math" panose="02040503050406030204" pitchFamily="18" charset="0"/>
+                                </a:rPr>
+                                <m:t>2</m:t>
+                              </m:r>
+                            </m:sup>
+                          </m:sSubSup>
+                        </m:e>
+                      </m:rad>
+                    </m:oMath>
+                  </m:oMathPara>
+                </a14:m>
+                <a:endParaRPr lang="en-US" sz="1000" dirty="0"/>
+              </a:p>
+            </p:txBody>
+          </p:sp>
+        </mc:Choice>
+        <mc:Fallback xmlns="">
+          <p:sp>
+            <p:nvSpPr>
+              <p:cNvPr id="120" name="TextBox 119">
+                <a:extLst>
+                  <a:ext uri="{FF2B5EF4-FFF2-40B4-BE49-F238E27FC236}">
+                    <a16:creationId xmlns:a16="http://schemas.microsoft.com/office/drawing/2014/main" id="{34351D28-9807-A94B-9227-A22A3FE84567}"/>
+                  </a:ext>
+                </a:extLst>
+              </p:cNvPr>
+              <p:cNvSpPr txBox="1">
+                <a:spLocks noRot="1" noChangeAspect="1" noMove="1" noResize="1" noEditPoints="1" noAdjustHandles="1" noChangeArrowheads="1" noChangeShapeType="1" noTextEdit="1"/>
+              </p:cNvSpPr>
+              <p:nvPr/>
+            </p:nvSpPr>
+            <p:spPr>
+              <a:xfrm>
+                <a:off x="6204170" y="224366"/>
+                <a:ext cx="1809526" cy="405496"/>
+              </a:xfrm>
+              <a:prstGeom prst="rect">
+                <a:avLst/>
+              </a:prstGeom>
+              <a:blipFill>
+                <a:blip r:embed="rId2"/>
+                <a:stretch>
+                  <a:fillRect/>
+                </a:stretch>
+              </a:blipFill>
+            </p:spPr>
+            <p:txBody>
+              <a:bodyPr/>
+              <a:lstStyle/>
+              <a:p>
+                <a:r>
+                  <a:rPr lang="en-US">
+                    <a:noFill/>
+                  </a:rPr>
+                  <a:t> </a:t>
+                </a:r>
+              </a:p>
+            </p:txBody>
+          </p:sp>
+        </mc:Fallback>
+      </mc:AlternateContent>
+      <p:sp>
+        <p:nvSpPr>
+          <p:cNvPr id="47" name="Rectangle 46">
+            <a:extLst>
+              <a:ext uri="{FF2B5EF4-FFF2-40B4-BE49-F238E27FC236}">
+                <a16:creationId xmlns:a16="http://schemas.microsoft.com/office/drawing/2014/main" id="{11AE80C8-C136-440B-A448-F4FA1C272C74}"/>
+              </a:ext>
+            </a:extLst>
+          </p:cNvPr>
+          <p:cNvSpPr/>
+          <p:nvPr/>
+        </p:nvSpPr>
+        <p:spPr>
+          <a:xfrm>
+            <a:off x="5081087" y="1714019"/>
+            <a:ext cx="309350" cy="186402"/>
+          </a:xfrm>
+          <a:prstGeom prst="rect">
+            <a:avLst/>
+          </a:prstGeom>
+          <a:ln>
+            <a:solidFill>
+              <a:schemeClr val="tx1"/>
+            </a:solidFill>
+          </a:ln>
+        </p:spPr>
+        <p:style>
+          <a:lnRef idx="2">
+            <a:schemeClr val="accent1"/>
+          </a:lnRef>
+          <a:fillRef idx="1">
+            <a:schemeClr val="lt1"/>
+          </a:fillRef>
+          <a:effectRef idx="0">
+            <a:schemeClr val="accent1"/>
+          </a:effectRef>
+          <a:fontRef idx="minor">
+            <a:schemeClr val="dk1"/>
+          </a:fontRef>
+        </p:style>
+        <p:txBody>
+          <a:bodyPr rtlCol="0" anchor="ctr"/>
+          <a:lstStyle/>
+          <a:p>
+            <a:pPr algn="ctr"/>
+            <a:r>
+              <a:rPr lang="en-US" dirty="0"/>
+              <a:t>4</a:t>
+            </a:r>
+          </a:p>
+        </p:txBody>
+      </p:sp>
+      <p:sp>
+        <p:nvSpPr>
+          <p:cNvPr id="51" name="TextBox 50">
+            <a:extLst>
+              <a:ext uri="{FF2B5EF4-FFF2-40B4-BE49-F238E27FC236}">
+                <a16:creationId xmlns:a16="http://schemas.microsoft.com/office/drawing/2014/main" id="{8422374B-9F06-466B-A685-AC6681BE05FC}"/>
+              </a:ext>
+            </a:extLst>
+          </p:cNvPr>
+          <p:cNvSpPr txBox="1"/>
+          <p:nvPr/>
+        </p:nvSpPr>
+        <p:spPr>
+          <a:xfrm>
+            <a:off x="5371745" y="2179022"/>
+            <a:ext cx="341915" cy="138499"/>
+          </a:xfrm>
+          <a:prstGeom prst="rect">
+            <a:avLst/>
+          </a:prstGeom>
+          <a:noFill/>
+          <a:ln>
+            <a:noFill/>
+          </a:ln>
+        </p:spPr>
+        <p:txBody>
+          <a:bodyPr wrap="square" lIns="0" tIns="0" rIns="0" bIns="0" rtlCol="0">
+            <a:spAutoFit/>
+          </a:bodyPr>
+          <a:lstStyle/>
+          <a:p>
+            <a:r>
+              <a:rPr lang="en-US" sz="900" dirty="0" err="1"/>
+              <a:t>WC</a:t>
+            </a:r>
+            <a:r>
+              <a:rPr lang="en-US" sz="900" baseline="-25000" dirty="0" err="1"/>
+              <a:t>x</a:t>
+            </a:r>
+            <a:endParaRPr lang="en-US" sz="900" baseline="-25000" dirty="0"/>
+          </a:p>
+        </p:txBody>
+      </p:sp>
+      <p:sp>
+        <p:nvSpPr>
+          <p:cNvPr id="54" name="TextBox 53">
+            <a:extLst>
+              <a:ext uri="{FF2B5EF4-FFF2-40B4-BE49-F238E27FC236}">
+                <a16:creationId xmlns:a16="http://schemas.microsoft.com/office/drawing/2014/main" id="{7BE43A39-62AF-4B3E-BAB6-DD0C2BC0A635}"/>
+              </a:ext>
+            </a:extLst>
+          </p:cNvPr>
+          <p:cNvSpPr txBox="1"/>
+          <p:nvPr/>
+        </p:nvSpPr>
+        <p:spPr>
+          <a:xfrm>
+            <a:off x="4632979" y="1730883"/>
+            <a:ext cx="104775" cy="138499"/>
+          </a:xfrm>
+          <a:prstGeom prst="rect">
+            <a:avLst/>
+          </a:prstGeom>
+          <a:noFill/>
+          <a:ln>
+            <a:noFill/>
+          </a:ln>
+        </p:spPr>
+        <p:txBody>
+          <a:bodyPr wrap="square" lIns="0" tIns="0" rIns="0" bIns="0" rtlCol="0">
+            <a:spAutoFit/>
+          </a:bodyPr>
+          <a:lstStyle/>
+          <a:p>
+            <a:r>
+              <a:rPr lang="en-US" sz="900" dirty="0"/>
+              <a:t>a</a:t>
+            </a:r>
+            <a:r>
+              <a:rPr lang="en-US" sz="900" baseline="-25000" dirty="0"/>
+              <a:t>2</a:t>
+            </a:r>
+          </a:p>
+        </p:txBody>
+      </p:sp>
+      <p:sp>
+        <p:nvSpPr>
+          <p:cNvPr id="56" name="TextBox 55">
+            <a:extLst>
+              <a:ext uri="{FF2B5EF4-FFF2-40B4-BE49-F238E27FC236}">
+                <a16:creationId xmlns:a16="http://schemas.microsoft.com/office/drawing/2014/main" id="{18B7CB37-393C-4319-B5B9-87EB45A4D1B6}"/>
+              </a:ext>
+            </a:extLst>
+          </p:cNvPr>
+          <p:cNvSpPr txBox="1"/>
+          <p:nvPr/>
+        </p:nvSpPr>
+        <p:spPr>
+          <a:xfrm>
+            <a:off x="5545882" y="1245375"/>
+            <a:ext cx="104775" cy="138499"/>
+          </a:xfrm>
+          <a:prstGeom prst="rect">
+            <a:avLst/>
+          </a:prstGeom>
+          <a:noFill/>
+          <a:ln>
+            <a:noFill/>
+          </a:ln>
+        </p:spPr>
+        <p:txBody>
+          <a:bodyPr wrap="square" lIns="0" tIns="0" rIns="0" bIns="0" rtlCol="0">
+            <a:spAutoFit/>
+          </a:bodyPr>
+          <a:lstStyle/>
+          <a:p>
+            <a:r>
+              <a:rPr lang="en-US" sz="900" dirty="0"/>
+              <a:t>F</a:t>
+            </a:r>
+            <a:endParaRPr lang="en-US" sz="900" baseline="-25000" dirty="0"/>
+          </a:p>
+        </p:txBody>
+      </p:sp>
+      <p:sp>
+        <p:nvSpPr>
+          <p:cNvPr id="33" name="Rectangle 32">
+            <a:extLst>
+              <a:ext uri="{FF2B5EF4-FFF2-40B4-BE49-F238E27FC236}">
+                <a16:creationId xmlns:a16="http://schemas.microsoft.com/office/drawing/2014/main" id="{6BC6F8DF-FD1E-461C-8F60-8E9B4FBD683B}"/>
+              </a:ext>
+            </a:extLst>
+          </p:cNvPr>
+          <p:cNvSpPr/>
+          <p:nvPr/>
+        </p:nvSpPr>
+        <p:spPr>
+          <a:xfrm>
+            <a:off x="1975269" y="812940"/>
+            <a:ext cx="1662364" cy="830997"/>
+          </a:xfrm>
+          <a:prstGeom prst="rect">
+            <a:avLst/>
+          </a:prstGeom>
+        </p:spPr>
+        <p:txBody>
+          <a:bodyPr wrap="square">
+            <a:spAutoFit/>
+          </a:bodyPr>
+          <a:lstStyle/>
+          <a:p>
+            <a:r>
+              <a:rPr lang="en-GB" sz="600" dirty="0"/>
+              <a:t>1. Calculate C from A and B</a:t>
+            </a:r>
+          </a:p>
+          <a:p>
+            <a:r>
+              <a:rPr lang="en-GB" sz="600" dirty="0"/>
+              <a:t>2. Calculate CA from ABC</a:t>
+            </a:r>
+          </a:p>
+          <a:p>
+            <a:r>
+              <a:rPr lang="en-GB" sz="600" dirty="0"/>
+              <a:t>3. Calculate F from L3 and L4 (E)</a:t>
+            </a:r>
+          </a:p>
+          <a:p>
+            <a:r>
+              <a:rPr lang="en-GB" sz="600" dirty="0"/>
+              <a:t>4. calculate angle DC from lengths DFC</a:t>
+            </a:r>
+          </a:p>
+          <a:p>
+            <a:r>
+              <a:rPr lang="en-GB" sz="600" dirty="0"/>
+              <a:t>5. Calculate theta2 from sum angle DC+CA</a:t>
+            </a:r>
+          </a:p>
+          <a:p>
+            <a:r>
+              <a:rPr lang="en-GB" sz="600" dirty="0"/>
+              <a:t>6. Calculate angle FL3 from triangle FEL3</a:t>
+            </a:r>
+          </a:p>
+          <a:p>
+            <a:r>
+              <a:rPr lang="en-GB" sz="600" dirty="0"/>
+              <a:t>7. calculate angle DF from triangle DFC</a:t>
+            </a:r>
+          </a:p>
+          <a:p>
+            <a:r>
+              <a:rPr lang="en-GB" sz="600" dirty="0"/>
+              <a:t>8. subtract </a:t>
+            </a:r>
+            <a:r>
+              <a:rPr lang="en-GB" sz="600" dirty="0" err="1"/>
+              <a:t>abgle</a:t>
+            </a:r>
+            <a:r>
+              <a:rPr lang="en-GB" sz="600" dirty="0"/>
+              <a:t> FL3 from angle DF</a:t>
+            </a:r>
+          </a:p>
+        </p:txBody>
+      </p:sp>
+      <p:sp>
+        <p:nvSpPr>
+          <p:cNvPr id="57" name="TextBox 56">
+            <a:extLst>
+              <a:ext uri="{FF2B5EF4-FFF2-40B4-BE49-F238E27FC236}">
+                <a16:creationId xmlns:a16="http://schemas.microsoft.com/office/drawing/2014/main" id="{56A95049-E818-4012-82A6-50317D924199}"/>
+              </a:ext>
+            </a:extLst>
+          </p:cNvPr>
+          <p:cNvSpPr txBox="1"/>
+          <p:nvPr/>
+        </p:nvSpPr>
+        <p:spPr>
+          <a:xfrm>
+            <a:off x="5953018" y="2024883"/>
+            <a:ext cx="341915" cy="138499"/>
+          </a:xfrm>
+          <a:prstGeom prst="rect">
+            <a:avLst/>
+          </a:prstGeom>
+          <a:noFill/>
+          <a:ln>
+            <a:noFill/>
+          </a:ln>
+        </p:spPr>
+        <p:txBody>
+          <a:bodyPr wrap="square" lIns="0" tIns="0" rIns="0" bIns="0" rtlCol="0">
+            <a:spAutoFit/>
+          </a:bodyPr>
+          <a:lstStyle/>
+          <a:p>
+            <a:r>
+              <a:rPr lang="en-US" sz="900" dirty="0" err="1"/>
+              <a:t>WC</a:t>
+            </a:r>
+            <a:r>
+              <a:rPr lang="en-US" sz="900" baseline="-25000" dirty="0" err="1"/>
+              <a:t>y</a:t>
+            </a:r>
+            <a:endParaRPr lang="en-US" sz="900" baseline="-25000" dirty="0"/>
+          </a:p>
+        </p:txBody>
+      </p:sp>
+      <p:sp>
+        <p:nvSpPr>
+          <p:cNvPr id="59" name="TextBox 58">
+            <a:extLst>
+              <a:ext uri="{FF2B5EF4-FFF2-40B4-BE49-F238E27FC236}">
+                <a16:creationId xmlns:a16="http://schemas.microsoft.com/office/drawing/2014/main" id="{D7D9A7EC-FAD4-4666-93EF-480174118421}"/>
+              </a:ext>
+            </a:extLst>
+          </p:cNvPr>
+          <p:cNvSpPr txBox="1"/>
+          <p:nvPr/>
+        </p:nvSpPr>
+        <p:spPr>
+          <a:xfrm>
+            <a:off x="5099749" y="1427226"/>
+            <a:ext cx="227875" cy="138499"/>
+          </a:xfrm>
+          <a:prstGeom prst="rect">
+            <a:avLst/>
+          </a:prstGeom>
+          <a:noFill/>
+          <a:ln>
+            <a:noFill/>
+          </a:ln>
+        </p:spPr>
+        <p:txBody>
+          <a:bodyPr wrap="square" lIns="0" tIns="0" rIns="0" bIns="0" rtlCol="0">
+            <a:spAutoFit/>
+          </a:bodyPr>
+          <a:lstStyle/>
+          <a:p>
+            <a:r>
+              <a:rPr lang="en-US" sz="900" dirty="0"/>
+              <a:t>L</a:t>
+            </a:r>
+            <a:r>
+              <a:rPr lang="en-US" sz="900" baseline="-25000" dirty="0"/>
+              <a:t>34</a:t>
+            </a:r>
+            <a:r>
+              <a:rPr lang="en-US" sz="900" dirty="0"/>
+              <a:t>x</a:t>
+            </a:r>
+          </a:p>
+        </p:txBody>
+      </p:sp>
+      <p:sp>
+        <p:nvSpPr>
+          <p:cNvPr id="60" name="TextBox 59">
+            <a:extLst>
+              <a:ext uri="{FF2B5EF4-FFF2-40B4-BE49-F238E27FC236}">
+                <a16:creationId xmlns:a16="http://schemas.microsoft.com/office/drawing/2014/main" id="{F49EDAD9-03A0-40E8-B00F-1CC0C8DC9EA3}"/>
+              </a:ext>
+            </a:extLst>
+          </p:cNvPr>
+          <p:cNvSpPr txBox="1"/>
+          <p:nvPr/>
+        </p:nvSpPr>
+        <p:spPr>
+          <a:xfrm>
+            <a:off x="5448926" y="1463969"/>
+            <a:ext cx="227875" cy="138499"/>
+          </a:xfrm>
+          <a:prstGeom prst="rect">
+            <a:avLst/>
+          </a:prstGeom>
+          <a:noFill/>
+          <a:ln>
+            <a:noFill/>
+          </a:ln>
+        </p:spPr>
+        <p:txBody>
+          <a:bodyPr wrap="square" lIns="0" tIns="0" rIns="0" bIns="0" rtlCol="0">
+            <a:spAutoFit/>
+          </a:bodyPr>
+          <a:lstStyle/>
+          <a:p>
+            <a:r>
+              <a:rPr lang="en-US" sz="900" dirty="0"/>
+              <a:t>L</a:t>
+            </a:r>
+            <a:r>
+              <a:rPr lang="en-US" sz="900" baseline="-25000" dirty="0"/>
+              <a:t>34</a:t>
+            </a:r>
+            <a:r>
+              <a:rPr lang="en-US" sz="900" dirty="0"/>
+              <a:t>y</a:t>
+            </a:r>
+          </a:p>
+        </p:txBody>
+      </p:sp>
+      <p:sp>
+        <p:nvSpPr>
+          <p:cNvPr id="61" name="TextBox 60">
+            <a:extLst>
+              <a:ext uri="{FF2B5EF4-FFF2-40B4-BE49-F238E27FC236}">
+                <a16:creationId xmlns:a16="http://schemas.microsoft.com/office/drawing/2014/main" id="{86F2582E-AB66-44D4-B7B2-91658829A0F9}"/>
+              </a:ext>
+            </a:extLst>
+          </p:cNvPr>
+          <p:cNvSpPr txBox="1"/>
+          <p:nvPr/>
+        </p:nvSpPr>
+        <p:spPr>
+          <a:xfrm>
+            <a:off x="5448926" y="1800665"/>
+            <a:ext cx="227875" cy="138499"/>
+          </a:xfrm>
+          <a:prstGeom prst="rect">
+            <a:avLst/>
+          </a:prstGeom>
+          <a:noFill/>
+          <a:ln>
+            <a:noFill/>
+          </a:ln>
+        </p:spPr>
+        <p:txBody>
+          <a:bodyPr wrap="square" lIns="0" tIns="0" rIns="0" bIns="0" rtlCol="0">
+            <a:spAutoFit/>
+          </a:bodyPr>
+          <a:lstStyle/>
+          <a:p>
+            <a:r>
+              <a:rPr lang="en-US" sz="900" dirty="0"/>
+              <a:t>L</a:t>
+            </a:r>
+            <a:r>
+              <a:rPr lang="en-US" sz="900" baseline="-25000" dirty="0"/>
+              <a:t>4WC</a:t>
+            </a:r>
+            <a:endParaRPr lang="en-US" sz="900" dirty="0"/>
+          </a:p>
+        </p:txBody>
+      </p:sp>
+      <p:sp>
+        <p:nvSpPr>
+          <p:cNvPr id="63" name="TextBox 62">
+            <a:extLst>
+              <a:ext uri="{FF2B5EF4-FFF2-40B4-BE49-F238E27FC236}">
+                <a16:creationId xmlns:a16="http://schemas.microsoft.com/office/drawing/2014/main" id="{686D9566-D513-4CB9-AD78-CAF46DE0D429}"/>
+              </a:ext>
+            </a:extLst>
+          </p:cNvPr>
+          <p:cNvSpPr txBox="1"/>
+          <p:nvPr/>
+        </p:nvSpPr>
+        <p:spPr>
+          <a:xfrm>
+            <a:off x="5304581" y="2009166"/>
+            <a:ext cx="346076" cy="138499"/>
+          </a:xfrm>
+          <a:prstGeom prst="rect">
+            <a:avLst/>
+          </a:prstGeom>
+          <a:noFill/>
+          <a:ln>
+            <a:noFill/>
+          </a:ln>
+        </p:spPr>
+        <p:txBody>
+          <a:bodyPr wrap="square" lIns="0" tIns="0" rIns="0" bIns="0" rtlCol="0">
+            <a:spAutoFit/>
+          </a:bodyPr>
+          <a:lstStyle/>
+          <a:p>
+            <a:r>
+              <a:rPr lang="en-US" sz="900" dirty="0"/>
+              <a:t>H</a:t>
+            </a:r>
+            <a:r>
+              <a:rPr lang="en-US" sz="900" baseline="-25000" dirty="0"/>
+              <a:t>4WC</a:t>
+            </a:r>
+            <a:endParaRPr lang="en-US" sz="900" dirty="0"/>
+          </a:p>
+        </p:txBody>
+      </p:sp>
+      <p:sp>
+        <p:nvSpPr>
+          <p:cNvPr id="35" name="Rectangle 34">
+            <a:extLst>
+              <a:ext uri="{FF2B5EF4-FFF2-40B4-BE49-F238E27FC236}">
+                <a16:creationId xmlns:a16="http://schemas.microsoft.com/office/drawing/2014/main" id="{4D7F4DAC-0731-40DA-A483-AA3AF92A0C7E}"/>
+              </a:ext>
+            </a:extLst>
+          </p:cNvPr>
+          <p:cNvSpPr/>
+          <p:nvPr/>
+        </p:nvSpPr>
+        <p:spPr>
+          <a:xfrm rot="1674800">
+            <a:off x="5251403" y="1628786"/>
+            <a:ext cx="45719" cy="45719"/>
+          </a:xfrm>
+          <a:prstGeom prst="rect">
+            <a:avLst/>
+          </a:prstGeom>
+          <a:ln>
+            <a:prstDash val="sysDot"/>
+          </a:ln>
+        </p:spPr>
+        <p:style>
+          <a:lnRef idx="1">
+            <a:schemeClr val="accent4"/>
+          </a:lnRef>
+          <a:fillRef idx="0">
+            <a:schemeClr val="accent4"/>
+          </a:fillRef>
+          <a:effectRef idx="0">
+            <a:schemeClr val="accent4"/>
+          </a:effectRef>
+          <a:fontRef idx="minor">
+            <a:schemeClr val="tx1"/>
+          </a:fontRef>
+        </p:style>
+        <p:txBody>
+          <a:bodyPr rtlCol="0" anchor="ctr"/>
+          <a:lstStyle/>
+          <a:p>
+            <a:pPr algn="ctr"/>
+            <a:endParaRPr lang="en-GB"/>
+          </a:p>
+        </p:txBody>
+      </p:sp>
+      <p:sp>
+        <p:nvSpPr>
+          <p:cNvPr id="38" name="Freeform: Shape 37">
+            <a:extLst>
+              <a:ext uri="{FF2B5EF4-FFF2-40B4-BE49-F238E27FC236}">
+                <a16:creationId xmlns:a16="http://schemas.microsoft.com/office/drawing/2014/main" id="{798BFFDA-7F93-4606-A191-51FA093FD9B2}"/>
+              </a:ext>
+            </a:extLst>
+          </p:cNvPr>
+          <p:cNvSpPr/>
+          <p:nvPr/>
+        </p:nvSpPr>
+        <p:spPr>
+          <a:xfrm>
+            <a:off x="5295900" y="1604964"/>
+            <a:ext cx="214313" cy="87829"/>
+          </a:xfrm>
+          <a:custGeom>
+            <a:avLst/>
+            <a:gdLst>
+              <a:gd name="connsiteX0" fmla="*/ 245269 w 245269"/>
+              <a:gd name="connsiteY0" fmla="*/ 0 h 142875"/>
+              <a:gd name="connsiteX1" fmla="*/ 0 w 245269"/>
+              <a:gd name="connsiteY1" fmla="*/ 142875 h 142875"/>
+              <a:gd name="connsiteX0" fmla="*/ 245269 w 245269"/>
+              <a:gd name="connsiteY0" fmla="*/ 0 h 143620"/>
+              <a:gd name="connsiteX1" fmla="*/ 0 w 245269"/>
+              <a:gd name="connsiteY1" fmla="*/ 142875 h 143620"/>
+              <a:gd name="connsiteX0" fmla="*/ 214313 w 214313"/>
+              <a:gd name="connsiteY0" fmla="*/ 0 h 87425"/>
+              <a:gd name="connsiteX1" fmla="*/ 0 w 214313"/>
+              <a:gd name="connsiteY1" fmla="*/ 85725 h 87425"/>
+              <a:gd name="connsiteX0" fmla="*/ 214313 w 214313"/>
+              <a:gd name="connsiteY0" fmla="*/ 0 h 87829"/>
+              <a:gd name="connsiteX1" fmla="*/ 0 w 214313"/>
+              <a:gd name="connsiteY1" fmla="*/ 85725 h 87829"/>
+            </a:gdLst>
+            <a:ahLst/>
+            <a:cxnLst>
+              <a:cxn ang="0">
+                <a:pos x="connsiteX0" y="connsiteY0"/>
+              </a:cxn>
+              <a:cxn ang="0">
+                <a:pos x="connsiteX1" y="connsiteY1"/>
+              </a:cxn>
+            </a:cxnLst>
+            <a:rect l="l" t="t" r="r" b="b"/>
+            <a:pathLst>
+              <a:path w="214313" h="87829">
+                <a:moveTo>
+                  <a:pt x="214313" y="0"/>
+                </a:moveTo>
+                <a:cubicBezTo>
+                  <a:pt x="200224" y="71040"/>
+                  <a:pt x="85726" y="95647"/>
+                  <a:pt x="0" y="85725"/>
+                </a:cubicBezTo>
+              </a:path>
+            </a:pathLst>
+          </a:custGeom>
+          <a:ln>
+            <a:prstDash val="sysDot"/>
+            <a:headEnd type="none" w="sm" len="sm"/>
+            <a:tailEnd type="triangle" w="sm" len="sm"/>
+          </a:ln>
+        </p:spPr>
+        <p:style>
+          <a:lnRef idx="1">
+            <a:schemeClr val="accent3"/>
+          </a:lnRef>
+          <a:fillRef idx="0">
+            <a:schemeClr val="accent3"/>
+          </a:fillRef>
+          <a:effectRef idx="0">
+            <a:schemeClr val="accent3"/>
+          </a:effectRef>
+          <a:fontRef idx="minor">
+            <a:schemeClr val="tx1"/>
+          </a:fontRef>
+        </p:style>
+        <p:txBody>
+          <a:bodyPr rtlCol="0" anchor="ctr"/>
+          <a:lstStyle/>
+          <a:p>
+            <a:pPr algn="ctr"/>
+            <a:endParaRPr lang="en-GB"/>
+          </a:p>
+        </p:txBody>
+      </p:sp>
+      <p:sp>
+        <p:nvSpPr>
+          <p:cNvPr id="70" name="TextBox 69">
+            <a:extLst>
+              <a:ext uri="{FF2B5EF4-FFF2-40B4-BE49-F238E27FC236}">
+                <a16:creationId xmlns:a16="http://schemas.microsoft.com/office/drawing/2014/main" id="{D5FFD317-3B33-455D-8818-A91F436A1A44}"/>
+              </a:ext>
+            </a:extLst>
+          </p:cNvPr>
+          <p:cNvSpPr txBox="1"/>
+          <p:nvPr/>
+        </p:nvSpPr>
+        <p:spPr>
+          <a:xfrm>
+            <a:off x="5589355" y="1619727"/>
+            <a:ext cx="284504" cy="138499"/>
+          </a:xfrm>
+          <a:prstGeom prst="rect">
+            <a:avLst/>
+          </a:prstGeom>
+          <a:noFill/>
+          <a:ln>
+            <a:noFill/>
+          </a:ln>
+        </p:spPr>
+        <p:txBody>
+          <a:bodyPr wrap="square" lIns="0" tIns="0" rIns="0" bIns="0" rtlCol="0">
+            <a:spAutoFit/>
+          </a:bodyPr>
+          <a:lstStyle/>
+          <a:p>
+            <a:r>
+              <a:rPr lang="en-US" sz="900" dirty="0"/>
+              <a:t>L</a:t>
+            </a:r>
+            <a:r>
+              <a:rPr lang="en-US" sz="900" baseline="-25000" dirty="0"/>
+              <a:t>4WC</a:t>
+            </a:r>
+            <a:r>
+              <a:rPr lang="en-US" sz="900" dirty="0"/>
+              <a:t>x</a:t>
+            </a:r>
+          </a:p>
+        </p:txBody>
+      </p:sp>
+    </p:spTree>
+    <p:extLst>
+      <p:ext uri="{BB962C8B-B14F-4D97-AF65-F5344CB8AC3E}">
+        <p14:creationId xmlns:p14="http://schemas.microsoft.com/office/powerpoint/2010/main" val="3840899521"/>
+      </p:ext>
+    </p:extLst>
+  </p:cSld>
+  <p:clrMapOvr>
+    <a:masterClrMapping/>
+  </p:clrMapOvr>
+</p:sld>
+</file>
+
+<file path=ppt/slides/slide4.xml><?xml version="1.0" encoding="utf-8"?>
+<p:sld xmlns:a="http://schemas.openxmlformats.org/drawingml/2006/main" xmlns:r="http://schemas.openxmlformats.org/officeDocument/2006/relationships" xmlns:p="http://schemas.openxmlformats.org/presentationml/2006/main">
+  <p:cSld>
+    <p:spTree>
+      <p:nvGrpSpPr>
+        <p:cNvPr id="1" name=""/>
+        <p:cNvGrpSpPr/>
+        <p:nvPr/>
+      </p:nvGrpSpPr>
+      <p:grpSpPr>
+        <a:xfrm>
+          <a:off x="0" y="0"/>
+          <a:ext cx="0" cy="0"/>
+          <a:chOff x="0" y="0"/>
+          <a:chExt cx="0" cy="0"/>
+        </a:xfrm>
+      </p:grpSpPr>
+      <p:cxnSp>
+        <p:nvCxnSpPr>
+          <p:cNvPr id="181" name="Straight Connector 180">
+            <a:extLst>
+              <a:ext uri="{FF2B5EF4-FFF2-40B4-BE49-F238E27FC236}">
+                <a16:creationId xmlns:a16="http://schemas.microsoft.com/office/drawing/2014/main" id="{132B431E-60F9-4F32-95F3-D705C14D1F9C}"/>
+              </a:ext>
+            </a:extLst>
+          </p:cNvPr>
+          <p:cNvCxnSpPr/>
+          <p:nvPr/>
+        </p:nvCxnSpPr>
+        <p:spPr>
+          <a:xfrm flipH="1">
+            <a:off x="1953167" y="5589496"/>
+            <a:ext cx="1037462" cy="9343"/>
+          </a:xfrm>
+          <a:prstGeom prst="line">
+            <a:avLst/>
+          </a:prstGeom>
+          <a:ln>
+            <a:prstDash val="sysDash"/>
+          </a:ln>
+        </p:spPr>
+        <p:style>
+          <a:lnRef idx="1">
+            <a:schemeClr val="accent3"/>
+          </a:lnRef>
+          <a:fillRef idx="0">
+            <a:schemeClr val="accent3"/>
+          </a:fillRef>
+          <a:effectRef idx="0">
+            <a:schemeClr val="accent3"/>
+          </a:effectRef>
+          <a:fontRef idx="minor">
+            <a:schemeClr val="tx1"/>
+          </a:fontRef>
+        </p:style>
+      </p:cxnSp>
+      <p:cxnSp>
+        <p:nvCxnSpPr>
+          <p:cNvPr id="182" name="Straight Connector 181">
+            <a:extLst>
+              <a:ext uri="{FF2B5EF4-FFF2-40B4-BE49-F238E27FC236}">
+                <a16:creationId xmlns:a16="http://schemas.microsoft.com/office/drawing/2014/main" id="{176DCFD5-352E-4750-A048-1F84B3BD392C}"/>
+              </a:ext>
+            </a:extLst>
+          </p:cNvPr>
+          <p:cNvCxnSpPr/>
+          <p:nvPr/>
+        </p:nvCxnSpPr>
+        <p:spPr>
+          <a:xfrm flipH="1">
+            <a:off x="1953167" y="4507068"/>
+            <a:ext cx="1037462" cy="9343"/>
+          </a:xfrm>
+          <a:prstGeom prst="line">
+            <a:avLst/>
+          </a:prstGeom>
+          <a:ln>
+            <a:prstDash val="sysDash"/>
+          </a:ln>
+        </p:spPr>
+        <p:style>
+          <a:lnRef idx="1">
+            <a:schemeClr val="accent3"/>
+          </a:lnRef>
+          <a:fillRef idx="0">
+            <a:schemeClr val="accent3"/>
+          </a:fillRef>
+          <a:effectRef idx="0">
+            <a:schemeClr val="accent3"/>
+          </a:effectRef>
+          <a:fontRef idx="minor">
+            <a:schemeClr val="tx1"/>
+          </a:fontRef>
+        </p:style>
+      </p:cxnSp>
+      <p:cxnSp>
+        <p:nvCxnSpPr>
+          <p:cNvPr id="62" name="Straight Connector 61">
+            <a:extLst>
+              <a:ext uri="{FF2B5EF4-FFF2-40B4-BE49-F238E27FC236}">
+                <a16:creationId xmlns:a16="http://schemas.microsoft.com/office/drawing/2014/main" id="{4AEB4ABF-E06D-4C20-A4F8-C41060F580DF}"/>
+              </a:ext>
+            </a:extLst>
+          </p:cNvPr>
+          <p:cNvCxnSpPr>
+            <a:cxnSpLocks/>
+            <a:stCxn id="11" idx="0"/>
+          </p:cNvCxnSpPr>
+          <p:nvPr/>
+        </p:nvCxnSpPr>
+        <p:spPr>
+          <a:xfrm>
+            <a:off x="4247885" y="3723975"/>
+            <a:ext cx="747731" cy="0"/>
+          </a:xfrm>
+          <a:prstGeom prst="line">
+            <a:avLst/>
+          </a:prstGeom>
+        </p:spPr>
+        <p:style>
+          <a:lnRef idx="2">
+            <a:schemeClr val="dk1"/>
+          </a:lnRef>
+          <a:fillRef idx="1">
+            <a:schemeClr val="lt1"/>
+          </a:fillRef>
+          <a:effectRef idx="0">
+            <a:schemeClr val="dk1"/>
+          </a:effectRef>
+          <a:fontRef idx="minor">
+            <a:schemeClr val="dk1"/>
+          </a:fontRef>
+        </p:style>
+      </p:cxnSp>
+      <p:cxnSp>
+        <p:nvCxnSpPr>
+          <p:cNvPr id="22" name="Connector: Elbow 21">
+            <a:extLst>
+              <a:ext uri="{FF2B5EF4-FFF2-40B4-BE49-F238E27FC236}">
+                <a16:creationId xmlns:a16="http://schemas.microsoft.com/office/drawing/2014/main" id="{3EC0E456-22C2-4F65-ACE5-CE69553F0447}"/>
+              </a:ext>
+            </a:extLst>
+          </p:cNvPr>
+          <p:cNvCxnSpPr>
+            <a:cxnSpLocks/>
+            <a:stCxn id="9" idx="0"/>
+            <a:endCxn id="2" idx="0"/>
+          </p:cNvCxnSpPr>
+          <p:nvPr/>
+        </p:nvCxnSpPr>
+        <p:spPr>
+          <a:xfrm rot="5400000" flipH="1" flipV="1">
+            <a:off x="2673704" y="4459746"/>
+            <a:ext cx="538674" cy="640361"/>
+          </a:xfrm>
+          <a:prstGeom prst="bentConnector2">
+            <a:avLst/>
+          </a:prstGeom>
+        </p:spPr>
+        <p:style>
+          <a:lnRef idx="2">
+            <a:schemeClr val="dk1"/>
+          </a:lnRef>
+          <a:fillRef idx="1">
+            <a:schemeClr val="lt1"/>
+          </a:fillRef>
+          <a:effectRef idx="0">
+            <a:schemeClr val="dk1"/>
+          </a:effectRef>
+          <a:fontRef idx="minor">
+            <a:schemeClr val="dk1"/>
+          </a:fontRef>
+        </p:style>
+      </p:cxnSp>
+      <p:cxnSp>
+        <p:nvCxnSpPr>
+          <p:cNvPr id="27" name="Straight Connector 26">
+            <a:extLst>
+              <a:ext uri="{FF2B5EF4-FFF2-40B4-BE49-F238E27FC236}">
+                <a16:creationId xmlns:a16="http://schemas.microsoft.com/office/drawing/2014/main" id="{5B8F1651-E35B-4275-95BF-5AD686CC8C12}"/>
+              </a:ext>
+            </a:extLst>
+          </p:cNvPr>
+          <p:cNvCxnSpPr>
+            <a:cxnSpLocks/>
+            <a:stCxn id="10" idx="2"/>
+            <a:endCxn id="11" idx="0"/>
+          </p:cNvCxnSpPr>
+          <p:nvPr/>
+        </p:nvCxnSpPr>
+        <p:spPr>
+          <a:xfrm>
+            <a:off x="3414186" y="3411885"/>
+            <a:ext cx="833699" cy="312090"/>
+          </a:xfrm>
+          <a:prstGeom prst="line">
+            <a:avLst/>
+          </a:prstGeom>
+        </p:spPr>
+        <p:style>
+          <a:lnRef idx="2">
+            <a:schemeClr val="dk1"/>
+          </a:lnRef>
+          <a:fillRef idx="1">
+            <a:schemeClr val="lt1"/>
+          </a:fillRef>
+          <a:effectRef idx="0">
+            <a:schemeClr val="dk1"/>
+          </a:effectRef>
+          <a:fontRef idx="minor">
+            <a:schemeClr val="dk1"/>
+          </a:fontRef>
+        </p:style>
+      </p:cxnSp>
+      <p:cxnSp>
+        <p:nvCxnSpPr>
+          <p:cNvPr id="46" name="Straight Connector 45">
+            <a:extLst>
+              <a:ext uri="{FF2B5EF4-FFF2-40B4-BE49-F238E27FC236}">
+                <a16:creationId xmlns:a16="http://schemas.microsoft.com/office/drawing/2014/main" id="{E5C7ABF0-C14A-4937-93C3-BA00ED0DA570}"/>
+              </a:ext>
+            </a:extLst>
+          </p:cNvPr>
+          <p:cNvCxnSpPr>
+            <a:cxnSpLocks/>
+            <a:stCxn id="14" idx="0"/>
+          </p:cNvCxnSpPr>
+          <p:nvPr/>
+        </p:nvCxnSpPr>
+        <p:spPr>
+          <a:xfrm flipV="1">
+            <a:off x="5652249" y="3718574"/>
+            <a:ext cx="692934" cy="5399"/>
+          </a:xfrm>
+          <a:prstGeom prst="line">
+            <a:avLst/>
+          </a:prstGeom>
+        </p:spPr>
+        <p:style>
+          <a:lnRef idx="2">
+            <a:schemeClr val="dk1"/>
+          </a:lnRef>
+          <a:fillRef idx="1">
+            <a:schemeClr val="lt1"/>
+          </a:fillRef>
+          <a:effectRef idx="0">
+            <a:schemeClr val="dk1"/>
+          </a:effectRef>
+          <a:fontRef idx="minor">
+            <a:schemeClr val="dk1"/>
+          </a:fontRef>
+        </p:style>
+      </p:cxnSp>
+      <p:cxnSp>
+        <p:nvCxnSpPr>
+          <p:cNvPr id="50" name="Straight Connector 49">
+            <a:extLst>
+              <a:ext uri="{FF2B5EF4-FFF2-40B4-BE49-F238E27FC236}">
+                <a16:creationId xmlns:a16="http://schemas.microsoft.com/office/drawing/2014/main" id="{D4EB2623-A77E-40C0-AC7F-010F6EBDE819}"/>
+              </a:ext>
+            </a:extLst>
+          </p:cNvPr>
+          <p:cNvCxnSpPr>
+            <a:cxnSpLocks/>
+          </p:cNvCxnSpPr>
+          <p:nvPr/>
+        </p:nvCxnSpPr>
+        <p:spPr>
+          <a:xfrm flipV="1">
+            <a:off x="6246002" y="3646177"/>
+            <a:ext cx="160445" cy="175276"/>
+          </a:xfrm>
+          <a:prstGeom prst="line">
+            <a:avLst/>
+          </a:prstGeom>
+        </p:spPr>
+        <p:style>
+          <a:lnRef idx="2">
+            <a:schemeClr val="dk1"/>
+          </a:lnRef>
+          <a:fillRef idx="1">
+            <a:schemeClr val="lt1"/>
+          </a:fillRef>
+          <a:effectRef idx="0">
+            <a:schemeClr val="dk1"/>
+          </a:effectRef>
+          <a:fontRef idx="minor">
+            <a:schemeClr val="dk1"/>
+          </a:fontRef>
+        </p:style>
+      </p:cxnSp>
+      <p:cxnSp>
+        <p:nvCxnSpPr>
+          <p:cNvPr id="54" name="Straight Connector 53">
+            <a:extLst>
+              <a:ext uri="{FF2B5EF4-FFF2-40B4-BE49-F238E27FC236}">
+                <a16:creationId xmlns:a16="http://schemas.microsoft.com/office/drawing/2014/main" id="{B6C1C474-9B25-4BD0-9473-705A8C685411}"/>
+              </a:ext>
+            </a:extLst>
+          </p:cNvPr>
+          <p:cNvCxnSpPr>
+            <a:cxnSpLocks/>
+          </p:cNvCxnSpPr>
+          <p:nvPr/>
+        </p:nvCxnSpPr>
+        <p:spPr>
+          <a:xfrm>
+            <a:off x="6402938" y="3646177"/>
+            <a:ext cx="295747" cy="0"/>
+          </a:xfrm>
+          <a:prstGeom prst="line">
+            <a:avLst/>
+          </a:prstGeom>
+        </p:spPr>
+        <p:style>
+          <a:lnRef idx="2">
+            <a:schemeClr val="dk1"/>
+          </a:lnRef>
+          <a:fillRef idx="1">
+            <a:schemeClr val="lt1"/>
+          </a:fillRef>
+          <a:effectRef idx="0">
+            <a:schemeClr val="dk1"/>
+          </a:effectRef>
+          <a:fontRef idx="minor">
+            <a:schemeClr val="dk1"/>
+          </a:fontRef>
+        </p:style>
+      </p:cxnSp>
+      <p:cxnSp>
+        <p:nvCxnSpPr>
+          <p:cNvPr id="56" name="Straight Connector 55">
+            <a:extLst>
+              <a:ext uri="{FF2B5EF4-FFF2-40B4-BE49-F238E27FC236}">
+                <a16:creationId xmlns:a16="http://schemas.microsoft.com/office/drawing/2014/main" id="{635B5367-EE83-4140-AB00-5716EF0FC3CA}"/>
+              </a:ext>
+            </a:extLst>
+          </p:cNvPr>
+          <p:cNvCxnSpPr>
+            <a:cxnSpLocks/>
+          </p:cNvCxnSpPr>
+          <p:nvPr/>
+        </p:nvCxnSpPr>
+        <p:spPr>
+          <a:xfrm>
+            <a:off x="6258573" y="3821453"/>
+            <a:ext cx="295747" cy="0"/>
+          </a:xfrm>
+          <a:prstGeom prst="line">
+            <a:avLst/>
+          </a:prstGeom>
+        </p:spPr>
+        <p:style>
+          <a:lnRef idx="2">
+            <a:schemeClr val="dk1"/>
+          </a:lnRef>
+          <a:fillRef idx="1">
+            <a:schemeClr val="lt1"/>
+          </a:fillRef>
+          <a:effectRef idx="0">
+            <a:schemeClr val="dk1"/>
+          </a:effectRef>
+          <a:fontRef idx="minor">
+            <a:schemeClr val="dk1"/>
+          </a:fontRef>
+        </p:style>
+      </p:cxnSp>
+      <p:cxnSp>
+        <p:nvCxnSpPr>
+          <p:cNvPr id="58" name="Straight Connector 57">
+            <a:extLst>
+              <a:ext uri="{FF2B5EF4-FFF2-40B4-BE49-F238E27FC236}">
+                <a16:creationId xmlns:a16="http://schemas.microsoft.com/office/drawing/2014/main" id="{5853B394-22F8-4DE8-9C24-8CA58CADDDA4}"/>
+              </a:ext>
+            </a:extLst>
+          </p:cNvPr>
+          <p:cNvCxnSpPr/>
+          <p:nvPr/>
+        </p:nvCxnSpPr>
+        <p:spPr>
+          <a:xfrm>
+            <a:off x="2133600" y="5593080"/>
+            <a:ext cx="1089660" cy="0"/>
+          </a:xfrm>
+          <a:prstGeom prst="line">
+            <a:avLst/>
+          </a:prstGeom>
+        </p:spPr>
+        <p:style>
+          <a:lnRef idx="2">
+            <a:schemeClr val="dk1"/>
+          </a:lnRef>
+          <a:fillRef idx="1">
+            <a:schemeClr val="lt1"/>
+          </a:fillRef>
+          <a:effectRef idx="0">
+            <a:schemeClr val="dk1"/>
+          </a:effectRef>
+          <a:fontRef idx="minor">
+            <a:schemeClr val="dk1"/>
+          </a:fontRef>
+        </p:style>
+      </p:cxnSp>
+      <p:cxnSp>
+        <p:nvCxnSpPr>
+          <p:cNvPr id="60" name="Straight Connector 59">
+            <a:extLst>
+              <a:ext uri="{FF2B5EF4-FFF2-40B4-BE49-F238E27FC236}">
+                <a16:creationId xmlns:a16="http://schemas.microsoft.com/office/drawing/2014/main" id="{C819B364-A4A5-4FDD-AB96-4F59D8171E55}"/>
+              </a:ext>
+            </a:extLst>
+          </p:cNvPr>
+          <p:cNvCxnSpPr>
+            <a:stCxn id="9" idx="0"/>
+          </p:cNvCxnSpPr>
+          <p:nvPr/>
+        </p:nvCxnSpPr>
+        <p:spPr>
+          <a:xfrm flipH="1">
+            <a:off x="2622860" y="5049263"/>
+            <a:ext cx="1" cy="543817"/>
+          </a:xfrm>
+          <a:prstGeom prst="line">
+            <a:avLst/>
+          </a:prstGeom>
+        </p:spPr>
+        <p:style>
+          <a:lnRef idx="2">
+            <a:schemeClr val="dk1"/>
+          </a:lnRef>
+          <a:fillRef idx="1">
+            <a:schemeClr val="lt1"/>
+          </a:fillRef>
+          <a:effectRef idx="0">
+            <a:schemeClr val="dk1"/>
+          </a:effectRef>
+          <a:fontRef idx="minor">
+            <a:schemeClr val="dk1"/>
+          </a:fontRef>
+        </p:style>
+      </p:cxnSp>
+      <p:sp>
+        <p:nvSpPr>
+          <p:cNvPr id="2" name="Flowchart: Magnetic Disk 1">
+            <a:extLst>
+              <a:ext uri="{FF2B5EF4-FFF2-40B4-BE49-F238E27FC236}">
+                <a16:creationId xmlns:a16="http://schemas.microsoft.com/office/drawing/2014/main" id="{24C7B8E8-E76A-4591-893E-E97BEC687ACB}"/>
+              </a:ext>
+            </a:extLst>
+          </p:cNvPr>
+          <p:cNvSpPr/>
+          <p:nvPr/>
+        </p:nvSpPr>
+        <p:spPr>
+          <a:xfrm rot="13589393">
+            <a:off x="3175117" y="4238592"/>
+            <a:ext cx="283174" cy="442453"/>
+          </a:xfrm>
+          <a:prstGeom prst="flowChartMagneticDisk">
+            <a:avLst/>
+          </a:prstGeom>
+        </p:spPr>
+        <p:style>
+          <a:lnRef idx="2">
+            <a:schemeClr val="dk1"/>
+          </a:lnRef>
+          <a:fillRef idx="1">
+            <a:schemeClr val="lt1"/>
+          </a:fillRef>
+          <a:effectRef idx="0">
+            <a:schemeClr val="dk1"/>
+          </a:effectRef>
+          <a:fontRef idx="minor">
+            <a:schemeClr val="dk1"/>
+          </a:fontRef>
+        </p:style>
+        <p:txBody>
+          <a:bodyPr rtlCol="0" anchor="ctr"/>
+          <a:lstStyle/>
+          <a:p>
+            <a:pPr algn="ctr"/>
+            <a:endParaRPr lang="en-GB"/>
+          </a:p>
+        </p:txBody>
+      </p:sp>
+      <p:sp>
+        <p:nvSpPr>
+          <p:cNvPr id="9" name="Flowchart: Magnetic Disk 8">
+            <a:extLst>
+              <a:ext uri="{FF2B5EF4-FFF2-40B4-BE49-F238E27FC236}">
+                <a16:creationId xmlns:a16="http://schemas.microsoft.com/office/drawing/2014/main" id="{D7DF8E17-A4E3-4226-84AC-CB214D8F8B82}"/>
+              </a:ext>
+            </a:extLst>
+          </p:cNvPr>
+          <p:cNvSpPr/>
+          <p:nvPr/>
+        </p:nvSpPr>
+        <p:spPr>
+          <a:xfrm>
+            <a:off x="2481274" y="4901779"/>
+            <a:ext cx="283174" cy="442453"/>
+          </a:xfrm>
+          <a:prstGeom prst="flowChartMagneticDisk">
+            <a:avLst/>
+          </a:prstGeom>
+        </p:spPr>
+        <p:style>
+          <a:lnRef idx="2">
+            <a:schemeClr val="dk1"/>
+          </a:lnRef>
+          <a:fillRef idx="1">
+            <a:schemeClr val="lt1"/>
+          </a:fillRef>
+          <a:effectRef idx="0">
+            <a:schemeClr val="dk1"/>
+          </a:effectRef>
+          <a:fontRef idx="minor">
+            <a:schemeClr val="dk1"/>
+          </a:fontRef>
+        </p:style>
+        <p:txBody>
+          <a:bodyPr rtlCol="0" anchor="ctr"/>
+          <a:lstStyle/>
+          <a:p>
+            <a:pPr algn="ctr"/>
+            <a:endParaRPr lang="en-GB"/>
+          </a:p>
+        </p:txBody>
+      </p:sp>
+      <p:sp>
+        <p:nvSpPr>
+          <p:cNvPr id="11" name="Flowchart: Magnetic Disk 10">
+            <a:extLst>
+              <a:ext uri="{FF2B5EF4-FFF2-40B4-BE49-F238E27FC236}">
+                <a16:creationId xmlns:a16="http://schemas.microsoft.com/office/drawing/2014/main" id="{6D98E611-1D31-4BE2-88E0-047DAE9456A6}"/>
+              </a:ext>
+            </a:extLst>
+          </p:cNvPr>
+          <p:cNvSpPr/>
+          <p:nvPr/>
+        </p:nvSpPr>
+        <p:spPr>
+          <a:xfrm rot="16200000">
+            <a:off x="4180040" y="3502748"/>
+            <a:ext cx="283174" cy="442453"/>
+          </a:xfrm>
+          <a:prstGeom prst="flowChartMagneticDisk">
+            <a:avLst/>
+          </a:prstGeom>
+        </p:spPr>
+        <p:style>
+          <a:lnRef idx="2">
+            <a:schemeClr val="dk1"/>
+          </a:lnRef>
+          <a:fillRef idx="1">
+            <a:schemeClr val="lt1"/>
+          </a:fillRef>
+          <a:effectRef idx="0">
+            <a:schemeClr val="dk1"/>
+          </a:effectRef>
+          <a:fontRef idx="minor">
+            <a:schemeClr val="dk1"/>
+          </a:fontRef>
+        </p:style>
+        <p:txBody>
+          <a:bodyPr rtlCol="0" anchor="ctr"/>
+          <a:lstStyle/>
+          <a:p>
+            <a:pPr algn="ctr"/>
+            <a:endParaRPr lang="en-GB"/>
+          </a:p>
+        </p:txBody>
+      </p:sp>
+      <p:sp>
+        <p:nvSpPr>
+          <p:cNvPr id="12" name="Flowchart: Magnetic Disk 11">
+            <a:extLst>
+              <a:ext uri="{FF2B5EF4-FFF2-40B4-BE49-F238E27FC236}">
+                <a16:creationId xmlns:a16="http://schemas.microsoft.com/office/drawing/2014/main" id="{5AABA6D4-AC4A-45F6-984D-FFFBB2E5C21A}"/>
+              </a:ext>
+            </a:extLst>
+          </p:cNvPr>
+          <p:cNvSpPr/>
+          <p:nvPr/>
+        </p:nvSpPr>
+        <p:spPr>
+          <a:xfrm rot="13589393">
+            <a:off x="4943472" y="3497347"/>
+            <a:ext cx="283174" cy="442453"/>
+          </a:xfrm>
+          <a:prstGeom prst="flowChartMagneticDisk">
+            <a:avLst/>
+          </a:prstGeom>
+        </p:spPr>
+        <p:style>
+          <a:lnRef idx="2">
+            <a:schemeClr val="dk1"/>
+          </a:lnRef>
+          <a:fillRef idx="1">
+            <a:schemeClr val="lt1"/>
+          </a:fillRef>
+          <a:effectRef idx="0">
+            <a:schemeClr val="dk1"/>
+          </a:effectRef>
+          <a:fontRef idx="minor">
+            <a:schemeClr val="dk1"/>
+          </a:fontRef>
+        </p:style>
+        <p:txBody>
+          <a:bodyPr rtlCol="0" anchor="ctr"/>
+          <a:lstStyle/>
+          <a:p>
+            <a:pPr algn="ctr"/>
+            <a:endParaRPr lang="en-GB"/>
+          </a:p>
+        </p:txBody>
+      </p:sp>
+      <p:cxnSp>
+        <p:nvCxnSpPr>
+          <p:cNvPr id="29" name="Straight Connector 28">
+            <a:extLst>
+              <a:ext uri="{FF2B5EF4-FFF2-40B4-BE49-F238E27FC236}">
+                <a16:creationId xmlns:a16="http://schemas.microsoft.com/office/drawing/2014/main" id="{E3970650-99BE-4FE4-A992-41E15AFCF50F}"/>
+              </a:ext>
+            </a:extLst>
+          </p:cNvPr>
+          <p:cNvCxnSpPr>
+            <a:cxnSpLocks/>
+            <a:endCxn id="14" idx="0"/>
+          </p:cNvCxnSpPr>
+          <p:nvPr/>
+        </p:nvCxnSpPr>
+        <p:spPr>
+          <a:xfrm>
+            <a:off x="5193409" y="3723973"/>
+            <a:ext cx="458840" cy="0"/>
+          </a:xfrm>
+          <a:prstGeom prst="line">
+            <a:avLst/>
+          </a:prstGeom>
+        </p:spPr>
+        <p:style>
+          <a:lnRef idx="2">
+            <a:schemeClr val="dk1"/>
+          </a:lnRef>
+          <a:fillRef idx="1">
+            <a:schemeClr val="lt1"/>
+          </a:fillRef>
+          <a:effectRef idx="0">
+            <a:schemeClr val="dk1"/>
+          </a:effectRef>
+          <a:fontRef idx="minor">
+            <a:schemeClr val="dk1"/>
+          </a:fontRef>
+        </p:style>
+      </p:cxnSp>
+      <p:sp>
+        <p:nvSpPr>
+          <p:cNvPr id="14" name="Flowchart: Magnetic Disk 13">
+            <a:extLst>
+              <a:ext uri="{FF2B5EF4-FFF2-40B4-BE49-F238E27FC236}">
+                <a16:creationId xmlns:a16="http://schemas.microsoft.com/office/drawing/2014/main" id="{5FC1090C-5F52-4884-BEAE-3E844EF69B84}"/>
+              </a:ext>
+            </a:extLst>
+          </p:cNvPr>
+          <p:cNvSpPr/>
+          <p:nvPr/>
+        </p:nvSpPr>
+        <p:spPr>
+          <a:xfrm rot="16200000">
+            <a:off x="5584404" y="3502746"/>
+            <a:ext cx="283174" cy="442453"/>
+          </a:xfrm>
+          <a:prstGeom prst="flowChartMagneticDisk">
+            <a:avLst/>
+          </a:prstGeom>
+        </p:spPr>
+        <p:style>
+          <a:lnRef idx="2">
+            <a:schemeClr val="dk1"/>
+          </a:lnRef>
+          <a:fillRef idx="1">
+            <a:schemeClr val="lt1"/>
+          </a:fillRef>
+          <a:effectRef idx="0">
+            <a:schemeClr val="dk1"/>
+          </a:effectRef>
+          <a:fontRef idx="minor">
+            <a:schemeClr val="dk1"/>
+          </a:fontRef>
+        </p:style>
+        <p:txBody>
+          <a:bodyPr rtlCol="0" anchor="ctr"/>
+          <a:lstStyle/>
+          <a:p>
+            <a:pPr algn="ctr"/>
+            <a:endParaRPr lang="en-GB"/>
+          </a:p>
+        </p:txBody>
+      </p:sp>
+      <p:cxnSp>
+        <p:nvCxnSpPr>
+          <p:cNvPr id="76" name="Straight Connector 75">
+            <a:extLst>
+              <a:ext uri="{FF2B5EF4-FFF2-40B4-BE49-F238E27FC236}">
+                <a16:creationId xmlns:a16="http://schemas.microsoft.com/office/drawing/2014/main" id="{03C1691B-ADFA-477B-A65E-FFA846216A9E}"/>
+              </a:ext>
+            </a:extLst>
+          </p:cNvPr>
+          <p:cNvCxnSpPr/>
+          <p:nvPr/>
+        </p:nvCxnSpPr>
+        <p:spPr>
+          <a:xfrm flipH="1">
+            <a:off x="3074125" y="5593080"/>
+            <a:ext cx="118110" cy="118110"/>
+          </a:xfrm>
+          <a:prstGeom prst="line">
+            <a:avLst/>
+          </a:prstGeom>
+        </p:spPr>
+        <p:style>
+          <a:lnRef idx="2">
+            <a:schemeClr val="dk1"/>
+          </a:lnRef>
+          <a:fillRef idx="1">
+            <a:schemeClr val="lt1"/>
+          </a:fillRef>
+          <a:effectRef idx="0">
+            <a:schemeClr val="dk1"/>
+          </a:effectRef>
+          <a:fontRef idx="minor">
+            <a:schemeClr val="dk1"/>
+          </a:fontRef>
+        </p:style>
+      </p:cxnSp>
+      <p:cxnSp>
+        <p:nvCxnSpPr>
+          <p:cNvPr id="77" name="Straight Connector 76">
+            <a:extLst>
+              <a:ext uri="{FF2B5EF4-FFF2-40B4-BE49-F238E27FC236}">
+                <a16:creationId xmlns:a16="http://schemas.microsoft.com/office/drawing/2014/main" id="{BBD3206C-0566-459F-9548-86D9C64ACAA4}"/>
+              </a:ext>
+            </a:extLst>
+          </p:cNvPr>
+          <p:cNvCxnSpPr/>
+          <p:nvPr/>
+        </p:nvCxnSpPr>
+        <p:spPr>
+          <a:xfrm flipH="1">
+            <a:off x="2950420" y="5593080"/>
+            <a:ext cx="118110" cy="118110"/>
+          </a:xfrm>
+          <a:prstGeom prst="line">
+            <a:avLst/>
+          </a:prstGeom>
+        </p:spPr>
+        <p:style>
+          <a:lnRef idx="2">
+            <a:schemeClr val="dk1"/>
+          </a:lnRef>
+          <a:fillRef idx="1">
+            <a:schemeClr val="lt1"/>
+          </a:fillRef>
+          <a:effectRef idx="0">
+            <a:schemeClr val="dk1"/>
+          </a:effectRef>
+          <a:fontRef idx="minor">
+            <a:schemeClr val="dk1"/>
+          </a:fontRef>
+        </p:style>
+      </p:cxnSp>
+      <p:cxnSp>
+        <p:nvCxnSpPr>
+          <p:cNvPr id="78" name="Straight Connector 77">
+            <a:extLst>
+              <a:ext uri="{FF2B5EF4-FFF2-40B4-BE49-F238E27FC236}">
+                <a16:creationId xmlns:a16="http://schemas.microsoft.com/office/drawing/2014/main" id="{D73AA0A0-2309-4E93-84AE-E5B92E62A745}"/>
+              </a:ext>
+            </a:extLst>
+          </p:cNvPr>
+          <p:cNvCxnSpPr/>
+          <p:nvPr/>
+        </p:nvCxnSpPr>
+        <p:spPr>
+          <a:xfrm flipH="1">
+            <a:off x="2826719" y="5593080"/>
+            <a:ext cx="118110" cy="118110"/>
+          </a:xfrm>
+          <a:prstGeom prst="line">
+            <a:avLst/>
+          </a:prstGeom>
+        </p:spPr>
+        <p:style>
+          <a:lnRef idx="2">
+            <a:schemeClr val="dk1"/>
+          </a:lnRef>
+          <a:fillRef idx="1">
+            <a:schemeClr val="lt1"/>
+          </a:fillRef>
+          <a:effectRef idx="0">
+            <a:schemeClr val="dk1"/>
+          </a:effectRef>
+          <a:fontRef idx="minor">
+            <a:schemeClr val="dk1"/>
+          </a:fontRef>
+        </p:style>
+      </p:cxnSp>
+      <p:cxnSp>
+        <p:nvCxnSpPr>
+          <p:cNvPr id="79" name="Straight Connector 78">
+            <a:extLst>
+              <a:ext uri="{FF2B5EF4-FFF2-40B4-BE49-F238E27FC236}">
+                <a16:creationId xmlns:a16="http://schemas.microsoft.com/office/drawing/2014/main" id="{D89CA795-75E7-40A1-A498-B884184EB5B5}"/>
+              </a:ext>
+            </a:extLst>
+          </p:cNvPr>
+          <p:cNvCxnSpPr/>
+          <p:nvPr/>
+        </p:nvCxnSpPr>
+        <p:spPr>
+          <a:xfrm flipH="1">
+            <a:off x="2703018" y="5593080"/>
+            <a:ext cx="118110" cy="118110"/>
+          </a:xfrm>
+          <a:prstGeom prst="line">
+            <a:avLst/>
+          </a:prstGeom>
+        </p:spPr>
+        <p:style>
+          <a:lnRef idx="2">
+            <a:schemeClr val="dk1"/>
+          </a:lnRef>
+          <a:fillRef idx="1">
+            <a:schemeClr val="lt1"/>
+          </a:fillRef>
+          <a:effectRef idx="0">
+            <a:schemeClr val="dk1"/>
+          </a:effectRef>
+          <a:fontRef idx="minor">
+            <a:schemeClr val="dk1"/>
+          </a:fontRef>
+        </p:style>
+      </p:cxnSp>
+      <p:cxnSp>
+        <p:nvCxnSpPr>
+          <p:cNvPr id="80" name="Straight Connector 79">
+            <a:extLst>
+              <a:ext uri="{FF2B5EF4-FFF2-40B4-BE49-F238E27FC236}">
+                <a16:creationId xmlns:a16="http://schemas.microsoft.com/office/drawing/2014/main" id="{3A2E3D4C-28C9-42FA-850E-3B9C786F778D}"/>
+              </a:ext>
+            </a:extLst>
+          </p:cNvPr>
+          <p:cNvCxnSpPr/>
+          <p:nvPr/>
+        </p:nvCxnSpPr>
+        <p:spPr>
+          <a:xfrm flipH="1">
+            <a:off x="2579317" y="5593080"/>
+            <a:ext cx="118110" cy="118110"/>
+          </a:xfrm>
+          <a:prstGeom prst="line">
+            <a:avLst/>
+          </a:prstGeom>
+        </p:spPr>
+        <p:style>
+          <a:lnRef idx="2">
+            <a:schemeClr val="dk1"/>
+          </a:lnRef>
+          <a:fillRef idx="1">
+            <a:schemeClr val="lt1"/>
+          </a:fillRef>
+          <a:effectRef idx="0">
+            <a:schemeClr val="dk1"/>
+          </a:effectRef>
+          <a:fontRef idx="minor">
+            <a:schemeClr val="dk1"/>
+          </a:fontRef>
+        </p:style>
+      </p:cxnSp>
+      <p:cxnSp>
+        <p:nvCxnSpPr>
+          <p:cNvPr id="81" name="Straight Connector 80">
+            <a:extLst>
+              <a:ext uri="{FF2B5EF4-FFF2-40B4-BE49-F238E27FC236}">
+                <a16:creationId xmlns:a16="http://schemas.microsoft.com/office/drawing/2014/main" id="{E76D4B6D-0291-42C8-BFD2-521CEED4FB03}"/>
+              </a:ext>
+            </a:extLst>
+          </p:cNvPr>
+          <p:cNvCxnSpPr/>
+          <p:nvPr/>
+        </p:nvCxnSpPr>
+        <p:spPr>
+          <a:xfrm flipH="1">
+            <a:off x="2455616" y="5593080"/>
+            <a:ext cx="118110" cy="118110"/>
+          </a:xfrm>
+          <a:prstGeom prst="line">
+            <a:avLst/>
+          </a:prstGeom>
+        </p:spPr>
+        <p:style>
+          <a:lnRef idx="2">
+            <a:schemeClr val="dk1"/>
+          </a:lnRef>
+          <a:fillRef idx="1">
+            <a:schemeClr val="lt1"/>
+          </a:fillRef>
+          <a:effectRef idx="0">
+            <a:schemeClr val="dk1"/>
+          </a:effectRef>
+          <a:fontRef idx="minor">
+            <a:schemeClr val="dk1"/>
+          </a:fontRef>
+        </p:style>
+      </p:cxnSp>
+      <p:cxnSp>
+        <p:nvCxnSpPr>
+          <p:cNvPr id="82" name="Straight Connector 81">
+            <a:extLst>
+              <a:ext uri="{FF2B5EF4-FFF2-40B4-BE49-F238E27FC236}">
+                <a16:creationId xmlns:a16="http://schemas.microsoft.com/office/drawing/2014/main" id="{FF8CCD21-C533-41BD-9A5F-B230500D458E}"/>
+              </a:ext>
+            </a:extLst>
+          </p:cNvPr>
+          <p:cNvCxnSpPr/>
+          <p:nvPr/>
+        </p:nvCxnSpPr>
+        <p:spPr>
+          <a:xfrm flipH="1">
+            <a:off x="2331915" y="5593080"/>
+            <a:ext cx="118110" cy="118110"/>
+          </a:xfrm>
+          <a:prstGeom prst="line">
+            <a:avLst/>
+          </a:prstGeom>
+        </p:spPr>
+        <p:style>
+          <a:lnRef idx="2">
+            <a:schemeClr val="dk1"/>
+          </a:lnRef>
+          <a:fillRef idx="1">
+            <a:schemeClr val="lt1"/>
+          </a:fillRef>
+          <a:effectRef idx="0">
+            <a:schemeClr val="dk1"/>
+          </a:effectRef>
+          <a:fontRef idx="minor">
+            <a:schemeClr val="dk1"/>
+          </a:fontRef>
+        </p:style>
+      </p:cxnSp>
+      <p:cxnSp>
+        <p:nvCxnSpPr>
+          <p:cNvPr id="83" name="Straight Connector 82">
+            <a:extLst>
+              <a:ext uri="{FF2B5EF4-FFF2-40B4-BE49-F238E27FC236}">
+                <a16:creationId xmlns:a16="http://schemas.microsoft.com/office/drawing/2014/main" id="{90DCA1C7-3DD3-4E0D-86D0-102C9B54EB49}"/>
+              </a:ext>
+            </a:extLst>
+          </p:cNvPr>
+          <p:cNvCxnSpPr/>
+          <p:nvPr/>
+        </p:nvCxnSpPr>
+        <p:spPr>
+          <a:xfrm flipH="1">
+            <a:off x="2208214" y="5593080"/>
+            <a:ext cx="118110" cy="118110"/>
+          </a:xfrm>
+          <a:prstGeom prst="line">
+            <a:avLst/>
+          </a:prstGeom>
+        </p:spPr>
+        <p:style>
+          <a:lnRef idx="2">
+            <a:schemeClr val="dk1"/>
+          </a:lnRef>
+          <a:fillRef idx="1">
+            <a:schemeClr val="lt1"/>
+          </a:fillRef>
+          <a:effectRef idx="0">
+            <a:schemeClr val="dk1"/>
+          </a:effectRef>
+          <a:fontRef idx="minor">
+            <a:schemeClr val="dk1"/>
+          </a:fontRef>
+        </p:style>
+      </p:cxnSp>
+      <p:cxnSp>
+        <p:nvCxnSpPr>
+          <p:cNvPr id="84" name="Straight Connector 83">
+            <a:extLst>
+              <a:ext uri="{FF2B5EF4-FFF2-40B4-BE49-F238E27FC236}">
+                <a16:creationId xmlns:a16="http://schemas.microsoft.com/office/drawing/2014/main" id="{E8252B6B-20BF-4EF1-B0FD-9061616BC0E4}"/>
+              </a:ext>
+            </a:extLst>
+          </p:cNvPr>
+          <p:cNvCxnSpPr/>
+          <p:nvPr/>
+        </p:nvCxnSpPr>
+        <p:spPr>
+          <a:xfrm flipH="1">
+            <a:off x="2084513" y="5593080"/>
+            <a:ext cx="118110" cy="118110"/>
+          </a:xfrm>
+          <a:prstGeom prst="line">
+            <a:avLst/>
+          </a:prstGeom>
+        </p:spPr>
+        <p:style>
+          <a:lnRef idx="2">
+            <a:schemeClr val="dk1"/>
+          </a:lnRef>
+          <a:fillRef idx="1">
+            <a:schemeClr val="lt1"/>
+          </a:fillRef>
+          <a:effectRef idx="0">
+            <a:schemeClr val="dk1"/>
+          </a:effectRef>
+          <a:fontRef idx="minor">
+            <a:schemeClr val="dk1"/>
+          </a:fontRef>
+        </p:style>
+      </p:cxnSp>
+      <p:cxnSp>
+        <p:nvCxnSpPr>
+          <p:cNvPr id="24" name="Straight Connector 23">
+            <a:extLst>
+              <a:ext uri="{FF2B5EF4-FFF2-40B4-BE49-F238E27FC236}">
+                <a16:creationId xmlns:a16="http://schemas.microsoft.com/office/drawing/2014/main" id="{C5D2D685-06B4-4925-897A-17C0AC635B1B}"/>
+              </a:ext>
+            </a:extLst>
+          </p:cNvPr>
+          <p:cNvCxnSpPr>
+            <a:cxnSpLocks/>
+            <a:endCxn id="10" idx="0"/>
+          </p:cNvCxnSpPr>
+          <p:nvPr/>
+        </p:nvCxnSpPr>
+        <p:spPr>
+          <a:xfrm flipV="1">
+            <a:off x="3263223" y="3359969"/>
+            <a:ext cx="0" cy="1007244"/>
+          </a:xfrm>
+          <a:prstGeom prst="line">
+            <a:avLst/>
+          </a:prstGeom>
+        </p:spPr>
+        <p:style>
+          <a:lnRef idx="2">
+            <a:schemeClr val="dk1"/>
+          </a:lnRef>
+          <a:fillRef idx="1">
+            <a:schemeClr val="lt1"/>
+          </a:fillRef>
+          <a:effectRef idx="0">
+            <a:schemeClr val="dk1"/>
+          </a:effectRef>
+          <a:fontRef idx="minor">
+            <a:schemeClr val="dk1"/>
+          </a:fontRef>
+        </p:style>
+      </p:cxnSp>
+      <p:sp>
+        <p:nvSpPr>
+          <p:cNvPr id="10" name="Flowchart: Magnetic Disk 9">
+            <a:extLst>
+              <a:ext uri="{FF2B5EF4-FFF2-40B4-BE49-F238E27FC236}">
+                <a16:creationId xmlns:a16="http://schemas.microsoft.com/office/drawing/2014/main" id="{9668F99D-FA2B-44EC-BFE5-0B91F0C0AA7E}"/>
+              </a:ext>
+            </a:extLst>
+          </p:cNvPr>
+          <p:cNvSpPr/>
+          <p:nvPr/>
+        </p:nvSpPr>
+        <p:spPr>
+          <a:xfrm rot="13589393">
+            <a:off x="3175118" y="3087972"/>
+            <a:ext cx="283174" cy="442453"/>
+          </a:xfrm>
+          <a:prstGeom prst="flowChartMagneticDisk">
+            <a:avLst/>
+          </a:prstGeom>
+        </p:spPr>
+        <p:style>
+          <a:lnRef idx="2">
+            <a:schemeClr val="dk1"/>
+          </a:lnRef>
+          <a:fillRef idx="1">
+            <a:schemeClr val="lt1"/>
+          </a:fillRef>
+          <a:effectRef idx="0">
+            <a:schemeClr val="dk1"/>
+          </a:effectRef>
+          <a:fontRef idx="minor">
+            <a:schemeClr val="dk1"/>
+          </a:fontRef>
+        </p:style>
+        <p:txBody>
+          <a:bodyPr rtlCol="0" anchor="ctr"/>
+          <a:lstStyle/>
+          <a:p>
+            <a:pPr algn="ctr"/>
+            <a:endParaRPr lang="en-GB"/>
+          </a:p>
+        </p:txBody>
+      </p:sp>
+      <p:sp>
+        <p:nvSpPr>
+          <p:cNvPr id="93" name="TextBox 92">
+            <a:extLst>
+              <a:ext uri="{FF2B5EF4-FFF2-40B4-BE49-F238E27FC236}">
+                <a16:creationId xmlns:a16="http://schemas.microsoft.com/office/drawing/2014/main" id="{6E87FC57-A65E-440D-ACB8-A9CD078FAEC2}"/>
+              </a:ext>
+            </a:extLst>
+          </p:cNvPr>
+          <p:cNvSpPr txBox="1"/>
+          <p:nvPr/>
+        </p:nvSpPr>
+        <p:spPr>
+          <a:xfrm>
+            <a:off x="2838517" y="5020584"/>
+            <a:ext cx="341915" cy="138499"/>
+          </a:xfrm>
+          <a:prstGeom prst="rect">
+            <a:avLst/>
+          </a:prstGeom>
+          <a:noFill/>
+          <a:ln>
+            <a:noFill/>
+          </a:ln>
+        </p:spPr>
+        <p:txBody>
+          <a:bodyPr wrap="square" lIns="0" tIns="0" rIns="0" bIns="0" rtlCol="0">
+            <a:spAutoFit/>
+          </a:bodyPr>
+          <a:lstStyle/>
+          <a:p>
+            <a:r>
+              <a:rPr lang="en-US" sz="900" dirty="0"/>
+              <a:t>J</a:t>
+            </a:r>
+            <a:r>
+              <a:rPr lang="en-US" sz="900" baseline="-25000" dirty="0"/>
+              <a:t>1</a:t>
+            </a:r>
+          </a:p>
+        </p:txBody>
+      </p:sp>
+      <p:sp>
+        <p:nvSpPr>
+          <p:cNvPr id="95" name="TextBox 94">
+            <a:extLst>
+              <a:ext uri="{FF2B5EF4-FFF2-40B4-BE49-F238E27FC236}">
+                <a16:creationId xmlns:a16="http://schemas.microsoft.com/office/drawing/2014/main" id="{24967D9E-3EAB-4231-B957-A1C892881CF8}"/>
+              </a:ext>
+            </a:extLst>
+          </p:cNvPr>
+          <p:cNvSpPr txBox="1"/>
+          <p:nvPr/>
+        </p:nvSpPr>
+        <p:spPr>
+          <a:xfrm>
+            <a:off x="2972783" y="3065778"/>
+            <a:ext cx="341915" cy="138499"/>
+          </a:xfrm>
+          <a:prstGeom prst="rect">
+            <a:avLst/>
+          </a:prstGeom>
+          <a:noFill/>
+          <a:ln>
+            <a:noFill/>
+          </a:ln>
+        </p:spPr>
+        <p:txBody>
+          <a:bodyPr wrap="square" lIns="0" tIns="0" rIns="0" bIns="0" rtlCol="0">
+            <a:spAutoFit/>
+          </a:bodyPr>
+          <a:lstStyle/>
+          <a:p>
+            <a:r>
+              <a:rPr lang="en-US" sz="900" dirty="0"/>
+              <a:t>O</a:t>
+            </a:r>
+            <a:r>
+              <a:rPr lang="en-US" sz="900" baseline="-25000" dirty="0"/>
+              <a:t>3</a:t>
+            </a:r>
+            <a:r>
+              <a:rPr lang="en-US" sz="900" dirty="0"/>
+              <a:t>,J</a:t>
+            </a:r>
+            <a:r>
+              <a:rPr lang="en-US" sz="900" baseline="-25000" dirty="0"/>
+              <a:t>3</a:t>
+            </a:r>
+          </a:p>
+        </p:txBody>
+      </p:sp>
+      <p:sp>
+        <p:nvSpPr>
+          <p:cNvPr id="96" name="TextBox 95">
+            <a:extLst>
+              <a:ext uri="{FF2B5EF4-FFF2-40B4-BE49-F238E27FC236}">
+                <a16:creationId xmlns:a16="http://schemas.microsoft.com/office/drawing/2014/main" id="{DCC8F133-6C8B-4F9D-89D8-710D00FF819C}"/>
+              </a:ext>
+            </a:extLst>
+          </p:cNvPr>
+          <p:cNvSpPr txBox="1"/>
+          <p:nvPr/>
+        </p:nvSpPr>
+        <p:spPr>
+          <a:xfrm>
+            <a:off x="4247885" y="3915124"/>
+            <a:ext cx="341915" cy="138499"/>
+          </a:xfrm>
+          <a:prstGeom prst="rect">
+            <a:avLst/>
+          </a:prstGeom>
+          <a:noFill/>
+          <a:ln>
+            <a:noFill/>
+          </a:ln>
+        </p:spPr>
+        <p:txBody>
+          <a:bodyPr wrap="square" lIns="0" tIns="0" rIns="0" bIns="0" rtlCol="0">
+            <a:spAutoFit/>
+          </a:bodyPr>
+          <a:lstStyle/>
+          <a:p>
+            <a:r>
+              <a:rPr lang="en-US" sz="900" dirty="0"/>
+              <a:t>J</a:t>
+            </a:r>
+            <a:r>
+              <a:rPr lang="en-US" sz="900" baseline="-25000" dirty="0"/>
+              <a:t>4</a:t>
+            </a:r>
+          </a:p>
+        </p:txBody>
+      </p:sp>
+      <p:sp>
+        <p:nvSpPr>
+          <p:cNvPr id="97" name="TextBox 96">
+            <a:extLst>
+              <a:ext uri="{FF2B5EF4-FFF2-40B4-BE49-F238E27FC236}">
+                <a16:creationId xmlns:a16="http://schemas.microsoft.com/office/drawing/2014/main" id="{8E7133CD-2773-4F6E-8B49-87D864578E66}"/>
+              </a:ext>
+            </a:extLst>
+          </p:cNvPr>
+          <p:cNvSpPr txBox="1"/>
+          <p:nvPr/>
+        </p:nvSpPr>
+        <p:spPr>
+          <a:xfrm>
+            <a:off x="4945789" y="3937426"/>
+            <a:ext cx="341915" cy="276999"/>
+          </a:xfrm>
+          <a:prstGeom prst="rect">
+            <a:avLst/>
+          </a:prstGeom>
+          <a:noFill/>
+          <a:ln>
+            <a:noFill/>
+          </a:ln>
+        </p:spPr>
+        <p:txBody>
+          <a:bodyPr wrap="square" lIns="0" tIns="0" rIns="0" bIns="0" rtlCol="0">
+            <a:spAutoFit/>
+          </a:bodyPr>
+          <a:lstStyle>
+            <a:defPPr>
+              <a:defRPr lang="en-US"/>
+            </a:defPPr>
+            <a:lvl1pPr>
+              <a:defRPr sz="900"/>
+            </a:lvl1pPr>
+          </a:lstStyle>
+          <a:p>
+            <a:r>
+              <a:rPr lang="en-US" dirty="0"/>
+              <a:t>J</a:t>
+            </a:r>
+            <a:r>
+              <a:rPr lang="en-US" baseline="-25000" dirty="0"/>
+              <a:t>5</a:t>
+            </a:r>
+          </a:p>
+        </p:txBody>
+      </p:sp>
+      <p:sp>
+        <p:nvSpPr>
+          <p:cNvPr id="98" name="TextBox 97">
+            <a:extLst>
+              <a:ext uri="{FF2B5EF4-FFF2-40B4-BE49-F238E27FC236}">
+                <a16:creationId xmlns:a16="http://schemas.microsoft.com/office/drawing/2014/main" id="{4E1321F6-2DAA-4598-B7D5-30820FAF7C49}"/>
+              </a:ext>
+            </a:extLst>
+          </p:cNvPr>
+          <p:cNvSpPr txBox="1"/>
+          <p:nvPr/>
+        </p:nvSpPr>
+        <p:spPr>
+          <a:xfrm>
+            <a:off x="5711278" y="3937426"/>
+            <a:ext cx="341915" cy="138499"/>
+          </a:xfrm>
+          <a:prstGeom prst="rect">
+            <a:avLst/>
+          </a:prstGeom>
+          <a:noFill/>
+          <a:ln>
+            <a:noFill/>
+          </a:ln>
+        </p:spPr>
+        <p:txBody>
+          <a:bodyPr wrap="square" lIns="0" tIns="0" rIns="0" bIns="0" rtlCol="0">
+            <a:spAutoFit/>
+          </a:bodyPr>
+          <a:lstStyle>
+            <a:defPPr>
+              <a:defRPr lang="en-US"/>
+            </a:defPPr>
+            <a:lvl1pPr>
+              <a:defRPr sz="900"/>
+            </a:lvl1pPr>
+          </a:lstStyle>
+          <a:p>
+            <a:r>
+              <a:rPr lang="en-US" dirty="0"/>
+              <a:t>J</a:t>
+            </a:r>
+            <a:r>
+              <a:rPr lang="en-US" baseline="-25000" dirty="0"/>
+              <a:t>6</a:t>
+            </a:r>
+          </a:p>
+        </p:txBody>
+      </p:sp>
+      <p:sp>
+        <p:nvSpPr>
+          <p:cNvPr id="99" name="TextBox 98">
+            <a:extLst>
+              <a:ext uri="{FF2B5EF4-FFF2-40B4-BE49-F238E27FC236}">
+                <a16:creationId xmlns:a16="http://schemas.microsoft.com/office/drawing/2014/main" id="{1615EB99-1BE9-4F19-B88C-D34292E4F45E}"/>
+              </a:ext>
+            </a:extLst>
+          </p:cNvPr>
+          <p:cNvSpPr txBox="1"/>
+          <p:nvPr/>
+        </p:nvSpPr>
+        <p:spPr>
+          <a:xfrm>
+            <a:off x="6837332" y="4036062"/>
+            <a:ext cx="674718" cy="138499"/>
+          </a:xfrm>
+          <a:prstGeom prst="rect">
+            <a:avLst/>
+          </a:prstGeom>
+          <a:noFill/>
+          <a:ln>
+            <a:noFill/>
+          </a:ln>
+        </p:spPr>
+        <p:txBody>
+          <a:bodyPr wrap="square" lIns="0" tIns="0" rIns="0" bIns="0" rtlCol="0">
+            <a:spAutoFit/>
+          </a:bodyPr>
+          <a:lstStyle/>
+          <a:p>
+            <a:r>
+              <a:rPr lang="en-US" sz="900" dirty="0"/>
+              <a:t>O</a:t>
+            </a:r>
+            <a:r>
+              <a:rPr lang="en-US" sz="900" baseline="-25000" dirty="0"/>
+              <a:t>7</a:t>
+            </a:r>
+            <a:r>
+              <a:rPr lang="en-US" sz="900" dirty="0"/>
+              <a:t>,J</a:t>
+            </a:r>
+            <a:r>
+              <a:rPr lang="en-US" sz="900" baseline="-25000" dirty="0"/>
+              <a:t>7</a:t>
+            </a:r>
+            <a:r>
+              <a:rPr lang="en-US" sz="900" dirty="0"/>
+              <a:t> (WC)</a:t>
+            </a:r>
+            <a:endParaRPr lang="en-US" sz="900" baseline="-25000" dirty="0"/>
+          </a:p>
+        </p:txBody>
+      </p:sp>
+      <p:sp>
+        <p:nvSpPr>
+          <p:cNvPr id="100" name="TextBox 99">
+            <a:extLst>
+              <a:ext uri="{FF2B5EF4-FFF2-40B4-BE49-F238E27FC236}">
+                <a16:creationId xmlns:a16="http://schemas.microsoft.com/office/drawing/2014/main" id="{B40B50A8-4507-476C-B6E0-2813059D7EC6}"/>
+              </a:ext>
+            </a:extLst>
+          </p:cNvPr>
+          <p:cNvSpPr txBox="1"/>
+          <p:nvPr/>
+        </p:nvSpPr>
+        <p:spPr>
+          <a:xfrm>
+            <a:off x="3491994" y="4576317"/>
+            <a:ext cx="341915" cy="138499"/>
+          </a:xfrm>
+          <a:prstGeom prst="rect">
+            <a:avLst/>
+          </a:prstGeom>
+          <a:noFill/>
+          <a:ln>
+            <a:noFill/>
+          </a:ln>
+        </p:spPr>
+        <p:txBody>
+          <a:bodyPr wrap="square" lIns="0" tIns="0" rIns="0" bIns="0" rtlCol="0">
+            <a:spAutoFit/>
+          </a:bodyPr>
+          <a:lstStyle/>
+          <a:p>
+            <a:r>
+              <a:rPr lang="en-US" sz="900" dirty="0"/>
+              <a:t>O</a:t>
+            </a:r>
+            <a:r>
+              <a:rPr lang="en-US" sz="900" baseline="-25000" dirty="0"/>
+              <a:t>2</a:t>
+            </a:r>
+            <a:r>
+              <a:rPr lang="en-US" sz="900" dirty="0"/>
+              <a:t>,J</a:t>
+            </a:r>
+            <a:r>
+              <a:rPr lang="en-US" sz="900" baseline="-25000" dirty="0"/>
+              <a:t>2</a:t>
+            </a:r>
+          </a:p>
+        </p:txBody>
+      </p:sp>
+      <p:cxnSp>
+        <p:nvCxnSpPr>
+          <p:cNvPr id="101" name="Straight Connector 100">
+            <a:extLst>
+              <a:ext uri="{FF2B5EF4-FFF2-40B4-BE49-F238E27FC236}">
+                <a16:creationId xmlns:a16="http://schemas.microsoft.com/office/drawing/2014/main" id="{72F88E6E-7DC6-4D7B-BFF2-D9019F1B1060}"/>
+              </a:ext>
+            </a:extLst>
+          </p:cNvPr>
+          <p:cNvCxnSpPr>
+            <a:cxnSpLocks/>
+          </p:cNvCxnSpPr>
+          <p:nvPr/>
+        </p:nvCxnSpPr>
+        <p:spPr>
+          <a:xfrm flipV="1">
+            <a:off x="2622860" y="1993900"/>
+            <a:ext cx="0" cy="3613871"/>
+          </a:xfrm>
+          <a:prstGeom prst="line">
+            <a:avLst/>
+          </a:prstGeom>
+          <a:ln>
+            <a:headEnd type="none" w="med" len="med"/>
+            <a:tailEnd type="triangle" w="med" len="med"/>
+          </a:ln>
+        </p:spPr>
+        <p:style>
+          <a:lnRef idx="1">
+            <a:schemeClr val="accent5"/>
+          </a:lnRef>
+          <a:fillRef idx="0">
+            <a:schemeClr val="accent5"/>
+          </a:fillRef>
+          <a:effectRef idx="0">
+            <a:schemeClr val="accent5"/>
+          </a:effectRef>
+          <a:fontRef idx="minor">
+            <a:schemeClr val="tx1"/>
+          </a:fontRef>
+        </p:style>
+      </p:cxnSp>
+      <p:sp>
+        <p:nvSpPr>
+          <p:cNvPr id="103" name="TextBox 102">
+            <a:extLst>
+              <a:ext uri="{FF2B5EF4-FFF2-40B4-BE49-F238E27FC236}">
+                <a16:creationId xmlns:a16="http://schemas.microsoft.com/office/drawing/2014/main" id="{2E256CBA-7ADA-48DB-8C34-3B3F0D49E2CF}"/>
+              </a:ext>
+            </a:extLst>
+          </p:cNvPr>
+          <p:cNvSpPr txBox="1"/>
+          <p:nvPr/>
+        </p:nvSpPr>
+        <p:spPr>
+          <a:xfrm>
+            <a:off x="2593490" y="1834329"/>
+            <a:ext cx="721208" cy="138499"/>
+          </a:xfrm>
+          <a:prstGeom prst="rect">
+            <a:avLst/>
+          </a:prstGeom>
+          <a:noFill/>
+          <a:ln>
+            <a:noFill/>
+          </a:ln>
+        </p:spPr>
+        <p:txBody>
+          <a:bodyPr wrap="square" lIns="0" tIns="0" rIns="0" bIns="0" rtlCol="0">
+            <a:spAutoFit/>
+          </a:bodyPr>
+          <a:lstStyle/>
+          <a:p>
+            <a:r>
+              <a:rPr lang="en-US" sz="900" dirty="0"/>
+              <a:t>Z</a:t>
+            </a:r>
+            <a:r>
+              <a:rPr lang="en-US" sz="900" baseline="-25000" dirty="0"/>
+              <a:t>0</a:t>
+            </a:r>
+            <a:r>
+              <a:rPr lang="en-US" sz="900" dirty="0"/>
+              <a:t>, Z</a:t>
+            </a:r>
+            <a:r>
+              <a:rPr lang="en-US" sz="900" baseline="-25000" dirty="0"/>
+              <a:t>1</a:t>
+            </a:r>
+          </a:p>
+        </p:txBody>
+      </p:sp>
+      <p:cxnSp>
+        <p:nvCxnSpPr>
+          <p:cNvPr id="104" name="Straight Connector 103">
+            <a:extLst>
+              <a:ext uri="{FF2B5EF4-FFF2-40B4-BE49-F238E27FC236}">
+                <a16:creationId xmlns:a16="http://schemas.microsoft.com/office/drawing/2014/main" id="{1C076BBB-310A-4449-9FEE-70A0C3B39003}"/>
+              </a:ext>
+            </a:extLst>
+          </p:cNvPr>
+          <p:cNvCxnSpPr>
+            <a:cxnSpLocks/>
+          </p:cNvCxnSpPr>
+          <p:nvPr/>
+        </p:nvCxnSpPr>
+        <p:spPr>
+          <a:xfrm>
+            <a:off x="2638372" y="5593080"/>
+            <a:ext cx="1195537" cy="0"/>
+          </a:xfrm>
+          <a:prstGeom prst="line">
+            <a:avLst/>
+          </a:prstGeom>
+          <a:ln>
+            <a:solidFill>
+              <a:srgbClr val="FF0000"/>
+            </a:solidFill>
+            <a:headEnd type="none" w="med" len="med"/>
+            <a:tailEnd type="triangle" w="med" len="med"/>
+          </a:ln>
+        </p:spPr>
+        <p:style>
+          <a:lnRef idx="1">
+            <a:schemeClr val="accent1"/>
+          </a:lnRef>
+          <a:fillRef idx="0">
+            <a:schemeClr val="accent1"/>
+          </a:fillRef>
+          <a:effectRef idx="0">
+            <a:schemeClr val="accent1"/>
+          </a:effectRef>
+          <a:fontRef idx="minor">
+            <a:schemeClr val="tx1"/>
+          </a:fontRef>
+        </p:style>
+      </p:cxnSp>
+      <p:cxnSp>
+        <p:nvCxnSpPr>
+          <p:cNvPr id="106" name="Straight Connector 105">
+            <a:extLst>
+              <a:ext uri="{FF2B5EF4-FFF2-40B4-BE49-F238E27FC236}">
+                <a16:creationId xmlns:a16="http://schemas.microsoft.com/office/drawing/2014/main" id="{72DDE221-1B9F-4DAE-BC1B-E01232ACA6EE}"/>
+              </a:ext>
+            </a:extLst>
+          </p:cNvPr>
+          <p:cNvCxnSpPr>
+            <a:cxnSpLocks/>
+          </p:cNvCxnSpPr>
+          <p:nvPr/>
+        </p:nvCxnSpPr>
+        <p:spPr>
+          <a:xfrm>
+            <a:off x="2622860" y="4510589"/>
+            <a:ext cx="1195537" cy="0"/>
+          </a:xfrm>
+          <a:prstGeom prst="line">
+            <a:avLst/>
+          </a:prstGeom>
+          <a:ln>
+            <a:solidFill>
+              <a:srgbClr val="FF0000"/>
+            </a:solidFill>
+            <a:headEnd type="none" w="med" len="med"/>
+            <a:tailEnd type="triangle" w="med" len="med"/>
+          </a:ln>
+        </p:spPr>
+        <p:style>
+          <a:lnRef idx="1">
+            <a:schemeClr val="accent1"/>
+          </a:lnRef>
+          <a:fillRef idx="0">
+            <a:schemeClr val="accent1"/>
+          </a:fillRef>
+          <a:effectRef idx="0">
+            <a:schemeClr val="accent1"/>
+          </a:effectRef>
+          <a:fontRef idx="minor">
+            <a:schemeClr val="tx1"/>
+          </a:fontRef>
+        </p:style>
+      </p:cxnSp>
+      <p:cxnSp>
+        <p:nvCxnSpPr>
+          <p:cNvPr id="108" name="Straight Connector 107">
+            <a:extLst>
+              <a:ext uri="{FF2B5EF4-FFF2-40B4-BE49-F238E27FC236}">
+                <a16:creationId xmlns:a16="http://schemas.microsoft.com/office/drawing/2014/main" id="{17D8DBD5-FEAD-42CB-B8C8-BF81826C1DF7}"/>
+              </a:ext>
+            </a:extLst>
+          </p:cNvPr>
+          <p:cNvCxnSpPr>
+            <a:cxnSpLocks/>
+          </p:cNvCxnSpPr>
+          <p:nvPr/>
+        </p:nvCxnSpPr>
+        <p:spPr>
+          <a:xfrm flipV="1">
+            <a:off x="3263223" y="1993900"/>
+            <a:ext cx="0" cy="2514628"/>
+          </a:xfrm>
+          <a:prstGeom prst="line">
+            <a:avLst/>
+          </a:prstGeom>
+          <a:ln>
+            <a:solidFill>
+              <a:srgbClr val="00B050"/>
+            </a:solidFill>
+            <a:headEnd type="none" w="med" len="med"/>
+            <a:tailEnd type="triangle" w="med" len="med"/>
+          </a:ln>
+        </p:spPr>
+        <p:style>
+          <a:lnRef idx="1">
+            <a:schemeClr val="accent1"/>
+          </a:lnRef>
+          <a:fillRef idx="0">
+            <a:schemeClr val="accent1"/>
+          </a:fillRef>
+          <a:effectRef idx="0">
+            <a:schemeClr val="accent1"/>
+          </a:effectRef>
+          <a:fontRef idx="minor">
+            <a:schemeClr val="tx1"/>
+          </a:fontRef>
+        </p:style>
+      </p:cxnSp>
+      <p:cxnSp>
+        <p:nvCxnSpPr>
+          <p:cNvPr id="110" name="Straight Connector 109">
+            <a:extLst>
+              <a:ext uri="{FF2B5EF4-FFF2-40B4-BE49-F238E27FC236}">
+                <a16:creationId xmlns:a16="http://schemas.microsoft.com/office/drawing/2014/main" id="{7020A16F-8AC2-48B0-81DA-8A0E45077B38}"/>
+              </a:ext>
+            </a:extLst>
+          </p:cNvPr>
+          <p:cNvCxnSpPr>
+            <a:cxnSpLocks/>
+          </p:cNvCxnSpPr>
+          <p:nvPr/>
+        </p:nvCxnSpPr>
+        <p:spPr>
+          <a:xfrm flipH="1">
+            <a:off x="2979884" y="2777846"/>
+            <a:ext cx="909276" cy="839698"/>
+          </a:xfrm>
+          <a:prstGeom prst="line">
+            <a:avLst/>
+          </a:prstGeom>
+          <a:ln>
+            <a:headEnd type="triangle" w="med" len="med"/>
+            <a:tailEnd type="none" w="med" len="med"/>
+          </a:ln>
+        </p:spPr>
+        <p:style>
+          <a:lnRef idx="1">
+            <a:schemeClr val="accent5"/>
+          </a:lnRef>
+          <a:fillRef idx="0">
+            <a:schemeClr val="accent5"/>
+          </a:fillRef>
+          <a:effectRef idx="0">
+            <a:schemeClr val="accent5"/>
+          </a:effectRef>
+          <a:fontRef idx="minor">
+            <a:schemeClr val="tx1"/>
+          </a:fontRef>
+        </p:style>
+      </p:cxnSp>
+      <p:cxnSp>
+        <p:nvCxnSpPr>
+          <p:cNvPr id="112" name="Straight Connector 111">
+            <a:extLst>
+              <a:ext uri="{FF2B5EF4-FFF2-40B4-BE49-F238E27FC236}">
+                <a16:creationId xmlns:a16="http://schemas.microsoft.com/office/drawing/2014/main" id="{2AF56624-42E0-4210-8379-9AEC44563445}"/>
+              </a:ext>
+            </a:extLst>
+          </p:cNvPr>
+          <p:cNvCxnSpPr>
+            <a:cxnSpLocks/>
+          </p:cNvCxnSpPr>
+          <p:nvPr/>
+        </p:nvCxnSpPr>
+        <p:spPr>
+          <a:xfrm flipH="1">
+            <a:off x="4774968" y="3171423"/>
+            <a:ext cx="909276" cy="839698"/>
+          </a:xfrm>
+          <a:prstGeom prst="line">
+            <a:avLst/>
+          </a:prstGeom>
+          <a:ln>
+            <a:headEnd type="triangle" w="med" len="med"/>
+            <a:tailEnd type="none" w="med" len="med"/>
+          </a:ln>
+        </p:spPr>
+        <p:style>
+          <a:lnRef idx="1">
+            <a:schemeClr val="accent5"/>
+          </a:lnRef>
+          <a:fillRef idx="0">
+            <a:schemeClr val="accent5"/>
+          </a:fillRef>
+          <a:effectRef idx="0">
+            <a:schemeClr val="accent5"/>
+          </a:effectRef>
+          <a:fontRef idx="minor">
+            <a:schemeClr val="tx1"/>
+          </a:fontRef>
+        </p:style>
+      </p:cxnSp>
+      <p:cxnSp>
+        <p:nvCxnSpPr>
+          <p:cNvPr id="114" name="Straight Connector 113">
+            <a:extLst>
+              <a:ext uri="{FF2B5EF4-FFF2-40B4-BE49-F238E27FC236}">
+                <a16:creationId xmlns:a16="http://schemas.microsoft.com/office/drawing/2014/main" id="{45684C23-AA10-4F43-96AC-50C1A360EA85}"/>
+              </a:ext>
+            </a:extLst>
+          </p:cNvPr>
+          <p:cNvCxnSpPr>
+            <a:cxnSpLocks/>
+          </p:cNvCxnSpPr>
+          <p:nvPr/>
+        </p:nvCxnSpPr>
+        <p:spPr>
+          <a:xfrm flipV="1">
+            <a:off x="5085059" y="1993900"/>
+            <a:ext cx="0" cy="1724674"/>
+          </a:xfrm>
+          <a:prstGeom prst="line">
+            <a:avLst/>
+          </a:prstGeom>
+          <a:ln>
+            <a:solidFill>
+              <a:srgbClr val="00B050"/>
+            </a:solidFill>
+            <a:headEnd type="none" w="med" len="med"/>
+            <a:tailEnd type="triangle" w="med" len="med"/>
+          </a:ln>
+        </p:spPr>
+        <p:style>
+          <a:lnRef idx="1">
+            <a:schemeClr val="accent1"/>
+          </a:lnRef>
+          <a:fillRef idx="0">
+            <a:schemeClr val="accent1"/>
+          </a:fillRef>
+          <a:effectRef idx="0">
+            <a:schemeClr val="accent1"/>
+          </a:effectRef>
+          <a:fontRef idx="minor">
+            <a:schemeClr val="tx1"/>
+          </a:fontRef>
+        </p:style>
+      </p:cxnSp>
+      <p:cxnSp>
+        <p:nvCxnSpPr>
+          <p:cNvPr id="119" name="Straight Connector 118">
+            <a:extLst>
+              <a:ext uri="{FF2B5EF4-FFF2-40B4-BE49-F238E27FC236}">
+                <a16:creationId xmlns:a16="http://schemas.microsoft.com/office/drawing/2014/main" id="{DCD37393-A704-4405-9ADF-E1C1FF9B2605}"/>
+              </a:ext>
+            </a:extLst>
+          </p:cNvPr>
+          <p:cNvCxnSpPr>
+            <a:cxnSpLocks/>
+          </p:cNvCxnSpPr>
+          <p:nvPr/>
+        </p:nvCxnSpPr>
+        <p:spPr>
+          <a:xfrm flipV="1">
+            <a:off x="6326224" y="1993900"/>
+            <a:ext cx="0" cy="1724674"/>
+          </a:xfrm>
+          <a:prstGeom prst="line">
+            <a:avLst/>
+          </a:prstGeom>
+          <a:ln>
+            <a:solidFill>
+              <a:srgbClr val="00B050"/>
+            </a:solidFill>
+            <a:headEnd type="none" w="med" len="med"/>
+            <a:tailEnd type="triangle" w="med" len="med"/>
+          </a:ln>
+        </p:spPr>
+        <p:style>
+          <a:lnRef idx="1">
+            <a:schemeClr val="accent1"/>
+          </a:lnRef>
+          <a:fillRef idx="0">
+            <a:schemeClr val="accent1"/>
+          </a:fillRef>
+          <a:effectRef idx="0">
+            <a:schemeClr val="accent1"/>
+          </a:effectRef>
+          <a:fontRef idx="minor">
+            <a:schemeClr val="tx1"/>
+          </a:fontRef>
+        </p:style>
+      </p:cxnSp>
+      <p:cxnSp>
+        <p:nvCxnSpPr>
+          <p:cNvPr id="120" name="Straight Connector 119">
+            <a:extLst>
+              <a:ext uri="{FF2B5EF4-FFF2-40B4-BE49-F238E27FC236}">
+                <a16:creationId xmlns:a16="http://schemas.microsoft.com/office/drawing/2014/main" id="{9F6F171B-B35E-44D4-BFEF-2DA62ECA0CD1}"/>
+              </a:ext>
+            </a:extLst>
+          </p:cNvPr>
+          <p:cNvCxnSpPr>
+            <a:cxnSpLocks/>
+          </p:cNvCxnSpPr>
+          <p:nvPr/>
+        </p:nvCxnSpPr>
+        <p:spPr>
+          <a:xfrm>
+            <a:off x="3970506" y="3723973"/>
+            <a:ext cx="3541544" cy="0"/>
+          </a:xfrm>
+          <a:prstGeom prst="line">
+            <a:avLst/>
+          </a:prstGeom>
+          <a:ln>
+            <a:headEnd type="none" w="med" len="med"/>
+            <a:tailEnd type="triangle" w="med" len="med"/>
+          </a:ln>
+        </p:spPr>
+        <p:style>
+          <a:lnRef idx="1">
+            <a:schemeClr val="accent5"/>
+          </a:lnRef>
+          <a:fillRef idx="0">
+            <a:schemeClr val="accent5"/>
+          </a:fillRef>
+          <a:effectRef idx="0">
+            <a:schemeClr val="accent5"/>
+          </a:effectRef>
+          <a:fontRef idx="minor">
+            <a:schemeClr val="tx1"/>
+          </a:fontRef>
+        </p:style>
+      </p:cxnSp>
+      <p:sp>
+        <p:nvSpPr>
+          <p:cNvPr id="124" name="TextBox 123">
+            <a:extLst>
+              <a:ext uri="{FF2B5EF4-FFF2-40B4-BE49-F238E27FC236}">
+                <a16:creationId xmlns:a16="http://schemas.microsoft.com/office/drawing/2014/main" id="{BB8F073D-8238-4B3A-9191-55FC0164DD1F}"/>
+              </a:ext>
+            </a:extLst>
+          </p:cNvPr>
+          <p:cNvSpPr txBox="1"/>
+          <p:nvPr/>
+        </p:nvSpPr>
+        <p:spPr>
+          <a:xfrm>
+            <a:off x="3946224" y="2717738"/>
+            <a:ext cx="341915" cy="138499"/>
+          </a:xfrm>
+          <a:prstGeom prst="rect">
+            <a:avLst/>
+          </a:prstGeom>
+          <a:noFill/>
+          <a:ln>
+            <a:noFill/>
+          </a:ln>
+        </p:spPr>
+        <p:txBody>
+          <a:bodyPr wrap="square" lIns="0" tIns="0" rIns="0" bIns="0" rtlCol="0">
+            <a:spAutoFit/>
+          </a:bodyPr>
+          <a:lstStyle/>
+          <a:p>
+            <a:r>
+              <a:rPr lang="en-US" sz="900" dirty="0"/>
+              <a:t>Z</a:t>
+            </a:r>
+            <a:r>
+              <a:rPr lang="en-US" sz="900" baseline="-25000" dirty="0"/>
+              <a:t>3</a:t>
+            </a:r>
+          </a:p>
+        </p:txBody>
+      </p:sp>
+      <p:sp>
+        <p:nvSpPr>
+          <p:cNvPr id="125" name="TextBox 124">
+            <a:extLst>
+              <a:ext uri="{FF2B5EF4-FFF2-40B4-BE49-F238E27FC236}">
+                <a16:creationId xmlns:a16="http://schemas.microsoft.com/office/drawing/2014/main" id="{1E537478-3439-401B-BA75-7BA587509CBF}"/>
+              </a:ext>
+            </a:extLst>
+          </p:cNvPr>
+          <p:cNvSpPr txBox="1"/>
+          <p:nvPr/>
+        </p:nvSpPr>
+        <p:spPr>
+          <a:xfrm>
+            <a:off x="5745400" y="3090749"/>
+            <a:ext cx="341915" cy="138499"/>
+          </a:xfrm>
+          <a:prstGeom prst="rect">
+            <a:avLst/>
+          </a:prstGeom>
+          <a:noFill/>
+          <a:ln>
+            <a:noFill/>
+          </a:ln>
+        </p:spPr>
+        <p:txBody>
+          <a:bodyPr wrap="square" lIns="0" tIns="0" rIns="0" bIns="0" rtlCol="0">
+            <a:spAutoFit/>
+          </a:bodyPr>
+          <a:lstStyle/>
+          <a:p>
+            <a:r>
+              <a:rPr lang="en-US" sz="900" dirty="0"/>
+              <a:t>Z</a:t>
+            </a:r>
+            <a:r>
+              <a:rPr lang="en-US" sz="900" baseline="-25000" dirty="0"/>
+              <a:t>5</a:t>
+            </a:r>
+          </a:p>
+        </p:txBody>
+      </p:sp>
+      <p:sp>
+        <p:nvSpPr>
+          <p:cNvPr id="126" name="TextBox 125">
+            <a:extLst>
+              <a:ext uri="{FF2B5EF4-FFF2-40B4-BE49-F238E27FC236}">
+                <a16:creationId xmlns:a16="http://schemas.microsoft.com/office/drawing/2014/main" id="{871063B2-21E9-4134-B7F4-15E5DFD7B6E7}"/>
+              </a:ext>
+            </a:extLst>
+          </p:cNvPr>
+          <p:cNvSpPr txBox="1"/>
+          <p:nvPr/>
+        </p:nvSpPr>
+        <p:spPr>
+          <a:xfrm>
+            <a:off x="3264656" y="1834329"/>
+            <a:ext cx="341915" cy="138499"/>
+          </a:xfrm>
+          <a:prstGeom prst="rect">
+            <a:avLst/>
+          </a:prstGeom>
+          <a:noFill/>
+          <a:ln>
+            <a:noFill/>
+          </a:ln>
+        </p:spPr>
+        <p:txBody>
+          <a:bodyPr wrap="square" lIns="0" tIns="0" rIns="0" bIns="0" rtlCol="0">
+            <a:spAutoFit/>
+          </a:bodyPr>
+          <a:lstStyle>
+            <a:defPPr>
+              <a:defRPr lang="en-US"/>
+            </a:defPPr>
+            <a:lvl1pPr>
+              <a:defRPr sz="900"/>
+            </a:lvl1pPr>
+          </a:lstStyle>
+          <a:p>
+            <a:r>
+              <a:rPr lang="en-US" dirty="0"/>
+              <a:t>X</a:t>
+            </a:r>
+            <a:r>
+              <a:rPr lang="en-US" baseline="-25000" dirty="0"/>
+              <a:t>3</a:t>
+            </a:r>
+          </a:p>
+        </p:txBody>
+      </p:sp>
+      <p:sp>
+        <p:nvSpPr>
+          <p:cNvPr id="127" name="TextBox 126">
+            <a:extLst>
+              <a:ext uri="{FF2B5EF4-FFF2-40B4-BE49-F238E27FC236}">
+                <a16:creationId xmlns:a16="http://schemas.microsoft.com/office/drawing/2014/main" id="{69FCBE89-0887-46D8-963F-BD963C80B50C}"/>
+              </a:ext>
+            </a:extLst>
+          </p:cNvPr>
+          <p:cNvSpPr txBox="1"/>
+          <p:nvPr/>
+        </p:nvSpPr>
+        <p:spPr>
+          <a:xfrm>
+            <a:off x="5058648" y="1829939"/>
+            <a:ext cx="575737" cy="138499"/>
+          </a:xfrm>
+          <a:prstGeom prst="rect">
+            <a:avLst/>
+          </a:prstGeom>
+          <a:noFill/>
+          <a:ln>
+            <a:noFill/>
+          </a:ln>
+        </p:spPr>
+        <p:txBody>
+          <a:bodyPr wrap="square" lIns="0" tIns="0" rIns="0" bIns="0" rtlCol="0">
+            <a:spAutoFit/>
+          </a:bodyPr>
+          <a:lstStyle>
+            <a:defPPr>
+              <a:defRPr lang="en-US"/>
+            </a:defPPr>
+            <a:lvl1pPr>
+              <a:defRPr sz="900"/>
+            </a:lvl1pPr>
+          </a:lstStyle>
+          <a:p>
+            <a:r>
+              <a:rPr lang="en-US" dirty="0"/>
+              <a:t>X</a:t>
+            </a:r>
+            <a:r>
+              <a:rPr lang="en-US" baseline="-25000" dirty="0"/>
+              <a:t>4</a:t>
+            </a:r>
+            <a:r>
+              <a:rPr lang="en-US" dirty="0"/>
+              <a:t>,X</a:t>
+            </a:r>
+            <a:r>
+              <a:rPr lang="en-US" baseline="-25000" dirty="0"/>
+              <a:t>5</a:t>
+            </a:r>
+            <a:r>
+              <a:rPr lang="en-US" dirty="0"/>
+              <a:t>,X</a:t>
+            </a:r>
+            <a:r>
+              <a:rPr lang="en-US" baseline="-25000" dirty="0"/>
+              <a:t>6</a:t>
+            </a:r>
+          </a:p>
+        </p:txBody>
+      </p:sp>
+      <p:sp>
+        <p:nvSpPr>
+          <p:cNvPr id="128" name="TextBox 127">
+            <a:extLst>
+              <a:ext uri="{FF2B5EF4-FFF2-40B4-BE49-F238E27FC236}">
+                <a16:creationId xmlns:a16="http://schemas.microsoft.com/office/drawing/2014/main" id="{A8A9621D-5EB5-431A-A34A-45F965CC5CD6}"/>
+              </a:ext>
+            </a:extLst>
+          </p:cNvPr>
+          <p:cNvSpPr txBox="1"/>
+          <p:nvPr/>
+        </p:nvSpPr>
+        <p:spPr>
+          <a:xfrm>
+            <a:off x="6326224" y="1842326"/>
+            <a:ext cx="341915" cy="138499"/>
+          </a:xfrm>
+          <a:prstGeom prst="rect">
+            <a:avLst/>
+          </a:prstGeom>
+          <a:noFill/>
+          <a:ln>
+            <a:noFill/>
+          </a:ln>
+        </p:spPr>
+        <p:txBody>
+          <a:bodyPr wrap="square" lIns="0" tIns="0" rIns="0" bIns="0" rtlCol="0">
+            <a:spAutoFit/>
+          </a:bodyPr>
+          <a:lstStyle>
+            <a:defPPr>
+              <a:defRPr lang="en-US"/>
+            </a:defPPr>
+            <a:lvl1pPr>
+              <a:defRPr sz="900"/>
+            </a:lvl1pPr>
+          </a:lstStyle>
+          <a:p>
+            <a:r>
+              <a:rPr lang="en-US" dirty="0"/>
+              <a:t>X</a:t>
+            </a:r>
+            <a:r>
+              <a:rPr lang="en-US" baseline="-25000" dirty="0"/>
+              <a:t>7</a:t>
+            </a:r>
+          </a:p>
+        </p:txBody>
+      </p:sp>
+      <p:sp>
+        <p:nvSpPr>
+          <p:cNvPr id="129" name="TextBox 128">
+            <a:extLst>
+              <a:ext uri="{FF2B5EF4-FFF2-40B4-BE49-F238E27FC236}">
+                <a16:creationId xmlns:a16="http://schemas.microsoft.com/office/drawing/2014/main" id="{7A8056B0-99DA-4739-886A-FDA5CDA71974}"/>
+              </a:ext>
+            </a:extLst>
+          </p:cNvPr>
+          <p:cNvSpPr txBox="1"/>
+          <p:nvPr/>
+        </p:nvSpPr>
+        <p:spPr>
+          <a:xfrm>
+            <a:off x="7539095" y="3727063"/>
+            <a:ext cx="508839" cy="138499"/>
+          </a:xfrm>
+          <a:prstGeom prst="rect">
+            <a:avLst/>
+          </a:prstGeom>
+          <a:noFill/>
+          <a:ln>
+            <a:noFill/>
+          </a:ln>
+        </p:spPr>
+        <p:txBody>
+          <a:bodyPr wrap="square" lIns="0" tIns="0" rIns="0" bIns="0" rtlCol="0">
+            <a:spAutoFit/>
+          </a:bodyPr>
+          <a:lstStyle/>
+          <a:p>
+            <a:r>
+              <a:rPr lang="en-US" sz="900" dirty="0"/>
+              <a:t>Z</a:t>
+            </a:r>
+            <a:r>
+              <a:rPr lang="en-US" sz="900" baseline="-25000" dirty="0"/>
+              <a:t>4</a:t>
+            </a:r>
+            <a:r>
+              <a:rPr lang="en-US" sz="900" dirty="0"/>
+              <a:t>, Z</a:t>
+            </a:r>
+            <a:r>
+              <a:rPr lang="en-US" sz="900" baseline="-25000" dirty="0"/>
+              <a:t>6</a:t>
+            </a:r>
+            <a:r>
+              <a:rPr lang="en-US" sz="900" dirty="0"/>
+              <a:t>, Z</a:t>
+            </a:r>
+            <a:r>
+              <a:rPr lang="en-US" sz="900" baseline="-25000" dirty="0"/>
+              <a:t>7</a:t>
+            </a:r>
+          </a:p>
+        </p:txBody>
+      </p:sp>
+      <p:sp>
+        <p:nvSpPr>
+          <p:cNvPr id="131" name="Freeform: Shape 130">
+            <a:extLst>
+              <a:ext uri="{FF2B5EF4-FFF2-40B4-BE49-F238E27FC236}">
+                <a16:creationId xmlns:a16="http://schemas.microsoft.com/office/drawing/2014/main" id="{524BA8C4-8805-40D0-97D7-FE4EC7109AA3}"/>
+              </a:ext>
+            </a:extLst>
+          </p:cNvPr>
+          <p:cNvSpPr/>
+          <p:nvPr/>
+        </p:nvSpPr>
+        <p:spPr>
+          <a:xfrm>
+            <a:off x="6394452" y="3752851"/>
+            <a:ext cx="520700" cy="273050"/>
+          </a:xfrm>
+          <a:custGeom>
+            <a:avLst/>
+            <a:gdLst>
+              <a:gd name="connsiteX0" fmla="*/ 233032 w 233032"/>
+              <a:gd name="connsiteY0" fmla="*/ 357021 h 357021"/>
+              <a:gd name="connsiteX1" fmla="*/ 131432 w 233032"/>
+              <a:gd name="connsiteY1" fmla="*/ 71271 h 357021"/>
+              <a:gd name="connsiteX2" fmla="*/ 4432 w 233032"/>
+              <a:gd name="connsiteY2" fmla="*/ 33171 h 357021"/>
+              <a:gd name="connsiteX0" fmla="*/ 231163 w 242872"/>
+              <a:gd name="connsiteY0" fmla="*/ 351260 h 351260"/>
+              <a:gd name="connsiteX1" fmla="*/ 231163 w 242872"/>
+              <a:gd name="connsiteY1" fmla="*/ 90910 h 351260"/>
+              <a:gd name="connsiteX2" fmla="*/ 2563 w 242872"/>
+              <a:gd name="connsiteY2" fmla="*/ 27410 h 351260"/>
+              <a:gd name="connsiteX0" fmla="*/ 199358 w 238024"/>
+              <a:gd name="connsiteY0" fmla="*/ 370854 h 370854"/>
+              <a:gd name="connsiteX1" fmla="*/ 231108 w 238024"/>
+              <a:gd name="connsiteY1" fmla="*/ 91454 h 370854"/>
+              <a:gd name="connsiteX2" fmla="*/ 2508 w 238024"/>
+              <a:gd name="connsiteY2" fmla="*/ 27954 h 370854"/>
+              <a:gd name="connsiteX0" fmla="*/ 196850 w 196850"/>
+              <a:gd name="connsiteY0" fmla="*/ 342900 h 342900"/>
+              <a:gd name="connsiteX1" fmla="*/ 0 w 196850"/>
+              <a:gd name="connsiteY1" fmla="*/ 0 h 342900"/>
+              <a:gd name="connsiteX0" fmla="*/ 196850 w 246998"/>
+              <a:gd name="connsiteY0" fmla="*/ 342900 h 342900"/>
+              <a:gd name="connsiteX1" fmla="*/ 0 w 246998"/>
+              <a:gd name="connsiteY1" fmla="*/ 0 h 342900"/>
+              <a:gd name="connsiteX0" fmla="*/ 196850 w 355599"/>
+              <a:gd name="connsiteY0" fmla="*/ 342900 h 342900"/>
+              <a:gd name="connsiteX1" fmla="*/ 355599 w 355599"/>
+              <a:gd name="connsiteY1" fmla="*/ 63499 h 342900"/>
+              <a:gd name="connsiteX2" fmla="*/ 0 w 355599"/>
+              <a:gd name="connsiteY2" fmla="*/ 0 h 342900"/>
+              <a:gd name="connsiteX0" fmla="*/ 196850 w 366814"/>
+              <a:gd name="connsiteY0" fmla="*/ 342900 h 342900"/>
+              <a:gd name="connsiteX1" fmla="*/ 355599 w 366814"/>
+              <a:gd name="connsiteY1" fmla="*/ 63499 h 342900"/>
+              <a:gd name="connsiteX2" fmla="*/ 0 w 366814"/>
+              <a:gd name="connsiteY2" fmla="*/ 0 h 342900"/>
+              <a:gd name="connsiteX0" fmla="*/ 196850 w 196850"/>
+              <a:gd name="connsiteY0" fmla="*/ 342900 h 342900"/>
+              <a:gd name="connsiteX1" fmla="*/ 0 w 196850"/>
+              <a:gd name="connsiteY1" fmla="*/ 0 h 342900"/>
+              <a:gd name="connsiteX0" fmla="*/ 196850 w 196850"/>
+              <a:gd name="connsiteY0" fmla="*/ 342900 h 342900"/>
+              <a:gd name="connsiteX1" fmla="*/ 0 w 196850"/>
+              <a:gd name="connsiteY1" fmla="*/ 0 h 342900"/>
+              <a:gd name="connsiteX0" fmla="*/ 196850 w 412753"/>
+              <a:gd name="connsiteY0" fmla="*/ 342900 h 342900"/>
+              <a:gd name="connsiteX1" fmla="*/ 412748 w 412753"/>
+              <a:gd name="connsiteY1" fmla="*/ 215899 h 342900"/>
+              <a:gd name="connsiteX2" fmla="*/ 0 w 412753"/>
+              <a:gd name="connsiteY2" fmla="*/ 0 h 342900"/>
+              <a:gd name="connsiteX0" fmla="*/ 196850 w 196850"/>
+              <a:gd name="connsiteY0" fmla="*/ 342900 h 342900"/>
+              <a:gd name="connsiteX1" fmla="*/ 0 w 196850"/>
+              <a:gd name="connsiteY1" fmla="*/ 0 h 342900"/>
+              <a:gd name="connsiteX0" fmla="*/ 539750 w 539750"/>
+              <a:gd name="connsiteY0" fmla="*/ 317500 h 317500"/>
+              <a:gd name="connsiteX1" fmla="*/ 0 w 539750"/>
+              <a:gd name="connsiteY1" fmla="*/ 0 h 317500"/>
+              <a:gd name="connsiteX0" fmla="*/ 539750 w 539750"/>
+              <a:gd name="connsiteY0" fmla="*/ 317500 h 317500"/>
+              <a:gd name="connsiteX1" fmla="*/ 0 w 539750"/>
+              <a:gd name="connsiteY1" fmla="*/ 0 h 317500"/>
+              <a:gd name="connsiteX0" fmla="*/ 539750 w 539750"/>
+              <a:gd name="connsiteY0" fmla="*/ 317500 h 317500"/>
+              <a:gd name="connsiteX1" fmla="*/ 0 w 539750"/>
+              <a:gd name="connsiteY1" fmla="*/ 0 h 317500"/>
+              <a:gd name="connsiteX0" fmla="*/ 520700 w 520700"/>
+              <a:gd name="connsiteY0" fmla="*/ 273050 h 273050"/>
+              <a:gd name="connsiteX1" fmla="*/ 0 w 520700"/>
+              <a:gd name="connsiteY1" fmla="*/ 0 h 273050"/>
+              <a:gd name="connsiteX0" fmla="*/ 520700 w 520700"/>
+              <a:gd name="connsiteY0" fmla="*/ 273050 h 273050"/>
+              <a:gd name="connsiteX1" fmla="*/ 0 w 520700"/>
+              <a:gd name="connsiteY1" fmla="*/ 0 h 273050"/>
+            </a:gdLst>
+            <a:ahLst/>
+            <a:cxnLst>
+              <a:cxn ang="0">
+                <a:pos x="connsiteX0" y="connsiteY0"/>
+              </a:cxn>
+              <a:cxn ang="0">
+                <a:pos x="connsiteX1" y="connsiteY1"/>
+              </a:cxn>
+            </a:cxnLst>
+            <a:rect l="l" t="t" r="r" b="b"/>
+            <a:pathLst>
+              <a:path w="520700" h="273050">
+                <a:moveTo>
+                  <a:pt x="520700" y="273050"/>
+                </a:moveTo>
+                <a:cubicBezTo>
+                  <a:pt x="505883" y="65617"/>
+                  <a:pt x="370417" y="93133"/>
+                  <a:pt x="0" y="0"/>
+                </a:cubicBezTo>
+              </a:path>
+            </a:pathLst>
+          </a:custGeom>
+          <a:ln>
+            <a:headEnd type="none" w="med" len="med"/>
+            <a:tailEnd type="triangle" w="med" len="med"/>
+          </a:ln>
+        </p:spPr>
+        <p:style>
+          <a:lnRef idx="2">
+            <a:schemeClr val="accent3"/>
+          </a:lnRef>
+          <a:fillRef idx="0">
+            <a:schemeClr val="accent3"/>
+          </a:fillRef>
+          <a:effectRef idx="1">
+            <a:schemeClr val="accent3"/>
+          </a:effectRef>
+          <a:fontRef idx="minor">
+            <a:schemeClr val="tx1"/>
+          </a:fontRef>
+        </p:style>
+        <p:txBody>
+          <a:bodyPr rot="0" spcFirstLastPara="0" vertOverflow="overflow" horzOverflow="overflow" vert="horz" wrap="square" lIns="91440" tIns="45720" rIns="91440" bIns="45720" numCol="1" spcCol="0" rtlCol="0" fromWordArt="0" anchor="ctr" anchorCtr="0" forceAA="0" compatLnSpc="1">
+            <a:prstTxWarp prst="textNoShape">
+              <a:avLst/>
+            </a:prstTxWarp>
+            <a:noAutofit/>
+          </a:bodyPr>
+          <a:lstStyle/>
+          <a:p>
+            <a:pPr algn="ctr"/>
+            <a:endParaRPr lang="en-GB">
+              <a:solidFill>
+                <a:schemeClr val="tx1"/>
+              </a:solidFill>
+            </a:endParaRPr>
+          </a:p>
+        </p:txBody>
+      </p:sp>
+      <p:sp>
+        <p:nvSpPr>
+          <p:cNvPr id="132" name="Flowchart: Extract 131">
+            <a:extLst>
+              <a:ext uri="{FF2B5EF4-FFF2-40B4-BE49-F238E27FC236}">
+                <a16:creationId xmlns:a16="http://schemas.microsoft.com/office/drawing/2014/main" id="{1F03A8EC-2B7C-4545-B82E-3A373AF84282}"/>
+              </a:ext>
+            </a:extLst>
+          </p:cNvPr>
+          <p:cNvSpPr/>
+          <p:nvPr/>
+        </p:nvSpPr>
+        <p:spPr>
+          <a:xfrm>
+            <a:off x="5053299" y="3672205"/>
+            <a:ext cx="68628" cy="80646"/>
+          </a:xfrm>
+          <a:prstGeom prst="flowChartExtract">
+            <a:avLst/>
+          </a:prstGeom>
+        </p:spPr>
+        <p:style>
+          <a:lnRef idx="2">
+            <a:schemeClr val="accent1">
+              <a:shade val="50000"/>
+            </a:schemeClr>
+          </a:lnRef>
+          <a:fillRef idx="1">
+            <a:schemeClr val="accent1"/>
+          </a:fillRef>
+          <a:effectRef idx="0">
+            <a:schemeClr val="accent1"/>
+          </a:effectRef>
+          <a:fontRef idx="minor">
+            <a:schemeClr val="lt1"/>
+          </a:fontRef>
+        </p:style>
+        <p:txBody>
+          <a:bodyPr rtlCol="0" anchor="ctr"/>
+          <a:lstStyle/>
+          <a:p>
+            <a:pPr algn="ctr"/>
+            <a:endParaRPr lang="en-GB"/>
+          </a:p>
+        </p:txBody>
+      </p:sp>
+      <p:sp>
+        <p:nvSpPr>
+          <p:cNvPr id="133" name="Flowchart: Extract 132">
+            <a:extLst>
+              <a:ext uri="{FF2B5EF4-FFF2-40B4-BE49-F238E27FC236}">
+                <a16:creationId xmlns:a16="http://schemas.microsoft.com/office/drawing/2014/main" id="{8FD5AB17-0DF0-4464-BE31-3FD914383115}"/>
+              </a:ext>
+            </a:extLst>
+          </p:cNvPr>
+          <p:cNvSpPr/>
+          <p:nvPr/>
+        </p:nvSpPr>
+        <p:spPr>
+          <a:xfrm>
+            <a:off x="3241908" y="3304416"/>
+            <a:ext cx="68628" cy="80646"/>
+          </a:xfrm>
+          <a:prstGeom prst="flowChartExtract">
+            <a:avLst/>
+          </a:prstGeom>
+        </p:spPr>
+        <p:style>
+          <a:lnRef idx="2">
+            <a:schemeClr val="accent1">
+              <a:shade val="50000"/>
+            </a:schemeClr>
+          </a:lnRef>
+          <a:fillRef idx="1">
+            <a:schemeClr val="accent1"/>
+          </a:fillRef>
+          <a:effectRef idx="0">
+            <a:schemeClr val="accent1"/>
+          </a:effectRef>
+          <a:fontRef idx="minor">
+            <a:schemeClr val="lt1"/>
+          </a:fontRef>
+        </p:style>
+        <p:txBody>
+          <a:bodyPr rtlCol="0" anchor="ctr"/>
+          <a:lstStyle/>
+          <a:p>
+            <a:pPr algn="ctr"/>
+            <a:endParaRPr lang="en-GB"/>
+          </a:p>
+        </p:txBody>
+      </p:sp>
+      <p:sp>
+        <p:nvSpPr>
+          <p:cNvPr id="134" name="Flowchart: Extract 133">
+            <a:extLst>
+              <a:ext uri="{FF2B5EF4-FFF2-40B4-BE49-F238E27FC236}">
+                <a16:creationId xmlns:a16="http://schemas.microsoft.com/office/drawing/2014/main" id="{77DBC28D-2334-40BA-865F-5889EB9181C1}"/>
+              </a:ext>
+            </a:extLst>
+          </p:cNvPr>
+          <p:cNvSpPr/>
+          <p:nvPr/>
+        </p:nvSpPr>
+        <p:spPr>
+          <a:xfrm>
+            <a:off x="3217666" y="4453791"/>
+            <a:ext cx="68628" cy="80646"/>
+          </a:xfrm>
+          <a:prstGeom prst="flowChartExtract">
+            <a:avLst/>
+          </a:prstGeom>
+        </p:spPr>
+        <p:style>
+          <a:lnRef idx="2">
+            <a:schemeClr val="accent1">
+              <a:shade val="50000"/>
+            </a:schemeClr>
+          </a:lnRef>
+          <a:fillRef idx="1">
+            <a:schemeClr val="accent1"/>
+          </a:fillRef>
+          <a:effectRef idx="0">
+            <a:schemeClr val="accent1"/>
+          </a:effectRef>
+          <a:fontRef idx="minor">
+            <a:schemeClr val="lt1"/>
+          </a:fontRef>
+        </p:style>
+        <p:txBody>
+          <a:bodyPr rtlCol="0" anchor="ctr"/>
+          <a:lstStyle/>
+          <a:p>
+            <a:pPr algn="ctr"/>
+            <a:endParaRPr lang="en-GB"/>
+          </a:p>
+        </p:txBody>
+      </p:sp>
+      <p:sp>
+        <p:nvSpPr>
+          <p:cNvPr id="135" name="Flowchart: Extract 134">
+            <a:extLst>
+              <a:ext uri="{FF2B5EF4-FFF2-40B4-BE49-F238E27FC236}">
+                <a16:creationId xmlns:a16="http://schemas.microsoft.com/office/drawing/2014/main" id="{99C393ED-A49B-4927-878C-E9F77CE38759}"/>
+              </a:ext>
+            </a:extLst>
+          </p:cNvPr>
+          <p:cNvSpPr/>
+          <p:nvPr/>
+        </p:nvSpPr>
+        <p:spPr>
+          <a:xfrm>
+            <a:off x="2594270" y="4458455"/>
+            <a:ext cx="68628" cy="80646"/>
+          </a:xfrm>
+          <a:prstGeom prst="flowChartExtract">
+            <a:avLst/>
+          </a:prstGeom>
+        </p:spPr>
+        <p:style>
+          <a:lnRef idx="2">
+            <a:schemeClr val="accent1">
+              <a:shade val="50000"/>
+            </a:schemeClr>
+          </a:lnRef>
+          <a:fillRef idx="1">
+            <a:schemeClr val="accent1"/>
+          </a:fillRef>
+          <a:effectRef idx="0">
+            <a:schemeClr val="accent1"/>
+          </a:effectRef>
+          <a:fontRef idx="minor">
+            <a:schemeClr val="lt1"/>
+          </a:fontRef>
+        </p:style>
+        <p:txBody>
+          <a:bodyPr rtlCol="0" anchor="ctr"/>
+          <a:lstStyle/>
+          <a:p>
+            <a:pPr algn="ctr"/>
+            <a:endParaRPr lang="en-GB"/>
+          </a:p>
+        </p:txBody>
+      </p:sp>
+      <p:sp>
+        <p:nvSpPr>
+          <p:cNvPr id="136" name="Flowchart: Extract 135">
+            <a:extLst>
+              <a:ext uri="{FF2B5EF4-FFF2-40B4-BE49-F238E27FC236}">
+                <a16:creationId xmlns:a16="http://schemas.microsoft.com/office/drawing/2014/main" id="{E0257BD3-28BA-48BB-8CA8-FD36F19B5502}"/>
+              </a:ext>
+            </a:extLst>
+          </p:cNvPr>
+          <p:cNvSpPr/>
+          <p:nvPr/>
+        </p:nvSpPr>
+        <p:spPr>
+          <a:xfrm>
+            <a:off x="2588231" y="5530422"/>
+            <a:ext cx="68628" cy="80646"/>
+          </a:xfrm>
+          <a:prstGeom prst="flowChartExtract">
+            <a:avLst/>
+          </a:prstGeom>
+        </p:spPr>
+        <p:style>
+          <a:lnRef idx="2">
+            <a:schemeClr val="accent1">
+              <a:shade val="50000"/>
+            </a:schemeClr>
+          </a:lnRef>
+          <a:fillRef idx="1">
+            <a:schemeClr val="accent1"/>
+          </a:fillRef>
+          <a:effectRef idx="0">
+            <a:schemeClr val="accent1"/>
+          </a:effectRef>
+          <a:fontRef idx="minor">
+            <a:schemeClr val="lt1"/>
+          </a:fontRef>
+        </p:style>
+        <p:txBody>
+          <a:bodyPr rtlCol="0" anchor="ctr"/>
+          <a:lstStyle/>
+          <a:p>
+            <a:pPr algn="ctr"/>
+            <a:endParaRPr lang="en-GB"/>
+          </a:p>
+        </p:txBody>
+      </p:sp>
+      <p:sp>
+        <p:nvSpPr>
+          <p:cNvPr id="137" name="Flowchart: Extract 136">
+            <a:extLst>
+              <a:ext uri="{FF2B5EF4-FFF2-40B4-BE49-F238E27FC236}">
+                <a16:creationId xmlns:a16="http://schemas.microsoft.com/office/drawing/2014/main" id="{92C2134D-3A4E-43EB-B46C-32C8B83DE75A}"/>
+              </a:ext>
+            </a:extLst>
+          </p:cNvPr>
+          <p:cNvSpPr/>
+          <p:nvPr/>
+        </p:nvSpPr>
+        <p:spPr>
+          <a:xfrm>
+            <a:off x="6304814" y="3678251"/>
+            <a:ext cx="68628" cy="80646"/>
+          </a:xfrm>
+          <a:prstGeom prst="flowChartExtract">
+            <a:avLst/>
+          </a:prstGeom>
+        </p:spPr>
+        <p:style>
+          <a:lnRef idx="2">
+            <a:schemeClr val="accent1">
+              <a:shade val="50000"/>
+            </a:schemeClr>
+          </a:lnRef>
+          <a:fillRef idx="1">
+            <a:schemeClr val="accent1"/>
+          </a:fillRef>
+          <a:effectRef idx="0">
+            <a:schemeClr val="accent1"/>
+          </a:effectRef>
+          <a:fontRef idx="minor">
+            <a:schemeClr val="lt1"/>
+          </a:fontRef>
+        </p:style>
+        <p:txBody>
+          <a:bodyPr rtlCol="0" anchor="ctr"/>
+          <a:lstStyle/>
+          <a:p>
+            <a:pPr algn="ctr"/>
+            <a:endParaRPr lang="en-GB"/>
+          </a:p>
+        </p:txBody>
+      </p:sp>
+      <p:sp>
+        <p:nvSpPr>
+          <p:cNvPr id="138" name="TextBox 137">
+            <a:extLst>
+              <a:ext uri="{FF2B5EF4-FFF2-40B4-BE49-F238E27FC236}">
+                <a16:creationId xmlns:a16="http://schemas.microsoft.com/office/drawing/2014/main" id="{CC4DA368-55B5-4EAF-BC8F-3D121CDF2914}"/>
+              </a:ext>
+            </a:extLst>
+          </p:cNvPr>
+          <p:cNvSpPr txBox="1"/>
+          <p:nvPr/>
+        </p:nvSpPr>
+        <p:spPr>
+          <a:xfrm>
+            <a:off x="4528349" y="3391276"/>
+            <a:ext cx="503101" cy="138499"/>
+          </a:xfrm>
+          <a:prstGeom prst="rect">
+            <a:avLst/>
+          </a:prstGeom>
+          <a:noFill/>
+          <a:ln>
+            <a:noFill/>
+          </a:ln>
+        </p:spPr>
+        <p:txBody>
+          <a:bodyPr wrap="square" lIns="0" tIns="0" rIns="0" bIns="0" rtlCol="0">
+            <a:spAutoFit/>
+          </a:bodyPr>
+          <a:lstStyle>
+            <a:defPPr>
+              <a:defRPr lang="en-US"/>
+            </a:defPPr>
+            <a:lvl1pPr>
+              <a:defRPr sz="900"/>
+            </a:lvl1pPr>
+          </a:lstStyle>
+          <a:p>
+            <a:pPr algn="r"/>
+            <a:r>
+              <a:rPr lang="en-US" dirty="0"/>
+              <a:t>O</a:t>
+            </a:r>
+            <a:r>
+              <a:rPr lang="en-US" baseline="-25000" dirty="0"/>
+              <a:t>4</a:t>
+            </a:r>
+            <a:r>
+              <a:rPr lang="en-US" dirty="0"/>
+              <a:t>, O</a:t>
+            </a:r>
+            <a:r>
+              <a:rPr lang="en-US" baseline="-25000" dirty="0"/>
+              <a:t>5</a:t>
+            </a:r>
+            <a:r>
+              <a:rPr lang="en-US" dirty="0"/>
+              <a:t>, O</a:t>
+            </a:r>
+            <a:r>
+              <a:rPr lang="en-US" baseline="-25000" dirty="0"/>
+              <a:t>6</a:t>
+            </a:r>
+          </a:p>
+        </p:txBody>
+      </p:sp>
+      <p:sp>
+        <p:nvSpPr>
+          <p:cNvPr id="139" name="TextBox 138">
+            <a:extLst>
+              <a:ext uri="{FF2B5EF4-FFF2-40B4-BE49-F238E27FC236}">
+                <a16:creationId xmlns:a16="http://schemas.microsoft.com/office/drawing/2014/main" id="{291717D4-AFD4-4D84-A195-B22D6049EE3C}"/>
+              </a:ext>
+            </a:extLst>
+          </p:cNvPr>
+          <p:cNvSpPr txBox="1"/>
+          <p:nvPr/>
+        </p:nvSpPr>
+        <p:spPr>
+          <a:xfrm>
+            <a:off x="2212318" y="4368569"/>
+            <a:ext cx="341915" cy="138499"/>
+          </a:xfrm>
+          <a:prstGeom prst="rect">
+            <a:avLst/>
+          </a:prstGeom>
+          <a:noFill/>
+          <a:ln>
+            <a:noFill/>
+          </a:ln>
+        </p:spPr>
+        <p:txBody>
+          <a:bodyPr wrap="square" lIns="0" tIns="0" rIns="0" bIns="0" rtlCol="0">
+            <a:spAutoFit/>
+          </a:bodyPr>
+          <a:lstStyle/>
+          <a:p>
+            <a:pPr algn="r"/>
+            <a:r>
+              <a:rPr lang="en-US" sz="900" dirty="0"/>
+              <a:t>O</a:t>
+            </a:r>
+            <a:r>
+              <a:rPr lang="en-US" sz="900" baseline="-25000" dirty="0"/>
+              <a:t>1</a:t>
+            </a:r>
+          </a:p>
+        </p:txBody>
+      </p:sp>
+      <p:sp>
+        <p:nvSpPr>
+          <p:cNvPr id="140" name="TextBox 139">
+            <a:extLst>
+              <a:ext uri="{FF2B5EF4-FFF2-40B4-BE49-F238E27FC236}">
+                <a16:creationId xmlns:a16="http://schemas.microsoft.com/office/drawing/2014/main" id="{9B04C251-F5F2-4409-BF96-42E94586C8CF}"/>
+              </a:ext>
+            </a:extLst>
+          </p:cNvPr>
+          <p:cNvSpPr txBox="1"/>
+          <p:nvPr/>
+        </p:nvSpPr>
+        <p:spPr>
+          <a:xfrm>
+            <a:off x="2386368" y="5423252"/>
+            <a:ext cx="341915" cy="138499"/>
+          </a:xfrm>
+          <a:prstGeom prst="rect">
+            <a:avLst/>
+          </a:prstGeom>
+          <a:noFill/>
+          <a:ln>
+            <a:noFill/>
+          </a:ln>
+        </p:spPr>
+        <p:txBody>
+          <a:bodyPr wrap="square" lIns="0" tIns="0" rIns="0" bIns="0" rtlCol="0">
+            <a:spAutoFit/>
+          </a:bodyPr>
+          <a:lstStyle/>
+          <a:p>
+            <a:r>
+              <a:rPr lang="en-US" sz="900" dirty="0"/>
+              <a:t>O</a:t>
+            </a:r>
+            <a:r>
+              <a:rPr lang="en-US" sz="900" baseline="-25000" dirty="0"/>
+              <a:t>0</a:t>
+            </a:r>
+          </a:p>
+        </p:txBody>
+      </p:sp>
+      <p:sp>
+        <p:nvSpPr>
+          <p:cNvPr id="141" name="Freeform 39">
+            <a:extLst>
+              <a:ext uri="{FF2B5EF4-FFF2-40B4-BE49-F238E27FC236}">
+                <a16:creationId xmlns:a16="http://schemas.microsoft.com/office/drawing/2014/main" id="{34E0BD14-43FF-40C9-BECE-D7C88FC41D2D}"/>
+              </a:ext>
+            </a:extLst>
+          </p:cNvPr>
+          <p:cNvSpPr/>
+          <p:nvPr/>
+        </p:nvSpPr>
+        <p:spPr>
+          <a:xfrm>
+            <a:off x="3283007" y="4115645"/>
+            <a:ext cx="384857" cy="381322"/>
+          </a:xfrm>
+          <a:custGeom>
+            <a:avLst/>
+            <a:gdLst>
+              <a:gd name="connsiteX0" fmla="*/ 0 w 147545"/>
+              <a:gd name="connsiteY0" fmla="*/ 0 h 212781"/>
+              <a:gd name="connsiteX1" fmla="*/ 146050 w 147545"/>
+              <a:gd name="connsiteY1" fmla="*/ 200025 h 212781"/>
+              <a:gd name="connsiteX2" fmla="*/ 79375 w 147545"/>
+              <a:gd name="connsiteY2" fmla="*/ 203200 h 212781"/>
+              <a:gd name="connsiteX0" fmla="*/ 0 w 153794"/>
+              <a:gd name="connsiteY0" fmla="*/ 0 h 203200"/>
+              <a:gd name="connsiteX1" fmla="*/ 152400 w 153794"/>
+              <a:gd name="connsiteY1" fmla="*/ 66675 h 203200"/>
+              <a:gd name="connsiteX2" fmla="*/ 79375 w 153794"/>
+              <a:gd name="connsiteY2" fmla="*/ 203200 h 203200"/>
+              <a:gd name="connsiteX0" fmla="*/ 0 w 79375"/>
+              <a:gd name="connsiteY0" fmla="*/ 0 h 203200"/>
+              <a:gd name="connsiteX1" fmla="*/ 79375 w 79375"/>
+              <a:gd name="connsiteY1" fmla="*/ 203200 h 203200"/>
+              <a:gd name="connsiteX0" fmla="*/ 0 w 142919"/>
+              <a:gd name="connsiteY0" fmla="*/ 0 h 203200"/>
+              <a:gd name="connsiteX1" fmla="*/ 79375 w 142919"/>
+              <a:gd name="connsiteY1" fmla="*/ 203200 h 203200"/>
+              <a:gd name="connsiteX0" fmla="*/ 0 w 186211"/>
+              <a:gd name="connsiteY0" fmla="*/ 0 h 203200"/>
+              <a:gd name="connsiteX1" fmla="*/ 79375 w 186211"/>
+              <a:gd name="connsiteY1" fmla="*/ 203200 h 203200"/>
+              <a:gd name="connsiteX0" fmla="*/ 0 w 125812"/>
+              <a:gd name="connsiteY0" fmla="*/ 0 h 203200"/>
+              <a:gd name="connsiteX1" fmla="*/ 79375 w 125812"/>
+              <a:gd name="connsiteY1" fmla="*/ 203200 h 203200"/>
+              <a:gd name="connsiteX0" fmla="*/ 0 w 122234"/>
+              <a:gd name="connsiteY0" fmla="*/ 1233 h 204433"/>
+              <a:gd name="connsiteX1" fmla="*/ 79375 w 122234"/>
+              <a:gd name="connsiteY1" fmla="*/ 204433 h 204433"/>
+              <a:gd name="connsiteX0" fmla="*/ 0 w 148382"/>
+              <a:gd name="connsiteY0" fmla="*/ 1233 h 204433"/>
+              <a:gd name="connsiteX1" fmla="*/ 111125 w 148382"/>
+              <a:gd name="connsiteY1" fmla="*/ 204433 h 204433"/>
+              <a:gd name="connsiteX0" fmla="*/ 0 w 401382"/>
+              <a:gd name="connsiteY0" fmla="*/ 531 h 381531"/>
+              <a:gd name="connsiteX1" fmla="*/ 384175 w 401382"/>
+              <a:gd name="connsiteY1" fmla="*/ 381531 h 381531"/>
+              <a:gd name="connsiteX0" fmla="*/ 0 w 384477"/>
+              <a:gd name="connsiteY0" fmla="*/ 918 h 381918"/>
+              <a:gd name="connsiteX1" fmla="*/ 384175 w 384477"/>
+              <a:gd name="connsiteY1" fmla="*/ 381918 h 381918"/>
+              <a:gd name="connsiteX0" fmla="*/ 0 w 384857"/>
+              <a:gd name="connsiteY0" fmla="*/ 322 h 381322"/>
+              <a:gd name="connsiteX1" fmla="*/ 384175 w 384857"/>
+              <a:gd name="connsiteY1" fmla="*/ 381322 h 381322"/>
+            </a:gdLst>
+            <a:ahLst/>
+            <a:cxnLst>
+              <a:cxn ang="0">
+                <a:pos x="connsiteX0" y="connsiteY0"/>
+              </a:cxn>
+              <a:cxn ang="0">
+                <a:pos x="connsiteX1" y="connsiteY1"/>
+              </a:cxn>
+            </a:cxnLst>
+            <a:rect l="l" t="t" r="r" b="b"/>
+            <a:pathLst>
+              <a:path w="384857" h="381322">
+                <a:moveTo>
+                  <a:pt x="0" y="322"/>
+                </a:moveTo>
+                <a:cubicBezTo>
+                  <a:pt x="258233" y="-8145"/>
+                  <a:pt x="395817" y="151664"/>
+                  <a:pt x="384175" y="381322"/>
+                </a:cubicBezTo>
+              </a:path>
+            </a:pathLst>
+          </a:custGeom>
+          <a:ln>
+            <a:headEnd type="triangle" w="med" len="med"/>
+            <a:tailEnd type="none" w="med" len="med"/>
+          </a:ln>
+        </p:spPr>
+        <p:style>
+          <a:lnRef idx="1">
+            <a:schemeClr val="accent2"/>
+          </a:lnRef>
+          <a:fillRef idx="0">
+            <a:schemeClr val="accent2"/>
+          </a:fillRef>
+          <a:effectRef idx="0">
+            <a:schemeClr val="accent2"/>
+          </a:effectRef>
+          <a:fontRef idx="minor">
+            <a:schemeClr val="tx1"/>
+          </a:fontRef>
+        </p:style>
+        <p:txBody>
+          <a:bodyPr rtlCol="0" anchor="ctr"/>
+          <a:lstStyle/>
+          <a:p>
+            <a:pPr algn="ctr"/>
+            <a:endParaRPr lang="en-US"/>
+          </a:p>
+        </p:txBody>
+      </p:sp>
+      <p:sp>
+        <p:nvSpPr>
+          <p:cNvPr id="142" name="TextBox 141">
+            <a:extLst>
+              <a:ext uri="{FF2B5EF4-FFF2-40B4-BE49-F238E27FC236}">
+                <a16:creationId xmlns:a16="http://schemas.microsoft.com/office/drawing/2014/main" id="{BE721CEF-2C95-46F9-8CB5-7F856054D82A}"/>
+              </a:ext>
+            </a:extLst>
+          </p:cNvPr>
+          <p:cNvSpPr txBox="1"/>
+          <p:nvPr/>
+        </p:nvSpPr>
+        <p:spPr>
+          <a:xfrm>
+            <a:off x="7898702" y="2075329"/>
+            <a:ext cx="104775" cy="138499"/>
+          </a:xfrm>
+          <a:prstGeom prst="rect">
+            <a:avLst/>
+          </a:prstGeom>
+          <a:noFill/>
+          <a:ln>
+            <a:noFill/>
+          </a:ln>
+        </p:spPr>
+        <p:txBody>
+          <a:bodyPr wrap="square" lIns="0" tIns="0" rIns="0" bIns="0" rtlCol="0">
+            <a:spAutoFit/>
+          </a:bodyPr>
+          <a:lstStyle/>
+          <a:p>
+            <a:r>
+              <a:rPr lang="en-US" sz="900" dirty="0"/>
+              <a:t>θ</a:t>
+            </a:r>
+            <a:r>
+              <a:rPr lang="en-US" sz="900" baseline="-25000" dirty="0"/>
+              <a:t>1</a:t>
+            </a:r>
+          </a:p>
+        </p:txBody>
+      </p:sp>
+      <p:sp>
+        <p:nvSpPr>
+          <p:cNvPr id="143" name="TextBox 142">
+            <a:extLst>
+              <a:ext uri="{FF2B5EF4-FFF2-40B4-BE49-F238E27FC236}">
+                <a16:creationId xmlns:a16="http://schemas.microsoft.com/office/drawing/2014/main" id="{34D530FB-1600-4371-BA9E-D1BE3C06A017}"/>
+              </a:ext>
+            </a:extLst>
+          </p:cNvPr>
+          <p:cNvSpPr txBox="1"/>
+          <p:nvPr/>
+        </p:nvSpPr>
+        <p:spPr>
+          <a:xfrm>
+            <a:off x="3584982" y="4081997"/>
+            <a:ext cx="233414" cy="138498"/>
+          </a:xfrm>
+          <a:prstGeom prst="rect">
+            <a:avLst/>
+          </a:prstGeom>
+          <a:noFill/>
+          <a:ln>
+            <a:noFill/>
+          </a:ln>
+        </p:spPr>
+        <p:txBody>
+          <a:bodyPr wrap="square" lIns="0" tIns="0" rIns="0" bIns="0" rtlCol="0">
+            <a:spAutoFit/>
+          </a:bodyPr>
+          <a:lstStyle/>
+          <a:p>
+            <a:r>
+              <a:rPr lang="en-US" sz="900" dirty="0"/>
+              <a:t>θ</a:t>
+            </a:r>
+            <a:r>
+              <a:rPr lang="en-US" sz="900" baseline="-25000" dirty="0"/>
+              <a:t>2</a:t>
+            </a:r>
+          </a:p>
+        </p:txBody>
+      </p:sp>
+      <p:sp>
+        <p:nvSpPr>
+          <p:cNvPr id="144" name="Freeform 39">
+            <a:extLst>
+              <a:ext uri="{FF2B5EF4-FFF2-40B4-BE49-F238E27FC236}">
+                <a16:creationId xmlns:a16="http://schemas.microsoft.com/office/drawing/2014/main" id="{0A66AD0B-C265-4598-9F6B-99FEF54E7F39}"/>
+              </a:ext>
+            </a:extLst>
+          </p:cNvPr>
+          <p:cNvSpPr/>
+          <p:nvPr/>
+        </p:nvSpPr>
+        <p:spPr>
+          <a:xfrm>
+            <a:off x="2521115" y="5427318"/>
+            <a:ext cx="315352" cy="339156"/>
+          </a:xfrm>
+          <a:custGeom>
+            <a:avLst/>
+            <a:gdLst>
+              <a:gd name="connsiteX0" fmla="*/ 0 w 147545"/>
+              <a:gd name="connsiteY0" fmla="*/ 0 h 212781"/>
+              <a:gd name="connsiteX1" fmla="*/ 146050 w 147545"/>
+              <a:gd name="connsiteY1" fmla="*/ 200025 h 212781"/>
+              <a:gd name="connsiteX2" fmla="*/ 79375 w 147545"/>
+              <a:gd name="connsiteY2" fmla="*/ 203200 h 212781"/>
+              <a:gd name="connsiteX0" fmla="*/ 0 w 153794"/>
+              <a:gd name="connsiteY0" fmla="*/ 0 h 203200"/>
+              <a:gd name="connsiteX1" fmla="*/ 152400 w 153794"/>
+              <a:gd name="connsiteY1" fmla="*/ 66675 h 203200"/>
+              <a:gd name="connsiteX2" fmla="*/ 79375 w 153794"/>
+              <a:gd name="connsiteY2" fmla="*/ 203200 h 203200"/>
+              <a:gd name="connsiteX0" fmla="*/ 0 w 79375"/>
+              <a:gd name="connsiteY0" fmla="*/ 0 h 203200"/>
+              <a:gd name="connsiteX1" fmla="*/ 79375 w 79375"/>
+              <a:gd name="connsiteY1" fmla="*/ 203200 h 203200"/>
+              <a:gd name="connsiteX0" fmla="*/ 0 w 142919"/>
+              <a:gd name="connsiteY0" fmla="*/ 0 h 203200"/>
+              <a:gd name="connsiteX1" fmla="*/ 79375 w 142919"/>
+              <a:gd name="connsiteY1" fmla="*/ 203200 h 203200"/>
+              <a:gd name="connsiteX0" fmla="*/ 0 w 186211"/>
+              <a:gd name="connsiteY0" fmla="*/ 0 h 203200"/>
+              <a:gd name="connsiteX1" fmla="*/ 79375 w 186211"/>
+              <a:gd name="connsiteY1" fmla="*/ 203200 h 203200"/>
+              <a:gd name="connsiteX0" fmla="*/ 0 w 125812"/>
+              <a:gd name="connsiteY0" fmla="*/ 0 h 203200"/>
+              <a:gd name="connsiteX1" fmla="*/ 79375 w 125812"/>
+              <a:gd name="connsiteY1" fmla="*/ 203200 h 203200"/>
+              <a:gd name="connsiteX0" fmla="*/ 0 w 122234"/>
+              <a:gd name="connsiteY0" fmla="*/ 1233 h 204433"/>
+              <a:gd name="connsiteX1" fmla="*/ 79375 w 122234"/>
+              <a:gd name="connsiteY1" fmla="*/ 204433 h 204433"/>
+              <a:gd name="connsiteX0" fmla="*/ 0 w 148382"/>
+              <a:gd name="connsiteY0" fmla="*/ 1233 h 204433"/>
+              <a:gd name="connsiteX1" fmla="*/ 111125 w 148382"/>
+              <a:gd name="connsiteY1" fmla="*/ 204433 h 204433"/>
+              <a:gd name="connsiteX0" fmla="*/ 0 w 401382"/>
+              <a:gd name="connsiteY0" fmla="*/ 531 h 381531"/>
+              <a:gd name="connsiteX1" fmla="*/ 384175 w 401382"/>
+              <a:gd name="connsiteY1" fmla="*/ 381531 h 381531"/>
+              <a:gd name="connsiteX0" fmla="*/ 0 w 384477"/>
+              <a:gd name="connsiteY0" fmla="*/ 918 h 381918"/>
+              <a:gd name="connsiteX1" fmla="*/ 384175 w 384477"/>
+              <a:gd name="connsiteY1" fmla="*/ 381918 h 381918"/>
+              <a:gd name="connsiteX0" fmla="*/ 0 w 384857"/>
+              <a:gd name="connsiteY0" fmla="*/ 322 h 381322"/>
+              <a:gd name="connsiteX1" fmla="*/ 384175 w 384857"/>
+              <a:gd name="connsiteY1" fmla="*/ 381322 h 381322"/>
+              <a:gd name="connsiteX0" fmla="*/ 0 w 481248"/>
+              <a:gd name="connsiteY0" fmla="*/ 30175 h 411175"/>
+              <a:gd name="connsiteX1" fmla="*/ 384175 w 481248"/>
+              <a:gd name="connsiteY1" fmla="*/ 411175 h 411175"/>
+              <a:gd name="connsiteX0" fmla="*/ 0 w 481248"/>
+              <a:gd name="connsiteY0" fmla="*/ 181658 h 562658"/>
+              <a:gd name="connsiteX1" fmla="*/ 384175 w 481248"/>
+              <a:gd name="connsiteY1" fmla="*/ 562658 h 562658"/>
+              <a:gd name="connsiteX0" fmla="*/ 0 w 386621"/>
+              <a:gd name="connsiteY0" fmla="*/ 207760 h 504940"/>
+              <a:gd name="connsiteX1" fmla="*/ 269875 w 386621"/>
+              <a:gd name="connsiteY1" fmla="*/ 504940 h 504940"/>
+              <a:gd name="connsiteX0" fmla="*/ 0 w 396645"/>
+              <a:gd name="connsiteY0" fmla="*/ 124416 h 421596"/>
+              <a:gd name="connsiteX1" fmla="*/ 374486 w 396645"/>
+              <a:gd name="connsiteY1" fmla="*/ 187243 h 421596"/>
+              <a:gd name="connsiteX2" fmla="*/ 269875 w 396645"/>
+              <a:gd name="connsiteY2" fmla="*/ 421596 h 421596"/>
+              <a:gd name="connsiteX0" fmla="*/ 0 w 269875"/>
+              <a:gd name="connsiteY0" fmla="*/ 0 h 297180"/>
+              <a:gd name="connsiteX1" fmla="*/ 269875 w 269875"/>
+              <a:gd name="connsiteY1" fmla="*/ 297180 h 297180"/>
+              <a:gd name="connsiteX0" fmla="*/ 0 w 163195"/>
+              <a:gd name="connsiteY0" fmla="*/ 0 h 327660"/>
+              <a:gd name="connsiteX1" fmla="*/ 163195 w 163195"/>
+              <a:gd name="connsiteY1" fmla="*/ 327660 h 327660"/>
+              <a:gd name="connsiteX0" fmla="*/ 0 w 285115"/>
+              <a:gd name="connsiteY0" fmla="*/ 0 h 327660"/>
+              <a:gd name="connsiteX1" fmla="*/ 285115 w 285115"/>
+              <a:gd name="connsiteY1" fmla="*/ 327660 h 327660"/>
+              <a:gd name="connsiteX0" fmla="*/ 0 w 288307"/>
+              <a:gd name="connsiteY0" fmla="*/ 22773 h 350433"/>
+              <a:gd name="connsiteX1" fmla="*/ 285115 w 288307"/>
+              <a:gd name="connsiteY1" fmla="*/ 350433 h 350433"/>
+              <a:gd name="connsiteX0" fmla="*/ 0 w 414788"/>
+              <a:gd name="connsiteY0" fmla="*/ 18824 h 346484"/>
+              <a:gd name="connsiteX1" fmla="*/ 285115 w 414788"/>
+              <a:gd name="connsiteY1" fmla="*/ 346484 h 346484"/>
+              <a:gd name="connsiteX0" fmla="*/ 0 w 304850"/>
+              <a:gd name="connsiteY0" fmla="*/ 18267 h 361167"/>
+              <a:gd name="connsiteX1" fmla="*/ 86995 w 304850"/>
+              <a:gd name="connsiteY1" fmla="*/ 361167 h 361167"/>
+              <a:gd name="connsiteX0" fmla="*/ 0 w 315352"/>
+              <a:gd name="connsiteY0" fmla="*/ 19116 h 339156"/>
+              <a:gd name="connsiteX1" fmla="*/ 109855 w 315352"/>
+              <a:gd name="connsiteY1" fmla="*/ 339156 h 339156"/>
+            </a:gdLst>
+            <a:ahLst/>
+            <a:cxnLst>
+              <a:cxn ang="0">
+                <a:pos x="connsiteX0" y="connsiteY0"/>
+              </a:cxn>
+              <a:cxn ang="0">
+                <a:pos x="connsiteX1" y="connsiteY1"/>
+              </a:cxn>
+            </a:cxnLst>
+            <a:rect l="l" t="t" r="r" b="b"/>
+            <a:pathLst>
+              <a:path w="315352" h="339156">
+                <a:moveTo>
+                  <a:pt x="0" y="19116"/>
+                </a:moveTo>
+                <a:cubicBezTo>
+                  <a:pt x="483658" y="-92644"/>
+                  <a:pt x="319617" y="321376"/>
+                  <a:pt x="109855" y="339156"/>
+                </a:cubicBezTo>
+              </a:path>
+            </a:pathLst>
+          </a:custGeom>
+          <a:ln>
+            <a:headEnd type="triangle" w="med" len="med"/>
+            <a:tailEnd type="none" w="med" len="med"/>
+          </a:ln>
+        </p:spPr>
+        <p:style>
+          <a:lnRef idx="1">
+            <a:schemeClr val="accent2"/>
+          </a:lnRef>
+          <a:fillRef idx="0">
+            <a:schemeClr val="accent2"/>
+          </a:fillRef>
+          <a:effectRef idx="0">
+            <a:schemeClr val="accent2"/>
+          </a:effectRef>
+          <a:fontRef idx="minor">
+            <a:schemeClr val="tx1"/>
+          </a:fontRef>
+        </p:style>
+        <p:txBody>
+          <a:bodyPr rtlCol="0" anchor="ctr"/>
+          <a:lstStyle/>
+          <a:p>
+            <a:pPr algn="ctr"/>
+            <a:endParaRPr lang="en-US"/>
+          </a:p>
+        </p:txBody>
+      </p:sp>
+      <p:sp>
+        <p:nvSpPr>
+          <p:cNvPr id="145" name="TextBox 144">
+            <a:extLst>
+              <a:ext uri="{FF2B5EF4-FFF2-40B4-BE49-F238E27FC236}">
+                <a16:creationId xmlns:a16="http://schemas.microsoft.com/office/drawing/2014/main" id="{5DCE0A9D-FFFA-4126-B36B-4832D8A8FBDB}"/>
+              </a:ext>
+            </a:extLst>
+          </p:cNvPr>
+          <p:cNvSpPr txBox="1"/>
+          <p:nvPr/>
+        </p:nvSpPr>
+        <p:spPr>
+          <a:xfrm>
+            <a:off x="2854507" y="5371701"/>
+            <a:ext cx="233414" cy="138498"/>
+          </a:xfrm>
+          <a:prstGeom prst="rect">
+            <a:avLst/>
+          </a:prstGeom>
+          <a:noFill/>
+          <a:ln>
+            <a:noFill/>
+          </a:ln>
+        </p:spPr>
+        <p:txBody>
+          <a:bodyPr wrap="square" lIns="0" tIns="0" rIns="0" bIns="0" rtlCol="0">
+            <a:spAutoFit/>
+          </a:bodyPr>
+          <a:lstStyle/>
+          <a:p>
+            <a:r>
+              <a:rPr lang="en-US" sz="900" dirty="0"/>
+              <a:t>θ</a:t>
+            </a:r>
+            <a:r>
+              <a:rPr lang="en-US" sz="900" baseline="-25000" dirty="0"/>
+              <a:t>1</a:t>
+            </a:r>
+          </a:p>
+        </p:txBody>
+      </p:sp>
+      <p:sp>
+        <p:nvSpPr>
+          <p:cNvPr id="146" name="Freeform 39">
+            <a:extLst>
+              <a:ext uri="{FF2B5EF4-FFF2-40B4-BE49-F238E27FC236}">
+                <a16:creationId xmlns:a16="http://schemas.microsoft.com/office/drawing/2014/main" id="{52EFCBEF-9147-40B5-AD19-5F4359F4588F}"/>
+              </a:ext>
+            </a:extLst>
+          </p:cNvPr>
+          <p:cNvSpPr/>
+          <p:nvPr/>
+        </p:nvSpPr>
+        <p:spPr>
+          <a:xfrm>
+            <a:off x="3623763" y="2845733"/>
+            <a:ext cx="233728" cy="210613"/>
+          </a:xfrm>
+          <a:custGeom>
+            <a:avLst/>
+            <a:gdLst>
+              <a:gd name="connsiteX0" fmla="*/ 0 w 147545"/>
+              <a:gd name="connsiteY0" fmla="*/ 0 h 212781"/>
+              <a:gd name="connsiteX1" fmla="*/ 146050 w 147545"/>
+              <a:gd name="connsiteY1" fmla="*/ 200025 h 212781"/>
+              <a:gd name="connsiteX2" fmla="*/ 79375 w 147545"/>
+              <a:gd name="connsiteY2" fmla="*/ 203200 h 212781"/>
+              <a:gd name="connsiteX0" fmla="*/ 0 w 153794"/>
+              <a:gd name="connsiteY0" fmla="*/ 0 h 203200"/>
+              <a:gd name="connsiteX1" fmla="*/ 152400 w 153794"/>
+              <a:gd name="connsiteY1" fmla="*/ 66675 h 203200"/>
+              <a:gd name="connsiteX2" fmla="*/ 79375 w 153794"/>
+              <a:gd name="connsiteY2" fmla="*/ 203200 h 203200"/>
+              <a:gd name="connsiteX0" fmla="*/ 0 w 79375"/>
+              <a:gd name="connsiteY0" fmla="*/ 0 h 203200"/>
+              <a:gd name="connsiteX1" fmla="*/ 79375 w 79375"/>
+              <a:gd name="connsiteY1" fmla="*/ 203200 h 203200"/>
+              <a:gd name="connsiteX0" fmla="*/ 0 w 142919"/>
+              <a:gd name="connsiteY0" fmla="*/ 0 h 203200"/>
+              <a:gd name="connsiteX1" fmla="*/ 79375 w 142919"/>
+              <a:gd name="connsiteY1" fmla="*/ 203200 h 203200"/>
+              <a:gd name="connsiteX0" fmla="*/ 0 w 186211"/>
+              <a:gd name="connsiteY0" fmla="*/ 0 h 203200"/>
+              <a:gd name="connsiteX1" fmla="*/ 79375 w 186211"/>
+              <a:gd name="connsiteY1" fmla="*/ 203200 h 203200"/>
+              <a:gd name="connsiteX0" fmla="*/ 0 w 125812"/>
+              <a:gd name="connsiteY0" fmla="*/ 0 h 203200"/>
+              <a:gd name="connsiteX1" fmla="*/ 79375 w 125812"/>
+              <a:gd name="connsiteY1" fmla="*/ 203200 h 203200"/>
+              <a:gd name="connsiteX0" fmla="*/ 0 w 122234"/>
+              <a:gd name="connsiteY0" fmla="*/ 1233 h 204433"/>
+              <a:gd name="connsiteX1" fmla="*/ 79375 w 122234"/>
+              <a:gd name="connsiteY1" fmla="*/ 204433 h 204433"/>
+              <a:gd name="connsiteX0" fmla="*/ 0 w 148382"/>
+              <a:gd name="connsiteY0" fmla="*/ 1233 h 204433"/>
+              <a:gd name="connsiteX1" fmla="*/ 111125 w 148382"/>
+              <a:gd name="connsiteY1" fmla="*/ 204433 h 204433"/>
+              <a:gd name="connsiteX0" fmla="*/ 0 w 401382"/>
+              <a:gd name="connsiteY0" fmla="*/ 531 h 381531"/>
+              <a:gd name="connsiteX1" fmla="*/ 384175 w 401382"/>
+              <a:gd name="connsiteY1" fmla="*/ 381531 h 381531"/>
+              <a:gd name="connsiteX0" fmla="*/ 0 w 384477"/>
+              <a:gd name="connsiteY0" fmla="*/ 918 h 381918"/>
+              <a:gd name="connsiteX1" fmla="*/ 384175 w 384477"/>
+              <a:gd name="connsiteY1" fmla="*/ 381918 h 381918"/>
+              <a:gd name="connsiteX0" fmla="*/ 0 w 384857"/>
+              <a:gd name="connsiteY0" fmla="*/ 322 h 381322"/>
+              <a:gd name="connsiteX1" fmla="*/ 384175 w 384857"/>
+              <a:gd name="connsiteY1" fmla="*/ 381322 h 381322"/>
+              <a:gd name="connsiteX0" fmla="*/ 111125 w 204558"/>
+              <a:gd name="connsiteY0" fmla="*/ 322 h 381322"/>
+              <a:gd name="connsiteX1" fmla="*/ 0 w 204558"/>
+              <a:gd name="connsiteY1" fmla="*/ 381322 h 381322"/>
+              <a:gd name="connsiteX0" fmla="*/ 164465 w 249517"/>
+              <a:gd name="connsiteY0" fmla="*/ 194537 h 194537"/>
+              <a:gd name="connsiteX1" fmla="*/ 0 w 249517"/>
+              <a:gd name="connsiteY1" fmla="*/ 80237 h 194537"/>
+              <a:gd name="connsiteX0" fmla="*/ 164465 w 250515"/>
+              <a:gd name="connsiteY0" fmla="*/ 217328 h 217328"/>
+              <a:gd name="connsiteX1" fmla="*/ 0 w 250515"/>
+              <a:gd name="connsiteY1" fmla="*/ 103028 h 217328"/>
+              <a:gd name="connsiteX0" fmla="*/ 164465 w 247346"/>
+              <a:gd name="connsiteY0" fmla="*/ 233345 h 233345"/>
+              <a:gd name="connsiteX1" fmla="*/ 0 w 247346"/>
+              <a:gd name="connsiteY1" fmla="*/ 119045 h 233345"/>
+              <a:gd name="connsiteX0" fmla="*/ 164465 w 279975"/>
+              <a:gd name="connsiteY0" fmla="*/ 231919 h 231919"/>
+              <a:gd name="connsiteX1" fmla="*/ 231536 w 279975"/>
+              <a:gd name="connsiteY1" fmla="*/ 178015 h 231919"/>
+              <a:gd name="connsiteX2" fmla="*/ 0 w 279975"/>
+              <a:gd name="connsiteY2" fmla="*/ 117619 h 231919"/>
+              <a:gd name="connsiteX0" fmla="*/ 164465 w 164465"/>
+              <a:gd name="connsiteY0" fmla="*/ 114300 h 114300"/>
+              <a:gd name="connsiteX1" fmla="*/ 0 w 164465"/>
+              <a:gd name="connsiteY1" fmla="*/ 0 h 114300"/>
+              <a:gd name="connsiteX0" fmla="*/ 164465 w 164465"/>
+              <a:gd name="connsiteY0" fmla="*/ 175746 h 175746"/>
+              <a:gd name="connsiteX1" fmla="*/ 0 w 164465"/>
+              <a:gd name="connsiteY1" fmla="*/ 61446 h 175746"/>
+              <a:gd name="connsiteX0" fmla="*/ 164465 w 186759"/>
+              <a:gd name="connsiteY0" fmla="*/ 188516 h 188516"/>
+              <a:gd name="connsiteX1" fmla="*/ 0 w 186759"/>
+              <a:gd name="connsiteY1" fmla="*/ 74216 h 188516"/>
+              <a:gd name="connsiteX0" fmla="*/ 164465 w 212404"/>
+              <a:gd name="connsiteY0" fmla="*/ 178008 h 178008"/>
+              <a:gd name="connsiteX1" fmla="*/ 0 w 212404"/>
+              <a:gd name="connsiteY1" fmla="*/ 63708 h 178008"/>
+              <a:gd name="connsiteX0" fmla="*/ 164465 w 225547"/>
+              <a:gd name="connsiteY0" fmla="*/ 173616 h 173616"/>
+              <a:gd name="connsiteX1" fmla="*/ 0 w 225547"/>
+              <a:gd name="connsiteY1" fmla="*/ 59316 h 173616"/>
+              <a:gd name="connsiteX0" fmla="*/ 164465 w 213964"/>
+              <a:gd name="connsiteY0" fmla="*/ 180022 h 180022"/>
+              <a:gd name="connsiteX1" fmla="*/ 0 w 213964"/>
+              <a:gd name="connsiteY1" fmla="*/ 65722 h 180022"/>
+              <a:gd name="connsiteX0" fmla="*/ 164465 w 229572"/>
+              <a:gd name="connsiteY0" fmla="*/ 193785 h 193785"/>
+              <a:gd name="connsiteX1" fmla="*/ 0 w 229572"/>
+              <a:gd name="connsiteY1" fmla="*/ 79485 h 193785"/>
+              <a:gd name="connsiteX0" fmla="*/ 164465 w 233728"/>
+              <a:gd name="connsiteY0" fmla="*/ 210613 h 210613"/>
+              <a:gd name="connsiteX1" fmla="*/ 0 w 233728"/>
+              <a:gd name="connsiteY1" fmla="*/ 96313 h 210613"/>
+            </a:gdLst>
+            <a:ahLst/>
+            <a:cxnLst>
+              <a:cxn ang="0">
+                <a:pos x="connsiteX0" y="connsiteY0"/>
+              </a:cxn>
+              <a:cxn ang="0">
+                <a:pos x="connsiteX1" y="connsiteY1"/>
+              </a:cxn>
+            </a:cxnLst>
+            <a:rect l="l" t="t" r="r" b="b"/>
+            <a:pathLst>
+              <a:path w="233728" h="210613">
+                <a:moveTo>
+                  <a:pt x="164465" y="210613"/>
+                </a:moveTo>
+                <a:cubicBezTo>
+                  <a:pt x="361103" y="103933"/>
+                  <a:pt x="85302" y="-132287"/>
+                  <a:pt x="0" y="96313"/>
+                </a:cubicBezTo>
+              </a:path>
+            </a:pathLst>
+          </a:custGeom>
+          <a:ln>
+            <a:headEnd type="triangle" w="med" len="med"/>
+            <a:tailEnd type="none" w="med" len="med"/>
+          </a:ln>
+        </p:spPr>
+        <p:style>
+          <a:lnRef idx="1">
+            <a:schemeClr val="accent2"/>
+          </a:lnRef>
+          <a:fillRef idx="0">
+            <a:schemeClr val="accent2"/>
+          </a:fillRef>
+          <a:effectRef idx="0">
+            <a:schemeClr val="accent2"/>
+          </a:effectRef>
+          <a:fontRef idx="minor">
+            <a:schemeClr val="tx1"/>
+          </a:fontRef>
+        </p:style>
+        <p:txBody>
+          <a:bodyPr rtlCol="0" anchor="ctr"/>
+          <a:lstStyle/>
+          <a:p>
+            <a:pPr algn="ctr"/>
+            <a:endParaRPr lang="en-US"/>
+          </a:p>
+        </p:txBody>
+      </p:sp>
+      <p:sp>
+        <p:nvSpPr>
+          <p:cNvPr id="147" name="TextBox 146">
+            <a:extLst>
+              <a:ext uri="{FF2B5EF4-FFF2-40B4-BE49-F238E27FC236}">
+                <a16:creationId xmlns:a16="http://schemas.microsoft.com/office/drawing/2014/main" id="{3EC175C6-BD4C-4583-9518-E4B5E9B4F199}"/>
+              </a:ext>
+            </a:extLst>
+          </p:cNvPr>
+          <p:cNvSpPr txBox="1"/>
+          <p:nvPr/>
+        </p:nvSpPr>
+        <p:spPr>
+          <a:xfrm>
+            <a:off x="3853799" y="3053097"/>
+            <a:ext cx="233414" cy="138498"/>
+          </a:xfrm>
+          <a:prstGeom prst="rect">
+            <a:avLst/>
+          </a:prstGeom>
+          <a:noFill/>
+          <a:ln>
+            <a:noFill/>
+          </a:ln>
+        </p:spPr>
+        <p:txBody>
+          <a:bodyPr wrap="square" lIns="0" tIns="0" rIns="0" bIns="0" rtlCol="0">
+            <a:spAutoFit/>
+          </a:bodyPr>
+          <a:lstStyle/>
+          <a:p>
+            <a:r>
+              <a:rPr lang="en-US" sz="900" dirty="0"/>
+              <a:t>θ</a:t>
+            </a:r>
+            <a:r>
+              <a:rPr lang="en-US" sz="900" baseline="-25000" dirty="0"/>
+              <a:t>3</a:t>
+            </a:r>
+          </a:p>
+        </p:txBody>
+      </p:sp>
+      <p:sp>
+        <p:nvSpPr>
+          <p:cNvPr id="148" name="Freeform 39">
+            <a:extLst>
+              <a:ext uri="{FF2B5EF4-FFF2-40B4-BE49-F238E27FC236}">
+                <a16:creationId xmlns:a16="http://schemas.microsoft.com/office/drawing/2014/main" id="{BBB98335-521B-4C90-BD55-AECF441EA443}"/>
+              </a:ext>
+            </a:extLst>
+          </p:cNvPr>
+          <p:cNvSpPr/>
+          <p:nvPr/>
+        </p:nvSpPr>
+        <p:spPr>
+          <a:xfrm>
+            <a:off x="5415749" y="3218334"/>
+            <a:ext cx="233728" cy="210613"/>
+          </a:xfrm>
+          <a:custGeom>
+            <a:avLst/>
+            <a:gdLst>
+              <a:gd name="connsiteX0" fmla="*/ 0 w 147545"/>
+              <a:gd name="connsiteY0" fmla="*/ 0 h 212781"/>
+              <a:gd name="connsiteX1" fmla="*/ 146050 w 147545"/>
+              <a:gd name="connsiteY1" fmla="*/ 200025 h 212781"/>
+              <a:gd name="connsiteX2" fmla="*/ 79375 w 147545"/>
+              <a:gd name="connsiteY2" fmla="*/ 203200 h 212781"/>
+              <a:gd name="connsiteX0" fmla="*/ 0 w 153794"/>
+              <a:gd name="connsiteY0" fmla="*/ 0 h 203200"/>
+              <a:gd name="connsiteX1" fmla="*/ 152400 w 153794"/>
+              <a:gd name="connsiteY1" fmla="*/ 66675 h 203200"/>
+              <a:gd name="connsiteX2" fmla="*/ 79375 w 153794"/>
+              <a:gd name="connsiteY2" fmla="*/ 203200 h 203200"/>
+              <a:gd name="connsiteX0" fmla="*/ 0 w 79375"/>
+              <a:gd name="connsiteY0" fmla="*/ 0 h 203200"/>
+              <a:gd name="connsiteX1" fmla="*/ 79375 w 79375"/>
+              <a:gd name="connsiteY1" fmla="*/ 203200 h 203200"/>
+              <a:gd name="connsiteX0" fmla="*/ 0 w 142919"/>
+              <a:gd name="connsiteY0" fmla="*/ 0 h 203200"/>
+              <a:gd name="connsiteX1" fmla="*/ 79375 w 142919"/>
+              <a:gd name="connsiteY1" fmla="*/ 203200 h 203200"/>
+              <a:gd name="connsiteX0" fmla="*/ 0 w 186211"/>
+              <a:gd name="connsiteY0" fmla="*/ 0 h 203200"/>
+              <a:gd name="connsiteX1" fmla="*/ 79375 w 186211"/>
+              <a:gd name="connsiteY1" fmla="*/ 203200 h 203200"/>
+              <a:gd name="connsiteX0" fmla="*/ 0 w 125812"/>
+              <a:gd name="connsiteY0" fmla="*/ 0 h 203200"/>
+              <a:gd name="connsiteX1" fmla="*/ 79375 w 125812"/>
+              <a:gd name="connsiteY1" fmla="*/ 203200 h 203200"/>
+              <a:gd name="connsiteX0" fmla="*/ 0 w 122234"/>
+              <a:gd name="connsiteY0" fmla="*/ 1233 h 204433"/>
+              <a:gd name="connsiteX1" fmla="*/ 79375 w 122234"/>
+              <a:gd name="connsiteY1" fmla="*/ 204433 h 204433"/>
+              <a:gd name="connsiteX0" fmla="*/ 0 w 148382"/>
+              <a:gd name="connsiteY0" fmla="*/ 1233 h 204433"/>
+              <a:gd name="connsiteX1" fmla="*/ 111125 w 148382"/>
+              <a:gd name="connsiteY1" fmla="*/ 204433 h 204433"/>
+              <a:gd name="connsiteX0" fmla="*/ 0 w 401382"/>
+              <a:gd name="connsiteY0" fmla="*/ 531 h 381531"/>
+              <a:gd name="connsiteX1" fmla="*/ 384175 w 401382"/>
+              <a:gd name="connsiteY1" fmla="*/ 381531 h 381531"/>
+              <a:gd name="connsiteX0" fmla="*/ 0 w 384477"/>
+              <a:gd name="connsiteY0" fmla="*/ 918 h 381918"/>
+              <a:gd name="connsiteX1" fmla="*/ 384175 w 384477"/>
+              <a:gd name="connsiteY1" fmla="*/ 381918 h 381918"/>
+              <a:gd name="connsiteX0" fmla="*/ 0 w 384857"/>
+              <a:gd name="connsiteY0" fmla="*/ 322 h 381322"/>
+              <a:gd name="connsiteX1" fmla="*/ 384175 w 384857"/>
+              <a:gd name="connsiteY1" fmla="*/ 381322 h 381322"/>
+              <a:gd name="connsiteX0" fmla="*/ 111125 w 204558"/>
+              <a:gd name="connsiteY0" fmla="*/ 322 h 381322"/>
+              <a:gd name="connsiteX1" fmla="*/ 0 w 204558"/>
+              <a:gd name="connsiteY1" fmla="*/ 381322 h 381322"/>
+              <a:gd name="connsiteX0" fmla="*/ 164465 w 249517"/>
+              <a:gd name="connsiteY0" fmla="*/ 194537 h 194537"/>
+              <a:gd name="connsiteX1" fmla="*/ 0 w 249517"/>
+              <a:gd name="connsiteY1" fmla="*/ 80237 h 194537"/>
+              <a:gd name="connsiteX0" fmla="*/ 164465 w 250515"/>
+              <a:gd name="connsiteY0" fmla="*/ 217328 h 217328"/>
+              <a:gd name="connsiteX1" fmla="*/ 0 w 250515"/>
+              <a:gd name="connsiteY1" fmla="*/ 103028 h 217328"/>
+              <a:gd name="connsiteX0" fmla="*/ 164465 w 247346"/>
+              <a:gd name="connsiteY0" fmla="*/ 233345 h 233345"/>
+              <a:gd name="connsiteX1" fmla="*/ 0 w 247346"/>
+              <a:gd name="connsiteY1" fmla="*/ 119045 h 233345"/>
+              <a:gd name="connsiteX0" fmla="*/ 164465 w 279975"/>
+              <a:gd name="connsiteY0" fmla="*/ 231919 h 231919"/>
+              <a:gd name="connsiteX1" fmla="*/ 231536 w 279975"/>
+              <a:gd name="connsiteY1" fmla="*/ 178015 h 231919"/>
+              <a:gd name="connsiteX2" fmla="*/ 0 w 279975"/>
+              <a:gd name="connsiteY2" fmla="*/ 117619 h 231919"/>
+              <a:gd name="connsiteX0" fmla="*/ 164465 w 164465"/>
+              <a:gd name="connsiteY0" fmla="*/ 114300 h 114300"/>
+              <a:gd name="connsiteX1" fmla="*/ 0 w 164465"/>
+              <a:gd name="connsiteY1" fmla="*/ 0 h 114300"/>
+              <a:gd name="connsiteX0" fmla="*/ 164465 w 164465"/>
+              <a:gd name="connsiteY0" fmla="*/ 175746 h 175746"/>
+              <a:gd name="connsiteX1" fmla="*/ 0 w 164465"/>
+              <a:gd name="connsiteY1" fmla="*/ 61446 h 175746"/>
+              <a:gd name="connsiteX0" fmla="*/ 164465 w 186759"/>
+              <a:gd name="connsiteY0" fmla="*/ 188516 h 188516"/>
+              <a:gd name="connsiteX1" fmla="*/ 0 w 186759"/>
+              <a:gd name="connsiteY1" fmla="*/ 74216 h 188516"/>
+              <a:gd name="connsiteX0" fmla="*/ 164465 w 212404"/>
+              <a:gd name="connsiteY0" fmla="*/ 178008 h 178008"/>
+              <a:gd name="connsiteX1" fmla="*/ 0 w 212404"/>
+              <a:gd name="connsiteY1" fmla="*/ 63708 h 178008"/>
+              <a:gd name="connsiteX0" fmla="*/ 164465 w 225547"/>
+              <a:gd name="connsiteY0" fmla="*/ 173616 h 173616"/>
+              <a:gd name="connsiteX1" fmla="*/ 0 w 225547"/>
+              <a:gd name="connsiteY1" fmla="*/ 59316 h 173616"/>
+              <a:gd name="connsiteX0" fmla="*/ 164465 w 213964"/>
+              <a:gd name="connsiteY0" fmla="*/ 180022 h 180022"/>
+              <a:gd name="connsiteX1" fmla="*/ 0 w 213964"/>
+              <a:gd name="connsiteY1" fmla="*/ 65722 h 180022"/>
+              <a:gd name="connsiteX0" fmla="*/ 164465 w 229572"/>
+              <a:gd name="connsiteY0" fmla="*/ 193785 h 193785"/>
+              <a:gd name="connsiteX1" fmla="*/ 0 w 229572"/>
+              <a:gd name="connsiteY1" fmla="*/ 79485 h 193785"/>
+              <a:gd name="connsiteX0" fmla="*/ 164465 w 233728"/>
+              <a:gd name="connsiteY0" fmla="*/ 210613 h 210613"/>
+              <a:gd name="connsiteX1" fmla="*/ 0 w 233728"/>
+              <a:gd name="connsiteY1" fmla="*/ 96313 h 210613"/>
+            </a:gdLst>
+            <a:ahLst/>
+            <a:cxnLst>
+              <a:cxn ang="0">
+                <a:pos x="connsiteX0" y="connsiteY0"/>
+              </a:cxn>
+              <a:cxn ang="0">
+                <a:pos x="connsiteX1" y="connsiteY1"/>
+              </a:cxn>
+            </a:cxnLst>
+            <a:rect l="l" t="t" r="r" b="b"/>
+            <a:pathLst>
+              <a:path w="233728" h="210613">
+                <a:moveTo>
+                  <a:pt x="164465" y="210613"/>
+                </a:moveTo>
+                <a:cubicBezTo>
+                  <a:pt x="361103" y="103933"/>
+                  <a:pt x="85302" y="-132287"/>
+                  <a:pt x="0" y="96313"/>
+                </a:cubicBezTo>
+              </a:path>
+            </a:pathLst>
+          </a:custGeom>
+          <a:ln>
+            <a:headEnd type="triangle" w="med" len="med"/>
+            <a:tailEnd type="none" w="med" len="med"/>
+          </a:ln>
+        </p:spPr>
+        <p:style>
+          <a:lnRef idx="1">
+            <a:schemeClr val="accent2"/>
+          </a:lnRef>
+          <a:fillRef idx="0">
+            <a:schemeClr val="accent2"/>
+          </a:fillRef>
+          <a:effectRef idx="0">
+            <a:schemeClr val="accent2"/>
+          </a:effectRef>
+          <a:fontRef idx="minor">
+            <a:schemeClr val="tx1"/>
+          </a:fontRef>
+        </p:style>
+        <p:txBody>
+          <a:bodyPr rtlCol="0" anchor="ctr"/>
+          <a:lstStyle/>
+          <a:p>
+            <a:pPr algn="ctr"/>
+            <a:endParaRPr lang="en-US"/>
+          </a:p>
+        </p:txBody>
+      </p:sp>
+      <p:sp>
+        <p:nvSpPr>
+          <p:cNvPr id="149" name="TextBox 148">
+            <a:extLst>
+              <a:ext uri="{FF2B5EF4-FFF2-40B4-BE49-F238E27FC236}">
+                <a16:creationId xmlns:a16="http://schemas.microsoft.com/office/drawing/2014/main" id="{F07A40D0-1174-456B-806F-0CBB04DC61E7}"/>
+              </a:ext>
+            </a:extLst>
+          </p:cNvPr>
+          <p:cNvSpPr txBox="1"/>
+          <p:nvPr/>
+        </p:nvSpPr>
+        <p:spPr>
+          <a:xfrm>
+            <a:off x="5222329" y="3104077"/>
+            <a:ext cx="233414" cy="138498"/>
+          </a:xfrm>
+          <a:prstGeom prst="rect">
+            <a:avLst/>
+          </a:prstGeom>
+          <a:noFill/>
+          <a:ln>
+            <a:noFill/>
+          </a:ln>
+        </p:spPr>
+        <p:txBody>
+          <a:bodyPr wrap="square" lIns="0" tIns="0" rIns="0" bIns="0" rtlCol="0">
+            <a:spAutoFit/>
+          </a:bodyPr>
+          <a:lstStyle/>
+          <a:p>
+            <a:pPr algn="r"/>
+            <a:r>
+              <a:rPr lang="en-US" sz="900" dirty="0"/>
+              <a:t>θ</a:t>
+            </a:r>
+            <a:r>
+              <a:rPr lang="en-US" sz="900" baseline="-25000" dirty="0"/>
+              <a:t>5</a:t>
+            </a:r>
+          </a:p>
+        </p:txBody>
+      </p:sp>
+      <p:sp>
+        <p:nvSpPr>
+          <p:cNvPr id="150" name="Freeform 39">
+            <a:extLst>
+              <a:ext uri="{FF2B5EF4-FFF2-40B4-BE49-F238E27FC236}">
+                <a16:creationId xmlns:a16="http://schemas.microsoft.com/office/drawing/2014/main" id="{72427DED-D9F2-4FF1-84C5-C9994F9F992E}"/>
+              </a:ext>
+            </a:extLst>
+          </p:cNvPr>
+          <p:cNvSpPr/>
+          <p:nvPr/>
+        </p:nvSpPr>
+        <p:spPr>
+          <a:xfrm>
+            <a:off x="7285885" y="3566130"/>
+            <a:ext cx="104282" cy="277929"/>
+          </a:xfrm>
+          <a:custGeom>
+            <a:avLst/>
+            <a:gdLst>
+              <a:gd name="connsiteX0" fmla="*/ 0 w 147545"/>
+              <a:gd name="connsiteY0" fmla="*/ 0 h 212781"/>
+              <a:gd name="connsiteX1" fmla="*/ 146050 w 147545"/>
+              <a:gd name="connsiteY1" fmla="*/ 200025 h 212781"/>
+              <a:gd name="connsiteX2" fmla="*/ 79375 w 147545"/>
+              <a:gd name="connsiteY2" fmla="*/ 203200 h 212781"/>
+              <a:gd name="connsiteX0" fmla="*/ 0 w 153794"/>
+              <a:gd name="connsiteY0" fmla="*/ 0 h 203200"/>
+              <a:gd name="connsiteX1" fmla="*/ 152400 w 153794"/>
+              <a:gd name="connsiteY1" fmla="*/ 66675 h 203200"/>
+              <a:gd name="connsiteX2" fmla="*/ 79375 w 153794"/>
+              <a:gd name="connsiteY2" fmla="*/ 203200 h 203200"/>
+              <a:gd name="connsiteX0" fmla="*/ 0 w 79375"/>
+              <a:gd name="connsiteY0" fmla="*/ 0 h 203200"/>
+              <a:gd name="connsiteX1" fmla="*/ 79375 w 79375"/>
+              <a:gd name="connsiteY1" fmla="*/ 203200 h 203200"/>
+              <a:gd name="connsiteX0" fmla="*/ 0 w 142919"/>
+              <a:gd name="connsiteY0" fmla="*/ 0 h 203200"/>
+              <a:gd name="connsiteX1" fmla="*/ 79375 w 142919"/>
+              <a:gd name="connsiteY1" fmla="*/ 203200 h 203200"/>
+              <a:gd name="connsiteX0" fmla="*/ 0 w 186211"/>
+              <a:gd name="connsiteY0" fmla="*/ 0 h 203200"/>
+              <a:gd name="connsiteX1" fmla="*/ 79375 w 186211"/>
+              <a:gd name="connsiteY1" fmla="*/ 203200 h 203200"/>
+              <a:gd name="connsiteX0" fmla="*/ 0 w 125812"/>
+              <a:gd name="connsiteY0" fmla="*/ 0 h 203200"/>
+              <a:gd name="connsiteX1" fmla="*/ 79375 w 125812"/>
+              <a:gd name="connsiteY1" fmla="*/ 203200 h 203200"/>
+              <a:gd name="connsiteX0" fmla="*/ 0 w 122234"/>
+              <a:gd name="connsiteY0" fmla="*/ 1233 h 204433"/>
+              <a:gd name="connsiteX1" fmla="*/ 79375 w 122234"/>
+              <a:gd name="connsiteY1" fmla="*/ 204433 h 204433"/>
+              <a:gd name="connsiteX0" fmla="*/ 0 w 148382"/>
+              <a:gd name="connsiteY0" fmla="*/ 1233 h 204433"/>
+              <a:gd name="connsiteX1" fmla="*/ 111125 w 148382"/>
+              <a:gd name="connsiteY1" fmla="*/ 204433 h 204433"/>
+              <a:gd name="connsiteX0" fmla="*/ 0 w 401382"/>
+              <a:gd name="connsiteY0" fmla="*/ 531 h 381531"/>
+              <a:gd name="connsiteX1" fmla="*/ 384175 w 401382"/>
+              <a:gd name="connsiteY1" fmla="*/ 381531 h 381531"/>
+              <a:gd name="connsiteX0" fmla="*/ 0 w 384477"/>
+              <a:gd name="connsiteY0" fmla="*/ 918 h 381918"/>
+              <a:gd name="connsiteX1" fmla="*/ 384175 w 384477"/>
+              <a:gd name="connsiteY1" fmla="*/ 381918 h 381918"/>
+              <a:gd name="connsiteX0" fmla="*/ 0 w 384857"/>
+              <a:gd name="connsiteY0" fmla="*/ 322 h 381322"/>
+              <a:gd name="connsiteX1" fmla="*/ 384175 w 384857"/>
+              <a:gd name="connsiteY1" fmla="*/ 381322 h 381322"/>
+              <a:gd name="connsiteX0" fmla="*/ 111125 w 204558"/>
+              <a:gd name="connsiteY0" fmla="*/ 322 h 381322"/>
+              <a:gd name="connsiteX1" fmla="*/ 0 w 204558"/>
+              <a:gd name="connsiteY1" fmla="*/ 381322 h 381322"/>
+              <a:gd name="connsiteX0" fmla="*/ 164465 w 249517"/>
+              <a:gd name="connsiteY0" fmla="*/ 194537 h 194537"/>
+              <a:gd name="connsiteX1" fmla="*/ 0 w 249517"/>
+              <a:gd name="connsiteY1" fmla="*/ 80237 h 194537"/>
+              <a:gd name="connsiteX0" fmla="*/ 164465 w 250515"/>
+              <a:gd name="connsiteY0" fmla="*/ 217328 h 217328"/>
+              <a:gd name="connsiteX1" fmla="*/ 0 w 250515"/>
+              <a:gd name="connsiteY1" fmla="*/ 103028 h 217328"/>
+              <a:gd name="connsiteX0" fmla="*/ 164465 w 247346"/>
+              <a:gd name="connsiteY0" fmla="*/ 233345 h 233345"/>
+              <a:gd name="connsiteX1" fmla="*/ 0 w 247346"/>
+              <a:gd name="connsiteY1" fmla="*/ 119045 h 233345"/>
+              <a:gd name="connsiteX0" fmla="*/ 164465 w 279975"/>
+              <a:gd name="connsiteY0" fmla="*/ 231919 h 231919"/>
+              <a:gd name="connsiteX1" fmla="*/ 231536 w 279975"/>
+              <a:gd name="connsiteY1" fmla="*/ 178015 h 231919"/>
+              <a:gd name="connsiteX2" fmla="*/ 0 w 279975"/>
+              <a:gd name="connsiteY2" fmla="*/ 117619 h 231919"/>
+              <a:gd name="connsiteX0" fmla="*/ 164465 w 164465"/>
+              <a:gd name="connsiteY0" fmla="*/ 114300 h 114300"/>
+              <a:gd name="connsiteX1" fmla="*/ 0 w 164465"/>
+              <a:gd name="connsiteY1" fmla="*/ 0 h 114300"/>
+              <a:gd name="connsiteX0" fmla="*/ 164465 w 164465"/>
+              <a:gd name="connsiteY0" fmla="*/ 175746 h 175746"/>
+              <a:gd name="connsiteX1" fmla="*/ 0 w 164465"/>
+              <a:gd name="connsiteY1" fmla="*/ 61446 h 175746"/>
+              <a:gd name="connsiteX0" fmla="*/ 164465 w 186759"/>
+              <a:gd name="connsiteY0" fmla="*/ 188516 h 188516"/>
+              <a:gd name="connsiteX1" fmla="*/ 0 w 186759"/>
+              <a:gd name="connsiteY1" fmla="*/ 74216 h 188516"/>
+              <a:gd name="connsiteX0" fmla="*/ 164465 w 212404"/>
+              <a:gd name="connsiteY0" fmla="*/ 178008 h 178008"/>
+              <a:gd name="connsiteX1" fmla="*/ 0 w 212404"/>
+              <a:gd name="connsiteY1" fmla="*/ 63708 h 178008"/>
+              <a:gd name="connsiteX0" fmla="*/ 164465 w 225547"/>
+              <a:gd name="connsiteY0" fmla="*/ 173616 h 173616"/>
+              <a:gd name="connsiteX1" fmla="*/ 0 w 225547"/>
+              <a:gd name="connsiteY1" fmla="*/ 59316 h 173616"/>
+              <a:gd name="connsiteX0" fmla="*/ 164465 w 213964"/>
+              <a:gd name="connsiteY0" fmla="*/ 180022 h 180022"/>
+              <a:gd name="connsiteX1" fmla="*/ 0 w 213964"/>
+              <a:gd name="connsiteY1" fmla="*/ 65722 h 180022"/>
+              <a:gd name="connsiteX0" fmla="*/ 164465 w 229572"/>
+              <a:gd name="connsiteY0" fmla="*/ 193785 h 193785"/>
+              <a:gd name="connsiteX1" fmla="*/ 0 w 229572"/>
+              <a:gd name="connsiteY1" fmla="*/ 79485 h 193785"/>
+              <a:gd name="connsiteX0" fmla="*/ 164465 w 233728"/>
+              <a:gd name="connsiteY0" fmla="*/ 210613 h 210613"/>
+              <a:gd name="connsiteX1" fmla="*/ 0 w 233728"/>
+              <a:gd name="connsiteY1" fmla="*/ 96313 h 210613"/>
+              <a:gd name="connsiteX0" fmla="*/ 0 w 110751"/>
+              <a:gd name="connsiteY0" fmla="*/ 285038 h 285038"/>
+              <a:gd name="connsiteX1" fmla="*/ 3175 w 110751"/>
+              <a:gd name="connsiteY1" fmla="*/ 79298 h 285038"/>
+              <a:gd name="connsiteX0" fmla="*/ 0 w 117262"/>
+              <a:gd name="connsiteY0" fmla="*/ 269202 h 270645"/>
+              <a:gd name="connsiteX1" fmla="*/ 3175 w 117262"/>
+              <a:gd name="connsiteY1" fmla="*/ 63462 h 270645"/>
+              <a:gd name="connsiteX0" fmla="*/ 0 w 104282"/>
+              <a:gd name="connsiteY0" fmla="*/ 262066 h 277929"/>
+              <a:gd name="connsiteX1" fmla="*/ 3175 w 104282"/>
+              <a:gd name="connsiteY1" fmla="*/ 56326 h 277929"/>
+            </a:gdLst>
+            <a:ahLst/>
+            <a:cxnLst>
+              <a:cxn ang="0">
+                <a:pos x="connsiteX0" y="connsiteY0"/>
+              </a:cxn>
+              <a:cxn ang="0">
+                <a:pos x="connsiteX1" y="connsiteY1"/>
+              </a:cxn>
+            </a:cxnLst>
+            <a:rect l="l" t="t" r="r" b="b"/>
+            <a:pathLst>
+              <a:path w="104282" h="277929">
+                <a:moveTo>
+                  <a:pt x="0" y="262066"/>
+                </a:moveTo>
+                <a:cubicBezTo>
+                  <a:pt x="181398" y="376366"/>
+                  <a:pt x="88477" y="-172274"/>
+                  <a:pt x="3175" y="56326"/>
+                </a:cubicBezTo>
+              </a:path>
+            </a:pathLst>
+          </a:custGeom>
+          <a:ln>
+            <a:headEnd type="triangle" w="med" len="med"/>
+            <a:tailEnd type="none" w="med" len="med"/>
+          </a:ln>
+        </p:spPr>
+        <p:style>
+          <a:lnRef idx="1">
+            <a:schemeClr val="accent2"/>
+          </a:lnRef>
+          <a:fillRef idx="0">
+            <a:schemeClr val="accent2"/>
+          </a:fillRef>
+          <a:effectRef idx="0">
+            <a:schemeClr val="accent2"/>
+          </a:effectRef>
+          <a:fontRef idx="minor">
+            <a:schemeClr val="tx1"/>
+          </a:fontRef>
+        </p:style>
+        <p:txBody>
+          <a:bodyPr rtlCol="0" anchor="ctr"/>
+          <a:lstStyle/>
+          <a:p>
+            <a:pPr algn="ctr"/>
+            <a:endParaRPr lang="en-US"/>
+          </a:p>
+        </p:txBody>
+      </p:sp>
+      <p:sp>
+        <p:nvSpPr>
+          <p:cNvPr id="151" name="TextBox 150">
+            <a:extLst>
+              <a:ext uri="{FF2B5EF4-FFF2-40B4-BE49-F238E27FC236}">
+                <a16:creationId xmlns:a16="http://schemas.microsoft.com/office/drawing/2014/main" id="{BBFCC966-C798-4A97-935B-EB8BA1396551}"/>
+              </a:ext>
+            </a:extLst>
+          </p:cNvPr>
+          <p:cNvSpPr txBox="1"/>
+          <p:nvPr/>
+        </p:nvSpPr>
+        <p:spPr>
+          <a:xfrm>
+            <a:off x="6827653" y="3399782"/>
+            <a:ext cx="674333" cy="138499"/>
+          </a:xfrm>
+          <a:prstGeom prst="rect">
+            <a:avLst/>
+          </a:prstGeom>
+          <a:noFill/>
+          <a:ln>
+            <a:noFill/>
+          </a:ln>
+        </p:spPr>
+        <p:txBody>
+          <a:bodyPr wrap="square" lIns="0" tIns="0" rIns="0" bIns="0" rtlCol="0">
+            <a:spAutoFit/>
+          </a:bodyPr>
+          <a:lstStyle/>
+          <a:p>
+            <a:pPr algn="r"/>
+            <a:r>
+              <a:rPr lang="en-US" sz="900" dirty="0"/>
+              <a:t>θ</a:t>
+            </a:r>
+            <a:r>
+              <a:rPr lang="en-US" sz="900" baseline="-25000" dirty="0"/>
+              <a:t>4</a:t>
+            </a:r>
+            <a:r>
+              <a:rPr lang="en-US" sz="900" dirty="0"/>
+              <a:t>,θ</a:t>
+            </a:r>
+            <a:r>
+              <a:rPr lang="en-US" sz="900" baseline="-25000" dirty="0"/>
+              <a:t>6</a:t>
+            </a:r>
+            <a:r>
+              <a:rPr lang="en-US" sz="900" dirty="0"/>
+              <a:t>,θ</a:t>
+            </a:r>
+            <a:r>
+              <a:rPr lang="en-US" sz="900" baseline="-25000" dirty="0"/>
+              <a:t>7</a:t>
+            </a:r>
+          </a:p>
+        </p:txBody>
+      </p:sp>
+      <p:sp>
+        <p:nvSpPr>
+          <p:cNvPr id="153" name="Rectangle 152">
+            <a:extLst>
+              <a:ext uri="{FF2B5EF4-FFF2-40B4-BE49-F238E27FC236}">
+                <a16:creationId xmlns:a16="http://schemas.microsoft.com/office/drawing/2014/main" id="{E131CA57-F77F-4ED2-B61E-3920497EAFA2}"/>
+              </a:ext>
+            </a:extLst>
+          </p:cNvPr>
+          <p:cNvSpPr/>
+          <p:nvPr/>
+        </p:nvSpPr>
+        <p:spPr>
+          <a:xfrm>
+            <a:off x="8645911" y="1936829"/>
+            <a:ext cx="1662364" cy="276999"/>
+          </a:xfrm>
+          <a:prstGeom prst="rect">
+            <a:avLst/>
+          </a:prstGeom>
+        </p:spPr>
+        <p:txBody>
+          <a:bodyPr wrap="square">
+            <a:spAutoFit/>
+          </a:bodyPr>
+          <a:lstStyle/>
+          <a:p>
+            <a:r>
+              <a:rPr lang="en-GB" sz="600" dirty="0"/>
+              <a:t>a is along Z axis on XY plane</a:t>
+            </a:r>
+          </a:p>
+          <a:p>
+            <a:r>
+              <a:rPr lang="en-GB" sz="600" dirty="0"/>
+              <a:t>d is along X axis on YZ plane </a:t>
+            </a:r>
+          </a:p>
+        </p:txBody>
+      </p:sp>
+      <p:sp>
+        <p:nvSpPr>
+          <p:cNvPr id="154" name="TextBox 153">
+            <a:extLst>
+              <a:ext uri="{FF2B5EF4-FFF2-40B4-BE49-F238E27FC236}">
+                <a16:creationId xmlns:a16="http://schemas.microsoft.com/office/drawing/2014/main" id="{9E72D121-41FC-4CF6-AACF-4C36C2AEE892}"/>
+              </a:ext>
+            </a:extLst>
+          </p:cNvPr>
+          <p:cNvSpPr txBox="1"/>
+          <p:nvPr/>
+        </p:nvSpPr>
+        <p:spPr>
+          <a:xfrm>
+            <a:off x="3239810" y="4967749"/>
+            <a:ext cx="674718" cy="138499"/>
+          </a:xfrm>
+          <a:prstGeom prst="rect">
+            <a:avLst/>
+          </a:prstGeom>
+          <a:noFill/>
+          <a:ln>
+            <a:noFill/>
+          </a:ln>
+        </p:spPr>
+        <p:txBody>
+          <a:bodyPr wrap="square" lIns="0" tIns="0" rIns="0" bIns="0" rtlCol="0">
+            <a:spAutoFit/>
+          </a:bodyPr>
+          <a:lstStyle/>
+          <a:p>
+            <a:r>
+              <a:rPr lang="en-US" sz="900" dirty="0"/>
+              <a:t>a</a:t>
+            </a:r>
+            <a:r>
+              <a:rPr lang="en-US" sz="900" baseline="-25000" dirty="0"/>
+              <a:t>1</a:t>
+            </a:r>
+          </a:p>
+        </p:txBody>
+      </p:sp>
+      <p:sp>
+        <p:nvSpPr>
+          <p:cNvPr id="155" name="Freeform: Shape 154">
+            <a:extLst>
+              <a:ext uri="{FF2B5EF4-FFF2-40B4-BE49-F238E27FC236}">
+                <a16:creationId xmlns:a16="http://schemas.microsoft.com/office/drawing/2014/main" id="{695479FA-8CE6-44BA-8265-7F7D6D429C03}"/>
+              </a:ext>
+            </a:extLst>
+          </p:cNvPr>
+          <p:cNvSpPr/>
+          <p:nvPr/>
+        </p:nvSpPr>
+        <p:spPr>
+          <a:xfrm>
+            <a:off x="2858574" y="4544984"/>
+            <a:ext cx="386233" cy="440690"/>
+          </a:xfrm>
+          <a:custGeom>
+            <a:avLst/>
+            <a:gdLst>
+              <a:gd name="connsiteX0" fmla="*/ 233032 w 233032"/>
+              <a:gd name="connsiteY0" fmla="*/ 357021 h 357021"/>
+              <a:gd name="connsiteX1" fmla="*/ 131432 w 233032"/>
+              <a:gd name="connsiteY1" fmla="*/ 71271 h 357021"/>
+              <a:gd name="connsiteX2" fmla="*/ 4432 w 233032"/>
+              <a:gd name="connsiteY2" fmla="*/ 33171 h 357021"/>
+              <a:gd name="connsiteX0" fmla="*/ 231163 w 242872"/>
+              <a:gd name="connsiteY0" fmla="*/ 351260 h 351260"/>
+              <a:gd name="connsiteX1" fmla="*/ 231163 w 242872"/>
+              <a:gd name="connsiteY1" fmla="*/ 90910 h 351260"/>
+              <a:gd name="connsiteX2" fmla="*/ 2563 w 242872"/>
+              <a:gd name="connsiteY2" fmla="*/ 27410 h 351260"/>
+              <a:gd name="connsiteX0" fmla="*/ 199358 w 238024"/>
+              <a:gd name="connsiteY0" fmla="*/ 370854 h 370854"/>
+              <a:gd name="connsiteX1" fmla="*/ 231108 w 238024"/>
+              <a:gd name="connsiteY1" fmla="*/ 91454 h 370854"/>
+              <a:gd name="connsiteX2" fmla="*/ 2508 w 238024"/>
+              <a:gd name="connsiteY2" fmla="*/ 27954 h 370854"/>
+              <a:gd name="connsiteX0" fmla="*/ 196850 w 196850"/>
+              <a:gd name="connsiteY0" fmla="*/ 342900 h 342900"/>
+              <a:gd name="connsiteX1" fmla="*/ 0 w 196850"/>
+              <a:gd name="connsiteY1" fmla="*/ 0 h 342900"/>
+              <a:gd name="connsiteX0" fmla="*/ 196850 w 246998"/>
+              <a:gd name="connsiteY0" fmla="*/ 342900 h 342900"/>
+              <a:gd name="connsiteX1" fmla="*/ 0 w 246998"/>
+              <a:gd name="connsiteY1" fmla="*/ 0 h 342900"/>
+              <a:gd name="connsiteX0" fmla="*/ 196850 w 355599"/>
+              <a:gd name="connsiteY0" fmla="*/ 342900 h 342900"/>
+              <a:gd name="connsiteX1" fmla="*/ 355599 w 355599"/>
+              <a:gd name="connsiteY1" fmla="*/ 63499 h 342900"/>
+              <a:gd name="connsiteX2" fmla="*/ 0 w 355599"/>
+              <a:gd name="connsiteY2" fmla="*/ 0 h 342900"/>
+              <a:gd name="connsiteX0" fmla="*/ 196850 w 366814"/>
+              <a:gd name="connsiteY0" fmla="*/ 342900 h 342900"/>
+              <a:gd name="connsiteX1" fmla="*/ 355599 w 366814"/>
+              <a:gd name="connsiteY1" fmla="*/ 63499 h 342900"/>
+              <a:gd name="connsiteX2" fmla="*/ 0 w 366814"/>
+              <a:gd name="connsiteY2" fmla="*/ 0 h 342900"/>
+              <a:gd name="connsiteX0" fmla="*/ 196850 w 196850"/>
+              <a:gd name="connsiteY0" fmla="*/ 342900 h 342900"/>
+              <a:gd name="connsiteX1" fmla="*/ 0 w 196850"/>
+              <a:gd name="connsiteY1" fmla="*/ 0 h 342900"/>
+              <a:gd name="connsiteX0" fmla="*/ 196850 w 196850"/>
+              <a:gd name="connsiteY0" fmla="*/ 342900 h 342900"/>
+              <a:gd name="connsiteX1" fmla="*/ 0 w 196850"/>
+              <a:gd name="connsiteY1" fmla="*/ 0 h 342900"/>
+              <a:gd name="connsiteX0" fmla="*/ 196850 w 412753"/>
+              <a:gd name="connsiteY0" fmla="*/ 342900 h 342900"/>
+              <a:gd name="connsiteX1" fmla="*/ 412748 w 412753"/>
+              <a:gd name="connsiteY1" fmla="*/ 215899 h 342900"/>
+              <a:gd name="connsiteX2" fmla="*/ 0 w 412753"/>
+              <a:gd name="connsiteY2" fmla="*/ 0 h 342900"/>
+              <a:gd name="connsiteX0" fmla="*/ 196850 w 196850"/>
+              <a:gd name="connsiteY0" fmla="*/ 342900 h 342900"/>
+              <a:gd name="connsiteX1" fmla="*/ 0 w 196850"/>
+              <a:gd name="connsiteY1" fmla="*/ 0 h 342900"/>
+              <a:gd name="connsiteX0" fmla="*/ 539750 w 539750"/>
+              <a:gd name="connsiteY0" fmla="*/ 317500 h 317500"/>
+              <a:gd name="connsiteX1" fmla="*/ 0 w 539750"/>
+              <a:gd name="connsiteY1" fmla="*/ 0 h 317500"/>
+              <a:gd name="connsiteX0" fmla="*/ 539750 w 539750"/>
+              <a:gd name="connsiteY0" fmla="*/ 317500 h 317500"/>
+              <a:gd name="connsiteX1" fmla="*/ 0 w 539750"/>
+              <a:gd name="connsiteY1" fmla="*/ 0 h 317500"/>
+              <a:gd name="connsiteX0" fmla="*/ 539750 w 539750"/>
+              <a:gd name="connsiteY0" fmla="*/ 317500 h 317500"/>
+              <a:gd name="connsiteX1" fmla="*/ 0 w 539750"/>
+              <a:gd name="connsiteY1" fmla="*/ 0 h 317500"/>
+              <a:gd name="connsiteX0" fmla="*/ 520700 w 520700"/>
+              <a:gd name="connsiteY0" fmla="*/ 273050 h 273050"/>
+              <a:gd name="connsiteX1" fmla="*/ 0 w 520700"/>
+              <a:gd name="connsiteY1" fmla="*/ 0 h 273050"/>
+              <a:gd name="connsiteX0" fmla="*/ 520700 w 520700"/>
+              <a:gd name="connsiteY0" fmla="*/ 273050 h 273050"/>
+              <a:gd name="connsiteX1" fmla="*/ 0 w 520700"/>
+              <a:gd name="connsiteY1" fmla="*/ 0 h 273050"/>
+              <a:gd name="connsiteX0" fmla="*/ 383540 w 383540"/>
+              <a:gd name="connsiteY0" fmla="*/ 440690 h 440690"/>
+              <a:gd name="connsiteX1" fmla="*/ 0 w 383540"/>
+              <a:gd name="connsiteY1" fmla="*/ 0 h 440690"/>
+              <a:gd name="connsiteX0" fmla="*/ 383540 w 383540"/>
+              <a:gd name="connsiteY0" fmla="*/ 440690 h 440690"/>
+              <a:gd name="connsiteX1" fmla="*/ 0 w 383540"/>
+              <a:gd name="connsiteY1" fmla="*/ 0 h 440690"/>
+              <a:gd name="connsiteX0" fmla="*/ 383540 w 386233"/>
+              <a:gd name="connsiteY0" fmla="*/ 440690 h 440690"/>
+              <a:gd name="connsiteX1" fmla="*/ 0 w 386233"/>
+              <a:gd name="connsiteY1" fmla="*/ 0 h 440690"/>
+              <a:gd name="connsiteX0" fmla="*/ 383540 w 386233"/>
+              <a:gd name="connsiteY0" fmla="*/ 440690 h 440690"/>
+              <a:gd name="connsiteX1" fmla="*/ 0 w 386233"/>
+              <a:gd name="connsiteY1" fmla="*/ 0 h 440690"/>
+            </a:gdLst>
+            <a:ahLst/>
+            <a:cxnLst>
+              <a:cxn ang="0">
+                <a:pos x="connsiteX0" y="connsiteY0"/>
+              </a:cxn>
+              <a:cxn ang="0">
+                <a:pos x="connsiteX1" y="connsiteY1"/>
+              </a:cxn>
+            </a:cxnLst>
+            <a:rect l="l" t="t" r="r" b="b"/>
+            <a:pathLst>
+              <a:path w="386233" h="440690">
+                <a:moveTo>
+                  <a:pt x="383540" y="440690"/>
+                </a:moveTo>
+                <a:cubicBezTo>
+                  <a:pt x="422063" y="187537"/>
+                  <a:pt x="35137" y="260773"/>
+                  <a:pt x="0" y="0"/>
+                </a:cubicBezTo>
+              </a:path>
+            </a:pathLst>
+          </a:custGeom>
+          <a:ln>
+            <a:headEnd type="none" w="med" len="med"/>
+            <a:tailEnd type="triangle" w="med" len="med"/>
+          </a:ln>
+        </p:spPr>
+        <p:style>
+          <a:lnRef idx="2">
+            <a:schemeClr val="accent3"/>
+          </a:lnRef>
+          <a:fillRef idx="0">
+            <a:schemeClr val="accent3"/>
+          </a:fillRef>
+          <a:effectRef idx="1">
+            <a:schemeClr val="accent3"/>
+          </a:effectRef>
+          <a:fontRef idx="minor">
+            <a:schemeClr val="tx1"/>
+          </a:fontRef>
+        </p:style>
+        <p:txBody>
+          <a:bodyPr rtlCol="0" anchor="ctr"/>
+          <a:lstStyle/>
+          <a:p>
+            <a:pPr algn="ctr"/>
+            <a:endParaRPr lang="en-GB"/>
+          </a:p>
+        </p:txBody>
+      </p:sp>
+      <p:sp>
+        <p:nvSpPr>
+          <p:cNvPr id="156" name="TextBox 155">
+            <a:extLst>
+              <a:ext uri="{FF2B5EF4-FFF2-40B4-BE49-F238E27FC236}">
+                <a16:creationId xmlns:a16="http://schemas.microsoft.com/office/drawing/2014/main" id="{83D48140-DF94-4F67-8CD3-22A01EC18B95}"/>
+              </a:ext>
+            </a:extLst>
+          </p:cNvPr>
+          <p:cNvSpPr txBox="1"/>
+          <p:nvPr/>
+        </p:nvSpPr>
+        <p:spPr>
+          <a:xfrm>
+            <a:off x="2904549" y="3935691"/>
+            <a:ext cx="674718" cy="138499"/>
+          </a:xfrm>
+          <a:prstGeom prst="rect">
+            <a:avLst/>
+          </a:prstGeom>
+          <a:noFill/>
+          <a:ln>
+            <a:noFill/>
+          </a:ln>
+        </p:spPr>
+        <p:txBody>
+          <a:bodyPr wrap="square" lIns="0" tIns="0" rIns="0" bIns="0" rtlCol="0">
+            <a:spAutoFit/>
+          </a:bodyPr>
+          <a:lstStyle/>
+          <a:p>
+            <a:r>
+              <a:rPr lang="en-US" sz="900" dirty="0"/>
+              <a:t>a</a:t>
+            </a:r>
+            <a:r>
+              <a:rPr lang="en-US" sz="900" baseline="-25000" dirty="0"/>
+              <a:t>2</a:t>
+            </a:r>
+          </a:p>
+        </p:txBody>
+      </p:sp>
+      <p:sp>
+        <p:nvSpPr>
+          <p:cNvPr id="162" name="TextBox 161">
+            <a:extLst>
+              <a:ext uri="{FF2B5EF4-FFF2-40B4-BE49-F238E27FC236}">
+                <a16:creationId xmlns:a16="http://schemas.microsoft.com/office/drawing/2014/main" id="{05E1248A-4252-4CC6-9F4D-BE684BE4637D}"/>
+              </a:ext>
+            </a:extLst>
+          </p:cNvPr>
+          <p:cNvSpPr txBox="1"/>
+          <p:nvPr/>
+        </p:nvSpPr>
+        <p:spPr>
+          <a:xfrm>
+            <a:off x="2348571" y="3472661"/>
+            <a:ext cx="674718" cy="138499"/>
+          </a:xfrm>
+          <a:prstGeom prst="rect">
+            <a:avLst/>
+          </a:prstGeom>
+          <a:noFill/>
+          <a:ln>
+            <a:noFill/>
+          </a:ln>
+        </p:spPr>
+        <p:txBody>
+          <a:bodyPr wrap="square" lIns="0" tIns="0" rIns="0" bIns="0" rtlCol="0">
+            <a:spAutoFit/>
+          </a:bodyPr>
+          <a:lstStyle/>
+          <a:p>
+            <a:r>
+              <a:rPr lang="en-US" sz="900" dirty="0"/>
+              <a:t>a</a:t>
+            </a:r>
+            <a:r>
+              <a:rPr lang="en-US" sz="900" baseline="-25000" dirty="0"/>
+              <a:t>3</a:t>
+            </a:r>
+          </a:p>
+        </p:txBody>
+      </p:sp>
+      <p:cxnSp>
+        <p:nvCxnSpPr>
+          <p:cNvPr id="163" name="Straight Connector 162">
+            <a:extLst>
+              <a:ext uri="{FF2B5EF4-FFF2-40B4-BE49-F238E27FC236}">
+                <a16:creationId xmlns:a16="http://schemas.microsoft.com/office/drawing/2014/main" id="{388DAF94-CC19-4B06-97FD-AF9B3F9C5000}"/>
+              </a:ext>
+            </a:extLst>
+          </p:cNvPr>
+          <p:cNvCxnSpPr>
+            <a:cxnSpLocks/>
+          </p:cNvCxnSpPr>
+          <p:nvPr/>
+        </p:nvCxnSpPr>
+        <p:spPr>
+          <a:xfrm flipV="1">
+            <a:off x="2264599" y="3367888"/>
+            <a:ext cx="0" cy="345607"/>
+          </a:xfrm>
+          <a:prstGeom prst="line">
+            <a:avLst/>
+          </a:prstGeom>
+          <a:ln>
+            <a:prstDash val="sysDash"/>
+            <a:headEnd type="triangle" w="sm" len="med"/>
+            <a:tailEnd type="triangle" w="sm" len="med"/>
+          </a:ln>
+        </p:spPr>
+        <p:style>
+          <a:lnRef idx="1">
+            <a:schemeClr val="accent3"/>
+          </a:lnRef>
+          <a:fillRef idx="0">
+            <a:schemeClr val="accent3"/>
+          </a:fillRef>
+          <a:effectRef idx="0">
+            <a:schemeClr val="accent3"/>
+          </a:effectRef>
+          <a:fontRef idx="minor">
+            <a:schemeClr val="tx1"/>
+          </a:fontRef>
+        </p:style>
+      </p:cxnSp>
+      <p:sp>
+        <p:nvSpPr>
+          <p:cNvPr id="167" name="Freeform: Shape 166">
+            <a:extLst>
+              <a:ext uri="{FF2B5EF4-FFF2-40B4-BE49-F238E27FC236}">
+                <a16:creationId xmlns:a16="http://schemas.microsoft.com/office/drawing/2014/main" id="{3832CBD0-B7F4-41D6-A588-C9D6B62BD017}"/>
+              </a:ext>
+            </a:extLst>
+          </p:cNvPr>
+          <p:cNvSpPr/>
+          <p:nvPr/>
+        </p:nvSpPr>
+        <p:spPr>
+          <a:xfrm>
+            <a:off x="3021858" y="3965213"/>
+            <a:ext cx="211773" cy="81320"/>
+          </a:xfrm>
+          <a:custGeom>
+            <a:avLst/>
+            <a:gdLst>
+              <a:gd name="connsiteX0" fmla="*/ 233032 w 233032"/>
+              <a:gd name="connsiteY0" fmla="*/ 357021 h 357021"/>
+              <a:gd name="connsiteX1" fmla="*/ 131432 w 233032"/>
+              <a:gd name="connsiteY1" fmla="*/ 71271 h 357021"/>
+              <a:gd name="connsiteX2" fmla="*/ 4432 w 233032"/>
+              <a:gd name="connsiteY2" fmla="*/ 33171 h 357021"/>
+              <a:gd name="connsiteX0" fmla="*/ 231163 w 242872"/>
+              <a:gd name="connsiteY0" fmla="*/ 351260 h 351260"/>
+              <a:gd name="connsiteX1" fmla="*/ 231163 w 242872"/>
+              <a:gd name="connsiteY1" fmla="*/ 90910 h 351260"/>
+              <a:gd name="connsiteX2" fmla="*/ 2563 w 242872"/>
+              <a:gd name="connsiteY2" fmla="*/ 27410 h 351260"/>
+              <a:gd name="connsiteX0" fmla="*/ 199358 w 238024"/>
+              <a:gd name="connsiteY0" fmla="*/ 370854 h 370854"/>
+              <a:gd name="connsiteX1" fmla="*/ 231108 w 238024"/>
+              <a:gd name="connsiteY1" fmla="*/ 91454 h 370854"/>
+              <a:gd name="connsiteX2" fmla="*/ 2508 w 238024"/>
+              <a:gd name="connsiteY2" fmla="*/ 27954 h 370854"/>
+              <a:gd name="connsiteX0" fmla="*/ 196850 w 196850"/>
+              <a:gd name="connsiteY0" fmla="*/ 342900 h 342900"/>
+              <a:gd name="connsiteX1" fmla="*/ 0 w 196850"/>
+              <a:gd name="connsiteY1" fmla="*/ 0 h 342900"/>
+              <a:gd name="connsiteX0" fmla="*/ 196850 w 246998"/>
+              <a:gd name="connsiteY0" fmla="*/ 342900 h 342900"/>
+              <a:gd name="connsiteX1" fmla="*/ 0 w 246998"/>
+              <a:gd name="connsiteY1" fmla="*/ 0 h 342900"/>
+              <a:gd name="connsiteX0" fmla="*/ 196850 w 355599"/>
+              <a:gd name="connsiteY0" fmla="*/ 342900 h 342900"/>
+              <a:gd name="connsiteX1" fmla="*/ 355599 w 355599"/>
+              <a:gd name="connsiteY1" fmla="*/ 63499 h 342900"/>
+              <a:gd name="connsiteX2" fmla="*/ 0 w 355599"/>
+              <a:gd name="connsiteY2" fmla="*/ 0 h 342900"/>
+              <a:gd name="connsiteX0" fmla="*/ 196850 w 366814"/>
+              <a:gd name="connsiteY0" fmla="*/ 342900 h 342900"/>
+              <a:gd name="connsiteX1" fmla="*/ 355599 w 366814"/>
+              <a:gd name="connsiteY1" fmla="*/ 63499 h 342900"/>
+              <a:gd name="connsiteX2" fmla="*/ 0 w 366814"/>
+              <a:gd name="connsiteY2" fmla="*/ 0 h 342900"/>
+              <a:gd name="connsiteX0" fmla="*/ 196850 w 196850"/>
+              <a:gd name="connsiteY0" fmla="*/ 342900 h 342900"/>
+              <a:gd name="connsiteX1" fmla="*/ 0 w 196850"/>
+              <a:gd name="connsiteY1" fmla="*/ 0 h 342900"/>
+              <a:gd name="connsiteX0" fmla="*/ 196850 w 196850"/>
+              <a:gd name="connsiteY0" fmla="*/ 342900 h 342900"/>
+              <a:gd name="connsiteX1" fmla="*/ 0 w 196850"/>
+              <a:gd name="connsiteY1" fmla="*/ 0 h 342900"/>
+              <a:gd name="connsiteX0" fmla="*/ 196850 w 412753"/>
+              <a:gd name="connsiteY0" fmla="*/ 342900 h 342900"/>
+              <a:gd name="connsiteX1" fmla="*/ 412748 w 412753"/>
+              <a:gd name="connsiteY1" fmla="*/ 215899 h 342900"/>
+              <a:gd name="connsiteX2" fmla="*/ 0 w 412753"/>
+              <a:gd name="connsiteY2" fmla="*/ 0 h 342900"/>
+              <a:gd name="connsiteX0" fmla="*/ 196850 w 196850"/>
+              <a:gd name="connsiteY0" fmla="*/ 342900 h 342900"/>
+              <a:gd name="connsiteX1" fmla="*/ 0 w 196850"/>
+              <a:gd name="connsiteY1" fmla="*/ 0 h 342900"/>
+              <a:gd name="connsiteX0" fmla="*/ 539750 w 539750"/>
+              <a:gd name="connsiteY0" fmla="*/ 317500 h 317500"/>
+              <a:gd name="connsiteX1" fmla="*/ 0 w 539750"/>
+              <a:gd name="connsiteY1" fmla="*/ 0 h 317500"/>
+              <a:gd name="connsiteX0" fmla="*/ 539750 w 539750"/>
+              <a:gd name="connsiteY0" fmla="*/ 317500 h 317500"/>
+              <a:gd name="connsiteX1" fmla="*/ 0 w 539750"/>
+              <a:gd name="connsiteY1" fmla="*/ 0 h 317500"/>
+              <a:gd name="connsiteX0" fmla="*/ 539750 w 539750"/>
+              <a:gd name="connsiteY0" fmla="*/ 317500 h 317500"/>
+              <a:gd name="connsiteX1" fmla="*/ 0 w 539750"/>
+              <a:gd name="connsiteY1" fmla="*/ 0 h 317500"/>
+              <a:gd name="connsiteX0" fmla="*/ 520700 w 520700"/>
+              <a:gd name="connsiteY0" fmla="*/ 273050 h 273050"/>
+              <a:gd name="connsiteX1" fmla="*/ 0 w 520700"/>
+              <a:gd name="connsiteY1" fmla="*/ 0 h 273050"/>
+              <a:gd name="connsiteX0" fmla="*/ 520700 w 520700"/>
+              <a:gd name="connsiteY0" fmla="*/ 273050 h 273050"/>
+              <a:gd name="connsiteX1" fmla="*/ 0 w 520700"/>
+              <a:gd name="connsiteY1" fmla="*/ 0 h 273050"/>
+              <a:gd name="connsiteX0" fmla="*/ 383540 w 383540"/>
+              <a:gd name="connsiteY0" fmla="*/ 440690 h 440690"/>
+              <a:gd name="connsiteX1" fmla="*/ 0 w 383540"/>
+              <a:gd name="connsiteY1" fmla="*/ 0 h 440690"/>
+              <a:gd name="connsiteX0" fmla="*/ 383540 w 383540"/>
+              <a:gd name="connsiteY0" fmla="*/ 440690 h 440690"/>
+              <a:gd name="connsiteX1" fmla="*/ 0 w 383540"/>
+              <a:gd name="connsiteY1" fmla="*/ 0 h 440690"/>
+              <a:gd name="connsiteX0" fmla="*/ 383540 w 386233"/>
+              <a:gd name="connsiteY0" fmla="*/ 440690 h 440690"/>
+              <a:gd name="connsiteX1" fmla="*/ 0 w 386233"/>
+              <a:gd name="connsiteY1" fmla="*/ 0 h 440690"/>
+              <a:gd name="connsiteX0" fmla="*/ 383540 w 386233"/>
+              <a:gd name="connsiteY0" fmla="*/ 440690 h 440690"/>
+              <a:gd name="connsiteX1" fmla="*/ 0 w 386233"/>
+              <a:gd name="connsiteY1" fmla="*/ 0 h 440690"/>
+              <a:gd name="connsiteX0" fmla="*/ 347821 w 350768"/>
+              <a:gd name="connsiteY0" fmla="*/ 362109 h 362109"/>
+              <a:gd name="connsiteX1" fmla="*/ 0 w 350768"/>
+              <a:gd name="connsiteY1" fmla="*/ 0 h 362109"/>
+              <a:gd name="connsiteX0" fmla="*/ 0 w 215746"/>
+              <a:gd name="connsiteY0" fmla="*/ 80404 h 100512"/>
+              <a:gd name="connsiteX1" fmla="*/ 211773 w 215746"/>
+              <a:gd name="connsiteY1" fmla="*/ 15952 h 100512"/>
+              <a:gd name="connsiteX0" fmla="*/ 0 w 211773"/>
+              <a:gd name="connsiteY0" fmla="*/ 132388 h 132388"/>
+              <a:gd name="connsiteX1" fmla="*/ 211773 w 211773"/>
+              <a:gd name="connsiteY1" fmla="*/ 67936 h 132388"/>
+              <a:gd name="connsiteX0" fmla="*/ 0 w 211773"/>
+              <a:gd name="connsiteY0" fmla="*/ 72803 h 72803"/>
+              <a:gd name="connsiteX1" fmla="*/ 211773 w 211773"/>
+              <a:gd name="connsiteY1" fmla="*/ 8351 h 72803"/>
+              <a:gd name="connsiteX0" fmla="*/ 0 w 211773"/>
+              <a:gd name="connsiteY0" fmla="*/ 64461 h 75896"/>
+              <a:gd name="connsiteX1" fmla="*/ 211773 w 211773"/>
+              <a:gd name="connsiteY1" fmla="*/ 9 h 75896"/>
+              <a:gd name="connsiteX0" fmla="*/ 0 w 211773"/>
+              <a:gd name="connsiteY0" fmla="*/ 72401 h 81320"/>
+              <a:gd name="connsiteX1" fmla="*/ 211773 w 211773"/>
+              <a:gd name="connsiteY1" fmla="*/ 7949 h 81320"/>
+            </a:gdLst>
+            <a:ahLst/>
+            <a:cxnLst>
+              <a:cxn ang="0">
+                <a:pos x="connsiteX0" y="connsiteY0"/>
+              </a:cxn>
+              <a:cxn ang="0">
+                <a:pos x="connsiteX1" y="connsiteY1"/>
+              </a:cxn>
+            </a:cxnLst>
+            <a:rect l="l" t="t" r="r" b="b"/>
+            <a:pathLst>
+              <a:path w="211773" h="81320">
+                <a:moveTo>
+                  <a:pt x="0" y="72401"/>
+                </a:moveTo>
+                <a:cubicBezTo>
+                  <a:pt x="102817" y="119285"/>
+                  <a:pt x="96892" y="-36079"/>
+                  <a:pt x="211773" y="7949"/>
+                </a:cubicBezTo>
+              </a:path>
+            </a:pathLst>
+          </a:custGeom>
+          <a:ln>
+            <a:headEnd type="none" w="med" len="med"/>
+            <a:tailEnd type="triangle" w="med" len="med"/>
+          </a:ln>
+        </p:spPr>
+        <p:style>
+          <a:lnRef idx="2">
+            <a:schemeClr val="accent3"/>
+          </a:lnRef>
+          <a:fillRef idx="0">
+            <a:schemeClr val="accent3"/>
+          </a:fillRef>
+          <a:effectRef idx="1">
+            <a:schemeClr val="accent3"/>
+          </a:effectRef>
+          <a:fontRef idx="minor">
+            <a:schemeClr val="tx1"/>
+          </a:fontRef>
+        </p:style>
+        <p:txBody>
+          <a:bodyPr rtlCol="0" anchor="ctr"/>
+          <a:lstStyle/>
+          <a:p>
+            <a:pPr algn="ctr"/>
+            <a:endParaRPr lang="en-GB"/>
+          </a:p>
+        </p:txBody>
+      </p:sp>
+      <p:sp>
+        <p:nvSpPr>
+          <p:cNvPr id="170" name="TextBox 169">
+            <a:extLst>
+              <a:ext uri="{FF2B5EF4-FFF2-40B4-BE49-F238E27FC236}">
+                <a16:creationId xmlns:a16="http://schemas.microsoft.com/office/drawing/2014/main" id="{B483DA33-CCEA-4F2C-A159-CB73FE41B138}"/>
+              </a:ext>
+            </a:extLst>
+          </p:cNvPr>
+          <p:cNvSpPr txBox="1"/>
+          <p:nvPr/>
+        </p:nvSpPr>
+        <p:spPr>
+          <a:xfrm>
+            <a:off x="2053611" y="4879035"/>
+            <a:ext cx="674718" cy="138499"/>
+          </a:xfrm>
+          <a:prstGeom prst="rect">
+            <a:avLst/>
+          </a:prstGeom>
+          <a:noFill/>
+          <a:ln>
+            <a:noFill/>
+          </a:ln>
+        </p:spPr>
+        <p:txBody>
+          <a:bodyPr wrap="square" lIns="0" tIns="0" rIns="0" bIns="0" rtlCol="0">
+            <a:spAutoFit/>
+          </a:bodyPr>
+          <a:lstStyle/>
+          <a:p>
+            <a:r>
+              <a:rPr lang="en-US" sz="900" dirty="0"/>
+              <a:t>d</a:t>
+            </a:r>
+            <a:r>
+              <a:rPr lang="en-US" sz="900" baseline="-25000" dirty="0"/>
+              <a:t>1</a:t>
+            </a:r>
+          </a:p>
+        </p:txBody>
+      </p:sp>
+      <p:cxnSp>
+        <p:nvCxnSpPr>
+          <p:cNvPr id="171" name="Straight Connector 170">
+            <a:extLst>
+              <a:ext uri="{FF2B5EF4-FFF2-40B4-BE49-F238E27FC236}">
+                <a16:creationId xmlns:a16="http://schemas.microsoft.com/office/drawing/2014/main" id="{DD84EF59-4E36-449C-9935-56E89A50C21C}"/>
+              </a:ext>
+            </a:extLst>
+          </p:cNvPr>
+          <p:cNvCxnSpPr>
+            <a:cxnSpLocks/>
+          </p:cNvCxnSpPr>
+          <p:nvPr/>
+        </p:nvCxnSpPr>
+        <p:spPr>
+          <a:xfrm flipV="1">
+            <a:off x="2040809" y="4518690"/>
+            <a:ext cx="0" cy="1069310"/>
+          </a:xfrm>
+          <a:prstGeom prst="line">
+            <a:avLst/>
+          </a:prstGeom>
+          <a:ln>
+            <a:prstDash val="sysDash"/>
+            <a:headEnd type="triangle" w="sm" len="med"/>
+            <a:tailEnd type="triangle" w="sm" len="med"/>
+          </a:ln>
+        </p:spPr>
+        <p:style>
+          <a:lnRef idx="1">
+            <a:schemeClr val="accent3"/>
+          </a:lnRef>
+          <a:fillRef idx="0">
+            <a:schemeClr val="accent3"/>
+          </a:fillRef>
+          <a:effectRef idx="0">
+            <a:schemeClr val="accent3"/>
+          </a:effectRef>
+          <a:fontRef idx="minor">
+            <a:schemeClr val="tx1"/>
+          </a:fontRef>
+        </p:style>
+      </p:cxnSp>
+      <p:cxnSp>
+        <p:nvCxnSpPr>
+          <p:cNvPr id="178" name="Straight Connector 177">
+            <a:extLst>
+              <a:ext uri="{FF2B5EF4-FFF2-40B4-BE49-F238E27FC236}">
+                <a16:creationId xmlns:a16="http://schemas.microsoft.com/office/drawing/2014/main" id="{126CE37C-83DE-43EB-87A8-E3882A5C9E89}"/>
+              </a:ext>
+            </a:extLst>
+          </p:cNvPr>
+          <p:cNvCxnSpPr>
+            <a:stCxn id="133" idx="1"/>
+          </p:cNvCxnSpPr>
+          <p:nvPr/>
+        </p:nvCxnSpPr>
+        <p:spPr>
+          <a:xfrm flipH="1">
+            <a:off x="2221603" y="3344739"/>
+            <a:ext cx="1037462" cy="9343"/>
+          </a:xfrm>
+          <a:prstGeom prst="line">
+            <a:avLst/>
+          </a:prstGeom>
+          <a:ln>
+            <a:prstDash val="sysDash"/>
+          </a:ln>
+        </p:spPr>
+        <p:style>
+          <a:lnRef idx="1">
+            <a:schemeClr val="accent3"/>
+          </a:lnRef>
+          <a:fillRef idx="0">
+            <a:schemeClr val="accent3"/>
+          </a:fillRef>
+          <a:effectRef idx="0">
+            <a:schemeClr val="accent3"/>
+          </a:effectRef>
+          <a:fontRef idx="minor">
+            <a:schemeClr val="tx1"/>
+          </a:fontRef>
+        </p:style>
+      </p:cxnSp>
+      <p:cxnSp>
+        <p:nvCxnSpPr>
+          <p:cNvPr id="179" name="Straight Connector 178">
+            <a:extLst>
+              <a:ext uri="{FF2B5EF4-FFF2-40B4-BE49-F238E27FC236}">
+                <a16:creationId xmlns:a16="http://schemas.microsoft.com/office/drawing/2014/main" id="{B7D7AE99-A8E6-4146-BFB9-E39742A99AFC}"/>
+              </a:ext>
+            </a:extLst>
+          </p:cNvPr>
+          <p:cNvCxnSpPr>
+            <a:cxnSpLocks/>
+            <a:stCxn id="11" idx="0"/>
+          </p:cNvCxnSpPr>
+          <p:nvPr/>
+        </p:nvCxnSpPr>
+        <p:spPr>
+          <a:xfrm flipH="1" flipV="1">
+            <a:off x="2221603" y="3713495"/>
+            <a:ext cx="2026282" cy="10480"/>
+          </a:xfrm>
+          <a:prstGeom prst="line">
+            <a:avLst/>
+          </a:prstGeom>
+          <a:ln>
+            <a:prstDash val="sysDash"/>
+          </a:ln>
+        </p:spPr>
+        <p:style>
+          <a:lnRef idx="1">
+            <a:schemeClr val="accent3"/>
+          </a:lnRef>
+          <a:fillRef idx="0">
+            <a:schemeClr val="accent3"/>
+          </a:fillRef>
+          <a:effectRef idx="0">
+            <a:schemeClr val="accent3"/>
+          </a:effectRef>
+          <a:fontRef idx="minor">
+            <a:schemeClr val="tx1"/>
+          </a:fontRef>
+        </p:style>
+      </p:cxnSp>
+      <p:cxnSp>
+        <p:nvCxnSpPr>
+          <p:cNvPr id="187" name="Straight Connector 186">
+            <a:extLst>
+              <a:ext uri="{FF2B5EF4-FFF2-40B4-BE49-F238E27FC236}">
+                <a16:creationId xmlns:a16="http://schemas.microsoft.com/office/drawing/2014/main" id="{6C3DC9C8-4A43-4D6C-A255-32FA290B09C2}"/>
+              </a:ext>
+            </a:extLst>
+          </p:cNvPr>
+          <p:cNvCxnSpPr>
+            <a:stCxn id="132" idx="2"/>
+          </p:cNvCxnSpPr>
+          <p:nvPr/>
+        </p:nvCxnSpPr>
+        <p:spPr>
+          <a:xfrm flipH="1">
+            <a:off x="5085059" y="3752851"/>
+            <a:ext cx="2554" cy="638174"/>
+          </a:xfrm>
+          <a:prstGeom prst="line">
+            <a:avLst/>
+          </a:prstGeom>
+          <a:ln>
+            <a:prstDash val="sysDash"/>
+          </a:ln>
+        </p:spPr>
+        <p:style>
+          <a:lnRef idx="1">
+            <a:schemeClr val="accent3"/>
+          </a:lnRef>
+          <a:fillRef idx="0">
+            <a:schemeClr val="accent3"/>
+          </a:fillRef>
+          <a:effectRef idx="0">
+            <a:schemeClr val="accent3"/>
+          </a:effectRef>
+          <a:fontRef idx="minor">
+            <a:schemeClr val="tx1"/>
+          </a:fontRef>
+        </p:style>
+      </p:cxnSp>
+      <p:cxnSp>
+        <p:nvCxnSpPr>
+          <p:cNvPr id="188" name="Straight Connector 187">
+            <a:extLst>
+              <a:ext uri="{FF2B5EF4-FFF2-40B4-BE49-F238E27FC236}">
+                <a16:creationId xmlns:a16="http://schemas.microsoft.com/office/drawing/2014/main" id="{3E9CA08A-CA0C-4D81-8718-33F84DE395FC}"/>
+              </a:ext>
+            </a:extLst>
+          </p:cNvPr>
+          <p:cNvCxnSpPr/>
+          <p:nvPr/>
+        </p:nvCxnSpPr>
+        <p:spPr>
+          <a:xfrm flipH="1">
+            <a:off x="6334338" y="3752851"/>
+            <a:ext cx="2554" cy="638174"/>
+          </a:xfrm>
+          <a:prstGeom prst="line">
+            <a:avLst/>
+          </a:prstGeom>
+          <a:ln>
+            <a:prstDash val="sysDash"/>
+          </a:ln>
+        </p:spPr>
+        <p:style>
+          <a:lnRef idx="1">
+            <a:schemeClr val="accent3"/>
+          </a:lnRef>
+          <a:fillRef idx="0">
+            <a:schemeClr val="accent3"/>
+          </a:fillRef>
+          <a:effectRef idx="0">
+            <a:schemeClr val="accent3"/>
+          </a:effectRef>
+          <a:fontRef idx="minor">
+            <a:schemeClr val="tx1"/>
+          </a:fontRef>
+        </p:style>
+      </p:cxnSp>
+      <p:cxnSp>
+        <p:nvCxnSpPr>
+          <p:cNvPr id="189" name="Straight Connector 188">
+            <a:extLst>
+              <a:ext uri="{FF2B5EF4-FFF2-40B4-BE49-F238E27FC236}">
+                <a16:creationId xmlns:a16="http://schemas.microsoft.com/office/drawing/2014/main" id="{4BAD54C8-3094-463C-B3B0-CD42FB67DA42}"/>
+              </a:ext>
+            </a:extLst>
+          </p:cNvPr>
+          <p:cNvCxnSpPr>
+            <a:cxnSpLocks/>
+          </p:cNvCxnSpPr>
+          <p:nvPr/>
+        </p:nvCxnSpPr>
+        <p:spPr>
+          <a:xfrm flipH="1">
+            <a:off x="5087613" y="4240747"/>
+            <a:ext cx="1238611" cy="0"/>
+          </a:xfrm>
+          <a:prstGeom prst="line">
+            <a:avLst/>
+          </a:prstGeom>
+          <a:ln>
+            <a:prstDash val="sysDash"/>
+            <a:headEnd type="triangle" w="sm" len="med"/>
+            <a:tailEnd type="triangle" w="sm" len="med"/>
+          </a:ln>
+        </p:spPr>
+        <p:style>
+          <a:lnRef idx="1">
+            <a:schemeClr val="accent3"/>
+          </a:lnRef>
+          <a:fillRef idx="0">
+            <a:schemeClr val="accent3"/>
+          </a:fillRef>
+          <a:effectRef idx="0">
+            <a:schemeClr val="accent3"/>
+          </a:effectRef>
+          <a:fontRef idx="minor">
+            <a:schemeClr val="tx1"/>
+          </a:fontRef>
+        </p:style>
+      </p:cxnSp>
+      <p:sp>
+        <p:nvSpPr>
+          <p:cNvPr id="195" name="TextBox 194">
+            <a:extLst>
+              <a:ext uri="{FF2B5EF4-FFF2-40B4-BE49-F238E27FC236}">
+                <a16:creationId xmlns:a16="http://schemas.microsoft.com/office/drawing/2014/main" id="{4E88947C-3450-4494-89B0-AC565FE6596F}"/>
+              </a:ext>
+            </a:extLst>
+          </p:cNvPr>
+          <p:cNvSpPr txBox="1"/>
+          <p:nvPr/>
+        </p:nvSpPr>
+        <p:spPr>
+          <a:xfrm>
+            <a:off x="5400348" y="4250877"/>
+            <a:ext cx="674718" cy="138499"/>
+          </a:xfrm>
+          <a:prstGeom prst="rect">
+            <a:avLst/>
+          </a:prstGeom>
+          <a:noFill/>
+          <a:ln>
+            <a:noFill/>
+          </a:ln>
+        </p:spPr>
+        <p:txBody>
+          <a:bodyPr wrap="square" lIns="0" tIns="0" rIns="0" bIns="0" rtlCol="0">
+            <a:spAutoFit/>
+          </a:bodyPr>
+          <a:lstStyle/>
+          <a:p>
+            <a:pPr algn="ctr"/>
+            <a:r>
+              <a:rPr lang="en-US" sz="900" dirty="0"/>
+              <a:t>d</a:t>
+            </a:r>
+            <a:r>
+              <a:rPr lang="en-US" sz="900" baseline="-25000" dirty="0"/>
+              <a:t>7</a:t>
+            </a:r>
+          </a:p>
+        </p:txBody>
+      </p:sp>
+      <p:cxnSp>
+        <p:nvCxnSpPr>
+          <p:cNvPr id="199" name="Straight Connector 198">
+            <a:extLst>
+              <a:ext uri="{FF2B5EF4-FFF2-40B4-BE49-F238E27FC236}">
+                <a16:creationId xmlns:a16="http://schemas.microsoft.com/office/drawing/2014/main" id="{6429B233-82D7-4D9F-812D-44169BB54CDE}"/>
+              </a:ext>
+            </a:extLst>
+          </p:cNvPr>
+          <p:cNvCxnSpPr>
+            <a:cxnSpLocks/>
+          </p:cNvCxnSpPr>
+          <p:nvPr/>
+        </p:nvCxnSpPr>
+        <p:spPr>
+          <a:xfrm flipH="1">
+            <a:off x="3265780" y="2427644"/>
+            <a:ext cx="1819279" cy="0"/>
+          </a:xfrm>
+          <a:prstGeom prst="line">
+            <a:avLst/>
+          </a:prstGeom>
+          <a:ln>
+            <a:prstDash val="sysDash"/>
+            <a:headEnd type="triangle" w="sm" len="med"/>
+            <a:tailEnd type="triangle" w="sm" len="med"/>
+          </a:ln>
+        </p:spPr>
+        <p:style>
+          <a:lnRef idx="1">
+            <a:schemeClr val="accent3"/>
+          </a:lnRef>
+          <a:fillRef idx="0">
+            <a:schemeClr val="accent3"/>
+          </a:fillRef>
+          <a:effectRef idx="0">
+            <a:schemeClr val="accent3"/>
+          </a:effectRef>
+          <a:fontRef idx="minor">
+            <a:schemeClr val="tx1"/>
+          </a:fontRef>
+        </p:style>
+      </p:cxnSp>
+      <p:sp>
+        <p:nvSpPr>
+          <p:cNvPr id="200" name="TextBox 199">
+            <a:extLst>
+              <a:ext uri="{FF2B5EF4-FFF2-40B4-BE49-F238E27FC236}">
+                <a16:creationId xmlns:a16="http://schemas.microsoft.com/office/drawing/2014/main" id="{A048A7A5-07A6-4A37-A7AB-FCF6865E2E61}"/>
+              </a:ext>
+            </a:extLst>
+          </p:cNvPr>
+          <p:cNvSpPr txBox="1"/>
+          <p:nvPr/>
+        </p:nvSpPr>
+        <p:spPr>
+          <a:xfrm>
+            <a:off x="3860604" y="2437774"/>
+            <a:ext cx="674718" cy="138499"/>
+          </a:xfrm>
+          <a:prstGeom prst="rect">
+            <a:avLst/>
+          </a:prstGeom>
+          <a:noFill/>
+          <a:ln>
+            <a:noFill/>
+          </a:ln>
+        </p:spPr>
+        <p:txBody>
+          <a:bodyPr wrap="square" lIns="0" tIns="0" rIns="0" bIns="0" rtlCol="0">
+            <a:spAutoFit/>
+          </a:bodyPr>
+          <a:lstStyle/>
+          <a:p>
+            <a:pPr algn="ctr"/>
+            <a:r>
+              <a:rPr lang="en-US" sz="900" dirty="0"/>
+              <a:t>d</a:t>
+            </a:r>
+            <a:r>
+              <a:rPr lang="en-US" sz="900" baseline="-25000" dirty="0"/>
+              <a:t>4</a:t>
+            </a:r>
+          </a:p>
+        </p:txBody>
+      </p:sp>
+      <p:cxnSp>
+        <p:nvCxnSpPr>
+          <p:cNvPr id="204" name="Straight Connector 203">
+            <a:extLst>
+              <a:ext uri="{FF2B5EF4-FFF2-40B4-BE49-F238E27FC236}">
+                <a16:creationId xmlns:a16="http://schemas.microsoft.com/office/drawing/2014/main" id="{E4E07800-E275-4D1F-AF1D-DAEE2EDBD4E6}"/>
+              </a:ext>
+            </a:extLst>
+          </p:cNvPr>
+          <p:cNvCxnSpPr>
+            <a:cxnSpLocks/>
+          </p:cNvCxnSpPr>
+          <p:nvPr/>
+        </p:nvCxnSpPr>
+        <p:spPr>
+          <a:xfrm flipH="1">
+            <a:off x="5087613" y="2427644"/>
+            <a:ext cx="1238612" cy="0"/>
+          </a:xfrm>
+          <a:prstGeom prst="line">
+            <a:avLst/>
+          </a:prstGeom>
+          <a:ln>
+            <a:prstDash val="sysDash"/>
+            <a:headEnd type="triangle" w="sm" len="med"/>
+            <a:tailEnd type="triangle" w="sm" len="med"/>
+          </a:ln>
+        </p:spPr>
+        <p:style>
+          <a:lnRef idx="1">
+            <a:schemeClr val="accent3"/>
+          </a:lnRef>
+          <a:fillRef idx="0">
+            <a:schemeClr val="accent3"/>
+          </a:fillRef>
+          <a:effectRef idx="0">
+            <a:schemeClr val="accent3"/>
+          </a:effectRef>
+          <a:fontRef idx="minor">
+            <a:schemeClr val="tx1"/>
+          </a:fontRef>
+        </p:style>
+      </p:cxnSp>
+      <p:sp>
+        <p:nvSpPr>
+          <p:cNvPr id="205" name="TextBox 204">
+            <a:extLst>
+              <a:ext uri="{FF2B5EF4-FFF2-40B4-BE49-F238E27FC236}">
+                <a16:creationId xmlns:a16="http://schemas.microsoft.com/office/drawing/2014/main" id="{3B9CF8EE-5F16-407E-B052-BACF84753E2B}"/>
+              </a:ext>
+            </a:extLst>
+          </p:cNvPr>
+          <p:cNvSpPr txBox="1"/>
+          <p:nvPr/>
+        </p:nvSpPr>
+        <p:spPr>
+          <a:xfrm>
+            <a:off x="5378475" y="2437774"/>
+            <a:ext cx="674718" cy="138499"/>
+          </a:xfrm>
+          <a:prstGeom prst="rect">
+            <a:avLst/>
+          </a:prstGeom>
+          <a:noFill/>
+          <a:ln>
+            <a:noFill/>
+          </a:ln>
+        </p:spPr>
+        <p:txBody>
+          <a:bodyPr wrap="square" lIns="0" tIns="0" rIns="0" bIns="0" rtlCol="0">
+            <a:spAutoFit/>
+          </a:bodyPr>
+          <a:lstStyle/>
+          <a:p>
+            <a:pPr algn="ctr"/>
+            <a:r>
+              <a:rPr lang="en-US" sz="900" dirty="0"/>
+              <a:t>d</a:t>
+            </a:r>
+            <a:r>
+              <a:rPr lang="en-US" sz="900" baseline="-25000" dirty="0"/>
+              <a:t>7</a:t>
+            </a:r>
+          </a:p>
+        </p:txBody>
+      </p:sp>
+    </p:spTree>
+    <p:extLst>
+      <p:ext uri="{BB962C8B-B14F-4D97-AF65-F5344CB8AC3E}">
+        <p14:creationId xmlns:p14="http://schemas.microsoft.com/office/powerpoint/2010/main" val="2151824313"/>
       </p:ext>
     </p:extLst>
   </p:cSld>
@@ -7164,4 +15805,299 @@
     </a:ext>
   </a:extLst>
 </a:theme>
+</file>
+
+<file path=ppt/theme/theme2.xml><?xml version="1.0" encoding="utf-8"?>
+<a:theme xmlns:a="http://schemas.openxmlformats.org/drawingml/2006/main" name="Office Theme">
+  <a:themeElements>
+    <a:clrScheme name="Office">
+      <a:dk1>
+        <a:sysClr val="windowText" lastClr="000000"/>
+      </a:dk1>
+      <a:lt1>
+        <a:sysClr val="window" lastClr="FFFFFF"/>
+      </a:lt1>
+      <a:dk2>
+        <a:srgbClr val="44546A"/>
+      </a:dk2>
+      <a:lt2>
+        <a:srgbClr val="E7E6E6"/>
+      </a:lt2>
+      <a:accent1>
+        <a:srgbClr val="4472C4"/>
+      </a:accent1>
+      <a:accent2>
+        <a:srgbClr val="ED7D31"/>
+      </a:accent2>
+      <a:accent3>
+        <a:srgbClr val="A5A5A5"/>
+      </a:accent3>
+      <a:accent4>
+        <a:srgbClr val="FFC000"/>
+      </a:accent4>
+      <a:accent5>
+        <a:srgbClr val="5B9BD5"/>
+      </a:accent5>
+      <a:accent6>
+        <a:srgbClr val="70AD47"/>
+      </a:accent6>
+      <a:hlink>
+        <a:srgbClr val="0563C1"/>
+      </a:hlink>
+      <a:folHlink>
+        <a:srgbClr val="954F72"/>
+      </a:folHlink>
+    </a:clrScheme>
+    <a:fontScheme name="Office">
+      <a:majorFont>
+        <a:latin typeface="Calibri Light" panose="020F0302020204030204"/>
+        <a:ea typeface=""/>
+        <a:cs typeface=""/>
+        <a:font script="Jpan" typeface="游ゴシック Light"/>
+        <a:font script="Hang" typeface="맑은 고딕"/>
+        <a:font script="Hans" typeface="等线 Light"/>
+        <a:font script="Hant" typeface="新細明體"/>
+        <a:font script="Arab" typeface="Times New Roman"/>
+        <a:font script="Hebr" typeface="Times New Roman"/>
+        <a:font script="Thai" typeface="Angsana New"/>
+        <a:font script="Ethi" typeface="Nyala"/>
+        <a:font script="Beng" typeface="Vrinda"/>
+        <a:font script="Gujr" typeface="Shruti"/>
+        <a:font script="Khmr" typeface="MoolBoran"/>
+        <a:font script="Knda" typeface="Tunga"/>
+        <a:font script="Guru" typeface="Raavi"/>
+        <a:font script="Cans" typeface="Euphemia"/>
+        <a:font script="Cher" typeface="Plantagenet Cherokee"/>
+        <a:font script="Yiii" typeface="Microsoft Yi Baiti"/>
+        <a:font script="Tibt" typeface="Microsoft Himalaya"/>
+        <a:font script="Thaa" typeface="MV Boli"/>
+        <a:font script="Deva" typeface="Mangal"/>
+        <a:font script="Telu" typeface="Gautami"/>
+        <a:font script="Taml" typeface="Latha"/>
+        <a:font script="Syrc" typeface="Estrangelo Edessa"/>
+        <a:font script="Orya" typeface="Kalinga"/>
+        <a:font script="Mlym" typeface="Kartika"/>
+        <a:font script="Laoo" typeface="DokChampa"/>
+        <a:font script="Sinh" typeface="Iskoola Pota"/>
+        <a:font script="Mong" typeface="Mongolian Baiti"/>
+        <a:font script="Viet" typeface="Times New Roman"/>
+        <a:font script="Uigh" typeface="Microsoft Uighur"/>
+        <a:font script="Geor" typeface="Sylfaen"/>
+        <a:font script="Armn" typeface="Arial"/>
+        <a:font script="Bugi" typeface="Leelawadee UI"/>
+        <a:font script="Bopo" typeface="Microsoft JhengHei"/>
+        <a:font script="Java" typeface="Javanese Text"/>
+        <a:font script="Lisu" typeface="Segoe UI"/>
+        <a:font script="Mymr" typeface="Myanmar Text"/>
+        <a:font script="Nkoo" typeface="Ebrima"/>
+        <a:font script="Olck" typeface="Nirmala UI"/>
+        <a:font script="Osma" typeface="Ebrima"/>
+        <a:font script="Phag" typeface="Phagspa"/>
+        <a:font script="Syrn" typeface="Estrangelo Edessa"/>
+        <a:font script="Syrj" typeface="Estrangelo Edessa"/>
+        <a:font script="Syre" typeface="Estrangelo Edessa"/>
+        <a:font script="Sora" typeface="Nirmala UI"/>
+        <a:font script="Tale" typeface="Microsoft Tai Le"/>
+        <a:font script="Talu" typeface="Microsoft New Tai Lue"/>
+        <a:font script="Tfng" typeface="Ebrima"/>
+      </a:majorFont>
+      <a:minorFont>
+        <a:latin typeface="Calibri" panose="020F0502020204030204"/>
+        <a:ea typeface=""/>
+        <a:cs typeface=""/>
+        <a:font script="Jpan" typeface="游ゴシック"/>
+        <a:font script="Hang" typeface="맑은 고딕"/>
+        <a:font script="Hans" typeface="等线"/>
+        <a:font script="Hant" typeface="新細明體"/>
+        <a:font script="Arab" typeface="Arial"/>
+        <a:font script="Hebr" typeface="Arial"/>
+        <a:font script="Thai" typeface="Cordia New"/>
+        <a:font script="Ethi" typeface="Nyala"/>
+        <a:font script="Beng" typeface="Vrinda"/>
+        <a:font script="Gujr" typeface="Shruti"/>
+        <a:font script="Khmr" typeface="DaunPenh"/>
+        <a:font script="Knda" typeface="Tunga"/>
+        <a:font script="Guru" typeface="Raavi"/>
+        <a:font script="Cans" typeface="Euphemia"/>
+        <a:font script="Cher" typeface="Plantagenet Cherokee"/>
+        <a:font script="Yiii" typeface="Microsoft Yi Baiti"/>
+        <a:font script="Tibt" typeface="Microsoft Himalaya"/>
+        <a:font script="Thaa" typeface="MV Boli"/>
+        <a:font script="Deva" typeface="Mangal"/>
+        <a:font script="Telu" typeface="Gautami"/>
+        <a:font script="Taml" typeface="Latha"/>
+        <a:font script="Syrc" typeface="Estrangelo Edessa"/>
+        <a:font script="Orya" typeface="Kalinga"/>
+        <a:font script="Mlym" typeface="Kartika"/>
+        <a:font script="Laoo" typeface="DokChampa"/>
+        <a:font script="Sinh" typeface="Iskoola Pota"/>
+        <a:font script="Mong" typeface="Mongolian Baiti"/>
+        <a:font script="Viet" typeface="Arial"/>
+        <a:font script="Uigh" typeface="Microsoft Uighur"/>
+        <a:font script="Geor" typeface="Sylfaen"/>
+        <a:font script="Armn" typeface="Arial"/>
+        <a:font script="Bugi" typeface="Leelawadee UI"/>
+        <a:font script="Bopo" typeface="Microsoft JhengHei"/>
+        <a:font script="Java" typeface="Javanese Text"/>
+        <a:font script="Lisu" typeface="Segoe UI"/>
+        <a:font script="Mymr" typeface="Myanmar Text"/>
+        <a:font script="Nkoo" typeface="Ebrima"/>
+        <a:font script="Olck" typeface="Nirmala UI"/>
+        <a:font script="Osma" typeface="Ebrima"/>
+        <a:font script="Phag" typeface="Phagspa"/>
+        <a:font script="Syrn" typeface="Estrangelo Edessa"/>
+        <a:font script="Syrj" typeface="Estrangelo Edessa"/>
+        <a:font script="Syre" typeface="Estrangelo Edessa"/>
+        <a:font script="Sora" typeface="Nirmala UI"/>
+        <a:font script="Tale" typeface="Microsoft Tai Le"/>
+        <a:font script="Talu" typeface="Microsoft New Tai Lue"/>
+        <a:font script="Tfng" typeface="Ebrima"/>
+      </a:minorFont>
+    </a:fontScheme>
+    <a:fmtScheme name="Office">
+      <a:fillStyleLst>
+        <a:solidFill>
+          <a:schemeClr val="phClr"/>
+        </a:solidFill>
+        <a:gradFill rotWithShape="1">
+          <a:gsLst>
+            <a:gs pos="0">
+              <a:schemeClr val="phClr">
+                <a:lumMod val="110000"/>
+                <a:satMod val="105000"/>
+                <a:tint val="67000"/>
+              </a:schemeClr>
+            </a:gs>
+            <a:gs pos="50000">
+              <a:schemeClr val="phClr">
+                <a:lumMod val="105000"/>
+                <a:satMod val="103000"/>
+                <a:tint val="73000"/>
+              </a:schemeClr>
+            </a:gs>
+            <a:gs pos="100000">
+              <a:schemeClr val="phClr">
+                <a:lumMod val="105000"/>
+                <a:satMod val="109000"/>
+                <a:tint val="81000"/>
+              </a:schemeClr>
+            </a:gs>
+          </a:gsLst>
+          <a:lin ang="5400000" scaled="0"/>
+        </a:gradFill>
+        <a:gradFill rotWithShape="1">
+          <a:gsLst>
+            <a:gs pos="0">
+              <a:schemeClr val="phClr">
+                <a:satMod val="103000"/>
+                <a:lumMod val="102000"/>
+                <a:tint val="94000"/>
+              </a:schemeClr>
+            </a:gs>
+            <a:gs pos="50000">
+              <a:schemeClr val="phClr">
+                <a:satMod val="110000"/>
+                <a:lumMod val="100000"/>
+                <a:shade val="100000"/>
+              </a:schemeClr>
+            </a:gs>
+            <a:gs pos="100000">
+              <a:schemeClr val="phClr">
+                <a:lumMod val="99000"/>
+                <a:satMod val="120000"/>
+                <a:shade val="78000"/>
+              </a:schemeClr>
+            </a:gs>
+          </a:gsLst>
+          <a:lin ang="5400000" scaled="0"/>
+        </a:gradFill>
+      </a:fillStyleLst>
+      <a:lnStyleLst>
+        <a:ln w="6350" cap="flat" cmpd="sng" algn="ctr">
+          <a:solidFill>
+            <a:schemeClr val="phClr"/>
+          </a:solidFill>
+          <a:prstDash val="solid"/>
+          <a:miter lim="800000"/>
+        </a:ln>
+        <a:ln w="12700" cap="flat" cmpd="sng" algn="ctr">
+          <a:solidFill>
+            <a:schemeClr val="phClr"/>
+          </a:solidFill>
+          <a:prstDash val="solid"/>
+          <a:miter lim="800000"/>
+        </a:ln>
+        <a:ln w="19050" cap="flat" cmpd="sng" algn="ctr">
+          <a:solidFill>
+            <a:schemeClr val="phClr"/>
+          </a:solidFill>
+          <a:prstDash val="solid"/>
+          <a:miter lim="800000"/>
+        </a:ln>
+      </a:lnStyleLst>
+      <a:effectStyleLst>
+        <a:effectStyle>
+          <a:effectLst/>
+        </a:effectStyle>
+        <a:effectStyle>
+          <a:effectLst/>
+        </a:effectStyle>
+        <a:effectStyle>
+          <a:effectLst>
+            <a:outerShdw blurRad="57150" dist="19050" dir="5400000" algn="ctr" rotWithShape="0">
+              <a:srgbClr val="000000">
+                <a:alpha val="63000"/>
+              </a:srgbClr>
+            </a:outerShdw>
+          </a:effectLst>
+        </a:effectStyle>
+      </a:effectStyleLst>
+      <a:bgFillStyleLst>
+        <a:solidFill>
+          <a:schemeClr val="phClr"/>
+        </a:solidFill>
+        <a:solidFill>
+          <a:schemeClr val="phClr">
+            <a:tint val="95000"/>
+            <a:satMod val="170000"/>
+          </a:schemeClr>
+        </a:solidFill>
+        <a:gradFill rotWithShape="1">
+          <a:gsLst>
+            <a:gs pos="0">
+              <a:schemeClr val="phClr">
+                <a:tint val="93000"/>
+                <a:satMod val="150000"/>
+                <a:shade val="98000"/>
+                <a:lumMod val="102000"/>
+              </a:schemeClr>
+            </a:gs>
+            <a:gs pos="50000">
+              <a:schemeClr val="phClr">
+                <a:tint val="98000"/>
+                <a:satMod val="130000"/>
+                <a:shade val="90000"/>
+                <a:lumMod val="103000"/>
+              </a:schemeClr>
+            </a:gs>
+            <a:gs pos="100000">
+              <a:schemeClr val="phClr">
+                <a:shade val="63000"/>
+                <a:satMod val="120000"/>
+              </a:schemeClr>
+            </a:gs>
+          </a:gsLst>
+          <a:lin ang="5400000" scaled="0"/>
+        </a:gradFill>
+      </a:bgFillStyleLst>
+    </a:fmtScheme>
+  </a:themeElements>
+  <a:objectDefaults/>
+  <a:extraClrSchemeLst/>
+  <a:extLst>
+    <a:ext uri="{05A4C25C-085E-4340-85A3-A5531E510DB2}">
+      <thm15:themeFamily xmlns:thm15="http://schemas.microsoft.com/office/thememl/2012/main" name="Office Theme" id="{62F939B6-93AF-4DB8-9C6B-D6C7DFDC589F}" vid="{4A3C46E8-61CC-4603-A589-7422A47A8E4A}"/>
+    </a:ext>
+  </a:extLst>
+</a:theme>
 </file>
--- a/catkin_ws/diagrams.pptx
+++ b/catkin_ws/diagrams.pptx
@@ -615,7 +615,7 @@
           <a:p>
             <a:fld id="{50BABC5D-73AD-A341-9003-8412548A7140}" type="datetimeFigureOut">
               <a:rPr lang="en-US" smtClean="0"/>
-              <a:t>12/14/2018</a:t>
+              <a:t>12/14/18</a:t>
             </a:fld>
             <a:endParaRPr lang="en-US"/>
           </a:p>
@@ -813,7 +813,7 @@
           <a:p>
             <a:fld id="{50BABC5D-73AD-A341-9003-8412548A7140}" type="datetimeFigureOut">
               <a:rPr lang="en-US" smtClean="0"/>
-              <a:t>12/14/2018</a:t>
+              <a:t>12/14/18</a:t>
             </a:fld>
             <a:endParaRPr lang="en-US"/>
           </a:p>
@@ -1021,7 +1021,7 @@
           <a:p>
             <a:fld id="{50BABC5D-73AD-A341-9003-8412548A7140}" type="datetimeFigureOut">
               <a:rPr lang="en-US" smtClean="0"/>
-              <a:t>12/14/2018</a:t>
+              <a:t>12/14/18</a:t>
             </a:fld>
             <a:endParaRPr lang="en-US"/>
           </a:p>
@@ -1219,7 +1219,7 @@
           <a:p>
             <a:fld id="{50BABC5D-73AD-A341-9003-8412548A7140}" type="datetimeFigureOut">
               <a:rPr lang="en-US" smtClean="0"/>
-              <a:t>12/14/2018</a:t>
+              <a:t>12/14/18</a:t>
             </a:fld>
             <a:endParaRPr lang="en-US"/>
           </a:p>
@@ -1494,7 +1494,7 @@
           <a:p>
             <a:fld id="{50BABC5D-73AD-A341-9003-8412548A7140}" type="datetimeFigureOut">
               <a:rPr lang="en-US" smtClean="0"/>
-              <a:t>12/14/2018</a:t>
+              <a:t>12/14/18</a:t>
             </a:fld>
             <a:endParaRPr lang="en-US"/>
           </a:p>
@@ -1759,7 +1759,7 @@
           <a:p>
             <a:fld id="{50BABC5D-73AD-A341-9003-8412548A7140}" type="datetimeFigureOut">
               <a:rPr lang="en-US" smtClean="0"/>
-              <a:t>12/14/2018</a:t>
+              <a:t>12/14/18</a:t>
             </a:fld>
             <a:endParaRPr lang="en-US"/>
           </a:p>
@@ -2171,7 +2171,7 @@
           <a:p>
             <a:fld id="{50BABC5D-73AD-A341-9003-8412548A7140}" type="datetimeFigureOut">
               <a:rPr lang="en-US" smtClean="0"/>
-              <a:t>12/14/2018</a:t>
+              <a:t>12/14/18</a:t>
             </a:fld>
             <a:endParaRPr lang="en-US"/>
           </a:p>
@@ -2312,7 +2312,7 @@
           <a:p>
             <a:fld id="{50BABC5D-73AD-A341-9003-8412548A7140}" type="datetimeFigureOut">
               <a:rPr lang="en-US" smtClean="0"/>
-              <a:t>12/14/2018</a:t>
+              <a:t>12/14/18</a:t>
             </a:fld>
             <a:endParaRPr lang="en-US"/>
           </a:p>
@@ -2425,7 +2425,7 @@
           <a:p>
             <a:fld id="{50BABC5D-73AD-A341-9003-8412548A7140}" type="datetimeFigureOut">
               <a:rPr lang="en-US" smtClean="0"/>
-              <a:t>12/14/2018</a:t>
+              <a:t>12/14/18</a:t>
             </a:fld>
             <a:endParaRPr lang="en-US"/>
           </a:p>
@@ -2736,7 +2736,7 @@
           <a:p>
             <a:fld id="{50BABC5D-73AD-A341-9003-8412548A7140}" type="datetimeFigureOut">
               <a:rPr lang="en-US" smtClean="0"/>
-              <a:t>12/14/2018</a:t>
+              <a:t>12/14/18</a:t>
             </a:fld>
             <a:endParaRPr lang="en-US"/>
           </a:p>
@@ -3024,7 +3024,7 @@
           <a:p>
             <a:fld id="{50BABC5D-73AD-A341-9003-8412548A7140}" type="datetimeFigureOut">
               <a:rPr lang="en-US" smtClean="0"/>
-              <a:t>12/14/2018</a:t>
+              <a:t>12/14/18</a:t>
             </a:fld>
             <a:endParaRPr lang="en-US"/>
           </a:p>
@@ -3265,7 +3265,7 @@
           <a:p>
             <a:fld id="{50BABC5D-73AD-A341-9003-8412548A7140}" type="datetimeFigureOut">
               <a:rPr lang="en-US" smtClean="0"/>
-              <a:t>12/14/2018</a:t>
+              <a:t>12/14/18</a:t>
             </a:fld>
             <a:endParaRPr lang="en-US"/>
           </a:p>
@@ -7990,8 +7990,8 @@
         </p:nvSpPr>
         <p:spPr>
           <a:xfrm>
-            <a:off x="6586861" y="2501328"/>
-            <a:ext cx="335492" cy="283634"/>
+            <a:off x="5031362" y="2103987"/>
+            <a:ext cx="65690" cy="93134"/>
           </a:xfrm>
           <a:custGeom>
             <a:avLst/>
@@ -8052,6 +8052,26 @@
               <a:gd name="connsiteY0" fmla="*/ 0 h 283634"/>
               <a:gd name="connsiteX1" fmla="*/ 335492 w 335492"/>
               <a:gd name="connsiteY1" fmla="*/ 283634 h 283634"/>
+              <a:gd name="connsiteX0" fmla="*/ 0 w 113242"/>
+              <a:gd name="connsiteY0" fmla="*/ 23817 h 101076"/>
+              <a:gd name="connsiteX1" fmla="*/ 113242 w 113242"/>
+              <a:gd name="connsiteY1" fmla="*/ 101076 h 101076"/>
+              <a:gd name="connsiteX0" fmla="*/ 0 w 131430"/>
+              <a:gd name="connsiteY0" fmla="*/ 0 h 77259"/>
+              <a:gd name="connsiteX1" fmla="*/ 113242 w 131430"/>
+              <a:gd name="connsiteY1" fmla="*/ 77259 h 77259"/>
+              <a:gd name="connsiteX0" fmla="*/ 0 w 88086"/>
+              <a:gd name="connsiteY0" fmla="*/ 0 h 96309"/>
+              <a:gd name="connsiteX1" fmla="*/ 33867 w 88086"/>
+              <a:gd name="connsiteY1" fmla="*/ 96309 h 96309"/>
+              <a:gd name="connsiteX0" fmla="*/ 0 w 51968"/>
+              <a:gd name="connsiteY0" fmla="*/ 0 h 96309"/>
+              <a:gd name="connsiteX1" fmla="*/ 33867 w 51968"/>
+              <a:gd name="connsiteY1" fmla="*/ 96309 h 96309"/>
+              <a:gd name="connsiteX0" fmla="*/ 0 w 65690"/>
+              <a:gd name="connsiteY0" fmla="*/ 0 h 93134"/>
+              <a:gd name="connsiteX1" fmla="*/ 52917 w 65690"/>
+              <a:gd name="connsiteY1" fmla="*/ 93134 h 93134"/>
             </a:gdLst>
             <a:ahLst/>
             <a:cxnLst>
@@ -8064,14 +8084,14 @@
             </a:cxnLst>
             <a:rect l="l" t="t" r="r" b="b"/>
             <a:pathLst>
-              <a:path w="335492" h="283634">
+              <a:path w="65690" h="93134">
                 <a:moveTo>
                   <a:pt x="0" y="0"/>
                 </a:moveTo>
                 <a:cubicBezTo>
-                  <a:pt x="156634" y="2116"/>
-                  <a:pt x="319617" y="115359"/>
-                  <a:pt x="335492" y="283634"/>
+                  <a:pt x="61384" y="8466"/>
+                  <a:pt x="81492" y="70909"/>
+                  <a:pt x="52917" y="93134"/>
                 </a:cubicBezTo>
               </a:path>
             </a:pathLst>
@@ -8082,7 +8102,7 @@
               <a:schemeClr val="tx1"/>
             </a:solidFill>
             <a:headEnd type="triangle" w="med" len="med"/>
-            <a:tailEnd type="none" w="med" len="med"/>
+            <a:tailEnd type="none" w="sm" len="med"/>
           </a:ln>
         </p:spPr>
         <p:style>
@@ -8124,7 +8144,7 @@
         </p:nvSpPr>
         <p:spPr>
           <a:xfrm>
-            <a:off x="6754970" y="2390011"/>
+            <a:off x="5125375" y="2075409"/>
             <a:ext cx="154845" cy="138499"/>
           </a:xfrm>
           <a:prstGeom prst="rect">
@@ -8143,11 +8163,11 @@
           <a:p>
             <a:r>
               <a:rPr lang="en-US" sz="900" dirty="0"/>
-              <a:t>θ</a:t>
+              <a:t>g</a:t>
             </a:r>
             <a:r>
               <a:rPr lang="en-US" sz="900" baseline="-25000" dirty="0"/>
-              <a:t>2</a:t>
+              <a:t>1</a:t>
             </a:r>
           </a:p>
         </p:txBody>
@@ -9614,7 +9634,7 @@
         </p:nvSpPr>
         <p:spPr>
           <a:xfrm>
-            <a:off x="4909020" y="1597270"/>
+            <a:off x="4953536" y="1607918"/>
             <a:ext cx="172067" cy="138499"/>
           </a:xfrm>
           <a:prstGeom prst="rect">
@@ -9637,7 +9657,7 @@
             </a:r>
             <a:r>
               <a:rPr lang="en-US" sz="900" baseline="-25000" dirty="0"/>
-              <a:t>3</a:t>
+              <a:t>34</a:t>
             </a:r>
           </a:p>
         </p:txBody>
@@ -9999,7 +10019,7 @@
         </p:nvSpPr>
         <p:spPr>
           <a:xfrm>
-            <a:off x="4632979" y="1730883"/>
+            <a:off x="4560032" y="1561447"/>
             <a:ext cx="104775" cy="138499"/>
           </a:xfrm>
           <a:prstGeom prst="rect">
@@ -10081,7 +10101,7 @@
         <p:spPr>
           <a:xfrm>
             <a:off x="1975269" y="812940"/>
-            <a:ext cx="1662364" cy="830997"/>
+            <a:ext cx="1662364" cy="1015663"/>
           </a:xfrm>
           <a:prstGeom prst="rect">
             <a:avLst/>
@@ -10095,57 +10115,86 @@
           <a:p>
             <a:r>
               <a:rPr lang="en-GB" sz="600" dirty="0"/>
-              <a:t>1. Calculate C from A and B</a:t>
-            </a:r>
-          </a:p>
-          <a:p>
+              <a:t>1. Calculate H4WC from </a:t>
+            </a:r>
+            <a:r>
+              <a:rPr lang="en-GB" sz="600" dirty="0" err="1"/>
+              <a:t>WCx</a:t>
+            </a:r>
             <a:r>
               <a:rPr lang="en-GB" sz="600" dirty="0"/>
-              <a:t>2. Calculate CA from ABC</a:t>
-            </a:r>
+              <a:t> and </a:t>
+            </a:r>
+            <a:r>
+              <a:rPr lang="en-GB" sz="600" dirty="0" err="1"/>
+              <a:t>WCy</a:t>
+            </a:r>
+            <a:endParaRPr lang="en-GB" sz="600" dirty="0"/>
           </a:p>
           <a:p>
             <a:r>
               <a:rPr lang="en-GB" sz="600" dirty="0"/>
-              <a:t>3. Calculate F from L3 and L4 (E)</a:t>
-            </a:r>
-          </a:p>
-          <a:p>
+              <a:t>2. Calculate CA from H4WC, </a:t>
+            </a:r>
+            <a:r>
+              <a:rPr lang="en-GB" sz="600" dirty="0" err="1"/>
+              <a:t>WCx</a:t>
+            </a:r>
             <a:r>
               <a:rPr lang="en-GB" sz="600" dirty="0"/>
-              <a:t>4. calculate angle DC from lengths DFC</a:t>
-            </a:r>
+              <a:t>, </a:t>
+            </a:r>
+            <a:r>
+              <a:rPr lang="en-GB" sz="600" dirty="0" err="1"/>
+              <a:t>Wcy</a:t>
+            </a:r>
+            <a:endParaRPr lang="en-GB" sz="600" dirty="0"/>
           </a:p>
           <a:p>
             <a:r>
               <a:rPr lang="en-GB" sz="600" dirty="0"/>
-              <a:t>5. Calculate theta2 from sum angle DC+CA</a:t>
-            </a:r>
+              <a:t>3. Calculate L4xcx = sqrt(a3*a3 – 0.54*0.54) (</a:t>
+            </a:r>
+            <a:r>
+              <a:rPr lang="en-GB" sz="600"/>
+              <a:t>x displacement J4 to WC)</a:t>
+            </a:r>
+            <a:endParaRPr lang="en-GB" sz="600" dirty="0"/>
           </a:p>
           <a:p>
             <a:r>
               <a:rPr lang="en-GB" sz="600" dirty="0"/>
-              <a:t>6. Calculate angle FL3 from triangle FEL3</a:t>
+              <a:t>4. Calculate L3wc as sum L34x + L4wcx</a:t>
             </a:r>
           </a:p>
           <a:p>
             <a:r>
               <a:rPr lang="en-GB" sz="600" dirty="0"/>
-              <a:t>7. calculate angle DF from triangle DFC</a:t>
+              <a:t>5. Calculate g2 from a2, H4wc, (L34x+L4WCx)</a:t>
             </a:r>
           </a:p>
           <a:p>
             <a:r>
               <a:rPr lang="en-GB" sz="600" dirty="0"/>
-              <a:t>8. subtract </a:t>
-            </a:r>
-            <a:r>
-              <a:rPr lang="en-GB" sz="600" dirty="0" err="1"/>
-              <a:t>abgle</a:t>
-            </a:r>
+              <a:t>6. Calculate g3 from a2, H4wc, (L34x+L4WCx)</a:t>
+            </a:r>
+          </a:p>
+          <a:p>
             <a:r>
               <a:rPr lang="en-GB" sz="600" dirty="0"/>
-              <a:t> FL3 from angle DF</a:t>
+              <a:t>7. Calculate L34 from sqrt(L34x*L34x + a3*a3)</a:t>
+            </a:r>
+          </a:p>
+          <a:p>
+            <a:r>
+              <a:rPr lang="en-GB" sz="600" dirty="0"/>
+              <a:t>7. Calculate g4 from L34x, a3, L34</a:t>
+            </a:r>
+          </a:p>
+          <a:p>
+            <a:r>
+              <a:rPr lang="en-GB" sz="600" dirty="0"/>
+              <a:t>8. Calculate theta3 from g3 – g4</a:t>
             </a:r>
           </a:p>
         </p:txBody>
@@ -10272,16 +10321,13 @@
           <a:p>
             <a:r>
               <a:rPr lang="en-US" sz="900" dirty="0"/>
-              <a:t>L</a:t>
+              <a:t>a</a:t>
             </a:r>
             <a:r>
               <a:rPr lang="en-US" sz="900" baseline="-25000" dirty="0"/>
-              <a:t>34</a:t>
-            </a:r>
-            <a:r>
-              <a:rPr lang="en-US" sz="900" dirty="0"/>
-              <a:t>y</a:t>
-            </a:r>
+              <a:t>3</a:t>
+            </a:r>
+            <a:endParaRPr lang="en-US" sz="900" dirty="0"/>
           </a:p>
         </p:txBody>
       </p:sp>
@@ -10385,7 +10431,7 @@
         </p:nvSpPr>
         <p:spPr>
           <a:xfrm rot="1674800">
-            <a:off x="5251403" y="1628786"/>
+            <a:off x="5254578" y="1631961"/>
             <a:ext cx="45719" cy="45719"/>
           </a:xfrm>
           <a:prstGeom prst="rect">
@@ -10549,6 +10595,980 @@
             <a:r>
               <a:rPr lang="en-US" sz="900" dirty="0"/>
               <a:t>x</a:t>
+            </a:r>
+          </a:p>
+        </p:txBody>
+      </p:sp>
+      <p:sp>
+        <p:nvSpPr>
+          <p:cNvPr id="64" name="Freeform 63">
+            <a:extLst>
+              <a:ext uri="{FF2B5EF4-FFF2-40B4-BE49-F238E27FC236}">
+                <a16:creationId xmlns:a16="http://schemas.microsoft.com/office/drawing/2014/main" id="{2919C9E4-A866-1A48-A904-60092D9A6B66}"/>
+              </a:ext>
+            </a:extLst>
+          </p:cNvPr>
+          <p:cNvSpPr/>
+          <p:nvPr/>
+        </p:nvSpPr>
+        <p:spPr>
+          <a:xfrm>
+            <a:off x="4596582" y="1900813"/>
+            <a:ext cx="174274" cy="229659"/>
+          </a:xfrm>
+          <a:custGeom>
+            <a:avLst/>
+            <a:gdLst>
+              <a:gd name="connsiteX0" fmla="*/ 0 w 147545"/>
+              <a:gd name="connsiteY0" fmla="*/ 0 h 212781"/>
+              <a:gd name="connsiteX1" fmla="*/ 146050 w 147545"/>
+              <a:gd name="connsiteY1" fmla="*/ 200025 h 212781"/>
+              <a:gd name="connsiteX2" fmla="*/ 79375 w 147545"/>
+              <a:gd name="connsiteY2" fmla="*/ 203200 h 212781"/>
+              <a:gd name="connsiteX0" fmla="*/ 0 w 153794"/>
+              <a:gd name="connsiteY0" fmla="*/ 0 h 203200"/>
+              <a:gd name="connsiteX1" fmla="*/ 152400 w 153794"/>
+              <a:gd name="connsiteY1" fmla="*/ 66675 h 203200"/>
+              <a:gd name="connsiteX2" fmla="*/ 79375 w 153794"/>
+              <a:gd name="connsiteY2" fmla="*/ 203200 h 203200"/>
+              <a:gd name="connsiteX0" fmla="*/ 0 w 79375"/>
+              <a:gd name="connsiteY0" fmla="*/ 0 h 203200"/>
+              <a:gd name="connsiteX1" fmla="*/ 79375 w 79375"/>
+              <a:gd name="connsiteY1" fmla="*/ 203200 h 203200"/>
+              <a:gd name="connsiteX0" fmla="*/ 0 w 142919"/>
+              <a:gd name="connsiteY0" fmla="*/ 0 h 203200"/>
+              <a:gd name="connsiteX1" fmla="*/ 79375 w 142919"/>
+              <a:gd name="connsiteY1" fmla="*/ 203200 h 203200"/>
+              <a:gd name="connsiteX0" fmla="*/ 0 w 186211"/>
+              <a:gd name="connsiteY0" fmla="*/ 0 h 203200"/>
+              <a:gd name="connsiteX1" fmla="*/ 79375 w 186211"/>
+              <a:gd name="connsiteY1" fmla="*/ 203200 h 203200"/>
+              <a:gd name="connsiteX0" fmla="*/ 0 w 125812"/>
+              <a:gd name="connsiteY0" fmla="*/ 0 h 203200"/>
+              <a:gd name="connsiteX1" fmla="*/ 79375 w 125812"/>
+              <a:gd name="connsiteY1" fmla="*/ 203200 h 203200"/>
+              <a:gd name="connsiteX0" fmla="*/ 0 w 122234"/>
+              <a:gd name="connsiteY0" fmla="*/ 1233 h 204433"/>
+              <a:gd name="connsiteX1" fmla="*/ 79375 w 122234"/>
+              <a:gd name="connsiteY1" fmla="*/ 204433 h 204433"/>
+              <a:gd name="connsiteX0" fmla="*/ 0 w 148382"/>
+              <a:gd name="connsiteY0" fmla="*/ 1233 h 204433"/>
+              <a:gd name="connsiteX1" fmla="*/ 111125 w 148382"/>
+              <a:gd name="connsiteY1" fmla="*/ 204433 h 204433"/>
+              <a:gd name="connsiteX0" fmla="*/ 0 w 354546"/>
+              <a:gd name="connsiteY0" fmla="*/ 772 h 284406"/>
+              <a:gd name="connsiteX1" fmla="*/ 335492 w 354546"/>
+              <a:gd name="connsiteY1" fmla="*/ 284406 h 284406"/>
+              <a:gd name="connsiteX0" fmla="*/ 0 w 335731"/>
+              <a:gd name="connsiteY0" fmla="*/ 1961 h 285595"/>
+              <a:gd name="connsiteX1" fmla="*/ 335492 w 335731"/>
+              <a:gd name="connsiteY1" fmla="*/ 285595 h 285595"/>
+              <a:gd name="connsiteX0" fmla="*/ 0 w 336219"/>
+              <a:gd name="connsiteY0" fmla="*/ 60 h 283694"/>
+              <a:gd name="connsiteX1" fmla="*/ 335492 w 336219"/>
+              <a:gd name="connsiteY1" fmla="*/ 283694 h 283694"/>
+              <a:gd name="connsiteX0" fmla="*/ 0 w 335839"/>
+              <a:gd name="connsiteY0" fmla="*/ 0 h 283634"/>
+              <a:gd name="connsiteX1" fmla="*/ 335492 w 335839"/>
+              <a:gd name="connsiteY1" fmla="*/ 283634 h 283634"/>
+              <a:gd name="connsiteX0" fmla="*/ 0 w 335492"/>
+              <a:gd name="connsiteY0" fmla="*/ 0 h 283634"/>
+              <a:gd name="connsiteX1" fmla="*/ 335492 w 335492"/>
+              <a:gd name="connsiteY1" fmla="*/ 283634 h 283634"/>
+              <a:gd name="connsiteX0" fmla="*/ 0 w 113242"/>
+              <a:gd name="connsiteY0" fmla="*/ 23817 h 101076"/>
+              <a:gd name="connsiteX1" fmla="*/ 113242 w 113242"/>
+              <a:gd name="connsiteY1" fmla="*/ 101076 h 101076"/>
+              <a:gd name="connsiteX0" fmla="*/ 0 w 131430"/>
+              <a:gd name="connsiteY0" fmla="*/ 0 h 77259"/>
+              <a:gd name="connsiteX1" fmla="*/ 113242 w 131430"/>
+              <a:gd name="connsiteY1" fmla="*/ 77259 h 77259"/>
+              <a:gd name="connsiteX0" fmla="*/ 0 w 88086"/>
+              <a:gd name="connsiteY0" fmla="*/ 0 h 96309"/>
+              <a:gd name="connsiteX1" fmla="*/ 33867 w 88086"/>
+              <a:gd name="connsiteY1" fmla="*/ 96309 h 96309"/>
+              <a:gd name="connsiteX0" fmla="*/ 0 w 51968"/>
+              <a:gd name="connsiteY0" fmla="*/ 0 h 96309"/>
+              <a:gd name="connsiteX1" fmla="*/ 33867 w 51968"/>
+              <a:gd name="connsiteY1" fmla="*/ 96309 h 96309"/>
+              <a:gd name="connsiteX0" fmla="*/ 0 w 65690"/>
+              <a:gd name="connsiteY0" fmla="*/ 0 h 93134"/>
+              <a:gd name="connsiteX1" fmla="*/ 52917 w 65690"/>
+              <a:gd name="connsiteY1" fmla="*/ 93134 h 93134"/>
+              <a:gd name="connsiteX0" fmla="*/ 0 w 171150"/>
+              <a:gd name="connsiteY0" fmla="*/ 0 h 229659"/>
+              <a:gd name="connsiteX1" fmla="*/ 167217 w 171150"/>
+              <a:gd name="connsiteY1" fmla="*/ 229659 h 229659"/>
+              <a:gd name="connsiteX0" fmla="*/ 0 w 172717"/>
+              <a:gd name="connsiteY0" fmla="*/ 0 h 229659"/>
+              <a:gd name="connsiteX1" fmla="*/ 167217 w 172717"/>
+              <a:gd name="connsiteY1" fmla="*/ 229659 h 229659"/>
+              <a:gd name="connsiteX0" fmla="*/ 0 w 178939"/>
+              <a:gd name="connsiteY0" fmla="*/ 0 h 229659"/>
+              <a:gd name="connsiteX1" fmla="*/ 167217 w 178939"/>
+              <a:gd name="connsiteY1" fmla="*/ 229659 h 229659"/>
+              <a:gd name="connsiteX0" fmla="*/ 0 w 174274"/>
+              <a:gd name="connsiteY0" fmla="*/ 0 h 229659"/>
+              <a:gd name="connsiteX1" fmla="*/ 167217 w 174274"/>
+              <a:gd name="connsiteY1" fmla="*/ 229659 h 229659"/>
+            </a:gdLst>
+            <a:ahLst/>
+            <a:cxnLst>
+              <a:cxn ang="0">
+                <a:pos x="connsiteX0" y="connsiteY0"/>
+              </a:cxn>
+              <a:cxn ang="0">
+                <a:pos x="connsiteX1" y="connsiteY1"/>
+              </a:cxn>
+            </a:cxnLst>
+            <a:rect l="l" t="t" r="r" b="b"/>
+            <a:pathLst>
+              <a:path w="174274" h="229659">
+                <a:moveTo>
+                  <a:pt x="0" y="0"/>
+                </a:moveTo>
+                <a:cubicBezTo>
+                  <a:pt x="109009" y="17991"/>
+                  <a:pt x="200882" y="96988"/>
+                  <a:pt x="167217" y="229659"/>
+                </a:cubicBezTo>
+              </a:path>
+            </a:pathLst>
+          </a:custGeom>
+          <a:noFill/>
+          <a:ln>
+            <a:solidFill>
+              <a:schemeClr val="tx1"/>
+            </a:solidFill>
+            <a:headEnd type="triangle" w="med" len="med"/>
+            <a:tailEnd type="none" w="sm" len="med"/>
+          </a:ln>
+        </p:spPr>
+        <p:style>
+          <a:lnRef idx="2">
+            <a:schemeClr val="accent1">
+              <a:shade val="50000"/>
+            </a:schemeClr>
+          </a:lnRef>
+          <a:fillRef idx="1">
+            <a:schemeClr val="accent1"/>
+          </a:fillRef>
+          <a:effectRef idx="0">
+            <a:schemeClr val="accent1"/>
+          </a:effectRef>
+          <a:fontRef idx="minor">
+            <a:schemeClr val="lt1"/>
+          </a:fontRef>
+        </p:style>
+        <p:txBody>
+          <a:bodyPr rtlCol="0" anchor="ctr"/>
+          <a:lstStyle/>
+          <a:p>
+            <a:pPr algn="ctr"/>
+            <a:endParaRPr lang="en-US"/>
+          </a:p>
+        </p:txBody>
+      </p:sp>
+      <p:sp>
+        <p:nvSpPr>
+          <p:cNvPr id="66" name="TextBox 65">
+            <a:extLst>
+              <a:ext uri="{FF2B5EF4-FFF2-40B4-BE49-F238E27FC236}">
+                <a16:creationId xmlns:a16="http://schemas.microsoft.com/office/drawing/2014/main" id="{AFCA11D4-CA72-7A4E-9EC8-2F7190E26C08}"/>
+              </a:ext>
+            </a:extLst>
+          </p:cNvPr>
+          <p:cNvSpPr txBox="1"/>
+          <p:nvPr/>
+        </p:nvSpPr>
+        <p:spPr>
+          <a:xfrm>
+            <a:off x="4659864" y="1931942"/>
+            <a:ext cx="154845" cy="138499"/>
+          </a:xfrm>
+          <a:prstGeom prst="rect">
+            <a:avLst/>
+          </a:prstGeom>
+          <a:noFill/>
+          <a:ln>
+            <a:noFill/>
+          </a:ln>
+        </p:spPr>
+        <p:txBody>
+          <a:bodyPr wrap="square" lIns="0" tIns="0" rIns="0" bIns="0" rtlCol="0">
+            <a:spAutoFit/>
+          </a:bodyPr>
+          <a:lstStyle/>
+          <a:p>
+            <a:r>
+              <a:rPr lang="en-US" sz="900" dirty="0"/>
+              <a:t>g</a:t>
+            </a:r>
+            <a:r>
+              <a:rPr lang="en-US" sz="900" baseline="-25000" dirty="0"/>
+              <a:t>2</a:t>
+            </a:r>
+          </a:p>
+        </p:txBody>
+      </p:sp>
+      <p:sp>
+        <p:nvSpPr>
+          <p:cNvPr id="67" name="Freeform 66">
+            <a:extLst>
+              <a:ext uri="{FF2B5EF4-FFF2-40B4-BE49-F238E27FC236}">
+                <a16:creationId xmlns:a16="http://schemas.microsoft.com/office/drawing/2014/main" id="{E4127EA4-724D-E048-B277-3119A2536AF2}"/>
+              </a:ext>
+            </a:extLst>
+          </p:cNvPr>
+          <p:cNvSpPr/>
+          <p:nvPr/>
+        </p:nvSpPr>
+        <p:spPr>
+          <a:xfrm>
+            <a:off x="4627471" y="1772037"/>
+            <a:ext cx="274098" cy="432859"/>
+          </a:xfrm>
+          <a:custGeom>
+            <a:avLst/>
+            <a:gdLst>
+              <a:gd name="connsiteX0" fmla="*/ 0 w 147545"/>
+              <a:gd name="connsiteY0" fmla="*/ 0 h 212781"/>
+              <a:gd name="connsiteX1" fmla="*/ 146050 w 147545"/>
+              <a:gd name="connsiteY1" fmla="*/ 200025 h 212781"/>
+              <a:gd name="connsiteX2" fmla="*/ 79375 w 147545"/>
+              <a:gd name="connsiteY2" fmla="*/ 203200 h 212781"/>
+              <a:gd name="connsiteX0" fmla="*/ 0 w 153794"/>
+              <a:gd name="connsiteY0" fmla="*/ 0 h 203200"/>
+              <a:gd name="connsiteX1" fmla="*/ 152400 w 153794"/>
+              <a:gd name="connsiteY1" fmla="*/ 66675 h 203200"/>
+              <a:gd name="connsiteX2" fmla="*/ 79375 w 153794"/>
+              <a:gd name="connsiteY2" fmla="*/ 203200 h 203200"/>
+              <a:gd name="connsiteX0" fmla="*/ 0 w 79375"/>
+              <a:gd name="connsiteY0" fmla="*/ 0 h 203200"/>
+              <a:gd name="connsiteX1" fmla="*/ 79375 w 79375"/>
+              <a:gd name="connsiteY1" fmla="*/ 203200 h 203200"/>
+              <a:gd name="connsiteX0" fmla="*/ 0 w 142919"/>
+              <a:gd name="connsiteY0" fmla="*/ 0 h 203200"/>
+              <a:gd name="connsiteX1" fmla="*/ 79375 w 142919"/>
+              <a:gd name="connsiteY1" fmla="*/ 203200 h 203200"/>
+              <a:gd name="connsiteX0" fmla="*/ 0 w 186211"/>
+              <a:gd name="connsiteY0" fmla="*/ 0 h 203200"/>
+              <a:gd name="connsiteX1" fmla="*/ 79375 w 186211"/>
+              <a:gd name="connsiteY1" fmla="*/ 203200 h 203200"/>
+              <a:gd name="connsiteX0" fmla="*/ 0 w 125812"/>
+              <a:gd name="connsiteY0" fmla="*/ 0 h 203200"/>
+              <a:gd name="connsiteX1" fmla="*/ 79375 w 125812"/>
+              <a:gd name="connsiteY1" fmla="*/ 203200 h 203200"/>
+              <a:gd name="connsiteX0" fmla="*/ 0 w 122234"/>
+              <a:gd name="connsiteY0" fmla="*/ 1233 h 204433"/>
+              <a:gd name="connsiteX1" fmla="*/ 79375 w 122234"/>
+              <a:gd name="connsiteY1" fmla="*/ 204433 h 204433"/>
+              <a:gd name="connsiteX0" fmla="*/ 0 w 148382"/>
+              <a:gd name="connsiteY0" fmla="*/ 1233 h 204433"/>
+              <a:gd name="connsiteX1" fmla="*/ 111125 w 148382"/>
+              <a:gd name="connsiteY1" fmla="*/ 204433 h 204433"/>
+              <a:gd name="connsiteX0" fmla="*/ 0 w 354546"/>
+              <a:gd name="connsiteY0" fmla="*/ 772 h 284406"/>
+              <a:gd name="connsiteX1" fmla="*/ 335492 w 354546"/>
+              <a:gd name="connsiteY1" fmla="*/ 284406 h 284406"/>
+              <a:gd name="connsiteX0" fmla="*/ 0 w 335731"/>
+              <a:gd name="connsiteY0" fmla="*/ 1961 h 285595"/>
+              <a:gd name="connsiteX1" fmla="*/ 335492 w 335731"/>
+              <a:gd name="connsiteY1" fmla="*/ 285595 h 285595"/>
+              <a:gd name="connsiteX0" fmla="*/ 0 w 336219"/>
+              <a:gd name="connsiteY0" fmla="*/ 60 h 283694"/>
+              <a:gd name="connsiteX1" fmla="*/ 335492 w 336219"/>
+              <a:gd name="connsiteY1" fmla="*/ 283694 h 283694"/>
+              <a:gd name="connsiteX0" fmla="*/ 0 w 335839"/>
+              <a:gd name="connsiteY0" fmla="*/ 0 h 283634"/>
+              <a:gd name="connsiteX1" fmla="*/ 335492 w 335839"/>
+              <a:gd name="connsiteY1" fmla="*/ 283634 h 283634"/>
+              <a:gd name="connsiteX0" fmla="*/ 0 w 335492"/>
+              <a:gd name="connsiteY0" fmla="*/ 0 h 283634"/>
+              <a:gd name="connsiteX1" fmla="*/ 335492 w 335492"/>
+              <a:gd name="connsiteY1" fmla="*/ 283634 h 283634"/>
+              <a:gd name="connsiteX0" fmla="*/ 0 w 113242"/>
+              <a:gd name="connsiteY0" fmla="*/ 23817 h 101076"/>
+              <a:gd name="connsiteX1" fmla="*/ 113242 w 113242"/>
+              <a:gd name="connsiteY1" fmla="*/ 101076 h 101076"/>
+              <a:gd name="connsiteX0" fmla="*/ 0 w 131430"/>
+              <a:gd name="connsiteY0" fmla="*/ 0 h 77259"/>
+              <a:gd name="connsiteX1" fmla="*/ 113242 w 131430"/>
+              <a:gd name="connsiteY1" fmla="*/ 77259 h 77259"/>
+              <a:gd name="connsiteX0" fmla="*/ 0 w 88086"/>
+              <a:gd name="connsiteY0" fmla="*/ 0 h 96309"/>
+              <a:gd name="connsiteX1" fmla="*/ 33867 w 88086"/>
+              <a:gd name="connsiteY1" fmla="*/ 96309 h 96309"/>
+              <a:gd name="connsiteX0" fmla="*/ 0 w 51968"/>
+              <a:gd name="connsiteY0" fmla="*/ 0 h 96309"/>
+              <a:gd name="connsiteX1" fmla="*/ 33867 w 51968"/>
+              <a:gd name="connsiteY1" fmla="*/ 96309 h 96309"/>
+              <a:gd name="connsiteX0" fmla="*/ 0 w 65690"/>
+              <a:gd name="connsiteY0" fmla="*/ 0 h 93134"/>
+              <a:gd name="connsiteX1" fmla="*/ 52917 w 65690"/>
+              <a:gd name="connsiteY1" fmla="*/ 93134 h 93134"/>
+              <a:gd name="connsiteX0" fmla="*/ 0 w 171150"/>
+              <a:gd name="connsiteY0" fmla="*/ 0 h 229659"/>
+              <a:gd name="connsiteX1" fmla="*/ 167217 w 171150"/>
+              <a:gd name="connsiteY1" fmla="*/ 229659 h 229659"/>
+              <a:gd name="connsiteX0" fmla="*/ 0 w 172717"/>
+              <a:gd name="connsiteY0" fmla="*/ 0 h 229659"/>
+              <a:gd name="connsiteX1" fmla="*/ 167217 w 172717"/>
+              <a:gd name="connsiteY1" fmla="*/ 229659 h 229659"/>
+              <a:gd name="connsiteX0" fmla="*/ 0 w 178939"/>
+              <a:gd name="connsiteY0" fmla="*/ 0 h 229659"/>
+              <a:gd name="connsiteX1" fmla="*/ 167217 w 178939"/>
+              <a:gd name="connsiteY1" fmla="*/ 229659 h 229659"/>
+              <a:gd name="connsiteX0" fmla="*/ 0 w 248138"/>
+              <a:gd name="connsiteY0" fmla="*/ 0 h 432859"/>
+              <a:gd name="connsiteX1" fmla="*/ 240242 w 248138"/>
+              <a:gd name="connsiteY1" fmla="*/ 432859 h 432859"/>
+              <a:gd name="connsiteX0" fmla="*/ 0 w 265317"/>
+              <a:gd name="connsiteY0" fmla="*/ 0 h 432859"/>
+              <a:gd name="connsiteX1" fmla="*/ 240242 w 265317"/>
+              <a:gd name="connsiteY1" fmla="*/ 432859 h 432859"/>
+              <a:gd name="connsiteX0" fmla="*/ 0 w 274098"/>
+              <a:gd name="connsiteY0" fmla="*/ 0 h 432859"/>
+              <a:gd name="connsiteX1" fmla="*/ 240242 w 274098"/>
+              <a:gd name="connsiteY1" fmla="*/ 432859 h 432859"/>
+            </a:gdLst>
+            <a:ahLst/>
+            <a:cxnLst>
+              <a:cxn ang="0">
+                <a:pos x="connsiteX0" y="connsiteY0"/>
+              </a:cxn>
+              <a:cxn ang="0">
+                <a:pos x="connsiteX1" y="connsiteY1"/>
+              </a:cxn>
+            </a:cxnLst>
+            <a:rect l="l" t="t" r="r" b="b"/>
+            <a:pathLst>
+              <a:path w="274098" h="432859">
+                <a:moveTo>
+                  <a:pt x="0" y="0"/>
+                </a:moveTo>
+                <a:cubicBezTo>
+                  <a:pt x="201084" y="49741"/>
+                  <a:pt x="341842" y="293159"/>
+                  <a:pt x="240242" y="432859"/>
+                </a:cubicBezTo>
+              </a:path>
+            </a:pathLst>
+          </a:custGeom>
+          <a:noFill/>
+          <a:ln>
+            <a:solidFill>
+              <a:schemeClr val="tx1"/>
+            </a:solidFill>
+            <a:headEnd type="triangle" w="med" len="med"/>
+            <a:tailEnd type="none" w="sm" len="med"/>
+          </a:ln>
+        </p:spPr>
+        <p:style>
+          <a:lnRef idx="2">
+            <a:schemeClr val="accent1">
+              <a:shade val="50000"/>
+            </a:schemeClr>
+          </a:lnRef>
+          <a:fillRef idx="1">
+            <a:schemeClr val="accent1"/>
+          </a:fillRef>
+          <a:effectRef idx="0">
+            <a:schemeClr val="accent1"/>
+          </a:effectRef>
+          <a:fontRef idx="minor">
+            <a:schemeClr val="lt1"/>
+          </a:fontRef>
+        </p:style>
+        <p:txBody>
+          <a:bodyPr rtlCol="0" anchor="ctr"/>
+          <a:lstStyle/>
+          <a:p>
+            <a:pPr algn="ctr"/>
+            <a:endParaRPr lang="en-US"/>
+          </a:p>
+        </p:txBody>
+      </p:sp>
+      <p:sp>
+        <p:nvSpPr>
+          <p:cNvPr id="68" name="TextBox 67">
+            <a:extLst>
+              <a:ext uri="{FF2B5EF4-FFF2-40B4-BE49-F238E27FC236}">
+                <a16:creationId xmlns:a16="http://schemas.microsoft.com/office/drawing/2014/main" id="{F91A86AF-7EB7-9C4C-8398-67DBD4B79590}"/>
+              </a:ext>
+            </a:extLst>
+          </p:cNvPr>
+          <p:cNvSpPr txBox="1"/>
+          <p:nvPr/>
+        </p:nvSpPr>
+        <p:spPr>
+          <a:xfrm>
+            <a:off x="4849776" y="1822690"/>
+            <a:ext cx="154845" cy="138499"/>
+          </a:xfrm>
+          <a:prstGeom prst="rect">
+            <a:avLst/>
+          </a:prstGeom>
+          <a:noFill/>
+          <a:ln>
+            <a:noFill/>
+          </a:ln>
+        </p:spPr>
+        <p:txBody>
+          <a:bodyPr wrap="square" lIns="0" tIns="0" rIns="0" bIns="0" rtlCol="0">
+            <a:spAutoFit/>
+          </a:bodyPr>
+          <a:lstStyle/>
+          <a:p>
+            <a:r>
+              <a:rPr lang="en-US" sz="900" dirty="0"/>
+              <a:t>θ</a:t>
+            </a:r>
+            <a:r>
+              <a:rPr lang="en-US" sz="900" baseline="-25000" dirty="0"/>
+              <a:t>2</a:t>
+            </a:r>
+          </a:p>
+        </p:txBody>
+      </p:sp>
+      <p:sp>
+        <p:nvSpPr>
+          <p:cNvPr id="71" name="Freeform 70">
+            <a:extLst>
+              <a:ext uri="{FF2B5EF4-FFF2-40B4-BE49-F238E27FC236}">
+                <a16:creationId xmlns:a16="http://schemas.microsoft.com/office/drawing/2014/main" id="{0984C2DF-436C-BE4B-A186-332CAFF2CA4E}"/>
+              </a:ext>
+            </a:extLst>
+          </p:cNvPr>
+          <p:cNvSpPr/>
+          <p:nvPr/>
+        </p:nvSpPr>
+        <p:spPr>
+          <a:xfrm>
+            <a:off x="4675183" y="1512203"/>
+            <a:ext cx="300735" cy="144411"/>
+          </a:xfrm>
+          <a:custGeom>
+            <a:avLst/>
+            <a:gdLst>
+              <a:gd name="connsiteX0" fmla="*/ 0 w 147545"/>
+              <a:gd name="connsiteY0" fmla="*/ 0 h 212781"/>
+              <a:gd name="connsiteX1" fmla="*/ 146050 w 147545"/>
+              <a:gd name="connsiteY1" fmla="*/ 200025 h 212781"/>
+              <a:gd name="connsiteX2" fmla="*/ 79375 w 147545"/>
+              <a:gd name="connsiteY2" fmla="*/ 203200 h 212781"/>
+              <a:gd name="connsiteX0" fmla="*/ 0 w 153794"/>
+              <a:gd name="connsiteY0" fmla="*/ 0 h 203200"/>
+              <a:gd name="connsiteX1" fmla="*/ 152400 w 153794"/>
+              <a:gd name="connsiteY1" fmla="*/ 66675 h 203200"/>
+              <a:gd name="connsiteX2" fmla="*/ 79375 w 153794"/>
+              <a:gd name="connsiteY2" fmla="*/ 203200 h 203200"/>
+              <a:gd name="connsiteX0" fmla="*/ 0 w 79375"/>
+              <a:gd name="connsiteY0" fmla="*/ 0 h 203200"/>
+              <a:gd name="connsiteX1" fmla="*/ 79375 w 79375"/>
+              <a:gd name="connsiteY1" fmla="*/ 203200 h 203200"/>
+              <a:gd name="connsiteX0" fmla="*/ 0 w 142919"/>
+              <a:gd name="connsiteY0" fmla="*/ 0 h 203200"/>
+              <a:gd name="connsiteX1" fmla="*/ 79375 w 142919"/>
+              <a:gd name="connsiteY1" fmla="*/ 203200 h 203200"/>
+              <a:gd name="connsiteX0" fmla="*/ 0 w 186211"/>
+              <a:gd name="connsiteY0" fmla="*/ 0 h 203200"/>
+              <a:gd name="connsiteX1" fmla="*/ 79375 w 186211"/>
+              <a:gd name="connsiteY1" fmla="*/ 203200 h 203200"/>
+              <a:gd name="connsiteX0" fmla="*/ 0 w 125812"/>
+              <a:gd name="connsiteY0" fmla="*/ 0 h 203200"/>
+              <a:gd name="connsiteX1" fmla="*/ 79375 w 125812"/>
+              <a:gd name="connsiteY1" fmla="*/ 203200 h 203200"/>
+              <a:gd name="connsiteX0" fmla="*/ 0 w 122234"/>
+              <a:gd name="connsiteY0" fmla="*/ 1233 h 204433"/>
+              <a:gd name="connsiteX1" fmla="*/ 79375 w 122234"/>
+              <a:gd name="connsiteY1" fmla="*/ 204433 h 204433"/>
+              <a:gd name="connsiteX0" fmla="*/ 0 w 148382"/>
+              <a:gd name="connsiteY0" fmla="*/ 1233 h 204433"/>
+              <a:gd name="connsiteX1" fmla="*/ 111125 w 148382"/>
+              <a:gd name="connsiteY1" fmla="*/ 204433 h 204433"/>
+              <a:gd name="connsiteX0" fmla="*/ 0 w 354546"/>
+              <a:gd name="connsiteY0" fmla="*/ 772 h 284406"/>
+              <a:gd name="connsiteX1" fmla="*/ 335492 w 354546"/>
+              <a:gd name="connsiteY1" fmla="*/ 284406 h 284406"/>
+              <a:gd name="connsiteX0" fmla="*/ 0 w 335731"/>
+              <a:gd name="connsiteY0" fmla="*/ 1961 h 285595"/>
+              <a:gd name="connsiteX1" fmla="*/ 335492 w 335731"/>
+              <a:gd name="connsiteY1" fmla="*/ 285595 h 285595"/>
+              <a:gd name="connsiteX0" fmla="*/ 0 w 336219"/>
+              <a:gd name="connsiteY0" fmla="*/ 60 h 283694"/>
+              <a:gd name="connsiteX1" fmla="*/ 335492 w 336219"/>
+              <a:gd name="connsiteY1" fmla="*/ 283694 h 283694"/>
+              <a:gd name="connsiteX0" fmla="*/ 0 w 335839"/>
+              <a:gd name="connsiteY0" fmla="*/ 0 h 283634"/>
+              <a:gd name="connsiteX1" fmla="*/ 335492 w 335839"/>
+              <a:gd name="connsiteY1" fmla="*/ 283634 h 283634"/>
+              <a:gd name="connsiteX0" fmla="*/ 0 w 335492"/>
+              <a:gd name="connsiteY0" fmla="*/ 0 h 283634"/>
+              <a:gd name="connsiteX1" fmla="*/ 335492 w 335492"/>
+              <a:gd name="connsiteY1" fmla="*/ 283634 h 283634"/>
+              <a:gd name="connsiteX0" fmla="*/ 0 w 113242"/>
+              <a:gd name="connsiteY0" fmla="*/ 23817 h 101076"/>
+              <a:gd name="connsiteX1" fmla="*/ 113242 w 113242"/>
+              <a:gd name="connsiteY1" fmla="*/ 101076 h 101076"/>
+              <a:gd name="connsiteX0" fmla="*/ 0 w 131430"/>
+              <a:gd name="connsiteY0" fmla="*/ 0 h 77259"/>
+              <a:gd name="connsiteX1" fmla="*/ 113242 w 131430"/>
+              <a:gd name="connsiteY1" fmla="*/ 77259 h 77259"/>
+              <a:gd name="connsiteX0" fmla="*/ 0 w 88086"/>
+              <a:gd name="connsiteY0" fmla="*/ 0 h 96309"/>
+              <a:gd name="connsiteX1" fmla="*/ 33867 w 88086"/>
+              <a:gd name="connsiteY1" fmla="*/ 96309 h 96309"/>
+              <a:gd name="connsiteX0" fmla="*/ 0 w 51968"/>
+              <a:gd name="connsiteY0" fmla="*/ 0 h 96309"/>
+              <a:gd name="connsiteX1" fmla="*/ 33867 w 51968"/>
+              <a:gd name="connsiteY1" fmla="*/ 96309 h 96309"/>
+              <a:gd name="connsiteX0" fmla="*/ 0 w 65690"/>
+              <a:gd name="connsiteY0" fmla="*/ 0 h 93134"/>
+              <a:gd name="connsiteX1" fmla="*/ 52917 w 65690"/>
+              <a:gd name="connsiteY1" fmla="*/ 93134 h 93134"/>
+              <a:gd name="connsiteX0" fmla="*/ 0 w 171150"/>
+              <a:gd name="connsiteY0" fmla="*/ 0 h 229659"/>
+              <a:gd name="connsiteX1" fmla="*/ 167217 w 171150"/>
+              <a:gd name="connsiteY1" fmla="*/ 229659 h 229659"/>
+              <a:gd name="connsiteX0" fmla="*/ 0 w 172717"/>
+              <a:gd name="connsiteY0" fmla="*/ 0 h 229659"/>
+              <a:gd name="connsiteX1" fmla="*/ 167217 w 172717"/>
+              <a:gd name="connsiteY1" fmla="*/ 229659 h 229659"/>
+              <a:gd name="connsiteX0" fmla="*/ 0 w 178939"/>
+              <a:gd name="connsiteY0" fmla="*/ 0 h 229659"/>
+              <a:gd name="connsiteX1" fmla="*/ 167217 w 178939"/>
+              <a:gd name="connsiteY1" fmla="*/ 229659 h 229659"/>
+              <a:gd name="connsiteX0" fmla="*/ 0 w 248138"/>
+              <a:gd name="connsiteY0" fmla="*/ 0 h 432859"/>
+              <a:gd name="connsiteX1" fmla="*/ 240242 w 248138"/>
+              <a:gd name="connsiteY1" fmla="*/ 432859 h 432859"/>
+              <a:gd name="connsiteX0" fmla="*/ 0 w 265317"/>
+              <a:gd name="connsiteY0" fmla="*/ 0 h 432859"/>
+              <a:gd name="connsiteX1" fmla="*/ 240242 w 265317"/>
+              <a:gd name="connsiteY1" fmla="*/ 432859 h 432859"/>
+              <a:gd name="connsiteX0" fmla="*/ 0 w 274098"/>
+              <a:gd name="connsiteY0" fmla="*/ 0 h 432859"/>
+              <a:gd name="connsiteX1" fmla="*/ 240242 w 274098"/>
+              <a:gd name="connsiteY1" fmla="*/ 432859 h 432859"/>
+              <a:gd name="connsiteX0" fmla="*/ 11043 w 123323"/>
+              <a:gd name="connsiteY0" fmla="*/ 0 h 513131"/>
+              <a:gd name="connsiteX1" fmla="*/ 0 w 123323"/>
+              <a:gd name="connsiteY1" fmla="*/ 513131 h 513131"/>
+              <a:gd name="connsiteX0" fmla="*/ 349581 w 400790"/>
+              <a:gd name="connsiteY0" fmla="*/ 0 h 115262"/>
+              <a:gd name="connsiteX1" fmla="*/ 0 w 400790"/>
+              <a:gd name="connsiteY1" fmla="*/ 115262 h 115262"/>
+              <a:gd name="connsiteX0" fmla="*/ 349581 w 398662"/>
+              <a:gd name="connsiteY0" fmla="*/ 0 h 117610"/>
+              <a:gd name="connsiteX1" fmla="*/ 0 w 398662"/>
+              <a:gd name="connsiteY1" fmla="*/ 115262 h 117610"/>
+              <a:gd name="connsiteX0" fmla="*/ 300720 w 353952"/>
+              <a:gd name="connsiteY0" fmla="*/ 0 h 141571"/>
+              <a:gd name="connsiteX1" fmla="*/ 0 w 353952"/>
+              <a:gd name="connsiteY1" fmla="*/ 139693 h 141571"/>
+              <a:gd name="connsiteX0" fmla="*/ 300720 w 300735"/>
+              <a:gd name="connsiteY0" fmla="*/ 0 h 144411"/>
+              <a:gd name="connsiteX1" fmla="*/ 0 w 300735"/>
+              <a:gd name="connsiteY1" fmla="*/ 139693 h 144411"/>
+            </a:gdLst>
+            <a:ahLst/>
+            <a:cxnLst>
+              <a:cxn ang="0">
+                <a:pos x="connsiteX0" y="connsiteY0"/>
+              </a:cxn>
+              <a:cxn ang="0">
+                <a:pos x="connsiteX1" y="connsiteY1"/>
+              </a:cxn>
+            </a:cxnLst>
+            <a:rect l="l" t="t" r="r" b="b"/>
+            <a:pathLst>
+              <a:path w="300735" h="144411">
+                <a:moveTo>
+                  <a:pt x="300720" y="0"/>
+                </a:moveTo>
+                <a:cubicBezTo>
+                  <a:pt x="302870" y="130013"/>
+                  <a:pt x="73679" y="157047"/>
+                  <a:pt x="0" y="139693"/>
+                </a:cubicBezTo>
+              </a:path>
+            </a:pathLst>
+          </a:custGeom>
+          <a:noFill/>
+          <a:ln>
+            <a:solidFill>
+              <a:schemeClr val="tx1"/>
+            </a:solidFill>
+            <a:headEnd type="triangle" w="med" len="med"/>
+            <a:tailEnd type="none" w="sm" len="med"/>
+          </a:ln>
+        </p:spPr>
+        <p:style>
+          <a:lnRef idx="2">
+            <a:schemeClr val="accent1">
+              <a:shade val="50000"/>
+            </a:schemeClr>
+          </a:lnRef>
+          <a:fillRef idx="1">
+            <a:schemeClr val="accent1"/>
+          </a:fillRef>
+          <a:effectRef idx="0">
+            <a:schemeClr val="accent1"/>
+          </a:effectRef>
+          <a:fontRef idx="minor">
+            <a:schemeClr val="lt1"/>
+          </a:fontRef>
+        </p:style>
+        <p:txBody>
+          <a:bodyPr rtlCol="0" anchor="ctr"/>
+          <a:lstStyle/>
+          <a:p>
+            <a:pPr algn="ctr"/>
+            <a:endParaRPr lang="en-US"/>
+          </a:p>
+        </p:txBody>
+      </p:sp>
+      <p:sp>
+        <p:nvSpPr>
+          <p:cNvPr id="73" name="TextBox 72">
+            <a:extLst>
+              <a:ext uri="{FF2B5EF4-FFF2-40B4-BE49-F238E27FC236}">
+                <a16:creationId xmlns:a16="http://schemas.microsoft.com/office/drawing/2014/main" id="{958BEA23-5D5B-AC44-A031-0D1AB2758EDE}"/>
+              </a:ext>
+            </a:extLst>
+          </p:cNvPr>
+          <p:cNvSpPr txBox="1"/>
+          <p:nvPr/>
+        </p:nvSpPr>
+        <p:spPr>
+          <a:xfrm>
+            <a:off x="4718574" y="1628338"/>
+            <a:ext cx="154845" cy="138499"/>
+          </a:xfrm>
+          <a:prstGeom prst="rect">
+            <a:avLst/>
+          </a:prstGeom>
+          <a:noFill/>
+          <a:ln>
+            <a:noFill/>
+          </a:ln>
+        </p:spPr>
+        <p:txBody>
+          <a:bodyPr wrap="square" lIns="0" tIns="0" rIns="0" bIns="0" rtlCol="0">
+            <a:spAutoFit/>
+          </a:bodyPr>
+          <a:lstStyle/>
+          <a:p>
+            <a:r>
+              <a:rPr lang="en-US" sz="900" dirty="0"/>
+              <a:t>g</a:t>
+            </a:r>
+            <a:r>
+              <a:rPr lang="en-US" sz="900" baseline="-25000" dirty="0"/>
+              <a:t>3</a:t>
+            </a:r>
+          </a:p>
+        </p:txBody>
+      </p:sp>
+      <p:sp>
+        <p:nvSpPr>
+          <p:cNvPr id="74" name="Freeform 73">
+            <a:extLst>
+              <a:ext uri="{FF2B5EF4-FFF2-40B4-BE49-F238E27FC236}">
+                <a16:creationId xmlns:a16="http://schemas.microsoft.com/office/drawing/2014/main" id="{A11F7750-B990-E044-A3B6-E1F9728CC996}"/>
+              </a:ext>
+            </a:extLst>
+          </p:cNvPr>
+          <p:cNvSpPr/>
+          <p:nvPr/>
+        </p:nvSpPr>
+        <p:spPr>
+          <a:xfrm>
+            <a:off x="5013390" y="1513036"/>
+            <a:ext cx="92841" cy="113814"/>
+          </a:xfrm>
+          <a:custGeom>
+            <a:avLst/>
+            <a:gdLst>
+              <a:gd name="connsiteX0" fmla="*/ 0 w 147545"/>
+              <a:gd name="connsiteY0" fmla="*/ 0 h 212781"/>
+              <a:gd name="connsiteX1" fmla="*/ 146050 w 147545"/>
+              <a:gd name="connsiteY1" fmla="*/ 200025 h 212781"/>
+              <a:gd name="connsiteX2" fmla="*/ 79375 w 147545"/>
+              <a:gd name="connsiteY2" fmla="*/ 203200 h 212781"/>
+              <a:gd name="connsiteX0" fmla="*/ 0 w 153794"/>
+              <a:gd name="connsiteY0" fmla="*/ 0 h 203200"/>
+              <a:gd name="connsiteX1" fmla="*/ 152400 w 153794"/>
+              <a:gd name="connsiteY1" fmla="*/ 66675 h 203200"/>
+              <a:gd name="connsiteX2" fmla="*/ 79375 w 153794"/>
+              <a:gd name="connsiteY2" fmla="*/ 203200 h 203200"/>
+              <a:gd name="connsiteX0" fmla="*/ 0 w 79375"/>
+              <a:gd name="connsiteY0" fmla="*/ 0 h 203200"/>
+              <a:gd name="connsiteX1" fmla="*/ 79375 w 79375"/>
+              <a:gd name="connsiteY1" fmla="*/ 203200 h 203200"/>
+              <a:gd name="connsiteX0" fmla="*/ 0 w 142919"/>
+              <a:gd name="connsiteY0" fmla="*/ 0 h 203200"/>
+              <a:gd name="connsiteX1" fmla="*/ 79375 w 142919"/>
+              <a:gd name="connsiteY1" fmla="*/ 203200 h 203200"/>
+              <a:gd name="connsiteX0" fmla="*/ 0 w 186211"/>
+              <a:gd name="connsiteY0" fmla="*/ 0 h 203200"/>
+              <a:gd name="connsiteX1" fmla="*/ 79375 w 186211"/>
+              <a:gd name="connsiteY1" fmla="*/ 203200 h 203200"/>
+              <a:gd name="connsiteX0" fmla="*/ 0 w 125812"/>
+              <a:gd name="connsiteY0" fmla="*/ 0 h 203200"/>
+              <a:gd name="connsiteX1" fmla="*/ 79375 w 125812"/>
+              <a:gd name="connsiteY1" fmla="*/ 203200 h 203200"/>
+              <a:gd name="connsiteX0" fmla="*/ 0 w 122234"/>
+              <a:gd name="connsiteY0" fmla="*/ 1233 h 204433"/>
+              <a:gd name="connsiteX1" fmla="*/ 79375 w 122234"/>
+              <a:gd name="connsiteY1" fmla="*/ 204433 h 204433"/>
+              <a:gd name="connsiteX0" fmla="*/ 0 w 148382"/>
+              <a:gd name="connsiteY0" fmla="*/ 1233 h 204433"/>
+              <a:gd name="connsiteX1" fmla="*/ 111125 w 148382"/>
+              <a:gd name="connsiteY1" fmla="*/ 204433 h 204433"/>
+              <a:gd name="connsiteX0" fmla="*/ 0 w 354546"/>
+              <a:gd name="connsiteY0" fmla="*/ 772 h 284406"/>
+              <a:gd name="connsiteX1" fmla="*/ 335492 w 354546"/>
+              <a:gd name="connsiteY1" fmla="*/ 284406 h 284406"/>
+              <a:gd name="connsiteX0" fmla="*/ 0 w 335731"/>
+              <a:gd name="connsiteY0" fmla="*/ 1961 h 285595"/>
+              <a:gd name="connsiteX1" fmla="*/ 335492 w 335731"/>
+              <a:gd name="connsiteY1" fmla="*/ 285595 h 285595"/>
+              <a:gd name="connsiteX0" fmla="*/ 0 w 336219"/>
+              <a:gd name="connsiteY0" fmla="*/ 60 h 283694"/>
+              <a:gd name="connsiteX1" fmla="*/ 335492 w 336219"/>
+              <a:gd name="connsiteY1" fmla="*/ 283694 h 283694"/>
+              <a:gd name="connsiteX0" fmla="*/ 0 w 335839"/>
+              <a:gd name="connsiteY0" fmla="*/ 0 h 283634"/>
+              <a:gd name="connsiteX1" fmla="*/ 335492 w 335839"/>
+              <a:gd name="connsiteY1" fmla="*/ 283634 h 283634"/>
+              <a:gd name="connsiteX0" fmla="*/ 0 w 335492"/>
+              <a:gd name="connsiteY0" fmla="*/ 0 h 283634"/>
+              <a:gd name="connsiteX1" fmla="*/ 335492 w 335492"/>
+              <a:gd name="connsiteY1" fmla="*/ 283634 h 283634"/>
+              <a:gd name="connsiteX0" fmla="*/ 0 w 113242"/>
+              <a:gd name="connsiteY0" fmla="*/ 23817 h 101076"/>
+              <a:gd name="connsiteX1" fmla="*/ 113242 w 113242"/>
+              <a:gd name="connsiteY1" fmla="*/ 101076 h 101076"/>
+              <a:gd name="connsiteX0" fmla="*/ 0 w 131430"/>
+              <a:gd name="connsiteY0" fmla="*/ 0 h 77259"/>
+              <a:gd name="connsiteX1" fmla="*/ 113242 w 131430"/>
+              <a:gd name="connsiteY1" fmla="*/ 77259 h 77259"/>
+              <a:gd name="connsiteX0" fmla="*/ 0 w 88086"/>
+              <a:gd name="connsiteY0" fmla="*/ 0 h 96309"/>
+              <a:gd name="connsiteX1" fmla="*/ 33867 w 88086"/>
+              <a:gd name="connsiteY1" fmla="*/ 96309 h 96309"/>
+              <a:gd name="connsiteX0" fmla="*/ 0 w 51968"/>
+              <a:gd name="connsiteY0" fmla="*/ 0 h 96309"/>
+              <a:gd name="connsiteX1" fmla="*/ 33867 w 51968"/>
+              <a:gd name="connsiteY1" fmla="*/ 96309 h 96309"/>
+              <a:gd name="connsiteX0" fmla="*/ 0 w 65690"/>
+              <a:gd name="connsiteY0" fmla="*/ 0 h 93134"/>
+              <a:gd name="connsiteX1" fmla="*/ 52917 w 65690"/>
+              <a:gd name="connsiteY1" fmla="*/ 93134 h 93134"/>
+              <a:gd name="connsiteX0" fmla="*/ 0 w 171150"/>
+              <a:gd name="connsiteY0" fmla="*/ 0 h 229659"/>
+              <a:gd name="connsiteX1" fmla="*/ 167217 w 171150"/>
+              <a:gd name="connsiteY1" fmla="*/ 229659 h 229659"/>
+              <a:gd name="connsiteX0" fmla="*/ 0 w 172717"/>
+              <a:gd name="connsiteY0" fmla="*/ 0 h 229659"/>
+              <a:gd name="connsiteX1" fmla="*/ 167217 w 172717"/>
+              <a:gd name="connsiteY1" fmla="*/ 229659 h 229659"/>
+              <a:gd name="connsiteX0" fmla="*/ 0 w 178939"/>
+              <a:gd name="connsiteY0" fmla="*/ 0 h 229659"/>
+              <a:gd name="connsiteX1" fmla="*/ 167217 w 178939"/>
+              <a:gd name="connsiteY1" fmla="*/ 229659 h 229659"/>
+              <a:gd name="connsiteX0" fmla="*/ 0 w 248138"/>
+              <a:gd name="connsiteY0" fmla="*/ 0 h 432859"/>
+              <a:gd name="connsiteX1" fmla="*/ 240242 w 248138"/>
+              <a:gd name="connsiteY1" fmla="*/ 432859 h 432859"/>
+              <a:gd name="connsiteX0" fmla="*/ 0 w 265317"/>
+              <a:gd name="connsiteY0" fmla="*/ 0 h 432859"/>
+              <a:gd name="connsiteX1" fmla="*/ 240242 w 265317"/>
+              <a:gd name="connsiteY1" fmla="*/ 432859 h 432859"/>
+              <a:gd name="connsiteX0" fmla="*/ 0 w 274098"/>
+              <a:gd name="connsiteY0" fmla="*/ 0 h 432859"/>
+              <a:gd name="connsiteX1" fmla="*/ 240242 w 274098"/>
+              <a:gd name="connsiteY1" fmla="*/ 432859 h 432859"/>
+              <a:gd name="connsiteX0" fmla="*/ 11043 w 123323"/>
+              <a:gd name="connsiteY0" fmla="*/ 0 h 513131"/>
+              <a:gd name="connsiteX1" fmla="*/ 0 w 123323"/>
+              <a:gd name="connsiteY1" fmla="*/ 513131 h 513131"/>
+              <a:gd name="connsiteX0" fmla="*/ 349581 w 400790"/>
+              <a:gd name="connsiteY0" fmla="*/ 0 h 115262"/>
+              <a:gd name="connsiteX1" fmla="*/ 0 w 400790"/>
+              <a:gd name="connsiteY1" fmla="*/ 115262 h 115262"/>
+              <a:gd name="connsiteX0" fmla="*/ 349581 w 398662"/>
+              <a:gd name="connsiteY0" fmla="*/ 0 h 117610"/>
+              <a:gd name="connsiteX1" fmla="*/ 0 w 398662"/>
+              <a:gd name="connsiteY1" fmla="*/ 115262 h 117610"/>
+              <a:gd name="connsiteX0" fmla="*/ 300720 w 353952"/>
+              <a:gd name="connsiteY0" fmla="*/ 0 h 141571"/>
+              <a:gd name="connsiteX1" fmla="*/ 0 w 353952"/>
+              <a:gd name="connsiteY1" fmla="*/ 139693 h 141571"/>
+              <a:gd name="connsiteX0" fmla="*/ 300720 w 300735"/>
+              <a:gd name="connsiteY0" fmla="*/ 0 h 144411"/>
+              <a:gd name="connsiteX1" fmla="*/ 0 w 300735"/>
+              <a:gd name="connsiteY1" fmla="*/ 139693 h 144411"/>
+              <a:gd name="connsiteX0" fmla="*/ 35474 w 46173"/>
+              <a:gd name="connsiteY0" fmla="*/ 0 h 94844"/>
+              <a:gd name="connsiteX1" fmla="*/ 0 w 46173"/>
+              <a:gd name="connsiteY1" fmla="*/ 76872 h 94844"/>
+              <a:gd name="connsiteX0" fmla="*/ 35474 w 48838"/>
+              <a:gd name="connsiteY0" fmla="*/ 0 h 80909"/>
+              <a:gd name="connsiteX1" fmla="*/ 0 w 48838"/>
+              <a:gd name="connsiteY1" fmla="*/ 76872 h 80909"/>
+              <a:gd name="connsiteX0" fmla="*/ 35474 w 35524"/>
+              <a:gd name="connsiteY0" fmla="*/ 0 h 89934"/>
+              <a:gd name="connsiteX1" fmla="*/ 9174 w 35524"/>
+              <a:gd name="connsiteY1" fmla="*/ 89934 h 89934"/>
+              <a:gd name="connsiteX2" fmla="*/ 0 w 35524"/>
+              <a:gd name="connsiteY2" fmla="*/ 76872 h 89934"/>
+              <a:gd name="connsiteX0" fmla="*/ 26379 w 33904"/>
+              <a:gd name="connsiteY0" fmla="*/ 0 h 114618"/>
+              <a:gd name="connsiteX1" fmla="*/ 79 w 33904"/>
+              <a:gd name="connsiteY1" fmla="*/ 89934 h 114618"/>
+              <a:gd name="connsiteX2" fmla="*/ 1375 w 33904"/>
+              <a:gd name="connsiteY2" fmla="*/ 111773 h 114618"/>
+              <a:gd name="connsiteX0" fmla="*/ 158938 w 158947"/>
+              <a:gd name="connsiteY0" fmla="*/ 0 h 320532"/>
+              <a:gd name="connsiteX1" fmla="*/ 15 w 158947"/>
+              <a:gd name="connsiteY1" fmla="*/ 295848 h 320532"/>
+              <a:gd name="connsiteX2" fmla="*/ 1311 w 158947"/>
+              <a:gd name="connsiteY2" fmla="*/ 317687 h 320532"/>
+              <a:gd name="connsiteX0" fmla="*/ 157627 w 157627"/>
+              <a:gd name="connsiteY0" fmla="*/ 0 h 317687"/>
+              <a:gd name="connsiteX1" fmla="*/ 0 w 157627"/>
+              <a:gd name="connsiteY1" fmla="*/ 317687 h 317687"/>
+              <a:gd name="connsiteX0" fmla="*/ 178567 w 178567"/>
+              <a:gd name="connsiteY0" fmla="*/ 0 h 300237"/>
+              <a:gd name="connsiteX1" fmla="*/ 0 w 178567"/>
+              <a:gd name="connsiteY1" fmla="*/ 300237 h 300237"/>
+              <a:gd name="connsiteX0" fmla="*/ 178567 w 178567"/>
+              <a:gd name="connsiteY0" fmla="*/ 0 h 303942"/>
+              <a:gd name="connsiteX1" fmla="*/ 0 w 178567"/>
+              <a:gd name="connsiteY1" fmla="*/ 300237 h 303942"/>
+              <a:gd name="connsiteX0" fmla="*/ 52924 w 52924"/>
+              <a:gd name="connsiteY0" fmla="*/ 0 h 103297"/>
+              <a:gd name="connsiteX1" fmla="*/ 0 w 52924"/>
+              <a:gd name="connsiteY1" fmla="*/ 87342 h 103297"/>
+              <a:gd name="connsiteX0" fmla="*/ 10722 w 86816"/>
+              <a:gd name="connsiteY0" fmla="*/ 0 h 108939"/>
+              <a:gd name="connsiteX1" fmla="*/ 55520 w 86816"/>
+              <a:gd name="connsiteY1" fmla="*/ 94323 h 108939"/>
+              <a:gd name="connsiteX0" fmla="*/ 10722 w 86816"/>
+              <a:gd name="connsiteY0" fmla="*/ 0 h 120706"/>
+              <a:gd name="connsiteX1" fmla="*/ 55520 w 86816"/>
+              <a:gd name="connsiteY1" fmla="*/ 108283 h 120706"/>
+              <a:gd name="connsiteX0" fmla="*/ 80845 w 80845"/>
+              <a:gd name="connsiteY0" fmla="*/ 0 h 136105"/>
+              <a:gd name="connsiteX1" fmla="*/ 0 w 80845"/>
+              <a:gd name="connsiteY1" fmla="*/ 125733 h 136105"/>
+              <a:gd name="connsiteX0" fmla="*/ 80845 w 121113"/>
+              <a:gd name="connsiteY0" fmla="*/ 0 h 135489"/>
+              <a:gd name="connsiteX1" fmla="*/ 0 w 121113"/>
+              <a:gd name="connsiteY1" fmla="*/ 125733 h 135489"/>
+              <a:gd name="connsiteX0" fmla="*/ 38964 w 92841"/>
+              <a:gd name="connsiteY0" fmla="*/ 0 h 113814"/>
+              <a:gd name="connsiteX1" fmla="*/ 0 w 92841"/>
+              <a:gd name="connsiteY1" fmla="*/ 101302 h 113814"/>
+            </a:gdLst>
+            <a:ahLst/>
+            <a:cxnLst>
+              <a:cxn ang="0">
+                <a:pos x="connsiteX0" y="connsiteY0"/>
+              </a:cxn>
+              <a:cxn ang="0">
+                <a:pos x="connsiteX1" y="connsiteY1"/>
+              </a:cxn>
+            </a:cxnLst>
+            <a:rect l="l" t="t" r="r" b="b"/>
+            <a:pathLst>
+              <a:path w="92841" h="113814">
+                <a:moveTo>
+                  <a:pt x="38964" y="0"/>
+                </a:moveTo>
+                <a:cubicBezTo>
+                  <a:pt x="122535" y="93099"/>
+                  <a:pt x="108383" y="137336"/>
+                  <a:pt x="0" y="101302"/>
+                </a:cubicBezTo>
+              </a:path>
+            </a:pathLst>
+          </a:custGeom>
+          <a:noFill/>
+          <a:ln>
+            <a:solidFill>
+              <a:schemeClr val="tx1"/>
+            </a:solidFill>
+            <a:headEnd type="triangle" w="med" len="med"/>
+            <a:tailEnd type="none" w="sm" len="med"/>
+          </a:ln>
+        </p:spPr>
+        <p:style>
+          <a:lnRef idx="2">
+            <a:schemeClr val="accent1">
+              <a:shade val="50000"/>
+            </a:schemeClr>
+          </a:lnRef>
+          <a:fillRef idx="1">
+            <a:schemeClr val="accent1"/>
+          </a:fillRef>
+          <a:effectRef idx="0">
+            <a:schemeClr val="accent1"/>
+          </a:effectRef>
+          <a:fontRef idx="minor">
+            <a:schemeClr val="lt1"/>
+          </a:fontRef>
+        </p:style>
+        <p:txBody>
+          <a:bodyPr rtlCol="0" anchor="ctr"/>
+          <a:lstStyle/>
+          <a:p>
+            <a:pPr algn="ctr"/>
+            <a:endParaRPr lang="en-US"/>
+          </a:p>
+        </p:txBody>
+      </p:sp>
+      <p:sp>
+        <p:nvSpPr>
+          <p:cNvPr id="75" name="TextBox 74">
+            <a:extLst>
+              <a:ext uri="{FF2B5EF4-FFF2-40B4-BE49-F238E27FC236}">
+                <a16:creationId xmlns:a16="http://schemas.microsoft.com/office/drawing/2014/main" id="{3FB9905F-EF2F-0A4B-9665-926D46280EBB}"/>
+              </a:ext>
+            </a:extLst>
+          </p:cNvPr>
+          <p:cNvSpPr txBox="1"/>
+          <p:nvPr/>
+        </p:nvSpPr>
+        <p:spPr>
+          <a:xfrm>
+            <a:off x="5110318" y="1541614"/>
+            <a:ext cx="154845" cy="138499"/>
+          </a:xfrm>
+          <a:prstGeom prst="rect">
+            <a:avLst/>
+          </a:prstGeom>
+          <a:noFill/>
+          <a:ln>
+            <a:noFill/>
+          </a:ln>
+        </p:spPr>
+        <p:txBody>
+          <a:bodyPr wrap="square" lIns="0" tIns="0" rIns="0" bIns="0" rtlCol="0">
+            <a:spAutoFit/>
+          </a:bodyPr>
+          <a:lstStyle/>
+          <a:p>
+            <a:r>
+              <a:rPr lang="en-US" sz="900" dirty="0"/>
+              <a:t>g</a:t>
+            </a:r>
+            <a:r>
+              <a:rPr lang="en-US" sz="900" baseline="-25000" dirty="0"/>
+              <a:t>4</a:t>
             </a:r>
           </a:p>
         </p:txBody>

--- a/catkin_ws/diagrams.pptx
+++ b/catkin_ws/diagrams.pptx
@@ -5,13 +5,15 @@
     <p:sldMasterId id="2147483648" r:id="rId1"/>
   </p:sldMasterIdLst>
   <p:notesMasterIdLst>
-    <p:notesMasterId r:id="rId6"/>
+    <p:notesMasterId r:id="rId8"/>
   </p:notesMasterIdLst>
   <p:sldIdLst>
     <p:sldId id="256" r:id="rId2"/>
     <p:sldId id="257" r:id="rId3"/>
     <p:sldId id="258" r:id="rId4"/>
-    <p:sldId id="259" r:id="rId5"/>
+    <p:sldId id="261" r:id="rId5"/>
+    <p:sldId id="260" r:id="rId6"/>
+    <p:sldId id="259" r:id="rId7"/>
   </p:sldIdLst>
   <p:sldSz cx="12192000" cy="6858000"/>
   <p:notesSz cx="6797675" cy="9926638"/>
@@ -10101,7 +10103,7 @@
         <p:spPr>
           <a:xfrm>
             <a:off x="1975269" y="812940"/>
-            <a:ext cx="1662364" cy="1015663"/>
+            <a:ext cx="1662364" cy="1292662"/>
           </a:xfrm>
           <a:prstGeom prst="rect">
             <a:avLst/>
@@ -10115,7 +10117,7 @@
           <a:p>
             <a:r>
               <a:rPr lang="en-GB" sz="600" dirty="0"/>
-              <a:t>1. Calculate H4WC from </a:t>
+              <a:t>1. Calculate H2WC from </a:t>
             </a:r>
             <a:r>
               <a:rPr lang="en-GB" sz="600" dirty="0" err="1"/>
@@ -10134,7 +10136,7 @@
           <a:p>
             <a:r>
               <a:rPr lang="en-GB" sz="600" dirty="0"/>
-              <a:t>2. Calculate CA from H4WC, </a:t>
+              <a:t>2. Calculate g1 from H4WC, </a:t>
             </a:r>
             <a:r>
               <a:rPr lang="en-GB" sz="600" dirty="0" err="1"/>
@@ -10153,13 +10155,17 @@
           <a:p>
             <a:r>
               <a:rPr lang="en-GB" sz="600" dirty="0"/>
-              <a:t>3. Calculate L4xcx = sqrt(a3*a3 – 0.54*0.54) (</a:t>
-            </a:r>
-            <a:r>
-              <a:rPr lang="en-GB" sz="600"/>
-              <a:t>x displacement J4 to WC)</a:t>
-            </a:r>
+              <a:t>3. L34X = sqrt(0.96*0.96 – 0.054 * 0.-54)</a:t>
+            </a:r>
+          </a:p>
+          <a:p>
             <a:endParaRPr lang="en-GB" sz="600" dirty="0"/>
+          </a:p>
+          <a:p>
+            <a:r>
+              <a:rPr lang="en-GB" sz="600" dirty="0"/>
+              <a:t>3. Calculate L4wcX = sqrt(a3*a3 – 0.54*0.54) (x displacement J4 to WC)</a:t>
+            </a:r>
           </a:p>
           <a:p>
             <a:r>
@@ -10168,6 +10174,9 @@
             </a:r>
           </a:p>
           <a:p>
+            <a:endParaRPr lang="en-GB" sz="600" dirty="0"/>
+          </a:p>
+          <a:p>
             <a:r>
               <a:rPr lang="en-GB" sz="600" dirty="0"/>
               <a:t>5. Calculate g2 from a2, H4wc, (L34x+L4WCx)</a:t>
@@ -10182,13 +10191,13 @@
           <a:p>
             <a:r>
               <a:rPr lang="en-GB" sz="600" dirty="0"/>
-              <a:t>7. Calculate L34 from sqrt(L34x*L34x + a3*a3)</a:t>
+              <a:t>7. Calculate L34 from sqrt(L3wc*L3wc + a3*a3)</a:t>
             </a:r>
           </a:p>
           <a:p>
             <a:r>
               <a:rPr lang="en-GB" sz="600" dirty="0"/>
-              <a:t>7. Calculate g4 from L34x, a3, L34</a:t>
+              <a:t>7. 	</a:t>
             </a:r>
           </a:p>
           <a:p>
@@ -10275,15 +10284,7 @@
           <a:p>
             <a:r>
               <a:rPr lang="en-US" sz="900" dirty="0"/>
-              <a:t>L</a:t>
-            </a:r>
-            <a:r>
-              <a:rPr lang="en-US" sz="900" baseline="-25000" dirty="0"/>
-              <a:t>34</a:t>
-            </a:r>
-            <a:r>
-              <a:rPr lang="en-US" sz="900" dirty="0"/>
-              <a:t>x</a:t>
+              <a:t>0.96</a:t>
             </a:r>
           </a:p>
         </p:txBody>
@@ -10303,7 +10304,7 @@
         <p:spPr>
           <a:xfrm>
             <a:off x="5448926" y="1463969"/>
-            <a:ext cx="227875" cy="138499"/>
+            <a:ext cx="558461" cy="138499"/>
           </a:xfrm>
           <a:prstGeom prst="rect">
             <a:avLst/>
@@ -10321,13 +10322,16 @@
           <a:p>
             <a:r>
               <a:rPr lang="en-US" sz="900" dirty="0"/>
-              <a:t>a</a:t>
+              <a:t>A</a:t>
             </a:r>
             <a:r>
               <a:rPr lang="en-US" sz="900" baseline="-25000" dirty="0"/>
-              <a:t>3</a:t>
-            </a:r>
-            <a:endParaRPr lang="en-US" sz="900" dirty="0"/>
+              <a:t>3 </a:t>
+            </a:r>
+            <a:r>
+              <a:rPr lang="en-US" sz="900" dirty="0"/>
+              <a:t>0.054</a:t>
+            </a:r>
           </a:p>
         </p:txBody>
       </p:sp>
@@ -10411,7 +10415,7 @@
             </a:r>
             <a:r>
               <a:rPr lang="en-US" sz="900" baseline="-25000" dirty="0"/>
-              <a:t>4WC</a:t>
+              <a:t>2WC</a:t>
             </a:r>
             <a:endParaRPr lang="en-US" sz="900" dirty="0"/>
           </a:p>
@@ -11587,6 +11591,4229 @@
 </file>
 
 <file path=ppt/slides/slide4.xml><?xml version="1.0" encoding="utf-8"?>
+<p:sld xmlns:a="http://schemas.openxmlformats.org/drawingml/2006/main" xmlns:r="http://schemas.openxmlformats.org/officeDocument/2006/relationships" xmlns:p="http://schemas.openxmlformats.org/presentationml/2006/main">
+  <p:cSld>
+    <p:spTree>
+      <p:nvGrpSpPr>
+        <p:cNvPr id="1" name=""/>
+        <p:cNvGrpSpPr/>
+        <p:nvPr/>
+      </p:nvGrpSpPr>
+      <p:grpSpPr>
+        <a:xfrm>
+          <a:off x="0" y="0"/>
+          <a:ext cx="0" cy="0"/>
+          <a:chOff x="0" y="0"/>
+          <a:chExt cx="0" cy="0"/>
+        </a:xfrm>
+      </p:grpSpPr>
+      <p:sp>
+        <p:nvSpPr>
+          <p:cNvPr id="2" name="TextBox 1">
+            <a:extLst>
+              <a:ext uri="{FF2B5EF4-FFF2-40B4-BE49-F238E27FC236}">
+                <a16:creationId xmlns:a16="http://schemas.microsoft.com/office/drawing/2014/main" id="{6BDA9042-E77E-9647-90C8-02536F6362EF}"/>
+              </a:ext>
+            </a:extLst>
+          </p:cNvPr>
+          <p:cNvSpPr txBox="1"/>
+          <p:nvPr/>
+        </p:nvSpPr>
+        <p:spPr>
+          <a:xfrm>
+            <a:off x="372532" y="797510"/>
+            <a:ext cx="11819467" cy="5478423"/>
+          </a:xfrm>
+          <a:prstGeom prst="rect">
+            <a:avLst/>
+          </a:prstGeom>
+          <a:noFill/>
+        </p:spPr>
+        <p:txBody>
+          <a:bodyPr wrap="square" rtlCol="0">
+            <a:spAutoFit/>
+          </a:bodyPr>
+          <a:lstStyle/>
+          <a:p>
+            <a:pPr marL="342900" lvl="0" indent="-342900">
+              <a:buFont typeface="+mj-lt"/>
+              <a:buAutoNum type="arabicPeriod"/>
+            </a:pPr>
+            <a:r>
+              <a:rPr lang="en-GB" sz="1400" dirty="0"/>
+              <a:t>work out theta1 from relative position of </a:t>
+            </a:r>
+            <a:r>
+              <a:rPr lang="en-GB" sz="1400" dirty="0" err="1"/>
+              <a:t>wy</a:t>
+            </a:r>
+            <a:r>
+              <a:rPr lang="en-GB" sz="1400" dirty="0"/>
+              <a:t> and </a:t>
+            </a:r>
+            <a:r>
+              <a:rPr lang="en-GB" sz="1400" dirty="0" err="1"/>
+              <a:t>wx</a:t>
+            </a:r>
+            <a:endParaRPr lang="en-GB" sz="1400" dirty="0"/>
+          </a:p>
+          <a:p>
+            <a:pPr marL="342900" lvl="0" indent="-342900">
+              <a:buFont typeface="+mj-lt"/>
+              <a:buAutoNum type="arabicPeriod"/>
+            </a:pPr>
+            <a:r>
+              <a:rPr lang="en-GB" sz="1400" dirty="0"/>
+              <a:t>all of the rest of </a:t>
+            </a:r>
+            <a:r>
+              <a:rPr lang="en-GB" sz="1400" dirty="0" err="1"/>
+              <a:t>teh</a:t>
+            </a:r>
+            <a:r>
+              <a:rPr lang="en-GB" sz="1400" dirty="0"/>
+              <a:t> steps can be completed in the plane </a:t>
+            </a:r>
+            <a:r>
+              <a:rPr lang="en-GB" sz="1400" dirty="0" err="1"/>
+              <a:t>xz</a:t>
+            </a:r>
+            <a:endParaRPr lang="en-GB" sz="1400" dirty="0"/>
+          </a:p>
+          <a:p>
+            <a:pPr marL="342900" lvl="0" indent="-342900">
+              <a:buFont typeface="+mj-lt"/>
+              <a:buAutoNum type="arabicPeriod"/>
+            </a:pPr>
+            <a:r>
+              <a:rPr lang="en-GB" sz="1400" dirty="0"/>
+              <a:t>calculate the length of the line J3 -&gt; J5(WC)</a:t>
+            </a:r>
+          </a:p>
+          <a:p>
+            <a:pPr marL="800100" lvl="1" indent="-342900">
+              <a:buFont typeface="+mj-lt"/>
+              <a:buAutoNum type="arabicPeriod"/>
+            </a:pPr>
+            <a:r>
+              <a:rPr lang="en-GB" sz="1400" dirty="0"/>
+              <a:t>this step can be completed outside the for loop as this is fixed as J4 rotates around X in this plane</a:t>
+            </a:r>
+          </a:p>
+          <a:p>
+            <a:pPr marL="800100" lvl="1" indent="-342900">
+              <a:buFont typeface="+mj-lt"/>
+              <a:buAutoNum type="arabicPeriod"/>
+            </a:pPr>
+            <a:r>
+              <a:rPr lang="en-GB" sz="1400" dirty="0"/>
+              <a:t>From the URDF, we know that J4 is at (0.96, -0.054) with respect to J3</a:t>
+            </a:r>
+          </a:p>
+          <a:p>
+            <a:pPr marL="800100" lvl="1" indent="-342900">
+              <a:buFont typeface="+mj-lt"/>
+              <a:buAutoNum type="arabicPeriod"/>
+            </a:pPr>
+            <a:r>
+              <a:rPr lang="en-GB" sz="1400" dirty="0"/>
+              <a:t>From the URDF, we know that J5 is at (0.96+0.54, -0.054) with respect to J3</a:t>
+            </a:r>
+          </a:p>
+          <a:p>
+            <a:pPr marL="800100" lvl="1" indent="-342900">
+              <a:buFont typeface="+mj-lt"/>
+              <a:buAutoNum type="arabicPeriod"/>
+            </a:pPr>
+            <a:r>
+              <a:rPr lang="en-GB" sz="1400" dirty="0"/>
+              <a:t>Using Pythagoras theorem we can calculate the length J3-J4 as sqrt(0.96**2, 0.052**2)</a:t>
+            </a:r>
+          </a:p>
+          <a:p>
+            <a:pPr marL="800100" lvl="1" indent="-342900">
+              <a:buFont typeface="+mj-lt"/>
+              <a:buAutoNum type="arabicPeriod"/>
+            </a:pPr>
+            <a:r>
+              <a:rPr lang="en-GB" sz="1400" dirty="0"/>
+              <a:t>Using atan2 we can work out the angle of J5 WRT J3</a:t>
+            </a:r>
+          </a:p>
+          <a:p>
+            <a:pPr marL="800100" lvl="1" indent="-342900">
+              <a:buFont typeface="+mj-lt"/>
+              <a:buAutoNum type="arabicPeriod"/>
+            </a:pPr>
+            <a:r>
+              <a:rPr lang="en-GB" sz="1400" dirty="0"/>
+              <a:t>Using atan2, work out angle of J4 WRT J3</a:t>
+            </a:r>
+          </a:p>
+          <a:p>
+            <a:pPr marL="800100" lvl="1" indent="-342900">
+              <a:buFont typeface="+mj-lt"/>
+              <a:buAutoNum type="arabicPeriod"/>
+            </a:pPr>
+            <a:r>
+              <a:rPr lang="en-GB" sz="1400" dirty="0"/>
+              <a:t>Angle J4-J3-J5 (i.e. the angle at J3 between the lines J3-J5 and J3-J4) is the difference between these two</a:t>
+            </a:r>
+          </a:p>
+          <a:p>
+            <a:pPr marL="800100" lvl="1" indent="-342900">
+              <a:buFont typeface="+mj-lt"/>
+              <a:buAutoNum type="arabicPeriod"/>
+            </a:pPr>
+            <a:r>
+              <a:rPr lang="en-GB" sz="1400" dirty="0"/>
+              <a:t>Knowing the lengths of 2 sides and the angle, we use cosine rule to say that the length J3-J5 is sqrt(length J3-4**2 + 0.54** - 2 * length J3-4 * 0.54*cos(angle J4-J3-J5))</a:t>
+            </a:r>
+          </a:p>
+          <a:p>
+            <a:pPr marL="342900" lvl="0" indent="-342900">
+              <a:buFont typeface="+mj-lt"/>
+              <a:buAutoNum type="arabicPeriod"/>
+            </a:pPr>
+            <a:r>
+              <a:rPr lang="en-GB" sz="1400" dirty="0"/>
+              <a:t>Calculate the length of the line J2-J5(WC)</a:t>
+            </a:r>
+          </a:p>
+          <a:p>
+            <a:pPr marL="800100" lvl="1" indent="-342900">
+              <a:buFont typeface="+mj-lt"/>
+              <a:buAutoNum type="arabicPeriod"/>
+            </a:pPr>
+            <a:r>
+              <a:rPr lang="en-GB" sz="1400" dirty="0"/>
+              <a:t>Adjust WC for plane </a:t>
+            </a:r>
+            <a:r>
+              <a:rPr lang="en-GB" sz="1400" dirty="0" err="1"/>
+              <a:t>yz</a:t>
+            </a:r>
+            <a:r>
+              <a:rPr lang="en-GB" sz="1400" dirty="0"/>
+              <a:t> and with J2 at zero:</a:t>
+            </a:r>
+          </a:p>
+          <a:p>
+            <a:pPr marL="1257300" lvl="2" indent="-342900">
+              <a:buFont typeface="+mj-lt"/>
+              <a:buAutoNum type="arabicPeriod"/>
+            </a:pPr>
+            <a:r>
+              <a:rPr lang="en-GB" sz="1400" dirty="0" err="1"/>
+              <a:t>WCx</a:t>
+            </a:r>
+            <a:r>
+              <a:rPr lang="en-GB" sz="1400" dirty="0"/>
+              <a:t> = wrist centre X – 0.35</a:t>
+            </a:r>
+          </a:p>
+          <a:p>
+            <a:pPr marL="1257300" lvl="2" indent="-342900">
+              <a:buFont typeface="+mj-lt"/>
+              <a:buAutoNum type="arabicPeriod"/>
+            </a:pPr>
+            <a:r>
+              <a:rPr lang="en-GB" sz="1400" dirty="0" err="1"/>
+              <a:t>WCy</a:t>
+            </a:r>
+            <a:r>
+              <a:rPr lang="en-GB" sz="1400" dirty="0"/>
+              <a:t> = Wrist Centre Z – 0.33 – 0.42</a:t>
+            </a:r>
+          </a:p>
+          <a:p>
+            <a:pPr marL="800100" lvl="1" indent="-342900">
+              <a:buFont typeface="+mj-lt"/>
+              <a:buAutoNum type="arabicPeriod"/>
+            </a:pPr>
+            <a:r>
+              <a:rPr lang="en-GB" sz="1400" dirty="0"/>
+              <a:t>Length J2 – J5 is sqrt(</a:t>
+            </a:r>
+            <a:r>
+              <a:rPr lang="en-GB" sz="1400" dirty="0" err="1"/>
+              <a:t>WCx</a:t>
+            </a:r>
+            <a:r>
+              <a:rPr lang="en-GB" sz="1400" dirty="0"/>
+              <a:t>**2 + </a:t>
+            </a:r>
+            <a:r>
+              <a:rPr lang="en-GB" sz="1400" dirty="0" err="1"/>
+              <a:t>WCy</a:t>
+            </a:r>
+            <a:r>
+              <a:rPr lang="en-GB" sz="1400" dirty="0"/>
+              <a:t>**2)</a:t>
+            </a:r>
+          </a:p>
+          <a:p>
+            <a:pPr marL="342900" lvl="0" indent="-342900">
+              <a:buFont typeface="+mj-lt"/>
+              <a:buAutoNum type="arabicPeriod"/>
+            </a:pPr>
+            <a:r>
+              <a:rPr lang="en-GB" sz="1400" dirty="0"/>
+              <a:t>Theta2</a:t>
+            </a:r>
+          </a:p>
+          <a:p>
+            <a:pPr marL="800100" lvl="1" indent="-342900">
+              <a:buFont typeface="+mj-lt"/>
+              <a:buAutoNum type="arabicPeriod"/>
+            </a:pPr>
+            <a:r>
+              <a:rPr lang="en-GB" sz="1400" dirty="0"/>
+              <a:t>Knowing position of WC with respect to J2 we can work out angle between J2 and WC using arctan</a:t>
+            </a:r>
+          </a:p>
+          <a:p>
+            <a:pPr marL="800100" lvl="1" indent="-342900">
+              <a:buFont typeface="+mj-lt"/>
+              <a:buAutoNum type="arabicPeriod"/>
+            </a:pPr>
+            <a:r>
+              <a:rPr lang="en-GB" sz="1400" dirty="0"/>
+              <a:t>We need to work out the length from J2 to WC using Pythagoras theorem</a:t>
+            </a:r>
+          </a:p>
+          <a:p>
+            <a:pPr marL="800100" lvl="1" indent="-342900">
+              <a:buFont typeface="+mj-lt"/>
+              <a:buAutoNum type="arabicPeriod"/>
+            </a:pPr>
+            <a:r>
+              <a:rPr lang="en-GB" sz="1400" dirty="0"/>
+              <a:t>Can then angle between WC-J2-J3 which we calculate using cosine rule and the size of the triangle J2-J3-WC</a:t>
+            </a:r>
+          </a:p>
+          <a:p>
+            <a:pPr marL="800100" lvl="1" indent="-342900">
+              <a:buFont typeface="+mj-lt"/>
+              <a:buAutoNum type="arabicPeriod"/>
+            </a:pPr>
+            <a:r>
+              <a:rPr lang="en-GB" sz="1400" dirty="0"/>
+              <a:t>Subtract this from pi/2 to get theta2? Not sure…</a:t>
+            </a:r>
+          </a:p>
+          <a:p>
+            <a:pPr marL="342900" lvl="0" indent="-342900">
+              <a:buFont typeface="+mj-lt"/>
+              <a:buAutoNum type="arabicPeriod"/>
+            </a:pPr>
+            <a:r>
+              <a:rPr lang="en-GB" sz="1400" dirty="0"/>
+              <a:t>Theta3</a:t>
+            </a:r>
+          </a:p>
+          <a:p>
+            <a:pPr marL="800100" lvl="1" indent="-342900">
+              <a:buFont typeface="+mj-lt"/>
+              <a:buAutoNum type="arabicPeriod"/>
+            </a:pPr>
+            <a:r>
+              <a:rPr lang="en-GB" sz="1400" dirty="0"/>
+              <a:t>Knowing the lengths of all 3 sides of the triangle J2-J3-J5, we can work out the internal angle at J3 using cosine rule</a:t>
+            </a:r>
+          </a:p>
+          <a:p>
+            <a:pPr marL="800100" lvl="1" indent="-342900">
+              <a:buFont typeface="+mj-lt"/>
+              <a:buAutoNum type="arabicPeriod"/>
+            </a:pPr>
+            <a:r>
+              <a:rPr lang="en-GB" sz="1400" dirty="0"/>
+              <a:t>We need to subtract the angle J4-J3-J5 from this, and add pi/2 (to account for 90 degree rotation) to get the angle theta3</a:t>
+            </a:r>
+          </a:p>
+        </p:txBody>
+      </p:sp>
+    </p:spTree>
+    <p:extLst>
+      <p:ext uri="{BB962C8B-B14F-4D97-AF65-F5344CB8AC3E}">
+        <p14:creationId xmlns:p14="http://schemas.microsoft.com/office/powerpoint/2010/main" val="3057621477"/>
+      </p:ext>
+    </p:extLst>
+  </p:cSld>
+  <p:clrMapOvr>
+    <a:masterClrMapping/>
+  </p:clrMapOvr>
+</p:sld>
+</file>
+
+<file path=ppt/slides/slide5.xml><?xml version="1.0" encoding="utf-8"?>
+<p:sld xmlns:a="http://schemas.openxmlformats.org/drawingml/2006/main" xmlns:r="http://schemas.openxmlformats.org/officeDocument/2006/relationships" xmlns:p="http://schemas.openxmlformats.org/presentationml/2006/main">
+  <p:cSld>
+    <p:spTree>
+      <p:nvGrpSpPr>
+        <p:cNvPr id="1" name=""/>
+        <p:cNvGrpSpPr/>
+        <p:nvPr/>
+      </p:nvGrpSpPr>
+      <p:grpSpPr>
+        <a:xfrm>
+          <a:off x="0" y="0"/>
+          <a:ext cx="0" cy="0"/>
+          <a:chOff x="0" y="0"/>
+          <a:chExt cx="0" cy="0"/>
+        </a:xfrm>
+      </p:grpSpPr>
+      <p:cxnSp>
+        <p:nvCxnSpPr>
+          <p:cNvPr id="32" name="Straight Connector 31">
+            <a:extLst>
+              <a:ext uri="{FF2B5EF4-FFF2-40B4-BE49-F238E27FC236}">
+                <a16:creationId xmlns:a16="http://schemas.microsoft.com/office/drawing/2014/main" id="{7C2C114F-7785-0948-B27D-9D0BC946A8A5}"/>
+              </a:ext>
+            </a:extLst>
+          </p:cNvPr>
+          <p:cNvCxnSpPr>
+            <a:cxnSpLocks/>
+          </p:cNvCxnSpPr>
+          <p:nvPr/>
+        </p:nvCxnSpPr>
+        <p:spPr>
+          <a:xfrm>
+            <a:off x="5214164" y="1771270"/>
+            <a:ext cx="707935" cy="138667"/>
+          </a:xfrm>
+          <a:prstGeom prst="line">
+            <a:avLst/>
+          </a:prstGeom>
+          <a:ln>
+            <a:solidFill>
+              <a:schemeClr val="tx1"/>
+            </a:solidFill>
+          </a:ln>
+        </p:spPr>
+        <p:style>
+          <a:lnRef idx="1">
+            <a:schemeClr val="accent1"/>
+          </a:lnRef>
+          <a:fillRef idx="0">
+            <a:schemeClr val="accent1"/>
+          </a:fillRef>
+          <a:effectRef idx="0">
+            <a:schemeClr val="accent1"/>
+          </a:effectRef>
+          <a:fontRef idx="minor">
+            <a:schemeClr val="tx1"/>
+          </a:fontRef>
+        </p:style>
+      </p:cxnSp>
+      <p:cxnSp>
+        <p:nvCxnSpPr>
+          <p:cNvPr id="3" name="Straight Connector 2">
+            <a:extLst>
+              <a:ext uri="{FF2B5EF4-FFF2-40B4-BE49-F238E27FC236}">
+                <a16:creationId xmlns:a16="http://schemas.microsoft.com/office/drawing/2014/main" id="{EC9D61CD-A4C1-FD43-8261-AE78C5097005}"/>
+              </a:ext>
+            </a:extLst>
+          </p:cNvPr>
+          <p:cNvCxnSpPr>
+            <a:cxnSpLocks/>
+          </p:cNvCxnSpPr>
+          <p:nvPr/>
+        </p:nvCxnSpPr>
+        <p:spPr>
+          <a:xfrm>
+            <a:off x="4758787" y="1410011"/>
+            <a:ext cx="455377" cy="354560"/>
+          </a:xfrm>
+          <a:prstGeom prst="line">
+            <a:avLst/>
+          </a:prstGeom>
+          <a:ln>
+            <a:solidFill>
+              <a:schemeClr val="tx1"/>
+            </a:solidFill>
+          </a:ln>
+        </p:spPr>
+        <p:style>
+          <a:lnRef idx="1">
+            <a:schemeClr val="accent1"/>
+          </a:lnRef>
+          <a:fillRef idx="0">
+            <a:schemeClr val="accent1"/>
+          </a:fillRef>
+          <a:effectRef idx="0">
+            <a:schemeClr val="accent1"/>
+          </a:effectRef>
+          <a:fontRef idx="minor">
+            <a:schemeClr val="tx1"/>
+          </a:fontRef>
+        </p:style>
+      </p:cxnSp>
+      <p:sp>
+        <p:nvSpPr>
+          <p:cNvPr id="4" name="Rectangle 3">
+            <a:extLst>
+              <a:ext uri="{FF2B5EF4-FFF2-40B4-BE49-F238E27FC236}">
+                <a16:creationId xmlns:a16="http://schemas.microsoft.com/office/drawing/2014/main" id="{DC37C897-54C4-CB4A-9414-52F44AE62D55}"/>
+              </a:ext>
+            </a:extLst>
+          </p:cNvPr>
+          <p:cNvSpPr/>
+          <p:nvPr/>
+        </p:nvSpPr>
+        <p:spPr>
+          <a:xfrm>
+            <a:off x="3767781" y="2531759"/>
+            <a:ext cx="391886" cy="230837"/>
+          </a:xfrm>
+          <a:prstGeom prst="rect">
+            <a:avLst/>
+          </a:prstGeom>
+          <a:ln>
+            <a:solidFill>
+              <a:schemeClr val="tx1"/>
+            </a:solidFill>
+          </a:ln>
+        </p:spPr>
+        <p:style>
+          <a:lnRef idx="2">
+            <a:schemeClr val="accent1"/>
+          </a:lnRef>
+          <a:fillRef idx="1">
+            <a:schemeClr val="lt1"/>
+          </a:fillRef>
+          <a:effectRef idx="0">
+            <a:schemeClr val="accent1"/>
+          </a:effectRef>
+          <a:fontRef idx="minor">
+            <a:schemeClr val="dk1"/>
+          </a:fontRef>
+        </p:style>
+        <p:txBody>
+          <a:bodyPr rtlCol="0" anchor="ctr"/>
+          <a:lstStyle/>
+          <a:p>
+            <a:pPr algn="ctr"/>
+            <a:r>
+              <a:rPr lang="en-US" dirty="0"/>
+              <a:t>1</a:t>
+            </a:r>
+          </a:p>
+        </p:txBody>
+      </p:sp>
+      <p:sp>
+        <p:nvSpPr>
+          <p:cNvPr id="6" name="Oval 5">
+            <a:extLst>
+              <a:ext uri="{FF2B5EF4-FFF2-40B4-BE49-F238E27FC236}">
+                <a16:creationId xmlns:a16="http://schemas.microsoft.com/office/drawing/2014/main" id="{3265532C-D0AB-9B45-A482-23D7D466C94D}"/>
+              </a:ext>
+            </a:extLst>
+          </p:cNvPr>
+          <p:cNvSpPr/>
+          <p:nvPr/>
+        </p:nvSpPr>
+        <p:spPr>
+          <a:xfrm>
+            <a:off x="5833458" y="1815589"/>
+            <a:ext cx="177282" cy="166986"/>
+          </a:xfrm>
+          <a:prstGeom prst="ellipse">
+            <a:avLst/>
+          </a:prstGeom>
+          <a:ln>
+            <a:solidFill>
+              <a:schemeClr val="tx1"/>
+            </a:solidFill>
+          </a:ln>
+        </p:spPr>
+        <p:style>
+          <a:lnRef idx="2">
+            <a:schemeClr val="accent1"/>
+          </a:lnRef>
+          <a:fillRef idx="1">
+            <a:schemeClr val="lt1"/>
+          </a:fillRef>
+          <a:effectRef idx="0">
+            <a:schemeClr val="accent1"/>
+          </a:effectRef>
+          <a:fontRef idx="minor">
+            <a:schemeClr val="dk1"/>
+          </a:fontRef>
+        </p:style>
+        <p:txBody>
+          <a:bodyPr rtlCol="0" anchor="ctr"/>
+          <a:lstStyle/>
+          <a:p>
+            <a:pPr algn="ctr"/>
+            <a:endParaRPr lang="en-US"/>
+          </a:p>
+        </p:txBody>
+      </p:sp>
+      <p:cxnSp>
+        <p:nvCxnSpPr>
+          <p:cNvPr id="8" name="Straight Connector 7">
+            <a:extLst>
+              <a:ext uri="{FF2B5EF4-FFF2-40B4-BE49-F238E27FC236}">
+                <a16:creationId xmlns:a16="http://schemas.microsoft.com/office/drawing/2014/main" id="{2A96B7C4-18F6-9F4D-BA89-DAB44FE820CB}"/>
+              </a:ext>
+            </a:extLst>
+          </p:cNvPr>
+          <p:cNvCxnSpPr>
+            <a:cxnSpLocks/>
+          </p:cNvCxnSpPr>
+          <p:nvPr/>
+        </p:nvCxnSpPr>
+        <p:spPr>
+          <a:xfrm>
+            <a:off x="3966849" y="840993"/>
+            <a:ext cx="0" cy="1494827"/>
+          </a:xfrm>
+          <a:prstGeom prst="line">
+            <a:avLst/>
+          </a:prstGeom>
+          <a:ln>
+            <a:prstDash val="sysDot"/>
+          </a:ln>
+        </p:spPr>
+        <p:style>
+          <a:lnRef idx="1">
+            <a:schemeClr val="accent4"/>
+          </a:lnRef>
+          <a:fillRef idx="0">
+            <a:schemeClr val="accent4"/>
+          </a:fillRef>
+          <a:effectRef idx="0">
+            <a:schemeClr val="accent4"/>
+          </a:effectRef>
+          <a:fontRef idx="minor">
+            <a:schemeClr val="tx1"/>
+          </a:fontRef>
+        </p:style>
+      </p:cxnSp>
+      <p:cxnSp>
+        <p:nvCxnSpPr>
+          <p:cNvPr id="13" name="Straight Connector 12">
+            <a:extLst>
+              <a:ext uri="{FF2B5EF4-FFF2-40B4-BE49-F238E27FC236}">
+                <a16:creationId xmlns:a16="http://schemas.microsoft.com/office/drawing/2014/main" id="{3087EC4D-5856-E747-A262-3559894F30F5}"/>
+              </a:ext>
+            </a:extLst>
+          </p:cNvPr>
+          <p:cNvCxnSpPr>
+            <a:cxnSpLocks/>
+          </p:cNvCxnSpPr>
+          <p:nvPr/>
+        </p:nvCxnSpPr>
+        <p:spPr>
+          <a:xfrm flipV="1">
+            <a:off x="4471660" y="1410011"/>
+            <a:ext cx="284751" cy="808024"/>
+          </a:xfrm>
+          <a:prstGeom prst="line">
+            <a:avLst/>
+          </a:prstGeom>
+          <a:ln>
+            <a:solidFill>
+              <a:schemeClr val="tx1"/>
+            </a:solidFill>
+          </a:ln>
+        </p:spPr>
+        <p:style>
+          <a:lnRef idx="1">
+            <a:schemeClr val="accent1"/>
+          </a:lnRef>
+          <a:fillRef idx="0">
+            <a:schemeClr val="accent1"/>
+          </a:fillRef>
+          <a:effectRef idx="0">
+            <a:schemeClr val="accent1"/>
+          </a:effectRef>
+          <a:fontRef idx="minor">
+            <a:schemeClr val="tx1"/>
+          </a:fontRef>
+        </p:style>
+      </p:cxnSp>
+      <p:cxnSp>
+        <p:nvCxnSpPr>
+          <p:cNvPr id="14" name="Straight Connector 13">
+            <a:extLst>
+              <a:ext uri="{FF2B5EF4-FFF2-40B4-BE49-F238E27FC236}">
+                <a16:creationId xmlns:a16="http://schemas.microsoft.com/office/drawing/2014/main" id="{96152974-1F70-194E-8C73-C228E03DFB12}"/>
+              </a:ext>
+            </a:extLst>
+          </p:cNvPr>
+          <p:cNvCxnSpPr>
+            <a:cxnSpLocks/>
+          </p:cNvCxnSpPr>
+          <p:nvPr/>
+        </p:nvCxnSpPr>
+        <p:spPr>
+          <a:xfrm>
+            <a:off x="3956178" y="2216559"/>
+            <a:ext cx="519111" cy="1"/>
+          </a:xfrm>
+          <a:prstGeom prst="line">
+            <a:avLst/>
+          </a:prstGeom>
+          <a:ln>
+            <a:solidFill>
+              <a:schemeClr val="tx1"/>
+            </a:solidFill>
+          </a:ln>
+        </p:spPr>
+        <p:style>
+          <a:lnRef idx="1">
+            <a:schemeClr val="accent1"/>
+          </a:lnRef>
+          <a:fillRef idx="0">
+            <a:schemeClr val="accent1"/>
+          </a:fillRef>
+          <a:effectRef idx="0">
+            <a:schemeClr val="accent1"/>
+          </a:effectRef>
+          <a:fontRef idx="minor">
+            <a:schemeClr val="tx1"/>
+          </a:fontRef>
+        </p:style>
+      </p:cxnSp>
+      <p:cxnSp>
+        <p:nvCxnSpPr>
+          <p:cNvPr id="15" name="Straight Connector 14">
+            <a:extLst>
+              <a:ext uri="{FF2B5EF4-FFF2-40B4-BE49-F238E27FC236}">
+                <a16:creationId xmlns:a16="http://schemas.microsoft.com/office/drawing/2014/main" id="{D8400B72-4D17-2C43-8193-587AC6B70394}"/>
+              </a:ext>
+            </a:extLst>
+          </p:cNvPr>
+          <p:cNvCxnSpPr>
+            <a:cxnSpLocks/>
+          </p:cNvCxnSpPr>
+          <p:nvPr/>
+        </p:nvCxnSpPr>
+        <p:spPr>
+          <a:xfrm flipV="1">
+            <a:off x="3963724" y="2217138"/>
+            <a:ext cx="0" cy="433247"/>
+          </a:xfrm>
+          <a:prstGeom prst="line">
+            <a:avLst/>
+          </a:prstGeom>
+          <a:ln>
+            <a:solidFill>
+              <a:schemeClr val="tx1"/>
+            </a:solidFill>
+          </a:ln>
+        </p:spPr>
+        <p:style>
+          <a:lnRef idx="1">
+            <a:schemeClr val="accent1"/>
+          </a:lnRef>
+          <a:fillRef idx="0">
+            <a:schemeClr val="accent1"/>
+          </a:fillRef>
+          <a:effectRef idx="0">
+            <a:schemeClr val="accent1"/>
+          </a:effectRef>
+          <a:fontRef idx="minor">
+            <a:schemeClr val="tx1"/>
+          </a:fontRef>
+        </p:style>
+      </p:cxnSp>
+      <p:sp>
+        <p:nvSpPr>
+          <p:cNvPr id="16" name="Freeform 15">
+            <a:extLst>
+              <a:ext uri="{FF2B5EF4-FFF2-40B4-BE49-F238E27FC236}">
+                <a16:creationId xmlns:a16="http://schemas.microsoft.com/office/drawing/2014/main" id="{CA3F3335-F0B6-2344-9BC9-3547C33CCF12}"/>
+              </a:ext>
+            </a:extLst>
+          </p:cNvPr>
+          <p:cNvSpPr/>
+          <p:nvPr/>
+        </p:nvSpPr>
+        <p:spPr>
+          <a:xfrm>
+            <a:off x="5031362" y="2103987"/>
+            <a:ext cx="65690" cy="93134"/>
+          </a:xfrm>
+          <a:custGeom>
+            <a:avLst/>
+            <a:gdLst>
+              <a:gd name="connsiteX0" fmla="*/ 0 w 147545"/>
+              <a:gd name="connsiteY0" fmla="*/ 0 h 212781"/>
+              <a:gd name="connsiteX1" fmla="*/ 146050 w 147545"/>
+              <a:gd name="connsiteY1" fmla="*/ 200025 h 212781"/>
+              <a:gd name="connsiteX2" fmla="*/ 79375 w 147545"/>
+              <a:gd name="connsiteY2" fmla="*/ 203200 h 212781"/>
+              <a:gd name="connsiteX0" fmla="*/ 0 w 153794"/>
+              <a:gd name="connsiteY0" fmla="*/ 0 h 203200"/>
+              <a:gd name="connsiteX1" fmla="*/ 152400 w 153794"/>
+              <a:gd name="connsiteY1" fmla="*/ 66675 h 203200"/>
+              <a:gd name="connsiteX2" fmla="*/ 79375 w 153794"/>
+              <a:gd name="connsiteY2" fmla="*/ 203200 h 203200"/>
+              <a:gd name="connsiteX0" fmla="*/ 0 w 79375"/>
+              <a:gd name="connsiteY0" fmla="*/ 0 h 203200"/>
+              <a:gd name="connsiteX1" fmla="*/ 79375 w 79375"/>
+              <a:gd name="connsiteY1" fmla="*/ 203200 h 203200"/>
+              <a:gd name="connsiteX0" fmla="*/ 0 w 142919"/>
+              <a:gd name="connsiteY0" fmla="*/ 0 h 203200"/>
+              <a:gd name="connsiteX1" fmla="*/ 79375 w 142919"/>
+              <a:gd name="connsiteY1" fmla="*/ 203200 h 203200"/>
+              <a:gd name="connsiteX0" fmla="*/ 0 w 186211"/>
+              <a:gd name="connsiteY0" fmla="*/ 0 h 203200"/>
+              <a:gd name="connsiteX1" fmla="*/ 79375 w 186211"/>
+              <a:gd name="connsiteY1" fmla="*/ 203200 h 203200"/>
+              <a:gd name="connsiteX0" fmla="*/ 0 w 125812"/>
+              <a:gd name="connsiteY0" fmla="*/ 0 h 203200"/>
+              <a:gd name="connsiteX1" fmla="*/ 79375 w 125812"/>
+              <a:gd name="connsiteY1" fmla="*/ 203200 h 203200"/>
+              <a:gd name="connsiteX0" fmla="*/ 0 w 122234"/>
+              <a:gd name="connsiteY0" fmla="*/ 1233 h 204433"/>
+              <a:gd name="connsiteX1" fmla="*/ 79375 w 122234"/>
+              <a:gd name="connsiteY1" fmla="*/ 204433 h 204433"/>
+              <a:gd name="connsiteX0" fmla="*/ 0 w 148382"/>
+              <a:gd name="connsiteY0" fmla="*/ 1233 h 204433"/>
+              <a:gd name="connsiteX1" fmla="*/ 111125 w 148382"/>
+              <a:gd name="connsiteY1" fmla="*/ 204433 h 204433"/>
+              <a:gd name="connsiteX0" fmla="*/ 0 w 354546"/>
+              <a:gd name="connsiteY0" fmla="*/ 772 h 284406"/>
+              <a:gd name="connsiteX1" fmla="*/ 335492 w 354546"/>
+              <a:gd name="connsiteY1" fmla="*/ 284406 h 284406"/>
+              <a:gd name="connsiteX0" fmla="*/ 0 w 335731"/>
+              <a:gd name="connsiteY0" fmla="*/ 1961 h 285595"/>
+              <a:gd name="connsiteX1" fmla="*/ 335492 w 335731"/>
+              <a:gd name="connsiteY1" fmla="*/ 285595 h 285595"/>
+              <a:gd name="connsiteX0" fmla="*/ 0 w 336219"/>
+              <a:gd name="connsiteY0" fmla="*/ 60 h 283694"/>
+              <a:gd name="connsiteX1" fmla="*/ 335492 w 336219"/>
+              <a:gd name="connsiteY1" fmla="*/ 283694 h 283694"/>
+              <a:gd name="connsiteX0" fmla="*/ 0 w 335839"/>
+              <a:gd name="connsiteY0" fmla="*/ 0 h 283634"/>
+              <a:gd name="connsiteX1" fmla="*/ 335492 w 335839"/>
+              <a:gd name="connsiteY1" fmla="*/ 283634 h 283634"/>
+              <a:gd name="connsiteX0" fmla="*/ 0 w 335492"/>
+              <a:gd name="connsiteY0" fmla="*/ 0 h 283634"/>
+              <a:gd name="connsiteX1" fmla="*/ 335492 w 335492"/>
+              <a:gd name="connsiteY1" fmla="*/ 283634 h 283634"/>
+              <a:gd name="connsiteX0" fmla="*/ 0 w 113242"/>
+              <a:gd name="connsiteY0" fmla="*/ 23817 h 101076"/>
+              <a:gd name="connsiteX1" fmla="*/ 113242 w 113242"/>
+              <a:gd name="connsiteY1" fmla="*/ 101076 h 101076"/>
+              <a:gd name="connsiteX0" fmla="*/ 0 w 131430"/>
+              <a:gd name="connsiteY0" fmla="*/ 0 h 77259"/>
+              <a:gd name="connsiteX1" fmla="*/ 113242 w 131430"/>
+              <a:gd name="connsiteY1" fmla="*/ 77259 h 77259"/>
+              <a:gd name="connsiteX0" fmla="*/ 0 w 88086"/>
+              <a:gd name="connsiteY0" fmla="*/ 0 h 96309"/>
+              <a:gd name="connsiteX1" fmla="*/ 33867 w 88086"/>
+              <a:gd name="connsiteY1" fmla="*/ 96309 h 96309"/>
+              <a:gd name="connsiteX0" fmla="*/ 0 w 51968"/>
+              <a:gd name="connsiteY0" fmla="*/ 0 h 96309"/>
+              <a:gd name="connsiteX1" fmla="*/ 33867 w 51968"/>
+              <a:gd name="connsiteY1" fmla="*/ 96309 h 96309"/>
+              <a:gd name="connsiteX0" fmla="*/ 0 w 65690"/>
+              <a:gd name="connsiteY0" fmla="*/ 0 h 93134"/>
+              <a:gd name="connsiteX1" fmla="*/ 52917 w 65690"/>
+              <a:gd name="connsiteY1" fmla="*/ 93134 h 93134"/>
+            </a:gdLst>
+            <a:ahLst/>
+            <a:cxnLst>
+              <a:cxn ang="0">
+                <a:pos x="connsiteX0" y="connsiteY0"/>
+              </a:cxn>
+              <a:cxn ang="0">
+                <a:pos x="connsiteX1" y="connsiteY1"/>
+              </a:cxn>
+            </a:cxnLst>
+            <a:rect l="l" t="t" r="r" b="b"/>
+            <a:pathLst>
+              <a:path w="65690" h="93134">
+                <a:moveTo>
+                  <a:pt x="0" y="0"/>
+                </a:moveTo>
+                <a:cubicBezTo>
+                  <a:pt x="61384" y="8466"/>
+                  <a:pt x="81492" y="70909"/>
+                  <a:pt x="52917" y="93134"/>
+                </a:cubicBezTo>
+              </a:path>
+            </a:pathLst>
+          </a:custGeom>
+          <a:noFill/>
+          <a:ln>
+            <a:solidFill>
+              <a:schemeClr val="tx1"/>
+            </a:solidFill>
+            <a:headEnd type="triangle" w="med" len="med"/>
+            <a:tailEnd type="none" w="sm" len="med"/>
+          </a:ln>
+        </p:spPr>
+        <p:style>
+          <a:lnRef idx="2">
+            <a:schemeClr val="accent1">
+              <a:shade val="50000"/>
+            </a:schemeClr>
+          </a:lnRef>
+          <a:fillRef idx="1">
+            <a:schemeClr val="accent1"/>
+          </a:fillRef>
+          <a:effectRef idx="0">
+            <a:schemeClr val="accent1"/>
+          </a:effectRef>
+          <a:fontRef idx="minor">
+            <a:schemeClr val="lt1"/>
+          </a:fontRef>
+        </p:style>
+        <p:txBody>
+          <a:bodyPr rtlCol="0" anchor="ctr"/>
+          <a:lstStyle/>
+          <a:p>
+            <a:pPr algn="ctr"/>
+            <a:endParaRPr lang="en-US"/>
+          </a:p>
+        </p:txBody>
+      </p:sp>
+      <p:sp>
+        <p:nvSpPr>
+          <p:cNvPr id="17" name="TextBox 16">
+            <a:extLst>
+              <a:ext uri="{FF2B5EF4-FFF2-40B4-BE49-F238E27FC236}">
+                <a16:creationId xmlns:a16="http://schemas.microsoft.com/office/drawing/2014/main" id="{A5574B50-B113-6F48-945D-2C6FDBE30BF0}"/>
+              </a:ext>
+            </a:extLst>
+          </p:cNvPr>
+          <p:cNvSpPr txBox="1"/>
+          <p:nvPr/>
+        </p:nvSpPr>
+        <p:spPr>
+          <a:xfrm>
+            <a:off x="5125375" y="2075409"/>
+            <a:ext cx="154845" cy="138499"/>
+          </a:xfrm>
+          <a:prstGeom prst="rect">
+            <a:avLst/>
+          </a:prstGeom>
+          <a:noFill/>
+          <a:ln>
+            <a:noFill/>
+          </a:ln>
+        </p:spPr>
+        <p:txBody>
+          <a:bodyPr wrap="square" lIns="0" tIns="0" rIns="0" bIns="0" rtlCol="0">
+            <a:spAutoFit/>
+          </a:bodyPr>
+          <a:lstStyle/>
+          <a:p>
+            <a:r>
+              <a:rPr lang="en-US" sz="900" dirty="0"/>
+              <a:t>g</a:t>
+            </a:r>
+            <a:r>
+              <a:rPr lang="en-US" sz="900" baseline="-25000" dirty="0"/>
+              <a:t>1</a:t>
+            </a:r>
+          </a:p>
+        </p:txBody>
+      </p:sp>
+      <p:cxnSp>
+        <p:nvCxnSpPr>
+          <p:cNvPr id="18" name="Straight Connector 17">
+            <a:extLst>
+              <a:ext uri="{FF2B5EF4-FFF2-40B4-BE49-F238E27FC236}">
+                <a16:creationId xmlns:a16="http://schemas.microsoft.com/office/drawing/2014/main" id="{458E8048-E553-CB49-9AA6-CF7D38C86999}"/>
+              </a:ext>
+            </a:extLst>
+          </p:cNvPr>
+          <p:cNvCxnSpPr>
+            <a:cxnSpLocks/>
+          </p:cNvCxnSpPr>
+          <p:nvPr/>
+        </p:nvCxnSpPr>
+        <p:spPr>
+          <a:xfrm flipV="1">
+            <a:off x="3964416" y="2335820"/>
+            <a:ext cx="0" cy="452099"/>
+          </a:xfrm>
+          <a:prstGeom prst="line">
+            <a:avLst/>
+          </a:prstGeom>
+          <a:ln>
+            <a:solidFill>
+              <a:srgbClr val="0070C0"/>
+            </a:solidFill>
+            <a:headEnd type="none" w="med" len="med"/>
+            <a:tailEnd type="triangle" w="med" len="med"/>
+          </a:ln>
+        </p:spPr>
+        <p:style>
+          <a:lnRef idx="1">
+            <a:schemeClr val="accent1"/>
+          </a:lnRef>
+          <a:fillRef idx="0">
+            <a:schemeClr val="accent1"/>
+          </a:fillRef>
+          <a:effectRef idx="0">
+            <a:schemeClr val="accent1"/>
+          </a:effectRef>
+          <a:fontRef idx="minor">
+            <a:schemeClr val="tx1"/>
+          </a:fontRef>
+        </p:style>
+      </p:cxnSp>
+      <p:sp>
+        <p:nvSpPr>
+          <p:cNvPr id="19" name="TextBox 18">
+            <a:extLst>
+              <a:ext uri="{FF2B5EF4-FFF2-40B4-BE49-F238E27FC236}">
+                <a16:creationId xmlns:a16="http://schemas.microsoft.com/office/drawing/2014/main" id="{ED2F0E2A-0F2F-B44B-BC4C-843759B096FD}"/>
+              </a:ext>
+            </a:extLst>
+          </p:cNvPr>
+          <p:cNvSpPr txBox="1"/>
+          <p:nvPr/>
+        </p:nvSpPr>
+        <p:spPr>
+          <a:xfrm>
+            <a:off x="7438801" y="2394572"/>
+            <a:ext cx="104775" cy="138499"/>
+          </a:xfrm>
+          <a:prstGeom prst="rect">
+            <a:avLst/>
+          </a:prstGeom>
+          <a:noFill/>
+          <a:ln>
+            <a:noFill/>
+          </a:ln>
+        </p:spPr>
+        <p:txBody>
+          <a:bodyPr wrap="square" lIns="0" tIns="0" rIns="0" bIns="0" rtlCol="0">
+            <a:spAutoFit/>
+          </a:bodyPr>
+          <a:lstStyle/>
+          <a:p>
+            <a:r>
+              <a:rPr lang="en-US" sz="900" dirty="0"/>
+              <a:t>y</a:t>
+            </a:r>
+            <a:r>
+              <a:rPr lang="en-US" sz="900" baseline="-25000" dirty="0"/>
+              <a:t>1</a:t>
+            </a:r>
+          </a:p>
+        </p:txBody>
+      </p:sp>
+      <p:cxnSp>
+        <p:nvCxnSpPr>
+          <p:cNvPr id="20" name="Straight Connector 19">
+            <a:extLst>
+              <a:ext uri="{FF2B5EF4-FFF2-40B4-BE49-F238E27FC236}">
+                <a16:creationId xmlns:a16="http://schemas.microsoft.com/office/drawing/2014/main" id="{A9594CC4-69F9-E440-BF29-75CFC90629E7}"/>
+              </a:ext>
+            </a:extLst>
+          </p:cNvPr>
+          <p:cNvCxnSpPr>
+            <a:cxnSpLocks/>
+          </p:cNvCxnSpPr>
+          <p:nvPr/>
+        </p:nvCxnSpPr>
+        <p:spPr>
+          <a:xfrm>
+            <a:off x="7263336" y="2796661"/>
+            <a:ext cx="643467" cy="0"/>
+          </a:xfrm>
+          <a:prstGeom prst="line">
+            <a:avLst/>
+          </a:prstGeom>
+          <a:ln>
+            <a:solidFill>
+              <a:srgbClr val="FF0000"/>
+            </a:solidFill>
+            <a:headEnd type="none" w="med" len="med"/>
+            <a:tailEnd type="triangle" w="med" len="med"/>
+          </a:ln>
+        </p:spPr>
+        <p:style>
+          <a:lnRef idx="1">
+            <a:schemeClr val="accent1"/>
+          </a:lnRef>
+          <a:fillRef idx="0">
+            <a:schemeClr val="accent1"/>
+          </a:fillRef>
+          <a:effectRef idx="0">
+            <a:schemeClr val="accent1"/>
+          </a:effectRef>
+          <a:fontRef idx="minor">
+            <a:schemeClr val="tx1"/>
+          </a:fontRef>
+        </p:style>
+      </p:cxnSp>
+      <p:sp>
+        <p:nvSpPr>
+          <p:cNvPr id="21" name="TextBox 20">
+            <a:extLst>
+              <a:ext uri="{FF2B5EF4-FFF2-40B4-BE49-F238E27FC236}">
+                <a16:creationId xmlns:a16="http://schemas.microsoft.com/office/drawing/2014/main" id="{B5A1D5C5-1F96-C741-B8B6-F861DD3FDAFA}"/>
+              </a:ext>
+            </a:extLst>
+          </p:cNvPr>
+          <p:cNvSpPr txBox="1"/>
+          <p:nvPr/>
+        </p:nvSpPr>
+        <p:spPr>
+          <a:xfrm>
+            <a:off x="4004822" y="2367937"/>
+            <a:ext cx="154845" cy="138499"/>
+          </a:xfrm>
+          <a:prstGeom prst="rect">
+            <a:avLst/>
+          </a:prstGeom>
+          <a:noFill/>
+          <a:ln>
+            <a:noFill/>
+          </a:ln>
+        </p:spPr>
+        <p:txBody>
+          <a:bodyPr wrap="square" lIns="0" tIns="0" rIns="0" bIns="0" rtlCol="0">
+            <a:spAutoFit/>
+          </a:bodyPr>
+          <a:lstStyle/>
+          <a:p>
+            <a:r>
+              <a:rPr lang="en-US" sz="900" dirty="0"/>
+              <a:t>z</a:t>
+            </a:r>
+            <a:r>
+              <a:rPr lang="en-US" sz="900" baseline="-25000" dirty="0"/>
+              <a:t>1</a:t>
+            </a:r>
+          </a:p>
+        </p:txBody>
+      </p:sp>
+      <p:sp>
+        <p:nvSpPr>
+          <p:cNvPr id="22" name="TextBox 21">
+            <a:extLst>
+              <a:ext uri="{FF2B5EF4-FFF2-40B4-BE49-F238E27FC236}">
+                <a16:creationId xmlns:a16="http://schemas.microsoft.com/office/drawing/2014/main" id="{51E89F48-525B-3342-8273-0E2513EBB03A}"/>
+              </a:ext>
+            </a:extLst>
+          </p:cNvPr>
+          <p:cNvSpPr txBox="1"/>
+          <p:nvPr/>
+        </p:nvSpPr>
+        <p:spPr>
+          <a:xfrm>
+            <a:off x="7625104" y="2459615"/>
+            <a:ext cx="229050" cy="138499"/>
+          </a:xfrm>
+          <a:prstGeom prst="rect">
+            <a:avLst/>
+          </a:prstGeom>
+          <a:noFill/>
+          <a:ln>
+            <a:noFill/>
+          </a:ln>
+        </p:spPr>
+        <p:txBody>
+          <a:bodyPr wrap="square" lIns="0" tIns="0" rIns="0" bIns="0" rtlCol="0">
+            <a:spAutoFit/>
+          </a:bodyPr>
+          <a:lstStyle/>
+          <a:p>
+            <a:r>
+              <a:rPr lang="en-US" sz="900" dirty="0" err="1"/>
+              <a:t>wc</a:t>
+            </a:r>
+            <a:r>
+              <a:rPr lang="en-US" sz="900" baseline="-25000" dirty="0" err="1"/>
+              <a:t>x</a:t>
+            </a:r>
+            <a:endParaRPr lang="en-US" sz="900" baseline="-25000" dirty="0"/>
+          </a:p>
+        </p:txBody>
+      </p:sp>
+      <p:sp>
+        <p:nvSpPr>
+          <p:cNvPr id="23" name="TextBox 22">
+            <a:extLst>
+              <a:ext uri="{FF2B5EF4-FFF2-40B4-BE49-F238E27FC236}">
+                <a16:creationId xmlns:a16="http://schemas.microsoft.com/office/drawing/2014/main" id="{5E34942D-5921-204B-966B-6B9A461117AE}"/>
+              </a:ext>
+            </a:extLst>
+          </p:cNvPr>
+          <p:cNvSpPr txBox="1"/>
+          <p:nvPr/>
+        </p:nvSpPr>
+        <p:spPr>
+          <a:xfrm>
+            <a:off x="6745088" y="1702021"/>
+            <a:ext cx="229050" cy="138499"/>
+          </a:xfrm>
+          <a:prstGeom prst="rect">
+            <a:avLst/>
+          </a:prstGeom>
+          <a:noFill/>
+          <a:ln>
+            <a:noFill/>
+          </a:ln>
+        </p:spPr>
+        <p:txBody>
+          <a:bodyPr wrap="square" lIns="0" tIns="0" rIns="0" bIns="0" rtlCol="0">
+            <a:spAutoFit/>
+          </a:bodyPr>
+          <a:lstStyle/>
+          <a:p>
+            <a:r>
+              <a:rPr lang="en-US" sz="900" dirty="0" err="1"/>
+              <a:t>wc</a:t>
+            </a:r>
+            <a:r>
+              <a:rPr lang="en-US" sz="900" baseline="-25000" dirty="0" err="1"/>
+              <a:t>y</a:t>
+            </a:r>
+            <a:endParaRPr lang="en-US" sz="900" baseline="-25000" dirty="0"/>
+          </a:p>
+        </p:txBody>
+      </p:sp>
+      <p:sp>
+        <p:nvSpPr>
+          <p:cNvPr id="24" name="TextBox 23">
+            <a:extLst>
+              <a:ext uri="{FF2B5EF4-FFF2-40B4-BE49-F238E27FC236}">
+                <a16:creationId xmlns:a16="http://schemas.microsoft.com/office/drawing/2014/main" id="{DBC75440-E4AD-8645-B249-66A5D3787ED3}"/>
+              </a:ext>
+            </a:extLst>
+          </p:cNvPr>
+          <p:cNvSpPr txBox="1"/>
+          <p:nvPr/>
+        </p:nvSpPr>
+        <p:spPr>
+          <a:xfrm>
+            <a:off x="6403666" y="1864926"/>
+            <a:ext cx="172067" cy="138499"/>
+          </a:xfrm>
+          <a:prstGeom prst="rect">
+            <a:avLst/>
+          </a:prstGeom>
+          <a:noFill/>
+          <a:ln>
+            <a:noFill/>
+          </a:ln>
+        </p:spPr>
+        <p:txBody>
+          <a:bodyPr wrap="square" lIns="0" tIns="0" rIns="0" bIns="0" rtlCol="0">
+            <a:spAutoFit/>
+          </a:bodyPr>
+          <a:lstStyle/>
+          <a:p>
+            <a:r>
+              <a:rPr lang="en-US" sz="900" dirty="0"/>
+              <a:t>a</a:t>
+            </a:r>
+            <a:r>
+              <a:rPr lang="en-US" sz="900" baseline="-25000" dirty="0"/>
+              <a:t>2</a:t>
+            </a:r>
+          </a:p>
+        </p:txBody>
+      </p:sp>
+      <p:sp>
+        <p:nvSpPr>
+          <p:cNvPr id="25" name="TextBox 24">
+            <a:extLst>
+              <a:ext uri="{FF2B5EF4-FFF2-40B4-BE49-F238E27FC236}">
+                <a16:creationId xmlns:a16="http://schemas.microsoft.com/office/drawing/2014/main" id="{63C081D7-4F0F-6443-8E2B-F1AAEAA7BEED}"/>
+              </a:ext>
+            </a:extLst>
+          </p:cNvPr>
+          <p:cNvSpPr txBox="1"/>
+          <p:nvPr/>
+        </p:nvSpPr>
+        <p:spPr>
+          <a:xfrm>
+            <a:off x="3341796" y="2390366"/>
+            <a:ext cx="164353" cy="138499"/>
+          </a:xfrm>
+          <a:prstGeom prst="rect">
+            <a:avLst/>
+          </a:prstGeom>
+          <a:noFill/>
+          <a:ln>
+            <a:noFill/>
+          </a:ln>
+        </p:spPr>
+        <p:txBody>
+          <a:bodyPr wrap="square" lIns="0" tIns="0" rIns="0" bIns="0" rtlCol="0">
+            <a:spAutoFit/>
+          </a:bodyPr>
+          <a:lstStyle/>
+          <a:p>
+            <a:r>
+              <a:rPr lang="en-US" sz="900" dirty="0"/>
+              <a:t>d</a:t>
+            </a:r>
+            <a:r>
+              <a:rPr lang="en-US" sz="900" baseline="-25000" dirty="0"/>
+              <a:t>1</a:t>
+            </a:r>
+          </a:p>
+        </p:txBody>
+      </p:sp>
+      <p:sp>
+        <p:nvSpPr>
+          <p:cNvPr id="27" name="TextBox 26">
+            <a:extLst>
+              <a:ext uri="{FF2B5EF4-FFF2-40B4-BE49-F238E27FC236}">
+                <a16:creationId xmlns:a16="http://schemas.microsoft.com/office/drawing/2014/main" id="{742DB2D2-FF77-8849-A1B3-4DADBC2447E0}"/>
+              </a:ext>
+            </a:extLst>
+          </p:cNvPr>
+          <p:cNvSpPr txBox="1"/>
+          <p:nvPr/>
+        </p:nvSpPr>
+        <p:spPr>
+          <a:xfrm>
+            <a:off x="6040261" y="1817618"/>
+            <a:ext cx="229050" cy="138499"/>
+          </a:xfrm>
+          <a:prstGeom prst="rect">
+            <a:avLst/>
+          </a:prstGeom>
+          <a:noFill/>
+          <a:ln>
+            <a:noFill/>
+          </a:ln>
+        </p:spPr>
+        <p:txBody>
+          <a:bodyPr wrap="square" lIns="0" tIns="0" rIns="0" bIns="0" rtlCol="0">
+            <a:spAutoFit/>
+          </a:bodyPr>
+          <a:lstStyle/>
+          <a:p>
+            <a:r>
+              <a:rPr lang="en-US" sz="900" dirty="0"/>
+              <a:t>WC</a:t>
+            </a:r>
+            <a:endParaRPr lang="en-US" sz="900" baseline="-25000" dirty="0"/>
+          </a:p>
+        </p:txBody>
+      </p:sp>
+      <p:sp>
+        <p:nvSpPr>
+          <p:cNvPr id="28" name="Oval 27">
+            <a:extLst>
+              <a:ext uri="{FF2B5EF4-FFF2-40B4-BE49-F238E27FC236}">
+                <a16:creationId xmlns:a16="http://schemas.microsoft.com/office/drawing/2014/main" id="{F605B447-54B6-134C-8003-F8BB6CCBEAE1}"/>
+              </a:ext>
+            </a:extLst>
+          </p:cNvPr>
+          <p:cNvSpPr/>
+          <p:nvPr/>
+        </p:nvSpPr>
+        <p:spPr>
+          <a:xfrm>
+            <a:off x="4564806" y="1214432"/>
+            <a:ext cx="391886" cy="391886"/>
+          </a:xfrm>
+          <a:prstGeom prst="ellipse">
+            <a:avLst/>
+          </a:prstGeom>
+          <a:ln>
+            <a:solidFill>
+              <a:schemeClr val="tx1"/>
+            </a:solidFill>
+          </a:ln>
+        </p:spPr>
+        <p:style>
+          <a:lnRef idx="2">
+            <a:schemeClr val="accent1"/>
+          </a:lnRef>
+          <a:fillRef idx="1">
+            <a:schemeClr val="lt1"/>
+          </a:fillRef>
+          <a:effectRef idx="0">
+            <a:schemeClr val="accent1"/>
+          </a:effectRef>
+          <a:fontRef idx="minor">
+            <a:schemeClr val="dk1"/>
+          </a:fontRef>
+        </p:style>
+        <p:txBody>
+          <a:bodyPr rtlCol="0" anchor="ctr"/>
+          <a:lstStyle/>
+          <a:p>
+            <a:pPr algn="ctr"/>
+            <a:r>
+              <a:rPr lang="en-US" dirty="0"/>
+              <a:t>3</a:t>
+            </a:r>
+          </a:p>
+        </p:txBody>
+      </p:sp>
+      <p:sp>
+        <p:nvSpPr>
+          <p:cNvPr id="29" name="Oval 28">
+            <a:extLst>
+              <a:ext uri="{FF2B5EF4-FFF2-40B4-BE49-F238E27FC236}">
+                <a16:creationId xmlns:a16="http://schemas.microsoft.com/office/drawing/2014/main" id="{14BBA4C1-2A93-FA48-89DB-600E6D4FCB5B}"/>
+              </a:ext>
+            </a:extLst>
+          </p:cNvPr>
+          <p:cNvSpPr/>
+          <p:nvPr/>
+        </p:nvSpPr>
+        <p:spPr>
+          <a:xfrm>
+            <a:off x="8348191" y="4341172"/>
+            <a:ext cx="227976" cy="227976"/>
+          </a:xfrm>
+          <a:prstGeom prst="ellipse">
+            <a:avLst/>
+          </a:prstGeom>
+          <a:ln>
+            <a:solidFill>
+              <a:schemeClr val="tx1"/>
+            </a:solidFill>
+          </a:ln>
+        </p:spPr>
+        <p:style>
+          <a:lnRef idx="2">
+            <a:schemeClr val="accent1"/>
+          </a:lnRef>
+          <a:fillRef idx="1">
+            <a:schemeClr val="lt1"/>
+          </a:fillRef>
+          <a:effectRef idx="0">
+            <a:schemeClr val="accent1"/>
+          </a:effectRef>
+          <a:fontRef idx="minor">
+            <a:schemeClr val="dk1"/>
+          </a:fontRef>
+        </p:style>
+        <p:txBody>
+          <a:bodyPr rtlCol="0" anchor="ctr"/>
+          <a:lstStyle/>
+          <a:p>
+            <a:pPr algn="ctr"/>
+            <a:r>
+              <a:rPr lang="en-US" dirty="0"/>
+              <a:t>4</a:t>
+            </a:r>
+          </a:p>
+        </p:txBody>
+      </p:sp>
+      <p:sp>
+        <p:nvSpPr>
+          <p:cNvPr id="2" name="Oval 1">
+            <a:extLst>
+              <a:ext uri="{FF2B5EF4-FFF2-40B4-BE49-F238E27FC236}">
+                <a16:creationId xmlns:a16="http://schemas.microsoft.com/office/drawing/2014/main" id="{DD0E6DD4-0DC4-1448-B86C-4ACF3A4BF32A}"/>
+              </a:ext>
+            </a:extLst>
+          </p:cNvPr>
+          <p:cNvSpPr/>
+          <p:nvPr/>
+        </p:nvSpPr>
+        <p:spPr>
+          <a:xfrm>
+            <a:off x="4273000" y="2011584"/>
+            <a:ext cx="391886" cy="391886"/>
+          </a:xfrm>
+          <a:prstGeom prst="ellipse">
+            <a:avLst/>
+          </a:prstGeom>
+          <a:ln>
+            <a:solidFill>
+              <a:schemeClr val="tx1"/>
+            </a:solidFill>
+          </a:ln>
+        </p:spPr>
+        <p:style>
+          <a:lnRef idx="2">
+            <a:schemeClr val="accent1"/>
+          </a:lnRef>
+          <a:fillRef idx="1">
+            <a:schemeClr val="lt1"/>
+          </a:fillRef>
+          <a:effectRef idx="0">
+            <a:schemeClr val="accent1"/>
+          </a:effectRef>
+          <a:fontRef idx="minor">
+            <a:schemeClr val="dk1"/>
+          </a:fontRef>
+        </p:style>
+        <p:txBody>
+          <a:bodyPr rtlCol="0" anchor="ctr"/>
+          <a:lstStyle/>
+          <a:p>
+            <a:pPr algn="ctr"/>
+            <a:r>
+              <a:rPr lang="en-US" dirty="0"/>
+              <a:t>2</a:t>
+            </a:r>
+          </a:p>
+        </p:txBody>
+      </p:sp>
+      <p:cxnSp>
+        <p:nvCxnSpPr>
+          <p:cNvPr id="7" name="Straight Connector 6">
+            <a:extLst>
+              <a:ext uri="{FF2B5EF4-FFF2-40B4-BE49-F238E27FC236}">
+                <a16:creationId xmlns:a16="http://schemas.microsoft.com/office/drawing/2014/main" id="{95DCCCA5-AE8A-8444-ACC4-675D3DECAE96}"/>
+              </a:ext>
+            </a:extLst>
+          </p:cNvPr>
+          <p:cNvCxnSpPr>
+            <a:cxnSpLocks/>
+          </p:cNvCxnSpPr>
+          <p:nvPr/>
+        </p:nvCxnSpPr>
+        <p:spPr>
+          <a:xfrm flipV="1">
+            <a:off x="4472481" y="1916318"/>
+            <a:ext cx="1449618" cy="291209"/>
+          </a:xfrm>
+          <a:prstGeom prst="line">
+            <a:avLst/>
+          </a:prstGeom>
+          <a:ln>
+            <a:prstDash val="sysDot"/>
+          </a:ln>
+        </p:spPr>
+        <p:style>
+          <a:lnRef idx="1">
+            <a:schemeClr val="accent4"/>
+          </a:lnRef>
+          <a:fillRef idx="0">
+            <a:schemeClr val="accent4"/>
+          </a:fillRef>
+          <a:effectRef idx="0">
+            <a:schemeClr val="accent4"/>
+          </a:effectRef>
+          <a:fontRef idx="minor">
+            <a:schemeClr val="tx1"/>
+          </a:fontRef>
+        </p:style>
+      </p:cxnSp>
+      <p:cxnSp>
+        <p:nvCxnSpPr>
+          <p:cNvPr id="9" name="Straight Connector 8">
+            <a:extLst>
+              <a:ext uri="{FF2B5EF4-FFF2-40B4-BE49-F238E27FC236}">
+                <a16:creationId xmlns:a16="http://schemas.microsoft.com/office/drawing/2014/main" id="{19F40CE3-9439-5C49-B99D-84D768B03184}"/>
+              </a:ext>
+            </a:extLst>
+          </p:cNvPr>
+          <p:cNvCxnSpPr>
+            <a:cxnSpLocks/>
+          </p:cNvCxnSpPr>
+          <p:nvPr/>
+        </p:nvCxnSpPr>
+        <p:spPr>
+          <a:xfrm>
+            <a:off x="3894667" y="1410011"/>
+            <a:ext cx="2624666" cy="0"/>
+          </a:xfrm>
+          <a:prstGeom prst="line">
+            <a:avLst/>
+          </a:prstGeom>
+          <a:ln>
+            <a:prstDash val="sysDot"/>
+          </a:ln>
+        </p:spPr>
+        <p:style>
+          <a:lnRef idx="1">
+            <a:schemeClr val="accent4"/>
+          </a:lnRef>
+          <a:fillRef idx="0">
+            <a:schemeClr val="accent4"/>
+          </a:fillRef>
+          <a:effectRef idx="0">
+            <a:schemeClr val="accent4"/>
+          </a:effectRef>
+          <a:fontRef idx="minor">
+            <a:schemeClr val="tx1"/>
+          </a:fontRef>
+        </p:style>
+      </p:cxnSp>
+      <p:cxnSp>
+        <p:nvCxnSpPr>
+          <p:cNvPr id="10" name="Straight Connector 9">
+            <a:extLst>
+              <a:ext uri="{FF2B5EF4-FFF2-40B4-BE49-F238E27FC236}">
+                <a16:creationId xmlns:a16="http://schemas.microsoft.com/office/drawing/2014/main" id="{69C54D5C-2B83-6447-AF10-9F2FE40F4A56}"/>
+              </a:ext>
+            </a:extLst>
+          </p:cNvPr>
+          <p:cNvCxnSpPr>
+            <a:cxnSpLocks/>
+          </p:cNvCxnSpPr>
+          <p:nvPr/>
+        </p:nvCxnSpPr>
+        <p:spPr>
+          <a:xfrm>
+            <a:off x="3369733" y="2210690"/>
+            <a:ext cx="3119967" cy="0"/>
+          </a:xfrm>
+          <a:prstGeom prst="line">
+            <a:avLst/>
+          </a:prstGeom>
+          <a:ln>
+            <a:prstDash val="sysDot"/>
+          </a:ln>
+        </p:spPr>
+        <p:style>
+          <a:lnRef idx="1">
+            <a:schemeClr val="accent4"/>
+          </a:lnRef>
+          <a:fillRef idx="0">
+            <a:schemeClr val="accent4"/>
+          </a:fillRef>
+          <a:effectRef idx="0">
+            <a:schemeClr val="accent4"/>
+          </a:effectRef>
+          <a:fontRef idx="minor">
+            <a:schemeClr val="tx1"/>
+          </a:fontRef>
+        </p:style>
+      </p:cxnSp>
+      <p:cxnSp>
+        <p:nvCxnSpPr>
+          <p:cNvPr id="11" name="Straight Connector 10">
+            <a:extLst>
+              <a:ext uri="{FF2B5EF4-FFF2-40B4-BE49-F238E27FC236}">
+                <a16:creationId xmlns:a16="http://schemas.microsoft.com/office/drawing/2014/main" id="{BB15EC97-22F3-F845-BB61-0D7DF466D702}"/>
+              </a:ext>
+            </a:extLst>
+          </p:cNvPr>
+          <p:cNvCxnSpPr>
+            <a:cxnSpLocks/>
+          </p:cNvCxnSpPr>
+          <p:nvPr/>
+        </p:nvCxnSpPr>
+        <p:spPr>
+          <a:xfrm>
+            <a:off x="5934273" y="948267"/>
+            <a:ext cx="0" cy="1269767"/>
+          </a:xfrm>
+          <a:prstGeom prst="line">
+            <a:avLst/>
+          </a:prstGeom>
+          <a:ln>
+            <a:prstDash val="sysDot"/>
+          </a:ln>
+        </p:spPr>
+        <p:style>
+          <a:lnRef idx="1">
+            <a:schemeClr val="accent4"/>
+          </a:lnRef>
+          <a:fillRef idx="0">
+            <a:schemeClr val="accent4"/>
+          </a:fillRef>
+          <a:effectRef idx="0">
+            <a:schemeClr val="accent4"/>
+          </a:effectRef>
+          <a:fontRef idx="minor">
+            <a:schemeClr val="tx1"/>
+          </a:fontRef>
+        </p:style>
+      </p:cxnSp>
+      <p:cxnSp>
+        <p:nvCxnSpPr>
+          <p:cNvPr id="12" name="Straight Connector 11">
+            <a:extLst>
+              <a:ext uri="{FF2B5EF4-FFF2-40B4-BE49-F238E27FC236}">
+                <a16:creationId xmlns:a16="http://schemas.microsoft.com/office/drawing/2014/main" id="{9897E682-6751-C143-AD1F-C456E68F1625}"/>
+              </a:ext>
+            </a:extLst>
+          </p:cNvPr>
+          <p:cNvCxnSpPr>
+            <a:cxnSpLocks/>
+          </p:cNvCxnSpPr>
+          <p:nvPr/>
+        </p:nvCxnSpPr>
+        <p:spPr>
+          <a:xfrm>
+            <a:off x="4760749" y="1410011"/>
+            <a:ext cx="1161350" cy="494726"/>
+          </a:xfrm>
+          <a:prstGeom prst="line">
+            <a:avLst/>
+          </a:prstGeom>
+          <a:ln>
+            <a:prstDash val="sysDot"/>
+          </a:ln>
+        </p:spPr>
+        <p:style>
+          <a:lnRef idx="1">
+            <a:schemeClr val="accent4"/>
+          </a:lnRef>
+          <a:fillRef idx="0">
+            <a:schemeClr val="accent4"/>
+          </a:fillRef>
+          <a:effectRef idx="0">
+            <a:schemeClr val="accent4"/>
+          </a:effectRef>
+          <a:fontRef idx="minor">
+            <a:schemeClr val="tx1"/>
+          </a:fontRef>
+        </p:style>
+      </p:cxnSp>
+      <p:cxnSp>
+        <p:nvCxnSpPr>
+          <p:cNvPr id="58" name="Straight Connector 57">
+            <a:extLst>
+              <a:ext uri="{FF2B5EF4-FFF2-40B4-BE49-F238E27FC236}">
+                <a16:creationId xmlns:a16="http://schemas.microsoft.com/office/drawing/2014/main" id="{23A588F6-4470-2349-A13D-5B0B0CC94BE1}"/>
+              </a:ext>
+            </a:extLst>
+          </p:cNvPr>
+          <p:cNvCxnSpPr>
+            <a:cxnSpLocks/>
+            <a:stCxn id="4" idx="2"/>
+          </p:cNvCxnSpPr>
+          <p:nvPr/>
+        </p:nvCxnSpPr>
+        <p:spPr>
+          <a:xfrm flipH="1" flipV="1">
+            <a:off x="3321208" y="2759872"/>
+            <a:ext cx="642516" cy="2724"/>
+          </a:xfrm>
+          <a:prstGeom prst="line">
+            <a:avLst/>
+          </a:prstGeom>
+          <a:ln>
+            <a:prstDash val="sysDot"/>
+          </a:ln>
+        </p:spPr>
+        <p:style>
+          <a:lnRef idx="1">
+            <a:schemeClr val="accent4"/>
+          </a:lnRef>
+          <a:fillRef idx="0">
+            <a:schemeClr val="accent4"/>
+          </a:fillRef>
+          <a:effectRef idx="0">
+            <a:schemeClr val="accent4"/>
+          </a:effectRef>
+          <a:fontRef idx="minor">
+            <a:schemeClr val="tx1"/>
+          </a:fontRef>
+        </p:style>
+      </p:cxnSp>
+      <p:cxnSp>
+        <p:nvCxnSpPr>
+          <p:cNvPr id="62" name="Straight Connector 61">
+            <a:extLst>
+              <a:ext uri="{FF2B5EF4-FFF2-40B4-BE49-F238E27FC236}">
+                <a16:creationId xmlns:a16="http://schemas.microsoft.com/office/drawing/2014/main" id="{F0D8B5F2-2ACA-0D46-8DC7-156C5FA9C22A}"/>
+              </a:ext>
+            </a:extLst>
+          </p:cNvPr>
+          <p:cNvCxnSpPr>
+            <a:cxnSpLocks/>
+          </p:cNvCxnSpPr>
+          <p:nvPr/>
+        </p:nvCxnSpPr>
+        <p:spPr>
+          <a:xfrm flipV="1">
+            <a:off x="3475472" y="2141924"/>
+            <a:ext cx="0" cy="645995"/>
+          </a:xfrm>
+          <a:prstGeom prst="line">
+            <a:avLst/>
+          </a:prstGeom>
+          <a:ln>
+            <a:solidFill>
+              <a:schemeClr val="tx1"/>
+            </a:solidFill>
+          </a:ln>
+        </p:spPr>
+        <p:style>
+          <a:lnRef idx="1">
+            <a:schemeClr val="accent1"/>
+          </a:lnRef>
+          <a:fillRef idx="0">
+            <a:schemeClr val="accent1"/>
+          </a:fillRef>
+          <a:effectRef idx="0">
+            <a:schemeClr val="accent1"/>
+          </a:effectRef>
+          <a:fontRef idx="minor">
+            <a:schemeClr val="tx1"/>
+          </a:fontRef>
+        </p:style>
+      </p:cxnSp>
+      <p:cxnSp>
+        <p:nvCxnSpPr>
+          <p:cNvPr id="65" name="Straight Connector 64">
+            <a:extLst>
+              <a:ext uri="{FF2B5EF4-FFF2-40B4-BE49-F238E27FC236}">
+                <a16:creationId xmlns:a16="http://schemas.microsoft.com/office/drawing/2014/main" id="{EB5A8975-9F0F-DE45-8877-01FDAA33FCC4}"/>
+              </a:ext>
+            </a:extLst>
+          </p:cNvPr>
+          <p:cNvCxnSpPr>
+            <a:cxnSpLocks/>
+          </p:cNvCxnSpPr>
+          <p:nvPr/>
+        </p:nvCxnSpPr>
+        <p:spPr>
+          <a:xfrm flipV="1">
+            <a:off x="6376237" y="1278467"/>
+            <a:ext cx="0" cy="990194"/>
+          </a:xfrm>
+          <a:prstGeom prst="line">
+            <a:avLst/>
+          </a:prstGeom>
+          <a:ln>
+            <a:solidFill>
+              <a:schemeClr val="tx1"/>
+            </a:solidFill>
+          </a:ln>
+        </p:spPr>
+        <p:style>
+          <a:lnRef idx="1">
+            <a:schemeClr val="accent1"/>
+          </a:lnRef>
+          <a:fillRef idx="0">
+            <a:schemeClr val="accent1"/>
+          </a:fillRef>
+          <a:effectRef idx="0">
+            <a:schemeClr val="accent1"/>
+          </a:effectRef>
+          <a:fontRef idx="minor">
+            <a:schemeClr val="tx1"/>
+          </a:fontRef>
+        </p:style>
+      </p:cxnSp>
+      <p:cxnSp>
+        <p:nvCxnSpPr>
+          <p:cNvPr id="69" name="Straight Connector 68">
+            <a:extLst>
+              <a:ext uri="{FF2B5EF4-FFF2-40B4-BE49-F238E27FC236}">
+                <a16:creationId xmlns:a16="http://schemas.microsoft.com/office/drawing/2014/main" id="{4B06659B-8252-C549-9EF6-AD45B12CBFFD}"/>
+              </a:ext>
+            </a:extLst>
+          </p:cNvPr>
+          <p:cNvCxnSpPr>
+            <a:cxnSpLocks/>
+          </p:cNvCxnSpPr>
+          <p:nvPr/>
+        </p:nvCxnSpPr>
+        <p:spPr>
+          <a:xfrm>
+            <a:off x="4482176" y="881969"/>
+            <a:ext cx="0" cy="1426599"/>
+          </a:xfrm>
+          <a:prstGeom prst="line">
+            <a:avLst/>
+          </a:prstGeom>
+          <a:ln>
+            <a:prstDash val="sysDot"/>
+          </a:ln>
+        </p:spPr>
+        <p:style>
+          <a:lnRef idx="1">
+            <a:schemeClr val="accent4"/>
+          </a:lnRef>
+          <a:fillRef idx="0">
+            <a:schemeClr val="accent4"/>
+          </a:fillRef>
+          <a:effectRef idx="0">
+            <a:schemeClr val="accent4"/>
+          </a:effectRef>
+          <a:fontRef idx="minor">
+            <a:schemeClr val="tx1"/>
+          </a:fontRef>
+        </p:style>
+      </p:cxnSp>
+      <p:cxnSp>
+        <p:nvCxnSpPr>
+          <p:cNvPr id="72" name="Straight Connector 71">
+            <a:extLst>
+              <a:ext uri="{FF2B5EF4-FFF2-40B4-BE49-F238E27FC236}">
+                <a16:creationId xmlns:a16="http://schemas.microsoft.com/office/drawing/2014/main" id="{A9F23B00-68C9-8544-ADE6-8CF68432E0EA}"/>
+              </a:ext>
+            </a:extLst>
+          </p:cNvPr>
+          <p:cNvCxnSpPr>
+            <a:cxnSpLocks/>
+          </p:cNvCxnSpPr>
+          <p:nvPr/>
+        </p:nvCxnSpPr>
+        <p:spPr>
+          <a:xfrm>
+            <a:off x="3894667" y="937002"/>
+            <a:ext cx="639233" cy="0"/>
+          </a:xfrm>
+          <a:prstGeom prst="line">
+            <a:avLst/>
+          </a:prstGeom>
+          <a:ln>
+            <a:solidFill>
+              <a:schemeClr val="tx1"/>
+            </a:solidFill>
+          </a:ln>
+        </p:spPr>
+        <p:style>
+          <a:lnRef idx="1">
+            <a:schemeClr val="accent1"/>
+          </a:lnRef>
+          <a:fillRef idx="0">
+            <a:schemeClr val="accent1"/>
+          </a:fillRef>
+          <a:effectRef idx="0">
+            <a:schemeClr val="accent1"/>
+          </a:effectRef>
+          <a:fontRef idx="minor">
+            <a:schemeClr val="tx1"/>
+          </a:fontRef>
+        </p:style>
+      </p:cxnSp>
+      <p:sp>
+        <p:nvSpPr>
+          <p:cNvPr id="77" name="TextBox 76">
+            <a:extLst>
+              <a:ext uri="{FF2B5EF4-FFF2-40B4-BE49-F238E27FC236}">
+                <a16:creationId xmlns:a16="http://schemas.microsoft.com/office/drawing/2014/main" id="{1CB98E0C-9D31-584A-B8B0-98FBC6D92F2C}"/>
+              </a:ext>
+            </a:extLst>
+          </p:cNvPr>
+          <p:cNvSpPr txBox="1"/>
+          <p:nvPr/>
+        </p:nvSpPr>
+        <p:spPr>
+          <a:xfrm>
+            <a:off x="4155991" y="795569"/>
+            <a:ext cx="172067" cy="138499"/>
+          </a:xfrm>
+          <a:prstGeom prst="rect">
+            <a:avLst/>
+          </a:prstGeom>
+          <a:noFill/>
+          <a:ln>
+            <a:noFill/>
+          </a:ln>
+        </p:spPr>
+        <p:txBody>
+          <a:bodyPr wrap="square" lIns="0" tIns="0" rIns="0" bIns="0" rtlCol="0">
+            <a:spAutoFit/>
+          </a:bodyPr>
+          <a:lstStyle/>
+          <a:p>
+            <a:r>
+              <a:rPr lang="en-US" sz="900" dirty="0"/>
+              <a:t>a</a:t>
+            </a:r>
+            <a:r>
+              <a:rPr lang="en-US" sz="900" baseline="-25000" dirty="0"/>
+              <a:t>1</a:t>
+            </a:r>
+          </a:p>
+        </p:txBody>
+      </p:sp>
+      <p:cxnSp>
+        <p:nvCxnSpPr>
+          <p:cNvPr id="80" name="Straight Connector 79">
+            <a:extLst>
+              <a:ext uri="{FF2B5EF4-FFF2-40B4-BE49-F238E27FC236}">
+                <a16:creationId xmlns:a16="http://schemas.microsoft.com/office/drawing/2014/main" id="{A452A629-83E0-4444-B3CC-3C4D61754E45}"/>
+              </a:ext>
+            </a:extLst>
+          </p:cNvPr>
+          <p:cNvCxnSpPr>
+            <a:cxnSpLocks/>
+          </p:cNvCxnSpPr>
+          <p:nvPr/>
+        </p:nvCxnSpPr>
+        <p:spPr>
+          <a:xfrm>
+            <a:off x="4393011" y="881969"/>
+            <a:ext cx="1598214" cy="0"/>
+          </a:xfrm>
+          <a:prstGeom prst="line">
+            <a:avLst/>
+          </a:prstGeom>
+          <a:ln>
+            <a:solidFill>
+              <a:schemeClr val="tx1"/>
+            </a:solidFill>
+          </a:ln>
+        </p:spPr>
+        <p:style>
+          <a:lnRef idx="1">
+            <a:schemeClr val="accent1"/>
+          </a:lnRef>
+          <a:fillRef idx="0">
+            <a:schemeClr val="accent1"/>
+          </a:fillRef>
+          <a:effectRef idx="0">
+            <a:schemeClr val="accent1"/>
+          </a:effectRef>
+          <a:fontRef idx="minor">
+            <a:schemeClr val="tx1"/>
+          </a:fontRef>
+        </p:style>
+      </p:cxnSp>
+      <p:sp>
+        <p:nvSpPr>
+          <p:cNvPr id="82" name="TextBox 81">
+            <a:extLst>
+              <a:ext uri="{FF2B5EF4-FFF2-40B4-BE49-F238E27FC236}">
+                <a16:creationId xmlns:a16="http://schemas.microsoft.com/office/drawing/2014/main" id="{879DB5E6-1D89-FF4E-9324-C5DA5A965784}"/>
+              </a:ext>
+            </a:extLst>
+          </p:cNvPr>
+          <p:cNvSpPr txBox="1"/>
+          <p:nvPr/>
+        </p:nvSpPr>
+        <p:spPr>
+          <a:xfrm>
+            <a:off x="5218548" y="719662"/>
+            <a:ext cx="172067" cy="138499"/>
+          </a:xfrm>
+          <a:prstGeom prst="rect">
+            <a:avLst/>
+          </a:prstGeom>
+          <a:noFill/>
+          <a:ln>
+            <a:noFill/>
+          </a:ln>
+        </p:spPr>
+        <p:txBody>
+          <a:bodyPr wrap="square" lIns="0" tIns="0" rIns="0" bIns="0" rtlCol="0">
+            <a:spAutoFit/>
+          </a:bodyPr>
+          <a:lstStyle/>
+          <a:p>
+            <a:r>
+              <a:rPr lang="en-US" sz="900" dirty="0"/>
+              <a:t>d</a:t>
+            </a:r>
+            <a:r>
+              <a:rPr lang="en-US" sz="900" baseline="-25000" dirty="0"/>
+              <a:t>4</a:t>
+            </a:r>
+          </a:p>
+        </p:txBody>
+      </p:sp>
+      <p:sp>
+        <p:nvSpPr>
+          <p:cNvPr id="92" name="TextBox 91">
+            <a:extLst>
+              <a:ext uri="{FF2B5EF4-FFF2-40B4-BE49-F238E27FC236}">
+                <a16:creationId xmlns:a16="http://schemas.microsoft.com/office/drawing/2014/main" id="{A518C755-6FA3-F94A-BD8F-EFD96C0CC7AD}"/>
+              </a:ext>
+            </a:extLst>
+          </p:cNvPr>
+          <p:cNvSpPr txBox="1"/>
+          <p:nvPr/>
+        </p:nvSpPr>
+        <p:spPr>
+          <a:xfrm>
+            <a:off x="8482550" y="1429082"/>
+            <a:ext cx="172067" cy="138499"/>
+          </a:xfrm>
+          <a:prstGeom prst="rect">
+            <a:avLst/>
+          </a:prstGeom>
+          <a:noFill/>
+          <a:ln>
+            <a:noFill/>
+          </a:ln>
+        </p:spPr>
+        <p:txBody>
+          <a:bodyPr wrap="square" lIns="0" tIns="0" rIns="0" bIns="0" rtlCol="0">
+            <a:spAutoFit/>
+          </a:bodyPr>
+          <a:lstStyle/>
+          <a:p>
+            <a:r>
+              <a:rPr lang="en-US" sz="900" dirty="0"/>
+              <a:t>a</a:t>
+            </a:r>
+            <a:r>
+              <a:rPr lang="en-US" sz="900" baseline="-25000" dirty="0"/>
+              <a:t>3</a:t>
+            </a:r>
+          </a:p>
+        </p:txBody>
+      </p:sp>
+      <p:cxnSp>
+        <p:nvCxnSpPr>
+          <p:cNvPr id="93" name="Straight Connector 92">
+            <a:extLst>
+              <a:ext uri="{FF2B5EF4-FFF2-40B4-BE49-F238E27FC236}">
+                <a16:creationId xmlns:a16="http://schemas.microsoft.com/office/drawing/2014/main" id="{5EF72578-4EF4-BB4E-A6F2-A09555ABE86F}"/>
+              </a:ext>
+            </a:extLst>
+          </p:cNvPr>
+          <p:cNvCxnSpPr>
+            <a:cxnSpLocks/>
+          </p:cNvCxnSpPr>
+          <p:nvPr/>
+        </p:nvCxnSpPr>
+        <p:spPr>
+          <a:xfrm>
+            <a:off x="8433166" y="1214432"/>
+            <a:ext cx="0" cy="539151"/>
+          </a:xfrm>
+          <a:prstGeom prst="line">
+            <a:avLst/>
+          </a:prstGeom>
+          <a:ln>
+            <a:solidFill>
+              <a:schemeClr val="tx1"/>
+            </a:solidFill>
+          </a:ln>
+        </p:spPr>
+        <p:style>
+          <a:lnRef idx="1">
+            <a:schemeClr val="accent1"/>
+          </a:lnRef>
+          <a:fillRef idx="0">
+            <a:schemeClr val="accent1"/>
+          </a:fillRef>
+          <a:effectRef idx="0">
+            <a:schemeClr val="accent1"/>
+          </a:effectRef>
+          <a:fontRef idx="minor">
+            <a:schemeClr val="tx1"/>
+          </a:fontRef>
+        </p:style>
+      </p:cxnSp>
+      <p:sp>
+        <p:nvSpPr>
+          <p:cNvPr id="101" name="Freeform 100">
+            <a:extLst>
+              <a:ext uri="{FF2B5EF4-FFF2-40B4-BE49-F238E27FC236}">
+                <a16:creationId xmlns:a16="http://schemas.microsoft.com/office/drawing/2014/main" id="{6266E420-F222-6046-861C-2383539BBEDE}"/>
+              </a:ext>
+            </a:extLst>
+          </p:cNvPr>
+          <p:cNvSpPr/>
+          <p:nvPr/>
+        </p:nvSpPr>
+        <p:spPr>
+          <a:xfrm>
+            <a:off x="7078032" y="979792"/>
+            <a:ext cx="139301" cy="213981"/>
+          </a:xfrm>
+          <a:custGeom>
+            <a:avLst/>
+            <a:gdLst>
+              <a:gd name="connsiteX0" fmla="*/ 0 w 147545"/>
+              <a:gd name="connsiteY0" fmla="*/ 0 h 212781"/>
+              <a:gd name="connsiteX1" fmla="*/ 146050 w 147545"/>
+              <a:gd name="connsiteY1" fmla="*/ 200025 h 212781"/>
+              <a:gd name="connsiteX2" fmla="*/ 79375 w 147545"/>
+              <a:gd name="connsiteY2" fmla="*/ 203200 h 212781"/>
+              <a:gd name="connsiteX0" fmla="*/ 0 w 153794"/>
+              <a:gd name="connsiteY0" fmla="*/ 0 h 203200"/>
+              <a:gd name="connsiteX1" fmla="*/ 152400 w 153794"/>
+              <a:gd name="connsiteY1" fmla="*/ 66675 h 203200"/>
+              <a:gd name="connsiteX2" fmla="*/ 79375 w 153794"/>
+              <a:gd name="connsiteY2" fmla="*/ 203200 h 203200"/>
+              <a:gd name="connsiteX0" fmla="*/ 0 w 79375"/>
+              <a:gd name="connsiteY0" fmla="*/ 0 h 203200"/>
+              <a:gd name="connsiteX1" fmla="*/ 79375 w 79375"/>
+              <a:gd name="connsiteY1" fmla="*/ 203200 h 203200"/>
+              <a:gd name="connsiteX0" fmla="*/ 0 w 142919"/>
+              <a:gd name="connsiteY0" fmla="*/ 0 h 203200"/>
+              <a:gd name="connsiteX1" fmla="*/ 79375 w 142919"/>
+              <a:gd name="connsiteY1" fmla="*/ 203200 h 203200"/>
+              <a:gd name="connsiteX0" fmla="*/ 0 w 186211"/>
+              <a:gd name="connsiteY0" fmla="*/ 0 h 203200"/>
+              <a:gd name="connsiteX1" fmla="*/ 79375 w 186211"/>
+              <a:gd name="connsiteY1" fmla="*/ 203200 h 203200"/>
+              <a:gd name="connsiteX0" fmla="*/ 0 w 125812"/>
+              <a:gd name="connsiteY0" fmla="*/ 0 h 203200"/>
+              <a:gd name="connsiteX1" fmla="*/ 79375 w 125812"/>
+              <a:gd name="connsiteY1" fmla="*/ 203200 h 203200"/>
+              <a:gd name="connsiteX0" fmla="*/ 0 w 122234"/>
+              <a:gd name="connsiteY0" fmla="*/ 1233 h 204433"/>
+              <a:gd name="connsiteX1" fmla="*/ 79375 w 122234"/>
+              <a:gd name="connsiteY1" fmla="*/ 204433 h 204433"/>
+              <a:gd name="connsiteX0" fmla="*/ 0 w 148382"/>
+              <a:gd name="connsiteY0" fmla="*/ 1233 h 204433"/>
+              <a:gd name="connsiteX1" fmla="*/ 111125 w 148382"/>
+              <a:gd name="connsiteY1" fmla="*/ 204433 h 204433"/>
+              <a:gd name="connsiteX0" fmla="*/ 0 w 354546"/>
+              <a:gd name="connsiteY0" fmla="*/ 772 h 284406"/>
+              <a:gd name="connsiteX1" fmla="*/ 335492 w 354546"/>
+              <a:gd name="connsiteY1" fmla="*/ 284406 h 284406"/>
+              <a:gd name="connsiteX0" fmla="*/ 0 w 335731"/>
+              <a:gd name="connsiteY0" fmla="*/ 1961 h 285595"/>
+              <a:gd name="connsiteX1" fmla="*/ 335492 w 335731"/>
+              <a:gd name="connsiteY1" fmla="*/ 285595 h 285595"/>
+              <a:gd name="connsiteX0" fmla="*/ 0 w 336219"/>
+              <a:gd name="connsiteY0" fmla="*/ 60 h 283694"/>
+              <a:gd name="connsiteX1" fmla="*/ 335492 w 336219"/>
+              <a:gd name="connsiteY1" fmla="*/ 283694 h 283694"/>
+              <a:gd name="connsiteX0" fmla="*/ 0 w 335839"/>
+              <a:gd name="connsiteY0" fmla="*/ 0 h 283634"/>
+              <a:gd name="connsiteX1" fmla="*/ 335492 w 335839"/>
+              <a:gd name="connsiteY1" fmla="*/ 283634 h 283634"/>
+              <a:gd name="connsiteX0" fmla="*/ 0 w 335492"/>
+              <a:gd name="connsiteY0" fmla="*/ 0 h 283634"/>
+              <a:gd name="connsiteX1" fmla="*/ 335492 w 335492"/>
+              <a:gd name="connsiteY1" fmla="*/ 283634 h 283634"/>
+              <a:gd name="connsiteX0" fmla="*/ 0 w 128059"/>
+              <a:gd name="connsiteY0" fmla="*/ 0 h 503767"/>
+              <a:gd name="connsiteX1" fmla="*/ 128059 w 128059"/>
+              <a:gd name="connsiteY1" fmla="*/ 503767 h 503767"/>
+              <a:gd name="connsiteX0" fmla="*/ 67435 w 120865"/>
+              <a:gd name="connsiteY0" fmla="*/ 0 h 211667"/>
+              <a:gd name="connsiteX1" fmla="*/ 761 w 120865"/>
+              <a:gd name="connsiteY1" fmla="*/ 211667 h 211667"/>
+              <a:gd name="connsiteX0" fmla="*/ 66674 w 140917"/>
+              <a:gd name="connsiteY0" fmla="*/ 0 h 211667"/>
+              <a:gd name="connsiteX1" fmla="*/ 0 w 140917"/>
+              <a:gd name="connsiteY1" fmla="*/ 211667 h 211667"/>
+              <a:gd name="connsiteX0" fmla="*/ 66674 w 129636"/>
+              <a:gd name="connsiteY0" fmla="*/ 0 h 211667"/>
+              <a:gd name="connsiteX1" fmla="*/ 0 w 129636"/>
+              <a:gd name="connsiteY1" fmla="*/ 211667 h 211667"/>
+              <a:gd name="connsiteX0" fmla="*/ 66674 w 139301"/>
+              <a:gd name="connsiteY0" fmla="*/ 0 h 213981"/>
+              <a:gd name="connsiteX1" fmla="*/ 0 w 139301"/>
+              <a:gd name="connsiteY1" fmla="*/ 211667 h 213981"/>
+            </a:gdLst>
+            <a:ahLst/>
+            <a:cxnLst>
+              <a:cxn ang="0">
+                <a:pos x="connsiteX0" y="connsiteY0"/>
+              </a:cxn>
+              <a:cxn ang="0">
+                <a:pos x="connsiteX1" y="connsiteY1"/>
+              </a:cxn>
+            </a:cxnLst>
+            <a:rect l="l" t="t" r="r" b="b"/>
+            <a:pathLst>
+              <a:path w="139301" h="213981">
+                <a:moveTo>
+                  <a:pt x="66674" y="0"/>
+                </a:moveTo>
+                <a:cubicBezTo>
+                  <a:pt x="197908" y="91016"/>
+                  <a:pt x="136525" y="233892"/>
+                  <a:pt x="0" y="211667"/>
+                </a:cubicBezTo>
+              </a:path>
+            </a:pathLst>
+          </a:custGeom>
+          <a:noFill/>
+          <a:ln>
+            <a:solidFill>
+              <a:schemeClr val="tx1"/>
+            </a:solidFill>
+            <a:headEnd type="triangle" w="med" len="med"/>
+            <a:tailEnd type="none" w="med" len="med"/>
+          </a:ln>
+        </p:spPr>
+        <p:style>
+          <a:lnRef idx="2">
+            <a:schemeClr val="accent1">
+              <a:shade val="50000"/>
+            </a:schemeClr>
+          </a:lnRef>
+          <a:fillRef idx="1">
+            <a:schemeClr val="accent1"/>
+          </a:fillRef>
+          <a:effectRef idx="0">
+            <a:schemeClr val="accent1"/>
+          </a:effectRef>
+          <a:fontRef idx="minor">
+            <a:schemeClr val="lt1"/>
+          </a:fontRef>
+        </p:style>
+        <p:txBody>
+          <a:bodyPr rtlCol="0" anchor="ctr"/>
+          <a:lstStyle/>
+          <a:p>
+            <a:pPr algn="ctr"/>
+            <a:endParaRPr lang="en-US"/>
+          </a:p>
+        </p:txBody>
+      </p:sp>
+      <p:sp>
+        <p:nvSpPr>
+          <p:cNvPr id="102" name="TextBox 101">
+            <a:extLst>
+              <a:ext uri="{FF2B5EF4-FFF2-40B4-BE49-F238E27FC236}">
+                <a16:creationId xmlns:a16="http://schemas.microsoft.com/office/drawing/2014/main" id="{97DDF2A7-6AAE-964E-82C7-F144F3C33C12}"/>
+              </a:ext>
+            </a:extLst>
+          </p:cNvPr>
+          <p:cNvSpPr txBox="1"/>
+          <p:nvPr/>
+        </p:nvSpPr>
+        <p:spPr>
+          <a:xfrm>
+            <a:off x="7283956" y="1017532"/>
+            <a:ext cx="154845" cy="138499"/>
+          </a:xfrm>
+          <a:prstGeom prst="rect">
+            <a:avLst/>
+          </a:prstGeom>
+          <a:noFill/>
+          <a:ln>
+            <a:noFill/>
+          </a:ln>
+        </p:spPr>
+        <p:txBody>
+          <a:bodyPr wrap="square" lIns="0" tIns="0" rIns="0" bIns="0" rtlCol="0">
+            <a:spAutoFit/>
+          </a:bodyPr>
+          <a:lstStyle/>
+          <a:p>
+            <a:r>
+              <a:rPr lang="en-US" sz="900" dirty="0"/>
+              <a:t>θ</a:t>
+            </a:r>
+            <a:r>
+              <a:rPr lang="en-US" sz="900" baseline="-25000" dirty="0"/>
+              <a:t>3</a:t>
+            </a:r>
+          </a:p>
+        </p:txBody>
+      </p:sp>
+      <p:cxnSp>
+        <p:nvCxnSpPr>
+          <p:cNvPr id="107" name="Straight Connector 106">
+            <a:extLst>
+              <a:ext uri="{FF2B5EF4-FFF2-40B4-BE49-F238E27FC236}">
+                <a16:creationId xmlns:a16="http://schemas.microsoft.com/office/drawing/2014/main" id="{2781CF86-0842-7F44-BDBC-859B3E4F66ED}"/>
+              </a:ext>
+            </a:extLst>
+          </p:cNvPr>
+          <p:cNvCxnSpPr>
+            <a:cxnSpLocks/>
+          </p:cNvCxnSpPr>
+          <p:nvPr/>
+        </p:nvCxnSpPr>
+        <p:spPr>
+          <a:xfrm flipV="1">
+            <a:off x="5211775" y="1554884"/>
+            <a:ext cx="150660" cy="250106"/>
+          </a:xfrm>
+          <a:prstGeom prst="line">
+            <a:avLst/>
+          </a:prstGeom>
+          <a:ln>
+            <a:prstDash val="sysDot"/>
+          </a:ln>
+        </p:spPr>
+        <p:style>
+          <a:lnRef idx="1">
+            <a:schemeClr val="accent4"/>
+          </a:lnRef>
+          <a:fillRef idx="0">
+            <a:schemeClr val="accent4"/>
+          </a:fillRef>
+          <a:effectRef idx="0">
+            <a:schemeClr val="accent4"/>
+          </a:effectRef>
+          <a:fontRef idx="minor">
+            <a:schemeClr val="tx1"/>
+          </a:fontRef>
+        </p:style>
+      </p:cxnSp>
+      <p:cxnSp>
+        <p:nvCxnSpPr>
+          <p:cNvPr id="115" name="Straight Connector 114">
+            <a:extLst>
+              <a:ext uri="{FF2B5EF4-FFF2-40B4-BE49-F238E27FC236}">
+                <a16:creationId xmlns:a16="http://schemas.microsoft.com/office/drawing/2014/main" id="{7502F26B-A5CE-F340-BAFE-B5CD98DE3968}"/>
+              </a:ext>
+            </a:extLst>
+          </p:cNvPr>
+          <p:cNvCxnSpPr>
+            <a:cxnSpLocks/>
+          </p:cNvCxnSpPr>
+          <p:nvPr/>
+        </p:nvCxnSpPr>
+        <p:spPr>
+          <a:xfrm>
+            <a:off x="4393011" y="1114802"/>
+            <a:ext cx="898418" cy="0"/>
+          </a:xfrm>
+          <a:prstGeom prst="line">
+            <a:avLst/>
+          </a:prstGeom>
+          <a:ln>
+            <a:solidFill>
+              <a:schemeClr val="tx1"/>
+            </a:solidFill>
+          </a:ln>
+        </p:spPr>
+        <p:style>
+          <a:lnRef idx="1">
+            <a:schemeClr val="accent1"/>
+          </a:lnRef>
+          <a:fillRef idx="0">
+            <a:schemeClr val="accent1"/>
+          </a:fillRef>
+          <a:effectRef idx="0">
+            <a:schemeClr val="accent1"/>
+          </a:effectRef>
+          <a:fontRef idx="minor">
+            <a:schemeClr val="tx1"/>
+          </a:fontRef>
+        </p:style>
+      </p:cxnSp>
+      <p:sp>
+        <p:nvSpPr>
+          <p:cNvPr id="117" name="TextBox 116">
+            <a:extLst>
+              <a:ext uri="{FF2B5EF4-FFF2-40B4-BE49-F238E27FC236}">
+                <a16:creationId xmlns:a16="http://schemas.microsoft.com/office/drawing/2014/main" id="{A66F783A-4053-5B4D-9DE3-9EC8CF08FF1F}"/>
+              </a:ext>
+            </a:extLst>
+          </p:cNvPr>
+          <p:cNvSpPr txBox="1"/>
+          <p:nvPr/>
+        </p:nvSpPr>
+        <p:spPr>
+          <a:xfrm>
+            <a:off x="4953536" y="1607918"/>
+            <a:ext cx="172067" cy="138499"/>
+          </a:xfrm>
+          <a:prstGeom prst="rect">
+            <a:avLst/>
+          </a:prstGeom>
+          <a:noFill/>
+          <a:ln>
+            <a:noFill/>
+          </a:ln>
+        </p:spPr>
+        <p:txBody>
+          <a:bodyPr wrap="square" lIns="0" tIns="0" rIns="0" bIns="0" rtlCol="0">
+            <a:spAutoFit/>
+          </a:bodyPr>
+          <a:lstStyle/>
+          <a:p>
+            <a:r>
+              <a:rPr lang="en-US" sz="900" dirty="0"/>
+              <a:t>L</a:t>
+            </a:r>
+            <a:r>
+              <a:rPr lang="en-US" sz="900" baseline="-25000" dirty="0"/>
+              <a:t>34</a:t>
+            </a:r>
+          </a:p>
+        </p:txBody>
+      </p:sp>
+      <p:sp>
+        <p:nvSpPr>
+          <p:cNvPr id="118" name="TextBox 117">
+            <a:extLst>
+              <a:ext uri="{FF2B5EF4-FFF2-40B4-BE49-F238E27FC236}">
+                <a16:creationId xmlns:a16="http://schemas.microsoft.com/office/drawing/2014/main" id="{77142181-CF9C-5A4A-B055-E03D7C91F5E7}"/>
+              </a:ext>
+            </a:extLst>
+          </p:cNvPr>
+          <p:cNvSpPr txBox="1"/>
+          <p:nvPr/>
+        </p:nvSpPr>
+        <p:spPr>
+          <a:xfrm>
+            <a:off x="4739211" y="976303"/>
+            <a:ext cx="284058" cy="138499"/>
+          </a:xfrm>
+          <a:prstGeom prst="rect">
+            <a:avLst/>
+          </a:prstGeom>
+          <a:noFill/>
+          <a:ln>
+            <a:noFill/>
+          </a:ln>
+        </p:spPr>
+        <p:txBody>
+          <a:bodyPr wrap="square" lIns="0" tIns="0" rIns="0" bIns="0" rtlCol="0">
+            <a:spAutoFit/>
+          </a:bodyPr>
+          <a:lstStyle/>
+          <a:p>
+            <a:r>
+              <a:rPr lang="en-US" sz="900" dirty="0"/>
+              <a:t>LX</a:t>
+            </a:r>
+            <a:r>
+              <a:rPr lang="en-US" sz="900" baseline="-25000" dirty="0"/>
+              <a:t>34</a:t>
+            </a:r>
+          </a:p>
+        </p:txBody>
+      </p:sp>
+      <mc:AlternateContent xmlns:mc="http://schemas.openxmlformats.org/markup-compatibility/2006" xmlns:a14="http://schemas.microsoft.com/office/drawing/2010/main">
+        <mc:Choice Requires="a14">
+          <p:sp>
+            <p:nvSpPr>
+              <p:cNvPr id="120" name="TextBox 119">
+                <a:extLst>
+                  <a:ext uri="{FF2B5EF4-FFF2-40B4-BE49-F238E27FC236}">
+                    <a16:creationId xmlns:a16="http://schemas.microsoft.com/office/drawing/2014/main" id="{34351D28-9807-A94B-9227-A22A3FE84567}"/>
+                  </a:ext>
+                </a:extLst>
+              </p:cNvPr>
+              <p:cNvSpPr txBox="1"/>
+              <p:nvPr/>
+            </p:nvSpPr>
+            <p:spPr>
+              <a:xfrm>
+                <a:off x="6204170" y="224366"/>
+                <a:ext cx="1809526" cy="405496"/>
+              </a:xfrm>
+              <a:prstGeom prst="rect">
+                <a:avLst/>
+              </a:prstGeom>
+              <a:noFill/>
+            </p:spPr>
+            <p:txBody>
+              <a:bodyPr wrap="square" rtlCol="0">
+                <a:spAutoFit/>
+              </a:bodyPr>
+              <a:lstStyle/>
+              <a:p>
+                <a:pPr/>
+                <a14:m>
+                  <m:oMathPara xmlns:m="http://schemas.openxmlformats.org/officeDocument/2006/math">
+                    <m:oMathParaPr>
+                      <m:jc m:val="centerGroup"/>
+                    </m:oMathParaPr>
+                    <m:oMath xmlns:m="http://schemas.openxmlformats.org/officeDocument/2006/math">
+                      <m:sSub>
+                        <m:sSubPr>
+                          <m:ctrlPr>
+                            <a:rPr lang="pt" sz="1000" i="1" smtClean="0">
+                              <a:latin typeface="Cambria Math" panose="02040503050406030204" pitchFamily="18" charset="0"/>
+                            </a:rPr>
+                          </m:ctrlPr>
+                        </m:sSubPr>
+                        <m:e>
+                          <m:r>
+                            <a:rPr lang="en-GB" sz="1000" b="0" i="1" smtClean="0">
+                              <a:latin typeface="Cambria Math" panose="02040503050406030204" pitchFamily="18" charset="0"/>
+                            </a:rPr>
+                            <m:t>𝐿𝑋</m:t>
+                          </m:r>
+                        </m:e>
+                        <m:sub>
+                          <m:r>
+                            <a:rPr lang="en-GB" sz="1000" b="0" i="1" smtClean="0">
+                              <a:latin typeface="Cambria Math" panose="02040503050406030204" pitchFamily="18" charset="0"/>
+                            </a:rPr>
+                            <m:t>34</m:t>
+                          </m:r>
+                        </m:sub>
+                      </m:sSub>
+                      <m:r>
+                        <a:rPr lang="pt" sz="1000" i="1" smtClean="0">
+                          <a:latin typeface="Cambria Math" panose="02040503050406030204" pitchFamily="18" charset="0"/>
+                        </a:rPr>
+                        <m:t>=</m:t>
+                      </m:r>
+                      <m:rad>
+                        <m:radPr>
+                          <m:degHide m:val="on"/>
+                          <m:ctrlPr>
+                            <a:rPr lang="pt" sz="1000" i="1" smtClean="0">
+                              <a:latin typeface="Cambria Math" panose="02040503050406030204" pitchFamily="18" charset="0"/>
+                            </a:rPr>
+                          </m:ctrlPr>
+                        </m:radPr>
+                        <m:deg/>
+                        <m:e>
+                          <m:sSubSup>
+                            <m:sSubSupPr>
+                              <m:ctrlPr>
+                                <a:rPr lang="pt" sz="1000" i="1" smtClean="0">
+                                  <a:latin typeface="Cambria Math" panose="02040503050406030204" pitchFamily="18" charset="0"/>
+                                </a:rPr>
+                              </m:ctrlPr>
+                            </m:sSubSupPr>
+                            <m:e>
+                              <m:r>
+                                <a:rPr lang="en-GB" sz="1000" b="0" i="1" smtClean="0">
+                                  <a:latin typeface="Cambria Math" panose="02040503050406030204" pitchFamily="18" charset="0"/>
+                                </a:rPr>
+                                <m:t>𝐿</m:t>
+                              </m:r>
+                            </m:e>
+                            <m:sub>
+                              <m:r>
+                                <a:rPr lang="en-GB" sz="1000" b="0" i="1" smtClean="0">
+                                  <a:latin typeface="Cambria Math" panose="02040503050406030204" pitchFamily="18" charset="0"/>
+                                </a:rPr>
+                                <m:t>3</m:t>
+                              </m:r>
+                            </m:sub>
+                            <m:sup>
+                              <m:r>
+                                <a:rPr lang="en-GB" sz="1000" b="0" i="1" smtClean="0">
+                                  <a:latin typeface="Cambria Math" panose="02040503050406030204" pitchFamily="18" charset="0"/>
+                                </a:rPr>
+                                <m:t>2</m:t>
+                              </m:r>
+                            </m:sup>
+                          </m:sSubSup>
+                          <m:r>
+                            <a:rPr lang="en-GB" sz="1000" b="0" i="1" smtClean="0">
+                              <a:latin typeface="Cambria Math" panose="02040503050406030204" pitchFamily="18" charset="0"/>
+                            </a:rPr>
+                            <m:t>−</m:t>
+                          </m:r>
+                          <m:sSubSup>
+                            <m:sSubSupPr>
+                              <m:ctrlPr>
+                                <a:rPr lang="en-GB" sz="1000" b="0" i="1" smtClean="0">
+                                  <a:latin typeface="Cambria Math" panose="02040503050406030204" pitchFamily="18" charset="0"/>
+                                </a:rPr>
+                              </m:ctrlPr>
+                            </m:sSubSupPr>
+                            <m:e>
+                              <m:r>
+                                <a:rPr lang="en-GB" sz="1000" b="0" i="1" smtClean="0">
+                                  <a:latin typeface="Cambria Math" panose="02040503050406030204" pitchFamily="18" charset="0"/>
+                                </a:rPr>
+                                <m:t>𝑎</m:t>
+                              </m:r>
+                            </m:e>
+                            <m:sub>
+                              <m:r>
+                                <a:rPr lang="en-GB" sz="1000" b="0" i="1" smtClean="0">
+                                  <a:latin typeface="Cambria Math" panose="02040503050406030204" pitchFamily="18" charset="0"/>
+                                </a:rPr>
+                                <m:t>3</m:t>
+                              </m:r>
+                            </m:sub>
+                            <m:sup>
+                              <m:r>
+                                <a:rPr lang="en-GB" sz="1000" b="0" i="1" smtClean="0">
+                                  <a:latin typeface="Cambria Math" panose="02040503050406030204" pitchFamily="18" charset="0"/>
+                                </a:rPr>
+                                <m:t>2</m:t>
+                              </m:r>
+                            </m:sup>
+                          </m:sSubSup>
+                        </m:e>
+                      </m:rad>
+                    </m:oMath>
+                  </m:oMathPara>
+                </a14:m>
+                <a:endParaRPr lang="en-US" sz="1000" dirty="0"/>
+              </a:p>
+            </p:txBody>
+          </p:sp>
+        </mc:Choice>
+        <mc:Fallback xmlns="">
+          <p:sp>
+            <p:nvSpPr>
+              <p:cNvPr id="120" name="TextBox 119">
+                <a:extLst>
+                  <a:ext uri="{FF2B5EF4-FFF2-40B4-BE49-F238E27FC236}">
+                    <a16:creationId xmlns:a16="http://schemas.microsoft.com/office/drawing/2014/main" id="{34351D28-9807-A94B-9227-A22A3FE84567}"/>
+                  </a:ext>
+                </a:extLst>
+              </p:cNvPr>
+              <p:cNvSpPr txBox="1">
+                <a:spLocks noRot="1" noChangeAspect="1" noMove="1" noResize="1" noEditPoints="1" noAdjustHandles="1" noChangeArrowheads="1" noChangeShapeType="1" noTextEdit="1"/>
+              </p:cNvSpPr>
+              <p:nvPr/>
+            </p:nvSpPr>
+            <p:spPr>
+              <a:xfrm>
+                <a:off x="6204170" y="224366"/>
+                <a:ext cx="1809526" cy="405496"/>
+              </a:xfrm>
+              <a:prstGeom prst="rect">
+                <a:avLst/>
+              </a:prstGeom>
+              <a:blipFill>
+                <a:blip r:embed="rId2"/>
+                <a:stretch>
+                  <a:fillRect/>
+                </a:stretch>
+              </a:blipFill>
+            </p:spPr>
+            <p:txBody>
+              <a:bodyPr/>
+              <a:lstStyle/>
+              <a:p>
+                <a:r>
+                  <a:rPr lang="en-US">
+                    <a:noFill/>
+                  </a:rPr>
+                  <a:t> </a:t>
+                </a:r>
+              </a:p>
+            </p:txBody>
+          </p:sp>
+        </mc:Fallback>
+      </mc:AlternateContent>
+      <p:sp>
+        <p:nvSpPr>
+          <p:cNvPr id="47" name="Rectangle 46">
+            <a:extLst>
+              <a:ext uri="{FF2B5EF4-FFF2-40B4-BE49-F238E27FC236}">
+                <a16:creationId xmlns:a16="http://schemas.microsoft.com/office/drawing/2014/main" id="{11AE80C8-C136-440B-A448-F4FA1C272C74}"/>
+              </a:ext>
+            </a:extLst>
+          </p:cNvPr>
+          <p:cNvSpPr/>
+          <p:nvPr/>
+        </p:nvSpPr>
+        <p:spPr>
+          <a:xfrm>
+            <a:off x="5081087" y="1714019"/>
+            <a:ext cx="309350" cy="186402"/>
+          </a:xfrm>
+          <a:prstGeom prst="rect">
+            <a:avLst/>
+          </a:prstGeom>
+          <a:ln>
+            <a:solidFill>
+              <a:schemeClr val="tx1"/>
+            </a:solidFill>
+          </a:ln>
+        </p:spPr>
+        <p:style>
+          <a:lnRef idx="2">
+            <a:schemeClr val="accent1"/>
+          </a:lnRef>
+          <a:fillRef idx="1">
+            <a:schemeClr val="lt1"/>
+          </a:fillRef>
+          <a:effectRef idx="0">
+            <a:schemeClr val="accent1"/>
+          </a:effectRef>
+          <a:fontRef idx="minor">
+            <a:schemeClr val="dk1"/>
+          </a:fontRef>
+        </p:style>
+        <p:txBody>
+          <a:bodyPr rtlCol="0" anchor="ctr"/>
+          <a:lstStyle/>
+          <a:p>
+            <a:pPr algn="ctr"/>
+            <a:r>
+              <a:rPr lang="en-US" dirty="0"/>
+              <a:t>4</a:t>
+            </a:r>
+          </a:p>
+        </p:txBody>
+      </p:sp>
+      <p:sp>
+        <p:nvSpPr>
+          <p:cNvPr id="51" name="TextBox 50">
+            <a:extLst>
+              <a:ext uri="{FF2B5EF4-FFF2-40B4-BE49-F238E27FC236}">
+                <a16:creationId xmlns:a16="http://schemas.microsoft.com/office/drawing/2014/main" id="{8422374B-9F06-466B-A685-AC6681BE05FC}"/>
+              </a:ext>
+            </a:extLst>
+          </p:cNvPr>
+          <p:cNvSpPr txBox="1"/>
+          <p:nvPr/>
+        </p:nvSpPr>
+        <p:spPr>
+          <a:xfrm>
+            <a:off x="5371745" y="2179022"/>
+            <a:ext cx="341915" cy="138499"/>
+          </a:xfrm>
+          <a:prstGeom prst="rect">
+            <a:avLst/>
+          </a:prstGeom>
+          <a:noFill/>
+          <a:ln>
+            <a:noFill/>
+          </a:ln>
+        </p:spPr>
+        <p:txBody>
+          <a:bodyPr wrap="square" lIns="0" tIns="0" rIns="0" bIns="0" rtlCol="0">
+            <a:spAutoFit/>
+          </a:bodyPr>
+          <a:lstStyle/>
+          <a:p>
+            <a:r>
+              <a:rPr lang="en-US" sz="900" dirty="0" err="1"/>
+              <a:t>WC</a:t>
+            </a:r>
+            <a:r>
+              <a:rPr lang="en-US" sz="900" baseline="-25000" dirty="0" err="1"/>
+              <a:t>x</a:t>
+            </a:r>
+            <a:endParaRPr lang="en-US" sz="900" baseline="-25000" dirty="0"/>
+          </a:p>
+        </p:txBody>
+      </p:sp>
+      <p:sp>
+        <p:nvSpPr>
+          <p:cNvPr id="54" name="TextBox 53">
+            <a:extLst>
+              <a:ext uri="{FF2B5EF4-FFF2-40B4-BE49-F238E27FC236}">
+                <a16:creationId xmlns:a16="http://schemas.microsoft.com/office/drawing/2014/main" id="{7BE43A39-62AF-4B3E-BAB6-DD0C2BC0A635}"/>
+              </a:ext>
+            </a:extLst>
+          </p:cNvPr>
+          <p:cNvSpPr txBox="1"/>
+          <p:nvPr/>
+        </p:nvSpPr>
+        <p:spPr>
+          <a:xfrm>
+            <a:off x="4560032" y="1561447"/>
+            <a:ext cx="104775" cy="138499"/>
+          </a:xfrm>
+          <a:prstGeom prst="rect">
+            <a:avLst/>
+          </a:prstGeom>
+          <a:noFill/>
+          <a:ln>
+            <a:noFill/>
+          </a:ln>
+        </p:spPr>
+        <p:txBody>
+          <a:bodyPr wrap="square" lIns="0" tIns="0" rIns="0" bIns="0" rtlCol="0">
+            <a:spAutoFit/>
+          </a:bodyPr>
+          <a:lstStyle/>
+          <a:p>
+            <a:r>
+              <a:rPr lang="en-US" sz="900" dirty="0"/>
+              <a:t>a</a:t>
+            </a:r>
+            <a:r>
+              <a:rPr lang="en-US" sz="900" baseline="-25000" dirty="0"/>
+              <a:t>2</a:t>
+            </a:r>
+          </a:p>
+        </p:txBody>
+      </p:sp>
+      <p:sp>
+        <p:nvSpPr>
+          <p:cNvPr id="56" name="TextBox 55">
+            <a:extLst>
+              <a:ext uri="{FF2B5EF4-FFF2-40B4-BE49-F238E27FC236}">
+                <a16:creationId xmlns:a16="http://schemas.microsoft.com/office/drawing/2014/main" id="{18B7CB37-393C-4319-B5B9-87EB45A4D1B6}"/>
+              </a:ext>
+            </a:extLst>
+          </p:cNvPr>
+          <p:cNvSpPr txBox="1"/>
+          <p:nvPr/>
+        </p:nvSpPr>
+        <p:spPr>
+          <a:xfrm>
+            <a:off x="5545882" y="1245375"/>
+            <a:ext cx="104775" cy="138499"/>
+          </a:xfrm>
+          <a:prstGeom prst="rect">
+            <a:avLst/>
+          </a:prstGeom>
+          <a:noFill/>
+          <a:ln>
+            <a:noFill/>
+          </a:ln>
+        </p:spPr>
+        <p:txBody>
+          <a:bodyPr wrap="square" lIns="0" tIns="0" rIns="0" bIns="0" rtlCol="0">
+            <a:spAutoFit/>
+          </a:bodyPr>
+          <a:lstStyle/>
+          <a:p>
+            <a:r>
+              <a:rPr lang="en-US" sz="900" dirty="0"/>
+              <a:t>F</a:t>
+            </a:r>
+            <a:endParaRPr lang="en-US" sz="900" baseline="-25000" dirty="0"/>
+          </a:p>
+        </p:txBody>
+      </p:sp>
+      <p:sp>
+        <p:nvSpPr>
+          <p:cNvPr id="57" name="TextBox 56">
+            <a:extLst>
+              <a:ext uri="{FF2B5EF4-FFF2-40B4-BE49-F238E27FC236}">
+                <a16:creationId xmlns:a16="http://schemas.microsoft.com/office/drawing/2014/main" id="{56A95049-E818-4012-82A6-50317D924199}"/>
+              </a:ext>
+            </a:extLst>
+          </p:cNvPr>
+          <p:cNvSpPr txBox="1"/>
+          <p:nvPr/>
+        </p:nvSpPr>
+        <p:spPr>
+          <a:xfrm>
+            <a:off x="5953018" y="2024883"/>
+            <a:ext cx="341915" cy="138499"/>
+          </a:xfrm>
+          <a:prstGeom prst="rect">
+            <a:avLst/>
+          </a:prstGeom>
+          <a:noFill/>
+          <a:ln>
+            <a:noFill/>
+          </a:ln>
+        </p:spPr>
+        <p:txBody>
+          <a:bodyPr wrap="square" lIns="0" tIns="0" rIns="0" bIns="0" rtlCol="0">
+            <a:spAutoFit/>
+          </a:bodyPr>
+          <a:lstStyle/>
+          <a:p>
+            <a:r>
+              <a:rPr lang="en-US" sz="900" dirty="0" err="1"/>
+              <a:t>WC</a:t>
+            </a:r>
+            <a:r>
+              <a:rPr lang="en-US" sz="900" baseline="-25000" dirty="0" err="1"/>
+              <a:t>y</a:t>
+            </a:r>
+            <a:endParaRPr lang="en-US" sz="900" baseline="-25000" dirty="0"/>
+          </a:p>
+        </p:txBody>
+      </p:sp>
+      <p:sp>
+        <p:nvSpPr>
+          <p:cNvPr id="59" name="TextBox 58">
+            <a:extLst>
+              <a:ext uri="{FF2B5EF4-FFF2-40B4-BE49-F238E27FC236}">
+                <a16:creationId xmlns:a16="http://schemas.microsoft.com/office/drawing/2014/main" id="{D7D9A7EC-FAD4-4666-93EF-480174118421}"/>
+              </a:ext>
+            </a:extLst>
+          </p:cNvPr>
+          <p:cNvSpPr txBox="1"/>
+          <p:nvPr/>
+        </p:nvSpPr>
+        <p:spPr>
+          <a:xfrm>
+            <a:off x="5099749" y="1427226"/>
+            <a:ext cx="227875" cy="138499"/>
+          </a:xfrm>
+          <a:prstGeom prst="rect">
+            <a:avLst/>
+          </a:prstGeom>
+          <a:noFill/>
+          <a:ln>
+            <a:noFill/>
+          </a:ln>
+        </p:spPr>
+        <p:txBody>
+          <a:bodyPr wrap="square" lIns="0" tIns="0" rIns="0" bIns="0" rtlCol="0">
+            <a:spAutoFit/>
+          </a:bodyPr>
+          <a:lstStyle/>
+          <a:p>
+            <a:r>
+              <a:rPr lang="en-US" sz="900" dirty="0"/>
+              <a:t>0.96</a:t>
+            </a:r>
+          </a:p>
+        </p:txBody>
+      </p:sp>
+      <p:sp>
+        <p:nvSpPr>
+          <p:cNvPr id="60" name="TextBox 59">
+            <a:extLst>
+              <a:ext uri="{FF2B5EF4-FFF2-40B4-BE49-F238E27FC236}">
+                <a16:creationId xmlns:a16="http://schemas.microsoft.com/office/drawing/2014/main" id="{F49EDAD9-03A0-40E8-B00F-1CC0C8DC9EA3}"/>
+              </a:ext>
+            </a:extLst>
+          </p:cNvPr>
+          <p:cNvSpPr txBox="1"/>
+          <p:nvPr/>
+        </p:nvSpPr>
+        <p:spPr>
+          <a:xfrm>
+            <a:off x="5448926" y="1463969"/>
+            <a:ext cx="558461" cy="138499"/>
+          </a:xfrm>
+          <a:prstGeom prst="rect">
+            <a:avLst/>
+          </a:prstGeom>
+          <a:noFill/>
+          <a:ln>
+            <a:noFill/>
+          </a:ln>
+        </p:spPr>
+        <p:txBody>
+          <a:bodyPr wrap="square" lIns="0" tIns="0" rIns="0" bIns="0" rtlCol="0">
+            <a:spAutoFit/>
+          </a:bodyPr>
+          <a:lstStyle/>
+          <a:p>
+            <a:r>
+              <a:rPr lang="en-US" sz="900" dirty="0"/>
+              <a:t>A</a:t>
+            </a:r>
+            <a:r>
+              <a:rPr lang="en-US" sz="900" baseline="-25000" dirty="0"/>
+              <a:t>3 </a:t>
+            </a:r>
+            <a:r>
+              <a:rPr lang="en-US" sz="900" dirty="0"/>
+              <a:t>0.054</a:t>
+            </a:r>
+          </a:p>
+        </p:txBody>
+      </p:sp>
+      <p:sp>
+        <p:nvSpPr>
+          <p:cNvPr id="61" name="TextBox 60">
+            <a:extLst>
+              <a:ext uri="{FF2B5EF4-FFF2-40B4-BE49-F238E27FC236}">
+                <a16:creationId xmlns:a16="http://schemas.microsoft.com/office/drawing/2014/main" id="{86F2582E-AB66-44D4-B7B2-91658829A0F9}"/>
+              </a:ext>
+            </a:extLst>
+          </p:cNvPr>
+          <p:cNvSpPr txBox="1"/>
+          <p:nvPr/>
+        </p:nvSpPr>
+        <p:spPr>
+          <a:xfrm>
+            <a:off x="5448926" y="1800665"/>
+            <a:ext cx="227875" cy="138499"/>
+          </a:xfrm>
+          <a:prstGeom prst="rect">
+            <a:avLst/>
+          </a:prstGeom>
+          <a:noFill/>
+          <a:ln>
+            <a:noFill/>
+          </a:ln>
+        </p:spPr>
+        <p:txBody>
+          <a:bodyPr wrap="square" lIns="0" tIns="0" rIns="0" bIns="0" rtlCol="0">
+            <a:spAutoFit/>
+          </a:bodyPr>
+          <a:lstStyle/>
+          <a:p>
+            <a:r>
+              <a:rPr lang="en-US" sz="900" dirty="0"/>
+              <a:t>L</a:t>
+            </a:r>
+            <a:r>
+              <a:rPr lang="en-US" sz="900" baseline="-25000" dirty="0"/>
+              <a:t>4WC</a:t>
+            </a:r>
+            <a:endParaRPr lang="en-US" sz="900" dirty="0"/>
+          </a:p>
+        </p:txBody>
+      </p:sp>
+      <p:sp>
+        <p:nvSpPr>
+          <p:cNvPr id="63" name="TextBox 62">
+            <a:extLst>
+              <a:ext uri="{FF2B5EF4-FFF2-40B4-BE49-F238E27FC236}">
+                <a16:creationId xmlns:a16="http://schemas.microsoft.com/office/drawing/2014/main" id="{686D9566-D513-4CB9-AD78-CAF46DE0D429}"/>
+              </a:ext>
+            </a:extLst>
+          </p:cNvPr>
+          <p:cNvSpPr txBox="1"/>
+          <p:nvPr/>
+        </p:nvSpPr>
+        <p:spPr>
+          <a:xfrm>
+            <a:off x="5304581" y="2009166"/>
+            <a:ext cx="346076" cy="138499"/>
+          </a:xfrm>
+          <a:prstGeom prst="rect">
+            <a:avLst/>
+          </a:prstGeom>
+          <a:noFill/>
+          <a:ln>
+            <a:noFill/>
+          </a:ln>
+        </p:spPr>
+        <p:txBody>
+          <a:bodyPr wrap="square" lIns="0" tIns="0" rIns="0" bIns="0" rtlCol="0">
+            <a:spAutoFit/>
+          </a:bodyPr>
+          <a:lstStyle/>
+          <a:p>
+            <a:r>
+              <a:rPr lang="en-US" sz="900" dirty="0"/>
+              <a:t>H</a:t>
+            </a:r>
+            <a:r>
+              <a:rPr lang="en-US" sz="900" baseline="-25000" dirty="0"/>
+              <a:t>2WC</a:t>
+            </a:r>
+            <a:endParaRPr lang="en-US" sz="900" dirty="0"/>
+          </a:p>
+        </p:txBody>
+      </p:sp>
+      <p:sp>
+        <p:nvSpPr>
+          <p:cNvPr id="35" name="Rectangle 34">
+            <a:extLst>
+              <a:ext uri="{FF2B5EF4-FFF2-40B4-BE49-F238E27FC236}">
+                <a16:creationId xmlns:a16="http://schemas.microsoft.com/office/drawing/2014/main" id="{4D7F4DAC-0731-40DA-A483-AA3AF92A0C7E}"/>
+              </a:ext>
+            </a:extLst>
+          </p:cNvPr>
+          <p:cNvSpPr/>
+          <p:nvPr/>
+        </p:nvSpPr>
+        <p:spPr>
+          <a:xfrm rot="1674800">
+            <a:off x="5254578" y="1631961"/>
+            <a:ext cx="45719" cy="45719"/>
+          </a:xfrm>
+          <a:prstGeom prst="rect">
+            <a:avLst/>
+          </a:prstGeom>
+          <a:ln>
+            <a:prstDash val="sysDot"/>
+          </a:ln>
+        </p:spPr>
+        <p:style>
+          <a:lnRef idx="1">
+            <a:schemeClr val="accent4"/>
+          </a:lnRef>
+          <a:fillRef idx="0">
+            <a:schemeClr val="accent4"/>
+          </a:fillRef>
+          <a:effectRef idx="0">
+            <a:schemeClr val="accent4"/>
+          </a:effectRef>
+          <a:fontRef idx="minor">
+            <a:schemeClr val="tx1"/>
+          </a:fontRef>
+        </p:style>
+        <p:txBody>
+          <a:bodyPr rtlCol="0" anchor="ctr"/>
+          <a:lstStyle/>
+          <a:p>
+            <a:pPr algn="ctr"/>
+            <a:endParaRPr lang="en-GB"/>
+          </a:p>
+        </p:txBody>
+      </p:sp>
+      <p:sp>
+        <p:nvSpPr>
+          <p:cNvPr id="38" name="Freeform: Shape 37">
+            <a:extLst>
+              <a:ext uri="{FF2B5EF4-FFF2-40B4-BE49-F238E27FC236}">
+                <a16:creationId xmlns:a16="http://schemas.microsoft.com/office/drawing/2014/main" id="{798BFFDA-7F93-4606-A191-51FA093FD9B2}"/>
+              </a:ext>
+            </a:extLst>
+          </p:cNvPr>
+          <p:cNvSpPr/>
+          <p:nvPr/>
+        </p:nvSpPr>
+        <p:spPr>
+          <a:xfrm>
+            <a:off x="5295900" y="1604964"/>
+            <a:ext cx="214313" cy="87829"/>
+          </a:xfrm>
+          <a:custGeom>
+            <a:avLst/>
+            <a:gdLst>
+              <a:gd name="connsiteX0" fmla="*/ 245269 w 245269"/>
+              <a:gd name="connsiteY0" fmla="*/ 0 h 142875"/>
+              <a:gd name="connsiteX1" fmla="*/ 0 w 245269"/>
+              <a:gd name="connsiteY1" fmla="*/ 142875 h 142875"/>
+              <a:gd name="connsiteX0" fmla="*/ 245269 w 245269"/>
+              <a:gd name="connsiteY0" fmla="*/ 0 h 143620"/>
+              <a:gd name="connsiteX1" fmla="*/ 0 w 245269"/>
+              <a:gd name="connsiteY1" fmla="*/ 142875 h 143620"/>
+              <a:gd name="connsiteX0" fmla="*/ 214313 w 214313"/>
+              <a:gd name="connsiteY0" fmla="*/ 0 h 87425"/>
+              <a:gd name="connsiteX1" fmla="*/ 0 w 214313"/>
+              <a:gd name="connsiteY1" fmla="*/ 85725 h 87425"/>
+              <a:gd name="connsiteX0" fmla="*/ 214313 w 214313"/>
+              <a:gd name="connsiteY0" fmla="*/ 0 h 87829"/>
+              <a:gd name="connsiteX1" fmla="*/ 0 w 214313"/>
+              <a:gd name="connsiteY1" fmla="*/ 85725 h 87829"/>
+            </a:gdLst>
+            <a:ahLst/>
+            <a:cxnLst>
+              <a:cxn ang="0">
+                <a:pos x="connsiteX0" y="connsiteY0"/>
+              </a:cxn>
+              <a:cxn ang="0">
+                <a:pos x="connsiteX1" y="connsiteY1"/>
+              </a:cxn>
+            </a:cxnLst>
+            <a:rect l="l" t="t" r="r" b="b"/>
+            <a:pathLst>
+              <a:path w="214313" h="87829">
+                <a:moveTo>
+                  <a:pt x="214313" y="0"/>
+                </a:moveTo>
+                <a:cubicBezTo>
+                  <a:pt x="200224" y="71040"/>
+                  <a:pt x="85726" y="95647"/>
+                  <a:pt x="0" y="85725"/>
+                </a:cubicBezTo>
+              </a:path>
+            </a:pathLst>
+          </a:custGeom>
+          <a:ln>
+            <a:prstDash val="sysDot"/>
+            <a:headEnd type="none" w="sm" len="sm"/>
+            <a:tailEnd type="triangle" w="sm" len="sm"/>
+          </a:ln>
+        </p:spPr>
+        <p:style>
+          <a:lnRef idx="1">
+            <a:schemeClr val="accent3"/>
+          </a:lnRef>
+          <a:fillRef idx="0">
+            <a:schemeClr val="accent3"/>
+          </a:fillRef>
+          <a:effectRef idx="0">
+            <a:schemeClr val="accent3"/>
+          </a:effectRef>
+          <a:fontRef idx="minor">
+            <a:schemeClr val="tx1"/>
+          </a:fontRef>
+        </p:style>
+        <p:txBody>
+          <a:bodyPr rtlCol="0" anchor="ctr"/>
+          <a:lstStyle/>
+          <a:p>
+            <a:pPr algn="ctr"/>
+            <a:endParaRPr lang="en-GB"/>
+          </a:p>
+        </p:txBody>
+      </p:sp>
+      <p:sp>
+        <p:nvSpPr>
+          <p:cNvPr id="70" name="TextBox 69">
+            <a:extLst>
+              <a:ext uri="{FF2B5EF4-FFF2-40B4-BE49-F238E27FC236}">
+                <a16:creationId xmlns:a16="http://schemas.microsoft.com/office/drawing/2014/main" id="{D5FFD317-3B33-455D-8818-A91F436A1A44}"/>
+              </a:ext>
+            </a:extLst>
+          </p:cNvPr>
+          <p:cNvSpPr txBox="1"/>
+          <p:nvPr/>
+        </p:nvSpPr>
+        <p:spPr>
+          <a:xfrm>
+            <a:off x="5589355" y="1619727"/>
+            <a:ext cx="284504" cy="138499"/>
+          </a:xfrm>
+          <a:prstGeom prst="rect">
+            <a:avLst/>
+          </a:prstGeom>
+          <a:noFill/>
+          <a:ln>
+            <a:noFill/>
+          </a:ln>
+        </p:spPr>
+        <p:txBody>
+          <a:bodyPr wrap="square" lIns="0" tIns="0" rIns="0" bIns="0" rtlCol="0">
+            <a:spAutoFit/>
+          </a:bodyPr>
+          <a:lstStyle/>
+          <a:p>
+            <a:r>
+              <a:rPr lang="en-US" sz="900" dirty="0"/>
+              <a:t>L</a:t>
+            </a:r>
+            <a:r>
+              <a:rPr lang="en-US" sz="900" baseline="-25000" dirty="0"/>
+              <a:t>4WC</a:t>
+            </a:r>
+            <a:r>
+              <a:rPr lang="en-US" sz="900" dirty="0"/>
+              <a:t>x</a:t>
+            </a:r>
+          </a:p>
+        </p:txBody>
+      </p:sp>
+      <p:sp>
+        <p:nvSpPr>
+          <p:cNvPr id="64" name="Freeform 63">
+            <a:extLst>
+              <a:ext uri="{FF2B5EF4-FFF2-40B4-BE49-F238E27FC236}">
+                <a16:creationId xmlns:a16="http://schemas.microsoft.com/office/drawing/2014/main" id="{2919C9E4-A866-1A48-A904-60092D9A6B66}"/>
+              </a:ext>
+            </a:extLst>
+          </p:cNvPr>
+          <p:cNvSpPr/>
+          <p:nvPr/>
+        </p:nvSpPr>
+        <p:spPr>
+          <a:xfrm>
+            <a:off x="4596582" y="1900813"/>
+            <a:ext cx="174274" cy="229659"/>
+          </a:xfrm>
+          <a:custGeom>
+            <a:avLst/>
+            <a:gdLst>
+              <a:gd name="connsiteX0" fmla="*/ 0 w 147545"/>
+              <a:gd name="connsiteY0" fmla="*/ 0 h 212781"/>
+              <a:gd name="connsiteX1" fmla="*/ 146050 w 147545"/>
+              <a:gd name="connsiteY1" fmla="*/ 200025 h 212781"/>
+              <a:gd name="connsiteX2" fmla="*/ 79375 w 147545"/>
+              <a:gd name="connsiteY2" fmla="*/ 203200 h 212781"/>
+              <a:gd name="connsiteX0" fmla="*/ 0 w 153794"/>
+              <a:gd name="connsiteY0" fmla="*/ 0 h 203200"/>
+              <a:gd name="connsiteX1" fmla="*/ 152400 w 153794"/>
+              <a:gd name="connsiteY1" fmla="*/ 66675 h 203200"/>
+              <a:gd name="connsiteX2" fmla="*/ 79375 w 153794"/>
+              <a:gd name="connsiteY2" fmla="*/ 203200 h 203200"/>
+              <a:gd name="connsiteX0" fmla="*/ 0 w 79375"/>
+              <a:gd name="connsiteY0" fmla="*/ 0 h 203200"/>
+              <a:gd name="connsiteX1" fmla="*/ 79375 w 79375"/>
+              <a:gd name="connsiteY1" fmla="*/ 203200 h 203200"/>
+              <a:gd name="connsiteX0" fmla="*/ 0 w 142919"/>
+              <a:gd name="connsiteY0" fmla="*/ 0 h 203200"/>
+              <a:gd name="connsiteX1" fmla="*/ 79375 w 142919"/>
+              <a:gd name="connsiteY1" fmla="*/ 203200 h 203200"/>
+              <a:gd name="connsiteX0" fmla="*/ 0 w 186211"/>
+              <a:gd name="connsiteY0" fmla="*/ 0 h 203200"/>
+              <a:gd name="connsiteX1" fmla="*/ 79375 w 186211"/>
+              <a:gd name="connsiteY1" fmla="*/ 203200 h 203200"/>
+              <a:gd name="connsiteX0" fmla="*/ 0 w 125812"/>
+              <a:gd name="connsiteY0" fmla="*/ 0 h 203200"/>
+              <a:gd name="connsiteX1" fmla="*/ 79375 w 125812"/>
+              <a:gd name="connsiteY1" fmla="*/ 203200 h 203200"/>
+              <a:gd name="connsiteX0" fmla="*/ 0 w 122234"/>
+              <a:gd name="connsiteY0" fmla="*/ 1233 h 204433"/>
+              <a:gd name="connsiteX1" fmla="*/ 79375 w 122234"/>
+              <a:gd name="connsiteY1" fmla="*/ 204433 h 204433"/>
+              <a:gd name="connsiteX0" fmla="*/ 0 w 148382"/>
+              <a:gd name="connsiteY0" fmla="*/ 1233 h 204433"/>
+              <a:gd name="connsiteX1" fmla="*/ 111125 w 148382"/>
+              <a:gd name="connsiteY1" fmla="*/ 204433 h 204433"/>
+              <a:gd name="connsiteX0" fmla="*/ 0 w 354546"/>
+              <a:gd name="connsiteY0" fmla="*/ 772 h 284406"/>
+              <a:gd name="connsiteX1" fmla="*/ 335492 w 354546"/>
+              <a:gd name="connsiteY1" fmla="*/ 284406 h 284406"/>
+              <a:gd name="connsiteX0" fmla="*/ 0 w 335731"/>
+              <a:gd name="connsiteY0" fmla="*/ 1961 h 285595"/>
+              <a:gd name="connsiteX1" fmla="*/ 335492 w 335731"/>
+              <a:gd name="connsiteY1" fmla="*/ 285595 h 285595"/>
+              <a:gd name="connsiteX0" fmla="*/ 0 w 336219"/>
+              <a:gd name="connsiteY0" fmla="*/ 60 h 283694"/>
+              <a:gd name="connsiteX1" fmla="*/ 335492 w 336219"/>
+              <a:gd name="connsiteY1" fmla="*/ 283694 h 283694"/>
+              <a:gd name="connsiteX0" fmla="*/ 0 w 335839"/>
+              <a:gd name="connsiteY0" fmla="*/ 0 h 283634"/>
+              <a:gd name="connsiteX1" fmla="*/ 335492 w 335839"/>
+              <a:gd name="connsiteY1" fmla="*/ 283634 h 283634"/>
+              <a:gd name="connsiteX0" fmla="*/ 0 w 335492"/>
+              <a:gd name="connsiteY0" fmla="*/ 0 h 283634"/>
+              <a:gd name="connsiteX1" fmla="*/ 335492 w 335492"/>
+              <a:gd name="connsiteY1" fmla="*/ 283634 h 283634"/>
+              <a:gd name="connsiteX0" fmla="*/ 0 w 113242"/>
+              <a:gd name="connsiteY0" fmla="*/ 23817 h 101076"/>
+              <a:gd name="connsiteX1" fmla="*/ 113242 w 113242"/>
+              <a:gd name="connsiteY1" fmla="*/ 101076 h 101076"/>
+              <a:gd name="connsiteX0" fmla="*/ 0 w 131430"/>
+              <a:gd name="connsiteY0" fmla="*/ 0 h 77259"/>
+              <a:gd name="connsiteX1" fmla="*/ 113242 w 131430"/>
+              <a:gd name="connsiteY1" fmla="*/ 77259 h 77259"/>
+              <a:gd name="connsiteX0" fmla="*/ 0 w 88086"/>
+              <a:gd name="connsiteY0" fmla="*/ 0 h 96309"/>
+              <a:gd name="connsiteX1" fmla="*/ 33867 w 88086"/>
+              <a:gd name="connsiteY1" fmla="*/ 96309 h 96309"/>
+              <a:gd name="connsiteX0" fmla="*/ 0 w 51968"/>
+              <a:gd name="connsiteY0" fmla="*/ 0 h 96309"/>
+              <a:gd name="connsiteX1" fmla="*/ 33867 w 51968"/>
+              <a:gd name="connsiteY1" fmla="*/ 96309 h 96309"/>
+              <a:gd name="connsiteX0" fmla="*/ 0 w 65690"/>
+              <a:gd name="connsiteY0" fmla="*/ 0 h 93134"/>
+              <a:gd name="connsiteX1" fmla="*/ 52917 w 65690"/>
+              <a:gd name="connsiteY1" fmla="*/ 93134 h 93134"/>
+              <a:gd name="connsiteX0" fmla="*/ 0 w 171150"/>
+              <a:gd name="connsiteY0" fmla="*/ 0 h 229659"/>
+              <a:gd name="connsiteX1" fmla="*/ 167217 w 171150"/>
+              <a:gd name="connsiteY1" fmla="*/ 229659 h 229659"/>
+              <a:gd name="connsiteX0" fmla="*/ 0 w 172717"/>
+              <a:gd name="connsiteY0" fmla="*/ 0 h 229659"/>
+              <a:gd name="connsiteX1" fmla="*/ 167217 w 172717"/>
+              <a:gd name="connsiteY1" fmla="*/ 229659 h 229659"/>
+              <a:gd name="connsiteX0" fmla="*/ 0 w 178939"/>
+              <a:gd name="connsiteY0" fmla="*/ 0 h 229659"/>
+              <a:gd name="connsiteX1" fmla="*/ 167217 w 178939"/>
+              <a:gd name="connsiteY1" fmla="*/ 229659 h 229659"/>
+              <a:gd name="connsiteX0" fmla="*/ 0 w 174274"/>
+              <a:gd name="connsiteY0" fmla="*/ 0 h 229659"/>
+              <a:gd name="connsiteX1" fmla="*/ 167217 w 174274"/>
+              <a:gd name="connsiteY1" fmla="*/ 229659 h 229659"/>
+            </a:gdLst>
+            <a:ahLst/>
+            <a:cxnLst>
+              <a:cxn ang="0">
+                <a:pos x="connsiteX0" y="connsiteY0"/>
+              </a:cxn>
+              <a:cxn ang="0">
+                <a:pos x="connsiteX1" y="connsiteY1"/>
+              </a:cxn>
+            </a:cxnLst>
+            <a:rect l="l" t="t" r="r" b="b"/>
+            <a:pathLst>
+              <a:path w="174274" h="229659">
+                <a:moveTo>
+                  <a:pt x="0" y="0"/>
+                </a:moveTo>
+                <a:cubicBezTo>
+                  <a:pt x="109009" y="17991"/>
+                  <a:pt x="200882" y="96988"/>
+                  <a:pt x="167217" y="229659"/>
+                </a:cubicBezTo>
+              </a:path>
+            </a:pathLst>
+          </a:custGeom>
+          <a:noFill/>
+          <a:ln>
+            <a:solidFill>
+              <a:schemeClr val="tx1"/>
+            </a:solidFill>
+            <a:headEnd type="triangle" w="med" len="med"/>
+            <a:tailEnd type="none" w="sm" len="med"/>
+          </a:ln>
+        </p:spPr>
+        <p:style>
+          <a:lnRef idx="2">
+            <a:schemeClr val="accent1">
+              <a:shade val="50000"/>
+            </a:schemeClr>
+          </a:lnRef>
+          <a:fillRef idx="1">
+            <a:schemeClr val="accent1"/>
+          </a:fillRef>
+          <a:effectRef idx="0">
+            <a:schemeClr val="accent1"/>
+          </a:effectRef>
+          <a:fontRef idx="minor">
+            <a:schemeClr val="lt1"/>
+          </a:fontRef>
+        </p:style>
+        <p:txBody>
+          <a:bodyPr rtlCol="0" anchor="ctr"/>
+          <a:lstStyle/>
+          <a:p>
+            <a:pPr algn="ctr"/>
+            <a:endParaRPr lang="en-US"/>
+          </a:p>
+        </p:txBody>
+      </p:sp>
+      <p:sp>
+        <p:nvSpPr>
+          <p:cNvPr id="66" name="TextBox 65">
+            <a:extLst>
+              <a:ext uri="{FF2B5EF4-FFF2-40B4-BE49-F238E27FC236}">
+                <a16:creationId xmlns:a16="http://schemas.microsoft.com/office/drawing/2014/main" id="{AFCA11D4-CA72-7A4E-9EC8-2F7190E26C08}"/>
+              </a:ext>
+            </a:extLst>
+          </p:cNvPr>
+          <p:cNvSpPr txBox="1"/>
+          <p:nvPr/>
+        </p:nvSpPr>
+        <p:spPr>
+          <a:xfrm>
+            <a:off x="4659864" y="1931942"/>
+            <a:ext cx="154845" cy="138499"/>
+          </a:xfrm>
+          <a:prstGeom prst="rect">
+            <a:avLst/>
+          </a:prstGeom>
+          <a:noFill/>
+          <a:ln>
+            <a:noFill/>
+          </a:ln>
+        </p:spPr>
+        <p:txBody>
+          <a:bodyPr wrap="square" lIns="0" tIns="0" rIns="0" bIns="0" rtlCol="0">
+            <a:spAutoFit/>
+          </a:bodyPr>
+          <a:lstStyle/>
+          <a:p>
+            <a:r>
+              <a:rPr lang="en-US" sz="900" dirty="0"/>
+              <a:t>g</a:t>
+            </a:r>
+            <a:r>
+              <a:rPr lang="en-US" sz="900" baseline="-25000" dirty="0"/>
+              <a:t>2</a:t>
+            </a:r>
+          </a:p>
+        </p:txBody>
+      </p:sp>
+      <p:sp>
+        <p:nvSpPr>
+          <p:cNvPr id="67" name="Freeform 66">
+            <a:extLst>
+              <a:ext uri="{FF2B5EF4-FFF2-40B4-BE49-F238E27FC236}">
+                <a16:creationId xmlns:a16="http://schemas.microsoft.com/office/drawing/2014/main" id="{E4127EA4-724D-E048-B277-3119A2536AF2}"/>
+              </a:ext>
+            </a:extLst>
+          </p:cNvPr>
+          <p:cNvSpPr/>
+          <p:nvPr/>
+        </p:nvSpPr>
+        <p:spPr>
+          <a:xfrm>
+            <a:off x="4627471" y="1772037"/>
+            <a:ext cx="274098" cy="432859"/>
+          </a:xfrm>
+          <a:custGeom>
+            <a:avLst/>
+            <a:gdLst>
+              <a:gd name="connsiteX0" fmla="*/ 0 w 147545"/>
+              <a:gd name="connsiteY0" fmla="*/ 0 h 212781"/>
+              <a:gd name="connsiteX1" fmla="*/ 146050 w 147545"/>
+              <a:gd name="connsiteY1" fmla="*/ 200025 h 212781"/>
+              <a:gd name="connsiteX2" fmla="*/ 79375 w 147545"/>
+              <a:gd name="connsiteY2" fmla="*/ 203200 h 212781"/>
+              <a:gd name="connsiteX0" fmla="*/ 0 w 153794"/>
+              <a:gd name="connsiteY0" fmla="*/ 0 h 203200"/>
+              <a:gd name="connsiteX1" fmla="*/ 152400 w 153794"/>
+              <a:gd name="connsiteY1" fmla="*/ 66675 h 203200"/>
+              <a:gd name="connsiteX2" fmla="*/ 79375 w 153794"/>
+              <a:gd name="connsiteY2" fmla="*/ 203200 h 203200"/>
+              <a:gd name="connsiteX0" fmla="*/ 0 w 79375"/>
+              <a:gd name="connsiteY0" fmla="*/ 0 h 203200"/>
+              <a:gd name="connsiteX1" fmla="*/ 79375 w 79375"/>
+              <a:gd name="connsiteY1" fmla="*/ 203200 h 203200"/>
+              <a:gd name="connsiteX0" fmla="*/ 0 w 142919"/>
+              <a:gd name="connsiteY0" fmla="*/ 0 h 203200"/>
+              <a:gd name="connsiteX1" fmla="*/ 79375 w 142919"/>
+              <a:gd name="connsiteY1" fmla="*/ 203200 h 203200"/>
+              <a:gd name="connsiteX0" fmla="*/ 0 w 186211"/>
+              <a:gd name="connsiteY0" fmla="*/ 0 h 203200"/>
+              <a:gd name="connsiteX1" fmla="*/ 79375 w 186211"/>
+              <a:gd name="connsiteY1" fmla="*/ 203200 h 203200"/>
+              <a:gd name="connsiteX0" fmla="*/ 0 w 125812"/>
+              <a:gd name="connsiteY0" fmla="*/ 0 h 203200"/>
+              <a:gd name="connsiteX1" fmla="*/ 79375 w 125812"/>
+              <a:gd name="connsiteY1" fmla="*/ 203200 h 203200"/>
+              <a:gd name="connsiteX0" fmla="*/ 0 w 122234"/>
+              <a:gd name="connsiteY0" fmla="*/ 1233 h 204433"/>
+              <a:gd name="connsiteX1" fmla="*/ 79375 w 122234"/>
+              <a:gd name="connsiteY1" fmla="*/ 204433 h 204433"/>
+              <a:gd name="connsiteX0" fmla="*/ 0 w 148382"/>
+              <a:gd name="connsiteY0" fmla="*/ 1233 h 204433"/>
+              <a:gd name="connsiteX1" fmla="*/ 111125 w 148382"/>
+              <a:gd name="connsiteY1" fmla="*/ 204433 h 204433"/>
+              <a:gd name="connsiteX0" fmla="*/ 0 w 354546"/>
+              <a:gd name="connsiteY0" fmla="*/ 772 h 284406"/>
+              <a:gd name="connsiteX1" fmla="*/ 335492 w 354546"/>
+              <a:gd name="connsiteY1" fmla="*/ 284406 h 284406"/>
+              <a:gd name="connsiteX0" fmla="*/ 0 w 335731"/>
+              <a:gd name="connsiteY0" fmla="*/ 1961 h 285595"/>
+              <a:gd name="connsiteX1" fmla="*/ 335492 w 335731"/>
+              <a:gd name="connsiteY1" fmla="*/ 285595 h 285595"/>
+              <a:gd name="connsiteX0" fmla="*/ 0 w 336219"/>
+              <a:gd name="connsiteY0" fmla="*/ 60 h 283694"/>
+              <a:gd name="connsiteX1" fmla="*/ 335492 w 336219"/>
+              <a:gd name="connsiteY1" fmla="*/ 283694 h 283694"/>
+              <a:gd name="connsiteX0" fmla="*/ 0 w 335839"/>
+              <a:gd name="connsiteY0" fmla="*/ 0 h 283634"/>
+              <a:gd name="connsiteX1" fmla="*/ 335492 w 335839"/>
+              <a:gd name="connsiteY1" fmla="*/ 283634 h 283634"/>
+              <a:gd name="connsiteX0" fmla="*/ 0 w 335492"/>
+              <a:gd name="connsiteY0" fmla="*/ 0 h 283634"/>
+              <a:gd name="connsiteX1" fmla="*/ 335492 w 335492"/>
+              <a:gd name="connsiteY1" fmla="*/ 283634 h 283634"/>
+              <a:gd name="connsiteX0" fmla="*/ 0 w 113242"/>
+              <a:gd name="connsiteY0" fmla="*/ 23817 h 101076"/>
+              <a:gd name="connsiteX1" fmla="*/ 113242 w 113242"/>
+              <a:gd name="connsiteY1" fmla="*/ 101076 h 101076"/>
+              <a:gd name="connsiteX0" fmla="*/ 0 w 131430"/>
+              <a:gd name="connsiteY0" fmla="*/ 0 h 77259"/>
+              <a:gd name="connsiteX1" fmla="*/ 113242 w 131430"/>
+              <a:gd name="connsiteY1" fmla="*/ 77259 h 77259"/>
+              <a:gd name="connsiteX0" fmla="*/ 0 w 88086"/>
+              <a:gd name="connsiteY0" fmla="*/ 0 h 96309"/>
+              <a:gd name="connsiteX1" fmla="*/ 33867 w 88086"/>
+              <a:gd name="connsiteY1" fmla="*/ 96309 h 96309"/>
+              <a:gd name="connsiteX0" fmla="*/ 0 w 51968"/>
+              <a:gd name="connsiteY0" fmla="*/ 0 h 96309"/>
+              <a:gd name="connsiteX1" fmla="*/ 33867 w 51968"/>
+              <a:gd name="connsiteY1" fmla="*/ 96309 h 96309"/>
+              <a:gd name="connsiteX0" fmla="*/ 0 w 65690"/>
+              <a:gd name="connsiteY0" fmla="*/ 0 h 93134"/>
+              <a:gd name="connsiteX1" fmla="*/ 52917 w 65690"/>
+              <a:gd name="connsiteY1" fmla="*/ 93134 h 93134"/>
+              <a:gd name="connsiteX0" fmla="*/ 0 w 171150"/>
+              <a:gd name="connsiteY0" fmla="*/ 0 h 229659"/>
+              <a:gd name="connsiteX1" fmla="*/ 167217 w 171150"/>
+              <a:gd name="connsiteY1" fmla="*/ 229659 h 229659"/>
+              <a:gd name="connsiteX0" fmla="*/ 0 w 172717"/>
+              <a:gd name="connsiteY0" fmla="*/ 0 h 229659"/>
+              <a:gd name="connsiteX1" fmla="*/ 167217 w 172717"/>
+              <a:gd name="connsiteY1" fmla="*/ 229659 h 229659"/>
+              <a:gd name="connsiteX0" fmla="*/ 0 w 178939"/>
+              <a:gd name="connsiteY0" fmla="*/ 0 h 229659"/>
+              <a:gd name="connsiteX1" fmla="*/ 167217 w 178939"/>
+              <a:gd name="connsiteY1" fmla="*/ 229659 h 229659"/>
+              <a:gd name="connsiteX0" fmla="*/ 0 w 248138"/>
+              <a:gd name="connsiteY0" fmla="*/ 0 h 432859"/>
+              <a:gd name="connsiteX1" fmla="*/ 240242 w 248138"/>
+              <a:gd name="connsiteY1" fmla="*/ 432859 h 432859"/>
+              <a:gd name="connsiteX0" fmla="*/ 0 w 265317"/>
+              <a:gd name="connsiteY0" fmla="*/ 0 h 432859"/>
+              <a:gd name="connsiteX1" fmla="*/ 240242 w 265317"/>
+              <a:gd name="connsiteY1" fmla="*/ 432859 h 432859"/>
+              <a:gd name="connsiteX0" fmla="*/ 0 w 274098"/>
+              <a:gd name="connsiteY0" fmla="*/ 0 h 432859"/>
+              <a:gd name="connsiteX1" fmla="*/ 240242 w 274098"/>
+              <a:gd name="connsiteY1" fmla="*/ 432859 h 432859"/>
+            </a:gdLst>
+            <a:ahLst/>
+            <a:cxnLst>
+              <a:cxn ang="0">
+                <a:pos x="connsiteX0" y="connsiteY0"/>
+              </a:cxn>
+              <a:cxn ang="0">
+                <a:pos x="connsiteX1" y="connsiteY1"/>
+              </a:cxn>
+            </a:cxnLst>
+            <a:rect l="l" t="t" r="r" b="b"/>
+            <a:pathLst>
+              <a:path w="274098" h="432859">
+                <a:moveTo>
+                  <a:pt x="0" y="0"/>
+                </a:moveTo>
+                <a:cubicBezTo>
+                  <a:pt x="201084" y="49741"/>
+                  <a:pt x="341842" y="293159"/>
+                  <a:pt x="240242" y="432859"/>
+                </a:cubicBezTo>
+              </a:path>
+            </a:pathLst>
+          </a:custGeom>
+          <a:noFill/>
+          <a:ln>
+            <a:solidFill>
+              <a:schemeClr val="tx1"/>
+            </a:solidFill>
+            <a:headEnd type="triangle" w="med" len="med"/>
+            <a:tailEnd type="none" w="sm" len="med"/>
+          </a:ln>
+        </p:spPr>
+        <p:style>
+          <a:lnRef idx="2">
+            <a:schemeClr val="accent1">
+              <a:shade val="50000"/>
+            </a:schemeClr>
+          </a:lnRef>
+          <a:fillRef idx="1">
+            <a:schemeClr val="accent1"/>
+          </a:fillRef>
+          <a:effectRef idx="0">
+            <a:schemeClr val="accent1"/>
+          </a:effectRef>
+          <a:fontRef idx="minor">
+            <a:schemeClr val="lt1"/>
+          </a:fontRef>
+        </p:style>
+        <p:txBody>
+          <a:bodyPr rtlCol="0" anchor="ctr"/>
+          <a:lstStyle/>
+          <a:p>
+            <a:pPr algn="ctr"/>
+            <a:endParaRPr lang="en-US"/>
+          </a:p>
+        </p:txBody>
+      </p:sp>
+      <p:sp>
+        <p:nvSpPr>
+          <p:cNvPr id="68" name="TextBox 67">
+            <a:extLst>
+              <a:ext uri="{FF2B5EF4-FFF2-40B4-BE49-F238E27FC236}">
+                <a16:creationId xmlns:a16="http://schemas.microsoft.com/office/drawing/2014/main" id="{F91A86AF-7EB7-9C4C-8398-67DBD4B79590}"/>
+              </a:ext>
+            </a:extLst>
+          </p:cNvPr>
+          <p:cNvSpPr txBox="1"/>
+          <p:nvPr/>
+        </p:nvSpPr>
+        <p:spPr>
+          <a:xfrm>
+            <a:off x="4849776" y="1822690"/>
+            <a:ext cx="154845" cy="138499"/>
+          </a:xfrm>
+          <a:prstGeom prst="rect">
+            <a:avLst/>
+          </a:prstGeom>
+          <a:noFill/>
+          <a:ln>
+            <a:noFill/>
+          </a:ln>
+        </p:spPr>
+        <p:txBody>
+          <a:bodyPr wrap="square" lIns="0" tIns="0" rIns="0" bIns="0" rtlCol="0">
+            <a:spAutoFit/>
+          </a:bodyPr>
+          <a:lstStyle/>
+          <a:p>
+            <a:r>
+              <a:rPr lang="en-US" sz="900" dirty="0"/>
+              <a:t>θ</a:t>
+            </a:r>
+            <a:r>
+              <a:rPr lang="en-US" sz="900" baseline="-25000" dirty="0"/>
+              <a:t>2</a:t>
+            </a:r>
+          </a:p>
+        </p:txBody>
+      </p:sp>
+      <p:sp>
+        <p:nvSpPr>
+          <p:cNvPr id="71" name="Freeform 70">
+            <a:extLst>
+              <a:ext uri="{FF2B5EF4-FFF2-40B4-BE49-F238E27FC236}">
+                <a16:creationId xmlns:a16="http://schemas.microsoft.com/office/drawing/2014/main" id="{0984C2DF-436C-BE4B-A186-332CAFF2CA4E}"/>
+              </a:ext>
+            </a:extLst>
+          </p:cNvPr>
+          <p:cNvSpPr/>
+          <p:nvPr/>
+        </p:nvSpPr>
+        <p:spPr>
+          <a:xfrm>
+            <a:off x="4675183" y="1512203"/>
+            <a:ext cx="300735" cy="144411"/>
+          </a:xfrm>
+          <a:custGeom>
+            <a:avLst/>
+            <a:gdLst>
+              <a:gd name="connsiteX0" fmla="*/ 0 w 147545"/>
+              <a:gd name="connsiteY0" fmla="*/ 0 h 212781"/>
+              <a:gd name="connsiteX1" fmla="*/ 146050 w 147545"/>
+              <a:gd name="connsiteY1" fmla="*/ 200025 h 212781"/>
+              <a:gd name="connsiteX2" fmla="*/ 79375 w 147545"/>
+              <a:gd name="connsiteY2" fmla="*/ 203200 h 212781"/>
+              <a:gd name="connsiteX0" fmla="*/ 0 w 153794"/>
+              <a:gd name="connsiteY0" fmla="*/ 0 h 203200"/>
+              <a:gd name="connsiteX1" fmla="*/ 152400 w 153794"/>
+              <a:gd name="connsiteY1" fmla="*/ 66675 h 203200"/>
+              <a:gd name="connsiteX2" fmla="*/ 79375 w 153794"/>
+              <a:gd name="connsiteY2" fmla="*/ 203200 h 203200"/>
+              <a:gd name="connsiteX0" fmla="*/ 0 w 79375"/>
+              <a:gd name="connsiteY0" fmla="*/ 0 h 203200"/>
+              <a:gd name="connsiteX1" fmla="*/ 79375 w 79375"/>
+              <a:gd name="connsiteY1" fmla="*/ 203200 h 203200"/>
+              <a:gd name="connsiteX0" fmla="*/ 0 w 142919"/>
+              <a:gd name="connsiteY0" fmla="*/ 0 h 203200"/>
+              <a:gd name="connsiteX1" fmla="*/ 79375 w 142919"/>
+              <a:gd name="connsiteY1" fmla="*/ 203200 h 203200"/>
+              <a:gd name="connsiteX0" fmla="*/ 0 w 186211"/>
+              <a:gd name="connsiteY0" fmla="*/ 0 h 203200"/>
+              <a:gd name="connsiteX1" fmla="*/ 79375 w 186211"/>
+              <a:gd name="connsiteY1" fmla="*/ 203200 h 203200"/>
+              <a:gd name="connsiteX0" fmla="*/ 0 w 125812"/>
+              <a:gd name="connsiteY0" fmla="*/ 0 h 203200"/>
+              <a:gd name="connsiteX1" fmla="*/ 79375 w 125812"/>
+              <a:gd name="connsiteY1" fmla="*/ 203200 h 203200"/>
+              <a:gd name="connsiteX0" fmla="*/ 0 w 122234"/>
+              <a:gd name="connsiteY0" fmla="*/ 1233 h 204433"/>
+              <a:gd name="connsiteX1" fmla="*/ 79375 w 122234"/>
+              <a:gd name="connsiteY1" fmla="*/ 204433 h 204433"/>
+              <a:gd name="connsiteX0" fmla="*/ 0 w 148382"/>
+              <a:gd name="connsiteY0" fmla="*/ 1233 h 204433"/>
+              <a:gd name="connsiteX1" fmla="*/ 111125 w 148382"/>
+              <a:gd name="connsiteY1" fmla="*/ 204433 h 204433"/>
+              <a:gd name="connsiteX0" fmla="*/ 0 w 354546"/>
+              <a:gd name="connsiteY0" fmla="*/ 772 h 284406"/>
+              <a:gd name="connsiteX1" fmla="*/ 335492 w 354546"/>
+              <a:gd name="connsiteY1" fmla="*/ 284406 h 284406"/>
+              <a:gd name="connsiteX0" fmla="*/ 0 w 335731"/>
+              <a:gd name="connsiteY0" fmla="*/ 1961 h 285595"/>
+              <a:gd name="connsiteX1" fmla="*/ 335492 w 335731"/>
+              <a:gd name="connsiteY1" fmla="*/ 285595 h 285595"/>
+              <a:gd name="connsiteX0" fmla="*/ 0 w 336219"/>
+              <a:gd name="connsiteY0" fmla="*/ 60 h 283694"/>
+              <a:gd name="connsiteX1" fmla="*/ 335492 w 336219"/>
+              <a:gd name="connsiteY1" fmla="*/ 283694 h 283694"/>
+              <a:gd name="connsiteX0" fmla="*/ 0 w 335839"/>
+              <a:gd name="connsiteY0" fmla="*/ 0 h 283634"/>
+              <a:gd name="connsiteX1" fmla="*/ 335492 w 335839"/>
+              <a:gd name="connsiteY1" fmla="*/ 283634 h 283634"/>
+              <a:gd name="connsiteX0" fmla="*/ 0 w 335492"/>
+              <a:gd name="connsiteY0" fmla="*/ 0 h 283634"/>
+              <a:gd name="connsiteX1" fmla="*/ 335492 w 335492"/>
+              <a:gd name="connsiteY1" fmla="*/ 283634 h 283634"/>
+              <a:gd name="connsiteX0" fmla="*/ 0 w 113242"/>
+              <a:gd name="connsiteY0" fmla="*/ 23817 h 101076"/>
+              <a:gd name="connsiteX1" fmla="*/ 113242 w 113242"/>
+              <a:gd name="connsiteY1" fmla="*/ 101076 h 101076"/>
+              <a:gd name="connsiteX0" fmla="*/ 0 w 131430"/>
+              <a:gd name="connsiteY0" fmla="*/ 0 h 77259"/>
+              <a:gd name="connsiteX1" fmla="*/ 113242 w 131430"/>
+              <a:gd name="connsiteY1" fmla="*/ 77259 h 77259"/>
+              <a:gd name="connsiteX0" fmla="*/ 0 w 88086"/>
+              <a:gd name="connsiteY0" fmla="*/ 0 h 96309"/>
+              <a:gd name="connsiteX1" fmla="*/ 33867 w 88086"/>
+              <a:gd name="connsiteY1" fmla="*/ 96309 h 96309"/>
+              <a:gd name="connsiteX0" fmla="*/ 0 w 51968"/>
+              <a:gd name="connsiteY0" fmla="*/ 0 h 96309"/>
+              <a:gd name="connsiteX1" fmla="*/ 33867 w 51968"/>
+              <a:gd name="connsiteY1" fmla="*/ 96309 h 96309"/>
+              <a:gd name="connsiteX0" fmla="*/ 0 w 65690"/>
+              <a:gd name="connsiteY0" fmla="*/ 0 h 93134"/>
+              <a:gd name="connsiteX1" fmla="*/ 52917 w 65690"/>
+              <a:gd name="connsiteY1" fmla="*/ 93134 h 93134"/>
+              <a:gd name="connsiteX0" fmla="*/ 0 w 171150"/>
+              <a:gd name="connsiteY0" fmla="*/ 0 h 229659"/>
+              <a:gd name="connsiteX1" fmla="*/ 167217 w 171150"/>
+              <a:gd name="connsiteY1" fmla="*/ 229659 h 229659"/>
+              <a:gd name="connsiteX0" fmla="*/ 0 w 172717"/>
+              <a:gd name="connsiteY0" fmla="*/ 0 h 229659"/>
+              <a:gd name="connsiteX1" fmla="*/ 167217 w 172717"/>
+              <a:gd name="connsiteY1" fmla="*/ 229659 h 229659"/>
+              <a:gd name="connsiteX0" fmla="*/ 0 w 178939"/>
+              <a:gd name="connsiteY0" fmla="*/ 0 h 229659"/>
+              <a:gd name="connsiteX1" fmla="*/ 167217 w 178939"/>
+              <a:gd name="connsiteY1" fmla="*/ 229659 h 229659"/>
+              <a:gd name="connsiteX0" fmla="*/ 0 w 248138"/>
+              <a:gd name="connsiteY0" fmla="*/ 0 h 432859"/>
+              <a:gd name="connsiteX1" fmla="*/ 240242 w 248138"/>
+              <a:gd name="connsiteY1" fmla="*/ 432859 h 432859"/>
+              <a:gd name="connsiteX0" fmla="*/ 0 w 265317"/>
+              <a:gd name="connsiteY0" fmla="*/ 0 h 432859"/>
+              <a:gd name="connsiteX1" fmla="*/ 240242 w 265317"/>
+              <a:gd name="connsiteY1" fmla="*/ 432859 h 432859"/>
+              <a:gd name="connsiteX0" fmla="*/ 0 w 274098"/>
+              <a:gd name="connsiteY0" fmla="*/ 0 h 432859"/>
+              <a:gd name="connsiteX1" fmla="*/ 240242 w 274098"/>
+              <a:gd name="connsiteY1" fmla="*/ 432859 h 432859"/>
+              <a:gd name="connsiteX0" fmla="*/ 11043 w 123323"/>
+              <a:gd name="connsiteY0" fmla="*/ 0 h 513131"/>
+              <a:gd name="connsiteX1" fmla="*/ 0 w 123323"/>
+              <a:gd name="connsiteY1" fmla="*/ 513131 h 513131"/>
+              <a:gd name="connsiteX0" fmla="*/ 349581 w 400790"/>
+              <a:gd name="connsiteY0" fmla="*/ 0 h 115262"/>
+              <a:gd name="connsiteX1" fmla="*/ 0 w 400790"/>
+              <a:gd name="connsiteY1" fmla="*/ 115262 h 115262"/>
+              <a:gd name="connsiteX0" fmla="*/ 349581 w 398662"/>
+              <a:gd name="connsiteY0" fmla="*/ 0 h 117610"/>
+              <a:gd name="connsiteX1" fmla="*/ 0 w 398662"/>
+              <a:gd name="connsiteY1" fmla="*/ 115262 h 117610"/>
+              <a:gd name="connsiteX0" fmla="*/ 300720 w 353952"/>
+              <a:gd name="connsiteY0" fmla="*/ 0 h 141571"/>
+              <a:gd name="connsiteX1" fmla="*/ 0 w 353952"/>
+              <a:gd name="connsiteY1" fmla="*/ 139693 h 141571"/>
+              <a:gd name="connsiteX0" fmla="*/ 300720 w 300735"/>
+              <a:gd name="connsiteY0" fmla="*/ 0 h 144411"/>
+              <a:gd name="connsiteX1" fmla="*/ 0 w 300735"/>
+              <a:gd name="connsiteY1" fmla="*/ 139693 h 144411"/>
+            </a:gdLst>
+            <a:ahLst/>
+            <a:cxnLst>
+              <a:cxn ang="0">
+                <a:pos x="connsiteX0" y="connsiteY0"/>
+              </a:cxn>
+              <a:cxn ang="0">
+                <a:pos x="connsiteX1" y="connsiteY1"/>
+              </a:cxn>
+            </a:cxnLst>
+            <a:rect l="l" t="t" r="r" b="b"/>
+            <a:pathLst>
+              <a:path w="300735" h="144411">
+                <a:moveTo>
+                  <a:pt x="300720" y="0"/>
+                </a:moveTo>
+                <a:cubicBezTo>
+                  <a:pt x="302870" y="130013"/>
+                  <a:pt x="73679" y="157047"/>
+                  <a:pt x="0" y="139693"/>
+                </a:cubicBezTo>
+              </a:path>
+            </a:pathLst>
+          </a:custGeom>
+          <a:noFill/>
+          <a:ln>
+            <a:solidFill>
+              <a:schemeClr val="tx1"/>
+            </a:solidFill>
+            <a:headEnd type="triangle" w="med" len="med"/>
+            <a:tailEnd type="none" w="sm" len="med"/>
+          </a:ln>
+        </p:spPr>
+        <p:style>
+          <a:lnRef idx="2">
+            <a:schemeClr val="accent1">
+              <a:shade val="50000"/>
+            </a:schemeClr>
+          </a:lnRef>
+          <a:fillRef idx="1">
+            <a:schemeClr val="accent1"/>
+          </a:fillRef>
+          <a:effectRef idx="0">
+            <a:schemeClr val="accent1"/>
+          </a:effectRef>
+          <a:fontRef idx="minor">
+            <a:schemeClr val="lt1"/>
+          </a:fontRef>
+        </p:style>
+        <p:txBody>
+          <a:bodyPr rtlCol="0" anchor="ctr"/>
+          <a:lstStyle/>
+          <a:p>
+            <a:pPr algn="ctr"/>
+            <a:endParaRPr lang="en-US"/>
+          </a:p>
+        </p:txBody>
+      </p:sp>
+      <p:sp>
+        <p:nvSpPr>
+          <p:cNvPr id="73" name="TextBox 72">
+            <a:extLst>
+              <a:ext uri="{FF2B5EF4-FFF2-40B4-BE49-F238E27FC236}">
+                <a16:creationId xmlns:a16="http://schemas.microsoft.com/office/drawing/2014/main" id="{958BEA23-5D5B-AC44-A031-0D1AB2758EDE}"/>
+              </a:ext>
+            </a:extLst>
+          </p:cNvPr>
+          <p:cNvSpPr txBox="1"/>
+          <p:nvPr/>
+        </p:nvSpPr>
+        <p:spPr>
+          <a:xfrm>
+            <a:off x="4718574" y="1628338"/>
+            <a:ext cx="154845" cy="138499"/>
+          </a:xfrm>
+          <a:prstGeom prst="rect">
+            <a:avLst/>
+          </a:prstGeom>
+          <a:noFill/>
+          <a:ln>
+            <a:noFill/>
+          </a:ln>
+        </p:spPr>
+        <p:txBody>
+          <a:bodyPr wrap="square" lIns="0" tIns="0" rIns="0" bIns="0" rtlCol="0">
+            <a:spAutoFit/>
+          </a:bodyPr>
+          <a:lstStyle/>
+          <a:p>
+            <a:r>
+              <a:rPr lang="en-US" sz="900" dirty="0"/>
+              <a:t>g</a:t>
+            </a:r>
+            <a:r>
+              <a:rPr lang="en-US" sz="900" baseline="-25000" dirty="0"/>
+              <a:t>3</a:t>
+            </a:r>
+          </a:p>
+        </p:txBody>
+      </p:sp>
+      <p:sp>
+        <p:nvSpPr>
+          <p:cNvPr id="74" name="Freeform 73">
+            <a:extLst>
+              <a:ext uri="{FF2B5EF4-FFF2-40B4-BE49-F238E27FC236}">
+                <a16:creationId xmlns:a16="http://schemas.microsoft.com/office/drawing/2014/main" id="{A11F7750-B990-E044-A3B6-E1F9728CC996}"/>
+              </a:ext>
+            </a:extLst>
+          </p:cNvPr>
+          <p:cNvSpPr/>
+          <p:nvPr/>
+        </p:nvSpPr>
+        <p:spPr>
+          <a:xfrm>
+            <a:off x="5013390" y="1513036"/>
+            <a:ext cx="92841" cy="113814"/>
+          </a:xfrm>
+          <a:custGeom>
+            <a:avLst/>
+            <a:gdLst>
+              <a:gd name="connsiteX0" fmla="*/ 0 w 147545"/>
+              <a:gd name="connsiteY0" fmla="*/ 0 h 212781"/>
+              <a:gd name="connsiteX1" fmla="*/ 146050 w 147545"/>
+              <a:gd name="connsiteY1" fmla="*/ 200025 h 212781"/>
+              <a:gd name="connsiteX2" fmla="*/ 79375 w 147545"/>
+              <a:gd name="connsiteY2" fmla="*/ 203200 h 212781"/>
+              <a:gd name="connsiteX0" fmla="*/ 0 w 153794"/>
+              <a:gd name="connsiteY0" fmla="*/ 0 h 203200"/>
+              <a:gd name="connsiteX1" fmla="*/ 152400 w 153794"/>
+              <a:gd name="connsiteY1" fmla="*/ 66675 h 203200"/>
+              <a:gd name="connsiteX2" fmla="*/ 79375 w 153794"/>
+              <a:gd name="connsiteY2" fmla="*/ 203200 h 203200"/>
+              <a:gd name="connsiteX0" fmla="*/ 0 w 79375"/>
+              <a:gd name="connsiteY0" fmla="*/ 0 h 203200"/>
+              <a:gd name="connsiteX1" fmla="*/ 79375 w 79375"/>
+              <a:gd name="connsiteY1" fmla="*/ 203200 h 203200"/>
+              <a:gd name="connsiteX0" fmla="*/ 0 w 142919"/>
+              <a:gd name="connsiteY0" fmla="*/ 0 h 203200"/>
+              <a:gd name="connsiteX1" fmla="*/ 79375 w 142919"/>
+              <a:gd name="connsiteY1" fmla="*/ 203200 h 203200"/>
+              <a:gd name="connsiteX0" fmla="*/ 0 w 186211"/>
+              <a:gd name="connsiteY0" fmla="*/ 0 h 203200"/>
+              <a:gd name="connsiteX1" fmla="*/ 79375 w 186211"/>
+              <a:gd name="connsiteY1" fmla="*/ 203200 h 203200"/>
+              <a:gd name="connsiteX0" fmla="*/ 0 w 125812"/>
+              <a:gd name="connsiteY0" fmla="*/ 0 h 203200"/>
+              <a:gd name="connsiteX1" fmla="*/ 79375 w 125812"/>
+              <a:gd name="connsiteY1" fmla="*/ 203200 h 203200"/>
+              <a:gd name="connsiteX0" fmla="*/ 0 w 122234"/>
+              <a:gd name="connsiteY0" fmla="*/ 1233 h 204433"/>
+              <a:gd name="connsiteX1" fmla="*/ 79375 w 122234"/>
+              <a:gd name="connsiteY1" fmla="*/ 204433 h 204433"/>
+              <a:gd name="connsiteX0" fmla="*/ 0 w 148382"/>
+              <a:gd name="connsiteY0" fmla="*/ 1233 h 204433"/>
+              <a:gd name="connsiteX1" fmla="*/ 111125 w 148382"/>
+              <a:gd name="connsiteY1" fmla="*/ 204433 h 204433"/>
+              <a:gd name="connsiteX0" fmla="*/ 0 w 354546"/>
+              <a:gd name="connsiteY0" fmla="*/ 772 h 284406"/>
+              <a:gd name="connsiteX1" fmla="*/ 335492 w 354546"/>
+              <a:gd name="connsiteY1" fmla="*/ 284406 h 284406"/>
+              <a:gd name="connsiteX0" fmla="*/ 0 w 335731"/>
+              <a:gd name="connsiteY0" fmla="*/ 1961 h 285595"/>
+              <a:gd name="connsiteX1" fmla="*/ 335492 w 335731"/>
+              <a:gd name="connsiteY1" fmla="*/ 285595 h 285595"/>
+              <a:gd name="connsiteX0" fmla="*/ 0 w 336219"/>
+              <a:gd name="connsiteY0" fmla="*/ 60 h 283694"/>
+              <a:gd name="connsiteX1" fmla="*/ 335492 w 336219"/>
+              <a:gd name="connsiteY1" fmla="*/ 283694 h 283694"/>
+              <a:gd name="connsiteX0" fmla="*/ 0 w 335839"/>
+              <a:gd name="connsiteY0" fmla="*/ 0 h 283634"/>
+              <a:gd name="connsiteX1" fmla="*/ 335492 w 335839"/>
+              <a:gd name="connsiteY1" fmla="*/ 283634 h 283634"/>
+              <a:gd name="connsiteX0" fmla="*/ 0 w 335492"/>
+              <a:gd name="connsiteY0" fmla="*/ 0 h 283634"/>
+              <a:gd name="connsiteX1" fmla="*/ 335492 w 335492"/>
+              <a:gd name="connsiteY1" fmla="*/ 283634 h 283634"/>
+              <a:gd name="connsiteX0" fmla="*/ 0 w 113242"/>
+              <a:gd name="connsiteY0" fmla="*/ 23817 h 101076"/>
+              <a:gd name="connsiteX1" fmla="*/ 113242 w 113242"/>
+              <a:gd name="connsiteY1" fmla="*/ 101076 h 101076"/>
+              <a:gd name="connsiteX0" fmla="*/ 0 w 131430"/>
+              <a:gd name="connsiteY0" fmla="*/ 0 h 77259"/>
+              <a:gd name="connsiteX1" fmla="*/ 113242 w 131430"/>
+              <a:gd name="connsiteY1" fmla="*/ 77259 h 77259"/>
+              <a:gd name="connsiteX0" fmla="*/ 0 w 88086"/>
+              <a:gd name="connsiteY0" fmla="*/ 0 h 96309"/>
+              <a:gd name="connsiteX1" fmla="*/ 33867 w 88086"/>
+              <a:gd name="connsiteY1" fmla="*/ 96309 h 96309"/>
+              <a:gd name="connsiteX0" fmla="*/ 0 w 51968"/>
+              <a:gd name="connsiteY0" fmla="*/ 0 h 96309"/>
+              <a:gd name="connsiteX1" fmla="*/ 33867 w 51968"/>
+              <a:gd name="connsiteY1" fmla="*/ 96309 h 96309"/>
+              <a:gd name="connsiteX0" fmla="*/ 0 w 65690"/>
+              <a:gd name="connsiteY0" fmla="*/ 0 h 93134"/>
+              <a:gd name="connsiteX1" fmla="*/ 52917 w 65690"/>
+              <a:gd name="connsiteY1" fmla="*/ 93134 h 93134"/>
+              <a:gd name="connsiteX0" fmla="*/ 0 w 171150"/>
+              <a:gd name="connsiteY0" fmla="*/ 0 h 229659"/>
+              <a:gd name="connsiteX1" fmla="*/ 167217 w 171150"/>
+              <a:gd name="connsiteY1" fmla="*/ 229659 h 229659"/>
+              <a:gd name="connsiteX0" fmla="*/ 0 w 172717"/>
+              <a:gd name="connsiteY0" fmla="*/ 0 h 229659"/>
+              <a:gd name="connsiteX1" fmla="*/ 167217 w 172717"/>
+              <a:gd name="connsiteY1" fmla="*/ 229659 h 229659"/>
+              <a:gd name="connsiteX0" fmla="*/ 0 w 178939"/>
+              <a:gd name="connsiteY0" fmla="*/ 0 h 229659"/>
+              <a:gd name="connsiteX1" fmla="*/ 167217 w 178939"/>
+              <a:gd name="connsiteY1" fmla="*/ 229659 h 229659"/>
+              <a:gd name="connsiteX0" fmla="*/ 0 w 248138"/>
+              <a:gd name="connsiteY0" fmla="*/ 0 h 432859"/>
+              <a:gd name="connsiteX1" fmla="*/ 240242 w 248138"/>
+              <a:gd name="connsiteY1" fmla="*/ 432859 h 432859"/>
+              <a:gd name="connsiteX0" fmla="*/ 0 w 265317"/>
+              <a:gd name="connsiteY0" fmla="*/ 0 h 432859"/>
+              <a:gd name="connsiteX1" fmla="*/ 240242 w 265317"/>
+              <a:gd name="connsiteY1" fmla="*/ 432859 h 432859"/>
+              <a:gd name="connsiteX0" fmla="*/ 0 w 274098"/>
+              <a:gd name="connsiteY0" fmla="*/ 0 h 432859"/>
+              <a:gd name="connsiteX1" fmla="*/ 240242 w 274098"/>
+              <a:gd name="connsiteY1" fmla="*/ 432859 h 432859"/>
+              <a:gd name="connsiteX0" fmla="*/ 11043 w 123323"/>
+              <a:gd name="connsiteY0" fmla="*/ 0 h 513131"/>
+              <a:gd name="connsiteX1" fmla="*/ 0 w 123323"/>
+              <a:gd name="connsiteY1" fmla="*/ 513131 h 513131"/>
+              <a:gd name="connsiteX0" fmla="*/ 349581 w 400790"/>
+              <a:gd name="connsiteY0" fmla="*/ 0 h 115262"/>
+              <a:gd name="connsiteX1" fmla="*/ 0 w 400790"/>
+              <a:gd name="connsiteY1" fmla="*/ 115262 h 115262"/>
+              <a:gd name="connsiteX0" fmla="*/ 349581 w 398662"/>
+              <a:gd name="connsiteY0" fmla="*/ 0 h 117610"/>
+              <a:gd name="connsiteX1" fmla="*/ 0 w 398662"/>
+              <a:gd name="connsiteY1" fmla="*/ 115262 h 117610"/>
+              <a:gd name="connsiteX0" fmla="*/ 300720 w 353952"/>
+              <a:gd name="connsiteY0" fmla="*/ 0 h 141571"/>
+              <a:gd name="connsiteX1" fmla="*/ 0 w 353952"/>
+              <a:gd name="connsiteY1" fmla="*/ 139693 h 141571"/>
+              <a:gd name="connsiteX0" fmla="*/ 300720 w 300735"/>
+              <a:gd name="connsiteY0" fmla="*/ 0 h 144411"/>
+              <a:gd name="connsiteX1" fmla="*/ 0 w 300735"/>
+              <a:gd name="connsiteY1" fmla="*/ 139693 h 144411"/>
+              <a:gd name="connsiteX0" fmla="*/ 35474 w 46173"/>
+              <a:gd name="connsiteY0" fmla="*/ 0 h 94844"/>
+              <a:gd name="connsiteX1" fmla="*/ 0 w 46173"/>
+              <a:gd name="connsiteY1" fmla="*/ 76872 h 94844"/>
+              <a:gd name="connsiteX0" fmla="*/ 35474 w 48838"/>
+              <a:gd name="connsiteY0" fmla="*/ 0 h 80909"/>
+              <a:gd name="connsiteX1" fmla="*/ 0 w 48838"/>
+              <a:gd name="connsiteY1" fmla="*/ 76872 h 80909"/>
+              <a:gd name="connsiteX0" fmla="*/ 35474 w 35524"/>
+              <a:gd name="connsiteY0" fmla="*/ 0 h 89934"/>
+              <a:gd name="connsiteX1" fmla="*/ 9174 w 35524"/>
+              <a:gd name="connsiteY1" fmla="*/ 89934 h 89934"/>
+              <a:gd name="connsiteX2" fmla="*/ 0 w 35524"/>
+              <a:gd name="connsiteY2" fmla="*/ 76872 h 89934"/>
+              <a:gd name="connsiteX0" fmla="*/ 26379 w 33904"/>
+              <a:gd name="connsiteY0" fmla="*/ 0 h 114618"/>
+              <a:gd name="connsiteX1" fmla="*/ 79 w 33904"/>
+              <a:gd name="connsiteY1" fmla="*/ 89934 h 114618"/>
+              <a:gd name="connsiteX2" fmla="*/ 1375 w 33904"/>
+              <a:gd name="connsiteY2" fmla="*/ 111773 h 114618"/>
+              <a:gd name="connsiteX0" fmla="*/ 158938 w 158947"/>
+              <a:gd name="connsiteY0" fmla="*/ 0 h 320532"/>
+              <a:gd name="connsiteX1" fmla="*/ 15 w 158947"/>
+              <a:gd name="connsiteY1" fmla="*/ 295848 h 320532"/>
+              <a:gd name="connsiteX2" fmla="*/ 1311 w 158947"/>
+              <a:gd name="connsiteY2" fmla="*/ 317687 h 320532"/>
+              <a:gd name="connsiteX0" fmla="*/ 157627 w 157627"/>
+              <a:gd name="connsiteY0" fmla="*/ 0 h 317687"/>
+              <a:gd name="connsiteX1" fmla="*/ 0 w 157627"/>
+              <a:gd name="connsiteY1" fmla="*/ 317687 h 317687"/>
+              <a:gd name="connsiteX0" fmla="*/ 178567 w 178567"/>
+              <a:gd name="connsiteY0" fmla="*/ 0 h 300237"/>
+              <a:gd name="connsiteX1" fmla="*/ 0 w 178567"/>
+              <a:gd name="connsiteY1" fmla="*/ 300237 h 300237"/>
+              <a:gd name="connsiteX0" fmla="*/ 178567 w 178567"/>
+              <a:gd name="connsiteY0" fmla="*/ 0 h 303942"/>
+              <a:gd name="connsiteX1" fmla="*/ 0 w 178567"/>
+              <a:gd name="connsiteY1" fmla="*/ 300237 h 303942"/>
+              <a:gd name="connsiteX0" fmla="*/ 52924 w 52924"/>
+              <a:gd name="connsiteY0" fmla="*/ 0 h 103297"/>
+              <a:gd name="connsiteX1" fmla="*/ 0 w 52924"/>
+              <a:gd name="connsiteY1" fmla="*/ 87342 h 103297"/>
+              <a:gd name="connsiteX0" fmla="*/ 10722 w 86816"/>
+              <a:gd name="connsiteY0" fmla="*/ 0 h 108939"/>
+              <a:gd name="connsiteX1" fmla="*/ 55520 w 86816"/>
+              <a:gd name="connsiteY1" fmla="*/ 94323 h 108939"/>
+              <a:gd name="connsiteX0" fmla="*/ 10722 w 86816"/>
+              <a:gd name="connsiteY0" fmla="*/ 0 h 120706"/>
+              <a:gd name="connsiteX1" fmla="*/ 55520 w 86816"/>
+              <a:gd name="connsiteY1" fmla="*/ 108283 h 120706"/>
+              <a:gd name="connsiteX0" fmla="*/ 80845 w 80845"/>
+              <a:gd name="connsiteY0" fmla="*/ 0 h 136105"/>
+              <a:gd name="connsiteX1" fmla="*/ 0 w 80845"/>
+              <a:gd name="connsiteY1" fmla="*/ 125733 h 136105"/>
+              <a:gd name="connsiteX0" fmla="*/ 80845 w 121113"/>
+              <a:gd name="connsiteY0" fmla="*/ 0 h 135489"/>
+              <a:gd name="connsiteX1" fmla="*/ 0 w 121113"/>
+              <a:gd name="connsiteY1" fmla="*/ 125733 h 135489"/>
+              <a:gd name="connsiteX0" fmla="*/ 38964 w 92841"/>
+              <a:gd name="connsiteY0" fmla="*/ 0 h 113814"/>
+              <a:gd name="connsiteX1" fmla="*/ 0 w 92841"/>
+              <a:gd name="connsiteY1" fmla="*/ 101302 h 113814"/>
+            </a:gdLst>
+            <a:ahLst/>
+            <a:cxnLst>
+              <a:cxn ang="0">
+                <a:pos x="connsiteX0" y="connsiteY0"/>
+              </a:cxn>
+              <a:cxn ang="0">
+                <a:pos x="connsiteX1" y="connsiteY1"/>
+              </a:cxn>
+            </a:cxnLst>
+            <a:rect l="l" t="t" r="r" b="b"/>
+            <a:pathLst>
+              <a:path w="92841" h="113814">
+                <a:moveTo>
+                  <a:pt x="38964" y="0"/>
+                </a:moveTo>
+                <a:cubicBezTo>
+                  <a:pt x="122535" y="93099"/>
+                  <a:pt x="108383" y="137336"/>
+                  <a:pt x="0" y="101302"/>
+                </a:cubicBezTo>
+              </a:path>
+            </a:pathLst>
+          </a:custGeom>
+          <a:noFill/>
+          <a:ln>
+            <a:solidFill>
+              <a:schemeClr val="tx1"/>
+            </a:solidFill>
+            <a:headEnd type="triangle" w="med" len="med"/>
+            <a:tailEnd type="none" w="sm" len="med"/>
+          </a:ln>
+        </p:spPr>
+        <p:style>
+          <a:lnRef idx="2">
+            <a:schemeClr val="accent1">
+              <a:shade val="50000"/>
+            </a:schemeClr>
+          </a:lnRef>
+          <a:fillRef idx="1">
+            <a:schemeClr val="accent1"/>
+          </a:fillRef>
+          <a:effectRef idx="0">
+            <a:schemeClr val="accent1"/>
+          </a:effectRef>
+          <a:fontRef idx="minor">
+            <a:schemeClr val="lt1"/>
+          </a:fontRef>
+        </p:style>
+        <p:txBody>
+          <a:bodyPr rtlCol="0" anchor="ctr"/>
+          <a:lstStyle/>
+          <a:p>
+            <a:pPr algn="ctr"/>
+            <a:endParaRPr lang="en-US"/>
+          </a:p>
+        </p:txBody>
+      </p:sp>
+      <p:sp>
+        <p:nvSpPr>
+          <p:cNvPr id="75" name="TextBox 74">
+            <a:extLst>
+              <a:ext uri="{FF2B5EF4-FFF2-40B4-BE49-F238E27FC236}">
+                <a16:creationId xmlns:a16="http://schemas.microsoft.com/office/drawing/2014/main" id="{3FB9905F-EF2F-0A4B-9665-926D46280EBB}"/>
+              </a:ext>
+            </a:extLst>
+          </p:cNvPr>
+          <p:cNvSpPr txBox="1"/>
+          <p:nvPr/>
+        </p:nvSpPr>
+        <p:spPr>
+          <a:xfrm>
+            <a:off x="5110318" y="1541614"/>
+            <a:ext cx="154845" cy="138499"/>
+          </a:xfrm>
+          <a:prstGeom prst="rect">
+            <a:avLst/>
+          </a:prstGeom>
+          <a:noFill/>
+          <a:ln>
+            <a:noFill/>
+          </a:ln>
+        </p:spPr>
+        <p:txBody>
+          <a:bodyPr wrap="square" lIns="0" tIns="0" rIns="0" bIns="0" rtlCol="0">
+            <a:spAutoFit/>
+          </a:bodyPr>
+          <a:lstStyle/>
+          <a:p>
+            <a:r>
+              <a:rPr lang="en-US" sz="900" dirty="0"/>
+              <a:t>g</a:t>
+            </a:r>
+            <a:r>
+              <a:rPr lang="en-US" sz="900" baseline="-25000" dirty="0"/>
+              <a:t>4</a:t>
+            </a:r>
+          </a:p>
+        </p:txBody>
+      </p:sp>
+    </p:spTree>
+    <p:extLst>
+      <p:ext uri="{BB962C8B-B14F-4D97-AF65-F5344CB8AC3E}">
+        <p14:creationId xmlns:p14="http://schemas.microsoft.com/office/powerpoint/2010/main" val="327070223"/>
+      </p:ext>
+    </p:extLst>
+  </p:cSld>
+  <p:clrMapOvr>
+    <a:masterClrMapping/>
+  </p:clrMapOvr>
+</p:sld>
+</file>
+
+<file path=ppt/slides/slide6.xml><?xml version="1.0" encoding="utf-8"?>
 <p:sld xmlns:a="http://schemas.openxmlformats.org/drawingml/2006/main" xmlns:r="http://schemas.openxmlformats.org/officeDocument/2006/relationships" xmlns:p="http://schemas.openxmlformats.org/presentationml/2006/main">
   <p:cSld>
     <p:spTree>

--- a/catkin_ws/diagrams.pptx
+++ b/catkin_ws/diagrams.pptx
@@ -202,7 +202,7 @@
           <a:p>
             <a:fld id="{29E52F65-0780-45DC-A6B0-5D271DABE297}" type="datetimeFigureOut">
               <a:rPr lang="en-GB" smtClean="0"/>
-              <a:t>14/12/2018</a:t>
+              <a:t>15/12/2018</a:t>
             </a:fld>
             <a:endParaRPr lang="en-GB"/>
           </a:p>
@@ -617,7 +617,7 @@
           <a:p>
             <a:fld id="{50BABC5D-73AD-A341-9003-8412548A7140}" type="datetimeFigureOut">
               <a:rPr lang="en-US" smtClean="0"/>
-              <a:t>12/14/18</a:t>
+              <a:t>12/15/18</a:t>
             </a:fld>
             <a:endParaRPr lang="en-US"/>
           </a:p>
@@ -815,7 +815,7 @@
           <a:p>
             <a:fld id="{50BABC5D-73AD-A341-9003-8412548A7140}" type="datetimeFigureOut">
               <a:rPr lang="en-US" smtClean="0"/>
-              <a:t>12/14/18</a:t>
+              <a:t>12/15/18</a:t>
             </a:fld>
             <a:endParaRPr lang="en-US"/>
           </a:p>
@@ -1023,7 +1023,7 @@
           <a:p>
             <a:fld id="{50BABC5D-73AD-A341-9003-8412548A7140}" type="datetimeFigureOut">
               <a:rPr lang="en-US" smtClean="0"/>
-              <a:t>12/14/18</a:t>
+              <a:t>12/15/18</a:t>
             </a:fld>
             <a:endParaRPr lang="en-US"/>
           </a:p>
@@ -1221,7 +1221,7 @@
           <a:p>
             <a:fld id="{50BABC5D-73AD-A341-9003-8412548A7140}" type="datetimeFigureOut">
               <a:rPr lang="en-US" smtClean="0"/>
-              <a:t>12/14/18</a:t>
+              <a:t>12/15/18</a:t>
             </a:fld>
             <a:endParaRPr lang="en-US"/>
           </a:p>
@@ -1496,7 +1496,7 @@
           <a:p>
             <a:fld id="{50BABC5D-73AD-A341-9003-8412548A7140}" type="datetimeFigureOut">
               <a:rPr lang="en-US" smtClean="0"/>
-              <a:t>12/14/18</a:t>
+              <a:t>12/15/18</a:t>
             </a:fld>
             <a:endParaRPr lang="en-US"/>
           </a:p>
@@ -1761,7 +1761,7 @@
           <a:p>
             <a:fld id="{50BABC5D-73AD-A341-9003-8412548A7140}" type="datetimeFigureOut">
               <a:rPr lang="en-US" smtClean="0"/>
-              <a:t>12/14/18</a:t>
+              <a:t>12/15/18</a:t>
             </a:fld>
             <a:endParaRPr lang="en-US"/>
           </a:p>
@@ -2173,7 +2173,7 @@
           <a:p>
             <a:fld id="{50BABC5D-73AD-A341-9003-8412548A7140}" type="datetimeFigureOut">
               <a:rPr lang="en-US" smtClean="0"/>
-              <a:t>12/14/18</a:t>
+              <a:t>12/15/18</a:t>
             </a:fld>
             <a:endParaRPr lang="en-US"/>
           </a:p>
@@ -2314,7 +2314,7 @@
           <a:p>
             <a:fld id="{50BABC5D-73AD-A341-9003-8412548A7140}" type="datetimeFigureOut">
               <a:rPr lang="en-US" smtClean="0"/>
-              <a:t>12/14/18</a:t>
+              <a:t>12/15/18</a:t>
             </a:fld>
             <a:endParaRPr lang="en-US"/>
           </a:p>
@@ -2427,7 +2427,7 @@
           <a:p>
             <a:fld id="{50BABC5D-73AD-A341-9003-8412548A7140}" type="datetimeFigureOut">
               <a:rPr lang="en-US" smtClean="0"/>
-              <a:t>12/14/18</a:t>
+              <a:t>12/15/18</a:t>
             </a:fld>
             <a:endParaRPr lang="en-US"/>
           </a:p>
@@ -2738,7 +2738,7 @@
           <a:p>
             <a:fld id="{50BABC5D-73AD-A341-9003-8412548A7140}" type="datetimeFigureOut">
               <a:rPr lang="en-US" smtClean="0"/>
-              <a:t>12/14/18</a:t>
+              <a:t>12/15/18</a:t>
             </a:fld>
             <a:endParaRPr lang="en-US"/>
           </a:p>
@@ -3026,7 +3026,7 @@
           <a:p>
             <a:fld id="{50BABC5D-73AD-A341-9003-8412548A7140}" type="datetimeFigureOut">
               <a:rPr lang="en-US" smtClean="0"/>
-              <a:t>12/14/18</a:t>
+              <a:t>12/15/18</a:t>
             </a:fld>
             <a:endParaRPr lang="en-US"/>
           </a:p>
@@ -3267,7 +3267,7 @@
           <a:p>
             <a:fld id="{50BABC5D-73AD-A341-9003-8412548A7140}" type="datetimeFigureOut">
               <a:rPr lang="en-US" smtClean="0"/>
-              <a:t>12/14/18</a:t>
+              <a:t>12/15/18</a:t>
             </a:fld>
             <a:endParaRPr lang="en-US"/>
           </a:p>
@@ -10102,7 +10102,7 @@
         </p:nvSpPr>
         <p:spPr>
           <a:xfrm>
-            <a:off x="1975269" y="812940"/>
+            <a:off x="473041" y="3429000"/>
             <a:ext cx="1662364" cy="1292662"/>
           </a:xfrm>
           <a:prstGeom prst="rect">

--- a/catkin_ws/diagrams.pptx
+++ b/catkin_ws/diagrams.pptx
@@ -202,7 +202,7 @@
           <a:p>
             <a:fld id="{29E52F65-0780-45DC-A6B0-5D271DABE297}" type="datetimeFigureOut">
               <a:rPr lang="en-GB" smtClean="0"/>
-              <a:t>15/12/2018</a:t>
+              <a:t>18/12/2018</a:t>
             </a:fld>
             <a:endParaRPr lang="en-GB"/>
           </a:p>
@@ -617,7 +617,7 @@
           <a:p>
             <a:fld id="{50BABC5D-73AD-A341-9003-8412548A7140}" type="datetimeFigureOut">
               <a:rPr lang="en-US" smtClean="0"/>
-              <a:t>12/15/18</a:t>
+              <a:t>12/18/18</a:t>
             </a:fld>
             <a:endParaRPr lang="en-US"/>
           </a:p>
@@ -815,7 +815,7 @@
           <a:p>
             <a:fld id="{50BABC5D-73AD-A341-9003-8412548A7140}" type="datetimeFigureOut">
               <a:rPr lang="en-US" smtClean="0"/>
-              <a:t>12/15/18</a:t>
+              <a:t>12/18/18</a:t>
             </a:fld>
             <a:endParaRPr lang="en-US"/>
           </a:p>
@@ -1023,7 +1023,7 @@
           <a:p>
             <a:fld id="{50BABC5D-73AD-A341-9003-8412548A7140}" type="datetimeFigureOut">
               <a:rPr lang="en-US" smtClean="0"/>
-              <a:t>12/15/18</a:t>
+              <a:t>12/18/18</a:t>
             </a:fld>
             <a:endParaRPr lang="en-US"/>
           </a:p>
@@ -1221,7 +1221,7 @@
           <a:p>
             <a:fld id="{50BABC5D-73AD-A341-9003-8412548A7140}" type="datetimeFigureOut">
               <a:rPr lang="en-US" smtClean="0"/>
-              <a:t>12/15/18</a:t>
+              <a:t>12/18/18</a:t>
             </a:fld>
             <a:endParaRPr lang="en-US"/>
           </a:p>
@@ -1496,7 +1496,7 @@
           <a:p>
             <a:fld id="{50BABC5D-73AD-A341-9003-8412548A7140}" type="datetimeFigureOut">
               <a:rPr lang="en-US" smtClean="0"/>
-              <a:t>12/15/18</a:t>
+              <a:t>12/18/18</a:t>
             </a:fld>
             <a:endParaRPr lang="en-US"/>
           </a:p>
@@ -1761,7 +1761,7 @@
           <a:p>
             <a:fld id="{50BABC5D-73AD-A341-9003-8412548A7140}" type="datetimeFigureOut">
               <a:rPr lang="en-US" smtClean="0"/>
-              <a:t>12/15/18</a:t>
+              <a:t>12/18/18</a:t>
             </a:fld>
             <a:endParaRPr lang="en-US"/>
           </a:p>
@@ -2173,7 +2173,7 @@
           <a:p>
             <a:fld id="{50BABC5D-73AD-A341-9003-8412548A7140}" type="datetimeFigureOut">
               <a:rPr lang="en-US" smtClean="0"/>
-              <a:t>12/15/18</a:t>
+              <a:t>12/18/18</a:t>
             </a:fld>
             <a:endParaRPr lang="en-US"/>
           </a:p>
@@ -2314,7 +2314,7 @@
           <a:p>
             <a:fld id="{50BABC5D-73AD-A341-9003-8412548A7140}" type="datetimeFigureOut">
               <a:rPr lang="en-US" smtClean="0"/>
-              <a:t>12/15/18</a:t>
+              <a:t>12/18/18</a:t>
             </a:fld>
             <a:endParaRPr lang="en-US"/>
           </a:p>
@@ -2427,7 +2427,7 @@
           <a:p>
             <a:fld id="{50BABC5D-73AD-A341-9003-8412548A7140}" type="datetimeFigureOut">
               <a:rPr lang="en-US" smtClean="0"/>
-              <a:t>12/15/18</a:t>
+              <a:t>12/18/18</a:t>
             </a:fld>
             <a:endParaRPr lang="en-US"/>
           </a:p>
@@ -2738,7 +2738,7 @@
           <a:p>
             <a:fld id="{50BABC5D-73AD-A341-9003-8412548A7140}" type="datetimeFigureOut">
               <a:rPr lang="en-US" smtClean="0"/>
-              <a:t>12/15/18</a:t>
+              <a:t>12/18/18</a:t>
             </a:fld>
             <a:endParaRPr lang="en-US"/>
           </a:p>
@@ -3026,7 +3026,7 @@
           <a:p>
             <a:fld id="{50BABC5D-73AD-A341-9003-8412548A7140}" type="datetimeFigureOut">
               <a:rPr lang="en-US" smtClean="0"/>
-              <a:t>12/15/18</a:t>
+              <a:t>12/18/18</a:t>
             </a:fld>
             <a:endParaRPr lang="en-US"/>
           </a:p>
@@ -3267,7 +3267,7 @@
           <a:p>
             <a:fld id="{50BABC5D-73AD-A341-9003-8412548A7140}" type="datetimeFigureOut">
               <a:rPr lang="en-US" smtClean="0"/>
-              <a:t>12/15/18</a:t>
+              <a:t>12/18/18</a:t>
             </a:fld>
             <a:endParaRPr lang="en-US"/>
           </a:p>
@@ -7824,6 +7824,4212 @@
         </p:nvCxnSpPr>
         <p:spPr>
           <a:xfrm>
+            <a:off x="3966849" y="1860441"/>
+            <a:ext cx="0" cy="475379"/>
+          </a:xfrm>
+          <a:prstGeom prst="line">
+            <a:avLst/>
+          </a:prstGeom>
+          <a:ln>
+            <a:prstDash val="sysDot"/>
+          </a:ln>
+        </p:spPr>
+        <p:style>
+          <a:lnRef idx="1">
+            <a:schemeClr val="accent4"/>
+          </a:lnRef>
+          <a:fillRef idx="0">
+            <a:schemeClr val="accent4"/>
+          </a:fillRef>
+          <a:effectRef idx="0">
+            <a:schemeClr val="accent4"/>
+          </a:effectRef>
+          <a:fontRef idx="minor">
+            <a:schemeClr val="tx1"/>
+          </a:fontRef>
+        </p:style>
+      </p:cxnSp>
+      <p:cxnSp>
+        <p:nvCxnSpPr>
+          <p:cNvPr id="13" name="Straight Connector 12">
+            <a:extLst>
+              <a:ext uri="{FF2B5EF4-FFF2-40B4-BE49-F238E27FC236}">
+                <a16:creationId xmlns:a16="http://schemas.microsoft.com/office/drawing/2014/main" id="{3087EC4D-5856-E747-A262-3559894F30F5}"/>
+              </a:ext>
+            </a:extLst>
+          </p:cNvPr>
+          <p:cNvCxnSpPr>
+            <a:cxnSpLocks/>
+          </p:cNvCxnSpPr>
+          <p:nvPr/>
+        </p:nvCxnSpPr>
+        <p:spPr>
+          <a:xfrm flipV="1">
+            <a:off x="4471660" y="1410011"/>
+            <a:ext cx="284751" cy="808024"/>
+          </a:xfrm>
+          <a:prstGeom prst="line">
+            <a:avLst/>
+          </a:prstGeom>
+          <a:ln>
+            <a:solidFill>
+              <a:schemeClr val="tx1"/>
+            </a:solidFill>
+          </a:ln>
+        </p:spPr>
+        <p:style>
+          <a:lnRef idx="1">
+            <a:schemeClr val="accent1"/>
+          </a:lnRef>
+          <a:fillRef idx="0">
+            <a:schemeClr val="accent1"/>
+          </a:fillRef>
+          <a:effectRef idx="0">
+            <a:schemeClr val="accent1"/>
+          </a:effectRef>
+          <a:fontRef idx="minor">
+            <a:schemeClr val="tx1"/>
+          </a:fontRef>
+        </p:style>
+      </p:cxnSp>
+      <p:cxnSp>
+        <p:nvCxnSpPr>
+          <p:cNvPr id="14" name="Straight Connector 13">
+            <a:extLst>
+              <a:ext uri="{FF2B5EF4-FFF2-40B4-BE49-F238E27FC236}">
+                <a16:creationId xmlns:a16="http://schemas.microsoft.com/office/drawing/2014/main" id="{96152974-1F70-194E-8C73-C228E03DFB12}"/>
+              </a:ext>
+            </a:extLst>
+          </p:cNvPr>
+          <p:cNvCxnSpPr>
+            <a:cxnSpLocks/>
+          </p:cNvCxnSpPr>
+          <p:nvPr/>
+        </p:nvCxnSpPr>
+        <p:spPr>
+          <a:xfrm>
+            <a:off x="3956178" y="2216559"/>
+            <a:ext cx="519111" cy="1"/>
+          </a:xfrm>
+          <a:prstGeom prst="line">
+            <a:avLst/>
+          </a:prstGeom>
+          <a:ln>
+            <a:solidFill>
+              <a:schemeClr val="tx1"/>
+            </a:solidFill>
+          </a:ln>
+        </p:spPr>
+        <p:style>
+          <a:lnRef idx="1">
+            <a:schemeClr val="accent1"/>
+          </a:lnRef>
+          <a:fillRef idx="0">
+            <a:schemeClr val="accent1"/>
+          </a:fillRef>
+          <a:effectRef idx="0">
+            <a:schemeClr val="accent1"/>
+          </a:effectRef>
+          <a:fontRef idx="minor">
+            <a:schemeClr val="tx1"/>
+          </a:fontRef>
+        </p:style>
+      </p:cxnSp>
+      <p:cxnSp>
+        <p:nvCxnSpPr>
+          <p:cNvPr id="15" name="Straight Connector 14">
+            <a:extLst>
+              <a:ext uri="{FF2B5EF4-FFF2-40B4-BE49-F238E27FC236}">
+                <a16:creationId xmlns:a16="http://schemas.microsoft.com/office/drawing/2014/main" id="{D8400B72-4D17-2C43-8193-587AC6B70394}"/>
+              </a:ext>
+            </a:extLst>
+          </p:cNvPr>
+          <p:cNvCxnSpPr>
+            <a:cxnSpLocks/>
+          </p:cNvCxnSpPr>
+          <p:nvPr/>
+        </p:nvCxnSpPr>
+        <p:spPr>
+          <a:xfrm flipV="1">
+            <a:off x="3963724" y="2217138"/>
+            <a:ext cx="0" cy="433247"/>
+          </a:xfrm>
+          <a:prstGeom prst="line">
+            <a:avLst/>
+          </a:prstGeom>
+          <a:ln>
+            <a:solidFill>
+              <a:schemeClr val="tx1"/>
+            </a:solidFill>
+          </a:ln>
+        </p:spPr>
+        <p:style>
+          <a:lnRef idx="1">
+            <a:schemeClr val="accent1"/>
+          </a:lnRef>
+          <a:fillRef idx="0">
+            <a:schemeClr val="accent1"/>
+          </a:fillRef>
+          <a:effectRef idx="0">
+            <a:schemeClr val="accent1"/>
+          </a:effectRef>
+          <a:fontRef idx="minor">
+            <a:schemeClr val="tx1"/>
+          </a:fontRef>
+        </p:style>
+      </p:cxnSp>
+      <p:sp>
+        <p:nvSpPr>
+          <p:cNvPr id="16" name="Freeform 15">
+            <a:extLst>
+              <a:ext uri="{FF2B5EF4-FFF2-40B4-BE49-F238E27FC236}">
+                <a16:creationId xmlns:a16="http://schemas.microsoft.com/office/drawing/2014/main" id="{CA3F3335-F0B6-2344-9BC9-3547C33CCF12}"/>
+              </a:ext>
+            </a:extLst>
+          </p:cNvPr>
+          <p:cNvSpPr/>
+          <p:nvPr/>
+        </p:nvSpPr>
+        <p:spPr>
+          <a:xfrm>
+            <a:off x="5031362" y="2103987"/>
+            <a:ext cx="65690" cy="93134"/>
+          </a:xfrm>
+          <a:custGeom>
+            <a:avLst/>
+            <a:gdLst>
+              <a:gd name="connsiteX0" fmla="*/ 0 w 147545"/>
+              <a:gd name="connsiteY0" fmla="*/ 0 h 212781"/>
+              <a:gd name="connsiteX1" fmla="*/ 146050 w 147545"/>
+              <a:gd name="connsiteY1" fmla="*/ 200025 h 212781"/>
+              <a:gd name="connsiteX2" fmla="*/ 79375 w 147545"/>
+              <a:gd name="connsiteY2" fmla="*/ 203200 h 212781"/>
+              <a:gd name="connsiteX0" fmla="*/ 0 w 153794"/>
+              <a:gd name="connsiteY0" fmla="*/ 0 h 203200"/>
+              <a:gd name="connsiteX1" fmla="*/ 152400 w 153794"/>
+              <a:gd name="connsiteY1" fmla="*/ 66675 h 203200"/>
+              <a:gd name="connsiteX2" fmla="*/ 79375 w 153794"/>
+              <a:gd name="connsiteY2" fmla="*/ 203200 h 203200"/>
+              <a:gd name="connsiteX0" fmla="*/ 0 w 79375"/>
+              <a:gd name="connsiteY0" fmla="*/ 0 h 203200"/>
+              <a:gd name="connsiteX1" fmla="*/ 79375 w 79375"/>
+              <a:gd name="connsiteY1" fmla="*/ 203200 h 203200"/>
+              <a:gd name="connsiteX0" fmla="*/ 0 w 142919"/>
+              <a:gd name="connsiteY0" fmla="*/ 0 h 203200"/>
+              <a:gd name="connsiteX1" fmla="*/ 79375 w 142919"/>
+              <a:gd name="connsiteY1" fmla="*/ 203200 h 203200"/>
+              <a:gd name="connsiteX0" fmla="*/ 0 w 186211"/>
+              <a:gd name="connsiteY0" fmla="*/ 0 h 203200"/>
+              <a:gd name="connsiteX1" fmla="*/ 79375 w 186211"/>
+              <a:gd name="connsiteY1" fmla="*/ 203200 h 203200"/>
+              <a:gd name="connsiteX0" fmla="*/ 0 w 125812"/>
+              <a:gd name="connsiteY0" fmla="*/ 0 h 203200"/>
+              <a:gd name="connsiteX1" fmla="*/ 79375 w 125812"/>
+              <a:gd name="connsiteY1" fmla="*/ 203200 h 203200"/>
+              <a:gd name="connsiteX0" fmla="*/ 0 w 122234"/>
+              <a:gd name="connsiteY0" fmla="*/ 1233 h 204433"/>
+              <a:gd name="connsiteX1" fmla="*/ 79375 w 122234"/>
+              <a:gd name="connsiteY1" fmla="*/ 204433 h 204433"/>
+              <a:gd name="connsiteX0" fmla="*/ 0 w 148382"/>
+              <a:gd name="connsiteY0" fmla="*/ 1233 h 204433"/>
+              <a:gd name="connsiteX1" fmla="*/ 111125 w 148382"/>
+              <a:gd name="connsiteY1" fmla="*/ 204433 h 204433"/>
+              <a:gd name="connsiteX0" fmla="*/ 0 w 354546"/>
+              <a:gd name="connsiteY0" fmla="*/ 772 h 284406"/>
+              <a:gd name="connsiteX1" fmla="*/ 335492 w 354546"/>
+              <a:gd name="connsiteY1" fmla="*/ 284406 h 284406"/>
+              <a:gd name="connsiteX0" fmla="*/ 0 w 335731"/>
+              <a:gd name="connsiteY0" fmla="*/ 1961 h 285595"/>
+              <a:gd name="connsiteX1" fmla="*/ 335492 w 335731"/>
+              <a:gd name="connsiteY1" fmla="*/ 285595 h 285595"/>
+              <a:gd name="connsiteX0" fmla="*/ 0 w 336219"/>
+              <a:gd name="connsiteY0" fmla="*/ 60 h 283694"/>
+              <a:gd name="connsiteX1" fmla="*/ 335492 w 336219"/>
+              <a:gd name="connsiteY1" fmla="*/ 283694 h 283694"/>
+              <a:gd name="connsiteX0" fmla="*/ 0 w 335839"/>
+              <a:gd name="connsiteY0" fmla="*/ 0 h 283634"/>
+              <a:gd name="connsiteX1" fmla="*/ 335492 w 335839"/>
+              <a:gd name="connsiteY1" fmla="*/ 283634 h 283634"/>
+              <a:gd name="connsiteX0" fmla="*/ 0 w 335492"/>
+              <a:gd name="connsiteY0" fmla="*/ 0 h 283634"/>
+              <a:gd name="connsiteX1" fmla="*/ 335492 w 335492"/>
+              <a:gd name="connsiteY1" fmla="*/ 283634 h 283634"/>
+              <a:gd name="connsiteX0" fmla="*/ 0 w 113242"/>
+              <a:gd name="connsiteY0" fmla="*/ 23817 h 101076"/>
+              <a:gd name="connsiteX1" fmla="*/ 113242 w 113242"/>
+              <a:gd name="connsiteY1" fmla="*/ 101076 h 101076"/>
+              <a:gd name="connsiteX0" fmla="*/ 0 w 131430"/>
+              <a:gd name="connsiteY0" fmla="*/ 0 h 77259"/>
+              <a:gd name="connsiteX1" fmla="*/ 113242 w 131430"/>
+              <a:gd name="connsiteY1" fmla="*/ 77259 h 77259"/>
+              <a:gd name="connsiteX0" fmla="*/ 0 w 88086"/>
+              <a:gd name="connsiteY0" fmla="*/ 0 h 96309"/>
+              <a:gd name="connsiteX1" fmla="*/ 33867 w 88086"/>
+              <a:gd name="connsiteY1" fmla="*/ 96309 h 96309"/>
+              <a:gd name="connsiteX0" fmla="*/ 0 w 51968"/>
+              <a:gd name="connsiteY0" fmla="*/ 0 h 96309"/>
+              <a:gd name="connsiteX1" fmla="*/ 33867 w 51968"/>
+              <a:gd name="connsiteY1" fmla="*/ 96309 h 96309"/>
+              <a:gd name="connsiteX0" fmla="*/ 0 w 65690"/>
+              <a:gd name="connsiteY0" fmla="*/ 0 h 93134"/>
+              <a:gd name="connsiteX1" fmla="*/ 52917 w 65690"/>
+              <a:gd name="connsiteY1" fmla="*/ 93134 h 93134"/>
+            </a:gdLst>
+            <a:ahLst/>
+            <a:cxnLst>
+              <a:cxn ang="0">
+                <a:pos x="connsiteX0" y="connsiteY0"/>
+              </a:cxn>
+              <a:cxn ang="0">
+                <a:pos x="connsiteX1" y="connsiteY1"/>
+              </a:cxn>
+            </a:cxnLst>
+            <a:rect l="l" t="t" r="r" b="b"/>
+            <a:pathLst>
+              <a:path w="65690" h="93134">
+                <a:moveTo>
+                  <a:pt x="0" y="0"/>
+                </a:moveTo>
+                <a:cubicBezTo>
+                  <a:pt x="61384" y="8466"/>
+                  <a:pt x="81492" y="70909"/>
+                  <a:pt x="52917" y="93134"/>
+                </a:cubicBezTo>
+              </a:path>
+            </a:pathLst>
+          </a:custGeom>
+          <a:noFill/>
+          <a:ln>
+            <a:solidFill>
+              <a:schemeClr val="tx1"/>
+            </a:solidFill>
+            <a:headEnd type="triangle" w="med" len="med"/>
+            <a:tailEnd type="none" w="sm" len="med"/>
+          </a:ln>
+        </p:spPr>
+        <p:style>
+          <a:lnRef idx="2">
+            <a:schemeClr val="accent1">
+              <a:shade val="50000"/>
+            </a:schemeClr>
+          </a:lnRef>
+          <a:fillRef idx="1">
+            <a:schemeClr val="accent1"/>
+          </a:fillRef>
+          <a:effectRef idx="0">
+            <a:schemeClr val="accent1"/>
+          </a:effectRef>
+          <a:fontRef idx="minor">
+            <a:schemeClr val="lt1"/>
+          </a:fontRef>
+        </p:style>
+        <p:txBody>
+          <a:bodyPr rtlCol="0" anchor="ctr"/>
+          <a:lstStyle/>
+          <a:p>
+            <a:pPr algn="ctr"/>
+            <a:endParaRPr lang="en-US"/>
+          </a:p>
+        </p:txBody>
+      </p:sp>
+      <p:sp>
+        <p:nvSpPr>
+          <p:cNvPr id="25" name="TextBox 24">
+            <a:extLst>
+              <a:ext uri="{FF2B5EF4-FFF2-40B4-BE49-F238E27FC236}">
+                <a16:creationId xmlns:a16="http://schemas.microsoft.com/office/drawing/2014/main" id="{63C081D7-4F0F-6443-8E2B-F1AAEAA7BEED}"/>
+              </a:ext>
+            </a:extLst>
+          </p:cNvPr>
+          <p:cNvSpPr txBox="1"/>
+          <p:nvPr/>
+        </p:nvSpPr>
+        <p:spPr>
+          <a:xfrm>
+            <a:off x="3341796" y="2390366"/>
+            <a:ext cx="164353" cy="138499"/>
+          </a:xfrm>
+          <a:prstGeom prst="rect">
+            <a:avLst/>
+          </a:prstGeom>
+          <a:noFill/>
+          <a:ln>
+            <a:noFill/>
+          </a:ln>
+        </p:spPr>
+        <p:txBody>
+          <a:bodyPr wrap="square" lIns="0" tIns="0" rIns="0" bIns="0" rtlCol="0">
+            <a:spAutoFit/>
+          </a:bodyPr>
+          <a:lstStyle/>
+          <a:p>
+            <a:r>
+              <a:rPr lang="en-US" sz="900" dirty="0"/>
+              <a:t>d</a:t>
+            </a:r>
+            <a:r>
+              <a:rPr lang="en-US" sz="900" baseline="-25000" dirty="0"/>
+              <a:t>1</a:t>
+            </a:r>
+          </a:p>
+        </p:txBody>
+      </p:sp>
+      <p:sp>
+        <p:nvSpPr>
+          <p:cNvPr id="27" name="TextBox 26">
+            <a:extLst>
+              <a:ext uri="{FF2B5EF4-FFF2-40B4-BE49-F238E27FC236}">
+                <a16:creationId xmlns:a16="http://schemas.microsoft.com/office/drawing/2014/main" id="{742DB2D2-FF77-8849-A1B3-4DADBC2447E0}"/>
+              </a:ext>
+            </a:extLst>
+          </p:cNvPr>
+          <p:cNvSpPr txBox="1"/>
+          <p:nvPr/>
+        </p:nvSpPr>
+        <p:spPr>
+          <a:xfrm>
+            <a:off x="6012824" y="1778350"/>
+            <a:ext cx="229050" cy="138499"/>
+          </a:xfrm>
+          <a:prstGeom prst="rect">
+            <a:avLst/>
+          </a:prstGeom>
+          <a:noFill/>
+          <a:ln>
+            <a:noFill/>
+          </a:ln>
+        </p:spPr>
+        <p:txBody>
+          <a:bodyPr wrap="square" lIns="0" tIns="0" rIns="0" bIns="0" rtlCol="0">
+            <a:spAutoFit/>
+          </a:bodyPr>
+          <a:lstStyle/>
+          <a:p>
+            <a:r>
+              <a:rPr lang="en-US" sz="900" dirty="0"/>
+              <a:t>WC</a:t>
+            </a:r>
+            <a:endParaRPr lang="en-US" sz="900" baseline="-25000" dirty="0"/>
+          </a:p>
+        </p:txBody>
+      </p:sp>
+      <p:sp>
+        <p:nvSpPr>
+          <p:cNvPr id="28" name="Oval 27">
+            <a:extLst>
+              <a:ext uri="{FF2B5EF4-FFF2-40B4-BE49-F238E27FC236}">
+                <a16:creationId xmlns:a16="http://schemas.microsoft.com/office/drawing/2014/main" id="{F605B447-54B6-134C-8003-F8BB6CCBEAE1}"/>
+              </a:ext>
+            </a:extLst>
+          </p:cNvPr>
+          <p:cNvSpPr/>
+          <p:nvPr/>
+        </p:nvSpPr>
+        <p:spPr>
+          <a:xfrm>
+            <a:off x="4564806" y="1214432"/>
+            <a:ext cx="391886" cy="391886"/>
+          </a:xfrm>
+          <a:prstGeom prst="ellipse">
+            <a:avLst/>
+          </a:prstGeom>
+          <a:ln>
+            <a:solidFill>
+              <a:schemeClr val="tx1"/>
+            </a:solidFill>
+          </a:ln>
+        </p:spPr>
+        <p:style>
+          <a:lnRef idx="2">
+            <a:schemeClr val="accent1"/>
+          </a:lnRef>
+          <a:fillRef idx="1">
+            <a:schemeClr val="lt1"/>
+          </a:fillRef>
+          <a:effectRef idx="0">
+            <a:schemeClr val="accent1"/>
+          </a:effectRef>
+          <a:fontRef idx="minor">
+            <a:schemeClr val="dk1"/>
+          </a:fontRef>
+        </p:style>
+        <p:txBody>
+          <a:bodyPr rtlCol="0" anchor="ctr"/>
+          <a:lstStyle/>
+          <a:p>
+            <a:pPr algn="ctr"/>
+            <a:r>
+              <a:rPr lang="en-US" dirty="0"/>
+              <a:t>3</a:t>
+            </a:r>
+          </a:p>
+        </p:txBody>
+      </p:sp>
+      <p:sp>
+        <p:nvSpPr>
+          <p:cNvPr id="2" name="Oval 1">
+            <a:extLst>
+              <a:ext uri="{FF2B5EF4-FFF2-40B4-BE49-F238E27FC236}">
+                <a16:creationId xmlns:a16="http://schemas.microsoft.com/office/drawing/2014/main" id="{DD0E6DD4-0DC4-1448-B86C-4ACF3A4BF32A}"/>
+              </a:ext>
+            </a:extLst>
+          </p:cNvPr>
+          <p:cNvSpPr/>
+          <p:nvPr/>
+        </p:nvSpPr>
+        <p:spPr>
+          <a:xfrm>
+            <a:off x="4273000" y="2011584"/>
+            <a:ext cx="391886" cy="391886"/>
+          </a:xfrm>
+          <a:prstGeom prst="ellipse">
+            <a:avLst/>
+          </a:prstGeom>
+          <a:ln>
+            <a:solidFill>
+              <a:schemeClr val="tx1"/>
+            </a:solidFill>
+          </a:ln>
+        </p:spPr>
+        <p:style>
+          <a:lnRef idx="2">
+            <a:schemeClr val="accent1"/>
+          </a:lnRef>
+          <a:fillRef idx="1">
+            <a:schemeClr val="lt1"/>
+          </a:fillRef>
+          <a:effectRef idx="0">
+            <a:schemeClr val="accent1"/>
+          </a:effectRef>
+          <a:fontRef idx="minor">
+            <a:schemeClr val="dk1"/>
+          </a:fontRef>
+        </p:style>
+        <p:txBody>
+          <a:bodyPr rtlCol="0" anchor="ctr"/>
+          <a:lstStyle/>
+          <a:p>
+            <a:pPr algn="ctr"/>
+            <a:r>
+              <a:rPr lang="en-US" dirty="0"/>
+              <a:t>2</a:t>
+            </a:r>
+          </a:p>
+        </p:txBody>
+      </p:sp>
+      <p:cxnSp>
+        <p:nvCxnSpPr>
+          <p:cNvPr id="7" name="Straight Connector 6">
+            <a:extLst>
+              <a:ext uri="{FF2B5EF4-FFF2-40B4-BE49-F238E27FC236}">
+                <a16:creationId xmlns:a16="http://schemas.microsoft.com/office/drawing/2014/main" id="{95DCCCA5-AE8A-8444-ACC4-675D3DECAE96}"/>
+              </a:ext>
+            </a:extLst>
+          </p:cNvPr>
+          <p:cNvCxnSpPr>
+            <a:cxnSpLocks/>
+          </p:cNvCxnSpPr>
+          <p:nvPr/>
+        </p:nvCxnSpPr>
+        <p:spPr>
+          <a:xfrm flipV="1">
+            <a:off x="4472481" y="1916318"/>
+            <a:ext cx="1449618" cy="291209"/>
+          </a:xfrm>
+          <a:prstGeom prst="line">
+            <a:avLst/>
+          </a:prstGeom>
+          <a:ln>
+            <a:solidFill>
+              <a:schemeClr val="tx2"/>
+            </a:solidFill>
+            <a:prstDash val="sysDot"/>
+          </a:ln>
+        </p:spPr>
+        <p:style>
+          <a:lnRef idx="1">
+            <a:schemeClr val="accent4"/>
+          </a:lnRef>
+          <a:fillRef idx="0">
+            <a:schemeClr val="accent4"/>
+          </a:fillRef>
+          <a:effectRef idx="0">
+            <a:schemeClr val="accent4"/>
+          </a:effectRef>
+          <a:fontRef idx="minor">
+            <a:schemeClr val="tx1"/>
+          </a:fontRef>
+        </p:style>
+      </p:cxnSp>
+      <p:cxnSp>
+        <p:nvCxnSpPr>
+          <p:cNvPr id="10" name="Straight Connector 9">
+            <a:extLst>
+              <a:ext uri="{FF2B5EF4-FFF2-40B4-BE49-F238E27FC236}">
+                <a16:creationId xmlns:a16="http://schemas.microsoft.com/office/drawing/2014/main" id="{69C54D5C-2B83-6447-AF10-9F2FE40F4A56}"/>
+              </a:ext>
+            </a:extLst>
+          </p:cNvPr>
+          <p:cNvCxnSpPr>
+            <a:cxnSpLocks/>
+          </p:cNvCxnSpPr>
+          <p:nvPr/>
+        </p:nvCxnSpPr>
+        <p:spPr>
+          <a:xfrm>
+            <a:off x="3369733" y="2210690"/>
+            <a:ext cx="3011976" cy="0"/>
+          </a:xfrm>
+          <a:prstGeom prst="line">
+            <a:avLst/>
+          </a:prstGeom>
+          <a:ln>
+            <a:prstDash val="sysDot"/>
+          </a:ln>
+        </p:spPr>
+        <p:style>
+          <a:lnRef idx="1">
+            <a:schemeClr val="accent4"/>
+          </a:lnRef>
+          <a:fillRef idx="0">
+            <a:schemeClr val="accent4"/>
+          </a:fillRef>
+          <a:effectRef idx="0">
+            <a:schemeClr val="accent4"/>
+          </a:effectRef>
+          <a:fontRef idx="minor">
+            <a:schemeClr val="tx1"/>
+          </a:fontRef>
+        </p:style>
+      </p:cxnSp>
+      <p:cxnSp>
+        <p:nvCxnSpPr>
+          <p:cNvPr id="12" name="Straight Connector 11">
+            <a:extLst>
+              <a:ext uri="{FF2B5EF4-FFF2-40B4-BE49-F238E27FC236}">
+                <a16:creationId xmlns:a16="http://schemas.microsoft.com/office/drawing/2014/main" id="{9897E682-6751-C143-AD1F-C456E68F1625}"/>
+              </a:ext>
+            </a:extLst>
+          </p:cNvPr>
+          <p:cNvCxnSpPr>
+            <a:cxnSpLocks/>
+          </p:cNvCxnSpPr>
+          <p:nvPr/>
+        </p:nvCxnSpPr>
+        <p:spPr>
+          <a:xfrm>
+            <a:off x="4760749" y="1410011"/>
+            <a:ext cx="1161350" cy="494726"/>
+          </a:xfrm>
+          <a:prstGeom prst="line">
+            <a:avLst/>
+          </a:prstGeom>
+          <a:ln>
+            <a:solidFill>
+              <a:schemeClr val="tx2"/>
+            </a:solidFill>
+            <a:prstDash val="sysDot"/>
+          </a:ln>
+        </p:spPr>
+        <p:style>
+          <a:lnRef idx="1">
+            <a:schemeClr val="accent4"/>
+          </a:lnRef>
+          <a:fillRef idx="0">
+            <a:schemeClr val="accent4"/>
+          </a:fillRef>
+          <a:effectRef idx="0">
+            <a:schemeClr val="accent4"/>
+          </a:effectRef>
+          <a:fontRef idx="minor">
+            <a:schemeClr val="tx1"/>
+          </a:fontRef>
+        </p:style>
+      </p:cxnSp>
+      <p:cxnSp>
+        <p:nvCxnSpPr>
+          <p:cNvPr id="58" name="Straight Connector 57">
+            <a:extLst>
+              <a:ext uri="{FF2B5EF4-FFF2-40B4-BE49-F238E27FC236}">
+                <a16:creationId xmlns:a16="http://schemas.microsoft.com/office/drawing/2014/main" id="{23A588F6-4470-2349-A13D-5B0B0CC94BE1}"/>
+              </a:ext>
+            </a:extLst>
+          </p:cNvPr>
+          <p:cNvCxnSpPr>
+            <a:cxnSpLocks/>
+          </p:cNvCxnSpPr>
+          <p:nvPr/>
+        </p:nvCxnSpPr>
+        <p:spPr>
+          <a:xfrm flipH="1" flipV="1">
+            <a:off x="3321208" y="2670116"/>
+            <a:ext cx="642516" cy="2724"/>
+          </a:xfrm>
+          <a:prstGeom prst="line">
+            <a:avLst/>
+          </a:prstGeom>
+          <a:ln>
+            <a:prstDash val="sysDot"/>
+          </a:ln>
+        </p:spPr>
+        <p:style>
+          <a:lnRef idx="1">
+            <a:schemeClr val="accent4"/>
+          </a:lnRef>
+          <a:fillRef idx="0">
+            <a:schemeClr val="accent4"/>
+          </a:fillRef>
+          <a:effectRef idx="0">
+            <a:schemeClr val="accent4"/>
+          </a:effectRef>
+          <a:fontRef idx="minor">
+            <a:schemeClr val="tx1"/>
+          </a:fontRef>
+        </p:style>
+      </p:cxnSp>
+      <p:cxnSp>
+        <p:nvCxnSpPr>
+          <p:cNvPr id="62" name="Straight Connector 61">
+            <a:extLst>
+              <a:ext uri="{FF2B5EF4-FFF2-40B4-BE49-F238E27FC236}">
+                <a16:creationId xmlns:a16="http://schemas.microsoft.com/office/drawing/2014/main" id="{F0D8B5F2-2ACA-0D46-8DC7-156C5FA9C22A}"/>
+              </a:ext>
+            </a:extLst>
+          </p:cNvPr>
+          <p:cNvCxnSpPr>
+            <a:cxnSpLocks/>
+          </p:cNvCxnSpPr>
+          <p:nvPr/>
+        </p:nvCxnSpPr>
+        <p:spPr>
+          <a:xfrm flipV="1">
+            <a:off x="3475472" y="2141925"/>
+            <a:ext cx="0" cy="579050"/>
+          </a:xfrm>
+          <a:prstGeom prst="line">
+            <a:avLst/>
+          </a:prstGeom>
+          <a:ln>
+            <a:solidFill>
+              <a:schemeClr val="tx1"/>
+            </a:solidFill>
+          </a:ln>
+        </p:spPr>
+        <p:style>
+          <a:lnRef idx="1">
+            <a:schemeClr val="accent1"/>
+          </a:lnRef>
+          <a:fillRef idx="0">
+            <a:schemeClr val="accent1"/>
+          </a:fillRef>
+          <a:effectRef idx="0">
+            <a:schemeClr val="accent1"/>
+          </a:effectRef>
+          <a:fontRef idx="minor">
+            <a:schemeClr val="tx1"/>
+          </a:fontRef>
+        </p:style>
+      </p:cxnSp>
+      <p:cxnSp>
+        <p:nvCxnSpPr>
+          <p:cNvPr id="72" name="Straight Connector 71">
+            <a:extLst>
+              <a:ext uri="{FF2B5EF4-FFF2-40B4-BE49-F238E27FC236}">
+                <a16:creationId xmlns:a16="http://schemas.microsoft.com/office/drawing/2014/main" id="{A9F23B00-68C9-8544-ADE6-8CF68432E0EA}"/>
+              </a:ext>
+            </a:extLst>
+          </p:cNvPr>
+          <p:cNvCxnSpPr>
+            <a:cxnSpLocks/>
+          </p:cNvCxnSpPr>
+          <p:nvPr/>
+        </p:nvCxnSpPr>
+        <p:spPr>
+          <a:xfrm>
+            <a:off x="3894667" y="1948108"/>
+            <a:ext cx="639233" cy="0"/>
+          </a:xfrm>
+          <a:prstGeom prst="line">
+            <a:avLst/>
+          </a:prstGeom>
+          <a:ln>
+            <a:solidFill>
+              <a:schemeClr val="tx1"/>
+            </a:solidFill>
+          </a:ln>
+        </p:spPr>
+        <p:style>
+          <a:lnRef idx="1">
+            <a:schemeClr val="accent1"/>
+          </a:lnRef>
+          <a:fillRef idx="0">
+            <a:schemeClr val="accent1"/>
+          </a:fillRef>
+          <a:effectRef idx="0">
+            <a:schemeClr val="accent1"/>
+          </a:effectRef>
+          <a:fontRef idx="minor">
+            <a:schemeClr val="tx1"/>
+          </a:fontRef>
+        </p:style>
+      </p:cxnSp>
+      <p:sp>
+        <p:nvSpPr>
+          <p:cNvPr id="77" name="TextBox 76">
+            <a:extLst>
+              <a:ext uri="{FF2B5EF4-FFF2-40B4-BE49-F238E27FC236}">
+                <a16:creationId xmlns:a16="http://schemas.microsoft.com/office/drawing/2014/main" id="{1CB98E0C-9D31-584A-B8B0-98FBC6D92F2C}"/>
+              </a:ext>
+            </a:extLst>
+          </p:cNvPr>
+          <p:cNvSpPr txBox="1"/>
+          <p:nvPr/>
+        </p:nvSpPr>
+        <p:spPr>
+          <a:xfrm>
+            <a:off x="4153561" y="1803392"/>
+            <a:ext cx="172067" cy="138499"/>
+          </a:xfrm>
+          <a:prstGeom prst="rect">
+            <a:avLst/>
+          </a:prstGeom>
+          <a:noFill/>
+          <a:ln>
+            <a:noFill/>
+          </a:ln>
+        </p:spPr>
+        <p:txBody>
+          <a:bodyPr wrap="square" lIns="0" tIns="0" rIns="0" bIns="0" rtlCol="0">
+            <a:spAutoFit/>
+          </a:bodyPr>
+          <a:lstStyle/>
+          <a:p>
+            <a:r>
+              <a:rPr lang="en-US" sz="900" dirty="0"/>
+              <a:t>a</a:t>
+            </a:r>
+            <a:r>
+              <a:rPr lang="en-US" sz="900" baseline="-25000" dirty="0"/>
+              <a:t>1</a:t>
+            </a:r>
+          </a:p>
+        </p:txBody>
+      </p:sp>
+      <p:sp>
+        <p:nvSpPr>
+          <p:cNvPr id="47" name="Rectangle 46">
+            <a:extLst>
+              <a:ext uri="{FF2B5EF4-FFF2-40B4-BE49-F238E27FC236}">
+                <a16:creationId xmlns:a16="http://schemas.microsoft.com/office/drawing/2014/main" id="{11AE80C8-C136-440B-A448-F4FA1C272C74}"/>
+              </a:ext>
+            </a:extLst>
+          </p:cNvPr>
+          <p:cNvSpPr/>
+          <p:nvPr/>
+        </p:nvSpPr>
+        <p:spPr>
+          <a:xfrm>
+            <a:off x="5081087" y="1714019"/>
+            <a:ext cx="309350" cy="186402"/>
+          </a:xfrm>
+          <a:prstGeom prst="rect">
+            <a:avLst/>
+          </a:prstGeom>
+          <a:ln>
+            <a:solidFill>
+              <a:schemeClr val="tx1"/>
+            </a:solidFill>
+          </a:ln>
+        </p:spPr>
+        <p:style>
+          <a:lnRef idx="2">
+            <a:schemeClr val="accent1"/>
+          </a:lnRef>
+          <a:fillRef idx="1">
+            <a:schemeClr val="lt1"/>
+          </a:fillRef>
+          <a:effectRef idx="0">
+            <a:schemeClr val="accent1"/>
+          </a:effectRef>
+          <a:fontRef idx="minor">
+            <a:schemeClr val="dk1"/>
+          </a:fontRef>
+        </p:style>
+        <p:txBody>
+          <a:bodyPr rtlCol="0" anchor="ctr"/>
+          <a:lstStyle/>
+          <a:p>
+            <a:pPr algn="ctr"/>
+            <a:r>
+              <a:rPr lang="en-US" dirty="0"/>
+              <a:t>4</a:t>
+            </a:r>
+          </a:p>
+        </p:txBody>
+      </p:sp>
+      <p:sp>
+        <p:nvSpPr>
+          <p:cNvPr id="51" name="TextBox 50">
+            <a:extLst>
+              <a:ext uri="{FF2B5EF4-FFF2-40B4-BE49-F238E27FC236}">
+                <a16:creationId xmlns:a16="http://schemas.microsoft.com/office/drawing/2014/main" id="{8422374B-9F06-466B-A685-AC6681BE05FC}"/>
+              </a:ext>
+            </a:extLst>
+          </p:cNvPr>
+          <p:cNvSpPr txBox="1"/>
+          <p:nvPr/>
+        </p:nvSpPr>
+        <p:spPr>
+          <a:xfrm>
+            <a:off x="5157690" y="2466913"/>
+            <a:ext cx="341915" cy="138499"/>
+          </a:xfrm>
+          <a:prstGeom prst="rect">
+            <a:avLst/>
+          </a:prstGeom>
+          <a:noFill/>
+          <a:ln>
+            <a:noFill/>
+          </a:ln>
+        </p:spPr>
+        <p:txBody>
+          <a:bodyPr wrap="square" lIns="0" tIns="0" rIns="0" bIns="0" rtlCol="0">
+            <a:spAutoFit/>
+          </a:bodyPr>
+          <a:lstStyle/>
+          <a:p>
+            <a:r>
+              <a:rPr lang="en-US" sz="900" dirty="0" err="1"/>
+              <a:t>WC</a:t>
+            </a:r>
+            <a:r>
+              <a:rPr lang="en-US" sz="900" baseline="-25000" dirty="0" err="1"/>
+              <a:t>x</a:t>
+            </a:r>
+            <a:endParaRPr lang="en-US" sz="900" baseline="-25000" dirty="0"/>
+          </a:p>
+        </p:txBody>
+      </p:sp>
+      <p:sp>
+        <p:nvSpPr>
+          <p:cNvPr id="54" name="TextBox 53">
+            <a:extLst>
+              <a:ext uri="{FF2B5EF4-FFF2-40B4-BE49-F238E27FC236}">
+                <a16:creationId xmlns:a16="http://schemas.microsoft.com/office/drawing/2014/main" id="{7BE43A39-62AF-4B3E-BAB6-DD0C2BC0A635}"/>
+              </a:ext>
+            </a:extLst>
+          </p:cNvPr>
+          <p:cNvSpPr txBox="1"/>
+          <p:nvPr/>
+        </p:nvSpPr>
+        <p:spPr>
+          <a:xfrm>
+            <a:off x="4325159" y="1459297"/>
+            <a:ext cx="104775" cy="138499"/>
+          </a:xfrm>
+          <a:prstGeom prst="rect">
+            <a:avLst/>
+          </a:prstGeom>
+          <a:noFill/>
+          <a:ln>
+            <a:noFill/>
+          </a:ln>
+        </p:spPr>
+        <p:txBody>
+          <a:bodyPr wrap="square" lIns="0" tIns="0" rIns="0" bIns="0" rtlCol="0">
+            <a:spAutoFit/>
+          </a:bodyPr>
+          <a:lstStyle/>
+          <a:p>
+            <a:r>
+              <a:rPr lang="en-US" sz="900" dirty="0"/>
+              <a:t>a</a:t>
+            </a:r>
+            <a:r>
+              <a:rPr lang="en-US" sz="900" baseline="-25000" dirty="0"/>
+              <a:t>2</a:t>
+            </a:r>
+          </a:p>
+        </p:txBody>
+      </p:sp>
+      <p:sp>
+        <p:nvSpPr>
+          <p:cNvPr id="57" name="TextBox 56">
+            <a:extLst>
+              <a:ext uri="{FF2B5EF4-FFF2-40B4-BE49-F238E27FC236}">
+                <a16:creationId xmlns:a16="http://schemas.microsoft.com/office/drawing/2014/main" id="{56A95049-E818-4012-82A6-50317D924199}"/>
+              </a:ext>
+            </a:extLst>
+          </p:cNvPr>
+          <p:cNvSpPr txBox="1"/>
+          <p:nvPr/>
+        </p:nvSpPr>
+        <p:spPr>
+          <a:xfrm>
+            <a:off x="6304836" y="1976775"/>
+            <a:ext cx="341915" cy="138499"/>
+          </a:xfrm>
+          <a:prstGeom prst="rect">
+            <a:avLst/>
+          </a:prstGeom>
+          <a:noFill/>
+          <a:ln>
+            <a:noFill/>
+          </a:ln>
+        </p:spPr>
+        <p:txBody>
+          <a:bodyPr wrap="square" lIns="0" tIns="0" rIns="0" bIns="0" rtlCol="0">
+            <a:spAutoFit/>
+          </a:bodyPr>
+          <a:lstStyle/>
+          <a:p>
+            <a:r>
+              <a:rPr lang="en-US" sz="900" dirty="0" err="1"/>
+              <a:t>WC</a:t>
+            </a:r>
+            <a:r>
+              <a:rPr lang="en-US" sz="900" baseline="-25000" dirty="0" err="1"/>
+              <a:t>y</a:t>
+            </a:r>
+            <a:endParaRPr lang="en-US" sz="900" baseline="-25000" dirty="0"/>
+          </a:p>
+        </p:txBody>
+      </p:sp>
+      <p:sp>
+        <p:nvSpPr>
+          <p:cNvPr id="38" name="Freeform: Shape 37">
+            <a:extLst>
+              <a:ext uri="{FF2B5EF4-FFF2-40B4-BE49-F238E27FC236}">
+                <a16:creationId xmlns:a16="http://schemas.microsoft.com/office/drawing/2014/main" id="{798BFFDA-7F93-4606-A191-51FA093FD9B2}"/>
+              </a:ext>
+            </a:extLst>
+          </p:cNvPr>
+          <p:cNvSpPr/>
+          <p:nvPr/>
+        </p:nvSpPr>
+        <p:spPr>
+          <a:xfrm>
+            <a:off x="4410278" y="1605770"/>
+            <a:ext cx="238528" cy="110334"/>
+          </a:xfrm>
+          <a:custGeom>
+            <a:avLst/>
+            <a:gdLst>
+              <a:gd name="connsiteX0" fmla="*/ 245269 w 245269"/>
+              <a:gd name="connsiteY0" fmla="*/ 0 h 142875"/>
+              <a:gd name="connsiteX1" fmla="*/ 0 w 245269"/>
+              <a:gd name="connsiteY1" fmla="*/ 142875 h 142875"/>
+              <a:gd name="connsiteX0" fmla="*/ 245269 w 245269"/>
+              <a:gd name="connsiteY0" fmla="*/ 0 h 143620"/>
+              <a:gd name="connsiteX1" fmla="*/ 0 w 245269"/>
+              <a:gd name="connsiteY1" fmla="*/ 142875 h 143620"/>
+              <a:gd name="connsiteX0" fmla="*/ 214313 w 214313"/>
+              <a:gd name="connsiteY0" fmla="*/ 0 h 87425"/>
+              <a:gd name="connsiteX1" fmla="*/ 0 w 214313"/>
+              <a:gd name="connsiteY1" fmla="*/ 85725 h 87425"/>
+              <a:gd name="connsiteX0" fmla="*/ 214313 w 214313"/>
+              <a:gd name="connsiteY0" fmla="*/ 0 h 87829"/>
+              <a:gd name="connsiteX1" fmla="*/ 0 w 214313"/>
+              <a:gd name="connsiteY1" fmla="*/ 85725 h 87829"/>
+              <a:gd name="connsiteX0" fmla="*/ 52388 w 53091"/>
+              <a:gd name="connsiteY0" fmla="*/ 0 h 115493"/>
+              <a:gd name="connsiteX1" fmla="*/ 0 w 53091"/>
+              <a:gd name="connsiteY1" fmla="*/ 114300 h 115493"/>
+              <a:gd name="connsiteX0" fmla="*/ 453 w 235711"/>
+              <a:gd name="connsiteY0" fmla="*/ 0 h 109273"/>
+              <a:gd name="connsiteX1" fmla="*/ 221115 w 235711"/>
+              <a:gd name="connsiteY1" fmla="*/ 107950 h 109273"/>
+              <a:gd name="connsiteX0" fmla="*/ 0 w 238528"/>
+              <a:gd name="connsiteY0" fmla="*/ 0 h 110334"/>
+              <a:gd name="connsiteX1" fmla="*/ 220662 w 238528"/>
+              <a:gd name="connsiteY1" fmla="*/ 107950 h 110334"/>
+            </a:gdLst>
+            <a:ahLst/>
+            <a:cxnLst>
+              <a:cxn ang="0">
+                <a:pos x="connsiteX0" y="connsiteY0"/>
+              </a:cxn>
+              <a:cxn ang="0">
+                <a:pos x="connsiteX1" y="connsiteY1"/>
+              </a:cxn>
+            </a:cxnLst>
+            <a:rect l="l" t="t" r="r" b="b"/>
+            <a:pathLst>
+              <a:path w="238528" h="110334">
+                <a:moveTo>
+                  <a:pt x="0" y="0"/>
+                </a:moveTo>
+                <a:cubicBezTo>
+                  <a:pt x="58936" y="99615"/>
+                  <a:pt x="306388" y="117872"/>
+                  <a:pt x="220662" y="107950"/>
+                </a:cubicBezTo>
+              </a:path>
+            </a:pathLst>
+          </a:custGeom>
+          <a:ln>
+            <a:prstDash val="sysDot"/>
+            <a:headEnd type="none" w="sm" len="sm"/>
+            <a:tailEnd type="triangle" w="sm" len="sm"/>
+          </a:ln>
+        </p:spPr>
+        <p:style>
+          <a:lnRef idx="1">
+            <a:schemeClr val="accent3"/>
+          </a:lnRef>
+          <a:fillRef idx="0">
+            <a:schemeClr val="accent3"/>
+          </a:fillRef>
+          <a:effectRef idx="0">
+            <a:schemeClr val="accent3"/>
+          </a:effectRef>
+          <a:fontRef idx="minor">
+            <a:schemeClr val="tx1"/>
+          </a:fontRef>
+        </p:style>
+        <p:txBody>
+          <a:bodyPr rtlCol="0" anchor="ctr"/>
+          <a:lstStyle/>
+          <a:p>
+            <a:pPr algn="ctr"/>
+            <a:endParaRPr lang="en-GB"/>
+          </a:p>
+        </p:txBody>
+      </p:sp>
+      <p:sp>
+        <p:nvSpPr>
+          <p:cNvPr id="64" name="Freeform 63">
+            <a:extLst>
+              <a:ext uri="{FF2B5EF4-FFF2-40B4-BE49-F238E27FC236}">
+                <a16:creationId xmlns:a16="http://schemas.microsoft.com/office/drawing/2014/main" id="{2919C9E4-A866-1A48-A904-60092D9A6B66}"/>
+              </a:ext>
+            </a:extLst>
+          </p:cNvPr>
+          <p:cNvSpPr/>
+          <p:nvPr/>
+        </p:nvSpPr>
+        <p:spPr>
+          <a:xfrm>
+            <a:off x="4596582" y="1900813"/>
+            <a:ext cx="174274" cy="229659"/>
+          </a:xfrm>
+          <a:custGeom>
+            <a:avLst/>
+            <a:gdLst>
+              <a:gd name="connsiteX0" fmla="*/ 0 w 147545"/>
+              <a:gd name="connsiteY0" fmla="*/ 0 h 212781"/>
+              <a:gd name="connsiteX1" fmla="*/ 146050 w 147545"/>
+              <a:gd name="connsiteY1" fmla="*/ 200025 h 212781"/>
+              <a:gd name="connsiteX2" fmla="*/ 79375 w 147545"/>
+              <a:gd name="connsiteY2" fmla="*/ 203200 h 212781"/>
+              <a:gd name="connsiteX0" fmla="*/ 0 w 153794"/>
+              <a:gd name="connsiteY0" fmla="*/ 0 h 203200"/>
+              <a:gd name="connsiteX1" fmla="*/ 152400 w 153794"/>
+              <a:gd name="connsiteY1" fmla="*/ 66675 h 203200"/>
+              <a:gd name="connsiteX2" fmla="*/ 79375 w 153794"/>
+              <a:gd name="connsiteY2" fmla="*/ 203200 h 203200"/>
+              <a:gd name="connsiteX0" fmla="*/ 0 w 79375"/>
+              <a:gd name="connsiteY0" fmla="*/ 0 h 203200"/>
+              <a:gd name="connsiteX1" fmla="*/ 79375 w 79375"/>
+              <a:gd name="connsiteY1" fmla="*/ 203200 h 203200"/>
+              <a:gd name="connsiteX0" fmla="*/ 0 w 142919"/>
+              <a:gd name="connsiteY0" fmla="*/ 0 h 203200"/>
+              <a:gd name="connsiteX1" fmla="*/ 79375 w 142919"/>
+              <a:gd name="connsiteY1" fmla="*/ 203200 h 203200"/>
+              <a:gd name="connsiteX0" fmla="*/ 0 w 186211"/>
+              <a:gd name="connsiteY0" fmla="*/ 0 h 203200"/>
+              <a:gd name="connsiteX1" fmla="*/ 79375 w 186211"/>
+              <a:gd name="connsiteY1" fmla="*/ 203200 h 203200"/>
+              <a:gd name="connsiteX0" fmla="*/ 0 w 125812"/>
+              <a:gd name="connsiteY0" fmla="*/ 0 h 203200"/>
+              <a:gd name="connsiteX1" fmla="*/ 79375 w 125812"/>
+              <a:gd name="connsiteY1" fmla="*/ 203200 h 203200"/>
+              <a:gd name="connsiteX0" fmla="*/ 0 w 122234"/>
+              <a:gd name="connsiteY0" fmla="*/ 1233 h 204433"/>
+              <a:gd name="connsiteX1" fmla="*/ 79375 w 122234"/>
+              <a:gd name="connsiteY1" fmla="*/ 204433 h 204433"/>
+              <a:gd name="connsiteX0" fmla="*/ 0 w 148382"/>
+              <a:gd name="connsiteY0" fmla="*/ 1233 h 204433"/>
+              <a:gd name="connsiteX1" fmla="*/ 111125 w 148382"/>
+              <a:gd name="connsiteY1" fmla="*/ 204433 h 204433"/>
+              <a:gd name="connsiteX0" fmla="*/ 0 w 354546"/>
+              <a:gd name="connsiteY0" fmla="*/ 772 h 284406"/>
+              <a:gd name="connsiteX1" fmla="*/ 335492 w 354546"/>
+              <a:gd name="connsiteY1" fmla="*/ 284406 h 284406"/>
+              <a:gd name="connsiteX0" fmla="*/ 0 w 335731"/>
+              <a:gd name="connsiteY0" fmla="*/ 1961 h 285595"/>
+              <a:gd name="connsiteX1" fmla="*/ 335492 w 335731"/>
+              <a:gd name="connsiteY1" fmla="*/ 285595 h 285595"/>
+              <a:gd name="connsiteX0" fmla="*/ 0 w 336219"/>
+              <a:gd name="connsiteY0" fmla="*/ 60 h 283694"/>
+              <a:gd name="connsiteX1" fmla="*/ 335492 w 336219"/>
+              <a:gd name="connsiteY1" fmla="*/ 283694 h 283694"/>
+              <a:gd name="connsiteX0" fmla="*/ 0 w 335839"/>
+              <a:gd name="connsiteY0" fmla="*/ 0 h 283634"/>
+              <a:gd name="connsiteX1" fmla="*/ 335492 w 335839"/>
+              <a:gd name="connsiteY1" fmla="*/ 283634 h 283634"/>
+              <a:gd name="connsiteX0" fmla="*/ 0 w 335492"/>
+              <a:gd name="connsiteY0" fmla="*/ 0 h 283634"/>
+              <a:gd name="connsiteX1" fmla="*/ 335492 w 335492"/>
+              <a:gd name="connsiteY1" fmla="*/ 283634 h 283634"/>
+              <a:gd name="connsiteX0" fmla="*/ 0 w 113242"/>
+              <a:gd name="connsiteY0" fmla="*/ 23817 h 101076"/>
+              <a:gd name="connsiteX1" fmla="*/ 113242 w 113242"/>
+              <a:gd name="connsiteY1" fmla="*/ 101076 h 101076"/>
+              <a:gd name="connsiteX0" fmla="*/ 0 w 131430"/>
+              <a:gd name="connsiteY0" fmla="*/ 0 h 77259"/>
+              <a:gd name="connsiteX1" fmla="*/ 113242 w 131430"/>
+              <a:gd name="connsiteY1" fmla="*/ 77259 h 77259"/>
+              <a:gd name="connsiteX0" fmla="*/ 0 w 88086"/>
+              <a:gd name="connsiteY0" fmla="*/ 0 h 96309"/>
+              <a:gd name="connsiteX1" fmla="*/ 33867 w 88086"/>
+              <a:gd name="connsiteY1" fmla="*/ 96309 h 96309"/>
+              <a:gd name="connsiteX0" fmla="*/ 0 w 51968"/>
+              <a:gd name="connsiteY0" fmla="*/ 0 h 96309"/>
+              <a:gd name="connsiteX1" fmla="*/ 33867 w 51968"/>
+              <a:gd name="connsiteY1" fmla="*/ 96309 h 96309"/>
+              <a:gd name="connsiteX0" fmla="*/ 0 w 65690"/>
+              <a:gd name="connsiteY0" fmla="*/ 0 h 93134"/>
+              <a:gd name="connsiteX1" fmla="*/ 52917 w 65690"/>
+              <a:gd name="connsiteY1" fmla="*/ 93134 h 93134"/>
+              <a:gd name="connsiteX0" fmla="*/ 0 w 171150"/>
+              <a:gd name="connsiteY0" fmla="*/ 0 h 229659"/>
+              <a:gd name="connsiteX1" fmla="*/ 167217 w 171150"/>
+              <a:gd name="connsiteY1" fmla="*/ 229659 h 229659"/>
+              <a:gd name="connsiteX0" fmla="*/ 0 w 172717"/>
+              <a:gd name="connsiteY0" fmla="*/ 0 h 229659"/>
+              <a:gd name="connsiteX1" fmla="*/ 167217 w 172717"/>
+              <a:gd name="connsiteY1" fmla="*/ 229659 h 229659"/>
+              <a:gd name="connsiteX0" fmla="*/ 0 w 178939"/>
+              <a:gd name="connsiteY0" fmla="*/ 0 h 229659"/>
+              <a:gd name="connsiteX1" fmla="*/ 167217 w 178939"/>
+              <a:gd name="connsiteY1" fmla="*/ 229659 h 229659"/>
+              <a:gd name="connsiteX0" fmla="*/ 0 w 174274"/>
+              <a:gd name="connsiteY0" fmla="*/ 0 h 229659"/>
+              <a:gd name="connsiteX1" fmla="*/ 167217 w 174274"/>
+              <a:gd name="connsiteY1" fmla="*/ 229659 h 229659"/>
+            </a:gdLst>
+            <a:ahLst/>
+            <a:cxnLst>
+              <a:cxn ang="0">
+                <a:pos x="connsiteX0" y="connsiteY0"/>
+              </a:cxn>
+              <a:cxn ang="0">
+                <a:pos x="connsiteX1" y="connsiteY1"/>
+              </a:cxn>
+            </a:cxnLst>
+            <a:rect l="l" t="t" r="r" b="b"/>
+            <a:pathLst>
+              <a:path w="174274" h="229659">
+                <a:moveTo>
+                  <a:pt x="0" y="0"/>
+                </a:moveTo>
+                <a:cubicBezTo>
+                  <a:pt x="109009" y="17991"/>
+                  <a:pt x="200882" y="96988"/>
+                  <a:pt x="167217" y="229659"/>
+                </a:cubicBezTo>
+              </a:path>
+            </a:pathLst>
+          </a:custGeom>
+          <a:noFill/>
+          <a:ln>
+            <a:solidFill>
+              <a:schemeClr val="tx1"/>
+            </a:solidFill>
+            <a:headEnd type="triangle" w="med" len="med"/>
+            <a:tailEnd type="none" w="sm" len="med"/>
+          </a:ln>
+        </p:spPr>
+        <p:style>
+          <a:lnRef idx="2">
+            <a:schemeClr val="accent1">
+              <a:shade val="50000"/>
+            </a:schemeClr>
+          </a:lnRef>
+          <a:fillRef idx="1">
+            <a:schemeClr val="accent1"/>
+          </a:fillRef>
+          <a:effectRef idx="0">
+            <a:schemeClr val="accent1"/>
+          </a:effectRef>
+          <a:fontRef idx="minor">
+            <a:schemeClr val="lt1"/>
+          </a:fontRef>
+        </p:style>
+        <p:txBody>
+          <a:bodyPr rtlCol="0" anchor="ctr"/>
+          <a:lstStyle/>
+          <a:p>
+            <a:pPr algn="ctr"/>
+            <a:endParaRPr lang="en-US"/>
+          </a:p>
+        </p:txBody>
+      </p:sp>
+      <p:sp>
+        <p:nvSpPr>
+          <p:cNvPr id="66" name="TextBox 65">
+            <a:extLst>
+              <a:ext uri="{FF2B5EF4-FFF2-40B4-BE49-F238E27FC236}">
+                <a16:creationId xmlns:a16="http://schemas.microsoft.com/office/drawing/2014/main" id="{AFCA11D4-CA72-7A4E-9EC8-2F7190E26C08}"/>
+              </a:ext>
+            </a:extLst>
+          </p:cNvPr>
+          <p:cNvSpPr txBox="1"/>
+          <p:nvPr/>
+        </p:nvSpPr>
+        <p:spPr>
+          <a:xfrm>
+            <a:off x="4659864" y="1931942"/>
+            <a:ext cx="154845" cy="138499"/>
+          </a:xfrm>
+          <a:prstGeom prst="rect">
+            <a:avLst/>
+          </a:prstGeom>
+          <a:noFill/>
+          <a:ln>
+            <a:noFill/>
+          </a:ln>
+        </p:spPr>
+        <p:txBody>
+          <a:bodyPr wrap="square" lIns="0" tIns="0" rIns="0" bIns="0" rtlCol="0">
+            <a:spAutoFit/>
+          </a:bodyPr>
+          <a:lstStyle/>
+          <a:p>
+            <a:r>
+              <a:rPr lang="en-US" sz="900" dirty="0"/>
+              <a:t>g</a:t>
+            </a:r>
+            <a:r>
+              <a:rPr lang="en-US" sz="900" baseline="-25000" dirty="0"/>
+              <a:t>2</a:t>
+            </a:r>
+          </a:p>
+        </p:txBody>
+      </p:sp>
+      <p:sp>
+        <p:nvSpPr>
+          <p:cNvPr id="67" name="Freeform 66">
+            <a:extLst>
+              <a:ext uri="{FF2B5EF4-FFF2-40B4-BE49-F238E27FC236}">
+                <a16:creationId xmlns:a16="http://schemas.microsoft.com/office/drawing/2014/main" id="{E4127EA4-724D-E048-B277-3119A2536AF2}"/>
+              </a:ext>
+            </a:extLst>
+          </p:cNvPr>
+          <p:cNvSpPr/>
+          <p:nvPr/>
+        </p:nvSpPr>
+        <p:spPr>
+          <a:xfrm>
+            <a:off x="4871027" y="1132574"/>
+            <a:ext cx="188590" cy="369941"/>
+          </a:xfrm>
+          <a:custGeom>
+            <a:avLst/>
+            <a:gdLst>
+              <a:gd name="connsiteX0" fmla="*/ 0 w 147545"/>
+              <a:gd name="connsiteY0" fmla="*/ 0 h 212781"/>
+              <a:gd name="connsiteX1" fmla="*/ 146050 w 147545"/>
+              <a:gd name="connsiteY1" fmla="*/ 200025 h 212781"/>
+              <a:gd name="connsiteX2" fmla="*/ 79375 w 147545"/>
+              <a:gd name="connsiteY2" fmla="*/ 203200 h 212781"/>
+              <a:gd name="connsiteX0" fmla="*/ 0 w 153794"/>
+              <a:gd name="connsiteY0" fmla="*/ 0 h 203200"/>
+              <a:gd name="connsiteX1" fmla="*/ 152400 w 153794"/>
+              <a:gd name="connsiteY1" fmla="*/ 66675 h 203200"/>
+              <a:gd name="connsiteX2" fmla="*/ 79375 w 153794"/>
+              <a:gd name="connsiteY2" fmla="*/ 203200 h 203200"/>
+              <a:gd name="connsiteX0" fmla="*/ 0 w 79375"/>
+              <a:gd name="connsiteY0" fmla="*/ 0 h 203200"/>
+              <a:gd name="connsiteX1" fmla="*/ 79375 w 79375"/>
+              <a:gd name="connsiteY1" fmla="*/ 203200 h 203200"/>
+              <a:gd name="connsiteX0" fmla="*/ 0 w 142919"/>
+              <a:gd name="connsiteY0" fmla="*/ 0 h 203200"/>
+              <a:gd name="connsiteX1" fmla="*/ 79375 w 142919"/>
+              <a:gd name="connsiteY1" fmla="*/ 203200 h 203200"/>
+              <a:gd name="connsiteX0" fmla="*/ 0 w 186211"/>
+              <a:gd name="connsiteY0" fmla="*/ 0 h 203200"/>
+              <a:gd name="connsiteX1" fmla="*/ 79375 w 186211"/>
+              <a:gd name="connsiteY1" fmla="*/ 203200 h 203200"/>
+              <a:gd name="connsiteX0" fmla="*/ 0 w 125812"/>
+              <a:gd name="connsiteY0" fmla="*/ 0 h 203200"/>
+              <a:gd name="connsiteX1" fmla="*/ 79375 w 125812"/>
+              <a:gd name="connsiteY1" fmla="*/ 203200 h 203200"/>
+              <a:gd name="connsiteX0" fmla="*/ 0 w 122234"/>
+              <a:gd name="connsiteY0" fmla="*/ 1233 h 204433"/>
+              <a:gd name="connsiteX1" fmla="*/ 79375 w 122234"/>
+              <a:gd name="connsiteY1" fmla="*/ 204433 h 204433"/>
+              <a:gd name="connsiteX0" fmla="*/ 0 w 148382"/>
+              <a:gd name="connsiteY0" fmla="*/ 1233 h 204433"/>
+              <a:gd name="connsiteX1" fmla="*/ 111125 w 148382"/>
+              <a:gd name="connsiteY1" fmla="*/ 204433 h 204433"/>
+              <a:gd name="connsiteX0" fmla="*/ 0 w 354546"/>
+              <a:gd name="connsiteY0" fmla="*/ 772 h 284406"/>
+              <a:gd name="connsiteX1" fmla="*/ 335492 w 354546"/>
+              <a:gd name="connsiteY1" fmla="*/ 284406 h 284406"/>
+              <a:gd name="connsiteX0" fmla="*/ 0 w 335731"/>
+              <a:gd name="connsiteY0" fmla="*/ 1961 h 285595"/>
+              <a:gd name="connsiteX1" fmla="*/ 335492 w 335731"/>
+              <a:gd name="connsiteY1" fmla="*/ 285595 h 285595"/>
+              <a:gd name="connsiteX0" fmla="*/ 0 w 336219"/>
+              <a:gd name="connsiteY0" fmla="*/ 60 h 283694"/>
+              <a:gd name="connsiteX1" fmla="*/ 335492 w 336219"/>
+              <a:gd name="connsiteY1" fmla="*/ 283694 h 283694"/>
+              <a:gd name="connsiteX0" fmla="*/ 0 w 335839"/>
+              <a:gd name="connsiteY0" fmla="*/ 0 h 283634"/>
+              <a:gd name="connsiteX1" fmla="*/ 335492 w 335839"/>
+              <a:gd name="connsiteY1" fmla="*/ 283634 h 283634"/>
+              <a:gd name="connsiteX0" fmla="*/ 0 w 335492"/>
+              <a:gd name="connsiteY0" fmla="*/ 0 h 283634"/>
+              <a:gd name="connsiteX1" fmla="*/ 335492 w 335492"/>
+              <a:gd name="connsiteY1" fmla="*/ 283634 h 283634"/>
+              <a:gd name="connsiteX0" fmla="*/ 0 w 113242"/>
+              <a:gd name="connsiteY0" fmla="*/ 23817 h 101076"/>
+              <a:gd name="connsiteX1" fmla="*/ 113242 w 113242"/>
+              <a:gd name="connsiteY1" fmla="*/ 101076 h 101076"/>
+              <a:gd name="connsiteX0" fmla="*/ 0 w 131430"/>
+              <a:gd name="connsiteY0" fmla="*/ 0 h 77259"/>
+              <a:gd name="connsiteX1" fmla="*/ 113242 w 131430"/>
+              <a:gd name="connsiteY1" fmla="*/ 77259 h 77259"/>
+              <a:gd name="connsiteX0" fmla="*/ 0 w 88086"/>
+              <a:gd name="connsiteY0" fmla="*/ 0 h 96309"/>
+              <a:gd name="connsiteX1" fmla="*/ 33867 w 88086"/>
+              <a:gd name="connsiteY1" fmla="*/ 96309 h 96309"/>
+              <a:gd name="connsiteX0" fmla="*/ 0 w 51968"/>
+              <a:gd name="connsiteY0" fmla="*/ 0 h 96309"/>
+              <a:gd name="connsiteX1" fmla="*/ 33867 w 51968"/>
+              <a:gd name="connsiteY1" fmla="*/ 96309 h 96309"/>
+              <a:gd name="connsiteX0" fmla="*/ 0 w 65690"/>
+              <a:gd name="connsiteY0" fmla="*/ 0 h 93134"/>
+              <a:gd name="connsiteX1" fmla="*/ 52917 w 65690"/>
+              <a:gd name="connsiteY1" fmla="*/ 93134 h 93134"/>
+              <a:gd name="connsiteX0" fmla="*/ 0 w 171150"/>
+              <a:gd name="connsiteY0" fmla="*/ 0 h 229659"/>
+              <a:gd name="connsiteX1" fmla="*/ 167217 w 171150"/>
+              <a:gd name="connsiteY1" fmla="*/ 229659 h 229659"/>
+              <a:gd name="connsiteX0" fmla="*/ 0 w 172717"/>
+              <a:gd name="connsiteY0" fmla="*/ 0 h 229659"/>
+              <a:gd name="connsiteX1" fmla="*/ 167217 w 172717"/>
+              <a:gd name="connsiteY1" fmla="*/ 229659 h 229659"/>
+              <a:gd name="connsiteX0" fmla="*/ 0 w 178939"/>
+              <a:gd name="connsiteY0" fmla="*/ 0 h 229659"/>
+              <a:gd name="connsiteX1" fmla="*/ 167217 w 178939"/>
+              <a:gd name="connsiteY1" fmla="*/ 229659 h 229659"/>
+              <a:gd name="connsiteX0" fmla="*/ 0 w 248138"/>
+              <a:gd name="connsiteY0" fmla="*/ 0 h 432859"/>
+              <a:gd name="connsiteX1" fmla="*/ 240242 w 248138"/>
+              <a:gd name="connsiteY1" fmla="*/ 432859 h 432859"/>
+              <a:gd name="connsiteX0" fmla="*/ 0 w 265317"/>
+              <a:gd name="connsiteY0" fmla="*/ 0 h 432859"/>
+              <a:gd name="connsiteX1" fmla="*/ 240242 w 265317"/>
+              <a:gd name="connsiteY1" fmla="*/ 432859 h 432859"/>
+              <a:gd name="connsiteX0" fmla="*/ 0 w 274098"/>
+              <a:gd name="connsiteY0" fmla="*/ 0 h 432859"/>
+              <a:gd name="connsiteX1" fmla="*/ 240242 w 274098"/>
+              <a:gd name="connsiteY1" fmla="*/ 432859 h 432859"/>
+              <a:gd name="connsiteX0" fmla="*/ 0 w 205687"/>
+              <a:gd name="connsiteY0" fmla="*/ 0 h 382525"/>
+              <a:gd name="connsiteX1" fmla="*/ 156353 w 205687"/>
+              <a:gd name="connsiteY1" fmla="*/ 382525 h 382525"/>
+              <a:gd name="connsiteX0" fmla="*/ 0 w 205687"/>
+              <a:gd name="connsiteY0" fmla="*/ 0 h 357358"/>
+              <a:gd name="connsiteX1" fmla="*/ 156353 w 205687"/>
+              <a:gd name="connsiteY1" fmla="*/ 357358 h 357358"/>
+              <a:gd name="connsiteX0" fmla="*/ 0 w 201431"/>
+              <a:gd name="connsiteY0" fmla="*/ 0 h 357358"/>
+              <a:gd name="connsiteX1" fmla="*/ 156353 w 201431"/>
+              <a:gd name="connsiteY1" fmla="*/ 357358 h 357358"/>
+              <a:gd name="connsiteX0" fmla="*/ 0 w 185462"/>
+              <a:gd name="connsiteY0" fmla="*/ 0 h 378330"/>
+              <a:gd name="connsiteX1" fmla="*/ 135381 w 185462"/>
+              <a:gd name="connsiteY1" fmla="*/ 378330 h 378330"/>
+              <a:gd name="connsiteX0" fmla="*/ 0 w 188590"/>
+              <a:gd name="connsiteY0" fmla="*/ 0 h 369941"/>
+              <a:gd name="connsiteX1" fmla="*/ 139576 w 188590"/>
+              <a:gd name="connsiteY1" fmla="*/ 369941 h 369941"/>
+            </a:gdLst>
+            <a:ahLst/>
+            <a:cxnLst>
+              <a:cxn ang="0">
+                <a:pos x="connsiteX0" y="connsiteY0"/>
+              </a:cxn>
+              <a:cxn ang="0">
+                <a:pos x="connsiteX1" y="connsiteY1"/>
+              </a:cxn>
+            </a:cxnLst>
+            <a:rect l="l" t="t" r="r" b="b"/>
+            <a:pathLst>
+              <a:path w="188590" h="369941">
+                <a:moveTo>
+                  <a:pt x="0" y="0"/>
+                </a:moveTo>
+                <a:cubicBezTo>
+                  <a:pt x="180112" y="45547"/>
+                  <a:pt x="241176" y="230241"/>
+                  <a:pt x="139576" y="369941"/>
+                </a:cubicBezTo>
+              </a:path>
+            </a:pathLst>
+          </a:custGeom>
+          <a:noFill/>
+          <a:ln>
+            <a:solidFill>
+              <a:schemeClr val="tx1"/>
+            </a:solidFill>
+            <a:headEnd type="triangle" w="med" len="med"/>
+            <a:tailEnd type="none" w="sm" len="med"/>
+          </a:ln>
+        </p:spPr>
+        <p:style>
+          <a:lnRef idx="2">
+            <a:schemeClr val="accent1">
+              <a:shade val="50000"/>
+            </a:schemeClr>
+          </a:lnRef>
+          <a:fillRef idx="1">
+            <a:schemeClr val="accent1"/>
+          </a:fillRef>
+          <a:effectRef idx="0">
+            <a:schemeClr val="accent1"/>
+          </a:effectRef>
+          <a:fontRef idx="minor">
+            <a:schemeClr val="lt1"/>
+          </a:fontRef>
+        </p:style>
+        <p:txBody>
+          <a:bodyPr rtlCol="0" anchor="ctr"/>
+          <a:lstStyle/>
+          <a:p>
+            <a:pPr algn="ctr"/>
+            <a:endParaRPr lang="en-US"/>
+          </a:p>
+        </p:txBody>
+      </p:sp>
+      <p:sp>
+        <p:nvSpPr>
+          <p:cNvPr id="68" name="TextBox 67">
+            <a:extLst>
+              <a:ext uri="{FF2B5EF4-FFF2-40B4-BE49-F238E27FC236}">
+                <a16:creationId xmlns:a16="http://schemas.microsoft.com/office/drawing/2014/main" id="{F91A86AF-7EB7-9C4C-8398-67DBD4B79590}"/>
+              </a:ext>
+            </a:extLst>
+          </p:cNvPr>
+          <p:cNvSpPr txBox="1"/>
+          <p:nvPr/>
+        </p:nvSpPr>
+        <p:spPr>
+          <a:xfrm>
+            <a:off x="4716182" y="2315316"/>
+            <a:ext cx="154845" cy="138499"/>
+          </a:xfrm>
+          <a:prstGeom prst="rect">
+            <a:avLst/>
+          </a:prstGeom>
+          <a:noFill/>
+          <a:ln>
+            <a:noFill/>
+          </a:ln>
+        </p:spPr>
+        <p:txBody>
+          <a:bodyPr wrap="square" lIns="0" tIns="0" rIns="0" bIns="0" rtlCol="0">
+            <a:spAutoFit/>
+          </a:bodyPr>
+          <a:lstStyle/>
+          <a:p>
+            <a:r>
+              <a:rPr lang="en-US" sz="900" dirty="0"/>
+              <a:t>θ</a:t>
+            </a:r>
+            <a:r>
+              <a:rPr lang="en-US" sz="900" baseline="-25000" dirty="0"/>
+              <a:t>2</a:t>
+            </a:r>
+          </a:p>
+        </p:txBody>
+      </p:sp>
+      <p:sp>
+        <p:nvSpPr>
+          <p:cNvPr id="71" name="Freeform 70">
+            <a:extLst>
+              <a:ext uri="{FF2B5EF4-FFF2-40B4-BE49-F238E27FC236}">
+                <a16:creationId xmlns:a16="http://schemas.microsoft.com/office/drawing/2014/main" id="{0984C2DF-436C-BE4B-A186-332CAFF2CA4E}"/>
+              </a:ext>
+            </a:extLst>
+          </p:cNvPr>
+          <p:cNvSpPr/>
+          <p:nvPr/>
+        </p:nvSpPr>
+        <p:spPr>
+          <a:xfrm>
+            <a:off x="4675183" y="1578878"/>
+            <a:ext cx="281670" cy="89471"/>
+          </a:xfrm>
+          <a:custGeom>
+            <a:avLst/>
+            <a:gdLst>
+              <a:gd name="connsiteX0" fmla="*/ 0 w 147545"/>
+              <a:gd name="connsiteY0" fmla="*/ 0 h 212781"/>
+              <a:gd name="connsiteX1" fmla="*/ 146050 w 147545"/>
+              <a:gd name="connsiteY1" fmla="*/ 200025 h 212781"/>
+              <a:gd name="connsiteX2" fmla="*/ 79375 w 147545"/>
+              <a:gd name="connsiteY2" fmla="*/ 203200 h 212781"/>
+              <a:gd name="connsiteX0" fmla="*/ 0 w 153794"/>
+              <a:gd name="connsiteY0" fmla="*/ 0 h 203200"/>
+              <a:gd name="connsiteX1" fmla="*/ 152400 w 153794"/>
+              <a:gd name="connsiteY1" fmla="*/ 66675 h 203200"/>
+              <a:gd name="connsiteX2" fmla="*/ 79375 w 153794"/>
+              <a:gd name="connsiteY2" fmla="*/ 203200 h 203200"/>
+              <a:gd name="connsiteX0" fmla="*/ 0 w 79375"/>
+              <a:gd name="connsiteY0" fmla="*/ 0 h 203200"/>
+              <a:gd name="connsiteX1" fmla="*/ 79375 w 79375"/>
+              <a:gd name="connsiteY1" fmla="*/ 203200 h 203200"/>
+              <a:gd name="connsiteX0" fmla="*/ 0 w 142919"/>
+              <a:gd name="connsiteY0" fmla="*/ 0 h 203200"/>
+              <a:gd name="connsiteX1" fmla="*/ 79375 w 142919"/>
+              <a:gd name="connsiteY1" fmla="*/ 203200 h 203200"/>
+              <a:gd name="connsiteX0" fmla="*/ 0 w 186211"/>
+              <a:gd name="connsiteY0" fmla="*/ 0 h 203200"/>
+              <a:gd name="connsiteX1" fmla="*/ 79375 w 186211"/>
+              <a:gd name="connsiteY1" fmla="*/ 203200 h 203200"/>
+              <a:gd name="connsiteX0" fmla="*/ 0 w 125812"/>
+              <a:gd name="connsiteY0" fmla="*/ 0 h 203200"/>
+              <a:gd name="connsiteX1" fmla="*/ 79375 w 125812"/>
+              <a:gd name="connsiteY1" fmla="*/ 203200 h 203200"/>
+              <a:gd name="connsiteX0" fmla="*/ 0 w 122234"/>
+              <a:gd name="connsiteY0" fmla="*/ 1233 h 204433"/>
+              <a:gd name="connsiteX1" fmla="*/ 79375 w 122234"/>
+              <a:gd name="connsiteY1" fmla="*/ 204433 h 204433"/>
+              <a:gd name="connsiteX0" fmla="*/ 0 w 148382"/>
+              <a:gd name="connsiteY0" fmla="*/ 1233 h 204433"/>
+              <a:gd name="connsiteX1" fmla="*/ 111125 w 148382"/>
+              <a:gd name="connsiteY1" fmla="*/ 204433 h 204433"/>
+              <a:gd name="connsiteX0" fmla="*/ 0 w 354546"/>
+              <a:gd name="connsiteY0" fmla="*/ 772 h 284406"/>
+              <a:gd name="connsiteX1" fmla="*/ 335492 w 354546"/>
+              <a:gd name="connsiteY1" fmla="*/ 284406 h 284406"/>
+              <a:gd name="connsiteX0" fmla="*/ 0 w 335731"/>
+              <a:gd name="connsiteY0" fmla="*/ 1961 h 285595"/>
+              <a:gd name="connsiteX1" fmla="*/ 335492 w 335731"/>
+              <a:gd name="connsiteY1" fmla="*/ 285595 h 285595"/>
+              <a:gd name="connsiteX0" fmla="*/ 0 w 336219"/>
+              <a:gd name="connsiteY0" fmla="*/ 60 h 283694"/>
+              <a:gd name="connsiteX1" fmla="*/ 335492 w 336219"/>
+              <a:gd name="connsiteY1" fmla="*/ 283694 h 283694"/>
+              <a:gd name="connsiteX0" fmla="*/ 0 w 335839"/>
+              <a:gd name="connsiteY0" fmla="*/ 0 h 283634"/>
+              <a:gd name="connsiteX1" fmla="*/ 335492 w 335839"/>
+              <a:gd name="connsiteY1" fmla="*/ 283634 h 283634"/>
+              <a:gd name="connsiteX0" fmla="*/ 0 w 335492"/>
+              <a:gd name="connsiteY0" fmla="*/ 0 h 283634"/>
+              <a:gd name="connsiteX1" fmla="*/ 335492 w 335492"/>
+              <a:gd name="connsiteY1" fmla="*/ 283634 h 283634"/>
+              <a:gd name="connsiteX0" fmla="*/ 0 w 113242"/>
+              <a:gd name="connsiteY0" fmla="*/ 23817 h 101076"/>
+              <a:gd name="connsiteX1" fmla="*/ 113242 w 113242"/>
+              <a:gd name="connsiteY1" fmla="*/ 101076 h 101076"/>
+              <a:gd name="connsiteX0" fmla="*/ 0 w 131430"/>
+              <a:gd name="connsiteY0" fmla="*/ 0 h 77259"/>
+              <a:gd name="connsiteX1" fmla="*/ 113242 w 131430"/>
+              <a:gd name="connsiteY1" fmla="*/ 77259 h 77259"/>
+              <a:gd name="connsiteX0" fmla="*/ 0 w 88086"/>
+              <a:gd name="connsiteY0" fmla="*/ 0 h 96309"/>
+              <a:gd name="connsiteX1" fmla="*/ 33867 w 88086"/>
+              <a:gd name="connsiteY1" fmla="*/ 96309 h 96309"/>
+              <a:gd name="connsiteX0" fmla="*/ 0 w 51968"/>
+              <a:gd name="connsiteY0" fmla="*/ 0 h 96309"/>
+              <a:gd name="connsiteX1" fmla="*/ 33867 w 51968"/>
+              <a:gd name="connsiteY1" fmla="*/ 96309 h 96309"/>
+              <a:gd name="connsiteX0" fmla="*/ 0 w 65690"/>
+              <a:gd name="connsiteY0" fmla="*/ 0 h 93134"/>
+              <a:gd name="connsiteX1" fmla="*/ 52917 w 65690"/>
+              <a:gd name="connsiteY1" fmla="*/ 93134 h 93134"/>
+              <a:gd name="connsiteX0" fmla="*/ 0 w 171150"/>
+              <a:gd name="connsiteY0" fmla="*/ 0 h 229659"/>
+              <a:gd name="connsiteX1" fmla="*/ 167217 w 171150"/>
+              <a:gd name="connsiteY1" fmla="*/ 229659 h 229659"/>
+              <a:gd name="connsiteX0" fmla="*/ 0 w 172717"/>
+              <a:gd name="connsiteY0" fmla="*/ 0 h 229659"/>
+              <a:gd name="connsiteX1" fmla="*/ 167217 w 172717"/>
+              <a:gd name="connsiteY1" fmla="*/ 229659 h 229659"/>
+              <a:gd name="connsiteX0" fmla="*/ 0 w 178939"/>
+              <a:gd name="connsiteY0" fmla="*/ 0 h 229659"/>
+              <a:gd name="connsiteX1" fmla="*/ 167217 w 178939"/>
+              <a:gd name="connsiteY1" fmla="*/ 229659 h 229659"/>
+              <a:gd name="connsiteX0" fmla="*/ 0 w 248138"/>
+              <a:gd name="connsiteY0" fmla="*/ 0 h 432859"/>
+              <a:gd name="connsiteX1" fmla="*/ 240242 w 248138"/>
+              <a:gd name="connsiteY1" fmla="*/ 432859 h 432859"/>
+              <a:gd name="connsiteX0" fmla="*/ 0 w 265317"/>
+              <a:gd name="connsiteY0" fmla="*/ 0 h 432859"/>
+              <a:gd name="connsiteX1" fmla="*/ 240242 w 265317"/>
+              <a:gd name="connsiteY1" fmla="*/ 432859 h 432859"/>
+              <a:gd name="connsiteX0" fmla="*/ 0 w 274098"/>
+              <a:gd name="connsiteY0" fmla="*/ 0 h 432859"/>
+              <a:gd name="connsiteX1" fmla="*/ 240242 w 274098"/>
+              <a:gd name="connsiteY1" fmla="*/ 432859 h 432859"/>
+              <a:gd name="connsiteX0" fmla="*/ 11043 w 123323"/>
+              <a:gd name="connsiteY0" fmla="*/ 0 h 513131"/>
+              <a:gd name="connsiteX1" fmla="*/ 0 w 123323"/>
+              <a:gd name="connsiteY1" fmla="*/ 513131 h 513131"/>
+              <a:gd name="connsiteX0" fmla="*/ 349581 w 400790"/>
+              <a:gd name="connsiteY0" fmla="*/ 0 h 115262"/>
+              <a:gd name="connsiteX1" fmla="*/ 0 w 400790"/>
+              <a:gd name="connsiteY1" fmla="*/ 115262 h 115262"/>
+              <a:gd name="connsiteX0" fmla="*/ 349581 w 398662"/>
+              <a:gd name="connsiteY0" fmla="*/ 0 h 117610"/>
+              <a:gd name="connsiteX1" fmla="*/ 0 w 398662"/>
+              <a:gd name="connsiteY1" fmla="*/ 115262 h 117610"/>
+              <a:gd name="connsiteX0" fmla="*/ 300720 w 353952"/>
+              <a:gd name="connsiteY0" fmla="*/ 0 h 141571"/>
+              <a:gd name="connsiteX1" fmla="*/ 0 w 353952"/>
+              <a:gd name="connsiteY1" fmla="*/ 139693 h 141571"/>
+              <a:gd name="connsiteX0" fmla="*/ 300720 w 300735"/>
+              <a:gd name="connsiteY0" fmla="*/ 0 h 144411"/>
+              <a:gd name="connsiteX1" fmla="*/ 0 w 300735"/>
+              <a:gd name="connsiteY1" fmla="*/ 139693 h 144411"/>
+              <a:gd name="connsiteX0" fmla="*/ 275320 w 275336"/>
+              <a:gd name="connsiteY0" fmla="*/ 0 h 83835"/>
+              <a:gd name="connsiteX1" fmla="*/ 0 w 275336"/>
+              <a:gd name="connsiteY1" fmla="*/ 57143 h 83835"/>
+              <a:gd name="connsiteX0" fmla="*/ 275320 w 275320"/>
+              <a:gd name="connsiteY0" fmla="*/ 0 h 68435"/>
+              <a:gd name="connsiteX1" fmla="*/ 0 w 275320"/>
+              <a:gd name="connsiteY1" fmla="*/ 57143 h 68435"/>
+              <a:gd name="connsiteX0" fmla="*/ 281670 w 281670"/>
+              <a:gd name="connsiteY0" fmla="*/ 0 h 80567"/>
+              <a:gd name="connsiteX1" fmla="*/ 0 w 281670"/>
+              <a:gd name="connsiteY1" fmla="*/ 73018 h 80567"/>
+              <a:gd name="connsiteX0" fmla="*/ 281670 w 281670"/>
+              <a:gd name="connsiteY0" fmla="*/ 0 h 81098"/>
+              <a:gd name="connsiteX1" fmla="*/ 0 w 281670"/>
+              <a:gd name="connsiteY1" fmla="*/ 73018 h 81098"/>
+              <a:gd name="connsiteX0" fmla="*/ 281670 w 281670"/>
+              <a:gd name="connsiteY0" fmla="*/ 0 h 89471"/>
+              <a:gd name="connsiteX1" fmla="*/ 0 w 281670"/>
+              <a:gd name="connsiteY1" fmla="*/ 73018 h 89471"/>
+            </a:gdLst>
+            <a:ahLst/>
+            <a:cxnLst>
+              <a:cxn ang="0">
+                <a:pos x="connsiteX0" y="connsiteY0"/>
+              </a:cxn>
+              <a:cxn ang="0">
+                <a:pos x="connsiteX1" y="connsiteY1"/>
+              </a:cxn>
+            </a:cxnLst>
+            <a:rect l="l" t="t" r="r" b="b"/>
+            <a:pathLst>
+              <a:path w="281670" h="89471">
+                <a:moveTo>
+                  <a:pt x="281670" y="0"/>
+                </a:moveTo>
+                <a:cubicBezTo>
+                  <a:pt x="239370" y="85563"/>
+                  <a:pt x="80029" y="109422"/>
+                  <a:pt x="0" y="73018"/>
+                </a:cubicBezTo>
+              </a:path>
+            </a:pathLst>
+          </a:custGeom>
+          <a:noFill/>
+          <a:ln>
+            <a:solidFill>
+              <a:schemeClr val="tx1"/>
+            </a:solidFill>
+            <a:headEnd type="triangle" w="med" len="med"/>
+            <a:tailEnd type="none" w="sm" len="med"/>
+          </a:ln>
+        </p:spPr>
+        <p:style>
+          <a:lnRef idx="2">
+            <a:schemeClr val="accent1">
+              <a:shade val="50000"/>
+            </a:schemeClr>
+          </a:lnRef>
+          <a:fillRef idx="1">
+            <a:schemeClr val="accent1"/>
+          </a:fillRef>
+          <a:effectRef idx="0">
+            <a:schemeClr val="accent1"/>
+          </a:effectRef>
+          <a:fontRef idx="minor">
+            <a:schemeClr val="lt1"/>
+          </a:fontRef>
+        </p:style>
+        <p:txBody>
+          <a:bodyPr rtlCol="0" anchor="ctr"/>
+          <a:lstStyle/>
+          <a:p>
+            <a:pPr algn="ctr"/>
+            <a:endParaRPr lang="en-US"/>
+          </a:p>
+        </p:txBody>
+      </p:sp>
+      <p:sp>
+        <p:nvSpPr>
+          <p:cNvPr id="74" name="Freeform 73">
+            <a:extLst>
+              <a:ext uri="{FF2B5EF4-FFF2-40B4-BE49-F238E27FC236}">
+                <a16:creationId xmlns:a16="http://schemas.microsoft.com/office/drawing/2014/main" id="{A11F7750-B990-E044-A3B6-E1F9728CC996}"/>
+              </a:ext>
+            </a:extLst>
+          </p:cNvPr>
+          <p:cNvSpPr/>
+          <p:nvPr/>
+        </p:nvSpPr>
+        <p:spPr>
+          <a:xfrm>
+            <a:off x="5092428" y="1588298"/>
+            <a:ext cx="96060" cy="85521"/>
+          </a:xfrm>
+          <a:custGeom>
+            <a:avLst/>
+            <a:gdLst>
+              <a:gd name="connsiteX0" fmla="*/ 0 w 147545"/>
+              <a:gd name="connsiteY0" fmla="*/ 0 h 212781"/>
+              <a:gd name="connsiteX1" fmla="*/ 146050 w 147545"/>
+              <a:gd name="connsiteY1" fmla="*/ 200025 h 212781"/>
+              <a:gd name="connsiteX2" fmla="*/ 79375 w 147545"/>
+              <a:gd name="connsiteY2" fmla="*/ 203200 h 212781"/>
+              <a:gd name="connsiteX0" fmla="*/ 0 w 153794"/>
+              <a:gd name="connsiteY0" fmla="*/ 0 h 203200"/>
+              <a:gd name="connsiteX1" fmla="*/ 152400 w 153794"/>
+              <a:gd name="connsiteY1" fmla="*/ 66675 h 203200"/>
+              <a:gd name="connsiteX2" fmla="*/ 79375 w 153794"/>
+              <a:gd name="connsiteY2" fmla="*/ 203200 h 203200"/>
+              <a:gd name="connsiteX0" fmla="*/ 0 w 79375"/>
+              <a:gd name="connsiteY0" fmla="*/ 0 h 203200"/>
+              <a:gd name="connsiteX1" fmla="*/ 79375 w 79375"/>
+              <a:gd name="connsiteY1" fmla="*/ 203200 h 203200"/>
+              <a:gd name="connsiteX0" fmla="*/ 0 w 142919"/>
+              <a:gd name="connsiteY0" fmla="*/ 0 h 203200"/>
+              <a:gd name="connsiteX1" fmla="*/ 79375 w 142919"/>
+              <a:gd name="connsiteY1" fmla="*/ 203200 h 203200"/>
+              <a:gd name="connsiteX0" fmla="*/ 0 w 186211"/>
+              <a:gd name="connsiteY0" fmla="*/ 0 h 203200"/>
+              <a:gd name="connsiteX1" fmla="*/ 79375 w 186211"/>
+              <a:gd name="connsiteY1" fmla="*/ 203200 h 203200"/>
+              <a:gd name="connsiteX0" fmla="*/ 0 w 125812"/>
+              <a:gd name="connsiteY0" fmla="*/ 0 h 203200"/>
+              <a:gd name="connsiteX1" fmla="*/ 79375 w 125812"/>
+              <a:gd name="connsiteY1" fmla="*/ 203200 h 203200"/>
+              <a:gd name="connsiteX0" fmla="*/ 0 w 122234"/>
+              <a:gd name="connsiteY0" fmla="*/ 1233 h 204433"/>
+              <a:gd name="connsiteX1" fmla="*/ 79375 w 122234"/>
+              <a:gd name="connsiteY1" fmla="*/ 204433 h 204433"/>
+              <a:gd name="connsiteX0" fmla="*/ 0 w 148382"/>
+              <a:gd name="connsiteY0" fmla="*/ 1233 h 204433"/>
+              <a:gd name="connsiteX1" fmla="*/ 111125 w 148382"/>
+              <a:gd name="connsiteY1" fmla="*/ 204433 h 204433"/>
+              <a:gd name="connsiteX0" fmla="*/ 0 w 354546"/>
+              <a:gd name="connsiteY0" fmla="*/ 772 h 284406"/>
+              <a:gd name="connsiteX1" fmla="*/ 335492 w 354546"/>
+              <a:gd name="connsiteY1" fmla="*/ 284406 h 284406"/>
+              <a:gd name="connsiteX0" fmla="*/ 0 w 335731"/>
+              <a:gd name="connsiteY0" fmla="*/ 1961 h 285595"/>
+              <a:gd name="connsiteX1" fmla="*/ 335492 w 335731"/>
+              <a:gd name="connsiteY1" fmla="*/ 285595 h 285595"/>
+              <a:gd name="connsiteX0" fmla="*/ 0 w 336219"/>
+              <a:gd name="connsiteY0" fmla="*/ 60 h 283694"/>
+              <a:gd name="connsiteX1" fmla="*/ 335492 w 336219"/>
+              <a:gd name="connsiteY1" fmla="*/ 283694 h 283694"/>
+              <a:gd name="connsiteX0" fmla="*/ 0 w 335839"/>
+              <a:gd name="connsiteY0" fmla="*/ 0 h 283634"/>
+              <a:gd name="connsiteX1" fmla="*/ 335492 w 335839"/>
+              <a:gd name="connsiteY1" fmla="*/ 283634 h 283634"/>
+              <a:gd name="connsiteX0" fmla="*/ 0 w 335492"/>
+              <a:gd name="connsiteY0" fmla="*/ 0 h 283634"/>
+              <a:gd name="connsiteX1" fmla="*/ 335492 w 335492"/>
+              <a:gd name="connsiteY1" fmla="*/ 283634 h 283634"/>
+              <a:gd name="connsiteX0" fmla="*/ 0 w 113242"/>
+              <a:gd name="connsiteY0" fmla="*/ 23817 h 101076"/>
+              <a:gd name="connsiteX1" fmla="*/ 113242 w 113242"/>
+              <a:gd name="connsiteY1" fmla="*/ 101076 h 101076"/>
+              <a:gd name="connsiteX0" fmla="*/ 0 w 131430"/>
+              <a:gd name="connsiteY0" fmla="*/ 0 h 77259"/>
+              <a:gd name="connsiteX1" fmla="*/ 113242 w 131430"/>
+              <a:gd name="connsiteY1" fmla="*/ 77259 h 77259"/>
+              <a:gd name="connsiteX0" fmla="*/ 0 w 88086"/>
+              <a:gd name="connsiteY0" fmla="*/ 0 h 96309"/>
+              <a:gd name="connsiteX1" fmla="*/ 33867 w 88086"/>
+              <a:gd name="connsiteY1" fmla="*/ 96309 h 96309"/>
+              <a:gd name="connsiteX0" fmla="*/ 0 w 51968"/>
+              <a:gd name="connsiteY0" fmla="*/ 0 h 96309"/>
+              <a:gd name="connsiteX1" fmla="*/ 33867 w 51968"/>
+              <a:gd name="connsiteY1" fmla="*/ 96309 h 96309"/>
+              <a:gd name="connsiteX0" fmla="*/ 0 w 65690"/>
+              <a:gd name="connsiteY0" fmla="*/ 0 h 93134"/>
+              <a:gd name="connsiteX1" fmla="*/ 52917 w 65690"/>
+              <a:gd name="connsiteY1" fmla="*/ 93134 h 93134"/>
+              <a:gd name="connsiteX0" fmla="*/ 0 w 171150"/>
+              <a:gd name="connsiteY0" fmla="*/ 0 h 229659"/>
+              <a:gd name="connsiteX1" fmla="*/ 167217 w 171150"/>
+              <a:gd name="connsiteY1" fmla="*/ 229659 h 229659"/>
+              <a:gd name="connsiteX0" fmla="*/ 0 w 172717"/>
+              <a:gd name="connsiteY0" fmla="*/ 0 h 229659"/>
+              <a:gd name="connsiteX1" fmla="*/ 167217 w 172717"/>
+              <a:gd name="connsiteY1" fmla="*/ 229659 h 229659"/>
+              <a:gd name="connsiteX0" fmla="*/ 0 w 178939"/>
+              <a:gd name="connsiteY0" fmla="*/ 0 h 229659"/>
+              <a:gd name="connsiteX1" fmla="*/ 167217 w 178939"/>
+              <a:gd name="connsiteY1" fmla="*/ 229659 h 229659"/>
+              <a:gd name="connsiteX0" fmla="*/ 0 w 248138"/>
+              <a:gd name="connsiteY0" fmla="*/ 0 h 432859"/>
+              <a:gd name="connsiteX1" fmla="*/ 240242 w 248138"/>
+              <a:gd name="connsiteY1" fmla="*/ 432859 h 432859"/>
+              <a:gd name="connsiteX0" fmla="*/ 0 w 265317"/>
+              <a:gd name="connsiteY0" fmla="*/ 0 h 432859"/>
+              <a:gd name="connsiteX1" fmla="*/ 240242 w 265317"/>
+              <a:gd name="connsiteY1" fmla="*/ 432859 h 432859"/>
+              <a:gd name="connsiteX0" fmla="*/ 0 w 274098"/>
+              <a:gd name="connsiteY0" fmla="*/ 0 h 432859"/>
+              <a:gd name="connsiteX1" fmla="*/ 240242 w 274098"/>
+              <a:gd name="connsiteY1" fmla="*/ 432859 h 432859"/>
+              <a:gd name="connsiteX0" fmla="*/ 11043 w 123323"/>
+              <a:gd name="connsiteY0" fmla="*/ 0 h 513131"/>
+              <a:gd name="connsiteX1" fmla="*/ 0 w 123323"/>
+              <a:gd name="connsiteY1" fmla="*/ 513131 h 513131"/>
+              <a:gd name="connsiteX0" fmla="*/ 349581 w 400790"/>
+              <a:gd name="connsiteY0" fmla="*/ 0 h 115262"/>
+              <a:gd name="connsiteX1" fmla="*/ 0 w 400790"/>
+              <a:gd name="connsiteY1" fmla="*/ 115262 h 115262"/>
+              <a:gd name="connsiteX0" fmla="*/ 349581 w 398662"/>
+              <a:gd name="connsiteY0" fmla="*/ 0 h 117610"/>
+              <a:gd name="connsiteX1" fmla="*/ 0 w 398662"/>
+              <a:gd name="connsiteY1" fmla="*/ 115262 h 117610"/>
+              <a:gd name="connsiteX0" fmla="*/ 300720 w 353952"/>
+              <a:gd name="connsiteY0" fmla="*/ 0 h 141571"/>
+              <a:gd name="connsiteX1" fmla="*/ 0 w 353952"/>
+              <a:gd name="connsiteY1" fmla="*/ 139693 h 141571"/>
+              <a:gd name="connsiteX0" fmla="*/ 300720 w 300735"/>
+              <a:gd name="connsiteY0" fmla="*/ 0 h 144411"/>
+              <a:gd name="connsiteX1" fmla="*/ 0 w 300735"/>
+              <a:gd name="connsiteY1" fmla="*/ 139693 h 144411"/>
+              <a:gd name="connsiteX0" fmla="*/ 35474 w 46173"/>
+              <a:gd name="connsiteY0" fmla="*/ 0 h 94844"/>
+              <a:gd name="connsiteX1" fmla="*/ 0 w 46173"/>
+              <a:gd name="connsiteY1" fmla="*/ 76872 h 94844"/>
+              <a:gd name="connsiteX0" fmla="*/ 35474 w 48838"/>
+              <a:gd name="connsiteY0" fmla="*/ 0 h 80909"/>
+              <a:gd name="connsiteX1" fmla="*/ 0 w 48838"/>
+              <a:gd name="connsiteY1" fmla="*/ 76872 h 80909"/>
+              <a:gd name="connsiteX0" fmla="*/ 35474 w 35524"/>
+              <a:gd name="connsiteY0" fmla="*/ 0 h 89934"/>
+              <a:gd name="connsiteX1" fmla="*/ 9174 w 35524"/>
+              <a:gd name="connsiteY1" fmla="*/ 89934 h 89934"/>
+              <a:gd name="connsiteX2" fmla="*/ 0 w 35524"/>
+              <a:gd name="connsiteY2" fmla="*/ 76872 h 89934"/>
+              <a:gd name="connsiteX0" fmla="*/ 26379 w 33904"/>
+              <a:gd name="connsiteY0" fmla="*/ 0 h 114618"/>
+              <a:gd name="connsiteX1" fmla="*/ 79 w 33904"/>
+              <a:gd name="connsiteY1" fmla="*/ 89934 h 114618"/>
+              <a:gd name="connsiteX2" fmla="*/ 1375 w 33904"/>
+              <a:gd name="connsiteY2" fmla="*/ 111773 h 114618"/>
+              <a:gd name="connsiteX0" fmla="*/ 158938 w 158947"/>
+              <a:gd name="connsiteY0" fmla="*/ 0 h 320532"/>
+              <a:gd name="connsiteX1" fmla="*/ 15 w 158947"/>
+              <a:gd name="connsiteY1" fmla="*/ 295848 h 320532"/>
+              <a:gd name="connsiteX2" fmla="*/ 1311 w 158947"/>
+              <a:gd name="connsiteY2" fmla="*/ 317687 h 320532"/>
+              <a:gd name="connsiteX0" fmla="*/ 157627 w 157627"/>
+              <a:gd name="connsiteY0" fmla="*/ 0 h 317687"/>
+              <a:gd name="connsiteX1" fmla="*/ 0 w 157627"/>
+              <a:gd name="connsiteY1" fmla="*/ 317687 h 317687"/>
+              <a:gd name="connsiteX0" fmla="*/ 178567 w 178567"/>
+              <a:gd name="connsiteY0" fmla="*/ 0 h 300237"/>
+              <a:gd name="connsiteX1" fmla="*/ 0 w 178567"/>
+              <a:gd name="connsiteY1" fmla="*/ 300237 h 300237"/>
+              <a:gd name="connsiteX0" fmla="*/ 178567 w 178567"/>
+              <a:gd name="connsiteY0" fmla="*/ 0 h 303942"/>
+              <a:gd name="connsiteX1" fmla="*/ 0 w 178567"/>
+              <a:gd name="connsiteY1" fmla="*/ 300237 h 303942"/>
+              <a:gd name="connsiteX0" fmla="*/ 52924 w 52924"/>
+              <a:gd name="connsiteY0" fmla="*/ 0 h 103297"/>
+              <a:gd name="connsiteX1" fmla="*/ 0 w 52924"/>
+              <a:gd name="connsiteY1" fmla="*/ 87342 h 103297"/>
+              <a:gd name="connsiteX0" fmla="*/ 10722 w 86816"/>
+              <a:gd name="connsiteY0" fmla="*/ 0 h 108939"/>
+              <a:gd name="connsiteX1" fmla="*/ 55520 w 86816"/>
+              <a:gd name="connsiteY1" fmla="*/ 94323 h 108939"/>
+              <a:gd name="connsiteX0" fmla="*/ 10722 w 86816"/>
+              <a:gd name="connsiteY0" fmla="*/ 0 h 120706"/>
+              <a:gd name="connsiteX1" fmla="*/ 55520 w 86816"/>
+              <a:gd name="connsiteY1" fmla="*/ 108283 h 120706"/>
+              <a:gd name="connsiteX0" fmla="*/ 80845 w 80845"/>
+              <a:gd name="connsiteY0" fmla="*/ 0 h 136105"/>
+              <a:gd name="connsiteX1" fmla="*/ 0 w 80845"/>
+              <a:gd name="connsiteY1" fmla="*/ 125733 h 136105"/>
+              <a:gd name="connsiteX0" fmla="*/ 80845 w 121113"/>
+              <a:gd name="connsiteY0" fmla="*/ 0 h 135489"/>
+              <a:gd name="connsiteX1" fmla="*/ 0 w 121113"/>
+              <a:gd name="connsiteY1" fmla="*/ 125733 h 135489"/>
+              <a:gd name="connsiteX0" fmla="*/ 38964 w 92841"/>
+              <a:gd name="connsiteY0" fmla="*/ 0 h 113814"/>
+              <a:gd name="connsiteX1" fmla="*/ 0 w 92841"/>
+              <a:gd name="connsiteY1" fmla="*/ 101302 h 113814"/>
+              <a:gd name="connsiteX0" fmla="*/ 89764 w 127812"/>
+              <a:gd name="connsiteY0" fmla="*/ 0 h 190130"/>
+              <a:gd name="connsiteX1" fmla="*/ 0 w 127812"/>
+              <a:gd name="connsiteY1" fmla="*/ 183852 h 190130"/>
+              <a:gd name="connsiteX0" fmla="*/ 0 w 125169"/>
+              <a:gd name="connsiteY0" fmla="*/ 76498 h 108888"/>
+              <a:gd name="connsiteX1" fmla="*/ 78511 w 125169"/>
+              <a:gd name="connsiteY1" fmla="*/ 0 h 108888"/>
+              <a:gd name="connsiteX0" fmla="*/ 0 w 120539"/>
+              <a:gd name="connsiteY0" fmla="*/ 76498 h 83611"/>
+              <a:gd name="connsiteX1" fmla="*/ 78511 w 120539"/>
+              <a:gd name="connsiteY1" fmla="*/ 0 h 83611"/>
+              <a:gd name="connsiteX0" fmla="*/ 0 w 96060"/>
+              <a:gd name="connsiteY0" fmla="*/ 76498 h 85521"/>
+              <a:gd name="connsiteX1" fmla="*/ 78511 w 96060"/>
+              <a:gd name="connsiteY1" fmla="*/ 0 h 85521"/>
+            </a:gdLst>
+            <a:ahLst/>
+            <a:cxnLst>
+              <a:cxn ang="0">
+                <a:pos x="connsiteX0" y="connsiteY0"/>
+              </a:cxn>
+              <a:cxn ang="0">
+                <a:pos x="connsiteX1" y="connsiteY1"/>
+              </a:cxn>
+            </a:cxnLst>
+            <a:rect l="l" t="t" r="r" b="b"/>
+            <a:pathLst>
+              <a:path w="96060" h="85521">
+                <a:moveTo>
+                  <a:pt x="0" y="76498"/>
+                </a:moveTo>
+                <a:cubicBezTo>
+                  <a:pt x="58171" y="106097"/>
+                  <a:pt x="129744" y="58259"/>
+                  <a:pt x="78511" y="0"/>
+                </a:cubicBezTo>
+              </a:path>
+            </a:pathLst>
+          </a:custGeom>
+          <a:noFill/>
+          <a:ln>
+            <a:solidFill>
+              <a:schemeClr val="tx1"/>
+            </a:solidFill>
+            <a:headEnd type="triangle" w="med" len="med"/>
+            <a:tailEnd type="none" w="sm" len="med"/>
+          </a:ln>
+        </p:spPr>
+        <p:style>
+          <a:lnRef idx="2">
+            <a:schemeClr val="accent1">
+              <a:shade val="50000"/>
+            </a:schemeClr>
+          </a:lnRef>
+          <a:fillRef idx="1">
+            <a:schemeClr val="accent1"/>
+          </a:fillRef>
+          <a:effectRef idx="0">
+            <a:schemeClr val="accent1"/>
+          </a:effectRef>
+          <a:fontRef idx="minor">
+            <a:schemeClr val="lt1"/>
+          </a:fontRef>
+        </p:style>
+        <p:txBody>
+          <a:bodyPr rtlCol="0" anchor="ctr"/>
+          <a:lstStyle/>
+          <a:p>
+            <a:pPr algn="ctr"/>
+            <a:endParaRPr lang="en-US"/>
+          </a:p>
+        </p:txBody>
+      </p:sp>
+      <p:cxnSp>
+        <p:nvCxnSpPr>
+          <p:cNvPr id="78" name="Straight Connector 77">
+            <a:extLst>
+              <a:ext uri="{FF2B5EF4-FFF2-40B4-BE49-F238E27FC236}">
+                <a16:creationId xmlns:a16="http://schemas.microsoft.com/office/drawing/2014/main" id="{DC24F194-A13D-654F-B656-62B1CF5B80A2}"/>
+              </a:ext>
+            </a:extLst>
+          </p:cNvPr>
+          <p:cNvCxnSpPr>
+            <a:cxnSpLocks/>
+          </p:cNvCxnSpPr>
+          <p:nvPr/>
+        </p:nvCxnSpPr>
+        <p:spPr>
+          <a:xfrm flipH="1">
+            <a:off x="4329437" y="738231"/>
+            <a:ext cx="660803" cy="1859883"/>
+          </a:xfrm>
+          <a:prstGeom prst="line">
+            <a:avLst/>
+          </a:prstGeom>
+          <a:ln>
+            <a:prstDash val="sysDot"/>
+          </a:ln>
+        </p:spPr>
+        <p:style>
+          <a:lnRef idx="1">
+            <a:schemeClr val="accent4"/>
+          </a:lnRef>
+          <a:fillRef idx="0">
+            <a:schemeClr val="accent4"/>
+          </a:fillRef>
+          <a:effectRef idx="0">
+            <a:schemeClr val="accent4"/>
+          </a:effectRef>
+          <a:fontRef idx="minor">
+            <a:schemeClr val="tx1"/>
+          </a:fontRef>
+        </p:style>
+      </p:cxnSp>
+      <p:sp>
+        <p:nvSpPr>
+          <p:cNvPr id="81" name="TextBox 80">
+            <a:extLst>
+              <a:ext uri="{FF2B5EF4-FFF2-40B4-BE49-F238E27FC236}">
+                <a16:creationId xmlns:a16="http://schemas.microsoft.com/office/drawing/2014/main" id="{9FD8B8D1-B312-6849-A467-ED76AE39EBEB}"/>
+              </a:ext>
+            </a:extLst>
+          </p:cNvPr>
+          <p:cNvSpPr txBox="1"/>
+          <p:nvPr/>
+        </p:nvSpPr>
+        <p:spPr>
+          <a:xfrm>
+            <a:off x="5883900" y="1507314"/>
+            <a:ext cx="497809" cy="138499"/>
+          </a:xfrm>
+          <a:prstGeom prst="rect">
+            <a:avLst/>
+          </a:prstGeom>
+          <a:noFill/>
+          <a:ln>
+            <a:noFill/>
+          </a:ln>
+        </p:spPr>
+        <p:txBody>
+          <a:bodyPr wrap="square" lIns="0" tIns="0" rIns="0" bIns="0" rtlCol="0">
+            <a:spAutoFit/>
+          </a:bodyPr>
+          <a:lstStyle/>
+          <a:p>
+            <a:r>
+              <a:rPr lang="en-US" sz="900" dirty="0"/>
+              <a:t>line_3_5</a:t>
+            </a:r>
+            <a:endParaRPr lang="en-US" sz="900" baseline="-25000" dirty="0"/>
+          </a:p>
+        </p:txBody>
+      </p:sp>
+      <p:cxnSp>
+        <p:nvCxnSpPr>
+          <p:cNvPr id="83" name="Straight Connector 82">
+            <a:extLst>
+              <a:ext uri="{FF2B5EF4-FFF2-40B4-BE49-F238E27FC236}">
+                <a16:creationId xmlns:a16="http://schemas.microsoft.com/office/drawing/2014/main" id="{FC8886CF-2CE7-BD46-B88C-7A338E33922E}"/>
+              </a:ext>
+            </a:extLst>
+          </p:cNvPr>
+          <p:cNvCxnSpPr>
+            <a:cxnSpLocks/>
+          </p:cNvCxnSpPr>
+          <p:nvPr/>
+        </p:nvCxnSpPr>
+        <p:spPr>
+          <a:xfrm>
+            <a:off x="5935331" y="1900421"/>
+            <a:ext cx="0" cy="697693"/>
+          </a:xfrm>
+          <a:prstGeom prst="line">
+            <a:avLst/>
+          </a:prstGeom>
+          <a:ln>
+            <a:prstDash val="sysDot"/>
+          </a:ln>
+        </p:spPr>
+        <p:style>
+          <a:lnRef idx="1">
+            <a:schemeClr val="accent4"/>
+          </a:lnRef>
+          <a:fillRef idx="0">
+            <a:schemeClr val="accent4"/>
+          </a:fillRef>
+          <a:effectRef idx="0">
+            <a:schemeClr val="accent4"/>
+          </a:effectRef>
+          <a:fontRef idx="minor">
+            <a:schemeClr val="tx1"/>
+          </a:fontRef>
+        </p:style>
+      </p:cxnSp>
+      <p:cxnSp>
+        <p:nvCxnSpPr>
+          <p:cNvPr id="84" name="Straight Connector 83">
+            <a:extLst>
+              <a:ext uri="{FF2B5EF4-FFF2-40B4-BE49-F238E27FC236}">
+                <a16:creationId xmlns:a16="http://schemas.microsoft.com/office/drawing/2014/main" id="{11298439-BC42-E044-84B3-6FBEF050BB81}"/>
+              </a:ext>
+            </a:extLst>
+          </p:cNvPr>
+          <p:cNvCxnSpPr>
+            <a:cxnSpLocks/>
+          </p:cNvCxnSpPr>
+          <p:nvPr/>
+        </p:nvCxnSpPr>
+        <p:spPr>
+          <a:xfrm>
+            <a:off x="4407981" y="2536162"/>
+            <a:ext cx="1661769" cy="0"/>
+          </a:xfrm>
+          <a:prstGeom prst="line">
+            <a:avLst/>
+          </a:prstGeom>
+          <a:ln>
+            <a:solidFill>
+              <a:schemeClr val="tx1"/>
+            </a:solidFill>
+          </a:ln>
+        </p:spPr>
+        <p:style>
+          <a:lnRef idx="1">
+            <a:schemeClr val="accent1"/>
+          </a:lnRef>
+          <a:fillRef idx="0">
+            <a:schemeClr val="accent1"/>
+          </a:fillRef>
+          <a:effectRef idx="0">
+            <a:schemeClr val="accent1"/>
+          </a:effectRef>
+          <a:fontRef idx="minor">
+            <a:schemeClr val="tx1"/>
+          </a:fontRef>
+        </p:style>
+      </p:cxnSp>
+      <p:cxnSp>
+        <p:nvCxnSpPr>
+          <p:cNvPr id="88" name="Straight Connector 87">
+            <a:extLst>
+              <a:ext uri="{FF2B5EF4-FFF2-40B4-BE49-F238E27FC236}">
+                <a16:creationId xmlns:a16="http://schemas.microsoft.com/office/drawing/2014/main" id="{44E47601-A219-9549-A4FA-DDAD22F56693}"/>
+              </a:ext>
+            </a:extLst>
+          </p:cNvPr>
+          <p:cNvCxnSpPr>
+            <a:cxnSpLocks/>
+          </p:cNvCxnSpPr>
+          <p:nvPr/>
+        </p:nvCxnSpPr>
+        <p:spPr>
+          <a:xfrm>
+            <a:off x="5935331" y="1916318"/>
+            <a:ext cx="446378" cy="0"/>
+          </a:xfrm>
+          <a:prstGeom prst="line">
+            <a:avLst/>
+          </a:prstGeom>
+          <a:ln>
+            <a:prstDash val="sysDot"/>
+          </a:ln>
+        </p:spPr>
+        <p:style>
+          <a:lnRef idx="1">
+            <a:schemeClr val="accent4"/>
+          </a:lnRef>
+          <a:fillRef idx="0">
+            <a:schemeClr val="accent4"/>
+          </a:fillRef>
+          <a:effectRef idx="0">
+            <a:schemeClr val="accent4"/>
+          </a:effectRef>
+          <a:fontRef idx="minor">
+            <a:schemeClr val="tx1"/>
+          </a:fontRef>
+        </p:style>
+      </p:cxnSp>
+      <p:cxnSp>
+        <p:nvCxnSpPr>
+          <p:cNvPr id="95" name="Straight Connector 94">
+            <a:extLst>
+              <a:ext uri="{FF2B5EF4-FFF2-40B4-BE49-F238E27FC236}">
+                <a16:creationId xmlns:a16="http://schemas.microsoft.com/office/drawing/2014/main" id="{C023680D-353A-B648-8BD8-15D645E9B14A}"/>
+              </a:ext>
+            </a:extLst>
+          </p:cNvPr>
+          <p:cNvCxnSpPr>
+            <a:cxnSpLocks/>
+          </p:cNvCxnSpPr>
+          <p:nvPr/>
+        </p:nvCxnSpPr>
+        <p:spPr>
+          <a:xfrm flipV="1">
+            <a:off x="6281859" y="1866229"/>
+            <a:ext cx="0" cy="408424"/>
+          </a:xfrm>
+          <a:prstGeom prst="line">
+            <a:avLst/>
+          </a:prstGeom>
+          <a:ln>
+            <a:solidFill>
+              <a:schemeClr val="tx1"/>
+            </a:solidFill>
+          </a:ln>
+        </p:spPr>
+        <p:style>
+          <a:lnRef idx="1">
+            <a:schemeClr val="accent1"/>
+          </a:lnRef>
+          <a:fillRef idx="0">
+            <a:schemeClr val="accent1"/>
+          </a:fillRef>
+          <a:effectRef idx="0">
+            <a:schemeClr val="accent1"/>
+          </a:effectRef>
+          <a:fontRef idx="minor">
+            <a:schemeClr val="tx1"/>
+          </a:fontRef>
+        </p:style>
+      </p:cxnSp>
+      <p:sp>
+        <p:nvSpPr>
+          <p:cNvPr id="103" name="Freeform: Shape 37">
+            <a:extLst>
+              <a:ext uri="{FF2B5EF4-FFF2-40B4-BE49-F238E27FC236}">
+                <a16:creationId xmlns:a16="http://schemas.microsoft.com/office/drawing/2014/main" id="{67A54EDC-9249-E94F-B405-86387D7DB0F2}"/>
+              </a:ext>
+            </a:extLst>
+          </p:cNvPr>
+          <p:cNvSpPr/>
+          <p:nvPr/>
+        </p:nvSpPr>
+        <p:spPr>
+          <a:xfrm>
+            <a:off x="5729115" y="1578668"/>
+            <a:ext cx="131867" cy="211109"/>
+          </a:xfrm>
+          <a:custGeom>
+            <a:avLst/>
+            <a:gdLst>
+              <a:gd name="connsiteX0" fmla="*/ 245269 w 245269"/>
+              <a:gd name="connsiteY0" fmla="*/ 0 h 142875"/>
+              <a:gd name="connsiteX1" fmla="*/ 0 w 245269"/>
+              <a:gd name="connsiteY1" fmla="*/ 142875 h 142875"/>
+              <a:gd name="connsiteX0" fmla="*/ 245269 w 245269"/>
+              <a:gd name="connsiteY0" fmla="*/ 0 h 143620"/>
+              <a:gd name="connsiteX1" fmla="*/ 0 w 245269"/>
+              <a:gd name="connsiteY1" fmla="*/ 142875 h 143620"/>
+              <a:gd name="connsiteX0" fmla="*/ 214313 w 214313"/>
+              <a:gd name="connsiteY0" fmla="*/ 0 h 87425"/>
+              <a:gd name="connsiteX1" fmla="*/ 0 w 214313"/>
+              <a:gd name="connsiteY1" fmla="*/ 85725 h 87425"/>
+              <a:gd name="connsiteX0" fmla="*/ 214313 w 214313"/>
+              <a:gd name="connsiteY0" fmla="*/ 0 h 87829"/>
+              <a:gd name="connsiteX1" fmla="*/ 0 w 214313"/>
+              <a:gd name="connsiteY1" fmla="*/ 85725 h 87829"/>
+              <a:gd name="connsiteX0" fmla="*/ 52388 w 53091"/>
+              <a:gd name="connsiteY0" fmla="*/ 0 h 115493"/>
+              <a:gd name="connsiteX1" fmla="*/ 0 w 53091"/>
+              <a:gd name="connsiteY1" fmla="*/ 114300 h 115493"/>
+              <a:gd name="connsiteX0" fmla="*/ 453 w 235711"/>
+              <a:gd name="connsiteY0" fmla="*/ 0 h 109273"/>
+              <a:gd name="connsiteX1" fmla="*/ 221115 w 235711"/>
+              <a:gd name="connsiteY1" fmla="*/ 107950 h 109273"/>
+              <a:gd name="connsiteX0" fmla="*/ 0 w 238528"/>
+              <a:gd name="connsiteY0" fmla="*/ 0 h 110334"/>
+              <a:gd name="connsiteX1" fmla="*/ 220662 w 238528"/>
+              <a:gd name="connsiteY1" fmla="*/ 107950 h 110334"/>
+              <a:gd name="connsiteX0" fmla="*/ 0 w 71660"/>
+              <a:gd name="connsiteY0" fmla="*/ 0 h 384419"/>
+              <a:gd name="connsiteX1" fmla="*/ 26987 w 71660"/>
+              <a:gd name="connsiteY1" fmla="*/ 384175 h 384419"/>
+              <a:gd name="connsiteX0" fmla="*/ 0 w 135675"/>
+              <a:gd name="connsiteY0" fmla="*/ 0 h 384407"/>
+              <a:gd name="connsiteX1" fmla="*/ 26987 w 135675"/>
+              <a:gd name="connsiteY1" fmla="*/ 384175 h 384407"/>
+              <a:gd name="connsiteX0" fmla="*/ 0 w 134669"/>
+              <a:gd name="connsiteY0" fmla="*/ 0 h 384175"/>
+              <a:gd name="connsiteX1" fmla="*/ 26987 w 134669"/>
+              <a:gd name="connsiteY1" fmla="*/ 384175 h 384175"/>
+              <a:gd name="connsiteX0" fmla="*/ 201613 w 280325"/>
+              <a:gd name="connsiteY0" fmla="*/ 0 h 184150"/>
+              <a:gd name="connsiteX1" fmla="*/ 0 w 280325"/>
+              <a:gd name="connsiteY1" fmla="*/ 184150 h 184150"/>
+              <a:gd name="connsiteX0" fmla="*/ 201613 w 201613"/>
+              <a:gd name="connsiteY0" fmla="*/ 4403 h 188553"/>
+              <a:gd name="connsiteX1" fmla="*/ 0 w 201613"/>
+              <a:gd name="connsiteY1" fmla="*/ 188553 h 188553"/>
+              <a:gd name="connsiteX0" fmla="*/ 131763 w 131763"/>
+              <a:gd name="connsiteY0" fmla="*/ 3872 h 210247"/>
+              <a:gd name="connsiteX1" fmla="*/ 0 w 131763"/>
+              <a:gd name="connsiteY1" fmla="*/ 210247 h 210247"/>
+              <a:gd name="connsiteX0" fmla="*/ 131763 w 131763"/>
+              <a:gd name="connsiteY0" fmla="*/ 4552 h 210927"/>
+              <a:gd name="connsiteX1" fmla="*/ 0 w 131763"/>
+              <a:gd name="connsiteY1" fmla="*/ 210927 h 210927"/>
+              <a:gd name="connsiteX0" fmla="*/ 131867 w 131867"/>
+              <a:gd name="connsiteY0" fmla="*/ 4734 h 211109"/>
+              <a:gd name="connsiteX1" fmla="*/ 104 w 131867"/>
+              <a:gd name="connsiteY1" fmla="*/ 211109 h 211109"/>
+            </a:gdLst>
+            <a:ahLst/>
+            <a:cxnLst>
+              <a:cxn ang="0">
+                <a:pos x="connsiteX0" y="connsiteY0"/>
+              </a:cxn>
+              <a:cxn ang="0">
+                <a:pos x="connsiteX1" y="connsiteY1"/>
+              </a:cxn>
+            </a:cxnLst>
+            <a:rect l="l" t="t" r="r" b="b"/>
+            <a:pathLst>
+              <a:path w="131867" h="211109">
+                <a:moveTo>
+                  <a:pt x="131867" y="4734"/>
+                </a:moveTo>
+                <a:cubicBezTo>
+                  <a:pt x="66978" y="-25826"/>
+                  <a:pt x="-3070" y="97206"/>
+                  <a:pt x="104" y="211109"/>
+                </a:cubicBezTo>
+              </a:path>
+            </a:pathLst>
+          </a:custGeom>
+          <a:ln>
+            <a:prstDash val="sysDot"/>
+            <a:headEnd type="none" w="sm" len="sm"/>
+            <a:tailEnd type="triangle" w="sm" len="sm"/>
+          </a:ln>
+        </p:spPr>
+        <p:style>
+          <a:lnRef idx="1">
+            <a:schemeClr val="accent3"/>
+          </a:lnRef>
+          <a:fillRef idx="0">
+            <a:schemeClr val="accent3"/>
+          </a:fillRef>
+          <a:effectRef idx="0">
+            <a:schemeClr val="accent3"/>
+          </a:effectRef>
+          <a:fontRef idx="minor">
+            <a:schemeClr val="tx1"/>
+          </a:fontRef>
+        </p:style>
+        <p:txBody>
+          <a:bodyPr rtlCol="0" anchor="ctr"/>
+          <a:lstStyle/>
+          <a:p>
+            <a:pPr algn="ctr"/>
+            <a:endParaRPr lang="en-GB"/>
+          </a:p>
+        </p:txBody>
+      </p:sp>
+      <p:sp>
+        <p:nvSpPr>
+          <p:cNvPr id="106" name="TextBox 105">
+            <a:extLst>
+              <a:ext uri="{FF2B5EF4-FFF2-40B4-BE49-F238E27FC236}">
+                <a16:creationId xmlns:a16="http://schemas.microsoft.com/office/drawing/2014/main" id="{29910C68-7B97-8940-881C-555D04C1DC1D}"/>
+              </a:ext>
+            </a:extLst>
+          </p:cNvPr>
+          <p:cNvSpPr txBox="1"/>
+          <p:nvPr/>
+        </p:nvSpPr>
+        <p:spPr>
+          <a:xfrm>
+            <a:off x="5433237" y="2020367"/>
+            <a:ext cx="497809" cy="138499"/>
+          </a:xfrm>
+          <a:prstGeom prst="rect">
+            <a:avLst/>
+          </a:prstGeom>
+          <a:noFill/>
+          <a:ln>
+            <a:noFill/>
+          </a:ln>
+        </p:spPr>
+        <p:txBody>
+          <a:bodyPr wrap="square" lIns="0" tIns="0" rIns="0" bIns="0" rtlCol="0">
+            <a:spAutoFit/>
+          </a:bodyPr>
+          <a:lstStyle/>
+          <a:p>
+            <a:r>
+              <a:rPr lang="en-US" sz="900" dirty="0"/>
+              <a:t>line_2_5</a:t>
+            </a:r>
+            <a:endParaRPr lang="en-US" sz="900" baseline="-25000" dirty="0"/>
+          </a:p>
+        </p:txBody>
+      </p:sp>
+      <p:sp>
+        <p:nvSpPr>
+          <p:cNvPr id="108" name="TextBox 107">
+            <a:extLst>
+              <a:ext uri="{FF2B5EF4-FFF2-40B4-BE49-F238E27FC236}">
+                <a16:creationId xmlns:a16="http://schemas.microsoft.com/office/drawing/2014/main" id="{82354732-5291-5841-AA6B-58B74FC04C54}"/>
+              </a:ext>
+            </a:extLst>
+          </p:cNvPr>
+          <p:cNvSpPr txBox="1"/>
+          <p:nvPr/>
+        </p:nvSpPr>
+        <p:spPr>
+          <a:xfrm>
+            <a:off x="5180743" y="2243776"/>
+            <a:ext cx="1122481" cy="138499"/>
+          </a:xfrm>
+          <a:prstGeom prst="rect">
+            <a:avLst/>
+          </a:prstGeom>
+          <a:noFill/>
+          <a:ln>
+            <a:noFill/>
+          </a:ln>
+        </p:spPr>
+        <p:txBody>
+          <a:bodyPr wrap="square" lIns="0" tIns="0" rIns="0" bIns="0" rtlCol="0">
+            <a:spAutoFit/>
+          </a:bodyPr>
+          <a:lstStyle>
+            <a:defPPr>
+              <a:defRPr lang="en-US"/>
+            </a:defPPr>
+            <a:lvl1pPr>
+              <a:defRPr sz="900"/>
+            </a:lvl1pPr>
+          </a:lstStyle>
+          <a:p>
+            <a:r>
+              <a:rPr lang="en-GB" dirty="0"/>
+              <a:t>angle_of_WC_from_J2</a:t>
+            </a:r>
+          </a:p>
+        </p:txBody>
+      </p:sp>
+      <p:sp>
+        <p:nvSpPr>
+          <p:cNvPr id="109" name="Freeform: Shape 37">
+            <a:extLst>
+              <a:ext uri="{FF2B5EF4-FFF2-40B4-BE49-F238E27FC236}">
+                <a16:creationId xmlns:a16="http://schemas.microsoft.com/office/drawing/2014/main" id="{05D0379A-19AE-624D-9DFB-E272BACEA75C}"/>
+              </a:ext>
+            </a:extLst>
+          </p:cNvPr>
+          <p:cNvSpPr/>
+          <p:nvPr/>
+        </p:nvSpPr>
+        <p:spPr>
+          <a:xfrm>
+            <a:off x="5200541" y="1473715"/>
+            <a:ext cx="277813" cy="168716"/>
+          </a:xfrm>
+          <a:custGeom>
+            <a:avLst/>
+            <a:gdLst>
+              <a:gd name="connsiteX0" fmla="*/ 245269 w 245269"/>
+              <a:gd name="connsiteY0" fmla="*/ 0 h 142875"/>
+              <a:gd name="connsiteX1" fmla="*/ 0 w 245269"/>
+              <a:gd name="connsiteY1" fmla="*/ 142875 h 142875"/>
+              <a:gd name="connsiteX0" fmla="*/ 245269 w 245269"/>
+              <a:gd name="connsiteY0" fmla="*/ 0 h 143620"/>
+              <a:gd name="connsiteX1" fmla="*/ 0 w 245269"/>
+              <a:gd name="connsiteY1" fmla="*/ 142875 h 143620"/>
+              <a:gd name="connsiteX0" fmla="*/ 214313 w 214313"/>
+              <a:gd name="connsiteY0" fmla="*/ 0 h 87425"/>
+              <a:gd name="connsiteX1" fmla="*/ 0 w 214313"/>
+              <a:gd name="connsiteY1" fmla="*/ 85725 h 87425"/>
+              <a:gd name="connsiteX0" fmla="*/ 214313 w 214313"/>
+              <a:gd name="connsiteY0" fmla="*/ 0 h 87829"/>
+              <a:gd name="connsiteX1" fmla="*/ 0 w 214313"/>
+              <a:gd name="connsiteY1" fmla="*/ 85725 h 87829"/>
+              <a:gd name="connsiteX0" fmla="*/ 52388 w 53091"/>
+              <a:gd name="connsiteY0" fmla="*/ 0 h 115493"/>
+              <a:gd name="connsiteX1" fmla="*/ 0 w 53091"/>
+              <a:gd name="connsiteY1" fmla="*/ 114300 h 115493"/>
+              <a:gd name="connsiteX0" fmla="*/ 453 w 235711"/>
+              <a:gd name="connsiteY0" fmla="*/ 0 h 109273"/>
+              <a:gd name="connsiteX1" fmla="*/ 221115 w 235711"/>
+              <a:gd name="connsiteY1" fmla="*/ 107950 h 109273"/>
+              <a:gd name="connsiteX0" fmla="*/ 0 w 238528"/>
+              <a:gd name="connsiteY0" fmla="*/ 0 h 110334"/>
+              <a:gd name="connsiteX1" fmla="*/ 220662 w 238528"/>
+              <a:gd name="connsiteY1" fmla="*/ 107950 h 110334"/>
+              <a:gd name="connsiteX0" fmla="*/ 0 w 71660"/>
+              <a:gd name="connsiteY0" fmla="*/ 0 h 384419"/>
+              <a:gd name="connsiteX1" fmla="*/ 26987 w 71660"/>
+              <a:gd name="connsiteY1" fmla="*/ 384175 h 384419"/>
+              <a:gd name="connsiteX0" fmla="*/ 0 w 135675"/>
+              <a:gd name="connsiteY0" fmla="*/ 0 h 384407"/>
+              <a:gd name="connsiteX1" fmla="*/ 26987 w 135675"/>
+              <a:gd name="connsiteY1" fmla="*/ 384175 h 384407"/>
+              <a:gd name="connsiteX0" fmla="*/ 0 w 134669"/>
+              <a:gd name="connsiteY0" fmla="*/ 0 h 384175"/>
+              <a:gd name="connsiteX1" fmla="*/ 26987 w 134669"/>
+              <a:gd name="connsiteY1" fmla="*/ 384175 h 384175"/>
+              <a:gd name="connsiteX0" fmla="*/ 138113 w 227386"/>
+              <a:gd name="connsiteY0" fmla="*/ 0 h 352425"/>
+              <a:gd name="connsiteX1" fmla="*/ 0 w 227386"/>
+              <a:gd name="connsiteY1" fmla="*/ 352425 h 352425"/>
+              <a:gd name="connsiteX0" fmla="*/ 303213 w 369292"/>
+              <a:gd name="connsiteY0" fmla="*/ 0 h 123825"/>
+              <a:gd name="connsiteX1" fmla="*/ 0 w 369292"/>
+              <a:gd name="connsiteY1" fmla="*/ 123825 h 123825"/>
+              <a:gd name="connsiteX0" fmla="*/ 303213 w 369911"/>
+              <a:gd name="connsiteY0" fmla="*/ 0 h 127525"/>
+              <a:gd name="connsiteX1" fmla="*/ 0 w 369911"/>
+              <a:gd name="connsiteY1" fmla="*/ 123825 h 127525"/>
+              <a:gd name="connsiteX0" fmla="*/ 303213 w 303213"/>
+              <a:gd name="connsiteY0" fmla="*/ 0 h 130453"/>
+              <a:gd name="connsiteX1" fmla="*/ 0 w 303213"/>
+              <a:gd name="connsiteY1" fmla="*/ 123825 h 130453"/>
+              <a:gd name="connsiteX0" fmla="*/ 277813 w 277813"/>
+              <a:gd name="connsiteY0" fmla="*/ 0 h 168716"/>
+              <a:gd name="connsiteX1" fmla="*/ 0 w 277813"/>
+              <a:gd name="connsiteY1" fmla="*/ 165100 h 168716"/>
+            </a:gdLst>
+            <a:ahLst/>
+            <a:cxnLst>
+              <a:cxn ang="0">
+                <a:pos x="connsiteX0" y="connsiteY0"/>
+              </a:cxn>
+              <a:cxn ang="0">
+                <a:pos x="connsiteX1" y="connsiteY1"/>
+              </a:cxn>
+            </a:cxnLst>
+            <a:rect l="l" t="t" r="r" b="b"/>
+            <a:pathLst>
+              <a:path w="277813" h="168716">
+                <a:moveTo>
+                  <a:pt x="277813" y="0"/>
+                </a:moveTo>
+                <a:cubicBezTo>
+                  <a:pt x="273249" y="125015"/>
+                  <a:pt x="88901" y="184547"/>
+                  <a:pt x="0" y="165100"/>
+                </a:cubicBezTo>
+              </a:path>
+            </a:pathLst>
+          </a:custGeom>
+          <a:ln>
+            <a:prstDash val="sysDot"/>
+            <a:headEnd type="none" w="sm" len="sm"/>
+            <a:tailEnd type="triangle" w="sm" len="sm"/>
+          </a:ln>
+        </p:spPr>
+        <p:style>
+          <a:lnRef idx="1">
+            <a:schemeClr val="accent3"/>
+          </a:lnRef>
+          <a:fillRef idx="0">
+            <a:schemeClr val="accent3"/>
+          </a:fillRef>
+          <a:effectRef idx="0">
+            <a:schemeClr val="accent3"/>
+          </a:effectRef>
+          <a:fontRef idx="minor">
+            <a:schemeClr val="tx1"/>
+          </a:fontRef>
+        </p:style>
+        <p:txBody>
+          <a:bodyPr rtlCol="0" anchor="ctr"/>
+          <a:lstStyle/>
+          <a:p>
+            <a:pPr algn="ctr"/>
+            <a:endParaRPr lang="en-GB"/>
+          </a:p>
+        </p:txBody>
+      </p:sp>
+      <p:sp>
+        <p:nvSpPr>
+          <p:cNvPr id="110" name="Freeform: Shape 37">
+            <a:extLst>
+              <a:ext uri="{FF2B5EF4-FFF2-40B4-BE49-F238E27FC236}">
+                <a16:creationId xmlns:a16="http://schemas.microsoft.com/office/drawing/2014/main" id="{52C3B157-B4B2-9F4E-B497-655863FD7BAF}"/>
+              </a:ext>
+            </a:extLst>
+          </p:cNvPr>
+          <p:cNvSpPr/>
+          <p:nvPr/>
+        </p:nvSpPr>
+        <p:spPr>
+          <a:xfrm>
+            <a:off x="5136588" y="2150553"/>
+            <a:ext cx="188913" cy="105471"/>
+          </a:xfrm>
+          <a:custGeom>
+            <a:avLst/>
+            <a:gdLst>
+              <a:gd name="connsiteX0" fmla="*/ 245269 w 245269"/>
+              <a:gd name="connsiteY0" fmla="*/ 0 h 142875"/>
+              <a:gd name="connsiteX1" fmla="*/ 0 w 245269"/>
+              <a:gd name="connsiteY1" fmla="*/ 142875 h 142875"/>
+              <a:gd name="connsiteX0" fmla="*/ 245269 w 245269"/>
+              <a:gd name="connsiteY0" fmla="*/ 0 h 143620"/>
+              <a:gd name="connsiteX1" fmla="*/ 0 w 245269"/>
+              <a:gd name="connsiteY1" fmla="*/ 142875 h 143620"/>
+              <a:gd name="connsiteX0" fmla="*/ 214313 w 214313"/>
+              <a:gd name="connsiteY0" fmla="*/ 0 h 87425"/>
+              <a:gd name="connsiteX1" fmla="*/ 0 w 214313"/>
+              <a:gd name="connsiteY1" fmla="*/ 85725 h 87425"/>
+              <a:gd name="connsiteX0" fmla="*/ 214313 w 214313"/>
+              <a:gd name="connsiteY0" fmla="*/ 0 h 87829"/>
+              <a:gd name="connsiteX1" fmla="*/ 0 w 214313"/>
+              <a:gd name="connsiteY1" fmla="*/ 85725 h 87829"/>
+              <a:gd name="connsiteX0" fmla="*/ 52388 w 53091"/>
+              <a:gd name="connsiteY0" fmla="*/ 0 h 115493"/>
+              <a:gd name="connsiteX1" fmla="*/ 0 w 53091"/>
+              <a:gd name="connsiteY1" fmla="*/ 114300 h 115493"/>
+              <a:gd name="connsiteX0" fmla="*/ 453 w 235711"/>
+              <a:gd name="connsiteY0" fmla="*/ 0 h 109273"/>
+              <a:gd name="connsiteX1" fmla="*/ 221115 w 235711"/>
+              <a:gd name="connsiteY1" fmla="*/ 107950 h 109273"/>
+              <a:gd name="connsiteX0" fmla="*/ 0 w 238528"/>
+              <a:gd name="connsiteY0" fmla="*/ 0 h 110334"/>
+              <a:gd name="connsiteX1" fmla="*/ 220662 w 238528"/>
+              <a:gd name="connsiteY1" fmla="*/ 107950 h 110334"/>
+              <a:gd name="connsiteX0" fmla="*/ 160338 w 174888"/>
+              <a:gd name="connsiteY0" fmla="*/ 107950 h 135927"/>
+              <a:gd name="connsiteX1" fmla="*/ 0 w 174888"/>
+              <a:gd name="connsiteY1" fmla="*/ 0 h 135927"/>
+              <a:gd name="connsiteX0" fmla="*/ 490538 w 495696"/>
+              <a:gd name="connsiteY0" fmla="*/ 165100 h 188158"/>
+              <a:gd name="connsiteX1" fmla="*/ 0 w 495696"/>
+              <a:gd name="connsiteY1" fmla="*/ 0 h 188158"/>
+              <a:gd name="connsiteX0" fmla="*/ 490538 w 490538"/>
+              <a:gd name="connsiteY0" fmla="*/ 165100 h 170334"/>
+              <a:gd name="connsiteX1" fmla="*/ 0 w 490538"/>
+              <a:gd name="connsiteY1" fmla="*/ 0 h 170334"/>
+              <a:gd name="connsiteX0" fmla="*/ 490538 w 490538"/>
+              <a:gd name="connsiteY0" fmla="*/ 165100 h 175652"/>
+              <a:gd name="connsiteX1" fmla="*/ 0 w 490538"/>
+              <a:gd name="connsiteY1" fmla="*/ 0 h 175652"/>
+              <a:gd name="connsiteX0" fmla="*/ 506413 w 506413"/>
+              <a:gd name="connsiteY0" fmla="*/ 104775 h 124183"/>
+              <a:gd name="connsiteX1" fmla="*/ 0 w 506413"/>
+              <a:gd name="connsiteY1" fmla="*/ 0 h 124183"/>
+              <a:gd name="connsiteX0" fmla="*/ 506413 w 506413"/>
+              <a:gd name="connsiteY0" fmla="*/ 107907 h 113765"/>
+              <a:gd name="connsiteX1" fmla="*/ 0 w 506413"/>
+              <a:gd name="connsiteY1" fmla="*/ 3132 h 113765"/>
+              <a:gd name="connsiteX0" fmla="*/ 188913 w 188913"/>
+              <a:gd name="connsiteY0" fmla="*/ 101666 h 107719"/>
+              <a:gd name="connsiteX1" fmla="*/ 0 w 188913"/>
+              <a:gd name="connsiteY1" fmla="*/ 3241 h 107719"/>
+              <a:gd name="connsiteX0" fmla="*/ 188913 w 188913"/>
+              <a:gd name="connsiteY0" fmla="*/ 105471 h 105471"/>
+              <a:gd name="connsiteX1" fmla="*/ 0 w 188913"/>
+              <a:gd name="connsiteY1" fmla="*/ 7046 h 105471"/>
+            </a:gdLst>
+            <a:ahLst/>
+            <a:cxnLst>
+              <a:cxn ang="0">
+                <a:pos x="connsiteX0" y="connsiteY0"/>
+              </a:cxn>
+              <a:cxn ang="0">
+                <a:pos x="connsiteX1" y="connsiteY1"/>
+              </a:cxn>
+            </a:cxnLst>
+            <a:rect l="l" t="t" r="r" b="b"/>
+            <a:pathLst>
+              <a:path w="188913" h="105471">
+                <a:moveTo>
+                  <a:pt x="188913" y="105471"/>
+                </a:moveTo>
+                <a:cubicBezTo>
+                  <a:pt x="187524" y="39986"/>
+                  <a:pt x="177801" y="-21132"/>
+                  <a:pt x="0" y="7046"/>
+                </a:cubicBezTo>
+              </a:path>
+            </a:pathLst>
+          </a:custGeom>
+          <a:ln>
+            <a:prstDash val="sysDot"/>
+            <a:headEnd type="none" w="sm" len="sm"/>
+            <a:tailEnd type="triangle" w="sm" len="sm"/>
+          </a:ln>
+        </p:spPr>
+        <p:style>
+          <a:lnRef idx="1">
+            <a:schemeClr val="accent3"/>
+          </a:lnRef>
+          <a:fillRef idx="0">
+            <a:schemeClr val="accent3"/>
+          </a:fillRef>
+          <a:effectRef idx="0">
+            <a:schemeClr val="accent3"/>
+          </a:effectRef>
+          <a:fontRef idx="minor">
+            <a:schemeClr val="tx1"/>
+          </a:fontRef>
+        </p:style>
+        <p:txBody>
+          <a:bodyPr rtlCol="0" anchor="ctr"/>
+          <a:lstStyle/>
+          <a:p>
+            <a:pPr algn="ctr"/>
+            <a:endParaRPr lang="en-GB"/>
+          </a:p>
+        </p:txBody>
+      </p:sp>
+      <p:sp>
+        <p:nvSpPr>
+          <p:cNvPr id="111" name="TextBox 110">
+            <a:extLst>
+              <a:ext uri="{FF2B5EF4-FFF2-40B4-BE49-F238E27FC236}">
+                <a16:creationId xmlns:a16="http://schemas.microsoft.com/office/drawing/2014/main" id="{D7CADFF6-C059-B746-8048-83D2A1D7779F}"/>
+              </a:ext>
+            </a:extLst>
+          </p:cNvPr>
+          <p:cNvSpPr txBox="1"/>
+          <p:nvPr/>
+        </p:nvSpPr>
+        <p:spPr>
+          <a:xfrm>
+            <a:off x="3232608" y="1610042"/>
+            <a:ext cx="1122481" cy="138499"/>
+          </a:xfrm>
+          <a:prstGeom prst="rect">
+            <a:avLst/>
+          </a:prstGeom>
+          <a:noFill/>
+          <a:ln>
+            <a:noFill/>
+          </a:ln>
+        </p:spPr>
+        <p:txBody>
+          <a:bodyPr wrap="square" lIns="0" tIns="0" rIns="0" bIns="0" rtlCol="0">
+            <a:spAutoFit/>
+          </a:bodyPr>
+          <a:lstStyle>
+            <a:defPPr>
+              <a:defRPr lang="en-US"/>
+            </a:defPPr>
+            <a:lvl1pPr>
+              <a:defRPr sz="900"/>
+            </a:lvl1pPr>
+          </a:lstStyle>
+          <a:p>
+            <a:r>
+              <a:rPr lang="en-GB" dirty="0"/>
+              <a:t>internal_angle_of_j2</a:t>
+            </a:r>
+          </a:p>
+        </p:txBody>
+      </p:sp>
+      <p:sp>
+        <p:nvSpPr>
+          <p:cNvPr id="113" name="Freeform: Shape 37">
+            <a:extLst>
+              <a:ext uri="{FF2B5EF4-FFF2-40B4-BE49-F238E27FC236}">
+                <a16:creationId xmlns:a16="http://schemas.microsoft.com/office/drawing/2014/main" id="{6A86BE59-9B1C-7A46-A536-F2B61774699A}"/>
+              </a:ext>
+            </a:extLst>
+          </p:cNvPr>
+          <p:cNvSpPr/>
+          <p:nvPr/>
+        </p:nvSpPr>
+        <p:spPr>
+          <a:xfrm>
+            <a:off x="4227125" y="1682052"/>
+            <a:ext cx="550288" cy="292858"/>
+          </a:xfrm>
+          <a:custGeom>
+            <a:avLst/>
+            <a:gdLst>
+              <a:gd name="connsiteX0" fmla="*/ 245269 w 245269"/>
+              <a:gd name="connsiteY0" fmla="*/ 0 h 142875"/>
+              <a:gd name="connsiteX1" fmla="*/ 0 w 245269"/>
+              <a:gd name="connsiteY1" fmla="*/ 142875 h 142875"/>
+              <a:gd name="connsiteX0" fmla="*/ 245269 w 245269"/>
+              <a:gd name="connsiteY0" fmla="*/ 0 h 143620"/>
+              <a:gd name="connsiteX1" fmla="*/ 0 w 245269"/>
+              <a:gd name="connsiteY1" fmla="*/ 142875 h 143620"/>
+              <a:gd name="connsiteX0" fmla="*/ 214313 w 214313"/>
+              <a:gd name="connsiteY0" fmla="*/ 0 h 87425"/>
+              <a:gd name="connsiteX1" fmla="*/ 0 w 214313"/>
+              <a:gd name="connsiteY1" fmla="*/ 85725 h 87425"/>
+              <a:gd name="connsiteX0" fmla="*/ 214313 w 214313"/>
+              <a:gd name="connsiteY0" fmla="*/ 0 h 87829"/>
+              <a:gd name="connsiteX1" fmla="*/ 0 w 214313"/>
+              <a:gd name="connsiteY1" fmla="*/ 85725 h 87829"/>
+              <a:gd name="connsiteX0" fmla="*/ 52388 w 53091"/>
+              <a:gd name="connsiteY0" fmla="*/ 0 h 115493"/>
+              <a:gd name="connsiteX1" fmla="*/ 0 w 53091"/>
+              <a:gd name="connsiteY1" fmla="*/ 114300 h 115493"/>
+              <a:gd name="connsiteX0" fmla="*/ 453 w 235711"/>
+              <a:gd name="connsiteY0" fmla="*/ 0 h 109273"/>
+              <a:gd name="connsiteX1" fmla="*/ 221115 w 235711"/>
+              <a:gd name="connsiteY1" fmla="*/ 107950 h 109273"/>
+              <a:gd name="connsiteX0" fmla="*/ 0 w 238528"/>
+              <a:gd name="connsiteY0" fmla="*/ 0 h 110334"/>
+              <a:gd name="connsiteX1" fmla="*/ 220662 w 238528"/>
+              <a:gd name="connsiteY1" fmla="*/ 107950 h 110334"/>
+              <a:gd name="connsiteX0" fmla="*/ 0 w 543866"/>
+              <a:gd name="connsiteY0" fmla="*/ 0 h 270268"/>
+              <a:gd name="connsiteX1" fmla="*/ 534987 w 543866"/>
+              <a:gd name="connsiteY1" fmla="*/ 269875 h 270268"/>
+              <a:gd name="connsiteX0" fmla="*/ 0 w 536414"/>
+              <a:gd name="connsiteY0" fmla="*/ 0 h 269875"/>
+              <a:gd name="connsiteX1" fmla="*/ 534987 w 536414"/>
+              <a:gd name="connsiteY1" fmla="*/ 269875 h 269875"/>
+              <a:gd name="connsiteX0" fmla="*/ 0 w 554009"/>
+              <a:gd name="connsiteY0" fmla="*/ 0 h 269875"/>
+              <a:gd name="connsiteX1" fmla="*/ 534987 w 554009"/>
+              <a:gd name="connsiteY1" fmla="*/ 269875 h 269875"/>
+              <a:gd name="connsiteX0" fmla="*/ 0 w 556419"/>
+              <a:gd name="connsiteY0" fmla="*/ 845 h 270720"/>
+              <a:gd name="connsiteX1" fmla="*/ 534987 w 556419"/>
+              <a:gd name="connsiteY1" fmla="*/ 270720 h 270720"/>
+              <a:gd name="connsiteX0" fmla="*/ 0 w 550288"/>
+              <a:gd name="connsiteY0" fmla="*/ 758 h 292858"/>
+              <a:gd name="connsiteX1" fmla="*/ 528637 w 550288"/>
+              <a:gd name="connsiteY1" fmla="*/ 292858 h 292858"/>
+            </a:gdLst>
+            <a:ahLst/>
+            <a:cxnLst>
+              <a:cxn ang="0">
+                <a:pos x="connsiteX0" y="connsiteY0"/>
+              </a:cxn>
+              <a:cxn ang="0">
+                <a:pos x="connsiteX1" y="connsiteY1"/>
+              </a:cxn>
+            </a:cxnLst>
+            <a:rect l="l" t="t" r="r" b="b"/>
+            <a:pathLst>
+              <a:path w="550288" h="292858">
+                <a:moveTo>
+                  <a:pt x="0" y="758"/>
+                </a:moveTo>
+                <a:cubicBezTo>
+                  <a:pt x="141486" y="-13927"/>
+                  <a:pt x="661988" y="188480"/>
+                  <a:pt x="528637" y="292858"/>
+                </a:cubicBezTo>
+              </a:path>
+            </a:pathLst>
+          </a:custGeom>
+          <a:ln>
+            <a:prstDash val="sysDot"/>
+            <a:headEnd type="none" w="sm" len="sm"/>
+            <a:tailEnd type="triangle" w="sm" len="sm"/>
+          </a:ln>
+        </p:spPr>
+        <p:style>
+          <a:lnRef idx="1">
+            <a:schemeClr val="accent3"/>
+          </a:lnRef>
+          <a:fillRef idx="0">
+            <a:schemeClr val="accent3"/>
+          </a:fillRef>
+          <a:effectRef idx="0">
+            <a:schemeClr val="accent3"/>
+          </a:effectRef>
+          <a:fontRef idx="minor">
+            <a:schemeClr val="tx1"/>
+          </a:fontRef>
+        </p:style>
+        <p:txBody>
+          <a:bodyPr rtlCol="0" anchor="ctr"/>
+          <a:lstStyle/>
+          <a:p>
+            <a:pPr algn="ctr"/>
+            <a:endParaRPr lang="en-GB"/>
+          </a:p>
+        </p:txBody>
+      </p:sp>
+      <p:sp>
+        <p:nvSpPr>
+          <p:cNvPr id="114" name="TextBox 113">
+            <a:extLst>
+              <a:ext uri="{FF2B5EF4-FFF2-40B4-BE49-F238E27FC236}">
+                <a16:creationId xmlns:a16="http://schemas.microsoft.com/office/drawing/2014/main" id="{AB7048F8-7A6D-0547-AFF3-5A24F7773219}"/>
+              </a:ext>
+            </a:extLst>
+          </p:cNvPr>
+          <p:cNvSpPr txBox="1"/>
+          <p:nvPr/>
+        </p:nvSpPr>
+        <p:spPr>
+          <a:xfrm>
+            <a:off x="3295630" y="1283831"/>
+            <a:ext cx="1122481" cy="138499"/>
+          </a:xfrm>
+          <a:prstGeom prst="rect">
+            <a:avLst/>
+          </a:prstGeom>
+          <a:noFill/>
+          <a:ln>
+            <a:noFill/>
+          </a:ln>
+        </p:spPr>
+        <p:txBody>
+          <a:bodyPr wrap="square" lIns="0" tIns="0" rIns="0" bIns="0" rtlCol="0">
+            <a:spAutoFit/>
+          </a:bodyPr>
+          <a:lstStyle>
+            <a:defPPr>
+              <a:defRPr lang="en-US"/>
+            </a:defPPr>
+            <a:lvl1pPr>
+              <a:defRPr sz="900"/>
+            </a:lvl1pPr>
+          </a:lstStyle>
+          <a:p>
+            <a:r>
+              <a:rPr lang="en-GB" dirty="0"/>
+              <a:t>internal_angle_of_j3</a:t>
+            </a:r>
+          </a:p>
+        </p:txBody>
+      </p:sp>
+      <p:sp>
+        <p:nvSpPr>
+          <p:cNvPr id="116" name="Freeform: Shape 37">
+            <a:extLst>
+              <a:ext uri="{FF2B5EF4-FFF2-40B4-BE49-F238E27FC236}">
+                <a16:creationId xmlns:a16="http://schemas.microsoft.com/office/drawing/2014/main" id="{BA015030-694F-A34E-AA63-3099CD7D8260}"/>
+              </a:ext>
+            </a:extLst>
+          </p:cNvPr>
+          <p:cNvSpPr/>
+          <p:nvPr/>
+        </p:nvSpPr>
+        <p:spPr>
+          <a:xfrm>
+            <a:off x="4301637" y="1355447"/>
+            <a:ext cx="500062" cy="374829"/>
+          </a:xfrm>
+          <a:custGeom>
+            <a:avLst/>
+            <a:gdLst>
+              <a:gd name="connsiteX0" fmla="*/ 245269 w 245269"/>
+              <a:gd name="connsiteY0" fmla="*/ 0 h 142875"/>
+              <a:gd name="connsiteX1" fmla="*/ 0 w 245269"/>
+              <a:gd name="connsiteY1" fmla="*/ 142875 h 142875"/>
+              <a:gd name="connsiteX0" fmla="*/ 245269 w 245269"/>
+              <a:gd name="connsiteY0" fmla="*/ 0 h 143620"/>
+              <a:gd name="connsiteX1" fmla="*/ 0 w 245269"/>
+              <a:gd name="connsiteY1" fmla="*/ 142875 h 143620"/>
+              <a:gd name="connsiteX0" fmla="*/ 214313 w 214313"/>
+              <a:gd name="connsiteY0" fmla="*/ 0 h 87425"/>
+              <a:gd name="connsiteX1" fmla="*/ 0 w 214313"/>
+              <a:gd name="connsiteY1" fmla="*/ 85725 h 87425"/>
+              <a:gd name="connsiteX0" fmla="*/ 214313 w 214313"/>
+              <a:gd name="connsiteY0" fmla="*/ 0 h 87829"/>
+              <a:gd name="connsiteX1" fmla="*/ 0 w 214313"/>
+              <a:gd name="connsiteY1" fmla="*/ 85725 h 87829"/>
+              <a:gd name="connsiteX0" fmla="*/ 52388 w 53091"/>
+              <a:gd name="connsiteY0" fmla="*/ 0 h 115493"/>
+              <a:gd name="connsiteX1" fmla="*/ 0 w 53091"/>
+              <a:gd name="connsiteY1" fmla="*/ 114300 h 115493"/>
+              <a:gd name="connsiteX0" fmla="*/ 453 w 235711"/>
+              <a:gd name="connsiteY0" fmla="*/ 0 h 109273"/>
+              <a:gd name="connsiteX1" fmla="*/ 221115 w 235711"/>
+              <a:gd name="connsiteY1" fmla="*/ 107950 h 109273"/>
+              <a:gd name="connsiteX0" fmla="*/ 0 w 238528"/>
+              <a:gd name="connsiteY0" fmla="*/ 0 h 110334"/>
+              <a:gd name="connsiteX1" fmla="*/ 220662 w 238528"/>
+              <a:gd name="connsiteY1" fmla="*/ 107950 h 110334"/>
+              <a:gd name="connsiteX0" fmla="*/ 0 w 71660"/>
+              <a:gd name="connsiteY0" fmla="*/ 0 h 384419"/>
+              <a:gd name="connsiteX1" fmla="*/ 26987 w 71660"/>
+              <a:gd name="connsiteY1" fmla="*/ 384175 h 384419"/>
+              <a:gd name="connsiteX0" fmla="*/ 0 w 135675"/>
+              <a:gd name="connsiteY0" fmla="*/ 0 h 384407"/>
+              <a:gd name="connsiteX1" fmla="*/ 26987 w 135675"/>
+              <a:gd name="connsiteY1" fmla="*/ 384175 h 384407"/>
+              <a:gd name="connsiteX0" fmla="*/ 0 w 134669"/>
+              <a:gd name="connsiteY0" fmla="*/ 0 h 384175"/>
+              <a:gd name="connsiteX1" fmla="*/ 26987 w 134669"/>
+              <a:gd name="connsiteY1" fmla="*/ 384175 h 384175"/>
+              <a:gd name="connsiteX0" fmla="*/ 138113 w 227386"/>
+              <a:gd name="connsiteY0" fmla="*/ 0 h 352425"/>
+              <a:gd name="connsiteX1" fmla="*/ 0 w 227386"/>
+              <a:gd name="connsiteY1" fmla="*/ 352425 h 352425"/>
+              <a:gd name="connsiteX0" fmla="*/ 303213 w 369292"/>
+              <a:gd name="connsiteY0" fmla="*/ 0 h 123825"/>
+              <a:gd name="connsiteX1" fmla="*/ 0 w 369292"/>
+              <a:gd name="connsiteY1" fmla="*/ 123825 h 123825"/>
+              <a:gd name="connsiteX0" fmla="*/ 303213 w 369911"/>
+              <a:gd name="connsiteY0" fmla="*/ 0 h 127525"/>
+              <a:gd name="connsiteX1" fmla="*/ 0 w 369911"/>
+              <a:gd name="connsiteY1" fmla="*/ 123825 h 127525"/>
+              <a:gd name="connsiteX0" fmla="*/ 303213 w 303213"/>
+              <a:gd name="connsiteY0" fmla="*/ 0 h 130453"/>
+              <a:gd name="connsiteX1" fmla="*/ 0 w 303213"/>
+              <a:gd name="connsiteY1" fmla="*/ 123825 h 130453"/>
+              <a:gd name="connsiteX0" fmla="*/ 112713 w 112713"/>
+              <a:gd name="connsiteY0" fmla="*/ 0 h 82798"/>
+              <a:gd name="connsiteX1" fmla="*/ 0 w 112713"/>
+              <a:gd name="connsiteY1" fmla="*/ 57150 h 82798"/>
+              <a:gd name="connsiteX0" fmla="*/ 28 w 477880"/>
+              <a:gd name="connsiteY0" fmla="*/ 0 h 391472"/>
+              <a:gd name="connsiteX1" fmla="*/ 468340 w 477880"/>
+              <a:gd name="connsiteY1" fmla="*/ 390525 h 391472"/>
+              <a:gd name="connsiteX0" fmla="*/ 33 w 468345"/>
+              <a:gd name="connsiteY0" fmla="*/ 0 h 404769"/>
+              <a:gd name="connsiteX1" fmla="*/ 468345 w 468345"/>
+              <a:gd name="connsiteY1" fmla="*/ 390525 h 404769"/>
+              <a:gd name="connsiteX0" fmla="*/ 32 w 500094"/>
+              <a:gd name="connsiteY0" fmla="*/ 0 h 346786"/>
+              <a:gd name="connsiteX1" fmla="*/ 500094 w 500094"/>
+              <a:gd name="connsiteY1" fmla="*/ 330200 h 346786"/>
+              <a:gd name="connsiteX0" fmla="*/ 28 w 504173"/>
+              <a:gd name="connsiteY0" fmla="*/ 0 h 392138"/>
+              <a:gd name="connsiteX1" fmla="*/ 500090 w 504173"/>
+              <a:gd name="connsiteY1" fmla="*/ 330200 h 392138"/>
+              <a:gd name="connsiteX0" fmla="*/ 28 w 505043"/>
+              <a:gd name="connsiteY0" fmla="*/ 0 h 383703"/>
+              <a:gd name="connsiteX1" fmla="*/ 500090 w 505043"/>
+              <a:gd name="connsiteY1" fmla="*/ 330200 h 383703"/>
+              <a:gd name="connsiteX0" fmla="*/ 0 w 506480"/>
+              <a:gd name="connsiteY0" fmla="*/ 1467 h 373801"/>
+              <a:gd name="connsiteX1" fmla="*/ 500062 w 506480"/>
+              <a:gd name="connsiteY1" fmla="*/ 331667 h 373801"/>
+              <a:gd name="connsiteX0" fmla="*/ 0 w 500062"/>
+              <a:gd name="connsiteY0" fmla="*/ 1364 h 388684"/>
+              <a:gd name="connsiteX1" fmla="*/ 500062 w 500062"/>
+              <a:gd name="connsiteY1" fmla="*/ 331564 h 388684"/>
+              <a:gd name="connsiteX0" fmla="*/ 0 w 500062"/>
+              <a:gd name="connsiteY0" fmla="*/ 1459 h 374829"/>
+              <a:gd name="connsiteX1" fmla="*/ 500062 w 500062"/>
+              <a:gd name="connsiteY1" fmla="*/ 331659 h 374829"/>
+            </a:gdLst>
+            <a:ahLst/>
+            <a:cxnLst>
+              <a:cxn ang="0">
+                <a:pos x="connsiteX0" y="connsiteY0"/>
+              </a:cxn>
+              <a:cxn ang="0">
+                <a:pos x="connsiteX1" y="connsiteY1"/>
+              </a:cxn>
+            </a:cxnLst>
+            <a:rect l="l" t="t" r="r" b="b"/>
+            <a:pathLst>
+              <a:path w="500062" h="374829">
+                <a:moveTo>
+                  <a:pt x="0" y="1459"/>
+                </a:moveTo>
+                <a:cubicBezTo>
+                  <a:pt x="138311" y="-32276"/>
+                  <a:pt x="407988" y="532081"/>
+                  <a:pt x="500062" y="331659"/>
+                </a:cubicBezTo>
+              </a:path>
+            </a:pathLst>
+          </a:custGeom>
+          <a:ln>
+            <a:prstDash val="sysDot"/>
+            <a:headEnd type="none" w="sm" len="sm"/>
+            <a:tailEnd type="triangle" w="sm" len="sm"/>
+          </a:ln>
+        </p:spPr>
+        <p:style>
+          <a:lnRef idx="1">
+            <a:schemeClr val="accent3"/>
+          </a:lnRef>
+          <a:fillRef idx="0">
+            <a:schemeClr val="accent3"/>
+          </a:fillRef>
+          <a:effectRef idx="0">
+            <a:schemeClr val="accent3"/>
+          </a:effectRef>
+          <a:fontRef idx="minor">
+            <a:schemeClr val="tx1"/>
+          </a:fontRef>
+        </p:style>
+        <p:txBody>
+          <a:bodyPr rtlCol="0" anchor="ctr"/>
+          <a:lstStyle/>
+          <a:p>
+            <a:pPr algn="ctr"/>
+            <a:endParaRPr lang="en-GB"/>
+          </a:p>
+        </p:txBody>
+      </p:sp>
+      <p:sp>
+        <p:nvSpPr>
+          <p:cNvPr id="119" name="TextBox 118">
+            <a:extLst>
+              <a:ext uri="{FF2B5EF4-FFF2-40B4-BE49-F238E27FC236}">
+                <a16:creationId xmlns:a16="http://schemas.microsoft.com/office/drawing/2014/main" id="{E448995F-4C9C-0F4D-B066-85AEBD4AB00D}"/>
+              </a:ext>
+            </a:extLst>
+          </p:cNvPr>
+          <p:cNvSpPr txBox="1"/>
+          <p:nvPr/>
+        </p:nvSpPr>
+        <p:spPr>
+          <a:xfrm>
+            <a:off x="5251863" y="1337148"/>
+            <a:ext cx="1122481" cy="138499"/>
+          </a:xfrm>
+          <a:prstGeom prst="rect">
+            <a:avLst/>
+          </a:prstGeom>
+          <a:noFill/>
+          <a:ln>
+            <a:noFill/>
+          </a:ln>
+        </p:spPr>
+        <p:txBody>
+          <a:bodyPr wrap="square" lIns="0" tIns="0" rIns="0" bIns="0" rtlCol="0">
+            <a:spAutoFit/>
+          </a:bodyPr>
+          <a:lstStyle>
+            <a:defPPr>
+              <a:defRPr lang="en-US"/>
+            </a:defPPr>
+            <a:lvl1pPr>
+              <a:defRPr sz="900"/>
+            </a:lvl1pPr>
+          </a:lstStyle>
+          <a:p>
+            <a:r>
+              <a:rPr lang="en-GB" dirty="0"/>
+              <a:t>angle_link_4</a:t>
+            </a:r>
+          </a:p>
+        </p:txBody>
+      </p:sp>
+      <p:sp>
+        <p:nvSpPr>
+          <p:cNvPr id="121" name="TextBox 120">
+            <a:extLst>
+              <a:ext uri="{FF2B5EF4-FFF2-40B4-BE49-F238E27FC236}">
+                <a16:creationId xmlns:a16="http://schemas.microsoft.com/office/drawing/2014/main" id="{9507EDAE-7EE3-3D43-AA78-CBA9B6EA2690}"/>
+              </a:ext>
+            </a:extLst>
+          </p:cNvPr>
+          <p:cNvSpPr txBox="1"/>
+          <p:nvPr/>
+        </p:nvSpPr>
+        <p:spPr>
+          <a:xfrm>
+            <a:off x="5042445" y="1119508"/>
+            <a:ext cx="154845" cy="138499"/>
+          </a:xfrm>
+          <a:prstGeom prst="rect">
+            <a:avLst/>
+          </a:prstGeom>
+          <a:noFill/>
+          <a:ln>
+            <a:noFill/>
+          </a:ln>
+        </p:spPr>
+        <p:txBody>
+          <a:bodyPr wrap="square" lIns="0" tIns="0" rIns="0" bIns="0" rtlCol="0">
+            <a:spAutoFit/>
+          </a:bodyPr>
+          <a:lstStyle/>
+          <a:p>
+            <a:r>
+              <a:rPr lang="en-US" sz="900" dirty="0"/>
+              <a:t>θ</a:t>
+            </a:r>
+            <a:r>
+              <a:rPr lang="en-US" sz="900" baseline="-25000" dirty="0"/>
+              <a:t>3</a:t>
+            </a:r>
+          </a:p>
+        </p:txBody>
+      </p:sp>
+      <p:cxnSp>
+        <p:nvCxnSpPr>
+          <p:cNvPr id="122" name="Straight Connector 121">
+            <a:extLst>
+              <a:ext uri="{FF2B5EF4-FFF2-40B4-BE49-F238E27FC236}">
+                <a16:creationId xmlns:a16="http://schemas.microsoft.com/office/drawing/2014/main" id="{10860B82-EEF7-AE45-BDCC-70EAB0CC29DB}"/>
+              </a:ext>
+            </a:extLst>
+          </p:cNvPr>
+          <p:cNvCxnSpPr>
+            <a:cxnSpLocks/>
+          </p:cNvCxnSpPr>
+          <p:nvPr/>
+        </p:nvCxnSpPr>
+        <p:spPr>
+          <a:xfrm>
+            <a:off x="4468943" y="2083426"/>
+            <a:ext cx="0" cy="563751"/>
+          </a:xfrm>
+          <a:prstGeom prst="line">
+            <a:avLst/>
+          </a:prstGeom>
+          <a:ln>
+            <a:prstDash val="sysDot"/>
+          </a:ln>
+        </p:spPr>
+        <p:style>
+          <a:lnRef idx="1">
+            <a:schemeClr val="accent4"/>
+          </a:lnRef>
+          <a:fillRef idx="0">
+            <a:schemeClr val="accent4"/>
+          </a:fillRef>
+          <a:effectRef idx="0">
+            <a:schemeClr val="accent4"/>
+          </a:effectRef>
+          <a:fontRef idx="minor">
+            <a:schemeClr val="tx1"/>
+          </a:fontRef>
+        </p:style>
+      </p:cxnSp>
+      <p:sp>
+        <p:nvSpPr>
+          <p:cNvPr id="123" name="Freeform: Shape 37">
+            <a:extLst>
+              <a:ext uri="{FF2B5EF4-FFF2-40B4-BE49-F238E27FC236}">
+                <a16:creationId xmlns:a16="http://schemas.microsoft.com/office/drawing/2014/main" id="{35897B0D-0CE7-D948-8BEC-FBF29720FC6B}"/>
+              </a:ext>
+            </a:extLst>
+          </p:cNvPr>
+          <p:cNvSpPr/>
+          <p:nvPr/>
+        </p:nvSpPr>
+        <p:spPr>
+          <a:xfrm>
+            <a:off x="5284139" y="2054575"/>
+            <a:ext cx="140152" cy="65702"/>
+          </a:xfrm>
+          <a:custGeom>
+            <a:avLst/>
+            <a:gdLst>
+              <a:gd name="connsiteX0" fmla="*/ 245269 w 245269"/>
+              <a:gd name="connsiteY0" fmla="*/ 0 h 142875"/>
+              <a:gd name="connsiteX1" fmla="*/ 0 w 245269"/>
+              <a:gd name="connsiteY1" fmla="*/ 142875 h 142875"/>
+              <a:gd name="connsiteX0" fmla="*/ 245269 w 245269"/>
+              <a:gd name="connsiteY0" fmla="*/ 0 h 143620"/>
+              <a:gd name="connsiteX1" fmla="*/ 0 w 245269"/>
+              <a:gd name="connsiteY1" fmla="*/ 142875 h 143620"/>
+              <a:gd name="connsiteX0" fmla="*/ 214313 w 214313"/>
+              <a:gd name="connsiteY0" fmla="*/ 0 h 87425"/>
+              <a:gd name="connsiteX1" fmla="*/ 0 w 214313"/>
+              <a:gd name="connsiteY1" fmla="*/ 85725 h 87425"/>
+              <a:gd name="connsiteX0" fmla="*/ 214313 w 214313"/>
+              <a:gd name="connsiteY0" fmla="*/ 0 h 87829"/>
+              <a:gd name="connsiteX1" fmla="*/ 0 w 214313"/>
+              <a:gd name="connsiteY1" fmla="*/ 85725 h 87829"/>
+              <a:gd name="connsiteX0" fmla="*/ 52388 w 53091"/>
+              <a:gd name="connsiteY0" fmla="*/ 0 h 115493"/>
+              <a:gd name="connsiteX1" fmla="*/ 0 w 53091"/>
+              <a:gd name="connsiteY1" fmla="*/ 114300 h 115493"/>
+              <a:gd name="connsiteX0" fmla="*/ 453 w 235711"/>
+              <a:gd name="connsiteY0" fmla="*/ 0 h 109273"/>
+              <a:gd name="connsiteX1" fmla="*/ 221115 w 235711"/>
+              <a:gd name="connsiteY1" fmla="*/ 107950 h 109273"/>
+              <a:gd name="connsiteX0" fmla="*/ 0 w 238528"/>
+              <a:gd name="connsiteY0" fmla="*/ 0 h 110334"/>
+              <a:gd name="connsiteX1" fmla="*/ 220662 w 238528"/>
+              <a:gd name="connsiteY1" fmla="*/ 107950 h 110334"/>
+              <a:gd name="connsiteX0" fmla="*/ 0 w 71660"/>
+              <a:gd name="connsiteY0" fmla="*/ 0 h 384419"/>
+              <a:gd name="connsiteX1" fmla="*/ 26987 w 71660"/>
+              <a:gd name="connsiteY1" fmla="*/ 384175 h 384419"/>
+              <a:gd name="connsiteX0" fmla="*/ 0 w 135675"/>
+              <a:gd name="connsiteY0" fmla="*/ 0 h 384407"/>
+              <a:gd name="connsiteX1" fmla="*/ 26987 w 135675"/>
+              <a:gd name="connsiteY1" fmla="*/ 384175 h 384407"/>
+              <a:gd name="connsiteX0" fmla="*/ 0 w 134669"/>
+              <a:gd name="connsiteY0" fmla="*/ 0 h 384175"/>
+              <a:gd name="connsiteX1" fmla="*/ 26987 w 134669"/>
+              <a:gd name="connsiteY1" fmla="*/ 384175 h 384175"/>
+              <a:gd name="connsiteX0" fmla="*/ 201613 w 280325"/>
+              <a:gd name="connsiteY0" fmla="*/ 0 h 184150"/>
+              <a:gd name="connsiteX1" fmla="*/ 0 w 280325"/>
+              <a:gd name="connsiteY1" fmla="*/ 184150 h 184150"/>
+              <a:gd name="connsiteX0" fmla="*/ 201613 w 201613"/>
+              <a:gd name="connsiteY0" fmla="*/ 4403 h 188553"/>
+              <a:gd name="connsiteX1" fmla="*/ 0 w 201613"/>
+              <a:gd name="connsiteY1" fmla="*/ 188553 h 188553"/>
+              <a:gd name="connsiteX0" fmla="*/ 131763 w 131763"/>
+              <a:gd name="connsiteY0" fmla="*/ 3872 h 210247"/>
+              <a:gd name="connsiteX1" fmla="*/ 0 w 131763"/>
+              <a:gd name="connsiteY1" fmla="*/ 210247 h 210247"/>
+              <a:gd name="connsiteX0" fmla="*/ 131763 w 131763"/>
+              <a:gd name="connsiteY0" fmla="*/ 4552 h 210927"/>
+              <a:gd name="connsiteX1" fmla="*/ 0 w 131763"/>
+              <a:gd name="connsiteY1" fmla="*/ 210927 h 210927"/>
+              <a:gd name="connsiteX0" fmla="*/ 131867 w 131867"/>
+              <a:gd name="connsiteY0" fmla="*/ 4734 h 211109"/>
+              <a:gd name="connsiteX1" fmla="*/ 104 w 131867"/>
+              <a:gd name="connsiteY1" fmla="*/ 211109 h 211109"/>
+              <a:gd name="connsiteX0" fmla="*/ 140245 w 140245"/>
+              <a:gd name="connsiteY0" fmla="*/ 84976 h 84976"/>
+              <a:gd name="connsiteX1" fmla="*/ 93 w 140245"/>
+              <a:gd name="connsiteY1" fmla="*/ 48071 h 84976"/>
+              <a:gd name="connsiteX0" fmla="*/ 140152 w 140152"/>
+              <a:gd name="connsiteY0" fmla="*/ 36905 h 40205"/>
+              <a:gd name="connsiteX1" fmla="*/ 0 w 140152"/>
+              <a:gd name="connsiteY1" fmla="*/ 0 h 40205"/>
+              <a:gd name="connsiteX0" fmla="*/ 140152 w 140152"/>
+              <a:gd name="connsiteY0" fmla="*/ 36905 h 65702"/>
+              <a:gd name="connsiteX1" fmla="*/ 0 w 140152"/>
+              <a:gd name="connsiteY1" fmla="*/ 0 h 65702"/>
+            </a:gdLst>
+            <a:ahLst/>
+            <a:cxnLst>
+              <a:cxn ang="0">
+                <a:pos x="connsiteX0" y="connsiteY0"/>
+              </a:cxn>
+              <a:cxn ang="0">
+                <a:pos x="connsiteX1" y="connsiteY1"/>
+              </a:cxn>
+            </a:cxnLst>
+            <a:rect l="l" t="t" r="r" b="b"/>
+            <a:pathLst>
+              <a:path w="140152" h="65702">
+                <a:moveTo>
+                  <a:pt x="140152" y="36905"/>
+                </a:moveTo>
+                <a:cubicBezTo>
+                  <a:pt x="71069" y="77651"/>
+                  <a:pt x="38771" y="83238"/>
+                  <a:pt x="0" y="0"/>
+                </a:cubicBezTo>
+              </a:path>
+            </a:pathLst>
+          </a:custGeom>
+          <a:ln>
+            <a:prstDash val="sysDot"/>
+            <a:headEnd type="none" w="sm" len="sm"/>
+            <a:tailEnd type="triangle" w="sm" len="sm"/>
+          </a:ln>
+        </p:spPr>
+        <p:style>
+          <a:lnRef idx="1">
+            <a:schemeClr val="accent3"/>
+          </a:lnRef>
+          <a:fillRef idx="0">
+            <a:schemeClr val="accent3"/>
+          </a:fillRef>
+          <a:effectRef idx="0">
+            <a:schemeClr val="accent3"/>
+          </a:effectRef>
+          <a:fontRef idx="minor">
+            <a:schemeClr val="tx1"/>
+          </a:fontRef>
+        </p:style>
+        <p:txBody>
+          <a:bodyPr rtlCol="0" anchor="ctr"/>
+          <a:lstStyle/>
+          <a:p>
+            <a:pPr algn="ctr"/>
+            <a:endParaRPr lang="en-GB"/>
+          </a:p>
+        </p:txBody>
+      </p:sp>
+      <p:sp>
+        <p:nvSpPr>
+          <p:cNvPr id="130" name="Freeform 129">
+            <a:extLst>
+              <a:ext uri="{FF2B5EF4-FFF2-40B4-BE49-F238E27FC236}">
+                <a16:creationId xmlns:a16="http://schemas.microsoft.com/office/drawing/2014/main" id="{337CB960-13F5-214C-ADFC-1DB5FAA40D1A}"/>
+              </a:ext>
+            </a:extLst>
+          </p:cNvPr>
+          <p:cNvSpPr/>
+          <p:nvPr/>
+        </p:nvSpPr>
+        <p:spPr>
+          <a:xfrm>
+            <a:off x="4379954" y="2222682"/>
+            <a:ext cx="335313" cy="261216"/>
+          </a:xfrm>
+          <a:custGeom>
+            <a:avLst/>
+            <a:gdLst>
+              <a:gd name="connsiteX0" fmla="*/ 0 w 147545"/>
+              <a:gd name="connsiteY0" fmla="*/ 0 h 212781"/>
+              <a:gd name="connsiteX1" fmla="*/ 146050 w 147545"/>
+              <a:gd name="connsiteY1" fmla="*/ 200025 h 212781"/>
+              <a:gd name="connsiteX2" fmla="*/ 79375 w 147545"/>
+              <a:gd name="connsiteY2" fmla="*/ 203200 h 212781"/>
+              <a:gd name="connsiteX0" fmla="*/ 0 w 153794"/>
+              <a:gd name="connsiteY0" fmla="*/ 0 h 203200"/>
+              <a:gd name="connsiteX1" fmla="*/ 152400 w 153794"/>
+              <a:gd name="connsiteY1" fmla="*/ 66675 h 203200"/>
+              <a:gd name="connsiteX2" fmla="*/ 79375 w 153794"/>
+              <a:gd name="connsiteY2" fmla="*/ 203200 h 203200"/>
+              <a:gd name="connsiteX0" fmla="*/ 0 w 79375"/>
+              <a:gd name="connsiteY0" fmla="*/ 0 h 203200"/>
+              <a:gd name="connsiteX1" fmla="*/ 79375 w 79375"/>
+              <a:gd name="connsiteY1" fmla="*/ 203200 h 203200"/>
+              <a:gd name="connsiteX0" fmla="*/ 0 w 142919"/>
+              <a:gd name="connsiteY0" fmla="*/ 0 h 203200"/>
+              <a:gd name="connsiteX1" fmla="*/ 79375 w 142919"/>
+              <a:gd name="connsiteY1" fmla="*/ 203200 h 203200"/>
+              <a:gd name="connsiteX0" fmla="*/ 0 w 186211"/>
+              <a:gd name="connsiteY0" fmla="*/ 0 h 203200"/>
+              <a:gd name="connsiteX1" fmla="*/ 79375 w 186211"/>
+              <a:gd name="connsiteY1" fmla="*/ 203200 h 203200"/>
+              <a:gd name="connsiteX0" fmla="*/ 0 w 125812"/>
+              <a:gd name="connsiteY0" fmla="*/ 0 h 203200"/>
+              <a:gd name="connsiteX1" fmla="*/ 79375 w 125812"/>
+              <a:gd name="connsiteY1" fmla="*/ 203200 h 203200"/>
+              <a:gd name="connsiteX0" fmla="*/ 0 w 122234"/>
+              <a:gd name="connsiteY0" fmla="*/ 1233 h 204433"/>
+              <a:gd name="connsiteX1" fmla="*/ 79375 w 122234"/>
+              <a:gd name="connsiteY1" fmla="*/ 204433 h 204433"/>
+              <a:gd name="connsiteX0" fmla="*/ 0 w 148382"/>
+              <a:gd name="connsiteY0" fmla="*/ 1233 h 204433"/>
+              <a:gd name="connsiteX1" fmla="*/ 111125 w 148382"/>
+              <a:gd name="connsiteY1" fmla="*/ 204433 h 204433"/>
+              <a:gd name="connsiteX0" fmla="*/ 0 w 354546"/>
+              <a:gd name="connsiteY0" fmla="*/ 772 h 284406"/>
+              <a:gd name="connsiteX1" fmla="*/ 335492 w 354546"/>
+              <a:gd name="connsiteY1" fmla="*/ 284406 h 284406"/>
+              <a:gd name="connsiteX0" fmla="*/ 0 w 335731"/>
+              <a:gd name="connsiteY0" fmla="*/ 1961 h 285595"/>
+              <a:gd name="connsiteX1" fmla="*/ 335492 w 335731"/>
+              <a:gd name="connsiteY1" fmla="*/ 285595 h 285595"/>
+              <a:gd name="connsiteX0" fmla="*/ 0 w 336219"/>
+              <a:gd name="connsiteY0" fmla="*/ 60 h 283694"/>
+              <a:gd name="connsiteX1" fmla="*/ 335492 w 336219"/>
+              <a:gd name="connsiteY1" fmla="*/ 283694 h 283694"/>
+              <a:gd name="connsiteX0" fmla="*/ 0 w 335839"/>
+              <a:gd name="connsiteY0" fmla="*/ 0 h 283634"/>
+              <a:gd name="connsiteX1" fmla="*/ 335492 w 335839"/>
+              <a:gd name="connsiteY1" fmla="*/ 283634 h 283634"/>
+              <a:gd name="connsiteX0" fmla="*/ 0 w 335492"/>
+              <a:gd name="connsiteY0" fmla="*/ 0 h 283634"/>
+              <a:gd name="connsiteX1" fmla="*/ 335492 w 335492"/>
+              <a:gd name="connsiteY1" fmla="*/ 283634 h 283634"/>
+              <a:gd name="connsiteX0" fmla="*/ 0 w 113242"/>
+              <a:gd name="connsiteY0" fmla="*/ 23817 h 101076"/>
+              <a:gd name="connsiteX1" fmla="*/ 113242 w 113242"/>
+              <a:gd name="connsiteY1" fmla="*/ 101076 h 101076"/>
+              <a:gd name="connsiteX0" fmla="*/ 0 w 131430"/>
+              <a:gd name="connsiteY0" fmla="*/ 0 h 77259"/>
+              <a:gd name="connsiteX1" fmla="*/ 113242 w 131430"/>
+              <a:gd name="connsiteY1" fmla="*/ 77259 h 77259"/>
+              <a:gd name="connsiteX0" fmla="*/ 0 w 88086"/>
+              <a:gd name="connsiteY0" fmla="*/ 0 h 96309"/>
+              <a:gd name="connsiteX1" fmla="*/ 33867 w 88086"/>
+              <a:gd name="connsiteY1" fmla="*/ 96309 h 96309"/>
+              <a:gd name="connsiteX0" fmla="*/ 0 w 51968"/>
+              <a:gd name="connsiteY0" fmla="*/ 0 h 96309"/>
+              <a:gd name="connsiteX1" fmla="*/ 33867 w 51968"/>
+              <a:gd name="connsiteY1" fmla="*/ 96309 h 96309"/>
+              <a:gd name="connsiteX0" fmla="*/ 0 w 65690"/>
+              <a:gd name="connsiteY0" fmla="*/ 0 h 93134"/>
+              <a:gd name="connsiteX1" fmla="*/ 52917 w 65690"/>
+              <a:gd name="connsiteY1" fmla="*/ 93134 h 93134"/>
+              <a:gd name="connsiteX0" fmla="*/ 0 w 171150"/>
+              <a:gd name="connsiteY0" fmla="*/ 0 h 229659"/>
+              <a:gd name="connsiteX1" fmla="*/ 167217 w 171150"/>
+              <a:gd name="connsiteY1" fmla="*/ 229659 h 229659"/>
+              <a:gd name="connsiteX0" fmla="*/ 0 w 172717"/>
+              <a:gd name="connsiteY0" fmla="*/ 0 h 229659"/>
+              <a:gd name="connsiteX1" fmla="*/ 167217 w 172717"/>
+              <a:gd name="connsiteY1" fmla="*/ 229659 h 229659"/>
+              <a:gd name="connsiteX0" fmla="*/ 0 w 178939"/>
+              <a:gd name="connsiteY0" fmla="*/ 0 h 229659"/>
+              <a:gd name="connsiteX1" fmla="*/ 167217 w 178939"/>
+              <a:gd name="connsiteY1" fmla="*/ 229659 h 229659"/>
+              <a:gd name="connsiteX0" fmla="*/ 0 w 248138"/>
+              <a:gd name="connsiteY0" fmla="*/ 0 h 432859"/>
+              <a:gd name="connsiteX1" fmla="*/ 240242 w 248138"/>
+              <a:gd name="connsiteY1" fmla="*/ 432859 h 432859"/>
+              <a:gd name="connsiteX0" fmla="*/ 0 w 265317"/>
+              <a:gd name="connsiteY0" fmla="*/ 0 h 432859"/>
+              <a:gd name="connsiteX1" fmla="*/ 240242 w 265317"/>
+              <a:gd name="connsiteY1" fmla="*/ 432859 h 432859"/>
+              <a:gd name="connsiteX0" fmla="*/ 0 w 274098"/>
+              <a:gd name="connsiteY0" fmla="*/ 0 h 432859"/>
+              <a:gd name="connsiteX1" fmla="*/ 240242 w 274098"/>
+              <a:gd name="connsiteY1" fmla="*/ 432859 h 432859"/>
+              <a:gd name="connsiteX0" fmla="*/ 0 w 205687"/>
+              <a:gd name="connsiteY0" fmla="*/ 0 h 382525"/>
+              <a:gd name="connsiteX1" fmla="*/ 156353 w 205687"/>
+              <a:gd name="connsiteY1" fmla="*/ 382525 h 382525"/>
+              <a:gd name="connsiteX0" fmla="*/ 0 w 205687"/>
+              <a:gd name="connsiteY0" fmla="*/ 0 h 357358"/>
+              <a:gd name="connsiteX1" fmla="*/ 156353 w 205687"/>
+              <a:gd name="connsiteY1" fmla="*/ 357358 h 357358"/>
+              <a:gd name="connsiteX0" fmla="*/ 0 w 201431"/>
+              <a:gd name="connsiteY0" fmla="*/ 0 h 357358"/>
+              <a:gd name="connsiteX1" fmla="*/ 156353 w 201431"/>
+              <a:gd name="connsiteY1" fmla="*/ 357358 h 357358"/>
+              <a:gd name="connsiteX0" fmla="*/ 0 w 185462"/>
+              <a:gd name="connsiteY0" fmla="*/ 0 h 378330"/>
+              <a:gd name="connsiteX1" fmla="*/ 135381 w 185462"/>
+              <a:gd name="connsiteY1" fmla="*/ 378330 h 378330"/>
+              <a:gd name="connsiteX0" fmla="*/ 0 w 188590"/>
+              <a:gd name="connsiteY0" fmla="*/ 0 h 369941"/>
+              <a:gd name="connsiteX1" fmla="*/ 139576 w 188590"/>
+              <a:gd name="connsiteY1" fmla="*/ 369941 h 369941"/>
+              <a:gd name="connsiteX0" fmla="*/ 338597 w 383179"/>
+              <a:gd name="connsiteY0" fmla="*/ 0 h 265079"/>
+              <a:gd name="connsiteX1" fmla="*/ 0 w 383179"/>
+              <a:gd name="connsiteY1" fmla="*/ 265079 h 265079"/>
+              <a:gd name="connsiteX0" fmla="*/ 338597 w 395199"/>
+              <a:gd name="connsiteY0" fmla="*/ 0 h 278156"/>
+              <a:gd name="connsiteX1" fmla="*/ 0 w 395199"/>
+              <a:gd name="connsiteY1" fmla="*/ 265079 h 278156"/>
+              <a:gd name="connsiteX0" fmla="*/ 338597 w 355806"/>
+              <a:gd name="connsiteY0" fmla="*/ 0 h 283989"/>
+              <a:gd name="connsiteX1" fmla="*/ 0 w 355806"/>
+              <a:gd name="connsiteY1" fmla="*/ 265079 h 283989"/>
+              <a:gd name="connsiteX0" fmla="*/ 330208 w 347982"/>
+              <a:gd name="connsiteY0" fmla="*/ 0 h 260863"/>
+              <a:gd name="connsiteX1" fmla="*/ 0 w 347982"/>
+              <a:gd name="connsiteY1" fmla="*/ 239912 h 260863"/>
+              <a:gd name="connsiteX0" fmla="*/ 330208 w 335313"/>
+              <a:gd name="connsiteY0" fmla="*/ 0 h 261216"/>
+              <a:gd name="connsiteX1" fmla="*/ 0 w 335313"/>
+              <a:gd name="connsiteY1" fmla="*/ 239912 h 261216"/>
+            </a:gdLst>
+            <a:ahLst/>
+            <a:cxnLst>
+              <a:cxn ang="0">
+                <a:pos x="connsiteX0" y="connsiteY0"/>
+              </a:cxn>
+              <a:cxn ang="0">
+                <a:pos x="connsiteX1" y="connsiteY1"/>
+              </a:cxn>
+            </a:cxnLst>
+            <a:rect l="l" t="t" r="r" b="b"/>
+            <a:pathLst>
+              <a:path w="335313" h="261216">
+                <a:moveTo>
+                  <a:pt x="330208" y="0"/>
+                </a:moveTo>
+                <a:cubicBezTo>
+                  <a:pt x="363512" y="167186"/>
+                  <a:pt x="231629" y="318326"/>
+                  <a:pt x="0" y="239912"/>
+                </a:cubicBezTo>
+              </a:path>
+            </a:pathLst>
+          </a:custGeom>
+          <a:noFill/>
+          <a:ln>
+            <a:solidFill>
+              <a:schemeClr val="tx1"/>
+            </a:solidFill>
+            <a:headEnd type="triangle" w="med" len="med"/>
+            <a:tailEnd type="none" w="sm" len="med"/>
+          </a:ln>
+        </p:spPr>
+        <p:style>
+          <a:lnRef idx="2">
+            <a:schemeClr val="accent1">
+              <a:shade val="50000"/>
+            </a:schemeClr>
+          </a:lnRef>
+          <a:fillRef idx="1">
+            <a:schemeClr val="accent1"/>
+          </a:fillRef>
+          <a:effectRef idx="0">
+            <a:schemeClr val="accent1"/>
+          </a:effectRef>
+          <a:fontRef idx="minor">
+            <a:schemeClr val="lt1"/>
+          </a:fontRef>
+        </p:style>
+        <p:txBody>
+          <a:bodyPr rtlCol="0" anchor="ctr"/>
+          <a:lstStyle/>
+          <a:p>
+            <a:pPr algn="ctr"/>
+            <a:endParaRPr lang="en-US"/>
+          </a:p>
+        </p:txBody>
+      </p:sp>
+    </p:spTree>
+    <p:extLst>
+      <p:ext uri="{BB962C8B-B14F-4D97-AF65-F5344CB8AC3E}">
+        <p14:creationId xmlns:p14="http://schemas.microsoft.com/office/powerpoint/2010/main" val="3840899521"/>
+      </p:ext>
+    </p:extLst>
+  </p:cSld>
+  <p:clrMapOvr>
+    <a:masterClrMapping/>
+  </p:clrMapOvr>
+</p:sld>
+</file>
+
+<file path=ppt/slides/slide4.xml><?xml version="1.0" encoding="utf-8"?>
+<p:sld xmlns:a="http://schemas.openxmlformats.org/drawingml/2006/main" xmlns:r="http://schemas.openxmlformats.org/officeDocument/2006/relationships" xmlns:p="http://schemas.openxmlformats.org/presentationml/2006/main">
+  <p:cSld>
+    <p:spTree>
+      <p:nvGrpSpPr>
+        <p:cNvPr id="1" name=""/>
+        <p:cNvGrpSpPr/>
+        <p:nvPr/>
+      </p:nvGrpSpPr>
+      <p:grpSpPr>
+        <a:xfrm>
+          <a:off x="0" y="0"/>
+          <a:ext cx="0" cy="0"/>
+          <a:chOff x="0" y="0"/>
+          <a:chExt cx="0" cy="0"/>
+        </a:xfrm>
+      </p:grpSpPr>
+      <p:sp>
+        <p:nvSpPr>
+          <p:cNvPr id="2" name="TextBox 1">
+            <a:extLst>
+              <a:ext uri="{FF2B5EF4-FFF2-40B4-BE49-F238E27FC236}">
+                <a16:creationId xmlns:a16="http://schemas.microsoft.com/office/drawing/2014/main" id="{6BDA9042-E77E-9647-90C8-02536F6362EF}"/>
+              </a:ext>
+            </a:extLst>
+          </p:cNvPr>
+          <p:cNvSpPr txBox="1"/>
+          <p:nvPr/>
+        </p:nvSpPr>
+        <p:spPr>
+          <a:xfrm>
+            <a:off x="372532" y="797510"/>
+            <a:ext cx="11819467" cy="5478423"/>
+          </a:xfrm>
+          <a:prstGeom prst="rect">
+            <a:avLst/>
+          </a:prstGeom>
+          <a:noFill/>
+        </p:spPr>
+        <p:txBody>
+          <a:bodyPr wrap="square" rtlCol="0">
+            <a:spAutoFit/>
+          </a:bodyPr>
+          <a:lstStyle/>
+          <a:p>
+            <a:pPr marL="342900" lvl="0" indent="-342900">
+              <a:buFont typeface="+mj-lt"/>
+              <a:buAutoNum type="arabicPeriod"/>
+            </a:pPr>
+            <a:r>
+              <a:rPr lang="en-GB" sz="1400" dirty="0"/>
+              <a:t>work out theta1 from relative position of </a:t>
+            </a:r>
+            <a:r>
+              <a:rPr lang="en-GB" sz="1400" dirty="0" err="1"/>
+              <a:t>wy</a:t>
+            </a:r>
+            <a:r>
+              <a:rPr lang="en-GB" sz="1400" dirty="0"/>
+              <a:t> and </a:t>
+            </a:r>
+            <a:r>
+              <a:rPr lang="en-GB" sz="1400" dirty="0" err="1"/>
+              <a:t>wx</a:t>
+            </a:r>
+            <a:endParaRPr lang="en-GB" sz="1400" dirty="0"/>
+          </a:p>
+          <a:p>
+            <a:pPr marL="342900" lvl="0" indent="-342900">
+              <a:buFont typeface="+mj-lt"/>
+              <a:buAutoNum type="arabicPeriod"/>
+            </a:pPr>
+            <a:r>
+              <a:rPr lang="en-GB" sz="1400" dirty="0"/>
+              <a:t>all of the rest of </a:t>
+            </a:r>
+            <a:r>
+              <a:rPr lang="en-GB" sz="1400" dirty="0" err="1"/>
+              <a:t>teh</a:t>
+            </a:r>
+            <a:r>
+              <a:rPr lang="en-GB" sz="1400" dirty="0"/>
+              <a:t> steps can be completed in the plane </a:t>
+            </a:r>
+            <a:r>
+              <a:rPr lang="en-GB" sz="1400" dirty="0" err="1"/>
+              <a:t>xz</a:t>
+            </a:r>
+            <a:endParaRPr lang="en-GB" sz="1400" dirty="0"/>
+          </a:p>
+          <a:p>
+            <a:pPr marL="342900" lvl="0" indent="-342900">
+              <a:buFont typeface="+mj-lt"/>
+              <a:buAutoNum type="arabicPeriod"/>
+            </a:pPr>
+            <a:r>
+              <a:rPr lang="en-GB" sz="1400" dirty="0"/>
+              <a:t>calculate the length of the line J3 -&gt; J5(WC)</a:t>
+            </a:r>
+          </a:p>
+          <a:p>
+            <a:pPr marL="800100" lvl="1" indent="-342900">
+              <a:buFont typeface="+mj-lt"/>
+              <a:buAutoNum type="arabicPeriod"/>
+            </a:pPr>
+            <a:r>
+              <a:rPr lang="en-GB" sz="1400" dirty="0"/>
+              <a:t>this step can be completed outside the for loop as this is fixed as J4 rotates around X in this plane</a:t>
+            </a:r>
+          </a:p>
+          <a:p>
+            <a:pPr marL="800100" lvl="1" indent="-342900">
+              <a:buFont typeface="+mj-lt"/>
+              <a:buAutoNum type="arabicPeriod"/>
+            </a:pPr>
+            <a:r>
+              <a:rPr lang="en-GB" sz="1400" dirty="0"/>
+              <a:t>From the URDF, we know that J4 is at (0.96, -0.054) with respect to J3</a:t>
+            </a:r>
+          </a:p>
+          <a:p>
+            <a:pPr marL="800100" lvl="1" indent="-342900">
+              <a:buFont typeface="+mj-lt"/>
+              <a:buAutoNum type="arabicPeriod"/>
+            </a:pPr>
+            <a:r>
+              <a:rPr lang="en-GB" sz="1400" dirty="0"/>
+              <a:t>From the URDF, we know that J5 is at (0.96+0.54, -0.054) with respect to J3</a:t>
+            </a:r>
+          </a:p>
+          <a:p>
+            <a:pPr marL="800100" lvl="1" indent="-342900">
+              <a:buFont typeface="+mj-lt"/>
+              <a:buAutoNum type="arabicPeriod"/>
+            </a:pPr>
+            <a:r>
+              <a:rPr lang="en-GB" sz="1400" dirty="0"/>
+              <a:t>Using Pythagoras theorem we can calculate the length J3-J4 as sqrt(0.96**2, 0.052**2)</a:t>
+            </a:r>
+          </a:p>
+          <a:p>
+            <a:pPr marL="800100" lvl="1" indent="-342900">
+              <a:buFont typeface="+mj-lt"/>
+              <a:buAutoNum type="arabicPeriod"/>
+            </a:pPr>
+            <a:r>
+              <a:rPr lang="en-GB" sz="1400" dirty="0"/>
+              <a:t>Using atan2 we can work out the angle of J5 WRT J3</a:t>
+            </a:r>
+          </a:p>
+          <a:p>
+            <a:pPr marL="800100" lvl="1" indent="-342900">
+              <a:buFont typeface="+mj-lt"/>
+              <a:buAutoNum type="arabicPeriod"/>
+            </a:pPr>
+            <a:r>
+              <a:rPr lang="en-GB" sz="1400" dirty="0"/>
+              <a:t>Using atan2, work out angle of J4 WRT J3</a:t>
+            </a:r>
+          </a:p>
+          <a:p>
+            <a:pPr marL="800100" lvl="1" indent="-342900">
+              <a:buFont typeface="+mj-lt"/>
+              <a:buAutoNum type="arabicPeriod"/>
+            </a:pPr>
+            <a:r>
+              <a:rPr lang="en-GB" sz="1400" dirty="0"/>
+              <a:t>Angle J4-J3-J5 (i.e. the angle at J3 between the lines J3-J5 and J3-J4) is the difference between these two</a:t>
+            </a:r>
+          </a:p>
+          <a:p>
+            <a:pPr marL="800100" lvl="1" indent="-342900">
+              <a:buFont typeface="+mj-lt"/>
+              <a:buAutoNum type="arabicPeriod"/>
+            </a:pPr>
+            <a:r>
+              <a:rPr lang="en-GB" sz="1400" dirty="0"/>
+              <a:t>Knowing the lengths of 2 sides and the angle, we use cosine rule to say that the length J3-J5 is sqrt(length J3-4**2 + 0.54** - 2 * length J3-4 * 0.54*cos(angle J4-J3-J5))</a:t>
+            </a:r>
+          </a:p>
+          <a:p>
+            <a:pPr marL="342900" lvl="0" indent="-342900">
+              <a:buFont typeface="+mj-lt"/>
+              <a:buAutoNum type="arabicPeriod"/>
+            </a:pPr>
+            <a:r>
+              <a:rPr lang="en-GB" sz="1400" dirty="0"/>
+              <a:t>Calculate the length of the line J2-J5(WC)</a:t>
+            </a:r>
+          </a:p>
+          <a:p>
+            <a:pPr marL="800100" lvl="1" indent="-342900">
+              <a:buFont typeface="+mj-lt"/>
+              <a:buAutoNum type="arabicPeriod"/>
+            </a:pPr>
+            <a:r>
+              <a:rPr lang="en-GB" sz="1400" dirty="0"/>
+              <a:t>Adjust WC for plane </a:t>
+            </a:r>
+            <a:r>
+              <a:rPr lang="en-GB" sz="1400" dirty="0" err="1"/>
+              <a:t>yz</a:t>
+            </a:r>
+            <a:r>
+              <a:rPr lang="en-GB" sz="1400" dirty="0"/>
+              <a:t> and with J2 at zero:</a:t>
+            </a:r>
+          </a:p>
+          <a:p>
+            <a:pPr marL="1257300" lvl="2" indent="-342900">
+              <a:buFont typeface="+mj-lt"/>
+              <a:buAutoNum type="arabicPeriod"/>
+            </a:pPr>
+            <a:r>
+              <a:rPr lang="en-GB" sz="1400" dirty="0" err="1"/>
+              <a:t>WCx</a:t>
+            </a:r>
+            <a:r>
+              <a:rPr lang="en-GB" sz="1400" dirty="0"/>
+              <a:t> = wrist centre X – 0.35</a:t>
+            </a:r>
+          </a:p>
+          <a:p>
+            <a:pPr marL="1257300" lvl="2" indent="-342900">
+              <a:buFont typeface="+mj-lt"/>
+              <a:buAutoNum type="arabicPeriod"/>
+            </a:pPr>
+            <a:r>
+              <a:rPr lang="en-GB" sz="1400" dirty="0" err="1"/>
+              <a:t>WCy</a:t>
+            </a:r>
+            <a:r>
+              <a:rPr lang="en-GB" sz="1400" dirty="0"/>
+              <a:t> = Wrist Centre Z – 0.33 – 0.42</a:t>
+            </a:r>
+          </a:p>
+          <a:p>
+            <a:pPr marL="800100" lvl="1" indent="-342900">
+              <a:buFont typeface="+mj-lt"/>
+              <a:buAutoNum type="arabicPeriod"/>
+            </a:pPr>
+            <a:r>
+              <a:rPr lang="en-GB" sz="1400" dirty="0"/>
+              <a:t>Length J2 – J5 is sqrt(</a:t>
+            </a:r>
+            <a:r>
+              <a:rPr lang="en-GB" sz="1400" dirty="0" err="1"/>
+              <a:t>WCx</a:t>
+            </a:r>
+            <a:r>
+              <a:rPr lang="en-GB" sz="1400" dirty="0"/>
+              <a:t>**2 + </a:t>
+            </a:r>
+            <a:r>
+              <a:rPr lang="en-GB" sz="1400" dirty="0" err="1"/>
+              <a:t>WCy</a:t>
+            </a:r>
+            <a:r>
+              <a:rPr lang="en-GB" sz="1400" dirty="0"/>
+              <a:t>**2)</a:t>
+            </a:r>
+          </a:p>
+          <a:p>
+            <a:pPr marL="342900" lvl="0" indent="-342900">
+              <a:buFont typeface="+mj-lt"/>
+              <a:buAutoNum type="arabicPeriod"/>
+            </a:pPr>
+            <a:r>
+              <a:rPr lang="en-GB" sz="1400" dirty="0"/>
+              <a:t>Theta2</a:t>
+            </a:r>
+          </a:p>
+          <a:p>
+            <a:pPr marL="800100" lvl="1" indent="-342900">
+              <a:buFont typeface="+mj-lt"/>
+              <a:buAutoNum type="arabicPeriod"/>
+            </a:pPr>
+            <a:r>
+              <a:rPr lang="en-GB" sz="1400" dirty="0"/>
+              <a:t>Knowing position of WC with respect to J2 we can work out angle between J2 and WC using arctan</a:t>
+            </a:r>
+          </a:p>
+          <a:p>
+            <a:pPr marL="800100" lvl="1" indent="-342900">
+              <a:buFont typeface="+mj-lt"/>
+              <a:buAutoNum type="arabicPeriod"/>
+            </a:pPr>
+            <a:r>
+              <a:rPr lang="en-GB" sz="1400" dirty="0"/>
+              <a:t>We need to work out the length from J2 to WC using Pythagoras theorem</a:t>
+            </a:r>
+          </a:p>
+          <a:p>
+            <a:pPr marL="800100" lvl="1" indent="-342900">
+              <a:buFont typeface="+mj-lt"/>
+              <a:buAutoNum type="arabicPeriod"/>
+            </a:pPr>
+            <a:r>
+              <a:rPr lang="en-GB" sz="1400" dirty="0"/>
+              <a:t>Can then angle between WC-J2-J3 which we calculate using cosine rule and the size of the triangle J2-J3-WC</a:t>
+            </a:r>
+          </a:p>
+          <a:p>
+            <a:pPr marL="800100" lvl="1" indent="-342900">
+              <a:buFont typeface="+mj-lt"/>
+              <a:buAutoNum type="arabicPeriod"/>
+            </a:pPr>
+            <a:r>
+              <a:rPr lang="en-GB" sz="1400" dirty="0"/>
+              <a:t>Subtract this from pi/2 to get theta2? Not sure…</a:t>
+            </a:r>
+          </a:p>
+          <a:p>
+            <a:pPr marL="342900" lvl="0" indent="-342900">
+              <a:buFont typeface="+mj-lt"/>
+              <a:buAutoNum type="arabicPeriod"/>
+            </a:pPr>
+            <a:r>
+              <a:rPr lang="en-GB" sz="1400" dirty="0"/>
+              <a:t>Theta3</a:t>
+            </a:r>
+          </a:p>
+          <a:p>
+            <a:pPr marL="800100" lvl="1" indent="-342900">
+              <a:buFont typeface="+mj-lt"/>
+              <a:buAutoNum type="arabicPeriod"/>
+            </a:pPr>
+            <a:r>
+              <a:rPr lang="en-GB" sz="1400" dirty="0"/>
+              <a:t>Knowing the lengths of all 3 sides of the triangle J2-J3-J5, we can work out the internal angle at J3 using cosine rule</a:t>
+            </a:r>
+          </a:p>
+          <a:p>
+            <a:pPr marL="800100" lvl="1" indent="-342900">
+              <a:buFont typeface="+mj-lt"/>
+              <a:buAutoNum type="arabicPeriod"/>
+            </a:pPr>
+            <a:r>
+              <a:rPr lang="en-GB" sz="1400" dirty="0"/>
+              <a:t>We need to subtract the angle J4-J3-J5 from this, and add pi/2 (to account for 90 degree rotation) to get the angle theta3</a:t>
+            </a:r>
+          </a:p>
+        </p:txBody>
+      </p:sp>
+    </p:spTree>
+    <p:extLst>
+      <p:ext uri="{BB962C8B-B14F-4D97-AF65-F5344CB8AC3E}">
+        <p14:creationId xmlns:p14="http://schemas.microsoft.com/office/powerpoint/2010/main" val="3057621477"/>
+      </p:ext>
+    </p:extLst>
+  </p:cSld>
+  <p:clrMapOvr>
+    <a:masterClrMapping/>
+  </p:clrMapOvr>
+</p:sld>
+</file>
+
+<file path=ppt/slides/slide5.xml><?xml version="1.0" encoding="utf-8"?>
+<p:sld xmlns:a="http://schemas.openxmlformats.org/drawingml/2006/main" xmlns:r="http://schemas.openxmlformats.org/officeDocument/2006/relationships" xmlns:p="http://schemas.openxmlformats.org/presentationml/2006/main">
+  <p:cSld>
+    <p:spTree>
+      <p:nvGrpSpPr>
+        <p:cNvPr id="1" name=""/>
+        <p:cNvGrpSpPr/>
+        <p:nvPr/>
+      </p:nvGrpSpPr>
+      <p:grpSpPr>
+        <a:xfrm>
+          <a:off x="0" y="0"/>
+          <a:ext cx="0" cy="0"/>
+          <a:chOff x="0" y="0"/>
+          <a:chExt cx="0" cy="0"/>
+        </a:xfrm>
+      </p:grpSpPr>
+      <p:cxnSp>
+        <p:nvCxnSpPr>
+          <p:cNvPr id="32" name="Straight Connector 31">
+            <a:extLst>
+              <a:ext uri="{FF2B5EF4-FFF2-40B4-BE49-F238E27FC236}">
+                <a16:creationId xmlns:a16="http://schemas.microsoft.com/office/drawing/2014/main" id="{7C2C114F-7785-0948-B27D-9D0BC946A8A5}"/>
+              </a:ext>
+            </a:extLst>
+          </p:cNvPr>
+          <p:cNvCxnSpPr>
+            <a:cxnSpLocks/>
+          </p:cNvCxnSpPr>
+          <p:nvPr/>
+        </p:nvCxnSpPr>
+        <p:spPr>
+          <a:xfrm>
+            <a:off x="5214164" y="1771270"/>
+            <a:ext cx="707935" cy="138667"/>
+          </a:xfrm>
+          <a:prstGeom prst="line">
+            <a:avLst/>
+          </a:prstGeom>
+          <a:ln>
+            <a:solidFill>
+              <a:schemeClr val="tx1"/>
+            </a:solidFill>
+          </a:ln>
+        </p:spPr>
+        <p:style>
+          <a:lnRef idx="1">
+            <a:schemeClr val="accent1"/>
+          </a:lnRef>
+          <a:fillRef idx="0">
+            <a:schemeClr val="accent1"/>
+          </a:fillRef>
+          <a:effectRef idx="0">
+            <a:schemeClr val="accent1"/>
+          </a:effectRef>
+          <a:fontRef idx="minor">
+            <a:schemeClr val="tx1"/>
+          </a:fontRef>
+        </p:style>
+      </p:cxnSp>
+      <p:cxnSp>
+        <p:nvCxnSpPr>
+          <p:cNvPr id="3" name="Straight Connector 2">
+            <a:extLst>
+              <a:ext uri="{FF2B5EF4-FFF2-40B4-BE49-F238E27FC236}">
+                <a16:creationId xmlns:a16="http://schemas.microsoft.com/office/drawing/2014/main" id="{EC9D61CD-A4C1-FD43-8261-AE78C5097005}"/>
+              </a:ext>
+            </a:extLst>
+          </p:cNvPr>
+          <p:cNvCxnSpPr>
+            <a:cxnSpLocks/>
+          </p:cNvCxnSpPr>
+          <p:nvPr/>
+        </p:nvCxnSpPr>
+        <p:spPr>
+          <a:xfrm>
+            <a:off x="4758787" y="1410011"/>
+            <a:ext cx="455377" cy="354560"/>
+          </a:xfrm>
+          <a:prstGeom prst="line">
+            <a:avLst/>
+          </a:prstGeom>
+          <a:ln>
+            <a:solidFill>
+              <a:schemeClr val="tx1"/>
+            </a:solidFill>
+          </a:ln>
+        </p:spPr>
+        <p:style>
+          <a:lnRef idx="1">
+            <a:schemeClr val="accent1"/>
+          </a:lnRef>
+          <a:fillRef idx="0">
+            <a:schemeClr val="accent1"/>
+          </a:fillRef>
+          <a:effectRef idx="0">
+            <a:schemeClr val="accent1"/>
+          </a:effectRef>
+          <a:fontRef idx="minor">
+            <a:schemeClr val="tx1"/>
+          </a:fontRef>
+        </p:style>
+      </p:cxnSp>
+      <p:sp>
+        <p:nvSpPr>
+          <p:cNvPr id="4" name="Rectangle 3">
+            <a:extLst>
+              <a:ext uri="{FF2B5EF4-FFF2-40B4-BE49-F238E27FC236}">
+                <a16:creationId xmlns:a16="http://schemas.microsoft.com/office/drawing/2014/main" id="{DC37C897-54C4-CB4A-9414-52F44AE62D55}"/>
+              </a:ext>
+            </a:extLst>
+          </p:cNvPr>
+          <p:cNvSpPr/>
+          <p:nvPr/>
+        </p:nvSpPr>
+        <p:spPr>
+          <a:xfrm>
+            <a:off x="3767781" y="2531759"/>
+            <a:ext cx="391886" cy="230837"/>
+          </a:xfrm>
+          <a:prstGeom prst="rect">
+            <a:avLst/>
+          </a:prstGeom>
+          <a:ln>
+            <a:solidFill>
+              <a:schemeClr val="tx1"/>
+            </a:solidFill>
+          </a:ln>
+        </p:spPr>
+        <p:style>
+          <a:lnRef idx="2">
+            <a:schemeClr val="accent1"/>
+          </a:lnRef>
+          <a:fillRef idx="1">
+            <a:schemeClr val="lt1"/>
+          </a:fillRef>
+          <a:effectRef idx="0">
+            <a:schemeClr val="accent1"/>
+          </a:effectRef>
+          <a:fontRef idx="minor">
+            <a:schemeClr val="dk1"/>
+          </a:fontRef>
+        </p:style>
+        <p:txBody>
+          <a:bodyPr rtlCol="0" anchor="ctr"/>
+          <a:lstStyle/>
+          <a:p>
+            <a:pPr algn="ctr"/>
+            <a:r>
+              <a:rPr lang="en-US" dirty="0"/>
+              <a:t>1</a:t>
+            </a:r>
+          </a:p>
+        </p:txBody>
+      </p:sp>
+      <p:sp>
+        <p:nvSpPr>
+          <p:cNvPr id="6" name="Oval 5">
+            <a:extLst>
+              <a:ext uri="{FF2B5EF4-FFF2-40B4-BE49-F238E27FC236}">
+                <a16:creationId xmlns:a16="http://schemas.microsoft.com/office/drawing/2014/main" id="{3265532C-D0AB-9B45-A482-23D7D466C94D}"/>
+              </a:ext>
+            </a:extLst>
+          </p:cNvPr>
+          <p:cNvSpPr/>
+          <p:nvPr/>
+        </p:nvSpPr>
+        <p:spPr>
+          <a:xfrm>
+            <a:off x="5833458" y="1815589"/>
+            <a:ext cx="177282" cy="166986"/>
+          </a:xfrm>
+          <a:prstGeom prst="ellipse">
+            <a:avLst/>
+          </a:prstGeom>
+          <a:ln>
+            <a:solidFill>
+              <a:schemeClr val="tx1"/>
+            </a:solidFill>
+          </a:ln>
+        </p:spPr>
+        <p:style>
+          <a:lnRef idx="2">
+            <a:schemeClr val="accent1"/>
+          </a:lnRef>
+          <a:fillRef idx="1">
+            <a:schemeClr val="lt1"/>
+          </a:fillRef>
+          <a:effectRef idx="0">
+            <a:schemeClr val="accent1"/>
+          </a:effectRef>
+          <a:fontRef idx="minor">
+            <a:schemeClr val="dk1"/>
+          </a:fontRef>
+        </p:style>
+        <p:txBody>
+          <a:bodyPr rtlCol="0" anchor="ctr"/>
+          <a:lstStyle/>
+          <a:p>
+            <a:pPr algn="ctr"/>
+            <a:endParaRPr lang="en-US"/>
+          </a:p>
+        </p:txBody>
+      </p:sp>
+      <p:cxnSp>
+        <p:nvCxnSpPr>
+          <p:cNvPr id="8" name="Straight Connector 7">
+            <a:extLst>
+              <a:ext uri="{FF2B5EF4-FFF2-40B4-BE49-F238E27FC236}">
+                <a16:creationId xmlns:a16="http://schemas.microsoft.com/office/drawing/2014/main" id="{2A96B7C4-18F6-9F4D-BA89-DAB44FE820CB}"/>
+              </a:ext>
+            </a:extLst>
+          </p:cNvPr>
+          <p:cNvCxnSpPr>
+            <a:cxnSpLocks/>
+          </p:cNvCxnSpPr>
+          <p:nvPr/>
+        </p:nvCxnSpPr>
+        <p:spPr>
+          <a:xfrm>
             <a:off x="3966849" y="840993"/>
             <a:ext cx="0" cy="1494827"/>
           </a:xfrm>
@@ -10085,126 +14291,6 @@
               <a:t>F</a:t>
             </a:r>
             <a:endParaRPr lang="en-US" sz="900" baseline="-25000" dirty="0"/>
-          </a:p>
-        </p:txBody>
-      </p:sp>
-      <p:sp>
-        <p:nvSpPr>
-          <p:cNvPr id="33" name="Rectangle 32">
-            <a:extLst>
-              <a:ext uri="{FF2B5EF4-FFF2-40B4-BE49-F238E27FC236}">
-                <a16:creationId xmlns:a16="http://schemas.microsoft.com/office/drawing/2014/main" id="{6BC6F8DF-FD1E-461C-8F60-8E9B4FBD683B}"/>
-              </a:ext>
-            </a:extLst>
-          </p:cNvPr>
-          <p:cNvSpPr/>
-          <p:nvPr/>
-        </p:nvSpPr>
-        <p:spPr>
-          <a:xfrm>
-            <a:off x="473041" y="3429000"/>
-            <a:ext cx="1662364" cy="1292662"/>
-          </a:xfrm>
-          <a:prstGeom prst="rect">
-            <a:avLst/>
-          </a:prstGeom>
-        </p:spPr>
-        <p:txBody>
-          <a:bodyPr wrap="square">
-            <a:spAutoFit/>
-          </a:bodyPr>
-          <a:lstStyle/>
-          <a:p>
-            <a:r>
-              <a:rPr lang="en-GB" sz="600" dirty="0"/>
-              <a:t>1. Calculate H2WC from </a:t>
-            </a:r>
-            <a:r>
-              <a:rPr lang="en-GB" sz="600" dirty="0" err="1"/>
-              <a:t>WCx</a:t>
-            </a:r>
-            <a:r>
-              <a:rPr lang="en-GB" sz="600" dirty="0"/>
-              <a:t> and </a:t>
-            </a:r>
-            <a:r>
-              <a:rPr lang="en-GB" sz="600" dirty="0" err="1"/>
-              <a:t>WCy</a:t>
-            </a:r>
-            <a:endParaRPr lang="en-GB" sz="600" dirty="0"/>
-          </a:p>
-          <a:p>
-            <a:r>
-              <a:rPr lang="en-GB" sz="600" dirty="0"/>
-              <a:t>2. Calculate g1 from H4WC, </a:t>
-            </a:r>
-            <a:r>
-              <a:rPr lang="en-GB" sz="600" dirty="0" err="1"/>
-              <a:t>WCx</a:t>
-            </a:r>
-            <a:r>
-              <a:rPr lang="en-GB" sz="600" dirty="0"/>
-              <a:t>, </a:t>
-            </a:r>
-            <a:r>
-              <a:rPr lang="en-GB" sz="600" dirty="0" err="1"/>
-              <a:t>Wcy</a:t>
-            </a:r>
-            <a:endParaRPr lang="en-GB" sz="600" dirty="0"/>
-          </a:p>
-          <a:p>
-            <a:r>
-              <a:rPr lang="en-GB" sz="600" dirty="0"/>
-              <a:t>3. L34X = sqrt(0.96*0.96 – 0.054 * 0.-54)</a:t>
-            </a:r>
-          </a:p>
-          <a:p>
-            <a:endParaRPr lang="en-GB" sz="600" dirty="0"/>
-          </a:p>
-          <a:p>
-            <a:r>
-              <a:rPr lang="en-GB" sz="600" dirty="0"/>
-              <a:t>3. Calculate L4wcX = sqrt(a3*a3 – 0.54*0.54) (x displacement J4 to WC)</a:t>
-            </a:r>
-          </a:p>
-          <a:p>
-            <a:r>
-              <a:rPr lang="en-GB" sz="600" dirty="0"/>
-              <a:t>4. Calculate L3wc as sum L34x + L4wcx</a:t>
-            </a:r>
-          </a:p>
-          <a:p>
-            <a:endParaRPr lang="en-GB" sz="600" dirty="0"/>
-          </a:p>
-          <a:p>
-            <a:r>
-              <a:rPr lang="en-GB" sz="600" dirty="0"/>
-              <a:t>5. Calculate g2 from a2, H4wc, (L34x+L4WCx)</a:t>
-            </a:r>
-          </a:p>
-          <a:p>
-            <a:r>
-              <a:rPr lang="en-GB" sz="600" dirty="0"/>
-              <a:t>6. Calculate g3 from a2, H4wc, (L34x+L4WCx)</a:t>
-            </a:r>
-          </a:p>
-          <a:p>
-            <a:r>
-              <a:rPr lang="en-GB" sz="600" dirty="0"/>
-              <a:t>7. Calculate L34 from sqrt(L3wc*L3wc + a3*a3)</a:t>
-            </a:r>
-          </a:p>
-          <a:p>
-            <a:r>
-              <a:rPr lang="en-GB" sz="600" dirty="0"/>
-              <a:t>7. 	</a:t>
-            </a:r>
-          </a:p>
-          <a:p>
-            <a:r>
-              <a:rPr lang="en-GB" sz="600" dirty="0"/>
-              <a:t>8. Calculate theta3 from g3 – g4</a:t>
-            </a:r>
           </a:p>
         </p:txBody>
       </p:sp>
@@ -11580,4229 +15666,6 @@
     </p:spTree>
     <p:extLst>
       <p:ext uri="{BB962C8B-B14F-4D97-AF65-F5344CB8AC3E}">
-        <p14:creationId xmlns:p14="http://schemas.microsoft.com/office/powerpoint/2010/main" val="3840899521"/>
-      </p:ext>
-    </p:extLst>
-  </p:cSld>
-  <p:clrMapOvr>
-    <a:masterClrMapping/>
-  </p:clrMapOvr>
-</p:sld>
-</file>
-
-<file path=ppt/slides/slide4.xml><?xml version="1.0" encoding="utf-8"?>
-<p:sld xmlns:a="http://schemas.openxmlformats.org/drawingml/2006/main" xmlns:r="http://schemas.openxmlformats.org/officeDocument/2006/relationships" xmlns:p="http://schemas.openxmlformats.org/presentationml/2006/main">
-  <p:cSld>
-    <p:spTree>
-      <p:nvGrpSpPr>
-        <p:cNvPr id="1" name=""/>
-        <p:cNvGrpSpPr/>
-        <p:nvPr/>
-      </p:nvGrpSpPr>
-      <p:grpSpPr>
-        <a:xfrm>
-          <a:off x="0" y="0"/>
-          <a:ext cx="0" cy="0"/>
-          <a:chOff x="0" y="0"/>
-          <a:chExt cx="0" cy="0"/>
-        </a:xfrm>
-      </p:grpSpPr>
-      <p:sp>
-        <p:nvSpPr>
-          <p:cNvPr id="2" name="TextBox 1">
-            <a:extLst>
-              <a:ext uri="{FF2B5EF4-FFF2-40B4-BE49-F238E27FC236}">
-                <a16:creationId xmlns:a16="http://schemas.microsoft.com/office/drawing/2014/main" id="{6BDA9042-E77E-9647-90C8-02536F6362EF}"/>
-              </a:ext>
-            </a:extLst>
-          </p:cNvPr>
-          <p:cNvSpPr txBox="1"/>
-          <p:nvPr/>
-        </p:nvSpPr>
-        <p:spPr>
-          <a:xfrm>
-            <a:off x="372532" y="797510"/>
-            <a:ext cx="11819467" cy="5478423"/>
-          </a:xfrm>
-          <a:prstGeom prst="rect">
-            <a:avLst/>
-          </a:prstGeom>
-          <a:noFill/>
-        </p:spPr>
-        <p:txBody>
-          <a:bodyPr wrap="square" rtlCol="0">
-            <a:spAutoFit/>
-          </a:bodyPr>
-          <a:lstStyle/>
-          <a:p>
-            <a:pPr marL="342900" lvl="0" indent="-342900">
-              <a:buFont typeface="+mj-lt"/>
-              <a:buAutoNum type="arabicPeriod"/>
-            </a:pPr>
-            <a:r>
-              <a:rPr lang="en-GB" sz="1400" dirty="0"/>
-              <a:t>work out theta1 from relative position of </a:t>
-            </a:r>
-            <a:r>
-              <a:rPr lang="en-GB" sz="1400" dirty="0" err="1"/>
-              <a:t>wy</a:t>
-            </a:r>
-            <a:r>
-              <a:rPr lang="en-GB" sz="1400" dirty="0"/>
-              <a:t> and </a:t>
-            </a:r>
-            <a:r>
-              <a:rPr lang="en-GB" sz="1400" dirty="0" err="1"/>
-              <a:t>wx</a:t>
-            </a:r>
-            <a:endParaRPr lang="en-GB" sz="1400" dirty="0"/>
-          </a:p>
-          <a:p>
-            <a:pPr marL="342900" lvl="0" indent="-342900">
-              <a:buFont typeface="+mj-lt"/>
-              <a:buAutoNum type="arabicPeriod"/>
-            </a:pPr>
-            <a:r>
-              <a:rPr lang="en-GB" sz="1400" dirty="0"/>
-              <a:t>all of the rest of </a:t>
-            </a:r>
-            <a:r>
-              <a:rPr lang="en-GB" sz="1400" dirty="0" err="1"/>
-              <a:t>teh</a:t>
-            </a:r>
-            <a:r>
-              <a:rPr lang="en-GB" sz="1400" dirty="0"/>
-              <a:t> steps can be completed in the plane </a:t>
-            </a:r>
-            <a:r>
-              <a:rPr lang="en-GB" sz="1400" dirty="0" err="1"/>
-              <a:t>xz</a:t>
-            </a:r>
-            <a:endParaRPr lang="en-GB" sz="1400" dirty="0"/>
-          </a:p>
-          <a:p>
-            <a:pPr marL="342900" lvl="0" indent="-342900">
-              <a:buFont typeface="+mj-lt"/>
-              <a:buAutoNum type="arabicPeriod"/>
-            </a:pPr>
-            <a:r>
-              <a:rPr lang="en-GB" sz="1400" dirty="0"/>
-              <a:t>calculate the length of the line J3 -&gt; J5(WC)</a:t>
-            </a:r>
-          </a:p>
-          <a:p>
-            <a:pPr marL="800100" lvl="1" indent="-342900">
-              <a:buFont typeface="+mj-lt"/>
-              <a:buAutoNum type="arabicPeriod"/>
-            </a:pPr>
-            <a:r>
-              <a:rPr lang="en-GB" sz="1400" dirty="0"/>
-              <a:t>this step can be completed outside the for loop as this is fixed as J4 rotates around X in this plane</a:t>
-            </a:r>
-          </a:p>
-          <a:p>
-            <a:pPr marL="800100" lvl="1" indent="-342900">
-              <a:buFont typeface="+mj-lt"/>
-              <a:buAutoNum type="arabicPeriod"/>
-            </a:pPr>
-            <a:r>
-              <a:rPr lang="en-GB" sz="1400" dirty="0"/>
-              <a:t>From the URDF, we know that J4 is at (0.96, -0.054) with respect to J3</a:t>
-            </a:r>
-          </a:p>
-          <a:p>
-            <a:pPr marL="800100" lvl="1" indent="-342900">
-              <a:buFont typeface="+mj-lt"/>
-              <a:buAutoNum type="arabicPeriod"/>
-            </a:pPr>
-            <a:r>
-              <a:rPr lang="en-GB" sz="1400" dirty="0"/>
-              <a:t>From the URDF, we know that J5 is at (0.96+0.54, -0.054) with respect to J3</a:t>
-            </a:r>
-          </a:p>
-          <a:p>
-            <a:pPr marL="800100" lvl="1" indent="-342900">
-              <a:buFont typeface="+mj-lt"/>
-              <a:buAutoNum type="arabicPeriod"/>
-            </a:pPr>
-            <a:r>
-              <a:rPr lang="en-GB" sz="1400" dirty="0"/>
-              <a:t>Using Pythagoras theorem we can calculate the length J3-J4 as sqrt(0.96**2, 0.052**2)</a:t>
-            </a:r>
-          </a:p>
-          <a:p>
-            <a:pPr marL="800100" lvl="1" indent="-342900">
-              <a:buFont typeface="+mj-lt"/>
-              <a:buAutoNum type="arabicPeriod"/>
-            </a:pPr>
-            <a:r>
-              <a:rPr lang="en-GB" sz="1400" dirty="0"/>
-              <a:t>Using atan2 we can work out the angle of J5 WRT J3</a:t>
-            </a:r>
-          </a:p>
-          <a:p>
-            <a:pPr marL="800100" lvl="1" indent="-342900">
-              <a:buFont typeface="+mj-lt"/>
-              <a:buAutoNum type="arabicPeriod"/>
-            </a:pPr>
-            <a:r>
-              <a:rPr lang="en-GB" sz="1400" dirty="0"/>
-              <a:t>Using atan2, work out angle of J4 WRT J3</a:t>
-            </a:r>
-          </a:p>
-          <a:p>
-            <a:pPr marL="800100" lvl="1" indent="-342900">
-              <a:buFont typeface="+mj-lt"/>
-              <a:buAutoNum type="arabicPeriod"/>
-            </a:pPr>
-            <a:r>
-              <a:rPr lang="en-GB" sz="1400" dirty="0"/>
-              <a:t>Angle J4-J3-J5 (i.e. the angle at J3 between the lines J3-J5 and J3-J4) is the difference between these two</a:t>
-            </a:r>
-          </a:p>
-          <a:p>
-            <a:pPr marL="800100" lvl="1" indent="-342900">
-              <a:buFont typeface="+mj-lt"/>
-              <a:buAutoNum type="arabicPeriod"/>
-            </a:pPr>
-            <a:r>
-              <a:rPr lang="en-GB" sz="1400" dirty="0"/>
-              <a:t>Knowing the lengths of 2 sides and the angle, we use cosine rule to say that the length J3-J5 is sqrt(length J3-4**2 + 0.54** - 2 * length J3-4 * 0.54*cos(angle J4-J3-J5))</a:t>
-            </a:r>
-          </a:p>
-          <a:p>
-            <a:pPr marL="342900" lvl="0" indent="-342900">
-              <a:buFont typeface="+mj-lt"/>
-              <a:buAutoNum type="arabicPeriod"/>
-            </a:pPr>
-            <a:r>
-              <a:rPr lang="en-GB" sz="1400" dirty="0"/>
-              <a:t>Calculate the length of the line J2-J5(WC)</a:t>
-            </a:r>
-          </a:p>
-          <a:p>
-            <a:pPr marL="800100" lvl="1" indent="-342900">
-              <a:buFont typeface="+mj-lt"/>
-              <a:buAutoNum type="arabicPeriod"/>
-            </a:pPr>
-            <a:r>
-              <a:rPr lang="en-GB" sz="1400" dirty="0"/>
-              <a:t>Adjust WC for plane </a:t>
-            </a:r>
-            <a:r>
-              <a:rPr lang="en-GB" sz="1400" dirty="0" err="1"/>
-              <a:t>yz</a:t>
-            </a:r>
-            <a:r>
-              <a:rPr lang="en-GB" sz="1400" dirty="0"/>
-              <a:t> and with J2 at zero:</a:t>
-            </a:r>
-          </a:p>
-          <a:p>
-            <a:pPr marL="1257300" lvl="2" indent="-342900">
-              <a:buFont typeface="+mj-lt"/>
-              <a:buAutoNum type="arabicPeriod"/>
-            </a:pPr>
-            <a:r>
-              <a:rPr lang="en-GB" sz="1400" dirty="0" err="1"/>
-              <a:t>WCx</a:t>
-            </a:r>
-            <a:r>
-              <a:rPr lang="en-GB" sz="1400" dirty="0"/>
-              <a:t> = wrist centre X – 0.35</a:t>
-            </a:r>
-          </a:p>
-          <a:p>
-            <a:pPr marL="1257300" lvl="2" indent="-342900">
-              <a:buFont typeface="+mj-lt"/>
-              <a:buAutoNum type="arabicPeriod"/>
-            </a:pPr>
-            <a:r>
-              <a:rPr lang="en-GB" sz="1400" dirty="0" err="1"/>
-              <a:t>WCy</a:t>
-            </a:r>
-            <a:r>
-              <a:rPr lang="en-GB" sz="1400" dirty="0"/>
-              <a:t> = Wrist Centre Z – 0.33 – 0.42</a:t>
-            </a:r>
-          </a:p>
-          <a:p>
-            <a:pPr marL="800100" lvl="1" indent="-342900">
-              <a:buFont typeface="+mj-lt"/>
-              <a:buAutoNum type="arabicPeriod"/>
-            </a:pPr>
-            <a:r>
-              <a:rPr lang="en-GB" sz="1400" dirty="0"/>
-              <a:t>Length J2 – J5 is sqrt(</a:t>
-            </a:r>
-            <a:r>
-              <a:rPr lang="en-GB" sz="1400" dirty="0" err="1"/>
-              <a:t>WCx</a:t>
-            </a:r>
-            <a:r>
-              <a:rPr lang="en-GB" sz="1400" dirty="0"/>
-              <a:t>**2 + </a:t>
-            </a:r>
-            <a:r>
-              <a:rPr lang="en-GB" sz="1400" dirty="0" err="1"/>
-              <a:t>WCy</a:t>
-            </a:r>
-            <a:r>
-              <a:rPr lang="en-GB" sz="1400" dirty="0"/>
-              <a:t>**2)</a:t>
-            </a:r>
-          </a:p>
-          <a:p>
-            <a:pPr marL="342900" lvl="0" indent="-342900">
-              <a:buFont typeface="+mj-lt"/>
-              <a:buAutoNum type="arabicPeriod"/>
-            </a:pPr>
-            <a:r>
-              <a:rPr lang="en-GB" sz="1400" dirty="0"/>
-              <a:t>Theta2</a:t>
-            </a:r>
-          </a:p>
-          <a:p>
-            <a:pPr marL="800100" lvl="1" indent="-342900">
-              <a:buFont typeface="+mj-lt"/>
-              <a:buAutoNum type="arabicPeriod"/>
-            </a:pPr>
-            <a:r>
-              <a:rPr lang="en-GB" sz="1400" dirty="0"/>
-              <a:t>Knowing position of WC with respect to J2 we can work out angle between J2 and WC using arctan</a:t>
-            </a:r>
-          </a:p>
-          <a:p>
-            <a:pPr marL="800100" lvl="1" indent="-342900">
-              <a:buFont typeface="+mj-lt"/>
-              <a:buAutoNum type="arabicPeriod"/>
-            </a:pPr>
-            <a:r>
-              <a:rPr lang="en-GB" sz="1400" dirty="0"/>
-              <a:t>We need to work out the length from J2 to WC using Pythagoras theorem</a:t>
-            </a:r>
-          </a:p>
-          <a:p>
-            <a:pPr marL="800100" lvl="1" indent="-342900">
-              <a:buFont typeface="+mj-lt"/>
-              <a:buAutoNum type="arabicPeriod"/>
-            </a:pPr>
-            <a:r>
-              <a:rPr lang="en-GB" sz="1400" dirty="0"/>
-              <a:t>Can then angle between WC-J2-J3 which we calculate using cosine rule and the size of the triangle J2-J3-WC</a:t>
-            </a:r>
-          </a:p>
-          <a:p>
-            <a:pPr marL="800100" lvl="1" indent="-342900">
-              <a:buFont typeface="+mj-lt"/>
-              <a:buAutoNum type="arabicPeriod"/>
-            </a:pPr>
-            <a:r>
-              <a:rPr lang="en-GB" sz="1400" dirty="0"/>
-              <a:t>Subtract this from pi/2 to get theta2? Not sure…</a:t>
-            </a:r>
-          </a:p>
-          <a:p>
-            <a:pPr marL="342900" lvl="0" indent="-342900">
-              <a:buFont typeface="+mj-lt"/>
-              <a:buAutoNum type="arabicPeriod"/>
-            </a:pPr>
-            <a:r>
-              <a:rPr lang="en-GB" sz="1400" dirty="0"/>
-              <a:t>Theta3</a:t>
-            </a:r>
-          </a:p>
-          <a:p>
-            <a:pPr marL="800100" lvl="1" indent="-342900">
-              <a:buFont typeface="+mj-lt"/>
-              <a:buAutoNum type="arabicPeriod"/>
-            </a:pPr>
-            <a:r>
-              <a:rPr lang="en-GB" sz="1400" dirty="0"/>
-              <a:t>Knowing the lengths of all 3 sides of the triangle J2-J3-J5, we can work out the internal angle at J3 using cosine rule</a:t>
-            </a:r>
-          </a:p>
-          <a:p>
-            <a:pPr marL="800100" lvl="1" indent="-342900">
-              <a:buFont typeface="+mj-lt"/>
-              <a:buAutoNum type="arabicPeriod"/>
-            </a:pPr>
-            <a:r>
-              <a:rPr lang="en-GB" sz="1400" dirty="0"/>
-              <a:t>We need to subtract the angle J4-J3-J5 from this, and add pi/2 (to account for 90 degree rotation) to get the angle theta3</a:t>
-            </a:r>
-          </a:p>
-        </p:txBody>
-      </p:sp>
-    </p:spTree>
-    <p:extLst>
-      <p:ext uri="{BB962C8B-B14F-4D97-AF65-F5344CB8AC3E}">
-        <p14:creationId xmlns:p14="http://schemas.microsoft.com/office/powerpoint/2010/main" val="3057621477"/>
-      </p:ext>
-    </p:extLst>
-  </p:cSld>
-  <p:clrMapOvr>
-    <a:masterClrMapping/>
-  </p:clrMapOvr>
-</p:sld>
-</file>
-
-<file path=ppt/slides/slide5.xml><?xml version="1.0" encoding="utf-8"?>
-<p:sld xmlns:a="http://schemas.openxmlformats.org/drawingml/2006/main" xmlns:r="http://schemas.openxmlformats.org/officeDocument/2006/relationships" xmlns:p="http://schemas.openxmlformats.org/presentationml/2006/main">
-  <p:cSld>
-    <p:spTree>
-      <p:nvGrpSpPr>
-        <p:cNvPr id="1" name=""/>
-        <p:cNvGrpSpPr/>
-        <p:nvPr/>
-      </p:nvGrpSpPr>
-      <p:grpSpPr>
-        <a:xfrm>
-          <a:off x="0" y="0"/>
-          <a:ext cx="0" cy="0"/>
-          <a:chOff x="0" y="0"/>
-          <a:chExt cx="0" cy="0"/>
-        </a:xfrm>
-      </p:grpSpPr>
-      <p:cxnSp>
-        <p:nvCxnSpPr>
-          <p:cNvPr id="32" name="Straight Connector 31">
-            <a:extLst>
-              <a:ext uri="{FF2B5EF4-FFF2-40B4-BE49-F238E27FC236}">
-                <a16:creationId xmlns:a16="http://schemas.microsoft.com/office/drawing/2014/main" id="{7C2C114F-7785-0948-B27D-9D0BC946A8A5}"/>
-              </a:ext>
-            </a:extLst>
-          </p:cNvPr>
-          <p:cNvCxnSpPr>
-            <a:cxnSpLocks/>
-          </p:cNvCxnSpPr>
-          <p:nvPr/>
-        </p:nvCxnSpPr>
-        <p:spPr>
-          <a:xfrm>
-            <a:off x="5214164" y="1771270"/>
-            <a:ext cx="707935" cy="138667"/>
-          </a:xfrm>
-          <a:prstGeom prst="line">
-            <a:avLst/>
-          </a:prstGeom>
-          <a:ln>
-            <a:solidFill>
-              <a:schemeClr val="tx1"/>
-            </a:solidFill>
-          </a:ln>
-        </p:spPr>
-        <p:style>
-          <a:lnRef idx="1">
-            <a:schemeClr val="accent1"/>
-          </a:lnRef>
-          <a:fillRef idx="0">
-            <a:schemeClr val="accent1"/>
-          </a:fillRef>
-          <a:effectRef idx="0">
-            <a:schemeClr val="accent1"/>
-          </a:effectRef>
-          <a:fontRef idx="minor">
-            <a:schemeClr val="tx1"/>
-          </a:fontRef>
-        </p:style>
-      </p:cxnSp>
-      <p:cxnSp>
-        <p:nvCxnSpPr>
-          <p:cNvPr id="3" name="Straight Connector 2">
-            <a:extLst>
-              <a:ext uri="{FF2B5EF4-FFF2-40B4-BE49-F238E27FC236}">
-                <a16:creationId xmlns:a16="http://schemas.microsoft.com/office/drawing/2014/main" id="{EC9D61CD-A4C1-FD43-8261-AE78C5097005}"/>
-              </a:ext>
-            </a:extLst>
-          </p:cNvPr>
-          <p:cNvCxnSpPr>
-            <a:cxnSpLocks/>
-          </p:cNvCxnSpPr>
-          <p:nvPr/>
-        </p:nvCxnSpPr>
-        <p:spPr>
-          <a:xfrm>
-            <a:off x="4758787" y="1410011"/>
-            <a:ext cx="455377" cy="354560"/>
-          </a:xfrm>
-          <a:prstGeom prst="line">
-            <a:avLst/>
-          </a:prstGeom>
-          <a:ln>
-            <a:solidFill>
-              <a:schemeClr val="tx1"/>
-            </a:solidFill>
-          </a:ln>
-        </p:spPr>
-        <p:style>
-          <a:lnRef idx="1">
-            <a:schemeClr val="accent1"/>
-          </a:lnRef>
-          <a:fillRef idx="0">
-            <a:schemeClr val="accent1"/>
-          </a:fillRef>
-          <a:effectRef idx="0">
-            <a:schemeClr val="accent1"/>
-          </a:effectRef>
-          <a:fontRef idx="minor">
-            <a:schemeClr val="tx1"/>
-          </a:fontRef>
-        </p:style>
-      </p:cxnSp>
-      <p:sp>
-        <p:nvSpPr>
-          <p:cNvPr id="4" name="Rectangle 3">
-            <a:extLst>
-              <a:ext uri="{FF2B5EF4-FFF2-40B4-BE49-F238E27FC236}">
-                <a16:creationId xmlns:a16="http://schemas.microsoft.com/office/drawing/2014/main" id="{DC37C897-54C4-CB4A-9414-52F44AE62D55}"/>
-              </a:ext>
-            </a:extLst>
-          </p:cNvPr>
-          <p:cNvSpPr/>
-          <p:nvPr/>
-        </p:nvSpPr>
-        <p:spPr>
-          <a:xfrm>
-            <a:off x="3767781" y="2531759"/>
-            <a:ext cx="391886" cy="230837"/>
-          </a:xfrm>
-          <a:prstGeom prst="rect">
-            <a:avLst/>
-          </a:prstGeom>
-          <a:ln>
-            <a:solidFill>
-              <a:schemeClr val="tx1"/>
-            </a:solidFill>
-          </a:ln>
-        </p:spPr>
-        <p:style>
-          <a:lnRef idx="2">
-            <a:schemeClr val="accent1"/>
-          </a:lnRef>
-          <a:fillRef idx="1">
-            <a:schemeClr val="lt1"/>
-          </a:fillRef>
-          <a:effectRef idx="0">
-            <a:schemeClr val="accent1"/>
-          </a:effectRef>
-          <a:fontRef idx="minor">
-            <a:schemeClr val="dk1"/>
-          </a:fontRef>
-        </p:style>
-        <p:txBody>
-          <a:bodyPr rtlCol="0" anchor="ctr"/>
-          <a:lstStyle/>
-          <a:p>
-            <a:pPr algn="ctr"/>
-            <a:r>
-              <a:rPr lang="en-US" dirty="0"/>
-              <a:t>1</a:t>
-            </a:r>
-          </a:p>
-        </p:txBody>
-      </p:sp>
-      <p:sp>
-        <p:nvSpPr>
-          <p:cNvPr id="6" name="Oval 5">
-            <a:extLst>
-              <a:ext uri="{FF2B5EF4-FFF2-40B4-BE49-F238E27FC236}">
-                <a16:creationId xmlns:a16="http://schemas.microsoft.com/office/drawing/2014/main" id="{3265532C-D0AB-9B45-A482-23D7D466C94D}"/>
-              </a:ext>
-            </a:extLst>
-          </p:cNvPr>
-          <p:cNvSpPr/>
-          <p:nvPr/>
-        </p:nvSpPr>
-        <p:spPr>
-          <a:xfrm>
-            <a:off x="5833458" y="1815589"/>
-            <a:ext cx="177282" cy="166986"/>
-          </a:xfrm>
-          <a:prstGeom prst="ellipse">
-            <a:avLst/>
-          </a:prstGeom>
-          <a:ln>
-            <a:solidFill>
-              <a:schemeClr val="tx1"/>
-            </a:solidFill>
-          </a:ln>
-        </p:spPr>
-        <p:style>
-          <a:lnRef idx="2">
-            <a:schemeClr val="accent1"/>
-          </a:lnRef>
-          <a:fillRef idx="1">
-            <a:schemeClr val="lt1"/>
-          </a:fillRef>
-          <a:effectRef idx="0">
-            <a:schemeClr val="accent1"/>
-          </a:effectRef>
-          <a:fontRef idx="minor">
-            <a:schemeClr val="dk1"/>
-          </a:fontRef>
-        </p:style>
-        <p:txBody>
-          <a:bodyPr rtlCol="0" anchor="ctr"/>
-          <a:lstStyle/>
-          <a:p>
-            <a:pPr algn="ctr"/>
-            <a:endParaRPr lang="en-US"/>
-          </a:p>
-        </p:txBody>
-      </p:sp>
-      <p:cxnSp>
-        <p:nvCxnSpPr>
-          <p:cNvPr id="8" name="Straight Connector 7">
-            <a:extLst>
-              <a:ext uri="{FF2B5EF4-FFF2-40B4-BE49-F238E27FC236}">
-                <a16:creationId xmlns:a16="http://schemas.microsoft.com/office/drawing/2014/main" id="{2A96B7C4-18F6-9F4D-BA89-DAB44FE820CB}"/>
-              </a:ext>
-            </a:extLst>
-          </p:cNvPr>
-          <p:cNvCxnSpPr>
-            <a:cxnSpLocks/>
-          </p:cNvCxnSpPr>
-          <p:nvPr/>
-        </p:nvCxnSpPr>
-        <p:spPr>
-          <a:xfrm>
-            <a:off x="3966849" y="840993"/>
-            <a:ext cx="0" cy="1494827"/>
-          </a:xfrm>
-          <a:prstGeom prst="line">
-            <a:avLst/>
-          </a:prstGeom>
-          <a:ln>
-            <a:prstDash val="sysDot"/>
-          </a:ln>
-        </p:spPr>
-        <p:style>
-          <a:lnRef idx="1">
-            <a:schemeClr val="accent4"/>
-          </a:lnRef>
-          <a:fillRef idx="0">
-            <a:schemeClr val="accent4"/>
-          </a:fillRef>
-          <a:effectRef idx="0">
-            <a:schemeClr val="accent4"/>
-          </a:effectRef>
-          <a:fontRef idx="minor">
-            <a:schemeClr val="tx1"/>
-          </a:fontRef>
-        </p:style>
-      </p:cxnSp>
-      <p:cxnSp>
-        <p:nvCxnSpPr>
-          <p:cNvPr id="13" name="Straight Connector 12">
-            <a:extLst>
-              <a:ext uri="{FF2B5EF4-FFF2-40B4-BE49-F238E27FC236}">
-                <a16:creationId xmlns:a16="http://schemas.microsoft.com/office/drawing/2014/main" id="{3087EC4D-5856-E747-A262-3559894F30F5}"/>
-              </a:ext>
-            </a:extLst>
-          </p:cNvPr>
-          <p:cNvCxnSpPr>
-            <a:cxnSpLocks/>
-          </p:cNvCxnSpPr>
-          <p:nvPr/>
-        </p:nvCxnSpPr>
-        <p:spPr>
-          <a:xfrm flipV="1">
-            <a:off x="4471660" y="1410011"/>
-            <a:ext cx="284751" cy="808024"/>
-          </a:xfrm>
-          <a:prstGeom prst="line">
-            <a:avLst/>
-          </a:prstGeom>
-          <a:ln>
-            <a:solidFill>
-              <a:schemeClr val="tx1"/>
-            </a:solidFill>
-          </a:ln>
-        </p:spPr>
-        <p:style>
-          <a:lnRef idx="1">
-            <a:schemeClr val="accent1"/>
-          </a:lnRef>
-          <a:fillRef idx="0">
-            <a:schemeClr val="accent1"/>
-          </a:fillRef>
-          <a:effectRef idx="0">
-            <a:schemeClr val="accent1"/>
-          </a:effectRef>
-          <a:fontRef idx="minor">
-            <a:schemeClr val="tx1"/>
-          </a:fontRef>
-        </p:style>
-      </p:cxnSp>
-      <p:cxnSp>
-        <p:nvCxnSpPr>
-          <p:cNvPr id="14" name="Straight Connector 13">
-            <a:extLst>
-              <a:ext uri="{FF2B5EF4-FFF2-40B4-BE49-F238E27FC236}">
-                <a16:creationId xmlns:a16="http://schemas.microsoft.com/office/drawing/2014/main" id="{96152974-1F70-194E-8C73-C228E03DFB12}"/>
-              </a:ext>
-            </a:extLst>
-          </p:cNvPr>
-          <p:cNvCxnSpPr>
-            <a:cxnSpLocks/>
-          </p:cNvCxnSpPr>
-          <p:nvPr/>
-        </p:nvCxnSpPr>
-        <p:spPr>
-          <a:xfrm>
-            <a:off x="3956178" y="2216559"/>
-            <a:ext cx="519111" cy="1"/>
-          </a:xfrm>
-          <a:prstGeom prst="line">
-            <a:avLst/>
-          </a:prstGeom>
-          <a:ln>
-            <a:solidFill>
-              <a:schemeClr val="tx1"/>
-            </a:solidFill>
-          </a:ln>
-        </p:spPr>
-        <p:style>
-          <a:lnRef idx="1">
-            <a:schemeClr val="accent1"/>
-          </a:lnRef>
-          <a:fillRef idx="0">
-            <a:schemeClr val="accent1"/>
-          </a:fillRef>
-          <a:effectRef idx="0">
-            <a:schemeClr val="accent1"/>
-          </a:effectRef>
-          <a:fontRef idx="minor">
-            <a:schemeClr val="tx1"/>
-          </a:fontRef>
-        </p:style>
-      </p:cxnSp>
-      <p:cxnSp>
-        <p:nvCxnSpPr>
-          <p:cNvPr id="15" name="Straight Connector 14">
-            <a:extLst>
-              <a:ext uri="{FF2B5EF4-FFF2-40B4-BE49-F238E27FC236}">
-                <a16:creationId xmlns:a16="http://schemas.microsoft.com/office/drawing/2014/main" id="{D8400B72-4D17-2C43-8193-587AC6B70394}"/>
-              </a:ext>
-            </a:extLst>
-          </p:cNvPr>
-          <p:cNvCxnSpPr>
-            <a:cxnSpLocks/>
-          </p:cNvCxnSpPr>
-          <p:nvPr/>
-        </p:nvCxnSpPr>
-        <p:spPr>
-          <a:xfrm flipV="1">
-            <a:off x="3963724" y="2217138"/>
-            <a:ext cx="0" cy="433247"/>
-          </a:xfrm>
-          <a:prstGeom prst="line">
-            <a:avLst/>
-          </a:prstGeom>
-          <a:ln>
-            <a:solidFill>
-              <a:schemeClr val="tx1"/>
-            </a:solidFill>
-          </a:ln>
-        </p:spPr>
-        <p:style>
-          <a:lnRef idx="1">
-            <a:schemeClr val="accent1"/>
-          </a:lnRef>
-          <a:fillRef idx="0">
-            <a:schemeClr val="accent1"/>
-          </a:fillRef>
-          <a:effectRef idx="0">
-            <a:schemeClr val="accent1"/>
-          </a:effectRef>
-          <a:fontRef idx="minor">
-            <a:schemeClr val="tx1"/>
-          </a:fontRef>
-        </p:style>
-      </p:cxnSp>
-      <p:sp>
-        <p:nvSpPr>
-          <p:cNvPr id="16" name="Freeform 15">
-            <a:extLst>
-              <a:ext uri="{FF2B5EF4-FFF2-40B4-BE49-F238E27FC236}">
-                <a16:creationId xmlns:a16="http://schemas.microsoft.com/office/drawing/2014/main" id="{CA3F3335-F0B6-2344-9BC9-3547C33CCF12}"/>
-              </a:ext>
-            </a:extLst>
-          </p:cNvPr>
-          <p:cNvSpPr/>
-          <p:nvPr/>
-        </p:nvSpPr>
-        <p:spPr>
-          <a:xfrm>
-            <a:off x="5031362" y="2103987"/>
-            <a:ext cx="65690" cy="93134"/>
-          </a:xfrm>
-          <a:custGeom>
-            <a:avLst/>
-            <a:gdLst>
-              <a:gd name="connsiteX0" fmla="*/ 0 w 147545"/>
-              <a:gd name="connsiteY0" fmla="*/ 0 h 212781"/>
-              <a:gd name="connsiteX1" fmla="*/ 146050 w 147545"/>
-              <a:gd name="connsiteY1" fmla="*/ 200025 h 212781"/>
-              <a:gd name="connsiteX2" fmla="*/ 79375 w 147545"/>
-              <a:gd name="connsiteY2" fmla="*/ 203200 h 212781"/>
-              <a:gd name="connsiteX0" fmla="*/ 0 w 153794"/>
-              <a:gd name="connsiteY0" fmla="*/ 0 h 203200"/>
-              <a:gd name="connsiteX1" fmla="*/ 152400 w 153794"/>
-              <a:gd name="connsiteY1" fmla="*/ 66675 h 203200"/>
-              <a:gd name="connsiteX2" fmla="*/ 79375 w 153794"/>
-              <a:gd name="connsiteY2" fmla="*/ 203200 h 203200"/>
-              <a:gd name="connsiteX0" fmla="*/ 0 w 79375"/>
-              <a:gd name="connsiteY0" fmla="*/ 0 h 203200"/>
-              <a:gd name="connsiteX1" fmla="*/ 79375 w 79375"/>
-              <a:gd name="connsiteY1" fmla="*/ 203200 h 203200"/>
-              <a:gd name="connsiteX0" fmla="*/ 0 w 142919"/>
-              <a:gd name="connsiteY0" fmla="*/ 0 h 203200"/>
-              <a:gd name="connsiteX1" fmla="*/ 79375 w 142919"/>
-              <a:gd name="connsiteY1" fmla="*/ 203200 h 203200"/>
-              <a:gd name="connsiteX0" fmla="*/ 0 w 186211"/>
-              <a:gd name="connsiteY0" fmla="*/ 0 h 203200"/>
-              <a:gd name="connsiteX1" fmla="*/ 79375 w 186211"/>
-              <a:gd name="connsiteY1" fmla="*/ 203200 h 203200"/>
-              <a:gd name="connsiteX0" fmla="*/ 0 w 125812"/>
-              <a:gd name="connsiteY0" fmla="*/ 0 h 203200"/>
-              <a:gd name="connsiteX1" fmla="*/ 79375 w 125812"/>
-              <a:gd name="connsiteY1" fmla="*/ 203200 h 203200"/>
-              <a:gd name="connsiteX0" fmla="*/ 0 w 122234"/>
-              <a:gd name="connsiteY0" fmla="*/ 1233 h 204433"/>
-              <a:gd name="connsiteX1" fmla="*/ 79375 w 122234"/>
-              <a:gd name="connsiteY1" fmla="*/ 204433 h 204433"/>
-              <a:gd name="connsiteX0" fmla="*/ 0 w 148382"/>
-              <a:gd name="connsiteY0" fmla="*/ 1233 h 204433"/>
-              <a:gd name="connsiteX1" fmla="*/ 111125 w 148382"/>
-              <a:gd name="connsiteY1" fmla="*/ 204433 h 204433"/>
-              <a:gd name="connsiteX0" fmla="*/ 0 w 354546"/>
-              <a:gd name="connsiteY0" fmla="*/ 772 h 284406"/>
-              <a:gd name="connsiteX1" fmla="*/ 335492 w 354546"/>
-              <a:gd name="connsiteY1" fmla="*/ 284406 h 284406"/>
-              <a:gd name="connsiteX0" fmla="*/ 0 w 335731"/>
-              <a:gd name="connsiteY0" fmla="*/ 1961 h 285595"/>
-              <a:gd name="connsiteX1" fmla="*/ 335492 w 335731"/>
-              <a:gd name="connsiteY1" fmla="*/ 285595 h 285595"/>
-              <a:gd name="connsiteX0" fmla="*/ 0 w 336219"/>
-              <a:gd name="connsiteY0" fmla="*/ 60 h 283694"/>
-              <a:gd name="connsiteX1" fmla="*/ 335492 w 336219"/>
-              <a:gd name="connsiteY1" fmla="*/ 283694 h 283694"/>
-              <a:gd name="connsiteX0" fmla="*/ 0 w 335839"/>
-              <a:gd name="connsiteY0" fmla="*/ 0 h 283634"/>
-              <a:gd name="connsiteX1" fmla="*/ 335492 w 335839"/>
-              <a:gd name="connsiteY1" fmla="*/ 283634 h 283634"/>
-              <a:gd name="connsiteX0" fmla="*/ 0 w 335492"/>
-              <a:gd name="connsiteY0" fmla="*/ 0 h 283634"/>
-              <a:gd name="connsiteX1" fmla="*/ 335492 w 335492"/>
-              <a:gd name="connsiteY1" fmla="*/ 283634 h 283634"/>
-              <a:gd name="connsiteX0" fmla="*/ 0 w 113242"/>
-              <a:gd name="connsiteY0" fmla="*/ 23817 h 101076"/>
-              <a:gd name="connsiteX1" fmla="*/ 113242 w 113242"/>
-              <a:gd name="connsiteY1" fmla="*/ 101076 h 101076"/>
-              <a:gd name="connsiteX0" fmla="*/ 0 w 131430"/>
-              <a:gd name="connsiteY0" fmla="*/ 0 h 77259"/>
-              <a:gd name="connsiteX1" fmla="*/ 113242 w 131430"/>
-              <a:gd name="connsiteY1" fmla="*/ 77259 h 77259"/>
-              <a:gd name="connsiteX0" fmla="*/ 0 w 88086"/>
-              <a:gd name="connsiteY0" fmla="*/ 0 h 96309"/>
-              <a:gd name="connsiteX1" fmla="*/ 33867 w 88086"/>
-              <a:gd name="connsiteY1" fmla="*/ 96309 h 96309"/>
-              <a:gd name="connsiteX0" fmla="*/ 0 w 51968"/>
-              <a:gd name="connsiteY0" fmla="*/ 0 h 96309"/>
-              <a:gd name="connsiteX1" fmla="*/ 33867 w 51968"/>
-              <a:gd name="connsiteY1" fmla="*/ 96309 h 96309"/>
-              <a:gd name="connsiteX0" fmla="*/ 0 w 65690"/>
-              <a:gd name="connsiteY0" fmla="*/ 0 h 93134"/>
-              <a:gd name="connsiteX1" fmla="*/ 52917 w 65690"/>
-              <a:gd name="connsiteY1" fmla="*/ 93134 h 93134"/>
-            </a:gdLst>
-            <a:ahLst/>
-            <a:cxnLst>
-              <a:cxn ang="0">
-                <a:pos x="connsiteX0" y="connsiteY0"/>
-              </a:cxn>
-              <a:cxn ang="0">
-                <a:pos x="connsiteX1" y="connsiteY1"/>
-              </a:cxn>
-            </a:cxnLst>
-            <a:rect l="l" t="t" r="r" b="b"/>
-            <a:pathLst>
-              <a:path w="65690" h="93134">
-                <a:moveTo>
-                  <a:pt x="0" y="0"/>
-                </a:moveTo>
-                <a:cubicBezTo>
-                  <a:pt x="61384" y="8466"/>
-                  <a:pt x="81492" y="70909"/>
-                  <a:pt x="52917" y="93134"/>
-                </a:cubicBezTo>
-              </a:path>
-            </a:pathLst>
-          </a:custGeom>
-          <a:noFill/>
-          <a:ln>
-            <a:solidFill>
-              <a:schemeClr val="tx1"/>
-            </a:solidFill>
-            <a:headEnd type="triangle" w="med" len="med"/>
-            <a:tailEnd type="none" w="sm" len="med"/>
-          </a:ln>
-        </p:spPr>
-        <p:style>
-          <a:lnRef idx="2">
-            <a:schemeClr val="accent1">
-              <a:shade val="50000"/>
-            </a:schemeClr>
-          </a:lnRef>
-          <a:fillRef idx="1">
-            <a:schemeClr val="accent1"/>
-          </a:fillRef>
-          <a:effectRef idx="0">
-            <a:schemeClr val="accent1"/>
-          </a:effectRef>
-          <a:fontRef idx="minor">
-            <a:schemeClr val="lt1"/>
-          </a:fontRef>
-        </p:style>
-        <p:txBody>
-          <a:bodyPr rtlCol="0" anchor="ctr"/>
-          <a:lstStyle/>
-          <a:p>
-            <a:pPr algn="ctr"/>
-            <a:endParaRPr lang="en-US"/>
-          </a:p>
-        </p:txBody>
-      </p:sp>
-      <p:sp>
-        <p:nvSpPr>
-          <p:cNvPr id="17" name="TextBox 16">
-            <a:extLst>
-              <a:ext uri="{FF2B5EF4-FFF2-40B4-BE49-F238E27FC236}">
-                <a16:creationId xmlns:a16="http://schemas.microsoft.com/office/drawing/2014/main" id="{A5574B50-B113-6F48-945D-2C6FDBE30BF0}"/>
-              </a:ext>
-            </a:extLst>
-          </p:cNvPr>
-          <p:cNvSpPr txBox="1"/>
-          <p:nvPr/>
-        </p:nvSpPr>
-        <p:spPr>
-          <a:xfrm>
-            <a:off x="5125375" y="2075409"/>
-            <a:ext cx="154845" cy="138499"/>
-          </a:xfrm>
-          <a:prstGeom prst="rect">
-            <a:avLst/>
-          </a:prstGeom>
-          <a:noFill/>
-          <a:ln>
-            <a:noFill/>
-          </a:ln>
-        </p:spPr>
-        <p:txBody>
-          <a:bodyPr wrap="square" lIns="0" tIns="0" rIns="0" bIns="0" rtlCol="0">
-            <a:spAutoFit/>
-          </a:bodyPr>
-          <a:lstStyle/>
-          <a:p>
-            <a:r>
-              <a:rPr lang="en-US" sz="900" dirty="0"/>
-              <a:t>g</a:t>
-            </a:r>
-            <a:r>
-              <a:rPr lang="en-US" sz="900" baseline="-25000" dirty="0"/>
-              <a:t>1</a:t>
-            </a:r>
-          </a:p>
-        </p:txBody>
-      </p:sp>
-      <p:cxnSp>
-        <p:nvCxnSpPr>
-          <p:cNvPr id="18" name="Straight Connector 17">
-            <a:extLst>
-              <a:ext uri="{FF2B5EF4-FFF2-40B4-BE49-F238E27FC236}">
-                <a16:creationId xmlns:a16="http://schemas.microsoft.com/office/drawing/2014/main" id="{458E8048-E553-CB49-9AA6-CF7D38C86999}"/>
-              </a:ext>
-            </a:extLst>
-          </p:cNvPr>
-          <p:cNvCxnSpPr>
-            <a:cxnSpLocks/>
-          </p:cNvCxnSpPr>
-          <p:nvPr/>
-        </p:nvCxnSpPr>
-        <p:spPr>
-          <a:xfrm flipV="1">
-            <a:off x="3964416" y="2335820"/>
-            <a:ext cx="0" cy="452099"/>
-          </a:xfrm>
-          <a:prstGeom prst="line">
-            <a:avLst/>
-          </a:prstGeom>
-          <a:ln>
-            <a:solidFill>
-              <a:srgbClr val="0070C0"/>
-            </a:solidFill>
-            <a:headEnd type="none" w="med" len="med"/>
-            <a:tailEnd type="triangle" w="med" len="med"/>
-          </a:ln>
-        </p:spPr>
-        <p:style>
-          <a:lnRef idx="1">
-            <a:schemeClr val="accent1"/>
-          </a:lnRef>
-          <a:fillRef idx="0">
-            <a:schemeClr val="accent1"/>
-          </a:fillRef>
-          <a:effectRef idx="0">
-            <a:schemeClr val="accent1"/>
-          </a:effectRef>
-          <a:fontRef idx="minor">
-            <a:schemeClr val="tx1"/>
-          </a:fontRef>
-        </p:style>
-      </p:cxnSp>
-      <p:sp>
-        <p:nvSpPr>
-          <p:cNvPr id="19" name="TextBox 18">
-            <a:extLst>
-              <a:ext uri="{FF2B5EF4-FFF2-40B4-BE49-F238E27FC236}">
-                <a16:creationId xmlns:a16="http://schemas.microsoft.com/office/drawing/2014/main" id="{ED2F0E2A-0F2F-B44B-BC4C-843759B096FD}"/>
-              </a:ext>
-            </a:extLst>
-          </p:cNvPr>
-          <p:cNvSpPr txBox="1"/>
-          <p:nvPr/>
-        </p:nvSpPr>
-        <p:spPr>
-          <a:xfrm>
-            <a:off x="7438801" y="2394572"/>
-            <a:ext cx="104775" cy="138499"/>
-          </a:xfrm>
-          <a:prstGeom prst="rect">
-            <a:avLst/>
-          </a:prstGeom>
-          <a:noFill/>
-          <a:ln>
-            <a:noFill/>
-          </a:ln>
-        </p:spPr>
-        <p:txBody>
-          <a:bodyPr wrap="square" lIns="0" tIns="0" rIns="0" bIns="0" rtlCol="0">
-            <a:spAutoFit/>
-          </a:bodyPr>
-          <a:lstStyle/>
-          <a:p>
-            <a:r>
-              <a:rPr lang="en-US" sz="900" dirty="0"/>
-              <a:t>y</a:t>
-            </a:r>
-            <a:r>
-              <a:rPr lang="en-US" sz="900" baseline="-25000" dirty="0"/>
-              <a:t>1</a:t>
-            </a:r>
-          </a:p>
-        </p:txBody>
-      </p:sp>
-      <p:cxnSp>
-        <p:nvCxnSpPr>
-          <p:cNvPr id="20" name="Straight Connector 19">
-            <a:extLst>
-              <a:ext uri="{FF2B5EF4-FFF2-40B4-BE49-F238E27FC236}">
-                <a16:creationId xmlns:a16="http://schemas.microsoft.com/office/drawing/2014/main" id="{A9594CC4-69F9-E440-BF29-75CFC90629E7}"/>
-              </a:ext>
-            </a:extLst>
-          </p:cNvPr>
-          <p:cNvCxnSpPr>
-            <a:cxnSpLocks/>
-          </p:cNvCxnSpPr>
-          <p:nvPr/>
-        </p:nvCxnSpPr>
-        <p:spPr>
-          <a:xfrm>
-            <a:off x="7263336" y="2796661"/>
-            <a:ext cx="643467" cy="0"/>
-          </a:xfrm>
-          <a:prstGeom prst="line">
-            <a:avLst/>
-          </a:prstGeom>
-          <a:ln>
-            <a:solidFill>
-              <a:srgbClr val="FF0000"/>
-            </a:solidFill>
-            <a:headEnd type="none" w="med" len="med"/>
-            <a:tailEnd type="triangle" w="med" len="med"/>
-          </a:ln>
-        </p:spPr>
-        <p:style>
-          <a:lnRef idx="1">
-            <a:schemeClr val="accent1"/>
-          </a:lnRef>
-          <a:fillRef idx="0">
-            <a:schemeClr val="accent1"/>
-          </a:fillRef>
-          <a:effectRef idx="0">
-            <a:schemeClr val="accent1"/>
-          </a:effectRef>
-          <a:fontRef idx="minor">
-            <a:schemeClr val="tx1"/>
-          </a:fontRef>
-        </p:style>
-      </p:cxnSp>
-      <p:sp>
-        <p:nvSpPr>
-          <p:cNvPr id="21" name="TextBox 20">
-            <a:extLst>
-              <a:ext uri="{FF2B5EF4-FFF2-40B4-BE49-F238E27FC236}">
-                <a16:creationId xmlns:a16="http://schemas.microsoft.com/office/drawing/2014/main" id="{B5A1D5C5-1F96-C741-B8B6-F861DD3FDAFA}"/>
-              </a:ext>
-            </a:extLst>
-          </p:cNvPr>
-          <p:cNvSpPr txBox="1"/>
-          <p:nvPr/>
-        </p:nvSpPr>
-        <p:spPr>
-          <a:xfrm>
-            <a:off x="4004822" y="2367937"/>
-            <a:ext cx="154845" cy="138499"/>
-          </a:xfrm>
-          <a:prstGeom prst="rect">
-            <a:avLst/>
-          </a:prstGeom>
-          <a:noFill/>
-          <a:ln>
-            <a:noFill/>
-          </a:ln>
-        </p:spPr>
-        <p:txBody>
-          <a:bodyPr wrap="square" lIns="0" tIns="0" rIns="0" bIns="0" rtlCol="0">
-            <a:spAutoFit/>
-          </a:bodyPr>
-          <a:lstStyle/>
-          <a:p>
-            <a:r>
-              <a:rPr lang="en-US" sz="900" dirty="0"/>
-              <a:t>z</a:t>
-            </a:r>
-            <a:r>
-              <a:rPr lang="en-US" sz="900" baseline="-25000" dirty="0"/>
-              <a:t>1</a:t>
-            </a:r>
-          </a:p>
-        </p:txBody>
-      </p:sp>
-      <p:sp>
-        <p:nvSpPr>
-          <p:cNvPr id="22" name="TextBox 21">
-            <a:extLst>
-              <a:ext uri="{FF2B5EF4-FFF2-40B4-BE49-F238E27FC236}">
-                <a16:creationId xmlns:a16="http://schemas.microsoft.com/office/drawing/2014/main" id="{51E89F48-525B-3342-8273-0E2513EBB03A}"/>
-              </a:ext>
-            </a:extLst>
-          </p:cNvPr>
-          <p:cNvSpPr txBox="1"/>
-          <p:nvPr/>
-        </p:nvSpPr>
-        <p:spPr>
-          <a:xfrm>
-            <a:off x="7625104" y="2459615"/>
-            <a:ext cx="229050" cy="138499"/>
-          </a:xfrm>
-          <a:prstGeom prst="rect">
-            <a:avLst/>
-          </a:prstGeom>
-          <a:noFill/>
-          <a:ln>
-            <a:noFill/>
-          </a:ln>
-        </p:spPr>
-        <p:txBody>
-          <a:bodyPr wrap="square" lIns="0" tIns="0" rIns="0" bIns="0" rtlCol="0">
-            <a:spAutoFit/>
-          </a:bodyPr>
-          <a:lstStyle/>
-          <a:p>
-            <a:r>
-              <a:rPr lang="en-US" sz="900" dirty="0" err="1"/>
-              <a:t>wc</a:t>
-            </a:r>
-            <a:r>
-              <a:rPr lang="en-US" sz="900" baseline="-25000" dirty="0" err="1"/>
-              <a:t>x</a:t>
-            </a:r>
-            <a:endParaRPr lang="en-US" sz="900" baseline="-25000" dirty="0"/>
-          </a:p>
-        </p:txBody>
-      </p:sp>
-      <p:sp>
-        <p:nvSpPr>
-          <p:cNvPr id="23" name="TextBox 22">
-            <a:extLst>
-              <a:ext uri="{FF2B5EF4-FFF2-40B4-BE49-F238E27FC236}">
-                <a16:creationId xmlns:a16="http://schemas.microsoft.com/office/drawing/2014/main" id="{5E34942D-5921-204B-966B-6B9A461117AE}"/>
-              </a:ext>
-            </a:extLst>
-          </p:cNvPr>
-          <p:cNvSpPr txBox="1"/>
-          <p:nvPr/>
-        </p:nvSpPr>
-        <p:spPr>
-          <a:xfrm>
-            <a:off x="6745088" y="1702021"/>
-            <a:ext cx="229050" cy="138499"/>
-          </a:xfrm>
-          <a:prstGeom prst="rect">
-            <a:avLst/>
-          </a:prstGeom>
-          <a:noFill/>
-          <a:ln>
-            <a:noFill/>
-          </a:ln>
-        </p:spPr>
-        <p:txBody>
-          <a:bodyPr wrap="square" lIns="0" tIns="0" rIns="0" bIns="0" rtlCol="0">
-            <a:spAutoFit/>
-          </a:bodyPr>
-          <a:lstStyle/>
-          <a:p>
-            <a:r>
-              <a:rPr lang="en-US" sz="900" dirty="0" err="1"/>
-              <a:t>wc</a:t>
-            </a:r>
-            <a:r>
-              <a:rPr lang="en-US" sz="900" baseline="-25000" dirty="0" err="1"/>
-              <a:t>y</a:t>
-            </a:r>
-            <a:endParaRPr lang="en-US" sz="900" baseline="-25000" dirty="0"/>
-          </a:p>
-        </p:txBody>
-      </p:sp>
-      <p:sp>
-        <p:nvSpPr>
-          <p:cNvPr id="24" name="TextBox 23">
-            <a:extLst>
-              <a:ext uri="{FF2B5EF4-FFF2-40B4-BE49-F238E27FC236}">
-                <a16:creationId xmlns:a16="http://schemas.microsoft.com/office/drawing/2014/main" id="{DBC75440-E4AD-8645-B249-66A5D3787ED3}"/>
-              </a:ext>
-            </a:extLst>
-          </p:cNvPr>
-          <p:cNvSpPr txBox="1"/>
-          <p:nvPr/>
-        </p:nvSpPr>
-        <p:spPr>
-          <a:xfrm>
-            <a:off x="6403666" y="1864926"/>
-            <a:ext cx="172067" cy="138499"/>
-          </a:xfrm>
-          <a:prstGeom prst="rect">
-            <a:avLst/>
-          </a:prstGeom>
-          <a:noFill/>
-          <a:ln>
-            <a:noFill/>
-          </a:ln>
-        </p:spPr>
-        <p:txBody>
-          <a:bodyPr wrap="square" lIns="0" tIns="0" rIns="0" bIns="0" rtlCol="0">
-            <a:spAutoFit/>
-          </a:bodyPr>
-          <a:lstStyle/>
-          <a:p>
-            <a:r>
-              <a:rPr lang="en-US" sz="900" dirty="0"/>
-              <a:t>a</a:t>
-            </a:r>
-            <a:r>
-              <a:rPr lang="en-US" sz="900" baseline="-25000" dirty="0"/>
-              <a:t>2</a:t>
-            </a:r>
-          </a:p>
-        </p:txBody>
-      </p:sp>
-      <p:sp>
-        <p:nvSpPr>
-          <p:cNvPr id="25" name="TextBox 24">
-            <a:extLst>
-              <a:ext uri="{FF2B5EF4-FFF2-40B4-BE49-F238E27FC236}">
-                <a16:creationId xmlns:a16="http://schemas.microsoft.com/office/drawing/2014/main" id="{63C081D7-4F0F-6443-8E2B-F1AAEAA7BEED}"/>
-              </a:ext>
-            </a:extLst>
-          </p:cNvPr>
-          <p:cNvSpPr txBox="1"/>
-          <p:nvPr/>
-        </p:nvSpPr>
-        <p:spPr>
-          <a:xfrm>
-            <a:off x="3341796" y="2390366"/>
-            <a:ext cx="164353" cy="138499"/>
-          </a:xfrm>
-          <a:prstGeom prst="rect">
-            <a:avLst/>
-          </a:prstGeom>
-          <a:noFill/>
-          <a:ln>
-            <a:noFill/>
-          </a:ln>
-        </p:spPr>
-        <p:txBody>
-          <a:bodyPr wrap="square" lIns="0" tIns="0" rIns="0" bIns="0" rtlCol="0">
-            <a:spAutoFit/>
-          </a:bodyPr>
-          <a:lstStyle/>
-          <a:p>
-            <a:r>
-              <a:rPr lang="en-US" sz="900" dirty="0"/>
-              <a:t>d</a:t>
-            </a:r>
-            <a:r>
-              <a:rPr lang="en-US" sz="900" baseline="-25000" dirty="0"/>
-              <a:t>1</a:t>
-            </a:r>
-          </a:p>
-        </p:txBody>
-      </p:sp>
-      <p:sp>
-        <p:nvSpPr>
-          <p:cNvPr id="27" name="TextBox 26">
-            <a:extLst>
-              <a:ext uri="{FF2B5EF4-FFF2-40B4-BE49-F238E27FC236}">
-                <a16:creationId xmlns:a16="http://schemas.microsoft.com/office/drawing/2014/main" id="{742DB2D2-FF77-8849-A1B3-4DADBC2447E0}"/>
-              </a:ext>
-            </a:extLst>
-          </p:cNvPr>
-          <p:cNvSpPr txBox="1"/>
-          <p:nvPr/>
-        </p:nvSpPr>
-        <p:spPr>
-          <a:xfrm>
-            <a:off x="6040261" y="1817618"/>
-            <a:ext cx="229050" cy="138499"/>
-          </a:xfrm>
-          <a:prstGeom prst="rect">
-            <a:avLst/>
-          </a:prstGeom>
-          <a:noFill/>
-          <a:ln>
-            <a:noFill/>
-          </a:ln>
-        </p:spPr>
-        <p:txBody>
-          <a:bodyPr wrap="square" lIns="0" tIns="0" rIns="0" bIns="0" rtlCol="0">
-            <a:spAutoFit/>
-          </a:bodyPr>
-          <a:lstStyle/>
-          <a:p>
-            <a:r>
-              <a:rPr lang="en-US" sz="900" dirty="0"/>
-              <a:t>WC</a:t>
-            </a:r>
-            <a:endParaRPr lang="en-US" sz="900" baseline="-25000" dirty="0"/>
-          </a:p>
-        </p:txBody>
-      </p:sp>
-      <p:sp>
-        <p:nvSpPr>
-          <p:cNvPr id="28" name="Oval 27">
-            <a:extLst>
-              <a:ext uri="{FF2B5EF4-FFF2-40B4-BE49-F238E27FC236}">
-                <a16:creationId xmlns:a16="http://schemas.microsoft.com/office/drawing/2014/main" id="{F605B447-54B6-134C-8003-F8BB6CCBEAE1}"/>
-              </a:ext>
-            </a:extLst>
-          </p:cNvPr>
-          <p:cNvSpPr/>
-          <p:nvPr/>
-        </p:nvSpPr>
-        <p:spPr>
-          <a:xfrm>
-            <a:off x="4564806" y="1214432"/>
-            <a:ext cx="391886" cy="391886"/>
-          </a:xfrm>
-          <a:prstGeom prst="ellipse">
-            <a:avLst/>
-          </a:prstGeom>
-          <a:ln>
-            <a:solidFill>
-              <a:schemeClr val="tx1"/>
-            </a:solidFill>
-          </a:ln>
-        </p:spPr>
-        <p:style>
-          <a:lnRef idx="2">
-            <a:schemeClr val="accent1"/>
-          </a:lnRef>
-          <a:fillRef idx="1">
-            <a:schemeClr val="lt1"/>
-          </a:fillRef>
-          <a:effectRef idx="0">
-            <a:schemeClr val="accent1"/>
-          </a:effectRef>
-          <a:fontRef idx="minor">
-            <a:schemeClr val="dk1"/>
-          </a:fontRef>
-        </p:style>
-        <p:txBody>
-          <a:bodyPr rtlCol="0" anchor="ctr"/>
-          <a:lstStyle/>
-          <a:p>
-            <a:pPr algn="ctr"/>
-            <a:r>
-              <a:rPr lang="en-US" dirty="0"/>
-              <a:t>3</a:t>
-            </a:r>
-          </a:p>
-        </p:txBody>
-      </p:sp>
-      <p:sp>
-        <p:nvSpPr>
-          <p:cNvPr id="29" name="Oval 28">
-            <a:extLst>
-              <a:ext uri="{FF2B5EF4-FFF2-40B4-BE49-F238E27FC236}">
-                <a16:creationId xmlns:a16="http://schemas.microsoft.com/office/drawing/2014/main" id="{14BBA4C1-2A93-FA48-89DB-600E6D4FCB5B}"/>
-              </a:ext>
-            </a:extLst>
-          </p:cNvPr>
-          <p:cNvSpPr/>
-          <p:nvPr/>
-        </p:nvSpPr>
-        <p:spPr>
-          <a:xfrm>
-            <a:off x="8348191" y="4341172"/>
-            <a:ext cx="227976" cy="227976"/>
-          </a:xfrm>
-          <a:prstGeom prst="ellipse">
-            <a:avLst/>
-          </a:prstGeom>
-          <a:ln>
-            <a:solidFill>
-              <a:schemeClr val="tx1"/>
-            </a:solidFill>
-          </a:ln>
-        </p:spPr>
-        <p:style>
-          <a:lnRef idx="2">
-            <a:schemeClr val="accent1"/>
-          </a:lnRef>
-          <a:fillRef idx="1">
-            <a:schemeClr val="lt1"/>
-          </a:fillRef>
-          <a:effectRef idx="0">
-            <a:schemeClr val="accent1"/>
-          </a:effectRef>
-          <a:fontRef idx="minor">
-            <a:schemeClr val="dk1"/>
-          </a:fontRef>
-        </p:style>
-        <p:txBody>
-          <a:bodyPr rtlCol="0" anchor="ctr"/>
-          <a:lstStyle/>
-          <a:p>
-            <a:pPr algn="ctr"/>
-            <a:r>
-              <a:rPr lang="en-US" dirty="0"/>
-              <a:t>4</a:t>
-            </a:r>
-          </a:p>
-        </p:txBody>
-      </p:sp>
-      <p:sp>
-        <p:nvSpPr>
-          <p:cNvPr id="2" name="Oval 1">
-            <a:extLst>
-              <a:ext uri="{FF2B5EF4-FFF2-40B4-BE49-F238E27FC236}">
-                <a16:creationId xmlns:a16="http://schemas.microsoft.com/office/drawing/2014/main" id="{DD0E6DD4-0DC4-1448-B86C-4ACF3A4BF32A}"/>
-              </a:ext>
-            </a:extLst>
-          </p:cNvPr>
-          <p:cNvSpPr/>
-          <p:nvPr/>
-        </p:nvSpPr>
-        <p:spPr>
-          <a:xfrm>
-            <a:off x="4273000" y="2011584"/>
-            <a:ext cx="391886" cy="391886"/>
-          </a:xfrm>
-          <a:prstGeom prst="ellipse">
-            <a:avLst/>
-          </a:prstGeom>
-          <a:ln>
-            <a:solidFill>
-              <a:schemeClr val="tx1"/>
-            </a:solidFill>
-          </a:ln>
-        </p:spPr>
-        <p:style>
-          <a:lnRef idx="2">
-            <a:schemeClr val="accent1"/>
-          </a:lnRef>
-          <a:fillRef idx="1">
-            <a:schemeClr val="lt1"/>
-          </a:fillRef>
-          <a:effectRef idx="0">
-            <a:schemeClr val="accent1"/>
-          </a:effectRef>
-          <a:fontRef idx="minor">
-            <a:schemeClr val="dk1"/>
-          </a:fontRef>
-        </p:style>
-        <p:txBody>
-          <a:bodyPr rtlCol="0" anchor="ctr"/>
-          <a:lstStyle/>
-          <a:p>
-            <a:pPr algn="ctr"/>
-            <a:r>
-              <a:rPr lang="en-US" dirty="0"/>
-              <a:t>2</a:t>
-            </a:r>
-          </a:p>
-        </p:txBody>
-      </p:sp>
-      <p:cxnSp>
-        <p:nvCxnSpPr>
-          <p:cNvPr id="7" name="Straight Connector 6">
-            <a:extLst>
-              <a:ext uri="{FF2B5EF4-FFF2-40B4-BE49-F238E27FC236}">
-                <a16:creationId xmlns:a16="http://schemas.microsoft.com/office/drawing/2014/main" id="{95DCCCA5-AE8A-8444-ACC4-675D3DECAE96}"/>
-              </a:ext>
-            </a:extLst>
-          </p:cNvPr>
-          <p:cNvCxnSpPr>
-            <a:cxnSpLocks/>
-          </p:cNvCxnSpPr>
-          <p:nvPr/>
-        </p:nvCxnSpPr>
-        <p:spPr>
-          <a:xfrm flipV="1">
-            <a:off x="4472481" y="1916318"/>
-            <a:ext cx="1449618" cy="291209"/>
-          </a:xfrm>
-          <a:prstGeom prst="line">
-            <a:avLst/>
-          </a:prstGeom>
-          <a:ln>
-            <a:prstDash val="sysDot"/>
-          </a:ln>
-        </p:spPr>
-        <p:style>
-          <a:lnRef idx="1">
-            <a:schemeClr val="accent4"/>
-          </a:lnRef>
-          <a:fillRef idx="0">
-            <a:schemeClr val="accent4"/>
-          </a:fillRef>
-          <a:effectRef idx="0">
-            <a:schemeClr val="accent4"/>
-          </a:effectRef>
-          <a:fontRef idx="minor">
-            <a:schemeClr val="tx1"/>
-          </a:fontRef>
-        </p:style>
-      </p:cxnSp>
-      <p:cxnSp>
-        <p:nvCxnSpPr>
-          <p:cNvPr id="9" name="Straight Connector 8">
-            <a:extLst>
-              <a:ext uri="{FF2B5EF4-FFF2-40B4-BE49-F238E27FC236}">
-                <a16:creationId xmlns:a16="http://schemas.microsoft.com/office/drawing/2014/main" id="{19F40CE3-9439-5C49-B99D-84D768B03184}"/>
-              </a:ext>
-            </a:extLst>
-          </p:cNvPr>
-          <p:cNvCxnSpPr>
-            <a:cxnSpLocks/>
-          </p:cNvCxnSpPr>
-          <p:nvPr/>
-        </p:nvCxnSpPr>
-        <p:spPr>
-          <a:xfrm>
-            <a:off x="3894667" y="1410011"/>
-            <a:ext cx="2624666" cy="0"/>
-          </a:xfrm>
-          <a:prstGeom prst="line">
-            <a:avLst/>
-          </a:prstGeom>
-          <a:ln>
-            <a:prstDash val="sysDot"/>
-          </a:ln>
-        </p:spPr>
-        <p:style>
-          <a:lnRef idx="1">
-            <a:schemeClr val="accent4"/>
-          </a:lnRef>
-          <a:fillRef idx="0">
-            <a:schemeClr val="accent4"/>
-          </a:fillRef>
-          <a:effectRef idx="0">
-            <a:schemeClr val="accent4"/>
-          </a:effectRef>
-          <a:fontRef idx="minor">
-            <a:schemeClr val="tx1"/>
-          </a:fontRef>
-        </p:style>
-      </p:cxnSp>
-      <p:cxnSp>
-        <p:nvCxnSpPr>
-          <p:cNvPr id="10" name="Straight Connector 9">
-            <a:extLst>
-              <a:ext uri="{FF2B5EF4-FFF2-40B4-BE49-F238E27FC236}">
-                <a16:creationId xmlns:a16="http://schemas.microsoft.com/office/drawing/2014/main" id="{69C54D5C-2B83-6447-AF10-9F2FE40F4A56}"/>
-              </a:ext>
-            </a:extLst>
-          </p:cNvPr>
-          <p:cNvCxnSpPr>
-            <a:cxnSpLocks/>
-          </p:cNvCxnSpPr>
-          <p:nvPr/>
-        </p:nvCxnSpPr>
-        <p:spPr>
-          <a:xfrm>
-            <a:off x="3369733" y="2210690"/>
-            <a:ext cx="3119967" cy="0"/>
-          </a:xfrm>
-          <a:prstGeom prst="line">
-            <a:avLst/>
-          </a:prstGeom>
-          <a:ln>
-            <a:prstDash val="sysDot"/>
-          </a:ln>
-        </p:spPr>
-        <p:style>
-          <a:lnRef idx="1">
-            <a:schemeClr val="accent4"/>
-          </a:lnRef>
-          <a:fillRef idx="0">
-            <a:schemeClr val="accent4"/>
-          </a:fillRef>
-          <a:effectRef idx="0">
-            <a:schemeClr val="accent4"/>
-          </a:effectRef>
-          <a:fontRef idx="minor">
-            <a:schemeClr val="tx1"/>
-          </a:fontRef>
-        </p:style>
-      </p:cxnSp>
-      <p:cxnSp>
-        <p:nvCxnSpPr>
-          <p:cNvPr id="11" name="Straight Connector 10">
-            <a:extLst>
-              <a:ext uri="{FF2B5EF4-FFF2-40B4-BE49-F238E27FC236}">
-                <a16:creationId xmlns:a16="http://schemas.microsoft.com/office/drawing/2014/main" id="{BB15EC97-22F3-F845-BB61-0D7DF466D702}"/>
-              </a:ext>
-            </a:extLst>
-          </p:cNvPr>
-          <p:cNvCxnSpPr>
-            <a:cxnSpLocks/>
-          </p:cNvCxnSpPr>
-          <p:nvPr/>
-        </p:nvCxnSpPr>
-        <p:spPr>
-          <a:xfrm>
-            <a:off x="5934273" y="948267"/>
-            <a:ext cx="0" cy="1269767"/>
-          </a:xfrm>
-          <a:prstGeom prst="line">
-            <a:avLst/>
-          </a:prstGeom>
-          <a:ln>
-            <a:prstDash val="sysDot"/>
-          </a:ln>
-        </p:spPr>
-        <p:style>
-          <a:lnRef idx="1">
-            <a:schemeClr val="accent4"/>
-          </a:lnRef>
-          <a:fillRef idx="0">
-            <a:schemeClr val="accent4"/>
-          </a:fillRef>
-          <a:effectRef idx="0">
-            <a:schemeClr val="accent4"/>
-          </a:effectRef>
-          <a:fontRef idx="minor">
-            <a:schemeClr val="tx1"/>
-          </a:fontRef>
-        </p:style>
-      </p:cxnSp>
-      <p:cxnSp>
-        <p:nvCxnSpPr>
-          <p:cNvPr id="12" name="Straight Connector 11">
-            <a:extLst>
-              <a:ext uri="{FF2B5EF4-FFF2-40B4-BE49-F238E27FC236}">
-                <a16:creationId xmlns:a16="http://schemas.microsoft.com/office/drawing/2014/main" id="{9897E682-6751-C143-AD1F-C456E68F1625}"/>
-              </a:ext>
-            </a:extLst>
-          </p:cNvPr>
-          <p:cNvCxnSpPr>
-            <a:cxnSpLocks/>
-          </p:cNvCxnSpPr>
-          <p:nvPr/>
-        </p:nvCxnSpPr>
-        <p:spPr>
-          <a:xfrm>
-            <a:off x="4760749" y="1410011"/>
-            <a:ext cx="1161350" cy="494726"/>
-          </a:xfrm>
-          <a:prstGeom prst="line">
-            <a:avLst/>
-          </a:prstGeom>
-          <a:ln>
-            <a:prstDash val="sysDot"/>
-          </a:ln>
-        </p:spPr>
-        <p:style>
-          <a:lnRef idx="1">
-            <a:schemeClr val="accent4"/>
-          </a:lnRef>
-          <a:fillRef idx="0">
-            <a:schemeClr val="accent4"/>
-          </a:fillRef>
-          <a:effectRef idx="0">
-            <a:schemeClr val="accent4"/>
-          </a:effectRef>
-          <a:fontRef idx="minor">
-            <a:schemeClr val="tx1"/>
-          </a:fontRef>
-        </p:style>
-      </p:cxnSp>
-      <p:cxnSp>
-        <p:nvCxnSpPr>
-          <p:cNvPr id="58" name="Straight Connector 57">
-            <a:extLst>
-              <a:ext uri="{FF2B5EF4-FFF2-40B4-BE49-F238E27FC236}">
-                <a16:creationId xmlns:a16="http://schemas.microsoft.com/office/drawing/2014/main" id="{23A588F6-4470-2349-A13D-5B0B0CC94BE1}"/>
-              </a:ext>
-            </a:extLst>
-          </p:cNvPr>
-          <p:cNvCxnSpPr>
-            <a:cxnSpLocks/>
-            <a:stCxn id="4" idx="2"/>
-          </p:cNvCxnSpPr>
-          <p:nvPr/>
-        </p:nvCxnSpPr>
-        <p:spPr>
-          <a:xfrm flipH="1" flipV="1">
-            <a:off x="3321208" y="2759872"/>
-            <a:ext cx="642516" cy="2724"/>
-          </a:xfrm>
-          <a:prstGeom prst="line">
-            <a:avLst/>
-          </a:prstGeom>
-          <a:ln>
-            <a:prstDash val="sysDot"/>
-          </a:ln>
-        </p:spPr>
-        <p:style>
-          <a:lnRef idx="1">
-            <a:schemeClr val="accent4"/>
-          </a:lnRef>
-          <a:fillRef idx="0">
-            <a:schemeClr val="accent4"/>
-          </a:fillRef>
-          <a:effectRef idx="0">
-            <a:schemeClr val="accent4"/>
-          </a:effectRef>
-          <a:fontRef idx="minor">
-            <a:schemeClr val="tx1"/>
-          </a:fontRef>
-        </p:style>
-      </p:cxnSp>
-      <p:cxnSp>
-        <p:nvCxnSpPr>
-          <p:cNvPr id="62" name="Straight Connector 61">
-            <a:extLst>
-              <a:ext uri="{FF2B5EF4-FFF2-40B4-BE49-F238E27FC236}">
-                <a16:creationId xmlns:a16="http://schemas.microsoft.com/office/drawing/2014/main" id="{F0D8B5F2-2ACA-0D46-8DC7-156C5FA9C22A}"/>
-              </a:ext>
-            </a:extLst>
-          </p:cNvPr>
-          <p:cNvCxnSpPr>
-            <a:cxnSpLocks/>
-          </p:cNvCxnSpPr>
-          <p:nvPr/>
-        </p:nvCxnSpPr>
-        <p:spPr>
-          <a:xfrm flipV="1">
-            <a:off x="3475472" y="2141924"/>
-            <a:ext cx="0" cy="645995"/>
-          </a:xfrm>
-          <a:prstGeom prst="line">
-            <a:avLst/>
-          </a:prstGeom>
-          <a:ln>
-            <a:solidFill>
-              <a:schemeClr val="tx1"/>
-            </a:solidFill>
-          </a:ln>
-        </p:spPr>
-        <p:style>
-          <a:lnRef idx="1">
-            <a:schemeClr val="accent1"/>
-          </a:lnRef>
-          <a:fillRef idx="0">
-            <a:schemeClr val="accent1"/>
-          </a:fillRef>
-          <a:effectRef idx="0">
-            <a:schemeClr val="accent1"/>
-          </a:effectRef>
-          <a:fontRef idx="minor">
-            <a:schemeClr val="tx1"/>
-          </a:fontRef>
-        </p:style>
-      </p:cxnSp>
-      <p:cxnSp>
-        <p:nvCxnSpPr>
-          <p:cNvPr id="65" name="Straight Connector 64">
-            <a:extLst>
-              <a:ext uri="{FF2B5EF4-FFF2-40B4-BE49-F238E27FC236}">
-                <a16:creationId xmlns:a16="http://schemas.microsoft.com/office/drawing/2014/main" id="{EB5A8975-9F0F-DE45-8877-01FDAA33FCC4}"/>
-              </a:ext>
-            </a:extLst>
-          </p:cNvPr>
-          <p:cNvCxnSpPr>
-            <a:cxnSpLocks/>
-          </p:cNvCxnSpPr>
-          <p:nvPr/>
-        </p:nvCxnSpPr>
-        <p:spPr>
-          <a:xfrm flipV="1">
-            <a:off x="6376237" y="1278467"/>
-            <a:ext cx="0" cy="990194"/>
-          </a:xfrm>
-          <a:prstGeom prst="line">
-            <a:avLst/>
-          </a:prstGeom>
-          <a:ln>
-            <a:solidFill>
-              <a:schemeClr val="tx1"/>
-            </a:solidFill>
-          </a:ln>
-        </p:spPr>
-        <p:style>
-          <a:lnRef idx="1">
-            <a:schemeClr val="accent1"/>
-          </a:lnRef>
-          <a:fillRef idx="0">
-            <a:schemeClr val="accent1"/>
-          </a:fillRef>
-          <a:effectRef idx="0">
-            <a:schemeClr val="accent1"/>
-          </a:effectRef>
-          <a:fontRef idx="minor">
-            <a:schemeClr val="tx1"/>
-          </a:fontRef>
-        </p:style>
-      </p:cxnSp>
-      <p:cxnSp>
-        <p:nvCxnSpPr>
-          <p:cNvPr id="69" name="Straight Connector 68">
-            <a:extLst>
-              <a:ext uri="{FF2B5EF4-FFF2-40B4-BE49-F238E27FC236}">
-                <a16:creationId xmlns:a16="http://schemas.microsoft.com/office/drawing/2014/main" id="{4B06659B-8252-C549-9EF6-AD45B12CBFFD}"/>
-              </a:ext>
-            </a:extLst>
-          </p:cNvPr>
-          <p:cNvCxnSpPr>
-            <a:cxnSpLocks/>
-          </p:cNvCxnSpPr>
-          <p:nvPr/>
-        </p:nvCxnSpPr>
-        <p:spPr>
-          <a:xfrm>
-            <a:off x="4482176" y="881969"/>
-            <a:ext cx="0" cy="1426599"/>
-          </a:xfrm>
-          <a:prstGeom prst="line">
-            <a:avLst/>
-          </a:prstGeom>
-          <a:ln>
-            <a:prstDash val="sysDot"/>
-          </a:ln>
-        </p:spPr>
-        <p:style>
-          <a:lnRef idx="1">
-            <a:schemeClr val="accent4"/>
-          </a:lnRef>
-          <a:fillRef idx="0">
-            <a:schemeClr val="accent4"/>
-          </a:fillRef>
-          <a:effectRef idx="0">
-            <a:schemeClr val="accent4"/>
-          </a:effectRef>
-          <a:fontRef idx="minor">
-            <a:schemeClr val="tx1"/>
-          </a:fontRef>
-        </p:style>
-      </p:cxnSp>
-      <p:cxnSp>
-        <p:nvCxnSpPr>
-          <p:cNvPr id="72" name="Straight Connector 71">
-            <a:extLst>
-              <a:ext uri="{FF2B5EF4-FFF2-40B4-BE49-F238E27FC236}">
-                <a16:creationId xmlns:a16="http://schemas.microsoft.com/office/drawing/2014/main" id="{A9F23B00-68C9-8544-ADE6-8CF68432E0EA}"/>
-              </a:ext>
-            </a:extLst>
-          </p:cNvPr>
-          <p:cNvCxnSpPr>
-            <a:cxnSpLocks/>
-          </p:cNvCxnSpPr>
-          <p:nvPr/>
-        </p:nvCxnSpPr>
-        <p:spPr>
-          <a:xfrm>
-            <a:off x="3894667" y="937002"/>
-            <a:ext cx="639233" cy="0"/>
-          </a:xfrm>
-          <a:prstGeom prst="line">
-            <a:avLst/>
-          </a:prstGeom>
-          <a:ln>
-            <a:solidFill>
-              <a:schemeClr val="tx1"/>
-            </a:solidFill>
-          </a:ln>
-        </p:spPr>
-        <p:style>
-          <a:lnRef idx="1">
-            <a:schemeClr val="accent1"/>
-          </a:lnRef>
-          <a:fillRef idx="0">
-            <a:schemeClr val="accent1"/>
-          </a:fillRef>
-          <a:effectRef idx="0">
-            <a:schemeClr val="accent1"/>
-          </a:effectRef>
-          <a:fontRef idx="minor">
-            <a:schemeClr val="tx1"/>
-          </a:fontRef>
-        </p:style>
-      </p:cxnSp>
-      <p:sp>
-        <p:nvSpPr>
-          <p:cNvPr id="77" name="TextBox 76">
-            <a:extLst>
-              <a:ext uri="{FF2B5EF4-FFF2-40B4-BE49-F238E27FC236}">
-                <a16:creationId xmlns:a16="http://schemas.microsoft.com/office/drawing/2014/main" id="{1CB98E0C-9D31-584A-B8B0-98FBC6D92F2C}"/>
-              </a:ext>
-            </a:extLst>
-          </p:cNvPr>
-          <p:cNvSpPr txBox="1"/>
-          <p:nvPr/>
-        </p:nvSpPr>
-        <p:spPr>
-          <a:xfrm>
-            <a:off x="4155991" y="795569"/>
-            <a:ext cx="172067" cy="138499"/>
-          </a:xfrm>
-          <a:prstGeom prst="rect">
-            <a:avLst/>
-          </a:prstGeom>
-          <a:noFill/>
-          <a:ln>
-            <a:noFill/>
-          </a:ln>
-        </p:spPr>
-        <p:txBody>
-          <a:bodyPr wrap="square" lIns="0" tIns="0" rIns="0" bIns="0" rtlCol="0">
-            <a:spAutoFit/>
-          </a:bodyPr>
-          <a:lstStyle/>
-          <a:p>
-            <a:r>
-              <a:rPr lang="en-US" sz="900" dirty="0"/>
-              <a:t>a</a:t>
-            </a:r>
-            <a:r>
-              <a:rPr lang="en-US" sz="900" baseline="-25000" dirty="0"/>
-              <a:t>1</a:t>
-            </a:r>
-          </a:p>
-        </p:txBody>
-      </p:sp>
-      <p:cxnSp>
-        <p:nvCxnSpPr>
-          <p:cNvPr id="80" name="Straight Connector 79">
-            <a:extLst>
-              <a:ext uri="{FF2B5EF4-FFF2-40B4-BE49-F238E27FC236}">
-                <a16:creationId xmlns:a16="http://schemas.microsoft.com/office/drawing/2014/main" id="{A452A629-83E0-4444-B3CC-3C4D61754E45}"/>
-              </a:ext>
-            </a:extLst>
-          </p:cNvPr>
-          <p:cNvCxnSpPr>
-            <a:cxnSpLocks/>
-          </p:cNvCxnSpPr>
-          <p:nvPr/>
-        </p:nvCxnSpPr>
-        <p:spPr>
-          <a:xfrm>
-            <a:off x="4393011" y="881969"/>
-            <a:ext cx="1598214" cy="0"/>
-          </a:xfrm>
-          <a:prstGeom prst="line">
-            <a:avLst/>
-          </a:prstGeom>
-          <a:ln>
-            <a:solidFill>
-              <a:schemeClr val="tx1"/>
-            </a:solidFill>
-          </a:ln>
-        </p:spPr>
-        <p:style>
-          <a:lnRef idx="1">
-            <a:schemeClr val="accent1"/>
-          </a:lnRef>
-          <a:fillRef idx="0">
-            <a:schemeClr val="accent1"/>
-          </a:fillRef>
-          <a:effectRef idx="0">
-            <a:schemeClr val="accent1"/>
-          </a:effectRef>
-          <a:fontRef idx="minor">
-            <a:schemeClr val="tx1"/>
-          </a:fontRef>
-        </p:style>
-      </p:cxnSp>
-      <p:sp>
-        <p:nvSpPr>
-          <p:cNvPr id="82" name="TextBox 81">
-            <a:extLst>
-              <a:ext uri="{FF2B5EF4-FFF2-40B4-BE49-F238E27FC236}">
-                <a16:creationId xmlns:a16="http://schemas.microsoft.com/office/drawing/2014/main" id="{879DB5E6-1D89-FF4E-9324-C5DA5A965784}"/>
-              </a:ext>
-            </a:extLst>
-          </p:cNvPr>
-          <p:cNvSpPr txBox="1"/>
-          <p:nvPr/>
-        </p:nvSpPr>
-        <p:spPr>
-          <a:xfrm>
-            <a:off x="5218548" y="719662"/>
-            <a:ext cx="172067" cy="138499"/>
-          </a:xfrm>
-          <a:prstGeom prst="rect">
-            <a:avLst/>
-          </a:prstGeom>
-          <a:noFill/>
-          <a:ln>
-            <a:noFill/>
-          </a:ln>
-        </p:spPr>
-        <p:txBody>
-          <a:bodyPr wrap="square" lIns="0" tIns="0" rIns="0" bIns="0" rtlCol="0">
-            <a:spAutoFit/>
-          </a:bodyPr>
-          <a:lstStyle/>
-          <a:p>
-            <a:r>
-              <a:rPr lang="en-US" sz="900" dirty="0"/>
-              <a:t>d</a:t>
-            </a:r>
-            <a:r>
-              <a:rPr lang="en-US" sz="900" baseline="-25000" dirty="0"/>
-              <a:t>4</a:t>
-            </a:r>
-          </a:p>
-        </p:txBody>
-      </p:sp>
-      <p:sp>
-        <p:nvSpPr>
-          <p:cNvPr id="92" name="TextBox 91">
-            <a:extLst>
-              <a:ext uri="{FF2B5EF4-FFF2-40B4-BE49-F238E27FC236}">
-                <a16:creationId xmlns:a16="http://schemas.microsoft.com/office/drawing/2014/main" id="{A518C755-6FA3-F94A-BD8F-EFD96C0CC7AD}"/>
-              </a:ext>
-            </a:extLst>
-          </p:cNvPr>
-          <p:cNvSpPr txBox="1"/>
-          <p:nvPr/>
-        </p:nvSpPr>
-        <p:spPr>
-          <a:xfrm>
-            <a:off x="8482550" y="1429082"/>
-            <a:ext cx="172067" cy="138499"/>
-          </a:xfrm>
-          <a:prstGeom prst="rect">
-            <a:avLst/>
-          </a:prstGeom>
-          <a:noFill/>
-          <a:ln>
-            <a:noFill/>
-          </a:ln>
-        </p:spPr>
-        <p:txBody>
-          <a:bodyPr wrap="square" lIns="0" tIns="0" rIns="0" bIns="0" rtlCol="0">
-            <a:spAutoFit/>
-          </a:bodyPr>
-          <a:lstStyle/>
-          <a:p>
-            <a:r>
-              <a:rPr lang="en-US" sz="900" dirty="0"/>
-              <a:t>a</a:t>
-            </a:r>
-            <a:r>
-              <a:rPr lang="en-US" sz="900" baseline="-25000" dirty="0"/>
-              <a:t>3</a:t>
-            </a:r>
-          </a:p>
-        </p:txBody>
-      </p:sp>
-      <p:cxnSp>
-        <p:nvCxnSpPr>
-          <p:cNvPr id="93" name="Straight Connector 92">
-            <a:extLst>
-              <a:ext uri="{FF2B5EF4-FFF2-40B4-BE49-F238E27FC236}">
-                <a16:creationId xmlns:a16="http://schemas.microsoft.com/office/drawing/2014/main" id="{5EF72578-4EF4-BB4E-A6F2-A09555ABE86F}"/>
-              </a:ext>
-            </a:extLst>
-          </p:cNvPr>
-          <p:cNvCxnSpPr>
-            <a:cxnSpLocks/>
-          </p:cNvCxnSpPr>
-          <p:nvPr/>
-        </p:nvCxnSpPr>
-        <p:spPr>
-          <a:xfrm>
-            <a:off x="8433166" y="1214432"/>
-            <a:ext cx="0" cy="539151"/>
-          </a:xfrm>
-          <a:prstGeom prst="line">
-            <a:avLst/>
-          </a:prstGeom>
-          <a:ln>
-            <a:solidFill>
-              <a:schemeClr val="tx1"/>
-            </a:solidFill>
-          </a:ln>
-        </p:spPr>
-        <p:style>
-          <a:lnRef idx="1">
-            <a:schemeClr val="accent1"/>
-          </a:lnRef>
-          <a:fillRef idx="0">
-            <a:schemeClr val="accent1"/>
-          </a:fillRef>
-          <a:effectRef idx="0">
-            <a:schemeClr val="accent1"/>
-          </a:effectRef>
-          <a:fontRef idx="minor">
-            <a:schemeClr val="tx1"/>
-          </a:fontRef>
-        </p:style>
-      </p:cxnSp>
-      <p:sp>
-        <p:nvSpPr>
-          <p:cNvPr id="101" name="Freeform 100">
-            <a:extLst>
-              <a:ext uri="{FF2B5EF4-FFF2-40B4-BE49-F238E27FC236}">
-                <a16:creationId xmlns:a16="http://schemas.microsoft.com/office/drawing/2014/main" id="{6266E420-F222-6046-861C-2383539BBEDE}"/>
-              </a:ext>
-            </a:extLst>
-          </p:cNvPr>
-          <p:cNvSpPr/>
-          <p:nvPr/>
-        </p:nvSpPr>
-        <p:spPr>
-          <a:xfrm>
-            <a:off x="7078032" y="979792"/>
-            <a:ext cx="139301" cy="213981"/>
-          </a:xfrm>
-          <a:custGeom>
-            <a:avLst/>
-            <a:gdLst>
-              <a:gd name="connsiteX0" fmla="*/ 0 w 147545"/>
-              <a:gd name="connsiteY0" fmla="*/ 0 h 212781"/>
-              <a:gd name="connsiteX1" fmla="*/ 146050 w 147545"/>
-              <a:gd name="connsiteY1" fmla="*/ 200025 h 212781"/>
-              <a:gd name="connsiteX2" fmla="*/ 79375 w 147545"/>
-              <a:gd name="connsiteY2" fmla="*/ 203200 h 212781"/>
-              <a:gd name="connsiteX0" fmla="*/ 0 w 153794"/>
-              <a:gd name="connsiteY0" fmla="*/ 0 h 203200"/>
-              <a:gd name="connsiteX1" fmla="*/ 152400 w 153794"/>
-              <a:gd name="connsiteY1" fmla="*/ 66675 h 203200"/>
-              <a:gd name="connsiteX2" fmla="*/ 79375 w 153794"/>
-              <a:gd name="connsiteY2" fmla="*/ 203200 h 203200"/>
-              <a:gd name="connsiteX0" fmla="*/ 0 w 79375"/>
-              <a:gd name="connsiteY0" fmla="*/ 0 h 203200"/>
-              <a:gd name="connsiteX1" fmla="*/ 79375 w 79375"/>
-              <a:gd name="connsiteY1" fmla="*/ 203200 h 203200"/>
-              <a:gd name="connsiteX0" fmla="*/ 0 w 142919"/>
-              <a:gd name="connsiteY0" fmla="*/ 0 h 203200"/>
-              <a:gd name="connsiteX1" fmla="*/ 79375 w 142919"/>
-              <a:gd name="connsiteY1" fmla="*/ 203200 h 203200"/>
-              <a:gd name="connsiteX0" fmla="*/ 0 w 186211"/>
-              <a:gd name="connsiteY0" fmla="*/ 0 h 203200"/>
-              <a:gd name="connsiteX1" fmla="*/ 79375 w 186211"/>
-              <a:gd name="connsiteY1" fmla="*/ 203200 h 203200"/>
-              <a:gd name="connsiteX0" fmla="*/ 0 w 125812"/>
-              <a:gd name="connsiteY0" fmla="*/ 0 h 203200"/>
-              <a:gd name="connsiteX1" fmla="*/ 79375 w 125812"/>
-              <a:gd name="connsiteY1" fmla="*/ 203200 h 203200"/>
-              <a:gd name="connsiteX0" fmla="*/ 0 w 122234"/>
-              <a:gd name="connsiteY0" fmla="*/ 1233 h 204433"/>
-              <a:gd name="connsiteX1" fmla="*/ 79375 w 122234"/>
-              <a:gd name="connsiteY1" fmla="*/ 204433 h 204433"/>
-              <a:gd name="connsiteX0" fmla="*/ 0 w 148382"/>
-              <a:gd name="connsiteY0" fmla="*/ 1233 h 204433"/>
-              <a:gd name="connsiteX1" fmla="*/ 111125 w 148382"/>
-              <a:gd name="connsiteY1" fmla="*/ 204433 h 204433"/>
-              <a:gd name="connsiteX0" fmla="*/ 0 w 354546"/>
-              <a:gd name="connsiteY0" fmla="*/ 772 h 284406"/>
-              <a:gd name="connsiteX1" fmla="*/ 335492 w 354546"/>
-              <a:gd name="connsiteY1" fmla="*/ 284406 h 284406"/>
-              <a:gd name="connsiteX0" fmla="*/ 0 w 335731"/>
-              <a:gd name="connsiteY0" fmla="*/ 1961 h 285595"/>
-              <a:gd name="connsiteX1" fmla="*/ 335492 w 335731"/>
-              <a:gd name="connsiteY1" fmla="*/ 285595 h 285595"/>
-              <a:gd name="connsiteX0" fmla="*/ 0 w 336219"/>
-              <a:gd name="connsiteY0" fmla="*/ 60 h 283694"/>
-              <a:gd name="connsiteX1" fmla="*/ 335492 w 336219"/>
-              <a:gd name="connsiteY1" fmla="*/ 283694 h 283694"/>
-              <a:gd name="connsiteX0" fmla="*/ 0 w 335839"/>
-              <a:gd name="connsiteY0" fmla="*/ 0 h 283634"/>
-              <a:gd name="connsiteX1" fmla="*/ 335492 w 335839"/>
-              <a:gd name="connsiteY1" fmla="*/ 283634 h 283634"/>
-              <a:gd name="connsiteX0" fmla="*/ 0 w 335492"/>
-              <a:gd name="connsiteY0" fmla="*/ 0 h 283634"/>
-              <a:gd name="connsiteX1" fmla="*/ 335492 w 335492"/>
-              <a:gd name="connsiteY1" fmla="*/ 283634 h 283634"/>
-              <a:gd name="connsiteX0" fmla="*/ 0 w 128059"/>
-              <a:gd name="connsiteY0" fmla="*/ 0 h 503767"/>
-              <a:gd name="connsiteX1" fmla="*/ 128059 w 128059"/>
-              <a:gd name="connsiteY1" fmla="*/ 503767 h 503767"/>
-              <a:gd name="connsiteX0" fmla="*/ 67435 w 120865"/>
-              <a:gd name="connsiteY0" fmla="*/ 0 h 211667"/>
-              <a:gd name="connsiteX1" fmla="*/ 761 w 120865"/>
-              <a:gd name="connsiteY1" fmla="*/ 211667 h 211667"/>
-              <a:gd name="connsiteX0" fmla="*/ 66674 w 140917"/>
-              <a:gd name="connsiteY0" fmla="*/ 0 h 211667"/>
-              <a:gd name="connsiteX1" fmla="*/ 0 w 140917"/>
-              <a:gd name="connsiteY1" fmla="*/ 211667 h 211667"/>
-              <a:gd name="connsiteX0" fmla="*/ 66674 w 129636"/>
-              <a:gd name="connsiteY0" fmla="*/ 0 h 211667"/>
-              <a:gd name="connsiteX1" fmla="*/ 0 w 129636"/>
-              <a:gd name="connsiteY1" fmla="*/ 211667 h 211667"/>
-              <a:gd name="connsiteX0" fmla="*/ 66674 w 139301"/>
-              <a:gd name="connsiteY0" fmla="*/ 0 h 213981"/>
-              <a:gd name="connsiteX1" fmla="*/ 0 w 139301"/>
-              <a:gd name="connsiteY1" fmla="*/ 211667 h 213981"/>
-            </a:gdLst>
-            <a:ahLst/>
-            <a:cxnLst>
-              <a:cxn ang="0">
-                <a:pos x="connsiteX0" y="connsiteY0"/>
-              </a:cxn>
-              <a:cxn ang="0">
-                <a:pos x="connsiteX1" y="connsiteY1"/>
-              </a:cxn>
-            </a:cxnLst>
-            <a:rect l="l" t="t" r="r" b="b"/>
-            <a:pathLst>
-              <a:path w="139301" h="213981">
-                <a:moveTo>
-                  <a:pt x="66674" y="0"/>
-                </a:moveTo>
-                <a:cubicBezTo>
-                  <a:pt x="197908" y="91016"/>
-                  <a:pt x="136525" y="233892"/>
-                  <a:pt x="0" y="211667"/>
-                </a:cubicBezTo>
-              </a:path>
-            </a:pathLst>
-          </a:custGeom>
-          <a:noFill/>
-          <a:ln>
-            <a:solidFill>
-              <a:schemeClr val="tx1"/>
-            </a:solidFill>
-            <a:headEnd type="triangle" w="med" len="med"/>
-            <a:tailEnd type="none" w="med" len="med"/>
-          </a:ln>
-        </p:spPr>
-        <p:style>
-          <a:lnRef idx="2">
-            <a:schemeClr val="accent1">
-              <a:shade val="50000"/>
-            </a:schemeClr>
-          </a:lnRef>
-          <a:fillRef idx="1">
-            <a:schemeClr val="accent1"/>
-          </a:fillRef>
-          <a:effectRef idx="0">
-            <a:schemeClr val="accent1"/>
-          </a:effectRef>
-          <a:fontRef idx="minor">
-            <a:schemeClr val="lt1"/>
-          </a:fontRef>
-        </p:style>
-        <p:txBody>
-          <a:bodyPr rtlCol="0" anchor="ctr"/>
-          <a:lstStyle/>
-          <a:p>
-            <a:pPr algn="ctr"/>
-            <a:endParaRPr lang="en-US"/>
-          </a:p>
-        </p:txBody>
-      </p:sp>
-      <p:sp>
-        <p:nvSpPr>
-          <p:cNvPr id="102" name="TextBox 101">
-            <a:extLst>
-              <a:ext uri="{FF2B5EF4-FFF2-40B4-BE49-F238E27FC236}">
-                <a16:creationId xmlns:a16="http://schemas.microsoft.com/office/drawing/2014/main" id="{97DDF2A7-6AAE-964E-82C7-F144F3C33C12}"/>
-              </a:ext>
-            </a:extLst>
-          </p:cNvPr>
-          <p:cNvSpPr txBox="1"/>
-          <p:nvPr/>
-        </p:nvSpPr>
-        <p:spPr>
-          <a:xfrm>
-            <a:off x="7283956" y="1017532"/>
-            <a:ext cx="154845" cy="138499"/>
-          </a:xfrm>
-          <a:prstGeom prst="rect">
-            <a:avLst/>
-          </a:prstGeom>
-          <a:noFill/>
-          <a:ln>
-            <a:noFill/>
-          </a:ln>
-        </p:spPr>
-        <p:txBody>
-          <a:bodyPr wrap="square" lIns="0" tIns="0" rIns="0" bIns="0" rtlCol="0">
-            <a:spAutoFit/>
-          </a:bodyPr>
-          <a:lstStyle/>
-          <a:p>
-            <a:r>
-              <a:rPr lang="en-US" sz="900" dirty="0"/>
-              <a:t>θ</a:t>
-            </a:r>
-            <a:r>
-              <a:rPr lang="en-US" sz="900" baseline="-25000" dirty="0"/>
-              <a:t>3</a:t>
-            </a:r>
-          </a:p>
-        </p:txBody>
-      </p:sp>
-      <p:cxnSp>
-        <p:nvCxnSpPr>
-          <p:cNvPr id="107" name="Straight Connector 106">
-            <a:extLst>
-              <a:ext uri="{FF2B5EF4-FFF2-40B4-BE49-F238E27FC236}">
-                <a16:creationId xmlns:a16="http://schemas.microsoft.com/office/drawing/2014/main" id="{2781CF86-0842-7F44-BDBC-859B3E4F66ED}"/>
-              </a:ext>
-            </a:extLst>
-          </p:cNvPr>
-          <p:cNvCxnSpPr>
-            <a:cxnSpLocks/>
-          </p:cNvCxnSpPr>
-          <p:nvPr/>
-        </p:nvCxnSpPr>
-        <p:spPr>
-          <a:xfrm flipV="1">
-            <a:off x="5211775" y="1554884"/>
-            <a:ext cx="150660" cy="250106"/>
-          </a:xfrm>
-          <a:prstGeom prst="line">
-            <a:avLst/>
-          </a:prstGeom>
-          <a:ln>
-            <a:prstDash val="sysDot"/>
-          </a:ln>
-        </p:spPr>
-        <p:style>
-          <a:lnRef idx="1">
-            <a:schemeClr val="accent4"/>
-          </a:lnRef>
-          <a:fillRef idx="0">
-            <a:schemeClr val="accent4"/>
-          </a:fillRef>
-          <a:effectRef idx="0">
-            <a:schemeClr val="accent4"/>
-          </a:effectRef>
-          <a:fontRef idx="minor">
-            <a:schemeClr val="tx1"/>
-          </a:fontRef>
-        </p:style>
-      </p:cxnSp>
-      <p:cxnSp>
-        <p:nvCxnSpPr>
-          <p:cNvPr id="115" name="Straight Connector 114">
-            <a:extLst>
-              <a:ext uri="{FF2B5EF4-FFF2-40B4-BE49-F238E27FC236}">
-                <a16:creationId xmlns:a16="http://schemas.microsoft.com/office/drawing/2014/main" id="{7502F26B-A5CE-F340-BAFE-B5CD98DE3968}"/>
-              </a:ext>
-            </a:extLst>
-          </p:cNvPr>
-          <p:cNvCxnSpPr>
-            <a:cxnSpLocks/>
-          </p:cNvCxnSpPr>
-          <p:nvPr/>
-        </p:nvCxnSpPr>
-        <p:spPr>
-          <a:xfrm>
-            <a:off x="4393011" y="1114802"/>
-            <a:ext cx="898418" cy="0"/>
-          </a:xfrm>
-          <a:prstGeom prst="line">
-            <a:avLst/>
-          </a:prstGeom>
-          <a:ln>
-            <a:solidFill>
-              <a:schemeClr val="tx1"/>
-            </a:solidFill>
-          </a:ln>
-        </p:spPr>
-        <p:style>
-          <a:lnRef idx="1">
-            <a:schemeClr val="accent1"/>
-          </a:lnRef>
-          <a:fillRef idx="0">
-            <a:schemeClr val="accent1"/>
-          </a:fillRef>
-          <a:effectRef idx="0">
-            <a:schemeClr val="accent1"/>
-          </a:effectRef>
-          <a:fontRef idx="minor">
-            <a:schemeClr val="tx1"/>
-          </a:fontRef>
-        </p:style>
-      </p:cxnSp>
-      <p:sp>
-        <p:nvSpPr>
-          <p:cNvPr id="117" name="TextBox 116">
-            <a:extLst>
-              <a:ext uri="{FF2B5EF4-FFF2-40B4-BE49-F238E27FC236}">
-                <a16:creationId xmlns:a16="http://schemas.microsoft.com/office/drawing/2014/main" id="{A66F783A-4053-5B4D-9DE3-9EC8CF08FF1F}"/>
-              </a:ext>
-            </a:extLst>
-          </p:cNvPr>
-          <p:cNvSpPr txBox="1"/>
-          <p:nvPr/>
-        </p:nvSpPr>
-        <p:spPr>
-          <a:xfrm>
-            <a:off x="4953536" y="1607918"/>
-            <a:ext cx="172067" cy="138499"/>
-          </a:xfrm>
-          <a:prstGeom prst="rect">
-            <a:avLst/>
-          </a:prstGeom>
-          <a:noFill/>
-          <a:ln>
-            <a:noFill/>
-          </a:ln>
-        </p:spPr>
-        <p:txBody>
-          <a:bodyPr wrap="square" lIns="0" tIns="0" rIns="0" bIns="0" rtlCol="0">
-            <a:spAutoFit/>
-          </a:bodyPr>
-          <a:lstStyle/>
-          <a:p>
-            <a:r>
-              <a:rPr lang="en-US" sz="900" dirty="0"/>
-              <a:t>L</a:t>
-            </a:r>
-            <a:r>
-              <a:rPr lang="en-US" sz="900" baseline="-25000" dirty="0"/>
-              <a:t>34</a:t>
-            </a:r>
-          </a:p>
-        </p:txBody>
-      </p:sp>
-      <p:sp>
-        <p:nvSpPr>
-          <p:cNvPr id="118" name="TextBox 117">
-            <a:extLst>
-              <a:ext uri="{FF2B5EF4-FFF2-40B4-BE49-F238E27FC236}">
-                <a16:creationId xmlns:a16="http://schemas.microsoft.com/office/drawing/2014/main" id="{77142181-CF9C-5A4A-B055-E03D7C91F5E7}"/>
-              </a:ext>
-            </a:extLst>
-          </p:cNvPr>
-          <p:cNvSpPr txBox="1"/>
-          <p:nvPr/>
-        </p:nvSpPr>
-        <p:spPr>
-          <a:xfrm>
-            <a:off x="4739211" y="976303"/>
-            <a:ext cx="284058" cy="138499"/>
-          </a:xfrm>
-          <a:prstGeom prst="rect">
-            <a:avLst/>
-          </a:prstGeom>
-          <a:noFill/>
-          <a:ln>
-            <a:noFill/>
-          </a:ln>
-        </p:spPr>
-        <p:txBody>
-          <a:bodyPr wrap="square" lIns="0" tIns="0" rIns="0" bIns="0" rtlCol="0">
-            <a:spAutoFit/>
-          </a:bodyPr>
-          <a:lstStyle/>
-          <a:p>
-            <a:r>
-              <a:rPr lang="en-US" sz="900" dirty="0"/>
-              <a:t>LX</a:t>
-            </a:r>
-            <a:r>
-              <a:rPr lang="en-US" sz="900" baseline="-25000" dirty="0"/>
-              <a:t>34</a:t>
-            </a:r>
-          </a:p>
-        </p:txBody>
-      </p:sp>
-      <mc:AlternateContent xmlns:mc="http://schemas.openxmlformats.org/markup-compatibility/2006" xmlns:a14="http://schemas.microsoft.com/office/drawing/2010/main">
-        <mc:Choice Requires="a14">
-          <p:sp>
-            <p:nvSpPr>
-              <p:cNvPr id="120" name="TextBox 119">
-                <a:extLst>
-                  <a:ext uri="{FF2B5EF4-FFF2-40B4-BE49-F238E27FC236}">
-                    <a16:creationId xmlns:a16="http://schemas.microsoft.com/office/drawing/2014/main" id="{34351D28-9807-A94B-9227-A22A3FE84567}"/>
-                  </a:ext>
-                </a:extLst>
-              </p:cNvPr>
-              <p:cNvSpPr txBox="1"/>
-              <p:nvPr/>
-            </p:nvSpPr>
-            <p:spPr>
-              <a:xfrm>
-                <a:off x="6204170" y="224366"/>
-                <a:ext cx="1809526" cy="405496"/>
-              </a:xfrm>
-              <a:prstGeom prst="rect">
-                <a:avLst/>
-              </a:prstGeom>
-              <a:noFill/>
-            </p:spPr>
-            <p:txBody>
-              <a:bodyPr wrap="square" rtlCol="0">
-                <a:spAutoFit/>
-              </a:bodyPr>
-              <a:lstStyle/>
-              <a:p>
-                <a:pPr/>
-                <a14:m>
-                  <m:oMathPara xmlns:m="http://schemas.openxmlformats.org/officeDocument/2006/math">
-                    <m:oMathParaPr>
-                      <m:jc m:val="centerGroup"/>
-                    </m:oMathParaPr>
-                    <m:oMath xmlns:m="http://schemas.openxmlformats.org/officeDocument/2006/math">
-                      <m:sSub>
-                        <m:sSubPr>
-                          <m:ctrlPr>
-                            <a:rPr lang="pt" sz="1000" i="1" smtClean="0">
-                              <a:latin typeface="Cambria Math" panose="02040503050406030204" pitchFamily="18" charset="0"/>
-                            </a:rPr>
-                          </m:ctrlPr>
-                        </m:sSubPr>
-                        <m:e>
-                          <m:r>
-                            <a:rPr lang="en-GB" sz="1000" b="0" i="1" smtClean="0">
-                              <a:latin typeface="Cambria Math" panose="02040503050406030204" pitchFamily="18" charset="0"/>
-                            </a:rPr>
-                            <m:t>𝐿𝑋</m:t>
-                          </m:r>
-                        </m:e>
-                        <m:sub>
-                          <m:r>
-                            <a:rPr lang="en-GB" sz="1000" b="0" i="1" smtClean="0">
-                              <a:latin typeface="Cambria Math" panose="02040503050406030204" pitchFamily="18" charset="0"/>
-                            </a:rPr>
-                            <m:t>34</m:t>
-                          </m:r>
-                        </m:sub>
-                      </m:sSub>
-                      <m:r>
-                        <a:rPr lang="pt" sz="1000" i="1" smtClean="0">
-                          <a:latin typeface="Cambria Math" panose="02040503050406030204" pitchFamily="18" charset="0"/>
-                        </a:rPr>
-                        <m:t>=</m:t>
-                      </m:r>
-                      <m:rad>
-                        <m:radPr>
-                          <m:degHide m:val="on"/>
-                          <m:ctrlPr>
-                            <a:rPr lang="pt" sz="1000" i="1" smtClean="0">
-                              <a:latin typeface="Cambria Math" panose="02040503050406030204" pitchFamily="18" charset="0"/>
-                            </a:rPr>
-                          </m:ctrlPr>
-                        </m:radPr>
-                        <m:deg/>
-                        <m:e>
-                          <m:sSubSup>
-                            <m:sSubSupPr>
-                              <m:ctrlPr>
-                                <a:rPr lang="pt" sz="1000" i="1" smtClean="0">
-                                  <a:latin typeface="Cambria Math" panose="02040503050406030204" pitchFamily="18" charset="0"/>
-                                </a:rPr>
-                              </m:ctrlPr>
-                            </m:sSubSupPr>
-                            <m:e>
-                              <m:r>
-                                <a:rPr lang="en-GB" sz="1000" b="0" i="1" smtClean="0">
-                                  <a:latin typeface="Cambria Math" panose="02040503050406030204" pitchFamily="18" charset="0"/>
-                                </a:rPr>
-                                <m:t>𝐿</m:t>
-                              </m:r>
-                            </m:e>
-                            <m:sub>
-                              <m:r>
-                                <a:rPr lang="en-GB" sz="1000" b="0" i="1" smtClean="0">
-                                  <a:latin typeface="Cambria Math" panose="02040503050406030204" pitchFamily="18" charset="0"/>
-                                </a:rPr>
-                                <m:t>3</m:t>
-                              </m:r>
-                            </m:sub>
-                            <m:sup>
-                              <m:r>
-                                <a:rPr lang="en-GB" sz="1000" b="0" i="1" smtClean="0">
-                                  <a:latin typeface="Cambria Math" panose="02040503050406030204" pitchFamily="18" charset="0"/>
-                                </a:rPr>
-                                <m:t>2</m:t>
-                              </m:r>
-                            </m:sup>
-                          </m:sSubSup>
-                          <m:r>
-                            <a:rPr lang="en-GB" sz="1000" b="0" i="1" smtClean="0">
-                              <a:latin typeface="Cambria Math" panose="02040503050406030204" pitchFamily="18" charset="0"/>
-                            </a:rPr>
-                            <m:t>−</m:t>
-                          </m:r>
-                          <m:sSubSup>
-                            <m:sSubSupPr>
-                              <m:ctrlPr>
-                                <a:rPr lang="en-GB" sz="1000" b="0" i="1" smtClean="0">
-                                  <a:latin typeface="Cambria Math" panose="02040503050406030204" pitchFamily="18" charset="0"/>
-                                </a:rPr>
-                              </m:ctrlPr>
-                            </m:sSubSupPr>
-                            <m:e>
-                              <m:r>
-                                <a:rPr lang="en-GB" sz="1000" b="0" i="1" smtClean="0">
-                                  <a:latin typeface="Cambria Math" panose="02040503050406030204" pitchFamily="18" charset="0"/>
-                                </a:rPr>
-                                <m:t>𝑎</m:t>
-                              </m:r>
-                            </m:e>
-                            <m:sub>
-                              <m:r>
-                                <a:rPr lang="en-GB" sz="1000" b="0" i="1" smtClean="0">
-                                  <a:latin typeface="Cambria Math" panose="02040503050406030204" pitchFamily="18" charset="0"/>
-                                </a:rPr>
-                                <m:t>3</m:t>
-                              </m:r>
-                            </m:sub>
-                            <m:sup>
-                              <m:r>
-                                <a:rPr lang="en-GB" sz="1000" b="0" i="1" smtClean="0">
-                                  <a:latin typeface="Cambria Math" panose="02040503050406030204" pitchFamily="18" charset="0"/>
-                                </a:rPr>
-                                <m:t>2</m:t>
-                              </m:r>
-                            </m:sup>
-                          </m:sSubSup>
-                        </m:e>
-                      </m:rad>
-                    </m:oMath>
-                  </m:oMathPara>
-                </a14:m>
-                <a:endParaRPr lang="en-US" sz="1000" dirty="0"/>
-              </a:p>
-            </p:txBody>
-          </p:sp>
-        </mc:Choice>
-        <mc:Fallback xmlns="">
-          <p:sp>
-            <p:nvSpPr>
-              <p:cNvPr id="120" name="TextBox 119">
-                <a:extLst>
-                  <a:ext uri="{FF2B5EF4-FFF2-40B4-BE49-F238E27FC236}">
-                    <a16:creationId xmlns:a16="http://schemas.microsoft.com/office/drawing/2014/main" id="{34351D28-9807-A94B-9227-A22A3FE84567}"/>
-                  </a:ext>
-                </a:extLst>
-              </p:cNvPr>
-              <p:cNvSpPr txBox="1">
-                <a:spLocks noRot="1" noChangeAspect="1" noMove="1" noResize="1" noEditPoints="1" noAdjustHandles="1" noChangeArrowheads="1" noChangeShapeType="1" noTextEdit="1"/>
-              </p:cNvSpPr>
-              <p:nvPr/>
-            </p:nvSpPr>
-            <p:spPr>
-              <a:xfrm>
-                <a:off x="6204170" y="224366"/>
-                <a:ext cx="1809526" cy="405496"/>
-              </a:xfrm>
-              <a:prstGeom prst="rect">
-                <a:avLst/>
-              </a:prstGeom>
-              <a:blipFill>
-                <a:blip r:embed="rId2"/>
-                <a:stretch>
-                  <a:fillRect/>
-                </a:stretch>
-              </a:blipFill>
-            </p:spPr>
-            <p:txBody>
-              <a:bodyPr/>
-              <a:lstStyle/>
-              <a:p>
-                <a:r>
-                  <a:rPr lang="en-US">
-                    <a:noFill/>
-                  </a:rPr>
-                  <a:t> </a:t>
-                </a:r>
-              </a:p>
-            </p:txBody>
-          </p:sp>
-        </mc:Fallback>
-      </mc:AlternateContent>
-      <p:sp>
-        <p:nvSpPr>
-          <p:cNvPr id="47" name="Rectangle 46">
-            <a:extLst>
-              <a:ext uri="{FF2B5EF4-FFF2-40B4-BE49-F238E27FC236}">
-                <a16:creationId xmlns:a16="http://schemas.microsoft.com/office/drawing/2014/main" id="{11AE80C8-C136-440B-A448-F4FA1C272C74}"/>
-              </a:ext>
-            </a:extLst>
-          </p:cNvPr>
-          <p:cNvSpPr/>
-          <p:nvPr/>
-        </p:nvSpPr>
-        <p:spPr>
-          <a:xfrm>
-            <a:off x="5081087" y="1714019"/>
-            <a:ext cx="309350" cy="186402"/>
-          </a:xfrm>
-          <a:prstGeom prst="rect">
-            <a:avLst/>
-          </a:prstGeom>
-          <a:ln>
-            <a:solidFill>
-              <a:schemeClr val="tx1"/>
-            </a:solidFill>
-          </a:ln>
-        </p:spPr>
-        <p:style>
-          <a:lnRef idx="2">
-            <a:schemeClr val="accent1"/>
-          </a:lnRef>
-          <a:fillRef idx="1">
-            <a:schemeClr val="lt1"/>
-          </a:fillRef>
-          <a:effectRef idx="0">
-            <a:schemeClr val="accent1"/>
-          </a:effectRef>
-          <a:fontRef idx="minor">
-            <a:schemeClr val="dk1"/>
-          </a:fontRef>
-        </p:style>
-        <p:txBody>
-          <a:bodyPr rtlCol="0" anchor="ctr"/>
-          <a:lstStyle/>
-          <a:p>
-            <a:pPr algn="ctr"/>
-            <a:r>
-              <a:rPr lang="en-US" dirty="0"/>
-              <a:t>4</a:t>
-            </a:r>
-          </a:p>
-        </p:txBody>
-      </p:sp>
-      <p:sp>
-        <p:nvSpPr>
-          <p:cNvPr id="51" name="TextBox 50">
-            <a:extLst>
-              <a:ext uri="{FF2B5EF4-FFF2-40B4-BE49-F238E27FC236}">
-                <a16:creationId xmlns:a16="http://schemas.microsoft.com/office/drawing/2014/main" id="{8422374B-9F06-466B-A685-AC6681BE05FC}"/>
-              </a:ext>
-            </a:extLst>
-          </p:cNvPr>
-          <p:cNvSpPr txBox="1"/>
-          <p:nvPr/>
-        </p:nvSpPr>
-        <p:spPr>
-          <a:xfrm>
-            <a:off x="5371745" y="2179022"/>
-            <a:ext cx="341915" cy="138499"/>
-          </a:xfrm>
-          <a:prstGeom prst="rect">
-            <a:avLst/>
-          </a:prstGeom>
-          <a:noFill/>
-          <a:ln>
-            <a:noFill/>
-          </a:ln>
-        </p:spPr>
-        <p:txBody>
-          <a:bodyPr wrap="square" lIns="0" tIns="0" rIns="0" bIns="0" rtlCol="0">
-            <a:spAutoFit/>
-          </a:bodyPr>
-          <a:lstStyle/>
-          <a:p>
-            <a:r>
-              <a:rPr lang="en-US" sz="900" dirty="0" err="1"/>
-              <a:t>WC</a:t>
-            </a:r>
-            <a:r>
-              <a:rPr lang="en-US" sz="900" baseline="-25000" dirty="0" err="1"/>
-              <a:t>x</a:t>
-            </a:r>
-            <a:endParaRPr lang="en-US" sz="900" baseline="-25000" dirty="0"/>
-          </a:p>
-        </p:txBody>
-      </p:sp>
-      <p:sp>
-        <p:nvSpPr>
-          <p:cNvPr id="54" name="TextBox 53">
-            <a:extLst>
-              <a:ext uri="{FF2B5EF4-FFF2-40B4-BE49-F238E27FC236}">
-                <a16:creationId xmlns:a16="http://schemas.microsoft.com/office/drawing/2014/main" id="{7BE43A39-62AF-4B3E-BAB6-DD0C2BC0A635}"/>
-              </a:ext>
-            </a:extLst>
-          </p:cNvPr>
-          <p:cNvSpPr txBox="1"/>
-          <p:nvPr/>
-        </p:nvSpPr>
-        <p:spPr>
-          <a:xfrm>
-            <a:off x="4560032" y="1561447"/>
-            <a:ext cx="104775" cy="138499"/>
-          </a:xfrm>
-          <a:prstGeom prst="rect">
-            <a:avLst/>
-          </a:prstGeom>
-          <a:noFill/>
-          <a:ln>
-            <a:noFill/>
-          </a:ln>
-        </p:spPr>
-        <p:txBody>
-          <a:bodyPr wrap="square" lIns="0" tIns="0" rIns="0" bIns="0" rtlCol="0">
-            <a:spAutoFit/>
-          </a:bodyPr>
-          <a:lstStyle/>
-          <a:p>
-            <a:r>
-              <a:rPr lang="en-US" sz="900" dirty="0"/>
-              <a:t>a</a:t>
-            </a:r>
-            <a:r>
-              <a:rPr lang="en-US" sz="900" baseline="-25000" dirty="0"/>
-              <a:t>2</a:t>
-            </a:r>
-          </a:p>
-        </p:txBody>
-      </p:sp>
-      <p:sp>
-        <p:nvSpPr>
-          <p:cNvPr id="56" name="TextBox 55">
-            <a:extLst>
-              <a:ext uri="{FF2B5EF4-FFF2-40B4-BE49-F238E27FC236}">
-                <a16:creationId xmlns:a16="http://schemas.microsoft.com/office/drawing/2014/main" id="{18B7CB37-393C-4319-B5B9-87EB45A4D1B6}"/>
-              </a:ext>
-            </a:extLst>
-          </p:cNvPr>
-          <p:cNvSpPr txBox="1"/>
-          <p:nvPr/>
-        </p:nvSpPr>
-        <p:spPr>
-          <a:xfrm>
-            <a:off x="5545882" y="1245375"/>
-            <a:ext cx="104775" cy="138499"/>
-          </a:xfrm>
-          <a:prstGeom prst="rect">
-            <a:avLst/>
-          </a:prstGeom>
-          <a:noFill/>
-          <a:ln>
-            <a:noFill/>
-          </a:ln>
-        </p:spPr>
-        <p:txBody>
-          <a:bodyPr wrap="square" lIns="0" tIns="0" rIns="0" bIns="0" rtlCol="0">
-            <a:spAutoFit/>
-          </a:bodyPr>
-          <a:lstStyle/>
-          <a:p>
-            <a:r>
-              <a:rPr lang="en-US" sz="900" dirty="0"/>
-              <a:t>F</a:t>
-            </a:r>
-            <a:endParaRPr lang="en-US" sz="900" baseline="-25000" dirty="0"/>
-          </a:p>
-        </p:txBody>
-      </p:sp>
-      <p:sp>
-        <p:nvSpPr>
-          <p:cNvPr id="57" name="TextBox 56">
-            <a:extLst>
-              <a:ext uri="{FF2B5EF4-FFF2-40B4-BE49-F238E27FC236}">
-                <a16:creationId xmlns:a16="http://schemas.microsoft.com/office/drawing/2014/main" id="{56A95049-E818-4012-82A6-50317D924199}"/>
-              </a:ext>
-            </a:extLst>
-          </p:cNvPr>
-          <p:cNvSpPr txBox="1"/>
-          <p:nvPr/>
-        </p:nvSpPr>
-        <p:spPr>
-          <a:xfrm>
-            <a:off x="5953018" y="2024883"/>
-            <a:ext cx="341915" cy="138499"/>
-          </a:xfrm>
-          <a:prstGeom prst="rect">
-            <a:avLst/>
-          </a:prstGeom>
-          <a:noFill/>
-          <a:ln>
-            <a:noFill/>
-          </a:ln>
-        </p:spPr>
-        <p:txBody>
-          <a:bodyPr wrap="square" lIns="0" tIns="0" rIns="0" bIns="0" rtlCol="0">
-            <a:spAutoFit/>
-          </a:bodyPr>
-          <a:lstStyle/>
-          <a:p>
-            <a:r>
-              <a:rPr lang="en-US" sz="900" dirty="0" err="1"/>
-              <a:t>WC</a:t>
-            </a:r>
-            <a:r>
-              <a:rPr lang="en-US" sz="900" baseline="-25000" dirty="0" err="1"/>
-              <a:t>y</a:t>
-            </a:r>
-            <a:endParaRPr lang="en-US" sz="900" baseline="-25000" dirty="0"/>
-          </a:p>
-        </p:txBody>
-      </p:sp>
-      <p:sp>
-        <p:nvSpPr>
-          <p:cNvPr id="59" name="TextBox 58">
-            <a:extLst>
-              <a:ext uri="{FF2B5EF4-FFF2-40B4-BE49-F238E27FC236}">
-                <a16:creationId xmlns:a16="http://schemas.microsoft.com/office/drawing/2014/main" id="{D7D9A7EC-FAD4-4666-93EF-480174118421}"/>
-              </a:ext>
-            </a:extLst>
-          </p:cNvPr>
-          <p:cNvSpPr txBox="1"/>
-          <p:nvPr/>
-        </p:nvSpPr>
-        <p:spPr>
-          <a:xfrm>
-            <a:off x="5099749" y="1427226"/>
-            <a:ext cx="227875" cy="138499"/>
-          </a:xfrm>
-          <a:prstGeom prst="rect">
-            <a:avLst/>
-          </a:prstGeom>
-          <a:noFill/>
-          <a:ln>
-            <a:noFill/>
-          </a:ln>
-        </p:spPr>
-        <p:txBody>
-          <a:bodyPr wrap="square" lIns="0" tIns="0" rIns="0" bIns="0" rtlCol="0">
-            <a:spAutoFit/>
-          </a:bodyPr>
-          <a:lstStyle/>
-          <a:p>
-            <a:r>
-              <a:rPr lang="en-US" sz="900" dirty="0"/>
-              <a:t>0.96</a:t>
-            </a:r>
-          </a:p>
-        </p:txBody>
-      </p:sp>
-      <p:sp>
-        <p:nvSpPr>
-          <p:cNvPr id="60" name="TextBox 59">
-            <a:extLst>
-              <a:ext uri="{FF2B5EF4-FFF2-40B4-BE49-F238E27FC236}">
-                <a16:creationId xmlns:a16="http://schemas.microsoft.com/office/drawing/2014/main" id="{F49EDAD9-03A0-40E8-B00F-1CC0C8DC9EA3}"/>
-              </a:ext>
-            </a:extLst>
-          </p:cNvPr>
-          <p:cNvSpPr txBox="1"/>
-          <p:nvPr/>
-        </p:nvSpPr>
-        <p:spPr>
-          <a:xfrm>
-            <a:off x="5448926" y="1463969"/>
-            <a:ext cx="558461" cy="138499"/>
-          </a:xfrm>
-          <a:prstGeom prst="rect">
-            <a:avLst/>
-          </a:prstGeom>
-          <a:noFill/>
-          <a:ln>
-            <a:noFill/>
-          </a:ln>
-        </p:spPr>
-        <p:txBody>
-          <a:bodyPr wrap="square" lIns="0" tIns="0" rIns="0" bIns="0" rtlCol="0">
-            <a:spAutoFit/>
-          </a:bodyPr>
-          <a:lstStyle/>
-          <a:p>
-            <a:r>
-              <a:rPr lang="en-US" sz="900" dirty="0"/>
-              <a:t>A</a:t>
-            </a:r>
-            <a:r>
-              <a:rPr lang="en-US" sz="900" baseline="-25000" dirty="0"/>
-              <a:t>3 </a:t>
-            </a:r>
-            <a:r>
-              <a:rPr lang="en-US" sz="900" dirty="0"/>
-              <a:t>0.054</a:t>
-            </a:r>
-          </a:p>
-        </p:txBody>
-      </p:sp>
-      <p:sp>
-        <p:nvSpPr>
-          <p:cNvPr id="61" name="TextBox 60">
-            <a:extLst>
-              <a:ext uri="{FF2B5EF4-FFF2-40B4-BE49-F238E27FC236}">
-                <a16:creationId xmlns:a16="http://schemas.microsoft.com/office/drawing/2014/main" id="{86F2582E-AB66-44D4-B7B2-91658829A0F9}"/>
-              </a:ext>
-            </a:extLst>
-          </p:cNvPr>
-          <p:cNvSpPr txBox="1"/>
-          <p:nvPr/>
-        </p:nvSpPr>
-        <p:spPr>
-          <a:xfrm>
-            <a:off x="5448926" y="1800665"/>
-            <a:ext cx="227875" cy="138499"/>
-          </a:xfrm>
-          <a:prstGeom prst="rect">
-            <a:avLst/>
-          </a:prstGeom>
-          <a:noFill/>
-          <a:ln>
-            <a:noFill/>
-          </a:ln>
-        </p:spPr>
-        <p:txBody>
-          <a:bodyPr wrap="square" lIns="0" tIns="0" rIns="0" bIns="0" rtlCol="0">
-            <a:spAutoFit/>
-          </a:bodyPr>
-          <a:lstStyle/>
-          <a:p>
-            <a:r>
-              <a:rPr lang="en-US" sz="900" dirty="0"/>
-              <a:t>L</a:t>
-            </a:r>
-            <a:r>
-              <a:rPr lang="en-US" sz="900" baseline="-25000" dirty="0"/>
-              <a:t>4WC</a:t>
-            </a:r>
-            <a:endParaRPr lang="en-US" sz="900" dirty="0"/>
-          </a:p>
-        </p:txBody>
-      </p:sp>
-      <p:sp>
-        <p:nvSpPr>
-          <p:cNvPr id="63" name="TextBox 62">
-            <a:extLst>
-              <a:ext uri="{FF2B5EF4-FFF2-40B4-BE49-F238E27FC236}">
-                <a16:creationId xmlns:a16="http://schemas.microsoft.com/office/drawing/2014/main" id="{686D9566-D513-4CB9-AD78-CAF46DE0D429}"/>
-              </a:ext>
-            </a:extLst>
-          </p:cNvPr>
-          <p:cNvSpPr txBox="1"/>
-          <p:nvPr/>
-        </p:nvSpPr>
-        <p:spPr>
-          <a:xfrm>
-            <a:off x="5304581" y="2009166"/>
-            <a:ext cx="346076" cy="138499"/>
-          </a:xfrm>
-          <a:prstGeom prst="rect">
-            <a:avLst/>
-          </a:prstGeom>
-          <a:noFill/>
-          <a:ln>
-            <a:noFill/>
-          </a:ln>
-        </p:spPr>
-        <p:txBody>
-          <a:bodyPr wrap="square" lIns="0" tIns="0" rIns="0" bIns="0" rtlCol="0">
-            <a:spAutoFit/>
-          </a:bodyPr>
-          <a:lstStyle/>
-          <a:p>
-            <a:r>
-              <a:rPr lang="en-US" sz="900" dirty="0"/>
-              <a:t>H</a:t>
-            </a:r>
-            <a:r>
-              <a:rPr lang="en-US" sz="900" baseline="-25000" dirty="0"/>
-              <a:t>2WC</a:t>
-            </a:r>
-            <a:endParaRPr lang="en-US" sz="900" dirty="0"/>
-          </a:p>
-        </p:txBody>
-      </p:sp>
-      <p:sp>
-        <p:nvSpPr>
-          <p:cNvPr id="35" name="Rectangle 34">
-            <a:extLst>
-              <a:ext uri="{FF2B5EF4-FFF2-40B4-BE49-F238E27FC236}">
-                <a16:creationId xmlns:a16="http://schemas.microsoft.com/office/drawing/2014/main" id="{4D7F4DAC-0731-40DA-A483-AA3AF92A0C7E}"/>
-              </a:ext>
-            </a:extLst>
-          </p:cNvPr>
-          <p:cNvSpPr/>
-          <p:nvPr/>
-        </p:nvSpPr>
-        <p:spPr>
-          <a:xfrm rot="1674800">
-            <a:off x="5254578" y="1631961"/>
-            <a:ext cx="45719" cy="45719"/>
-          </a:xfrm>
-          <a:prstGeom prst="rect">
-            <a:avLst/>
-          </a:prstGeom>
-          <a:ln>
-            <a:prstDash val="sysDot"/>
-          </a:ln>
-        </p:spPr>
-        <p:style>
-          <a:lnRef idx="1">
-            <a:schemeClr val="accent4"/>
-          </a:lnRef>
-          <a:fillRef idx="0">
-            <a:schemeClr val="accent4"/>
-          </a:fillRef>
-          <a:effectRef idx="0">
-            <a:schemeClr val="accent4"/>
-          </a:effectRef>
-          <a:fontRef idx="minor">
-            <a:schemeClr val="tx1"/>
-          </a:fontRef>
-        </p:style>
-        <p:txBody>
-          <a:bodyPr rtlCol="0" anchor="ctr"/>
-          <a:lstStyle/>
-          <a:p>
-            <a:pPr algn="ctr"/>
-            <a:endParaRPr lang="en-GB"/>
-          </a:p>
-        </p:txBody>
-      </p:sp>
-      <p:sp>
-        <p:nvSpPr>
-          <p:cNvPr id="38" name="Freeform: Shape 37">
-            <a:extLst>
-              <a:ext uri="{FF2B5EF4-FFF2-40B4-BE49-F238E27FC236}">
-                <a16:creationId xmlns:a16="http://schemas.microsoft.com/office/drawing/2014/main" id="{798BFFDA-7F93-4606-A191-51FA093FD9B2}"/>
-              </a:ext>
-            </a:extLst>
-          </p:cNvPr>
-          <p:cNvSpPr/>
-          <p:nvPr/>
-        </p:nvSpPr>
-        <p:spPr>
-          <a:xfrm>
-            <a:off x="5295900" y="1604964"/>
-            <a:ext cx="214313" cy="87829"/>
-          </a:xfrm>
-          <a:custGeom>
-            <a:avLst/>
-            <a:gdLst>
-              <a:gd name="connsiteX0" fmla="*/ 245269 w 245269"/>
-              <a:gd name="connsiteY0" fmla="*/ 0 h 142875"/>
-              <a:gd name="connsiteX1" fmla="*/ 0 w 245269"/>
-              <a:gd name="connsiteY1" fmla="*/ 142875 h 142875"/>
-              <a:gd name="connsiteX0" fmla="*/ 245269 w 245269"/>
-              <a:gd name="connsiteY0" fmla="*/ 0 h 143620"/>
-              <a:gd name="connsiteX1" fmla="*/ 0 w 245269"/>
-              <a:gd name="connsiteY1" fmla="*/ 142875 h 143620"/>
-              <a:gd name="connsiteX0" fmla="*/ 214313 w 214313"/>
-              <a:gd name="connsiteY0" fmla="*/ 0 h 87425"/>
-              <a:gd name="connsiteX1" fmla="*/ 0 w 214313"/>
-              <a:gd name="connsiteY1" fmla="*/ 85725 h 87425"/>
-              <a:gd name="connsiteX0" fmla="*/ 214313 w 214313"/>
-              <a:gd name="connsiteY0" fmla="*/ 0 h 87829"/>
-              <a:gd name="connsiteX1" fmla="*/ 0 w 214313"/>
-              <a:gd name="connsiteY1" fmla="*/ 85725 h 87829"/>
-            </a:gdLst>
-            <a:ahLst/>
-            <a:cxnLst>
-              <a:cxn ang="0">
-                <a:pos x="connsiteX0" y="connsiteY0"/>
-              </a:cxn>
-              <a:cxn ang="0">
-                <a:pos x="connsiteX1" y="connsiteY1"/>
-              </a:cxn>
-            </a:cxnLst>
-            <a:rect l="l" t="t" r="r" b="b"/>
-            <a:pathLst>
-              <a:path w="214313" h="87829">
-                <a:moveTo>
-                  <a:pt x="214313" y="0"/>
-                </a:moveTo>
-                <a:cubicBezTo>
-                  <a:pt x="200224" y="71040"/>
-                  <a:pt x="85726" y="95647"/>
-                  <a:pt x="0" y="85725"/>
-                </a:cubicBezTo>
-              </a:path>
-            </a:pathLst>
-          </a:custGeom>
-          <a:ln>
-            <a:prstDash val="sysDot"/>
-            <a:headEnd type="none" w="sm" len="sm"/>
-            <a:tailEnd type="triangle" w="sm" len="sm"/>
-          </a:ln>
-        </p:spPr>
-        <p:style>
-          <a:lnRef idx="1">
-            <a:schemeClr val="accent3"/>
-          </a:lnRef>
-          <a:fillRef idx="0">
-            <a:schemeClr val="accent3"/>
-          </a:fillRef>
-          <a:effectRef idx="0">
-            <a:schemeClr val="accent3"/>
-          </a:effectRef>
-          <a:fontRef idx="minor">
-            <a:schemeClr val="tx1"/>
-          </a:fontRef>
-        </p:style>
-        <p:txBody>
-          <a:bodyPr rtlCol="0" anchor="ctr"/>
-          <a:lstStyle/>
-          <a:p>
-            <a:pPr algn="ctr"/>
-            <a:endParaRPr lang="en-GB"/>
-          </a:p>
-        </p:txBody>
-      </p:sp>
-      <p:sp>
-        <p:nvSpPr>
-          <p:cNvPr id="70" name="TextBox 69">
-            <a:extLst>
-              <a:ext uri="{FF2B5EF4-FFF2-40B4-BE49-F238E27FC236}">
-                <a16:creationId xmlns:a16="http://schemas.microsoft.com/office/drawing/2014/main" id="{D5FFD317-3B33-455D-8818-A91F436A1A44}"/>
-              </a:ext>
-            </a:extLst>
-          </p:cNvPr>
-          <p:cNvSpPr txBox="1"/>
-          <p:nvPr/>
-        </p:nvSpPr>
-        <p:spPr>
-          <a:xfrm>
-            <a:off x="5589355" y="1619727"/>
-            <a:ext cx="284504" cy="138499"/>
-          </a:xfrm>
-          <a:prstGeom prst="rect">
-            <a:avLst/>
-          </a:prstGeom>
-          <a:noFill/>
-          <a:ln>
-            <a:noFill/>
-          </a:ln>
-        </p:spPr>
-        <p:txBody>
-          <a:bodyPr wrap="square" lIns="0" tIns="0" rIns="0" bIns="0" rtlCol="0">
-            <a:spAutoFit/>
-          </a:bodyPr>
-          <a:lstStyle/>
-          <a:p>
-            <a:r>
-              <a:rPr lang="en-US" sz="900" dirty="0"/>
-              <a:t>L</a:t>
-            </a:r>
-            <a:r>
-              <a:rPr lang="en-US" sz="900" baseline="-25000" dirty="0"/>
-              <a:t>4WC</a:t>
-            </a:r>
-            <a:r>
-              <a:rPr lang="en-US" sz="900" dirty="0"/>
-              <a:t>x</a:t>
-            </a:r>
-          </a:p>
-        </p:txBody>
-      </p:sp>
-      <p:sp>
-        <p:nvSpPr>
-          <p:cNvPr id="64" name="Freeform 63">
-            <a:extLst>
-              <a:ext uri="{FF2B5EF4-FFF2-40B4-BE49-F238E27FC236}">
-                <a16:creationId xmlns:a16="http://schemas.microsoft.com/office/drawing/2014/main" id="{2919C9E4-A866-1A48-A904-60092D9A6B66}"/>
-              </a:ext>
-            </a:extLst>
-          </p:cNvPr>
-          <p:cNvSpPr/>
-          <p:nvPr/>
-        </p:nvSpPr>
-        <p:spPr>
-          <a:xfrm>
-            <a:off x="4596582" y="1900813"/>
-            <a:ext cx="174274" cy="229659"/>
-          </a:xfrm>
-          <a:custGeom>
-            <a:avLst/>
-            <a:gdLst>
-              <a:gd name="connsiteX0" fmla="*/ 0 w 147545"/>
-              <a:gd name="connsiteY0" fmla="*/ 0 h 212781"/>
-              <a:gd name="connsiteX1" fmla="*/ 146050 w 147545"/>
-              <a:gd name="connsiteY1" fmla="*/ 200025 h 212781"/>
-              <a:gd name="connsiteX2" fmla="*/ 79375 w 147545"/>
-              <a:gd name="connsiteY2" fmla="*/ 203200 h 212781"/>
-              <a:gd name="connsiteX0" fmla="*/ 0 w 153794"/>
-              <a:gd name="connsiteY0" fmla="*/ 0 h 203200"/>
-              <a:gd name="connsiteX1" fmla="*/ 152400 w 153794"/>
-              <a:gd name="connsiteY1" fmla="*/ 66675 h 203200"/>
-              <a:gd name="connsiteX2" fmla="*/ 79375 w 153794"/>
-              <a:gd name="connsiteY2" fmla="*/ 203200 h 203200"/>
-              <a:gd name="connsiteX0" fmla="*/ 0 w 79375"/>
-              <a:gd name="connsiteY0" fmla="*/ 0 h 203200"/>
-              <a:gd name="connsiteX1" fmla="*/ 79375 w 79375"/>
-              <a:gd name="connsiteY1" fmla="*/ 203200 h 203200"/>
-              <a:gd name="connsiteX0" fmla="*/ 0 w 142919"/>
-              <a:gd name="connsiteY0" fmla="*/ 0 h 203200"/>
-              <a:gd name="connsiteX1" fmla="*/ 79375 w 142919"/>
-              <a:gd name="connsiteY1" fmla="*/ 203200 h 203200"/>
-              <a:gd name="connsiteX0" fmla="*/ 0 w 186211"/>
-              <a:gd name="connsiteY0" fmla="*/ 0 h 203200"/>
-              <a:gd name="connsiteX1" fmla="*/ 79375 w 186211"/>
-              <a:gd name="connsiteY1" fmla="*/ 203200 h 203200"/>
-              <a:gd name="connsiteX0" fmla="*/ 0 w 125812"/>
-              <a:gd name="connsiteY0" fmla="*/ 0 h 203200"/>
-              <a:gd name="connsiteX1" fmla="*/ 79375 w 125812"/>
-              <a:gd name="connsiteY1" fmla="*/ 203200 h 203200"/>
-              <a:gd name="connsiteX0" fmla="*/ 0 w 122234"/>
-              <a:gd name="connsiteY0" fmla="*/ 1233 h 204433"/>
-              <a:gd name="connsiteX1" fmla="*/ 79375 w 122234"/>
-              <a:gd name="connsiteY1" fmla="*/ 204433 h 204433"/>
-              <a:gd name="connsiteX0" fmla="*/ 0 w 148382"/>
-              <a:gd name="connsiteY0" fmla="*/ 1233 h 204433"/>
-              <a:gd name="connsiteX1" fmla="*/ 111125 w 148382"/>
-              <a:gd name="connsiteY1" fmla="*/ 204433 h 204433"/>
-              <a:gd name="connsiteX0" fmla="*/ 0 w 354546"/>
-              <a:gd name="connsiteY0" fmla="*/ 772 h 284406"/>
-              <a:gd name="connsiteX1" fmla="*/ 335492 w 354546"/>
-              <a:gd name="connsiteY1" fmla="*/ 284406 h 284406"/>
-              <a:gd name="connsiteX0" fmla="*/ 0 w 335731"/>
-              <a:gd name="connsiteY0" fmla="*/ 1961 h 285595"/>
-              <a:gd name="connsiteX1" fmla="*/ 335492 w 335731"/>
-              <a:gd name="connsiteY1" fmla="*/ 285595 h 285595"/>
-              <a:gd name="connsiteX0" fmla="*/ 0 w 336219"/>
-              <a:gd name="connsiteY0" fmla="*/ 60 h 283694"/>
-              <a:gd name="connsiteX1" fmla="*/ 335492 w 336219"/>
-              <a:gd name="connsiteY1" fmla="*/ 283694 h 283694"/>
-              <a:gd name="connsiteX0" fmla="*/ 0 w 335839"/>
-              <a:gd name="connsiteY0" fmla="*/ 0 h 283634"/>
-              <a:gd name="connsiteX1" fmla="*/ 335492 w 335839"/>
-              <a:gd name="connsiteY1" fmla="*/ 283634 h 283634"/>
-              <a:gd name="connsiteX0" fmla="*/ 0 w 335492"/>
-              <a:gd name="connsiteY0" fmla="*/ 0 h 283634"/>
-              <a:gd name="connsiteX1" fmla="*/ 335492 w 335492"/>
-              <a:gd name="connsiteY1" fmla="*/ 283634 h 283634"/>
-              <a:gd name="connsiteX0" fmla="*/ 0 w 113242"/>
-              <a:gd name="connsiteY0" fmla="*/ 23817 h 101076"/>
-              <a:gd name="connsiteX1" fmla="*/ 113242 w 113242"/>
-              <a:gd name="connsiteY1" fmla="*/ 101076 h 101076"/>
-              <a:gd name="connsiteX0" fmla="*/ 0 w 131430"/>
-              <a:gd name="connsiteY0" fmla="*/ 0 h 77259"/>
-              <a:gd name="connsiteX1" fmla="*/ 113242 w 131430"/>
-              <a:gd name="connsiteY1" fmla="*/ 77259 h 77259"/>
-              <a:gd name="connsiteX0" fmla="*/ 0 w 88086"/>
-              <a:gd name="connsiteY0" fmla="*/ 0 h 96309"/>
-              <a:gd name="connsiteX1" fmla="*/ 33867 w 88086"/>
-              <a:gd name="connsiteY1" fmla="*/ 96309 h 96309"/>
-              <a:gd name="connsiteX0" fmla="*/ 0 w 51968"/>
-              <a:gd name="connsiteY0" fmla="*/ 0 h 96309"/>
-              <a:gd name="connsiteX1" fmla="*/ 33867 w 51968"/>
-              <a:gd name="connsiteY1" fmla="*/ 96309 h 96309"/>
-              <a:gd name="connsiteX0" fmla="*/ 0 w 65690"/>
-              <a:gd name="connsiteY0" fmla="*/ 0 h 93134"/>
-              <a:gd name="connsiteX1" fmla="*/ 52917 w 65690"/>
-              <a:gd name="connsiteY1" fmla="*/ 93134 h 93134"/>
-              <a:gd name="connsiteX0" fmla="*/ 0 w 171150"/>
-              <a:gd name="connsiteY0" fmla="*/ 0 h 229659"/>
-              <a:gd name="connsiteX1" fmla="*/ 167217 w 171150"/>
-              <a:gd name="connsiteY1" fmla="*/ 229659 h 229659"/>
-              <a:gd name="connsiteX0" fmla="*/ 0 w 172717"/>
-              <a:gd name="connsiteY0" fmla="*/ 0 h 229659"/>
-              <a:gd name="connsiteX1" fmla="*/ 167217 w 172717"/>
-              <a:gd name="connsiteY1" fmla="*/ 229659 h 229659"/>
-              <a:gd name="connsiteX0" fmla="*/ 0 w 178939"/>
-              <a:gd name="connsiteY0" fmla="*/ 0 h 229659"/>
-              <a:gd name="connsiteX1" fmla="*/ 167217 w 178939"/>
-              <a:gd name="connsiteY1" fmla="*/ 229659 h 229659"/>
-              <a:gd name="connsiteX0" fmla="*/ 0 w 174274"/>
-              <a:gd name="connsiteY0" fmla="*/ 0 h 229659"/>
-              <a:gd name="connsiteX1" fmla="*/ 167217 w 174274"/>
-              <a:gd name="connsiteY1" fmla="*/ 229659 h 229659"/>
-            </a:gdLst>
-            <a:ahLst/>
-            <a:cxnLst>
-              <a:cxn ang="0">
-                <a:pos x="connsiteX0" y="connsiteY0"/>
-              </a:cxn>
-              <a:cxn ang="0">
-                <a:pos x="connsiteX1" y="connsiteY1"/>
-              </a:cxn>
-            </a:cxnLst>
-            <a:rect l="l" t="t" r="r" b="b"/>
-            <a:pathLst>
-              <a:path w="174274" h="229659">
-                <a:moveTo>
-                  <a:pt x="0" y="0"/>
-                </a:moveTo>
-                <a:cubicBezTo>
-                  <a:pt x="109009" y="17991"/>
-                  <a:pt x="200882" y="96988"/>
-                  <a:pt x="167217" y="229659"/>
-                </a:cubicBezTo>
-              </a:path>
-            </a:pathLst>
-          </a:custGeom>
-          <a:noFill/>
-          <a:ln>
-            <a:solidFill>
-              <a:schemeClr val="tx1"/>
-            </a:solidFill>
-            <a:headEnd type="triangle" w="med" len="med"/>
-            <a:tailEnd type="none" w="sm" len="med"/>
-          </a:ln>
-        </p:spPr>
-        <p:style>
-          <a:lnRef idx="2">
-            <a:schemeClr val="accent1">
-              <a:shade val="50000"/>
-            </a:schemeClr>
-          </a:lnRef>
-          <a:fillRef idx="1">
-            <a:schemeClr val="accent1"/>
-          </a:fillRef>
-          <a:effectRef idx="0">
-            <a:schemeClr val="accent1"/>
-          </a:effectRef>
-          <a:fontRef idx="minor">
-            <a:schemeClr val="lt1"/>
-          </a:fontRef>
-        </p:style>
-        <p:txBody>
-          <a:bodyPr rtlCol="0" anchor="ctr"/>
-          <a:lstStyle/>
-          <a:p>
-            <a:pPr algn="ctr"/>
-            <a:endParaRPr lang="en-US"/>
-          </a:p>
-        </p:txBody>
-      </p:sp>
-      <p:sp>
-        <p:nvSpPr>
-          <p:cNvPr id="66" name="TextBox 65">
-            <a:extLst>
-              <a:ext uri="{FF2B5EF4-FFF2-40B4-BE49-F238E27FC236}">
-                <a16:creationId xmlns:a16="http://schemas.microsoft.com/office/drawing/2014/main" id="{AFCA11D4-CA72-7A4E-9EC8-2F7190E26C08}"/>
-              </a:ext>
-            </a:extLst>
-          </p:cNvPr>
-          <p:cNvSpPr txBox="1"/>
-          <p:nvPr/>
-        </p:nvSpPr>
-        <p:spPr>
-          <a:xfrm>
-            <a:off x="4659864" y="1931942"/>
-            <a:ext cx="154845" cy="138499"/>
-          </a:xfrm>
-          <a:prstGeom prst="rect">
-            <a:avLst/>
-          </a:prstGeom>
-          <a:noFill/>
-          <a:ln>
-            <a:noFill/>
-          </a:ln>
-        </p:spPr>
-        <p:txBody>
-          <a:bodyPr wrap="square" lIns="0" tIns="0" rIns="0" bIns="0" rtlCol="0">
-            <a:spAutoFit/>
-          </a:bodyPr>
-          <a:lstStyle/>
-          <a:p>
-            <a:r>
-              <a:rPr lang="en-US" sz="900" dirty="0"/>
-              <a:t>g</a:t>
-            </a:r>
-            <a:r>
-              <a:rPr lang="en-US" sz="900" baseline="-25000" dirty="0"/>
-              <a:t>2</a:t>
-            </a:r>
-          </a:p>
-        </p:txBody>
-      </p:sp>
-      <p:sp>
-        <p:nvSpPr>
-          <p:cNvPr id="67" name="Freeform 66">
-            <a:extLst>
-              <a:ext uri="{FF2B5EF4-FFF2-40B4-BE49-F238E27FC236}">
-                <a16:creationId xmlns:a16="http://schemas.microsoft.com/office/drawing/2014/main" id="{E4127EA4-724D-E048-B277-3119A2536AF2}"/>
-              </a:ext>
-            </a:extLst>
-          </p:cNvPr>
-          <p:cNvSpPr/>
-          <p:nvPr/>
-        </p:nvSpPr>
-        <p:spPr>
-          <a:xfrm>
-            <a:off x="4627471" y="1772037"/>
-            <a:ext cx="274098" cy="432859"/>
-          </a:xfrm>
-          <a:custGeom>
-            <a:avLst/>
-            <a:gdLst>
-              <a:gd name="connsiteX0" fmla="*/ 0 w 147545"/>
-              <a:gd name="connsiteY0" fmla="*/ 0 h 212781"/>
-              <a:gd name="connsiteX1" fmla="*/ 146050 w 147545"/>
-              <a:gd name="connsiteY1" fmla="*/ 200025 h 212781"/>
-              <a:gd name="connsiteX2" fmla="*/ 79375 w 147545"/>
-              <a:gd name="connsiteY2" fmla="*/ 203200 h 212781"/>
-              <a:gd name="connsiteX0" fmla="*/ 0 w 153794"/>
-              <a:gd name="connsiteY0" fmla="*/ 0 h 203200"/>
-              <a:gd name="connsiteX1" fmla="*/ 152400 w 153794"/>
-              <a:gd name="connsiteY1" fmla="*/ 66675 h 203200"/>
-              <a:gd name="connsiteX2" fmla="*/ 79375 w 153794"/>
-              <a:gd name="connsiteY2" fmla="*/ 203200 h 203200"/>
-              <a:gd name="connsiteX0" fmla="*/ 0 w 79375"/>
-              <a:gd name="connsiteY0" fmla="*/ 0 h 203200"/>
-              <a:gd name="connsiteX1" fmla="*/ 79375 w 79375"/>
-              <a:gd name="connsiteY1" fmla="*/ 203200 h 203200"/>
-              <a:gd name="connsiteX0" fmla="*/ 0 w 142919"/>
-              <a:gd name="connsiteY0" fmla="*/ 0 h 203200"/>
-              <a:gd name="connsiteX1" fmla="*/ 79375 w 142919"/>
-              <a:gd name="connsiteY1" fmla="*/ 203200 h 203200"/>
-              <a:gd name="connsiteX0" fmla="*/ 0 w 186211"/>
-              <a:gd name="connsiteY0" fmla="*/ 0 h 203200"/>
-              <a:gd name="connsiteX1" fmla="*/ 79375 w 186211"/>
-              <a:gd name="connsiteY1" fmla="*/ 203200 h 203200"/>
-              <a:gd name="connsiteX0" fmla="*/ 0 w 125812"/>
-              <a:gd name="connsiteY0" fmla="*/ 0 h 203200"/>
-              <a:gd name="connsiteX1" fmla="*/ 79375 w 125812"/>
-              <a:gd name="connsiteY1" fmla="*/ 203200 h 203200"/>
-              <a:gd name="connsiteX0" fmla="*/ 0 w 122234"/>
-              <a:gd name="connsiteY0" fmla="*/ 1233 h 204433"/>
-              <a:gd name="connsiteX1" fmla="*/ 79375 w 122234"/>
-              <a:gd name="connsiteY1" fmla="*/ 204433 h 204433"/>
-              <a:gd name="connsiteX0" fmla="*/ 0 w 148382"/>
-              <a:gd name="connsiteY0" fmla="*/ 1233 h 204433"/>
-              <a:gd name="connsiteX1" fmla="*/ 111125 w 148382"/>
-              <a:gd name="connsiteY1" fmla="*/ 204433 h 204433"/>
-              <a:gd name="connsiteX0" fmla="*/ 0 w 354546"/>
-              <a:gd name="connsiteY0" fmla="*/ 772 h 284406"/>
-              <a:gd name="connsiteX1" fmla="*/ 335492 w 354546"/>
-              <a:gd name="connsiteY1" fmla="*/ 284406 h 284406"/>
-              <a:gd name="connsiteX0" fmla="*/ 0 w 335731"/>
-              <a:gd name="connsiteY0" fmla="*/ 1961 h 285595"/>
-              <a:gd name="connsiteX1" fmla="*/ 335492 w 335731"/>
-              <a:gd name="connsiteY1" fmla="*/ 285595 h 285595"/>
-              <a:gd name="connsiteX0" fmla="*/ 0 w 336219"/>
-              <a:gd name="connsiteY0" fmla="*/ 60 h 283694"/>
-              <a:gd name="connsiteX1" fmla="*/ 335492 w 336219"/>
-              <a:gd name="connsiteY1" fmla="*/ 283694 h 283694"/>
-              <a:gd name="connsiteX0" fmla="*/ 0 w 335839"/>
-              <a:gd name="connsiteY0" fmla="*/ 0 h 283634"/>
-              <a:gd name="connsiteX1" fmla="*/ 335492 w 335839"/>
-              <a:gd name="connsiteY1" fmla="*/ 283634 h 283634"/>
-              <a:gd name="connsiteX0" fmla="*/ 0 w 335492"/>
-              <a:gd name="connsiteY0" fmla="*/ 0 h 283634"/>
-              <a:gd name="connsiteX1" fmla="*/ 335492 w 335492"/>
-              <a:gd name="connsiteY1" fmla="*/ 283634 h 283634"/>
-              <a:gd name="connsiteX0" fmla="*/ 0 w 113242"/>
-              <a:gd name="connsiteY0" fmla="*/ 23817 h 101076"/>
-              <a:gd name="connsiteX1" fmla="*/ 113242 w 113242"/>
-              <a:gd name="connsiteY1" fmla="*/ 101076 h 101076"/>
-              <a:gd name="connsiteX0" fmla="*/ 0 w 131430"/>
-              <a:gd name="connsiteY0" fmla="*/ 0 h 77259"/>
-              <a:gd name="connsiteX1" fmla="*/ 113242 w 131430"/>
-              <a:gd name="connsiteY1" fmla="*/ 77259 h 77259"/>
-              <a:gd name="connsiteX0" fmla="*/ 0 w 88086"/>
-              <a:gd name="connsiteY0" fmla="*/ 0 h 96309"/>
-              <a:gd name="connsiteX1" fmla="*/ 33867 w 88086"/>
-              <a:gd name="connsiteY1" fmla="*/ 96309 h 96309"/>
-              <a:gd name="connsiteX0" fmla="*/ 0 w 51968"/>
-              <a:gd name="connsiteY0" fmla="*/ 0 h 96309"/>
-              <a:gd name="connsiteX1" fmla="*/ 33867 w 51968"/>
-              <a:gd name="connsiteY1" fmla="*/ 96309 h 96309"/>
-              <a:gd name="connsiteX0" fmla="*/ 0 w 65690"/>
-              <a:gd name="connsiteY0" fmla="*/ 0 h 93134"/>
-              <a:gd name="connsiteX1" fmla="*/ 52917 w 65690"/>
-              <a:gd name="connsiteY1" fmla="*/ 93134 h 93134"/>
-              <a:gd name="connsiteX0" fmla="*/ 0 w 171150"/>
-              <a:gd name="connsiteY0" fmla="*/ 0 h 229659"/>
-              <a:gd name="connsiteX1" fmla="*/ 167217 w 171150"/>
-              <a:gd name="connsiteY1" fmla="*/ 229659 h 229659"/>
-              <a:gd name="connsiteX0" fmla="*/ 0 w 172717"/>
-              <a:gd name="connsiteY0" fmla="*/ 0 h 229659"/>
-              <a:gd name="connsiteX1" fmla="*/ 167217 w 172717"/>
-              <a:gd name="connsiteY1" fmla="*/ 229659 h 229659"/>
-              <a:gd name="connsiteX0" fmla="*/ 0 w 178939"/>
-              <a:gd name="connsiteY0" fmla="*/ 0 h 229659"/>
-              <a:gd name="connsiteX1" fmla="*/ 167217 w 178939"/>
-              <a:gd name="connsiteY1" fmla="*/ 229659 h 229659"/>
-              <a:gd name="connsiteX0" fmla="*/ 0 w 248138"/>
-              <a:gd name="connsiteY0" fmla="*/ 0 h 432859"/>
-              <a:gd name="connsiteX1" fmla="*/ 240242 w 248138"/>
-              <a:gd name="connsiteY1" fmla="*/ 432859 h 432859"/>
-              <a:gd name="connsiteX0" fmla="*/ 0 w 265317"/>
-              <a:gd name="connsiteY0" fmla="*/ 0 h 432859"/>
-              <a:gd name="connsiteX1" fmla="*/ 240242 w 265317"/>
-              <a:gd name="connsiteY1" fmla="*/ 432859 h 432859"/>
-              <a:gd name="connsiteX0" fmla="*/ 0 w 274098"/>
-              <a:gd name="connsiteY0" fmla="*/ 0 h 432859"/>
-              <a:gd name="connsiteX1" fmla="*/ 240242 w 274098"/>
-              <a:gd name="connsiteY1" fmla="*/ 432859 h 432859"/>
-            </a:gdLst>
-            <a:ahLst/>
-            <a:cxnLst>
-              <a:cxn ang="0">
-                <a:pos x="connsiteX0" y="connsiteY0"/>
-              </a:cxn>
-              <a:cxn ang="0">
-                <a:pos x="connsiteX1" y="connsiteY1"/>
-              </a:cxn>
-            </a:cxnLst>
-            <a:rect l="l" t="t" r="r" b="b"/>
-            <a:pathLst>
-              <a:path w="274098" h="432859">
-                <a:moveTo>
-                  <a:pt x="0" y="0"/>
-                </a:moveTo>
-                <a:cubicBezTo>
-                  <a:pt x="201084" y="49741"/>
-                  <a:pt x="341842" y="293159"/>
-                  <a:pt x="240242" y="432859"/>
-                </a:cubicBezTo>
-              </a:path>
-            </a:pathLst>
-          </a:custGeom>
-          <a:noFill/>
-          <a:ln>
-            <a:solidFill>
-              <a:schemeClr val="tx1"/>
-            </a:solidFill>
-            <a:headEnd type="triangle" w="med" len="med"/>
-            <a:tailEnd type="none" w="sm" len="med"/>
-          </a:ln>
-        </p:spPr>
-        <p:style>
-          <a:lnRef idx="2">
-            <a:schemeClr val="accent1">
-              <a:shade val="50000"/>
-            </a:schemeClr>
-          </a:lnRef>
-          <a:fillRef idx="1">
-            <a:schemeClr val="accent1"/>
-          </a:fillRef>
-          <a:effectRef idx="0">
-            <a:schemeClr val="accent1"/>
-          </a:effectRef>
-          <a:fontRef idx="minor">
-            <a:schemeClr val="lt1"/>
-          </a:fontRef>
-        </p:style>
-        <p:txBody>
-          <a:bodyPr rtlCol="0" anchor="ctr"/>
-          <a:lstStyle/>
-          <a:p>
-            <a:pPr algn="ctr"/>
-            <a:endParaRPr lang="en-US"/>
-          </a:p>
-        </p:txBody>
-      </p:sp>
-      <p:sp>
-        <p:nvSpPr>
-          <p:cNvPr id="68" name="TextBox 67">
-            <a:extLst>
-              <a:ext uri="{FF2B5EF4-FFF2-40B4-BE49-F238E27FC236}">
-                <a16:creationId xmlns:a16="http://schemas.microsoft.com/office/drawing/2014/main" id="{F91A86AF-7EB7-9C4C-8398-67DBD4B79590}"/>
-              </a:ext>
-            </a:extLst>
-          </p:cNvPr>
-          <p:cNvSpPr txBox="1"/>
-          <p:nvPr/>
-        </p:nvSpPr>
-        <p:spPr>
-          <a:xfrm>
-            <a:off x="4849776" y="1822690"/>
-            <a:ext cx="154845" cy="138499"/>
-          </a:xfrm>
-          <a:prstGeom prst="rect">
-            <a:avLst/>
-          </a:prstGeom>
-          <a:noFill/>
-          <a:ln>
-            <a:noFill/>
-          </a:ln>
-        </p:spPr>
-        <p:txBody>
-          <a:bodyPr wrap="square" lIns="0" tIns="0" rIns="0" bIns="0" rtlCol="0">
-            <a:spAutoFit/>
-          </a:bodyPr>
-          <a:lstStyle/>
-          <a:p>
-            <a:r>
-              <a:rPr lang="en-US" sz="900" dirty="0"/>
-              <a:t>θ</a:t>
-            </a:r>
-            <a:r>
-              <a:rPr lang="en-US" sz="900" baseline="-25000" dirty="0"/>
-              <a:t>2</a:t>
-            </a:r>
-          </a:p>
-        </p:txBody>
-      </p:sp>
-      <p:sp>
-        <p:nvSpPr>
-          <p:cNvPr id="71" name="Freeform 70">
-            <a:extLst>
-              <a:ext uri="{FF2B5EF4-FFF2-40B4-BE49-F238E27FC236}">
-                <a16:creationId xmlns:a16="http://schemas.microsoft.com/office/drawing/2014/main" id="{0984C2DF-436C-BE4B-A186-332CAFF2CA4E}"/>
-              </a:ext>
-            </a:extLst>
-          </p:cNvPr>
-          <p:cNvSpPr/>
-          <p:nvPr/>
-        </p:nvSpPr>
-        <p:spPr>
-          <a:xfrm>
-            <a:off x="4675183" y="1512203"/>
-            <a:ext cx="300735" cy="144411"/>
-          </a:xfrm>
-          <a:custGeom>
-            <a:avLst/>
-            <a:gdLst>
-              <a:gd name="connsiteX0" fmla="*/ 0 w 147545"/>
-              <a:gd name="connsiteY0" fmla="*/ 0 h 212781"/>
-              <a:gd name="connsiteX1" fmla="*/ 146050 w 147545"/>
-              <a:gd name="connsiteY1" fmla="*/ 200025 h 212781"/>
-              <a:gd name="connsiteX2" fmla="*/ 79375 w 147545"/>
-              <a:gd name="connsiteY2" fmla="*/ 203200 h 212781"/>
-              <a:gd name="connsiteX0" fmla="*/ 0 w 153794"/>
-              <a:gd name="connsiteY0" fmla="*/ 0 h 203200"/>
-              <a:gd name="connsiteX1" fmla="*/ 152400 w 153794"/>
-              <a:gd name="connsiteY1" fmla="*/ 66675 h 203200"/>
-              <a:gd name="connsiteX2" fmla="*/ 79375 w 153794"/>
-              <a:gd name="connsiteY2" fmla="*/ 203200 h 203200"/>
-              <a:gd name="connsiteX0" fmla="*/ 0 w 79375"/>
-              <a:gd name="connsiteY0" fmla="*/ 0 h 203200"/>
-              <a:gd name="connsiteX1" fmla="*/ 79375 w 79375"/>
-              <a:gd name="connsiteY1" fmla="*/ 203200 h 203200"/>
-              <a:gd name="connsiteX0" fmla="*/ 0 w 142919"/>
-              <a:gd name="connsiteY0" fmla="*/ 0 h 203200"/>
-              <a:gd name="connsiteX1" fmla="*/ 79375 w 142919"/>
-              <a:gd name="connsiteY1" fmla="*/ 203200 h 203200"/>
-              <a:gd name="connsiteX0" fmla="*/ 0 w 186211"/>
-              <a:gd name="connsiteY0" fmla="*/ 0 h 203200"/>
-              <a:gd name="connsiteX1" fmla="*/ 79375 w 186211"/>
-              <a:gd name="connsiteY1" fmla="*/ 203200 h 203200"/>
-              <a:gd name="connsiteX0" fmla="*/ 0 w 125812"/>
-              <a:gd name="connsiteY0" fmla="*/ 0 h 203200"/>
-              <a:gd name="connsiteX1" fmla="*/ 79375 w 125812"/>
-              <a:gd name="connsiteY1" fmla="*/ 203200 h 203200"/>
-              <a:gd name="connsiteX0" fmla="*/ 0 w 122234"/>
-              <a:gd name="connsiteY0" fmla="*/ 1233 h 204433"/>
-              <a:gd name="connsiteX1" fmla="*/ 79375 w 122234"/>
-              <a:gd name="connsiteY1" fmla="*/ 204433 h 204433"/>
-              <a:gd name="connsiteX0" fmla="*/ 0 w 148382"/>
-              <a:gd name="connsiteY0" fmla="*/ 1233 h 204433"/>
-              <a:gd name="connsiteX1" fmla="*/ 111125 w 148382"/>
-              <a:gd name="connsiteY1" fmla="*/ 204433 h 204433"/>
-              <a:gd name="connsiteX0" fmla="*/ 0 w 354546"/>
-              <a:gd name="connsiteY0" fmla="*/ 772 h 284406"/>
-              <a:gd name="connsiteX1" fmla="*/ 335492 w 354546"/>
-              <a:gd name="connsiteY1" fmla="*/ 284406 h 284406"/>
-              <a:gd name="connsiteX0" fmla="*/ 0 w 335731"/>
-              <a:gd name="connsiteY0" fmla="*/ 1961 h 285595"/>
-              <a:gd name="connsiteX1" fmla="*/ 335492 w 335731"/>
-              <a:gd name="connsiteY1" fmla="*/ 285595 h 285595"/>
-              <a:gd name="connsiteX0" fmla="*/ 0 w 336219"/>
-              <a:gd name="connsiteY0" fmla="*/ 60 h 283694"/>
-              <a:gd name="connsiteX1" fmla="*/ 335492 w 336219"/>
-              <a:gd name="connsiteY1" fmla="*/ 283694 h 283694"/>
-              <a:gd name="connsiteX0" fmla="*/ 0 w 335839"/>
-              <a:gd name="connsiteY0" fmla="*/ 0 h 283634"/>
-              <a:gd name="connsiteX1" fmla="*/ 335492 w 335839"/>
-              <a:gd name="connsiteY1" fmla="*/ 283634 h 283634"/>
-              <a:gd name="connsiteX0" fmla="*/ 0 w 335492"/>
-              <a:gd name="connsiteY0" fmla="*/ 0 h 283634"/>
-              <a:gd name="connsiteX1" fmla="*/ 335492 w 335492"/>
-              <a:gd name="connsiteY1" fmla="*/ 283634 h 283634"/>
-              <a:gd name="connsiteX0" fmla="*/ 0 w 113242"/>
-              <a:gd name="connsiteY0" fmla="*/ 23817 h 101076"/>
-              <a:gd name="connsiteX1" fmla="*/ 113242 w 113242"/>
-              <a:gd name="connsiteY1" fmla="*/ 101076 h 101076"/>
-              <a:gd name="connsiteX0" fmla="*/ 0 w 131430"/>
-              <a:gd name="connsiteY0" fmla="*/ 0 h 77259"/>
-              <a:gd name="connsiteX1" fmla="*/ 113242 w 131430"/>
-              <a:gd name="connsiteY1" fmla="*/ 77259 h 77259"/>
-              <a:gd name="connsiteX0" fmla="*/ 0 w 88086"/>
-              <a:gd name="connsiteY0" fmla="*/ 0 h 96309"/>
-              <a:gd name="connsiteX1" fmla="*/ 33867 w 88086"/>
-              <a:gd name="connsiteY1" fmla="*/ 96309 h 96309"/>
-              <a:gd name="connsiteX0" fmla="*/ 0 w 51968"/>
-              <a:gd name="connsiteY0" fmla="*/ 0 h 96309"/>
-              <a:gd name="connsiteX1" fmla="*/ 33867 w 51968"/>
-              <a:gd name="connsiteY1" fmla="*/ 96309 h 96309"/>
-              <a:gd name="connsiteX0" fmla="*/ 0 w 65690"/>
-              <a:gd name="connsiteY0" fmla="*/ 0 h 93134"/>
-              <a:gd name="connsiteX1" fmla="*/ 52917 w 65690"/>
-              <a:gd name="connsiteY1" fmla="*/ 93134 h 93134"/>
-              <a:gd name="connsiteX0" fmla="*/ 0 w 171150"/>
-              <a:gd name="connsiteY0" fmla="*/ 0 h 229659"/>
-              <a:gd name="connsiteX1" fmla="*/ 167217 w 171150"/>
-              <a:gd name="connsiteY1" fmla="*/ 229659 h 229659"/>
-              <a:gd name="connsiteX0" fmla="*/ 0 w 172717"/>
-              <a:gd name="connsiteY0" fmla="*/ 0 h 229659"/>
-              <a:gd name="connsiteX1" fmla="*/ 167217 w 172717"/>
-              <a:gd name="connsiteY1" fmla="*/ 229659 h 229659"/>
-              <a:gd name="connsiteX0" fmla="*/ 0 w 178939"/>
-              <a:gd name="connsiteY0" fmla="*/ 0 h 229659"/>
-              <a:gd name="connsiteX1" fmla="*/ 167217 w 178939"/>
-              <a:gd name="connsiteY1" fmla="*/ 229659 h 229659"/>
-              <a:gd name="connsiteX0" fmla="*/ 0 w 248138"/>
-              <a:gd name="connsiteY0" fmla="*/ 0 h 432859"/>
-              <a:gd name="connsiteX1" fmla="*/ 240242 w 248138"/>
-              <a:gd name="connsiteY1" fmla="*/ 432859 h 432859"/>
-              <a:gd name="connsiteX0" fmla="*/ 0 w 265317"/>
-              <a:gd name="connsiteY0" fmla="*/ 0 h 432859"/>
-              <a:gd name="connsiteX1" fmla="*/ 240242 w 265317"/>
-              <a:gd name="connsiteY1" fmla="*/ 432859 h 432859"/>
-              <a:gd name="connsiteX0" fmla="*/ 0 w 274098"/>
-              <a:gd name="connsiteY0" fmla="*/ 0 h 432859"/>
-              <a:gd name="connsiteX1" fmla="*/ 240242 w 274098"/>
-              <a:gd name="connsiteY1" fmla="*/ 432859 h 432859"/>
-              <a:gd name="connsiteX0" fmla="*/ 11043 w 123323"/>
-              <a:gd name="connsiteY0" fmla="*/ 0 h 513131"/>
-              <a:gd name="connsiteX1" fmla="*/ 0 w 123323"/>
-              <a:gd name="connsiteY1" fmla="*/ 513131 h 513131"/>
-              <a:gd name="connsiteX0" fmla="*/ 349581 w 400790"/>
-              <a:gd name="connsiteY0" fmla="*/ 0 h 115262"/>
-              <a:gd name="connsiteX1" fmla="*/ 0 w 400790"/>
-              <a:gd name="connsiteY1" fmla="*/ 115262 h 115262"/>
-              <a:gd name="connsiteX0" fmla="*/ 349581 w 398662"/>
-              <a:gd name="connsiteY0" fmla="*/ 0 h 117610"/>
-              <a:gd name="connsiteX1" fmla="*/ 0 w 398662"/>
-              <a:gd name="connsiteY1" fmla="*/ 115262 h 117610"/>
-              <a:gd name="connsiteX0" fmla="*/ 300720 w 353952"/>
-              <a:gd name="connsiteY0" fmla="*/ 0 h 141571"/>
-              <a:gd name="connsiteX1" fmla="*/ 0 w 353952"/>
-              <a:gd name="connsiteY1" fmla="*/ 139693 h 141571"/>
-              <a:gd name="connsiteX0" fmla="*/ 300720 w 300735"/>
-              <a:gd name="connsiteY0" fmla="*/ 0 h 144411"/>
-              <a:gd name="connsiteX1" fmla="*/ 0 w 300735"/>
-              <a:gd name="connsiteY1" fmla="*/ 139693 h 144411"/>
-            </a:gdLst>
-            <a:ahLst/>
-            <a:cxnLst>
-              <a:cxn ang="0">
-                <a:pos x="connsiteX0" y="connsiteY0"/>
-              </a:cxn>
-              <a:cxn ang="0">
-                <a:pos x="connsiteX1" y="connsiteY1"/>
-              </a:cxn>
-            </a:cxnLst>
-            <a:rect l="l" t="t" r="r" b="b"/>
-            <a:pathLst>
-              <a:path w="300735" h="144411">
-                <a:moveTo>
-                  <a:pt x="300720" y="0"/>
-                </a:moveTo>
-                <a:cubicBezTo>
-                  <a:pt x="302870" y="130013"/>
-                  <a:pt x="73679" y="157047"/>
-                  <a:pt x="0" y="139693"/>
-                </a:cubicBezTo>
-              </a:path>
-            </a:pathLst>
-          </a:custGeom>
-          <a:noFill/>
-          <a:ln>
-            <a:solidFill>
-              <a:schemeClr val="tx1"/>
-            </a:solidFill>
-            <a:headEnd type="triangle" w="med" len="med"/>
-            <a:tailEnd type="none" w="sm" len="med"/>
-          </a:ln>
-        </p:spPr>
-        <p:style>
-          <a:lnRef idx="2">
-            <a:schemeClr val="accent1">
-              <a:shade val="50000"/>
-            </a:schemeClr>
-          </a:lnRef>
-          <a:fillRef idx="1">
-            <a:schemeClr val="accent1"/>
-          </a:fillRef>
-          <a:effectRef idx="0">
-            <a:schemeClr val="accent1"/>
-          </a:effectRef>
-          <a:fontRef idx="minor">
-            <a:schemeClr val="lt1"/>
-          </a:fontRef>
-        </p:style>
-        <p:txBody>
-          <a:bodyPr rtlCol="0" anchor="ctr"/>
-          <a:lstStyle/>
-          <a:p>
-            <a:pPr algn="ctr"/>
-            <a:endParaRPr lang="en-US"/>
-          </a:p>
-        </p:txBody>
-      </p:sp>
-      <p:sp>
-        <p:nvSpPr>
-          <p:cNvPr id="73" name="TextBox 72">
-            <a:extLst>
-              <a:ext uri="{FF2B5EF4-FFF2-40B4-BE49-F238E27FC236}">
-                <a16:creationId xmlns:a16="http://schemas.microsoft.com/office/drawing/2014/main" id="{958BEA23-5D5B-AC44-A031-0D1AB2758EDE}"/>
-              </a:ext>
-            </a:extLst>
-          </p:cNvPr>
-          <p:cNvSpPr txBox="1"/>
-          <p:nvPr/>
-        </p:nvSpPr>
-        <p:spPr>
-          <a:xfrm>
-            <a:off x="4718574" y="1628338"/>
-            <a:ext cx="154845" cy="138499"/>
-          </a:xfrm>
-          <a:prstGeom prst="rect">
-            <a:avLst/>
-          </a:prstGeom>
-          <a:noFill/>
-          <a:ln>
-            <a:noFill/>
-          </a:ln>
-        </p:spPr>
-        <p:txBody>
-          <a:bodyPr wrap="square" lIns="0" tIns="0" rIns="0" bIns="0" rtlCol="0">
-            <a:spAutoFit/>
-          </a:bodyPr>
-          <a:lstStyle/>
-          <a:p>
-            <a:r>
-              <a:rPr lang="en-US" sz="900" dirty="0"/>
-              <a:t>g</a:t>
-            </a:r>
-            <a:r>
-              <a:rPr lang="en-US" sz="900" baseline="-25000" dirty="0"/>
-              <a:t>3</a:t>
-            </a:r>
-          </a:p>
-        </p:txBody>
-      </p:sp>
-      <p:sp>
-        <p:nvSpPr>
-          <p:cNvPr id="74" name="Freeform 73">
-            <a:extLst>
-              <a:ext uri="{FF2B5EF4-FFF2-40B4-BE49-F238E27FC236}">
-                <a16:creationId xmlns:a16="http://schemas.microsoft.com/office/drawing/2014/main" id="{A11F7750-B990-E044-A3B6-E1F9728CC996}"/>
-              </a:ext>
-            </a:extLst>
-          </p:cNvPr>
-          <p:cNvSpPr/>
-          <p:nvPr/>
-        </p:nvSpPr>
-        <p:spPr>
-          <a:xfrm>
-            <a:off x="5013390" y="1513036"/>
-            <a:ext cx="92841" cy="113814"/>
-          </a:xfrm>
-          <a:custGeom>
-            <a:avLst/>
-            <a:gdLst>
-              <a:gd name="connsiteX0" fmla="*/ 0 w 147545"/>
-              <a:gd name="connsiteY0" fmla="*/ 0 h 212781"/>
-              <a:gd name="connsiteX1" fmla="*/ 146050 w 147545"/>
-              <a:gd name="connsiteY1" fmla="*/ 200025 h 212781"/>
-              <a:gd name="connsiteX2" fmla="*/ 79375 w 147545"/>
-              <a:gd name="connsiteY2" fmla="*/ 203200 h 212781"/>
-              <a:gd name="connsiteX0" fmla="*/ 0 w 153794"/>
-              <a:gd name="connsiteY0" fmla="*/ 0 h 203200"/>
-              <a:gd name="connsiteX1" fmla="*/ 152400 w 153794"/>
-              <a:gd name="connsiteY1" fmla="*/ 66675 h 203200"/>
-              <a:gd name="connsiteX2" fmla="*/ 79375 w 153794"/>
-              <a:gd name="connsiteY2" fmla="*/ 203200 h 203200"/>
-              <a:gd name="connsiteX0" fmla="*/ 0 w 79375"/>
-              <a:gd name="connsiteY0" fmla="*/ 0 h 203200"/>
-              <a:gd name="connsiteX1" fmla="*/ 79375 w 79375"/>
-              <a:gd name="connsiteY1" fmla="*/ 203200 h 203200"/>
-              <a:gd name="connsiteX0" fmla="*/ 0 w 142919"/>
-              <a:gd name="connsiteY0" fmla="*/ 0 h 203200"/>
-              <a:gd name="connsiteX1" fmla="*/ 79375 w 142919"/>
-              <a:gd name="connsiteY1" fmla="*/ 203200 h 203200"/>
-              <a:gd name="connsiteX0" fmla="*/ 0 w 186211"/>
-              <a:gd name="connsiteY0" fmla="*/ 0 h 203200"/>
-              <a:gd name="connsiteX1" fmla="*/ 79375 w 186211"/>
-              <a:gd name="connsiteY1" fmla="*/ 203200 h 203200"/>
-              <a:gd name="connsiteX0" fmla="*/ 0 w 125812"/>
-              <a:gd name="connsiteY0" fmla="*/ 0 h 203200"/>
-              <a:gd name="connsiteX1" fmla="*/ 79375 w 125812"/>
-              <a:gd name="connsiteY1" fmla="*/ 203200 h 203200"/>
-              <a:gd name="connsiteX0" fmla="*/ 0 w 122234"/>
-              <a:gd name="connsiteY0" fmla="*/ 1233 h 204433"/>
-              <a:gd name="connsiteX1" fmla="*/ 79375 w 122234"/>
-              <a:gd name="connsiteY1" fmla="*/ 204433 h 204433"/>
-              <a:gd name="connsiteX0" fmla="*/ 0 w 148382"/>
-              <a:gd name="connsiteY0" fmla="*/ 1233 h 204433"/>
-              <a:gd name="connsiteX1" fmla="*/ 111125 w 148382"/>
-              <a:gd name="connsiteY1" fmla="*/ 204433 h 204433"/>
-              <a:gd name="connsiteX0" fmla="*/ 0 w 354546"/>
-              <a:gd name="connsiteY0" fmla="*/ 772 h 284406"/>
-              <a:gd name="connsiteX1" fmla="*/ 335492 w 354546"/>
-              <a:gd name="connsiteY1" fmla="*/ 284406 h 284406"/>
-              <a:gd name="connsiteX0" fmla="*/ 0 w 335731"/>
-              <a:gd name="connsiteY0" fmla="*/ 1961 h 285595"/>
-              <a:gd name="connsiteX1" fmla="*/ 335492 w 335731"/>
-              <a:gd name="connsiteY1" fmla="*/ 285595 h 285595"/>
-              <a:gd name="connsiteX0" fmla="*/ 0 w 336219"/>
-              <a:gd name="connsiteY0" fmla="*/ 60 h 283694"/>
-              <a:gd name="connsiteX1" fmla="*/ 335492 w 336219"/>
-              <a:gd name="connsiteY1" fmla="*/ 283694 h 283694"/>
-              <a:gd name="connsiteX0" fmla="*/ 0 w 335839"/>
-              <a:gd name="connsiteY0" fmla="*/ 0 h 283634"/>
-              <a:gd name="connsiteX1" fmla="*/ 335492 w 335839"/>
-              <a:gd name="connsiteY1" fmla="*/ 283634 h 283634"/>
-              <a:gd name="connsiteX0" fmla="*/ 0 w 335492"/>
-              <a:gd name="connsiteY0" fmla="*/ 0 h 283634"/>
-              <a:gd name="connsiteX1" fmla="*/ 335492 w 335492"/>
-              <a:gd name="connsiteY1" fmla="*/ 283634 h 283634"/>
-              <a:gd name="connsiteX0" fmla="*/ 0 w 113242"/>
-              <a:gd name="connsiteY0" fmla="*/ 23817 h 101076"/>
-              <a:gd name="connsiteX1" fmla="*/ 113242 w 113242"/>
-              <a:gd name="connsiteY1" fmla="*/ 101076 h 101076"/>
-              <a:gd name="connsiteX0" fmla="*/ 0 w 131430"/>
-              <a:gd name="connsiteY0" fmla="*/ 0 h 77259"/>
-              <a:gd name="connsiteX1" fmla="*/ 113242 w 131430"/>
-              <a:gd name="connsiteY1" fmla="*/ 77259 h 77259"/>
-              <a:gd name="connsiteX0" fmla="*/ 0 w 88086"/>
-              <a:gd name="connsiteY0" fmla="*/ 0 h 96309"/>
-              <a:gd name="connsiteX1" fmla="*/ 33867 w 88086"/>
-              <a:gd name="connsiteY1" fmla="*/ 96309 h 96309"/>
-              <a:gd name="connsiteX0" fmla="*/ 0 w 51968"/>
-              <a:gd name="connsiteY0" fmla="*/ 0 h 96309"/>
-              <a:gd name="connsiteX1" fmla="*/ 33867 w 51968"/>
-              <a:gd name="connsiteY1" fmla="*/ 96309 h 96309"/>
-              <a:gd name="connsiteX0" fmla="*/ 0 w 65690"/>
-              <a:gd name="connsiteY0" fmla="*/ 0 h 93134"/>
-              <a:gd name="connsiteX1" fmla="*/ 52917 w 65690"/>
-              <a:gd name="connsiteY1" fmla="*/ 93134 h 93134"/>
-              <a:gd name="connsiteX0" fmla="*/ 0 w 171150"/>
-              <a:gd name="connsiteY0" fmla="*/ 0 h 229659"/>
-              <a:gd name="connsiteX1" fmla="*/ 167217 w 171150"/>
-              <a:gd name="connsiteY1" fmla="*/ 229659 h 229659"/>
-              <a:gd name="connsiteX0" fmla="*/ 0 w 172717"/>
-              <a:gd name="connsiteY0" fmla="*/ 0 h 229659"/>
-              <a:gd name="connsiteX1" fmla="*/ 167217 w 172717"/>
-              <a:gd name="connsiteY1" fmla="*/ 229659 h 229659"/>
-              <a:gd name="connsiteX0" fmla="*/ 0 w 178939"/>
-              <a:gd name="connsiteY0" fmla="*/ 0 h 229659"/>
-              <a:gd name="connsiteX1" fmla="*/ 167217 w 178939"/>
-              <a:gd name="connsiteY1" fmla="*/ 229659 h 229659"/>
-              <a:gd name="connsiteX0" fmla="*/ 0 w 248138"/>
-              <a:gd name="connsiteY0" fmla="*/ 0 h 432859"/>
-              <a:gd name="connsiteX1" fmla="*/ 240242 w 248138"/>
-              <a:gd name="connsiteY1" fmla="*/ 432859 h 432859"/>
-              <a:gd name="connsiteX0" fmla="*/ 0 w 265317"/>
-              <a:gd name="connsiteY0" fmla="*/ 0 h 432859"/>
-              <a:gd name="connsiteX1" fmla="*/ 240242 w 265317"/>
-              <a:gd name="connsiteY1" fmla="*/ 432859 h 432859"/>
-              <a:gd name="connsiteX0" fmla="*/ 0 w 274098"/>
-              <a:gd name="connsiteY0" fmla="*/ 0 h 432859"/>
-              <a:gd name="connsiteX1" fmla="*/ 240242 w 274098"/>
-              <a:gd name="connsiteY1" fmla="*/ 432859 h 432859"/>
-              <a:gd name="connsiteX0" fmla="*/ 11043 w 123323"/>
-              <a:gd name="connsiteY0" fmla="*/ 0 h 513131"/>
-              <a:gd name="connsiteX1" fmla="*/ 0 w 123323"/>
-              <a:gd name="connsiteY1" fmla="*/ 513131 h 513131"/>
-              <a:gd name="connsiteX0" fmla="*/ 349581 w 400790"/>
-              <a:gd name="connsiteY0" fmla="*/ 0 h 115262"/>
-              <a:gd name="connsiteX1" fmla="*/ 0 w 400790"/>
-              <a:gd name="connsiteY1" fmla="*/ 115262 h 115262"/>
-              <a:gd name="connsiteX0" fmla="*/ 349581 w 398662"/>
-              <a:gd name="connsiteY0" fmla="*/ 0 h 117610"/>
-              <a:gd name="connsiteX1" fmla="*/ 0 w 398662"/>
-              <a:gd name="connsiteY1" fmla="*/ 115262 h 117610"/>
-              <a:gd name="connsiteX0" fmla="*/ 300720 w 353952"/>
-              <a:gd name="connsiteY0" fmla="*/ 0 h 141571"/>
-              <a:gd name="connsiteX1" fmla="*/ 0 w 353952"/>
-              <a:gd name="connsiteY1" fmla="*/ 139693 h 141571"/>
-              <a:gd name="connsiteX0" fmla="*/ 300720 w 300735"/>
-              <a:gd name="connsiteY0" fmla="*/ 0 h 144411"/>
-              <a:gd name="connsiteX1" fmla="*/ 0 w 300735"/>
-              <a:gd name="connsiteY1" fmla="*/ 139693 h 144411"/>
-              <a:gd name="connsiteX0" fmla="*/ 35474 w 46173"/>
-              <a:gd name="connsiteY0" fmla="*/ 0 h 94844"/>
-              <a:gd name="connsiteX1" fmla="*/ 0 w 46173"/>
-              <a:gd name="connsiteY1" fmla="*/ 76872 h 94844"/>
-              <a:gd name="connsiteX0" fmla="*/ 35474 w 48838"/>
-              <a:gd name="connsiteY0" fmla="*/ 0 h 80909"/>
-              <a:gd name="connsiteX1" fmla="*/ 0 w 48838"/>
-              <a:gd name="connsiteY1" fmla="*/ 76872 h 80909"/>
-              <a:gd name="connsiteX0" fmla="*/ 35474 w 35524"/>
-              <a:gd name="connsiteY0" fmla="*/ 0 h 89934"/>
-              <a:gd name="connsiteX1" fmla="*/ 9174 w 35524"/>
-              <a:gd name="connsiteY1" fmla="*/ 89934 h 89934"/>
-              <a:gd name="connsiteX2" fmla="*/ 0 w 35524"/>
-              <a:gd name="connsiteY2" fmla="*/ 76872 h 89934"/>
-              <a:gd name="connsiteX0" fmla="*/ 26379 w 33904"/>
-              <a:gd name="connsiteY0" fmla="*/ 0 h 114618"/>
-              <a:gd name="connsiteX1" fmla="*/ 79 w 33904"/>
-              <a:gd name="connsiteY1" fmla="*/ 89934 h 114618"/>
-              <a:gd name="connsiteX2" fmla="*/ 1375 w 33904"/>
-              <a:gd name="connsiteY2" fmla="*/ 111773 h 114618"/>
-              <a:gd name="connsiteX0" fmla="*/ 158938 w 158947"/>
-              <a:gd name="connsiteY0" fmla="*/ 0 h 320532"/>
-              <a:gd name="connsiteX1" fmla="*/ 15 w 158947"/>
-              <a:gd name="connsiteY1" fmla="*/ 295848 h 320532"/>
-              <a:gd name="connsiteX2" fmla="*/ 1311 w 158947"/>
-              <a:gd name="connsiteY2" fmla="*/ 317687 h 320532"/>
-              <a:gd name="connsiteX0" fmla="*/ 157627 w 157627"/>
-              <a:gd name="connsiteY0" fmla="*/ 0 h 317687"/>
-              <a:gd name="connsiteX1" fmla="*/ 0 w 157627"/>
-              <a:gd name="connsiteY1" fmla="*/ 317687 h 317687"/>
-              <a:gd name="connsiteX0" fmla="*/ 178567 w 178567"/>
-              <a:gd name="connsiteY0" fmla="*/ 0 h 300237"/>
-              <a:gd name="connsiteX1" fmla="*/ 0 w 178567"/>
-              <a:gd name="connsiteY1" fmla="*/ 300237 h 300237"/>
-              <a:gd name="connsiteX0" fmla="*/ 178567 w 178567"/>
-              <a:gd name="connsiteY0" fmla="*/ 0 h 303942"/>
-              <a:gd name="connsiteX1" fmla="*/ 0 w 178567"/>
-              <a:gd name="connsiteY1" fmla="*/ 300237 h 303942"/>
-              <a:gd name="connsiteX0" fmla="*/ 52924 w 52924"/>
-              <a:gd name="connsiteY0" fmla="*/ 0 h 103297"/>
-              <a:gd name="connsiteX1" fmla="*/ 0 w 52924"/>
-              <a:gd name="connsiteY1" fmla="*/ 87342 h 103297"/>
-              <a:gd name="connsiteX0" fmla="*/ 10722 w 86816"/>
-              <a:gd name="connsiteY0" fmla="*/ 0 h 108939"/>
-              <a:gd name="connsiteX1" fmla="*/ 55520 w 86816"/>
-              <a:gd name="connsiteY1" fmla="*/ 94323 h 108939"/>
-              <a:gd name="connsiteX0" fmla="*/ 10722 w 86816"/>
-              <a:gd name="connsiteY0" fmla="*/ 0 h 120706"/>
-              <a:gd name="connsiteX1" fmla="*/ 55520 w 86816"/>
-              <a:gd name="connsiteY1" fmla="*/ 108283 h 120706"/>
-              <a:gd name="connsiteX0" fmla="*/ 80845 w 80845"/>
-              <a:gd name="connsiteY0" fmla="*/ 0 h 136105"/>
-              <a:gd name="connsiteX1" fmla="*/ 0 w 80845"/>
-              <a:gd name="connsiteY1" fmla="*/ 125733 h 136105"/>
-              <a:gd name="connsiteX0" fmla="*/ 80845 w 121113"/>
-              <a:gd name="connsiteY0" fmla="*/ 0 h 135489"/>
-              <a:gd name="connsiteX1" fmla="*/ 0 w 121113"/>
-              <a:gd name="connsiteY1" fmla="*/ 125733 h 135489"/>
-              <a:gd name="connsiteX0" fmla="*/ 38964 w 92841"/>
-              <a:gd name="connsiteY0" fmla="*/ 0 h 113814"/>
-              <a:gd name="connsiteX1" fmla="*/ 0 w 92841"/>
-              <a:gd name="connsiteY1" fmla="*/ 101302 h 113814"/>
-            </a:gdLst>
-            <a:ahLst/>
-            <a:cxnLst>
-              <a:cxn ang="0">
-                <a:pos x="connsiteX0" y="connsiteY0"/>
-              </a:cxn>
-              <a:cxn ang="0">
-                <a:pos x="connsiteX1" y="connsiteY1"/>
-              </a:cxn>
-            </a:cxnLst>
-            <a:rect l="l" t="t" r="r" b="b"/>
-            <a:pathLst>
-              <a:path w="92841" h="113814">
-                <a:moveTo>
-                  <a:pt x="38964" y="0"/>
-                </a:moveTo>
-                <a:cubicBezTo>
-                  <a:pt x="122535" y="93099"/>
-                  <a:pt x="108383" y="137336"/>
-                  <a:pt x="0" y="101302"/>
-                </a:cubicBezTo>
-              </a:path>
-            </a:pathLst>
-          </a:custGeom>
-          <a:noFill/>
-          <a:ln>
-            <a:solidFill>
-              <a:schemeClr val="tx1"/>
-            </a:solidFill>
-            <a:headEnd type="triangle" w="med" len="med"/>
-            <a:tailEnd type="none" w="sm" len="med"/>
-          </a:ln>
-        </p:spPr>
-        <p:style>
-          <a:lnRef idx="2">
-            <a:schemeClr val="accent1">
-              <a:shade val="50000"/>
-            </a:schemeClr>
-          </a:lnRef>
-          <a:fillRef idx="1">
-            <a:schemeClr val="accent1"/>
-          </a:fillRef>
-          <a:effectRef idx="0">
-            <a:schemeClr val="accent1"/>
-          </a:effectRef>
-          <a:fontRef idx="minor">
-            <a:schemeClr val="lt1"/>
-          </a:fontRef>
-        </p:style>
-        <p:txBody>
-          <a:bodyPr rtlCol="0" anchor="ctr"/>
-          <a:lstStyle/>
-          <a:p>
-            <a:pPr algn="ctr"/>
-            <a:endParaRPr lang="en-US"/>
-          </a:p>
-        </p:txBody>
-      </p:sp>
-      <p:sp>
-        <p:nvSpPr>
-          <p:cNvPr id="75" name="TextBox 74">
-            <a:extLst>
-              <a:ext uri="{FF2B5EF4-FFF2-40B4-BE49-F238E27FC236}">
-                <a16:creationId xmlns:a16="http://schemas.microsoft.com/office/drawing/2014/main" id="{3FB9905F-EF2F-0A4B-9665-926D46280EBB}"/>
-              </a:ext>
-            </a:extLst>
-          </p:cNvPr>
-          <p:cNvSpPr txBox="1"/>
-          <p:nvPr/>
-        </p:nvSpPr>
-        <p:spPr>
-          <a:xfrm>
-            <a:off x="5110318" y="1541614"/>
-            <a:ext cx="154845" cy="138499"/>
-          </a:xfrm>
-          <a:prstGeom prst="rect">
-            <a:avLst/>
-          </a:prstGeom>
-          <a:noFill/>
-          <a:ln>
-            <a:noFill/>
-          </a:ln>
-        </p:spPr>
-        <p:txBody>
-          <a:bodyPr wrap="square" lIns="0" tIns="0" rIns="0" bIns="0" rtlCol="0">
-            <a:spAutoFit/>
-          </a:bodyPr>
-          <a:lstStyle/>
-          <a:p>
-            <a:r>
-              <a:rPr lang="en-US" sz="900" dirty="0"/>
-              <a:t>g</a:t>
-            </a:r>
-            <a:r>
-              <a:rPr lang="en-US" sz="900" baseline="-25000" dirty="0"/>
-              <a:t>4</a:t>
-            </a:r>
-          </a:p>
-        </p:txBody>
-      </p:sp>
-    </p:spTree>
-    <p:extLst>
-      <p:ext uri="{BB962C8B-B14F-4D97-AF65-F5344CB8AC3E}">
         <p14:creationId xmlns:p14="http://schemas.microsoft.com/office/powerpoint/2010/main" val="327070223"/>
       </p:ext>
     </p:extLst>
@@ -18706,48 +18569,6 @@
           <a:p>
             <a:pPr algn="ctr"/>
             <a:endParaRPr lang="en-US"/>
-          </a:p>
-        </p:txBody>
-      </p:sp>
-      <p:sp>
-        <p:nvSpPr>
-          <p:cNvPr id="142" name="TextBox 141">
-            <a:extLst>
-              <a:ext uri="{FF2B5EF4-FFF2-40B4-BE49-F238E27FC236}">
-                <a16:creationId xmlns:a16="http://schemas.microsoft.com/office/drawing/2014/main" id="{BE721CEF-2C95-46F9-8CB5-7F856054D82A}"/>
-              </a:ext>
-            </a:extLst>
-          </p:cNvPr>
-          <p:cNvSpPr txBox="1"/>
-          <p:nvPr/>
-        </p:nvSpPr>
-        <p:spPr>
-          <a:xfrm>
-            <a:off x="7898702" y="2075329"/>
-            <a:ext cx="104775" cy="138499"/>
-          </a:xfrm>
-          <a:prstGeom prst="rect">
-            <a:avLst/>
-          </a:prstGeom>
-          <a:noFill/>
-          <a:ln>
-            <a:noFill/>
-          </a:ln>
-        </p:spPr>
-        <p:txBody>
-          <a:bodyPr wrap="square" lIns="0" tIns="0" rIns="0" bIns="0" rtlCol="0">
-            <a:spAutoFit/>
-          </a:bodyPr>
-          <a:lstStyle/>
-          <a:p>
-            <a:r>
-              <a:rPr lang="en-US" sz="900" dirty="0"/>
-              <a:t>θ</a:t>
-            </a:r>
-            <a:r>
-              <a:rPr lang="en-US" sz="900" baseline="-25000" dirty="0"/>
-              <a:t>1</a:t>
-            </a:r>
           </a:p>
         </p:txBody>
       </p:sp>
@@ -19675,46 +19496,6 @@
             <a:r>
               <a:rPr lang="en-US" sz="900" baseline="-25000" dirty="0"/>
               <a:t>7</a:t>
-            </a:r>
-          </a:p>
-        </p:txBody>
-      </p:sp>
-      <p:sp>
-        <p:nvSpPr>
-          <p:cNvPr id="153" name="Rectangle 152">
-            <a:extLst>
-              <a:ext uri="{FF2B5EF4-FFF2-40B4-BE49-F238E27FC236}">
-                <a16:creationId xmlns:a16="http://schemas.microsoft.com/office/drawing/2014/main" id="{E131CA57-F77F-4ED2-B61E-3920497EAFA2}"/>
-              </a:ext>
-            </a:extLst>
-          </p:cNvPr>
-          <p:cNvSpPr/>
-          <p:nvPr/>
-        </p:nvSpPr>
-        <p:spPr>
-          <a:xfrm>
-            <a:off x="8645911" y="1936829"/>
-            <a:ext cx="1662364" cy="276999"/>
-          </a:xfrm>
-          <a:prstGeom prst="rect">
-            <a:avLst/>
-          </a:prstGeom>
-        </p:spPr>
-        <p:txBody>
-          <a:bodyPr wrap="square">
-            <a:spAutoFit/>
-          </a:bodyPr>
-          <a:lstStyle/>
-          <a:p>
-            <a:r>
-              <a:rPr lang="en-GB" sz="600" dirty="0"/>
-              <a:t>a is along Z axis on XY plane</a:t>
-            </a:r>
-          </a:p>
-          <a:p>
-            <a:r>
-              <a:rPr lang="en-GB" sz="600" dirty="0"/>
-              <a:t>d is along X axis on YZ plane </a:t>
             </a:r>
           </a:p>
         </p:txBody>
